--- a/分布式事务.pptx
+++ b/分布式事务.pptx
@@ -5,21 +5,29 @@
     <p:sldMasterId id="2147483648" r:id="rId1"/>
   </p:sldMasterIdLst>
   <p:notesMasterIdLst>
-    <p:notesMasterId r:id="rId14"/>
+    <p:notesMasterId r:id="rId22"/>
   </p:notesMasterIdLst>
   <p:sldIdLst>
     <p:sldId id="256" r:id="rId2"/>
-    <p:sldId id="259" r:id="rId3"/>
-    <p:sldId id="257" r:id="rId4"/>
-    <p:sldId id="261" r:id="rId5"/>
-    <p:sldId id="262" r:id="rId6"/>
-    <p:sldId id="263" r:id="rId7"/>
-    <p:sldId id="260" r:id="rId8"/>
-    <p:sldId id="258" r:id="rId9"/>
-    <p:sldId id="265" r:id="rId10"/>
-    <p:sldId id="266" r:id="rId11"/>
-    <p:sldId id="267" r:id="rId12"/>
-    <p:sldId id="264" r:id="rId13"/>
+    <p:sldId id="274" r:id="rId3"/>
+    <p:sldId id="275" r:id="rId4"/>
+    <p:sldId id="273" r:id="rId5"/>
+    <p:sldId id="259" r:id="rId6"/>
+    <p:sldId id="257" r:id="rId7"/>
+    <p:sldId id="261" r:id="rId8"/>
+    <p:sldId id="262" r:id="rId9"/>
+    <p:sldId id="263" r:id="rId10"/>
+    <p:sldId id="260" r:id="rId11"/>
+    <p:sldId id="258" r:id="rId12"/>
+    <p:sldId id="268" r:id="rId13"/>
+    <p:sldId id="269" r:id="rId14"/>
+    <p:sldId id="270" r:id="rId15"/>
+    <p:sldId id="271" r:id="rId16"/>
+    <p:sldId id="265" r:id="rId17"/>
+    <p:sldId id="266" r:id="rId18"/>
+    <p:sldId id="267" r:id="rId19"/>
+    <p:sldId id="272" r:id="rId20"/>
+    <p:sldId id="264" r:id="rId21"/>
   </p:sldIdLst>
   <p:sldSz cx="12192000" cy="6858000"/>
   <p:notesSz cx="6858000" cy="9144000"/>
@@ -220,7 +228,7 @@
           <a:p>
             <a:fld id="{46863961-1DFE-4D7D-8C20-D6E8E3DA9ED9}" type="datetimeFigureOut">
               <a:rPr lang="zh-CN" altLang="en-US" smtClean="0"/>
-              <a:t>2016/11/6</a:t>
+              <a:t>2016/11/14</a:t>
             </a:fld>
             <a:endParaRPr lang="zh-CN" altLang="en-US"/>
           </a:p>
@@ -533,23 +541,111 @@
           <a:lstStyle/>
           <a:p>
             <a:r>
-              <a:rPr lang="en-US" altLang="zh-CN" dirty="0"/>
-              <a:t>XA:</a:t>
-            </a:r>
-            <a:r>
-              <a:rPr lang="en-US" altLang="zh-CN" baseline="0" dirty="0"/>
-              <a:t> </a:t>
-            </a:r>
-            <a:r>
-              <a:rPr lang="zh-CN" altLang="en-US" baseline="0" dirty="0"/>
-              <a:t>存在事务协调器</a:t>
-            </a:r>
-            <a:endParaRPr lang="en-US" altLang="zh-CN" baseline="0" dirty="0"/>
-          </a:p>
-          <a:p>
-            <a:r>
-              <a:rPr lang="zh-CN" altLang="en-US" baseline="0" dirty="0"/>
-              <a:t>补偿机制：如银行冲正</a:t>
+              <a:rPr lang="en-US" altLang="zh-CN" dirty="0">
+                <a:effectLst/>
+              </a:rPr>
+              <a:t>1 </a:t>
+            </a:r>
+            <a:r>
+              <a:rPr lang="zh-CN" altLang="en-US" dirty="0">
+                <a:effectLst/>
+              </a:rPr>
+              <a:t>、原子性 </a:t>
+            </a:r>
+            <a:br>
+              <a:rPr lang="zh-CN" altLang="en-US" dirty="0">
+                <a:effectLst/>
+              </a:rPr>
+            </a:br>
+            <a:r>
+              <a:rPr lang="zh-CN" altLang="en-US" dirty="0">
+                <a:effectLst/>
+              </a:rPr>
+              <a:t>事务是数据库的逻辑工作单位，事务中包含的各操作要么都做，要么都不做 </a:t>
+            </a:r>
+            <a:br>
+              <a:rPr lang="zh-CN" altLang="en-US" dirty="0">
+                <a:effectLst/>
+              </a:rPr>
+            </a:br>
+            <a:r>
+              <a:rPr lang="en-US" altLang="zh-CN" dirty="0">
+                <a:effectLst/>
+              </a:rPr>
+              <a:t>2 </a:t>
+            </a:r>
+            <a:r>
+              <a:rPr lang="zh-CN" altLang="en-US" dirty="0">
+                <a:effectLst/>
+              </a:rPr>
+              <a:t>、一致性 </a:t>
+            </a:r>
+            <a:br>
+              <a:rPr lang="zh-CN" altLang="en-US" dirty="0">
+                <a:effectLst/>
+              </a:rPr>
+            </a:br>
+            <a:r>
+              <a:rPr lang="zh-CN" altLang="en-US" dirty="0">
+                <a:effectLst/>
+              </a:rPr>
+              <a:t>事 务执行的结果必须是使数据库从一个一致性状态变到另一个一致性状态。因此当数据库只包含成功事务提交的结果时，就说数据库处于一致性状态。如果数据库系统 运行中发生故障，有些事务尚未完成就被迫中断，这些未完成事务对数据库所做的修改有一部分已写入物理数据库，这时数据库就处于一种不正确的状态，或者说是 不一致的状态。 </a:t>
+            </a:r>
+            <a:br>
+              <a:rPr lang="zh-CN" altLang="en-US" dirty="0">
+                <a:effectLst/>
+              </a:rPr>
+            </a:br>
+            <a:r>
+              <a:rPr lang="en-US" altLang="zh-CN" dirty="0">
+                <a:effectLst/>
+              </a:rPr>
+              <a:t>3 </a:t>
+            </a:r>
+            <a:r>
+              <a:rPr lang="zh-CN" altLang="en-US" dirty="0">
+                <a:effectLst/>
+              </a:rPr>
+              <a:t>、隔离性 </a:t>
+            </a:r>
+            <a:br>
+              <a:rPr lang="zh-CN" altLang="en-US" dirty="0">
+                <a:effectLst/>
+              </a:rPr>
+            </a:br>
+            <a:r>
+              <a:rPr lang="zh-CN" altLang="en-US" dirty="0">
+                <a:effectLst/>
+              </a:rPr>
+              <a:t>一个事务的执行不能其它事务干扰。即一个事务内部的操作及使用的数据对其它并发事务是隔离的，并发执行的各个事务之间不能互相干扰。 </a:t>
+            </a:r>
+            <a:br>
+              <a:rPr lang="zh-CN" altLang="en-US" dirty="0">
+                <a:effectLst/>
+              </a:rPr>
+            </a:br>
+            <a:r>
+              <a:rPr lang="en-US" altLang="zh-CN" dirty="0">
+                <a:effectLst/>
+              </a:rPr>
+              <a:t>4 </a:t>
+            </a:r>
+            <a:r>
+              <a:rPr lang="zh-CN" altLang="en-US" dirty="0">
+                <a:effectLst/>
+              </a:rPr>
+              <a:t>、持续性 </a:t>
+            </a:r>
+            <a:br>
+              <a:rPr lang="zh-CN" altLang="en-US" dirty="0">
+                <a:effectLst/>
+              </a:rPr>
+            </a:br>
+            <a:r>
+              <a:rPr lang="zh-CN" altLang="en-US" dirty="0">
+                <a:effectLst/>
+              </a:rPr>
+              <a:t>也称永久性，指一个事务一旦提交，它对数据库中的数据的改变就应该是永久性的。接下来的其它操作或故障不应该对其执行结果有任何影响。</a:t>
             </a:r>
             <a:endParaRPr lang="zh-CN" altLang="en-US" dirty="0"/>
           </a:p>
@@ -572,7 +668,7 @@
           <a:p>
             <a:fld id="{30936462-658F-4E41-8C6E-2EAB7E357587}" type="slidenum">
               <a:rPr lang="zh-CN" altLang="en-US" smtClean="0"/>
-              <a:t>3</a:t>
+              <a:t>2</a:t>
             </a:fld>
             <a:endParaRPr lang="zh-CN" altLang="en-US"/>
           </a:p>
@@ -581,7 +677,7 @@
     </p:spTree>
     <p:extLst>
       <p:ext uri="{BB962C8B-B14F-4D97-AF65-F5344CB8AC3E}">
-        <p14:creationId xmlns:p14="http://schemas.microsoft.com/office/powerpoint/2010/main" val="2976006048"/>
+        <p14:creationId xmlns:p14="http://schemas.microsoft.com/office/powerpoint/2010/main" val="687648186"/>
       </p:ext>
     </p:extLst>
   </p:cSld>
@@ -635,162 +731,7 @@
           <a:bodyPr/>
           <a:lstStyle/>
           <a:p>
-            <a:r>
-              <a:rPr lang="en-US" altLang="zh-CN" dirty="0"/>
-              <a:t>Commit</a:t>
-            </a:r>
-            <a:r>
-              <a:rPr lang="zh-CN" altLang="en-US" dirty="0"/>
-              <a:t>逻辑</a:t>
-            </a:r>
-            <a:endParaRPr lang="en-US" altLang="zh-CN" dirty="0"/>
-          </a:p>
-          <a:p>
-            <a:r>
-              <a:rPr lang="en-US" altLang="zh-CN" dirty="0"/>
-              <a:t>1</a:t>
-            </a:r>
-            <a:r>
-              <a:rPr lang="zh-CN" altLang="en-US" dirty="0"/>
-              <a:t>）协调者节点向所有参与者节点发出”正式提交</a:t>
-            </a:r>
-            <a:r>
-              <a:rPr lang="en-US" altLang="zh-CN" dirty="0"/>
-              <a:t>(commit)”</a:t>
-            </a:r>
-            <a:r>
-              <a:rPr lang="zh-CN" altLang="en-US" dirty="0"/>
-              <a:t>的请求。</a:t>
-            </a:r>
-          </a:p>
-          <a:p>
-            <a:r>
-              <a:rPr lang="en-US" altLang="zh-CN" dirty="0"/>
-              <a:t>2</a:t>
-            </a:r>
-            <a:r>
-              <a:rPr lang="zh-CN" altLang="en-US" dirty="0"/>
-              <a:t>）参与者节点正式完成操作，并释放在整个事务期间内占用的资源。</a:t>
-            </a:r>
-          </a:p>
-          <a:p>
-            <a:r>
-              <a:rPr lang="en-US" altLang="zh-CN" dirty="0"/>
-              <a:t>3</a:t>
-            </a:r>
-            <a:r>
-              <a:rPr lang="zh-CN" altLang="en-US" dirty="0"/>
-              <a:t>）参与者节点向协调者节点发送”完成”消息。</a:t>
-            </a:r>
-          </a:p>
-          <a:p>
-            <a:r>
-              <a:rPr lang="en-US" altLang="zh-CN" dirty="0"/>
-              <a:t>4</a:t>
-            </a:r>
-            <a:r>
-              <a:rPr lang="zh-CN" altLang="en-US" dirty="0"/>
-              <a:t>）协调者节点受到所有参与者节点反馈的”完成”消息后，完成事务。</a:t>
-            </a:r>
-          </a:p>
-          <a:p>
-            <a:endParaRPr lang="en-US" altLang="zh-CN" dirty="0"/>
-          </a:p>
-          <a:p>
-            <a:endParaRPr lang="en-US" altLang="zh-CN" dirty="0"/>
-          </a:p>
-          <a:p>
-            <a:pPr marL="0" marR="0" lvl="0" indent="0" algn="l" defTabSz="914400" rtl="0" eaLnBrk="1" fontAlgn="auto" latinLnBrk="0" hangingPunct="1">
-              <a:lnSpc>
-                <a:spcPct val="100000"/>
-              </a:lnSpc>
-              <a:spcBef>
-                <a:spcPts val="0"/>
-              </a:spcBef>
-              <a:spcAft>
-                <a:spcPts val="0"/>
-              </a:spcAft>
-              <a:buClrTx/>
-              <a:buSzTx/>
-              <a:buFontTx/>
-              <a:buNone/>
-              <a:tabLst/>
-              <a:defRPr/>
-            </a:pPr>
-            <a:r>
-              <a:rPr lang="en-US" altLang="zh-CN" dirty="0"/>
-              <a:t>Rollback</a:t>
-            </a:r>
-            <a:r>
-              <a:rPr lang="zh-CN" altLang="en-US" dirty="0"/>
-              <a:t>逻辑</a:t>
-            </a:r>
-            <a:endParaRPr lang="en-US" altLang="zh-CN" dirty="0"/>
-          </a:p>
-          <a:p>
-            <a:r>
-              <a:rPr lang="en-US" altLang="zh-CN" dirty="0"/>
-              <a:t>1</a:t>
-            </a:r>
-            <a:r>
-              <a:rPr lang="zh-CN" altLang="en-US" dirty="0"/>
-              <a:t>）协调者节点向所有参与者节点发出”回滚操作</a:t>
-            </a:r>
-            <a:r>
-              <a:rPr lang="en-US" altLang="zh-CN" dirty="0"/>
-              <a:t>(rollback)”</a:t>
-            </a:r>
-            <a:r>
-              <a:rPr lang="zh-CN" altLang="en-US" dirty="0"/>
-              <a:t>的请求。</a:t>
-            </a:r>
-          </a:p>
-          <a:p>
-            <a:r>
-              <a:rPr lang="en-US" altLang="zh-CN" dirty="0"/>
-              <a:t>2</a:t>
-            </a:r>
-            <a:r>
-              <a:rPr lang="zh-CN" altLang="en-US" dirty="0"/>
-              <a:t>）参与者节点利用之前写入的</a:t>
-            </a:r>
-            <a:r>
-              <a:rPr lang="en-US" altLang="zh-CN" dirty="0"/>
-              <a:t>Undo</a:t>
-            </a:r>
-            <a:r>
-              <a:rPr lang="zh-CN" altLang="en-US" dirty="0"/>
-              <a:t>信息执行回滚，并释放在整个事务期间内占用的资源。</a:t>
-            </a:r>
-          </a:p>
-          <a:p>
-            <a:r>
-              <a:rPr lang="en-US" altLang="zh-CN" dirty="0"/>
-              <a:t>3</a:t>
-            </a:r>
-            <a:r>
-              <a:rPr lang="zh-CN" altLang="en-US" dirty="0"/>
-              <a:t>）参与者节点向协调者节点发送”回滚完成”消息。</a:t>
-            </a:r>
-          </a:p>
-          <a:p>
-            <a:r>
-              <a:rPr lang="en-US" altLang="zh-CN" dirty="0"/>
-              <a:t>4</a:t>
-            </a:r>
-            <a:r>
-              <a:rPr lang="zh-CN" altLang="en-US" dirty="0"/>
-              <a:t>）协调者节点受到所有参与者节点反馈的”回滚完成”消息后，取消事务。</a:t>
-            </a:r>
-          </a:p>
-          <a:p>
-            <a:endParaRPr lang="en-US" altLang="zh-CN" dirty="0"/>
-          </a:p>
-          <a:p>
-            <a:r>
-              <a:rPr lang="zh-CN" altLang="en-US" dirty="0"/>
-              <a:t>缺陷</a:t>
-            </a:r>
+            <a:endParaRPr lang="zh-CN" altLang="en-US" dirty="0"/>
           </a:p>
         </p:txBody>
       </p:sp>
@@ -820,7 +761,7 @@
     </p:spTree>
     <p:extLst>
       <p:ext uri="{BB962C8B-B14F-4D97-AF65-F5344CB8AC3E}">
-        <p14:creationId xmlns:p14="http://schemas.microsoft.com/office/powerpoint/2010/main" val="3749321538"/>
+        <p14:creationId xmlns:p14="http://schemas.microsoft.com/office/powerpoint/2010/main" val="3223835939"/>
       </p:ext>
     </p:extLst>
   </p:cSld>
@@ -875,89 +816,25 @@
           <a:lstStyle/>
           <a:p>
             <a:r>
-              <a:rPr lang="zh-CN" altLang="en-US" dirty="0"/>
-              <a:t>在</a:t>
-            </a:r>
-            <a:r>
-              <a:rPr lang="en-US" altLang="zh-CN" dirty="0" err="1"/>
-              <a:t>doCommit</a:t>
-            </a:r>
-            <a:r>
-              <a:rPr lang="zh-CN" altLang="en-US" dirty="0"/>
-              <a:t>阶段，如果参与者无法及时接收到来自协调者的</a:t>
-            </a:r>
-            <a:r>
-              <a:rPr lang="en-US" altLang="zh-CN" dirty="0" err="1"/>
-              <a:t>doCommit</a:t>
-            </a:r>
-            <a:r>
-              <a:rPr lang="zh-CN" altLang="en-US" dirty="0"/>
-              <a:t>或者</a:t>
-            </a:r>
-            <a:r>
-              <a:rPr lang="en-US" altLang="zh-CN" dirty="0" err="1"/>
-              <a:t>rebort</a:t>
-            </a:r>
-            <a:r>
-              <a:rPr lang="zh-CN" altLang="en-US" dirty="0"/>
-              <a:t>请求时，会在等待超时之后，会继续进行事务的提交。（其实这个应该是基于概率来决定的，当进入第三阶段时，说明参与者在第二阶段已经收到了</a:t>
-            </a:r>
-            <a:r>
-              <a:rPr lang="en-US" altLang="zh-CN" dirty="0" err="1"/>
-              <a:t>PreCommit</a:t>
-            </a:r>
-            <a:r>
-              <a:rPr lang="zh-CN" altLang="en-US" dirty="0"/>
-              <a:t>请求，那么协调者产生</a:t>
-            </a:r>
-            <a:r>
-              <a:rPr lang="en-US" altLang="zh-CN" dirty="0" err="1"/>
-              <a:t>PreCommit</a:t>
-            </a:r>
-            <a:r>
-              <a:rPr lang="zh-CN" altLang="en-US" dirty="0"/>
-              <a:t>请求的前提条件是他在第二阶段开始之前，收到所有参与者的</a:t>
-            </a:r>
-            <a:r>
-              <a:rPr lang="en-US" altLang="zh-CN" dirty="0" err="1"/>
-              <a:t>CanCommit</a:t>
-            </a:r>
-            <a:r>
-              <a:rPr lang="zh-CN" altLang="en-US" dirty="0"/>
-              <a:t>响应都是</a:t>
-            </a:r>
-            <a:r>
-              <a:rPr lang="en-US" altLang="zh-CN" dirty="0"/>
-              <a:t>Yes</a:t>
-            </a:r>
-            <a:r>
-              <a:rPr lang="zh-CN" altLang="en-US" dirty="0"/>
-              <a:t>。（一旦参与者收到了</a:t>
-            </a:r>
-            <a:r>
-              <a:rPr lang="en-US" altLang="zh-CN" dirty="0" err="1"/>
-              <a:t>PreCommit</a:t>
-            </a:r>
-            <a:r>
-              <a:rPr lang="zh-CN" altLang="en-US" dirty="0"/>
-              <a:t>，意味他知道大家其实都同意修改了）所以，一句话概括就是，当进入第三阶段时，由于网络超时等原因，虽然参与者没有收到</a:t>
-            </a:r>
-            <a:r>
-              <a:rPr lang="en-US" altLang="zh-CN" dirty="0"/>
-              <a:t>commit</a:t>
-            </a:r>
-            <a:r>
-              <a:rPr lang="zh-CN" altLang="en-US" dirty="0"/>
-              <a:t>或者</a:t>
-            </a:r>
-            <a:r>
-              <a:rPr lang="en-US" altLang="zh-CN" dirty="0"/>
-              <a:t>abort</a:t>
-            </a:r>
-            <a:r>
-              <a:rPr lang="zh-CN" altLang="en-US" dirty="0"/>
-              <a:t>响应，但是他有理由相信：成功提交的几率很大。 ）</a:t>
-            </a:r>
+              <a:rPr lang="en-US" altLang="zh-CN" dirty="0"/>
+              <a:t>XA:</a:t>
+            </a:r>
+            <a:r>
+              <a:rPr lang="en-US" altLang="zh-CN" baseline="0" dirty="0"/>
+              <a:t> </a:t>
+            </a:r>
+            <a:r>
+              <a:rPr lang="zh-CN" altLang="en-US" baseline="0" dirty="0"/>
+              <a:t>存在事务协调器</a:t>
+            </a:r>
+            <a:endParaRPr lang="en-US" altLang="zh-CN" baseline="0" dirty="0"/>
+          </a:p>
+          <a:p>
+            <a:r>
+              <a:rPr lang="zh-CN" altLang="en-US" baseline="0" dirty="0"/>
+              <a:t>补偿机制：如银行冲正</a:t>
+            </a:r>
+            <a:endParaRPr lang="zh-CN" altLang="en-US" dirty="0"/>
           </a:p>
         </p:txBody>
       </p:sp>
@@ -978,7 +855,7 @@
           <a:p>
             <a:fld id="{30936462-658F-4E41-8C6E-2EAB7E357587}" type="slidenum">
               <a:rPr lang="zh-CN" altLang="en-US" smtClean="0"/>
-              <a:t>5</a:t>
+              <a:t>6</a:t>
             </a:fld>
             <a:endParaRPr lang="zh-CN" altLang="en-US"/>
           </a:p>
@@ -987,7 +864,7 @@
     </p:spTree>
     <p:extLst>
       <p:ext uri="{BB962C8B-B14F-4D97-AF65-F5344CB8AC3E}">
-        <p14:creationId xmlns:p14="http://schemas.microsoft.com/office/powerpoint/2010/main" val="3648280276"/>
+        <p14:creationId xmlns:p14="http://schemas.microsoft.com/office/powerpoint/2010/main" val="2976006048"/>
       </p:ext>
     </p:extLst>
   </p:cSld>
@@ -1041,7 +918,329 @@
           <a:bodyPr/>
           <a:lstStyle/>
           <a:p>
-            <a:endParaRPr lang="zh-CN" altLang="en-US" dirty="0"/>
+            <a:r>
+              <a:rPr lang="en-US" altLang="zh-CN" dirty="0"/>
+              <a:t>Commit</a:t>
+            </a:r>
+            <a:r>
+              <a:rPr lang="zh-CN" altLang="en-US" dirty="0"/>
+              <a:t>逻辑</a:t>
+            </a:r>
+            <a:endParaRPr lang="en-US" altLang="zh-CN" dirty="0"/>
+          </a:p>
+          <a:p>
+            <a:r>
+              <a:rPr lang="en-US" altLang="zh-CN" dirty="0"/>
+              <a:t>1</a:t>
+            </a:r>
+            <a:r>
+              <a:rPr lang="zh-CN" altLang="en-US" dirty="0"/>
+              <a:t>）协调者节点向所有参与者节点发出”正式提交</a:t>
+            </a:r>
+            <a:r>
+              <a:rPr lang="en-US" altLang="zh-CN" dirty="0"/>
+              <a:t>(commit)”</a:t>
+            </a:r>
+            <a:r>
+              <a:rPr lang="zh-CN" altLang="en-US" dirty="0"/>
+              <a:t>的请求。</a:t>
+            </a:r>
+          </a:p>
+          <a:p>
+            <a:r>
+              <a:rPr lang="en-US" altLang="zh-CN" dirty="0"/>
+              <a:t>2</a:t>
+            </a:r>
+            <a:r>
+              <a:rPr lang="zh-CN" altLang="en-US" dirty="0"/>
+              <a:t>）参与者节点正式完成操作，并释放在整个事务期间内占用的资源。</a:t>
+            </a:r>
+          </a:p>
+          <a:p>
+            <a:r>
+              <a:rPr lang="en-US" altLang="zh-CN" dirty="0"/>
+              <a:t>3</a:t>
+            </a:r>
+            <a:r>
+              <a:rPr lang="zh-CN" altLang="en-US" dirty="0"/>
+              <a:t>）参与者节点向协调者节点发送”完成”消息。</a:t>
+            </a:r>
+          </a:p>
+          <a:p>
+            <a:r>
+              <a:rPr lang="en-US" altLang="zh-CN" dirty="0"/>
+              <a:t>4</a:t>
+            </a:r>
+            <a:r>
+              <a:rPr lang="zh-CN" altLang="en-US" dirty="0"/>
+              <a:t>）协调者节点受到所有参与者节点反馈的”完成”消息后，完成事务。</a:t>
+            </a:r>
+          </a:p>
+          <a:p>
+            <a:endParaRPr lang="en-US" altLang="zh-CN" dirty="0"/>
+          </a:p>
+          <a:p>
+            <a:endParaRPr lang="en-US" altLang="zh-CN" dirty="0"/>
+          </a:p>
+          <a:p>
+            <a:pPr marL="0" marR="0" lvl="0" indent="0" algn="l" defTabSz="914400" rtl="0" eaLnBrk="1" fontAlgn="auto" latinLnBrk="0" hangingPunct="1">
+              <a:lnSpc>
+                <a:spcPct val="100000"/>
+              </a:lnSpc>
+              <a:spcBef>
+                <a:spcPts val="0"/>
+              </a:spcBef>
+              <a:spcAft>
+                <a:spcPts val="0"/>
+              </a:spcAft>
+              <a:buClrTx/>
+              <a:buSzTx/>
+              <a:buFontTx/>
+              <a:buNone/>
+              <a:tabLst/>
+              <a:defRPr/>
+            </a:pPr>
+            <a:r>
+              <a:rPr lang="en-US" altLang="zh-CN" dirty="0"/>
+              <a:t>Rollback</a:t>
+            </a:r>
+            <a:r>
+              <a:rPr lang="zh-CN" altLang="en-US" dirty="0"/>
+              <a:t>逻辑</a:t>
+            </a:r>
+            <a:endParaRPr lang="en-US" altLang="zh-CN" dirty="0"/>
+          </a:p>
+          <a:p>
+            <a:r>
+              <a:rPr lang="en-US" altLang="zh-CN" dirty="0"/>
+              <a:t>1</a:t>
+            </a:r>
+            <a:r>
+              <a:rPr lang="zh-CN" altLang="en-US" dirty="0"/>
+              <a:t>）协调者节点向所有参与者节点发出”回滚操作</a:t>
+            </a:r>
+            <a:r>
+              <a:rPr lang="en-US" altLang="zh-CN" dirty="0"/>
+              <a:t>(rollback)”</a:t>
+            </a:r>
+            <a:r>
+              <a:rPr lang="zh-CN" altLang="en-US" dirty="0"/>
+              <a:t>的请求。</a:t>
+            </a:r>
+          </a:p>
+          <a:p>
+            <a:r>
+              <a:rPr lang="en-US" altLang="zh-CN" dirty="0"/>
+              <a:t>2</a:t>
+            </a:r>
+            <a:r>
+              <a:rPr lang="zh-CN" altLang="en-US" dirty="0"/>
+              <a:t>）参与者节点利用之前写入的</a:t>
+            </a:r>
+            <a:r>
+              <a:rPr lang="en-US" altLang="zh-CN" dirty="0"/>
+              <a:t>Undo</a:t>
+            </a:r>
+            <a:r>
+              <a:rPr lang="zh-CN" altLang="en-US" dirty="0"/>
+              <a:t>信息执行回滚，并释放在整个事务期间内占用的资源。</a:t>
+            </a:r>
+          </a:p>
+          <a:p>
+            <a:r>
+              <a:rPr lang="en-US" altLang="zh-CN" dirty="0"/>
+              <a:t>3</a:t>
+            </a:r>
+            <a:r>
+              <a:rPr lang="zh-CN" altLang="en-US" dirty="0"/>
+              <a:t>）参与者节点向协调者节点发送”回滚完成”消息。</a:t>
+            </a:r>
+          </a:p>
+          <a:p>
+            <a:r>
+              <a:rPr lang="en-US" altLang="zh-CN" dirty="0"/>
+              <a:t>4</a:t>
+            </a:r>
+            <a:r>
+              <a:rPr lang="zh-CN" altLang="en-US" dirty="0"/>
+              <a:t>）协调者节点受到所有参与者节点反馈的”回滚完成”消息后，取消事务。</a:t>
+            </a:r>
+          </a:p>
+          <a:p>
+            <a:endParaRPr lang="en-US" altLang="zh-CN" dirty="0"/>
+          </a:p>
+          <a:p>
+            <a:r>
+              <a:rPr lang="zh-CN" altLang="en-US" dirty="0"/>
+              <a:t>缺陷</a:t>
+            </a:r>
+          </a:p>
+        </p:txBody>
+      </p:sp>
+      <p:sp>
+        <p:nvSpPr>
+          <p:cNvPr id="4" name="Slide Number Placeholder 3"/>
+          <p:cNvSpPr>
+            <a:spLocks noGrp="1"/>
+          </p:cNvSpPr>
+          <p:nvPr>
+            <p:ph type="sldNum" sz="quarter" idx="10"/>
+          </p:nvPr>
+        </p:nvSpPr>
+        <p:spPr/>
+        <p:txBody>
+          <a:bodyPr/>
+          <a:lstStyle/>
+          <a:p>
+            <a:fld id="{30936462-658F-4E41-8C6E-2EAB7E357587}" type="slidenum">
+              <a:rPr lang="zh-CN" altLang="en-US" smtClean="0"/>
+              <a:t>7</a:t>
+            </a:fld>
+            <a:endParaRPr lang="zh-CN" altLang="en-US"/>
+          </a:p>
+        </p:txBody>
+      </p:sp>
+    </p:spTree>
+    <p:extLst>
+      <p:ext uri="{BB962C8B-B14F-4D97-AF65-F5344CB8AC3E}">
+        <p14:creationId xmlns:p14="http://schemas.microsoft.com/office/powerpoint/2010/main" val="3749321538"/>
+      </p:ext>
+    </p:extLst>
+  </p:cSld>
+  <p:clrMapOvr>
+    <a:masterClrMapping/>
+  </p:clrMapOvr>
+</p:notes>
+</file>
+
+<file path=ppt/notesSlides/notesSlide5.xml><?xml version="1.0" encoding="utf-8"?>
+<p:notes xmlns:a="http://schemas.openxmlformats.org/drawingml/2006/main" xmlns:r="http://schemas.openxmlformats.org/officeDocument/2006/relationships" xmlns:p="http://schemas.openxmlformats.org/presentationml/2006/main">
+  <p:cSld>
+    <p:spTree>
+      <p:nvGrpSpPr>
+        <p:cNvPr id="1" name=""/>
+        <p:cNvGrpSpPr/>
+        <p:nvPr/>
+      </p:nvGrpSpPr>
+      <p:grpSpPr>
+        <a:xfrm>
+          <a:off x="0" y="0"/>
+          <a:ext cx="0" cy="0"/>
+          <a:chOff x="0" y="0"/>
+          <a:chExt cx="0" cy="0"/>
+        </a:xfrm>
+      </p:grpSpPr>
+      <p:sp>
+        <p:nvSpPr>
+          <p:cNvPr id="2" name="Slide Image Placeholder 1"/>
+          <p:cNvSpPr>
+            <a:spLocks noGrp="1" noRot="1" noChangeAspect="1"/>
+          </p:cNvSpPr>
+          <p:nvPr>
+            <p:ph type="sldImg"/>
+          </p:nvPr>
+        </p:nvSpPr>
+        <p:spPr/>
+      </p:sp>
+      <p:sp>
+        <p:nvSpPr>
+          <p:cNvPr id="3" name="Notes Placeholder 2"/>
+          <p:cNvSpPr>
+            <a:spLocks noGrp="1"/>
+          </p:cNvSpPr>
+          <p:nvPr>
+            <p:ph type="body" idx="1"/>
+          </p:nvPr>
+        </p:nvSpPr>
+        <p:spPr/>
+        <p:txBody>
+          <a:bodyPr/>
+          <a:lstStyle/>
+          <a:p>
+            <a:r>
+              <a:rPr lang="zh-CN" altLang="en-US" dirty="0"/>
+              <a:t>在</a:t>
+            </a:r>
+            <a:r>
+              <a:rPr lang="en-US" altLang="zh-CN" dirty="0" err="1"/>
+              <a:t>doCommit</a:t>
+            </a:r>
+            <a:r>
+              <a:rPr lang="zh-CN" altLang="en-US" dirty="0"/>
+              <a:t>阶段，如果参与者无法及时接收到来自协调者的</a:t>
+            </a:r>
+            <a:r>
+              <a:rPr lang="en-US" altLang="zh-CN" dirty="0" err="1"/>
+              <a:t>doCommit</a:t>
+            </a:r>
+            <a:r>
+              <a:rPr lang="zh-CN" altLang="en-US" dirty="0"/>
+              <a:t>或者</a:t>
+            </a:r>
+            <a:r>
+              <a:rPr lang="en-US" altLang="zh-CN" dirty="0" err="1"/>
+              <a:t>rebort</a:t>
+            </a:r>
+            <a:r>
+              <a:rPr lang="zh-CN" altLang="en-US" dirty="0"/>
+              <a:t>请求时，会在等待超时之后，会继续进行事务的提交。（其实这个应该是基于概率来决定的，当进入第三阶段时，说明参与者在第二阶段已经收到了</a:t>
+            </a:r>
+            <a:r>
+              <a:rPr lang="en-US" altLang="zh-CN" dirty="0" err="1"/>
+              <a:t>PreCommit</a:t>
+            </a:r>
+            <a:r>
+              <a:rPr lang="zh-CN" altLang="en-US" dirty="0"/>
+              <a:t>请求，那么协调者产生</a:t>
+            </a:r>
+            <a:r>
+              <a:rPr lang="en-US" altLang="zh-CN" dirty="0" err="1"/>
+              <a:t>PreCommit</a:t>
+            </a:r>
+            <a:r>
+              <a:rPr lang="zh-CN" altLang="en-US" dirty="0"/>
+              <a:t>请求的前提条件是他在第二阶段开始之前，收到所有参与者的</a:t>
+            </a:r>
+            <a:r>
+              <a:rPr lang="en-US" altLang="zh-CN" dirty="0" err="1"/>
+              <a:t>CanCommit</a:t>
+            </a:r>
+            <a:r>
+              <a:rPr lang="zh-CN" altLang="en-US" dirty="0"/>
+              <a:t>响应都是</a:t>
+            </a:r>
+            <a:r>
+              <a:rPr lang="en-US" altLang="zh-CN" dirty="0"/>
+              <a:t>Yes</a:t>
+            </a:r>
+            <a:r>
+              <a:rPr lang="zh-CN" altLang="en-US" dirty="0"/>
+              <a:t>。（一旦参与者收到了</a:t>
+            </a:r>
+            <a:r>
+              <a:rPr lang="en-US" altLang="zh-CN" dirty="0" err="1"/>
+              <a:t>PreCommit</a:t>
+            </a:r>
+            <a:r>
+              <a:rPr lang="zh-CN" altLang="en-US" dirty="0"/>
+              <a:t>，意味他知道大家其实都同意修改了）所以，一句话概括就是，当进入第三阶段时，由于网络超时等原因，虽然参与者没有收到</a:t>
+            </a:r>
+            <a:r>
+              <a:rPr lang="en-US" altLang="zh-CN" dirty="0"/>
+              <a:t>commit</a:t>
+            </a:r>
+            <a:r>
+              <a:rPr lang="zh-CN" altLang="en-US" dirty="0"/>
+              <a:t>或者</a:t>
+            </a:r>
+            <a:r>
+              <a:rPr lang="en-US" altLang="zh-CN" dirty="0"/>
+              <a:t>abort</a:t>
+            </a:r>
+            <a:r>
+              <a:rPr lang="zh-CN" altLang="en-US" dirty="0"/>
+              <a:t>响应，但是他有理由相信：成功提交的几率很大。 ）</a:t>
+            </a:r>
           </a:p>
         </p:txBody>
       </p:sp>
@@ -1071,7 +1270,1663 @@
     </p:spTree>
     <p:extLst>
       <p:ext uri="{BB962C8B-B14F-4D97-AF65-F5344CB8AC3E}">
+        <p14:creationId xmlns:p14="http://schemas.microsoft.com/office/powerpoint/2010/main" val="3648280276"/>
+      </p:ext>
+    </p:extLst>
+  </p:cSld>
+  <p:clrMapOvr>
+    <a:masterClrMapping/>
+  </p:clrMapOvr>
+</p:notes>
+</file>
+
+<file path=ppt/notesSlides/notesSlide6.xml><?xml version="1.0" encoding="utf-8"?>
+<p:notes xmlns:a="http://schemas.openxmlformats.org/drawingml/2006/main" xmlns:r="http://schemas.openxmlformats.org/officeDocument/2006/relationships" xmlns:p="http://schemas.openxmlformats.org/presentationml/2006/main">
+  <p:cSld>
+    <p:spTree>
+      <p:nvGrpSpPr>
+        <p:cNvPr id="1" name=""/>
+        <p:cNvGrpSpPr/>
+        <p:nvPr/>
+      </p:nvGrpSpPr>
+      <p:grpSpPr>
+        <a:xfrm>
+          <a:off x="0" y="0"/>
+          <a:ext cx="0" cy="0"/>
+          <a:chOff x="0" y="0"/>
+          <a:chExt cx="0" cy="0"/>
+        </a:xfrm>
+      </p:grpSpPr>
+      <p:sp>
+        <p:nvSpPr>
+          <p:cNvPr id="2" name="Slide Image Placeholder 1"/>
+          <p:cNvSpPr>
+            <a:spLocks noGrp="1" noRot="1" noChangeAspect="1"/>
+          </p:cNvSpPr>
+          <p:nvPr>
+            <p:ph type="sldImg"/>
+          </p:nvPr>
+        </p:nvSpPr>
+        <p:spPr/>
+      </p:sp>
+      <p:sp>
+        <p:nvSpPr>
+          <p:cNvPr id="3" name="Notes Placeholder 2"/>
+          <p:cNvSpPr>
+            <a:spLocks noGrp="1"/>
+          </p:cNvSpPr>
+          <p:nvPr>
+            <p:ph type="body" idx="1"/>
+          </p:nvPr>
+        </p:nvSpPr>
+        <p:spPr/>
+        <p:txBody>
+          <a:bodyPr/>
+          <a:lstStyle/>
+          <a:p>
+            <a:endParaRPr lang="zh-CN" altLang="en-US" dirty="0"/>
+          </a:p>
+        </p:txBody>
+      </p:sp>
+      <p:sp>
+        <p:nvSpPr>
+          <p:cNvPr id="4" name="Slide Number Placeholder 3"/>
+          <p:cNvSpPr>
+            <a:spLocks noGrp="1"/>
+          </p:cNvSpPr>
+          <p:nvPr>
+            <p:ph type="sldNum" sz="quarter" idx="10"/>
+          </p:nvPr>
+        </p:nvSpPr>
+        <p:spPr/>
+        <p:txBody>
+          <a:bodyPr/>
+          <a:lstStyle/>
+          <a:p>
+            <a:fld id="{30936462-658F-4E41-8C6E-2EAB7E357587}" type="slidenum">
+              <a:rPr lang="zh-CN" altLang="en-US" smtClean="0"/>
+              <a:t>11</a:t>
+            </a:fld>
+            <a:endParaRPr lang="zh-CN" altLang="en-US"/>
+          </a:p>
+        </p:txBody>
+      </p:sp>
+    </p:spTree>
+    <p:extLst>
+      <p:ext uri="{BB962C8B-B14F-4D97-AF65-F5344CB8AC3E}">
         <p14:creationId xmlns:p14="http://schemas.microsoft.com/office/powerpoint/2010/main" val="4096323322"/>
+      </p:ext>
+    </p:extLst>
+  </p:cSld>
+  <p:clrMapOvr>
+    <a:masterClrMapping/>
+  </p:clrMapOvr>
+</p:notes>
+</file>
+
+<file path=ppt/notesSlides/notesSlide7.xml><?xml version="1.0" encoding="utf-8"?>
+<p:notes xmlns:a="http://schemas.openxmlformats.org/drawingml/2006/main" xmlns:r="http://schemas.openxmlformats.org/officeDocument/2006/relationships" xmlns:p="http://schemas.openxmlformats.org/presentationml/2006/main">
+  <p:cSld>
+    <p:spTree>
+      <p:nvGrpSpPr>
+        <p:cNvPr id="1" name=""/>
+        <p:cNvGrpSpPr/>
+        <p:nvPr/>
+      </p:nvGrpSpPr>
+      <p:grpSpPr>
+        <a:xfrm>
+          <a:off x="0" y="0"/>
+          <a:ext cx="0" cy="0"/>
+          <a:chOff x="0" y="0"/>
+          <a:chExt cx="0" cy="0"/>
+        </a:xfrm>
+      </p:grpSpPr>
+      <p:sp>
+        <p:nvSpPr>
+          <p:cNvPr id="2" name="Slide Image Placeholder 1"/>
+          <p:cNvSpPr>
+            <a:spLocks noGrp="1" noRot="1" noChangeAspect="1"/>
+          </p:cNvSpPr>
+          <p:nvPr>
+            <p:ph type="sldImg"/>
+          </p:nvPr>
+        </p:nvSpPr>
+        <p:spPr/>
+      </p:sp>
+      <p:sp>
+        <p:nvSpPr>
+          <p:cNvPr id="3" name="Notes Placeholder 2"/>
+          <p:cNvSpPr>
+            <a:spLocks noGrp="1"/>
+          </p:cNvSpPr>
+          <p:nvPr>
+            <p:ph type="body" idx="1"/>
+          </p:nvPr>
+        </p:nvSpPr>
+        <p:spPr/>
+        <p:txBody>
+          <a:bodyPr/>
+          <a:lstStyle/>
+          <a:p>
+            <a:r>
+              <a:rPr lang="en-US" altLang="zh-CN" sz="1200" b="0" i="0" kern="1200" dirty="0">
+                <a:solidFill>
+                  <a:schemeClr val="tx1"/>
+                </a:solidFill>
+                <a:effectLst/>
+                <a:latin typeface="+mn-lt"/>
+                <a:ea typeface="+mn-ea"/>
+                <a:cs typeface="+mn-cs"/>
+              </a:rPr>
+              <a:t>Java</a:t>
+            </a:r>
+            <a:r>
+              <a:rPr lang="zh-CN" altLang="en-US" sz="1200" b="0" i="0" kern="1200" dirty="0">
+                <a:solidFill>
+                  <a:schemeClr val="tx1"/>
+                </a:solidFill>
+                <a:effectLst/>
+                <a:latin typeface="+mn-lt"/>
+                <a:ea typeface="+mn-ea"/>
+                <a:cs typeface="+mn-cs"/>
+              </a:rPr>
+              <a:t>通过</a:t>
+            </a:r>
+            <a:r>
+              <a:rPr lang="en-US" altLang="zh-CN" sz="1200" b="0" i="0" kern="1200" dirty="0">
+                <a:solidFill>
+                  <a:schemeClr val="tx1"/>
+                </a:solidFill>
+                <a:effectLst/>
+                <a:latin typeface="+mn-lt"/>
+                <a:ea typeface="+mn-ea"/>
+                <a:cs typeface="+mn-cs"/>
+              </a:rPr>
+              <a:t>JTA</a:t>
+            </a:r>
+            <a:r>
+              <a:rPr lang="zh-CN" altLang="en-US" sz="1200" b="0" i="0" kern="1200" dirty="0">
+                <a:solidFill>
+                  <a:schemeClr val="tx1"/>
+                </a:solidFill>
+                <a:effectLst/>
+                <a:latin typeface="+mn-lt"/>
+                <a:ea typeface="+mn-ea"/>
+                <a:cs typeface="+mn-cs"/>
+              </a:rPr>
+              <a:t>完成分布式事务，</a:t>
+            </a:r>
+            <a:r>
+              <a:rPr lang="en-US" altLang="zh-CN" sz="1200" b="0" i="0" kern="1200" dirty="0">
+                <a:solidFill>
+                  <a:schemeClr val="tx1"/>
+                </a:solidFill>
+                <a:effectLst/>
+                <a:latin typeface="+mn-lt"/>
+                <a:ea typeface="+mn-ea"/>
+                <a:cs typeface="+mn-cs"/>
+              </a:rPr>
+              <a:t>JTA</a:t>
+            </a:r>
+            <a:r>
+              <a:rPr lang="zh-CN" altLang="en-US" sz="1200" b="0" i="0" kern="1200" dirty="0">
+                <a:solidFill>
+                  <a:schemeClr val="tx1"/>
+                </a:solidFill>
+                <a:effectLst/>
+                <a:latin typeface="+mn-lt"/>
+                <a:ea typeface="+mn-ea"/>
+                <a:cs typeface="+mn-cs"/>
+              </a:rPr>
+              <a:t>本身只是一种规范，不同的应用服务器都包含有自己的实现（比如</a:t>
+            </a:r>
+            <a:r>
+              <a:rPr lang="en-US" altLang="zh-CN" sz="1200" b="0" i="0" kern="1200" dirty="0" err="1">
+                <a:solidFill>
+                  <a:schemeClr val="tx1"/>
+                </a:solidFill>
+                <a:effectLst/>
+                <a:latin typeface="+mn-lt"/>
+                <a:ea typeface="+mn-ea"/>
+                <a:cs typeface="+mn-cs"/>
+              </a:rPr>
+              <a:t>JbossJTA</a:t>
+            </a:r>
+            <a:r>
+              <a:rPr lang="zh-CN" altLang="en-US" sz="1200" b="0" i="0" kern="1200" dirty="0">
+                <a:solidFill>
+                  <a:schemeClr val="tx1"/>
+                </a:solidFill>
+                <a:effectLst/>
+                <a:latin typeface="+mn-lt"/>
+                <a:ea typeface="+mn-ea"/>
+                <a:cs typeface="+mn-cs"/>
+              </a:rPr>
+              <a:t>），同时还存在独立于应用服务器的单独</a:t>
+            </a:r>
+            <a:r>
+              <a:rPr lang="en-US" altLang="zh-CN" sz="1200" b="0" i="0" kern="1200" dirty="0">
+                <a:solidFill>
+                  <a:schemeClr val="tx1"/>
+                </a:solidFill>
+                <a:effectLst/>
+                <a:latin typeface="+mn-lt"/>
+                <a:ea typeface="+mn-ea"/>
+                <a:cs typeface="+mn-cs"/>
+              </a:rPr>
+              <a:t>JTA</a:t>
+            </a:r>
+            <a:r>
+              <a:rPr lang="zh-CN" altLang="en-US" sz="1200" b="0" i="0" kern="1200" dirty="0">
+                <a:solidFill>
+                  <a:schemeClr val="tx1"/>
+                </a:solidFill>
+                <a:effectLst/>
+                <a:latin typeface="+mn-lt"/>
+                <a:ea typeface="+mn-ea"/>
+                <a:cs typeface="+mn-cs"/>
+              </a:rPr>
+              <a:t>实现，比如本篇中要讲到的</a:t>
+            </a:r>
+            <a:r>
+              <a:rPr lang="en-US" altLang="zh-CN" sz="1200" b="0" i="0" kern="1200" dirty="0" err="1">
+                <a:solidFill>
+                  <a:schemeClr val="tx1"/>
+                </a:solidFill>
+                <a:effectLst/>
+                <a:latin typeface="+mn-lt"/>
+                <a:ea typeface="+mn-ea"/>
+                <a:cs typeface="+mn-cs"/>
+              </a:rPr>
+              <a:t>Atomikos</a:t>
+            </a:r>
+            <a:r>
+              <a:rPr lang="zh-CN" altLang="en-US" sz="1200" b="0" i="0" kern="1200">
+                <a:solidFill>
+                  <a:schemeClr val="tx1"/>
+                </a:solidFill>
+                <a:effectLst/>
+                <a:latin typeface="+mn-lt"/>
+                <a:ea typeface="+mn-ea"/>
+                <a:cs typeface="+mn-cs"/>
+              </a:rPr>
+              <a:t>。</a:t>
+            </a:r>
+            <a:endParaRPr lang="zh-CN" altLang="en-US"/>
+          </a:p>
+        </p:txBody>
+      </p:sp>
+      <p:sp>
+        <p:nvSpPr>
+          <p:cNvPr id="4" name="Slide Number Placeholder 3"/>
+          <p:cNvSpPr>
+            <a:spLocks noGrp="1"/>
+          </p:cNvSpPr>
+          <p:nvPr>
+            <p:ph type="sldNum" sz="quarter" idx="10"/>
+          </p:nvPr>
+        </p:nvSpPr>
+        <p:spPr/>
+        <p:txBody>
+          <a:bodyPr/>
+          <a:lstStyle/>
+          <a:p>
+            <a:fld id="{30936462-658F-4E41-8C6E-2EAB7E357587}" type="slidenum">
+              <a:rPr lang="zh-CN" altLang="en-US" smtClean="0"/>
+              <a:t>12</a:t>
+            </a:fld>
+            <a:endParaRPr lang="zh-CN" altLang="en-US"/>
+          </a:p>
+        </p:txBody>
+      </p:sp>
+    </p:spTree>
+    <p:extLst>
+      <p:ext uri="{BB962C8B-B14F-4D97-AF65-F5344CB8AC3E}">
+        <p14:creationId xmlns:p14="http://schemas.microsoft.com/office/powerpoint/2010/main" val="3306133267"/>
+      </p:ext>
+    </p:extLst>
+  </p:cSld>
+  <p:clrMapOvr>
+    <a:masterClrMapping/>
+  </p:clrMapOvr>
+</p:notes>
+</file>
+
+<file path=ppt/notesSlides/notesSlide8.xml><?xml version="1.0" encoding="utf-8"?>
+<p:notes xmlns:a="http://schemas.openxmlformats.org/drawingml/2006/main" xmlns:r="http://schemas.openxmlformats.org/officeDocument/2006/relationships" xmlns:p="http://schemas.openxmlformats.org/presentationml/2006/main">
+  <p:cSld>
+    <p:spTree>
+      <p:nvGrpSpPr>
+        <p:cNvPr id="1" name=""/>
+        <p:cNvGrpSpPr/>
+        <p:nvPr/>
+      </p:nvGrpSpPr>
+      <p:grpSpPr>
+        <a:xfrm>
+          <a:off x="0" y="0"/>
+          <a:ext cx="0" cy="0"/>
+          <a:chOff x="0" y="0"/>
+          <a:chExt cx="0" cy="0"/>
+        </a:xfrm>
+      </p:grpSpPr>
+      <p:sp>
+        <p:nvSpPr>
+          <p:cNvPr id="2" name="Slide Image Placeholder 1"/>
+          <p:cNvSpPr>
+            <a:spLocks noGrp="1" noRot="1" noChangeAspect="1"/>
+          </p:cNvSpPr>
+          <p:nvPr>
+            <p:ph type="sldImg"/>
+          </p:nvPr>
+        </p:nvSpPr>
+        <p:spPr/>
+      </p:sp>
+      <p:sp>
+        <p:nvSpPr>
+          <p:cNvPr id="3" name="Notes Placeholder 2"/>
+          <p:cNvSpPr>
+            <a:spLocks noGrp="1"/>
+          </p:cNvSpPr>
+          <p:nvPr>
+            <p:ph type="body" idx="1"/>
+          </p:nvPr>
+        </p:nvSpPr>
+        <p:spPr/>
+        <p:txBody>
+          <a:bodyPr/>
+          <a:lstStyle/>
+          <a:p>
+            <a:r>
+              <a:rPr lang="zh-CN" altLang="en-US" dirty="0"/>
+              <a:t>这个接口是</a:t>
+            </a:r>
+            <a:r>
+              <a:rPr lang="en-US" altLang="zh-CN" dirty="0"/>
+              <a:t>JTA</a:t>
+            </a:r>
+            <a:r>
+              <a:rPr lang="zh-CN" altLang="en-US" dirty="0"/>
+              <a:t>事务提供接口</a:t>
+            </a:r>
+            <a:endParaRPr lang="en-US" altLang="zh-CN" dirty="0"/>
+          </a:p>
+          <a:p>
+            <a:endParaRPr lang="en-US" altLang="zh-CN" dirty="0"/>
+          </a:p>
+          <a:p>
+            <a:pPr marL="0" marR="0" lvl="0" indent="0" algn="l" defTabSz="914400" rtl="0" eaLnBrk="1" fontAlgn="auto" latinLnBrk="0" hangingPunct="1">
+              <a:lnSpc>
+                <a:spcPct val="100000"/>
+              </a:lnSpc>
+              <a:spcBef>
+                <a:spcPts val="0"/>
+              </a:spcBef>
+              <a:spcAft>
+                <a:spcPts val="0"/>
+              </a:spcAft>
+              <a:buClrTx/>
+              <a:buSzTx/>
+              <a:buFontTx/>
+              <a:buNone/>
+              <a:tabLst/>
+              <a:defRPr/>
+            </a:pPr>
+            <a:r>
+              <a:rPr lang="zh-CN" altLang="en-US" sz="1200" b="0" i="0" kern="1200" dirty="0">
+                <a:solidFill>
+                  <a:schemeClr val="tx1"/>
+                </a:solidFill>
+                <a:effectLst/>
+                <a:latin typeface="+mn-lt"/>
+                <a:ea typeface="+mn-ea"/>
+                <a:cs typeface="+mn-cs"/>
+              </a:rPr>
+              <a:t>值得注意的是，不是使用了</a:t>
+            </a:r>
+            <a:r>
+              <a:rPr lang="en-US" altLang="zh-CN" dirty="0" err="1"/>
+              <a:t>UserTransaction</a:t>
+            </a:r>
+            <a:r>
+              <a:rPr lang="zh-CN" altLang="en-US" sz="1200" b="0" i="0" kern="1200" dirty="0">
+                <a:solidFill>
+                  <a:schemeClr val="tx1"/>
+                </a:solidFill>
+                <a:effectLst/>
+                <a:latin typeface="+mn-lt"/>
+                <a:ea typeface="+mn-ea"/>
+                <a:cs typeface="+mn-cs"/>
+              </a:rPr>
+              <a:t>就能把普通的</a:t>
+            </a:r>
+            <a:r>
+              <a:rPr lang="en-US" altLang="zh-CN" sz="1200" b="0" i="0" kern="1200" dirty="0">
+                <a:solidFill>
+                  <a:schemeClr val="tx1"/>
+                </a:solidFill>
+                <a:effectLst/>
+                <a:latin typeface="+mn-lt"/>
+                <a:ea typeface="+mn-ea"/>
+                <a:cs typeface="+mn-cs"/>
+              </a:rPr>
+              <a:t>JDBC</a:t>
+            </a:r>
+            <a:r>
+              <a:rPr lang="zh-CN" altLang="en-US" sz="1200" b="0" i="0" kern="1200" dirty="0">
+                <a:solidFill>
+                  <a:schemeClr val="tx1"/>
+                </a:solidFill>
+                <a:effectLst/>
+                <a:latin typeface="+mn-lt"/>
+                <a:ea typeface="+mn-ea"/>
+                <a:cs typeface="+mn-cs"/>
+              </a:rPr>
+              <a:t>操作直接转成</a:t>
+            </a:r>
+            <a:r>
+              <a:rPr lang="en-US" altLang="zh-CN" sz="1200" b="0" i="0" kern="1200" dirty="0">
+                <a:solidFill>
+                  <a:schemeClr val="tx1"/>
+                </a:solidFill>
+                <a:effectLst/>
+                <a:latin typeface="+mn-lt"/>
+                <a:ea typeface="+mn-ea"/>
+                <a:cs typeface="+mn-cs"/>
+              </a:rPr>
+              <a:t>JTA</a:t>
+            </a:r>
+            <a:r>
+              <a:rPr lang="zh-CN" altLang="en-US" sz="1200" b="0" i="0" kern="1200" dirty="0">
+                <a:solidFill>
+                  <a:schemeClr val="tx1"/>
+                </a:solidFill>
+                <a:effectLst/>
+                <a:latin typeface="+mn-lt"/>
+                <a:ea typeface="+mn-ea"/>
+                <a:cs typeface="+mn-cs"/>
+              </a:rPr>
+              <a:t>操作，</a:t>
+            </a:r>
+            <a:r>
+              <a:rPr lang="en-US" altLang="zh-CN" sz="1200" b="0" i="0" kern="1200" dirty="0">
+                <a:solidFill>
+                  <a:schemeClr val="tx1"/>
+                </a:solidFill>
+                <a:effectLst/>
+                <a:latin typeface="+mn-lt"/>
+                <a:ea typeface="+mn-ea"/>
+                <a:cs typeface="+mn-cs"/>
+              </a:rPr>
+              <a:t>JTA</a:t>
+            </a:r>
+            <a:r>
+              <a:rPr lang="zh-CN" altLang="en-US" sz="1200" b="0" i="0" kern="1200" dirty="0">
+                <a:solidFill>
+                  <a:schemeClr val="tx1"/>
+                </a:solidFill>
+                <a:effectLst/>
+                <a:latin typeface="+mn-lt"/>
+                <a:ea typeface="+mn-ea"/>
+                <a:cs typeface="+mn-cs"/>
+              </a:rPr>
+              <a:t>对</a:t>
+            </a:r>
+            <a:r>
+              <a:rPr lang="en-US" altLang="zh-CN" sz="1200" b="0" i="0" kern="1200" dirty="0" err="1">
+                <a:solidFill>
+                  <a:schemeClr val="tx1"/>
+                </a:solidFill>
+                <a:effectLst/>
+                <a:latin typeface="+mn-lt"/>
+                <a:ea typeface="+mn-ea"/>
+                <a:cs typeface="+mn-cs"/>
+              </a:rPr>
+              <a:t>DataSource</a:t>
+            </a:r>
+            <a:r>
+              <a:rPr lang="zh-CN" altLang="en-US" sz="1200" b="0" i="0" kern="1200" dirty="0">
+                <a:solidFill>
+                  <a:schemeClr val="tx1"/>
+                </a:solidFill>
+                <a:effectLst/>
+                <a:latin typeface="+mn-lt"/>
+                <a:ea typeface="+mn-ea"/>
+                <a:cs typeface="+mn-cs"/>
+              </a:rPr>
+              <a:t>、</a:t>
+            </a:r>
+            <a:r>
+              <a:rPr lang="en-US" altLang="zh-CN" sz="1200" b="0" i="0" kern="1200" dirty="0">
+                <a:solidFill>
+                  <a:schemeClr val="tx1"/>
+                </a:solidFill>
+                <a:effectLst/>
+                <a:latin typeface="+mn-lt"/>
+                <a:ea typeface="+mn-ea"/>
+                <a:cs typeface="+mn-cs"/>
+              </a:rPr>
+              <a:t>Connection</a:t>
+            </a:r>
+            <a:r>
+              <a:rPr lang="zh-CN" altLang="en-US" sz="1200" b="0" i="0" kern="1200" dirty="0">
+                <a:solidFill>
+                  <a:schemeClr val="tx1"/>
+                </a:solidFill>
+                <a:effectLst/>
+                <a:latin typeface="+mn-lt"/>
+                <a:ea typeface="+mn-ea"/>
+                <a:cs typeface="+mn-cs"/>
+              </a:rPr>
+              <a:t>和</a:t>
+            </a:r>
+            <a:r>
+              <a:rPr lang="en-US" altLang="zh-CN" sz="1200" b="0" i="0" kern="1200" dirty="0">
+                <a:solidFill>
+                  <a:schemeClr val="tx1"/>
+                </a:solidFill>
+                <a:effectLst/>
+                <a:latin typeface="+mn-lt"/>
+                <a:ea typeface="+mn-ea"/>
+                <a:cs typeface="+mn-cs"/>
+              </a:rPr>
+              <a:t>Resource </a:t>
+            </a:r>
+            <a:r>
+              <a:rPr lang="zh-CN" altLang="en-US" sz="1200" b="0" i="0" kern="1200" dirty="0">
+                <a:solidFill>
+                  <a:schemeClr val="tx1"/>
+                </a:solidFill>
+                <a:effectLst/>
+                <a:latin typeface="+mn-lt"/>
+                <a:ea typeface="+mn-ea"/>
+                <a:cs typeface="+mn-cs"/>
+              </a:rPr>
+              <a:t>都是有要求的，只有符合</a:t>
+            </a:r>
+            <a:r>
+              <a:rPr lang="en-US" altLang="zh-CN" sz="1200" b="0" i="0" u="sng" kern="1200" dirty="0">
+                <a:solidFill>
+                  <a:schemeClr val="tx1"/>
+                </a:solidFill>
+                <a:effectLst/>
+                <a:latin typeface="+mn-lt"/>
+                <a:ea typeface="+mn-ea"/>
+                <a:cs typeface="+mn-cs"/>
+                <a:hlinkClick r:id="rId3"/>
+              </a:rPr>
+              <a:t>XA</a:t>
+            </a:r>
+            <a:r>
+              <a:rPr lang="zh-CN" altLang="en-US" sz="1200" b="0" i="0" u="sng" kern="1200" dirty="0">
+                <a:solidFill>
+                  <a:schemeClr val="tx1"/>
+                </a:solidFill>
+                <a:effectLst/>
+                <a:latin typeface="+mn-lt"/>
+                <a:ea typeface="+mn-ea"/>
+                <a:cs typeface="+mn-cs"/>
+                <a:hlinkClick r:id="rId3"/>
+              </a:rPr>
+              <a:t>规范</a:t>
+            </a:r>
+            <a:r>
+              <a:rPr lang="zh-CN" altLang="en-US" sz="1200" b="0" i="0" kern="1200" dirty="0">
+                <a:solidFill>
+                  <a:schemeClr val="tx1"/>
+                </a:solidFill>
+                <a:effectLst/>
+                <a:latin typeface="+mn-lt"/>
+                <a:ea typeface="+mn-ea"/>
+                <a:cs typeface="+mn-cs"/>
+              </a:rPr>
+              <a:t>，并且实现了</a:t>
+            </a:r>
+            <a:r>
+              <a:rPr lang="en-US" altLang="zh-CN" sz="1200" b="0" i="0" kern="1200" dirty="0">
+                <a:solidFill>
+                  <a:schemeClr val="tx1"/>
+                </a:solidFill>
+                <a:effectLst/>
+                <a:latin typeface="+mn-lt"/>
+                <a:ea typeface="+mn-ea"/>
+                <a:cs typeface="+mn-cs"/>
+              </a:rPr>
+              <a:t>XA</a:t>
+            </a:r>
+            <a:r>
+              <a:rPr lang="zh-CN" altLang="en-US" sz="1200" b="0" i="0" kern="1200" dirty="0">
+                <a:solidFill>
+                  <a:schemeClr val="tx1"/>
+                </a:solidFill>
+                <a:effectLst/>
+                <a:latin typeface="+mn-lt"/>
+                <a:ea typeface="+mn-ea"/>
+                <a:cs typeface="+mn-cs"/>
+              </a:rPr>
+              <a:t>规范的相关接口的类才能参与到</a:t>
+            </a:r>
+            <a:r>
+              <a:rPr lang="en-US" altLang="zh-CN" sz="1200" b="0" i="0" kern="1200" dirty="0">
+                <a:solidFill>
+                  <a:schemeClr val="tx1"/>
+                </a:solidFill>
+                <a:effectLst/>
+                <a:latin typeface="+mn-lt"/>
+                <a:ea typeface="+mn-ea"/>
+                <a:cs typeface="+mn-cs"/>
+              </a:rPr>
+              <a:t>JTA</a:t>
+            </a:r>
+            <a:r>
+              <a:rPr lang="zh-CN" altLang="en-US" sz="1200" b="0" i="0" kern="1200" dirty="0">
+                <a:solidFill>
+                  <a:schemeClr val="tx1"/>
+                </a:solidFill>
+                <a:effectLst/>
+                <a:latin typeface="+mn-lt"/>
+                <a:ea typeface="+mn-ea"/>
+                <a:cs typeface="+mn-cs"/>
+              </a:rPr>
+              <a:t>事务中来，关于</a:t>
+            </a:r>
+            <a:r>
+              <a:rPr lang="en-US" altLang="zh-CN" sz="1200" b="0" i="0" kern="1200" dirty="0">
+                <a:solidFill>
+                  <a:schemeClr val="tx1"/>
+                </a:solidFill>
+                <a:effectLst/>
+                <a:latin typeface="+mn-lt"/>
+                <a:ea typeface="+mn-ea"/>
+                <a:cs typeface="+mn-cs"/>
+              </a:rPr>
+              <a:t>XA</a:t>
+            </a:r>
+            <a:r>
+              <a:rPr lang="zh-CN" altLang="en-US" sz="1200" b="0" i="0" kern="1200" dirty="0">
+                <a:solidFill>
+                  <a:schemeClr val="tx1"/>
+                </a:solidFill>
+                <a:effectLst/>
+                <a:latin typeface="+mn-lt"/>
+                <a:ea typeface="+mn-ea"/>
+                <a:cs typeface="+mn-cs"/>
+              </a:rPr>
+              <a:t>规范，请看我的另外一篇文章中有相关介绍。这里，提一句，目前主流的数据库都支持</a:t>
+            </a:r>
+            <a:r>
+              <a:rPr lang="en-US" altLang="zh-CN" sz="1200" b="0" i="0" kern="1200" dirty="0">
+                <a:solidFill>
+                  <a:schemeClr val="tx1"/>
+                </a:solidFill>
+                <a:effectLst/>
+                <a:latin typeface="+mn-lt"/>
+                <a:ea typeface="+mn-ea"/>
+                <a:cs typeface="+mn-cs"/>
+              </a:rPr>
+              <a:t>XA</a:t>
+            </a:r>
+            <a:r>
+              <a:rPr lang="zh-CN" altLang="en-US" sz="1200" b="0" i="0" kern="1200" dirty="0">
+                <a:solidFill>
+                  <a:schemeClr val="tx1"/>
+                </a:solidFill>
+                <a:effectLst/>
+                <a:latin typeface="+mn-lt"/>
+                <a:ea typeface="+mn-ea"/>
+                <a:cs typeface="+mn-cs"/>
+              </a:rPr>
+              <a:t>规范。</a:t>
+            </a:r>
+            <a:endParaRPr lang="zh-CN" altLang="en-US" dirty="0"/>
+          </a:p>
+          <a:p>
+            <a:endParaRPr lang="en-US" altLang="zh-CN" sz="1200" b="0" i="0" kern="1200" dirty="0">
+              <a:solidFill>
+                <a:schemeClr val="tx1"/>
+              </a:solidFill>
+              <a:effectLst/>
+              <a:latin typeface="+mn-lt"/>
+              <a:ea typeface="+mn-ea"/>
+              <a:cs typeface="+mn-cs"/>
+            </a:endParaRPr>
+          </a:p>
+          <a:p>
+            <a:endParaRPr lang="en-US" altLang="zh-CN" sz="1200" b="0" i="0" kern="1200" dirty="0">
+              <a:solidFill>
+                <a:schemeClr val="tx1"/>
+              </a:solidFill>
+              <a:effectLst/>
+              <a:latin typeface="+mn-lt"/>
+              <a:ea typeface="+mn-ea"/>
+              <a:cs typeface="+mn-cs"/>
+            </a:endParaRPr>
+          </a:p>
+          <a:p>
+            <a:r>
+              <a:rPr lang="zh-CN" altLang="en-US" sz="1200" b="0" i="0" kern="1200" dirty="0">
+                <a:solidFill>
+                  <a:schemeClr val="tx1"/>
+                </a:solidFill>
+                <a:effectLst/>
+                <a:latin typeface="+mn-lt"/>
+                <a:ea typeface="+mn-ea"/>
+                <a:cs typeface="+mn-cs"/>
+              </a:rPr>
+              <a:t>要想使用用 </a:t>
+            </a:r>
+            <a:r>
+              <a:rPr lang="en-US" altLang="zh-CN" sz="1200" b="0" i="0" kern="1200" dirty="0">
+                <a:solidFill>
+                  <a:schemeClr val="tx1"/>
+                </a:solidFill>
+                <a:effectLst/>
+                <a:latin typeface="+mn-lt"/>
+                <a:ea typeface="+mn-ea"/>
+                <a:cs typeface="+mn-cs"/>
+              </a:rPr>
+              <a:t>JTA </a:t>
+            </a:r>
+            <a:r>
+              <a:rPr lang="zh-CN" altLang="en-US" sz="1200" b="0" i="0" kern="1200" dirty="0">
+                <a:solidFill>
+                  <a:schemeClr val="tx1"/>
+                </a:solidFill>
+                <a:effectLst/>
+                <a:latin typeface="+mn-lt"/>
+                <a:ea typeface="+mn-ea"/>
+                <a:cs typeface="+mn-cs"/>
+              </a:rPr>
+              <a:t>事务，那么就需要有一个实现 </a:t>
+            </a:r>
+            <a:r>
+              <a:rPr lang="en-US" altLang="zh-CN" sz="1200" b="0" i="0" kern="1200" dirty="0" err="1">
+                <a:solidFill>
+                  <a:schemeClr val="tx1"/>
+                </a:solidFill>
+                <a:effectLst/>
+                <a:latin typeface="+mn-lt"/>
+                <a:ea typeface="+mn-ea"/>
+                <a:cs typeface="+mn-cs"/>
+              </a:rPr>
+              <a:t>javax.sql.XADataSource</a:t>
+            </a:r>
+            <a:r>
+              <a:rPr lang="en-US" altLang="zh-CN" sz="1200" b="0" i="0" kern="1200" dirty="0">
+                <a:solidFill>
+                  <a:schemeClr val="tx1"/>
+                </a:solidFill>
+                <a:effectLst/>
+                <a:latin typeface="+mn-lt"/>
+                <a:ea typeface="+mn-ea"/>
+                <a:cs typeface="+mn-cs"/>
+              </a:rPr>
+              <a:t> </a:t>
+            </a:r>
+            <a:r>
+              <a:rPr lang="zh-CN" altLang="en-US" sz="1200" b="0" i="0" kern="1200" dirty="0">
+                <a:solidFill>
+                  <a:schemeClr val="tx1"/>
+                </a:solidFill>
+                <a:effectLst/>
+                <a:latin typeface="+mn-lt"/>
+                <a:ea typeface="+mn-ea"/>
+                <a:cs typeface="+mn-cs"/>
+              </a:rPr>
+              <a:t>、 </a:t>
+            </a:r>
+            <a:r>
+              <a:rPr lang="en-US" altLang="zh-CN" sz="1200" b="0" i="0" kern="1200" dirty="0" err="1">
+                <a:solidFill>
+                  <a:schemeClr val="tx1"/>
+                </a:solidFill>
+                <a:effectLst/>
+                <a:latin typeface="+mn-lt"/>
+                <a:ea typeface="+mn-ea"/>
+                <a:cs typeface="+mn-cs"/>
+              </a:rPr>
+              <a:t>javax.sql.XAConnection</a:t>
+            </a:r>
+            <a:r>
+              <a:rPr lang="en-US" altLang="zh-CN" sz="1200" b="0" i="0" kern="1200" dirty="0">
+                <a:solidFill>
+                  <a:schemeClr val="tx1"/>
+                </a:solidFill>
+                <a:effectLst/>
+                <a:latin typeface="+mn-lt"/>
+                <a:ea typeface="+mn-ea"/>
+                <a:cs typeface="+mn-cs"/>
+              </a:rPr>
+              <a:t> </a:t>
+            </a:r>
+            <a:r>
+              <a:rPr lang="zh-CN" altLang="en-US" sz="1200" b="0" i="0" kern="1200" dirty="0">
+                <a:solidFill>
+                  <a:schemeClr val="tx1"/>
+                </a:solidFill>
+                <a:effectLst/>
+                <a:latin typeface="+mn-lt"/>
+                <a:ea typeface="+mn-ea"/>
+                <a:cs typeface="+mn-cs"/>
+              </a:rPr>
+              <a:t>和 </a:t>
+            </a:r>
+            <a:r>
+              <a:rPr lang="en-US" altLang="zh-CN" sz="1200" b="0" i="0" kern="1200" dirty="0" err="1">
+                <a:solidFill>
+                  <a:schemeClr val="tx1"/>
+                </a:solidFill>
+                <a:effectLst/>
+                <a:latin typeface="+mn-lt"/>
+                <a:ea typeface="+mn-ea"/>
+                <a:cs typeface="+mn-cs"/>
+              </a:rPr>
+              <a:t>javax.sql.XAResource</a:t>
+            </a:r>
+            <a:r>
+              <a:rPr lang="en-US" altLang="zh-CN" sz="1200" b="0" i="0" kern="1200" dirty="0">
+                <a:solidFill>
+                  <a:schemeClr val="tx1"/>
+                </a:solidFill>
+                <a:effectLst/>
+                <a:latin typeface="+mn-lt"/>
+                <a:ea typeface="+mn-ea"/>
+                <a:cs typeface="+mn-cs"/>
+              </a:rPr>
+              <a:t> </a:t>
+            </a:r>
+            <a:r>
+              <a:rPr lang="zh-CN" altLang="en-US" sz="1200" b="0" i="0" kern="1200" dirty="0">
+                <a:solidFill>
+                  <a:schemeClr val="tx1"/>
+                </a:solidFill>
+                <a:effectLst/>
+                <a:latin typeface="+mn-lt"/>
+                <a:ea typeface="+mn-ea"/>
+                <a:cs typeface="+mn-cs"/>
+              </a:rPr>
+              <a:t>接口的 </a:t>
+            </a:r>
+            <a:r>
+              <a:rPr lang="en-US" altLang="zh-CN" sz="1200" b="0" i="0" kern="1200" dirty="0">
+                <a:solidFill>
+                  <a:schemeClr val="tx1"/>
+                </a:solidFill>
+                <a:effectLst/>
+                <a:latin typeface="+mn-lt"/>
+                <a:ea typeface="+mn-ea"/>
+                <a:cs typeface="+mn-cs"/>
+              </a:rPr>
+              <a:t>JDBC </a:t>
+            </a:r>
+            <a:r>
+              <a:rPr lang="zh-CN" altLang="en-US" sz="1200" b="0" i="0" kern="1200" dirty="0">
+                <a:solidFill>
+                  <a:schemeClr val="tx1"/>
+                </a:solidFill>
+                <a:effectLst/>
+                <a:latin typeface="+mn-lt"/>
+                <a:ea typeface="+mn-ea"/>
+                <a:cs typeface="+mn-cs"/>
+              </a:rPr>
+              <a:t>驱动程序。一个实现了这些接口的驱动程序将可以参与 </a:t>
+            </a:r>
+            <a:r>
+              <a:rPr lang="en-US" altLang="zh-CN" sz="1200" b="0" i="0" kern="1200" dirty="0">
+                <a:solidFill>
+                  <a:schemeClr val="tx1"/>
+                </a:solidFill>
+                <a:effectLst/>
+                <a:latin typeface="+mn-lt"/>
+                <a:ea typeface="+mn-ea"/>
+                <a:cs typeface="+mn-cs"/>
+              </a:rPr>
+              <a:t>JTA </a:t>
+            </a:r>
+            <a:r>
+              <a:rPr lang="zh-CN" altLang="en-US" sz="1200" b="0" i="0" kern="1200" dirty="0">
+                <a:solidFill>
+                  <a:schemeClr val="tx1"/>
+                </a:solidFill>
+                <a:effectLst/>
+                <a:latin typeface="+mn-lt"/>
+                <a:ea typeface="+mn-ea"/>
+                <a:cs typeface="+mn-cs"/>
+              </a:rPr>
+              <a:t>事务。一个 </a:t>
+            </a:r>
+            <a:r>
+              <a:rPr lang="en-US" altLang="zh-CN" sz="1200" b="0" i="0" kern="1200" dirty="0" err="1">
+                <a:solidFill>
+                  <a:schemeClr val="tx1"/>
+                </a:solidFill>
+                <a:effectLst/>
+                <a:latin typeface="+mn-lt"/>
+                <a:ea typeface="+mn-ea"/>
+                <a:cs typeface="+mn-cs"/>
+              </a:rPr>
+              <a:t>XADataSource</a:t>
+            </a:r>
+            <a:r>
+              <a:rPr lang="en-US" altLang="zh-CN" sz="1200" b="0" i="0" kern="1200" dirty="0">
+                <a:solidFill>
+                  <a:schemeClr val="tx1"/>
+                </a:solidFill>
+                <a:effectLst/>
+                <a:latin typeface="+mn-lt"/>
+                <a:ea typeface="+mn-ea"/>
+                <a:cs typeface="+mn-cs"/>
+              </a:rPr>
+              <a:t> </a:t>
+            </a:r>
+            <a:r>
+              <a:rPr lang="zh-CN" altLang="en-US" sz="1200" b="0" i="0" kern="1200" dirty="0">
+                <a:solidFill>
+                  <a:schemeClr val="tx1"/>
+                </a:solidFill>
+                <a:effectLst/>
+                <a:latin typeface="+mn-lt"/>
+                <a:ea typeface="+mn-ea"/>
+                <a:cs typeface="+mn-cs"/>
+              </a:rPr>
+              <a:t>对象就是一个 </a:t>
+            </a:r>
+            <a:r>
+              <a:rPr lang="en-US" altLang="zh-CN" sz="1200" b="0" i="0" kern="1200" dirty="0" err="1">
+                <a:solidFill>
+                  <a:schemeClr val="tx1"/>
+                </a:solidFill>
+                <a:effectLst/>
+                <a:latin typeface="+mn-lt"/>
+                <a:ea typeface="+mn-ea"/>
+                <a:cs typeface="+mn-cs"/>
+              </a:rPr>
+              <a:t>XAConnection</a:t>
+            </a:r>
+            <a:r>
+              <a:rPr lang="en-US" altLang="zh-CN" sz="1200" b="0" i="0" kern="1200" dirty="0">
+                <a:solidFill>
+                  <a:schemeClr val="tx1"/>
+                </a:solidFill>
+                <a:effectLst/>
+                <a:latin typeface="+mn-lt"/>
+                <a:ea typeface="+mn-ea"/>
+                <a:cs typeface="+mn-cs"/>
+              </a:rPr>
+              <a:t> </a:t>
+            </a:r>
+            <a:r>
+              <a:rPr lang="zh-CN" altLang="en-US" sz="1200" b="0" i="0" kern="1200" dirty="0">
+                <a:solidFill>
+                  <a:schemeClr val="tx1"/>
+                </a:solidFill>
+                <a:effectLst/>
+                <a:latin typeface="+mn-lt"/>
+                <a:ea typeface="+mn-ea"/>
+                <a:cs typeface="+mn-cs"/>
+              </a:rPr>
+              <a:t>对象的工厂。</a:t>
+            </a:r>
+            <a:r>
+              <a:rPr lang="en-US" altLang="zh-CN" sz="1200" b="0" i="0" kern="1200" dirty="0" err="1">
+                <a:solidFill>
+                  <a:schemeClr val="tx1"/>
+                </a:solidFill>
+                <a:effectLst/>
+                <a:latin typeface="+mn-lt"/>
+                <a:ea typeface="+mn-ea"/>
+                <a:cs typeface="+mn-cs"/>
+              </a:rPr>
+              <a:t>XAConnection</a:t>
+            </a:r>
+            <a:r>
+              <a:rPr lang="en-US" altLang="zh-CN" sz="1200" b="0" i="0" kern="1200" dirty="0">
+                <a:solidFill>
+                  <a:schemeClr val="tx1"/>
+                </a:solidFill>
+                <a:effectLst/>
+                <a:latin typeface="+mn-lt"/>
+                <a:ea typeface="+mn-ea"/>
+                <a:cs typeface="+mn-cs"/>
+              </a:rPr>
+              <a:t> </a:t>
+            </a:r>
+            <a:r>
+              <a:rPr lang="zh-CN" altLang="en-US" sz="1200" b="0" i="0" kern="1200" dirty="0">
+                <a:solidFill>
+                  <a:schemeClr val="tx1"/>
+                </a:solidFill>
+                <a:effectLst/>
+                <a:latin typeface="+mn-lt"/>
+                <a:ea typeface="+mn-ea"/>
+                <a:cs typeface="+mn-cs"/>
+              </a:rPr>
+              <a:t>是参与 </a:t>
+            </a:r>
+            <a:r>
+              <a:rPr lang="en-US" altLang="zh-CN" sz="1200" b="0" i="0" kern="1200" dirty="0">
+                <a:solidFill>
+                  <a:schemeClr val="tx1"/>
+                </a:solidFill>
+                <a:effectLst/>
+                <a:latin typeface="+mn-lt"/>
+                <a:ea typeface="+mn-ea"/>
+                <a:cs typeface="+mn-cs"/>
+              </a:rPr>
+              <a:t>JTA </a:t>
+            </a:r>
+            <a:r>
+              <a:rPr lang="zh-CN" altLang="en-US" sz="1200" b="0" i="0" kern="1200" dirty="0">
+                <a:solidFill>
+                  <a:schemeClr val="tx1"/>
+                </a:solidFill>
+                <a:effectLst/>
+                <a:latin typeface="+mn-lt"/>
+                <a:ea typeface="+mn-ea"/>
+                <a:cs typeface="+mn-cs"/>
+              </a:rPr>
+              <a:t>事务的 </a:t>
+            </a:r>
+            <a:r>
+              <a:rPr lang="en-US" altLang="zh-CN" sz="1200" b="0" i="0" kern="1200" dirty="0">
+                <a:solidFill>
+                  <a:schemeClr val="tx1"/>
+                </a:solidFill>
+                <a:effectLst/>
+                <a:latin typeface="+mn-lt"/>
+                <a:ea typeface="+mn-ea"/>
+                <a:cs typeface="+mn-cs"/>
+              </a:rPr>
+              <a:t>JDBC </a:t>
+            </a:r>
+            <a:r>
+              <a:rPr lang="zh-CN" altLang="en-US" sz="1200" b="0" i="0" kern="1200" dirty="0">
+                <a:solidFill>
+                  <a:schemeClr val="tx1"/>
+                </a:solidFill>
+                <a:effectLst/>
+                <a:latin typeface="+mn-lt"/>
+                <a:ea typeface="+mn-ea"/>
+                <a:cs typeface="+mn-cs"/>
+              </a:rPr>
+              <a:t>连接。</a:t>
+            </a:r>
+          </a:p>
+          <a:p>
+            <a:r>
+              <a:rPr lang="zh-CN" altLang="en-US" sz="1200" b="0" i="0" kern="1200" dirty="0">
+                <a:solidFill>
+                  <a:schemeClr val="tx1"/>
+                </a:solidFill>
+                <a:effectLst/>
+                <a:latin typeface="+mn-lt"/>
+                <a:ea typeface="+mn-ea"/>
+                <a:cs typeface="+mn-cs"/>
+              </a:rPr>
+              <a:t>要使用</a:t>
+            </a:r>
+            <a:r>
+              <a:rPr lang="en-US" altLang="zh-CN" sz="1200" b="0" i="0" kern="1200" dirty="0">
+                <a:solidFill>
+                  <a:schemeClr val="tx1"/>
+                </a:solidFill>
+                <a:effectLst/>
+                <a:latin typeface="+mn-lt"/>
+                <a:ea typeface="+mn-ea"/>
+                <a:cs typeface="+mn-cs"/>
+              </a:rPr>
+              <a:t>JTA</a:t>
+            </a:r>
+            <a:r>
+              <a:rPr lang="zh-CN" altLang="en-US" sz="1200" b="0" i="0" kern="1200" dirty="0">
+                <a:solidFill>
+                  <a:schemeClr val="tx1"/>
+                </a:solidFill>
+                <a:effectLst/>
+                <a:latin typeface="+mn-lt"/>
+                <a:ea typeface="+mn-ea"/>
+                <a:cs typeface="+mn-cs"/>
+              </a:rPr>
+              <a:t>事务，必须使用</a:t>
+            </a:r>
+            <a:r>
+              <a:rPr lang="en-US" altLang="zh-CN" sz="1200" b="0" i="0" kern="1200" dirty="0" err="1">
+                <a:solidFill>
+                  <a:schemeClr val="tx1"/>
+                </a:solidFill>
+                <a:effectLst/>
+                <a:latin typeface="+mn-lt"/>
+                <a:ea typeface="+mn-ea"/>
+                <a:cs typeface="+mn-cs"/>
+              </a:rPr>
+              <a:t>XADataSource</a:t>
+            </a:r>
+            <a:r>
+              <a:rPr lang="zh-CN" altLang="en-US" sz="1200" b="0" i="0" kern="1200" dirty="0">
+                <a:solidFill>
+                  <a:schemeClr val="tx1"/>
+                </a:solidFill>
+                <a:effectLst/>
+                <a:latin typeface="+mn-lt"/>
+                <a:ea typeface="+mn-ea"/>
+                <a:cs typeface="+mn-cs"/>
+              </a:rPr>
+              <a:t>来产生数据库连接，产生的连接为一个</a:t>
+            </a:r>
+            <a:r>
+              <a:rPr lang="en-US" altLang="zh-CN" sz="1200" b="0" i="0" kern="1200" dirty="0">
+                <a:solidFill>
+                  <a:schemeClr val="tx1"/>
+                </a:solidFill>
+                <a:effectLst/>
+                <a:latin typeface="+mn-lt"/>
+                <a:ea typeface="+mn-ea"/>
+                <a:cs typeface="+mn-cs"/>
+              </a:rPr>
+              <a:t>XA</a:t>
+            </a:r>
+            <a:r>
+              <a:rPr lang="zh-CN" altLang="en-US" sz="1200" b="0" i="0" kern="1200" dirty="0">
+                <a:solidFill>
+                  <a:schemeClr val="tx1"/>
+                </a:solidFill>
+                <a:effectLst/>
+                <a:latin typeface="+mn-lt"/>
+                <a:ea typeface="+mn-ea"/>
+                <a:cs typeface="+mn-cs"/>
+              </a:rPr>
+              <a:t>连接。</a:t>
+            </a:r>
+          </a:p>
+          <a:p>
+            <a:r>
+              <a:rPr lang="en-US" altLang="zh-CN" sz="1200" b="0" i="0" kern="1200" dirty="0">
+                <a:solidFill>
+                  <a:schemeClr val="tx1"/>
+                </a:solidFill>
+                <a:effectLst/>
+                <a:latin typeface="+mn-lt"/>
+                <a:ea typeface="+mn-ea"/>
+                <a:cs typeface="+mn-cs"/>
+              </a:rPr>
+              <a:t>XA</a:t>
+            </a:r>
+            <a:r>
+              <a:rPr lang="zh-CN" altLang="en-US" sz="1200" b="0" i="0" kern="1200" dirty="0">
+                <a:solidFill>
+                  <a:schemeClr val="tx1"/>
+                </a:solidFill>
+                <a:effectLst/>
+                <a:latin typeface="+mn-lt"/>
+                <a:ea typeface="+mn-ea"/>
+                <a:cs typeface="+mn-cs"/>
+              </a:rPr>
+              <a:t>连接（</a:t>
+            </a:r>
+            <a:r>
+              <a:rPr lang="en-US" altLang="zh-CN" sz="1200" b="0" i="0" kern="1200" dirty="0" err="1">
+                <a:solidFill>
+                  <a:schemeClr val="tx1"/>
+                </a:solidFill>
+                <a:effectLst/>
+                <a:latin typeface="+mn-lt"/>
+                <a:ea typeface="+mn-ea"/>
+                <a:cs typeface="+mn-cs"/>
+              </a:rPr>
+              <a:t>javax.sql.XAConnection</a:t>
+            </a:r>
+            <a:r>
+              <a:rPr lang="zh-CN" altLang="en-US" sz="1200" b="0" i="0" kern="1200" dirty="0">
+                <a:solidFill>
+                  <a:schemeClr val="tx1"/>
+                </a:solidFill>
+                <a:effectLst/>
+                <a:latin typeface="+mn-lt"/>
+                <a:ea typeface="+mn-ea"/>
+                <a:cs typeface="+mn-cs"/>
+              </a:rPr>
+              <a:t>）和非</a:t>
+            </a:r>
+            <a:r>
+              <a:rPr lang="en-US" altLang="zh-CN" sz="1200" b="0" i="0" kern="1200" dirty="0">
+                <a:solidFill>
+                  <a:schemeClr val="tx1"/>
+                </a:solidFill>
+                <a:effectLst/>
+                <a:latin typeface="+mn-lt"/>
+                <a:ea typeface="+mn-ea"/>
+                <a:cs typeface="+mn-cs"/>
+              </a:rPr>
+              <a:t>XA</a:t>
+            </a:r>
+            <a:r>
+              <a:rPr lang="zh-CN" altLang="en-US" sz="1200" b="0" i="0" kern="1200" dirty="0">
+                <a:solidFill>
+                  <a:schemeClr val="tx1"/>
+                </a:solidFill>
+                <a:effectLst/>
+                <a:latin typeface="+mn-lt"/>
+                <a:ea typeface="+mn-ea"/>
+                <a:cs typeface="+mn-cs"/>
+              </a:rPr>
+              <a:t>（</a:t>
+            </a:r>
+            <a:r>
+              <a:rPr lang="en-US" altLang="zh-CN" sz="1200" b="0" i="0" kern="1200" dirty="0" err="1">
+                <a:solidFill>
+                  <a:schemeClr val="tx1"/>
+                </a:solidFill>
+                <a:effectLst/>
+                <a:latin typeface="+mn-lt"/>
+                <a:ea typeface="+mn-ea"/>
+                <a:cs typeface="+mn-cs"/>
+              </a:rPr>
+              <a:t>java.sql.Connection</a:t>
+            </a:r>
+            <a:r>
+              <a:rPr lang="zh-CN" altLang="en-US" sz="1200" b="0" i="0" kern="1200" dirty="0">
+                <a:solidFill>
+                  <a:schemeClr val="tx1"/>
+                </a:solidFill>
+                <a:effectLst/>
+                <a:latin typeface="+mn-lt"/>
+                <a:ea typeface="+mn-ea"/>
+                <a:cs typeface="+mn-cs"/>
+              </a:rPr>
+              <a:t>）连接的区别在于：</a:t>
+            </a:r>
+            <a:r>
+              <a:rPr lang="en-US" altLang="zh-CN" sz="1200" b="0" i="0" kern="1200" dirty="0">
+                <a:solidFill>
+                  <a:schemeClr val="tx1"/>
+                </a:solidFill>
+                <a:effectLst/>
+                <a:latin typeface="+mn-lt"/>
+                <a:ea typeface="+mn-ea"/>
+                <a:cs typeface="+mn-cs"/>
+              </a:rPr>
+              <a:t>XA</a:t>
+            </a:r>
+            <a:r>
+              <a:rPr lang="zh-CN" altLang="en-US" sz="1200" b="0" i="0" kern="1200" dirty="0">
+                <a:solidFill>
+                  <a:schemeClr val="tx1"/>
+                </a:solidFill>
+                <a:effectLst/>
+                <a:latin typeface="+mn-lt"/>
+                <a:ea typeface="+mn-ea"/>
+                <a:cs typeface="+mn-cs"/>
+              </a:rPr>
+              <a:t>可以参与</a:t>
+            </a:r>
+            <a:r>
+              <a:rPr lang="en-US" altLang="zh-CN" sz="1200" b="0" i="0" kern="1200" dirty="0">
+                <a:solidFill>
+                  <a:schemeClr val="tx1"/>
+                </a:solidFill>
+                <a:effectLst/>
+                <a:latin typeface="+mn-lt"/>
+                <a:ea typeface="+mn-ea"/>
+                <a:cs typeface="+mn-cs"/>
+              </a:rPr>
+              <a:t>JTA</a:t>
+            </a:r>
+            <a:r>
+              <a:rPr lang="zh-CN" altLang="en-US" sz="1200" b="0" i="0" kern="1200" dirty="0">
+                <a:solidFill>
+                  <a:schemeClr val="tx1"/>
+                </a:solidFill>
+                <a:effectLst/>
+                <a:latin typeface="+mn-lt"/>
+                <a:ea typeface="+mn-ea"/>
+                <a:cs typeface="+mn-cs"/>
+              </a:rPr>
+              <a:t>的事务，而且不支持自动提交。</a:t>
+            </a:r>
+          </a:p>
+          <a:p>
+            <a:endParaRPr lang="en-US" altLang="zh-CN" sz="1200" b="0" i="0" kern="1200" dirty="0">
+              <a:solidFill>
+                <a:schemeClr val="tx1"/>
+              </a:solidFill>
+              <a:effectLst/>
+              <a:latin typeface="+mn-lt"/>
+              <a:ea typeface="+mn-ea"/>
+              <a:cs typeface="+mn-cs"/>
+            </a:endParaRPr>
+          </a:p>
+        </p:txBody>
+      </p:sp>
+      <p:sp>
+        <p:nvSpPr>
+          <p:cNvPr id="4" name="Slide Number Placeholder 3"/>
+          <p:cNvSpPr>
+            <a:spLocks noGrp="1"/>
+          </p:cNvSpPr>
+          <p:nvPr>
+            <p:ph type="sldNum" sz="quarter" idx="10"/>
+          </p:nvPr>
+        </p:nvSpPr>
+        <p:spPr/>
+        <p:txBody>
+          <a:bodyPr/>
+          <a:lstStyle/>
+          <a:p>
+            <a:fld id="{30936462-658F-4E41-8C6E-2EAB7E357587}" type="slidenum">
+              <a:rPr lang="zh-CN" altLang="en-US" smtClean="0"/>
+              <a:t>13</a:t>
+            </a:fld>
+            <a:endParaRPr lang="zh-CN" altLang="en-US"/>
+          </a:p>
+        </p:txBody>
+      </p:sp>
+    </p:spTree>
+    <p:extLst>
+      <p:ext uri="{BB962C8B-B14F-4D97-AF65-F5344CB8AC3E}">
+        <p14:creationId xmlns:p14="http://schemas.microsoft.com/office/powerpoint/2010/main" val="1717822762"/>
+      </p:ext>
+    </p:extLst>
+  </p:cSld>
+  <p:clrMapOvr>
+    <a:masterClrMapping/>
+  </p:clrMapOvr>
+</p:notes>
+</file>
+
+<file path=ppt/notesSlides/notesSlide9.xml><?xml version="1.0" encoding="utf-8"?>
+<p:notes xmlns:a="http://schemas.openxmlformats.org/drawingml/2006/main" xmlns:r="http://schemas.openxmlformats.org/officeDocument/2006/relationships" xmlns:p="http://schemas.openxmlformats.org/presentationml/2006/main">
+  <p:cSld>
+    <p:spTree>
+      <p:nvGrpSpPr>
+        <p:cNvPr id="1" name=""/>
+        <p:cNvGrpSpPr/>
+        <p:nvPr/>
+      </p:nvGrpSpPr>
+      <p:grpSpPr>
+        <a:xfrm>
+          <a:off x="0" y="0"/>
+          <a:ext cx="0" cy="0"/>
+          <a:chOff x="0" y="0"/>
+          <a:chExt cx="0" cy="0"/>
+        </a:xfrm>
+      </p:grpSpPr>
+      <p:sp>
+        <p:nvSpPr>
+          <p:cNvPr id="2" name="Slide Image Placeholder 1"/>
+          <p:cNvSpPr>
+            <a:spLocks noGrp="1" noRot="1" noChangeAspect="1"/>
+          </p:cNvSpPr>
+          <p:nvPr>
+            <p:ph type="sldImg"/>
+          </p:nvPr>
+        </p:nvSpPr>
+        <p:spPr/>
+      </p:sp>
+      <p:sp>
+        <p:nvSpPr>
+          <p:cNvPr id="3" name="Notes Placeholder 2"/>
+          <p:cNvSpPr>
+            <a:spLocks noGrp="1"/>
+          </p:cNvSpPr>
+          <p:nvPr>
+            <p:ph type="body" idx="1"/>
+          </p:nvPr>
+        </p:nvSpPr>
+        <p:spPr/>
+        <p:txBody>
+          <a:bodyPr/>
+          <a:lstStyle/>
+          <a:p>
+            <a:r>
+              <a:rPr lang="zh-CN" altLang="en-US" dirty="0"/>
+              <a:t>通常情况下，</a:t>
+            </a:r>
+            <a:r>
+              <a:rPr lang="en-US" altLang="zh-CN" dirty="0"/>
+              <a:t>JTA </a:t>
+            </a:r>
+            <a:r>
+              <a:rPr lang="en-US" altLang="zh-CN" dirty="0" err="1"/>
+              <a:t>UserTransaction</a:t>
+            </a:r>
+            <a:r>
+              <a:rPr lang="zh-CN" altLang="en-US" dirty="0"/>
+              <a:t>需要从</a:t>
+            </a:r>
+            <a:r>
+              <a:rPr lang="en-US" altLang="zh-CN" dirty="0"/>
+              <a:t>JNDI</a:t>
+            </a:r>
+            <a:r>
+              <a:rPr lang="zh-CN" altLang="en-US" dirty="0"/>
+              <a:t>获取。这意味着，如果我们使用</a:t>
+            </a:r>
+            <a:r>
+              <a:rPr lang="en-US" altLang="zh-CN" dirty="0"/>
+              <a:t>JTA</a:t>
+            </a:r>
+            <a:r>
+              <a:rPr lang="zh-CN" altLang="en-US" dirty="0"/>
+              <a:t>，就需要同时使用</a:t>
+            </a:r>
+            <a:r>
+              <a:rPr lang="en-US" altLang="zh-CN" dirty="0"/>
+              <a:t>JTA</a:t>
+            </a:r>
+            <a:r>
+              <a:rPr lang="zh-CN" altLang="en-US" dirty="0"/>
+              <a:t>和</a:t>
+            </a:r>
+            <a:r>
+              <a:rPr lang="en-US" altLang="zh-CN" dirty="0"/>
+              <a:t>JNDI</a:t>
+            </a:r>
+            <a:r>
+              <a:rPr lang="zh-CN" altLang="en-US" dirty="0"/>
+              <a:t>。</a:t>
+            </a:r>
+          </a:p>
+          <a:p>
+            <a:r>
+              <a:rPr lang="en-US" altLang="zh-CN" dirty="0"/>
+              <a:t>JTA</a:t>
+            </a:r>
+            <a:r>
+              <a:rPr lang="zh-CN" altLang="en-US" dirty="0"/>
+              <a:t>本身就是个笨重的</a:t>
+            </a:r>
+            <a:r>
+              <a:rPr lang="en-US" altLang="zh-CN" dirty="0"/>
+              <a:t>API</a:t>
+            </a:r>
+          </a:p>
+          <a:p>
+            <a:r>
+              <a:rPr lang="zh-CN" altLang="en-US" dirty="0"/>
+              <a:t>通常</a:t>
+            </a:r>
+            <a:r>
+              <a:rPr lang="en-US" altLang="zh-CN" dirty="0"/>
+              <a:t>JTA</a:t>
+            </a:r>
+            <a:r>
+              <a:rPr lang="zh-CN" altLang="en-US" dirty="0"/>
+              <a:t>只能在应用服务器环境下使用，因此使用</a:t>
+            </a:r>
+            <a:r>
+              <a:rPr lang="en-US" altLang="zh-CN" dirty="0"/>
+              <a:t>JTA</a:t>
+            </a:r>
+            <a:r>
+              <a:rPr lang="zh-CN" altLang="en-US" dirty="0"/>
+              <a:t>会限制代码的复用性。</a:t>
+            </a:r>
+          </a:p>
+          <a:p>
+            <a:endParaRPr lang="en-US" altLang="zh-CN" dirty="0"/>
+          </a:p>
+          <a:p>
+            <a:endParaRPr lang="en-US" altLang="zh-CN" dirty="0"/>
+          </a:p>
+          <a:p>
+            <a:r>
+              <a:rPr lang="en-US" altLang="zh-CN" sz="1200" b="0" i="0" kern="1200" dirty="0">
+                <a:solidFill>
+                  <a:schemeClr val="tx1"/>
+                </a:solidFill>
+                <a:effectLst/>
+                <a:latin typeface="+mn-lt"/>
+                <a:ea typeface="+mn-ea"/>
+                <a:cs typeface="+mn-cs"/>
+              </a:rPr>
+              <a:t>Java</a:t>
+            </a:r>
+            <a:r>
+              <a:rPr lang="zh-CN" altLang="en-US" sz="1200" b="0" i="0" kern="1200" dirty="0">
+                <a:solidFill>
+                  <a:schemeClr val="tx1"/>
+                </a:solidFill>
+                <a:effectLst/>
+                <a:latin typeface="+mn-lt"/>
+                <a:ea typeface="+mn-ea"/>
+                <a:cs typeface="+mn-cs"/>
+              </a:rPr>
+              <a:t>事务的类型有三种：</a:t>
+            </a:r>
+            <a:r>
+              <a:rPr lang="en-US" altLang="zh-CN" dirty="0"/>
+              <a:t>JDBC</a:t>
+            </a:r>
+            <a:r>
+              <a:rPr lang="zh-CN" altLang="en-US" dirty="0"/>
+              <a:t>事务</a:t>
+            </a:r>
+            <a:r>
+              <a:rPr lang="zh-CN" altLang="en-US" sz="1200" b="0" i="0" kern="1200" dirty="0">
+                <a:solidFill>
+                  <a:schemeClr val="tx1"/>
+                </a:solidFill>
+                <a:effectLst/>
+                <a:latin typeface="+mn-lt"/>
+                <a:ea typeface="+mn-ea"/>
+                <a:cs typeface="+mn-cs"/>
+              </a:rPr>
+              <a:t>、</a:t>
+            </a:r>
+            <a:r>
+              <a:rPr lang="en-US" altLang="zh-CN" dirty="0"/>
+              <a:t>JTA(Java Transaction API)</a:t>
+            </a:r>
+            <a:r>
+              <a:rPr lang="zh-CN" altLang="en-US" dirty="0"/>
+              <a:t>事务</a:t>
+            </a:r>
+            <a:r>
+              <a:rPr lang="zh-CN" altLang="en-US" sz="1200" b="0" i="0" kern="1200" dirty="0">
+                <a:solidFill>
+                  <a:schemeClr val="tx1"/>
+                </a:solidFill>
+                <a:effectLst/>
+                <a:latin typeface="+mn-lt"/>
+                <a:ea typeface="+mn-ea"/>
+                <a:cs typeface="+mn-cs"/>
+              </a:rPr>
+              <a:t>、</a:t>
+            </a:r>
+            <a:r>
+              <a:rPr lang="zh-CN" altLang="en-US" dirty="0"/>
+              <a:t>容器事务</a:t>
+            </a:r>
+            <a:r>
+              <a:rPr lang="zh-CN" altLang="en-US" sz="1200" b="0" i="0" kern="1200" dirty="0">
+                <a:solidFill>
+                  <a:schemeClr val="tx1"/>
+                </a:solidFill>
+                <a:effectLst/>
+                <a:latin typeface="+mn-lt"/>
+                <a:ea typeface="+mn-ea"/>
+                <a:cs typeface="+mn-cs"/>
+              </a:rPr>
+              <a:t>，其中</a:t>
+            </a:r>
+            <a:r>
+              <a:rPr lang="en-US" altLang="zh-CN" sz="1200" b="0" i="0" kern="1200" dirty="0">
+                <a:solidFill>
+                  <a:schemeClr val="tx1"/>
+                </a:solidFill>
+                <a:effectLst/>
+                <a:latin typeface="+mn-lt"/>
+                <a:ea typeface="+mn-ea"/>
+                <a:cs typeface="+mn-cs"/>
+              </a:rPr>
+              <a:t>JDBC</a:t>
+            </a:r>
+            <a:r>
+              <a:rPr lang="zh-CN" altLang="en-US" sz="1200" b="0" i="0" kern="1200" dirty="0">
+                <a:solidFill>
+                  <a:schemeClr val="tx1"/>
+                </a:solidFill>
+                <a:effectLst/>
+                <a:latin typeface="+mn-lt"/>
+                <a:ea typeface="+mn-ea"/>
+                <a:cs typeface="+mn-cs"/>
+              </a:rPr>
+              <a:t>的事务操作用法比较简单，适合于处理同一个数据源的操作。</a:t>
+            </a:r>
+            <a:r>
+              <a:rPr lang="en-US" altLang="zh-CN" sz="1200" b="0" i="0" kern="1200" dirty="0">
+                <a:solidFill>
+                  <a:schemeClr val="tx1"/>
+                </a:solidFill>
+                <a:effectLst/>
+                <a:latin typeface="+mn-lt"/>
+                <a:ea typeface="+mn-ea"/>
+                <a:cs typeface="+mn-cs"/>
+              </a:rPr>
+              <a:t>JTA</a:t>
+            </a:r>
+            <a:r>
+              <a:rPr lang="zh-CN" altLang="en-US" sz="1200" b="0" i="0" kern="1200" dirty="0">
+                <a:solidFill>
+                  <a:schemeClr val="tx1"/>
+                </a:solidFill>
+                <a:effectLst/>
+                <a:latin typeface="+mn-lt"/>
+                <a:ea typeface="+mn-ea"/>
+                <a:cs typeface="+mn-cs"/>
+              </a:rPr>
+              <a:t>事务相对复杂，可以用于处理跨多个数据库的事务，是分布式事务的一种解决方案。</a:t>
+            </a:r>
+            <a:endParaRPr lang="zh-CN" altLang="en-US" dirty="0"/>
+          </a:p>
+        </p:txBody>
+      </p:sp>
+      <p:sp>
+        <p:nvSpPr>
+          <p:cNvPr id="4" name="Slide Number Placeholder 3"/>
+          <p:cNvSpPr>
+            <a:spLocks noGrp="1"/>
+          </p:cNvSpPr>
+          <p:nvPr>
+            <p:ph type="sldNum" sz="quarter" idx="10"/>
+          </p:nvPr>
+        </p:nvSpPr>
+        <p:spPr/>
+        <p:txBody>
+          <a:bodyPr/>
+          <a:lstStyle/>
+          <a:p>
+            <a:fld id="{30936462-658F-4E41-8C6E-2EAB7E357587}" type="slidenum">
+              <a:rPr lang="zh-CN" altLang="en-US" smtClean="0"/>
+              <a:t>15</a:t>
+            </a:fld>
+            <a:endParaRPr lang="zh-CN" altLang="en-US"/>
+          </a:p>
+        </p:txBody>
+      </p:sp>
+    </p:spTree>
+    <p:extLst>
+      <p:ext uri="{BB962C8B-B14F-4D97-AF65-F5344CB8AC3E}">
+        <p14:creationId xmlns:p14="http://schemas.microsoft.com/office/powerpoint/2010/main" val="2968298311"/>
       </p:ext>
     </p:extLst>
   </p:cSld>
@@ -1212,7 +3067,7 @@
           <a:p>
             <a:fld id="{CBFDCC32-9D50-46C6-9C4B-8BC2B069567B}" type="datetimeFigureOut">
               <a:rPr lang="zh-CN" altLang="en-US" smtClean="0"/>
-              <a:t>2016/11/6</a:t>
+              <a:t>2016/11/14</a:t>
             </a:fld>
             <a:endParaRPr lang="zh-CN" altLang="en-US"/>
           </a:p>
@@ -1382,7 +3237,7 @@
           <a:p>
             <a:fld id="{CBFDCC32-9D50-46C6-9C4B-8BC2B069567B}" type="datetimeFigureOut">
               <a:rPr lang="zh-CN" altLang="en-US" smtClean="0"/>
-              <a:t>2016/11/6</a:t>
+              <a:t>2016/11/14</a:t>
             </a:fld>
             <a:endParaRPr lang="zh-CN" altLang="en-US"/>
           </a:p>
@@ -1562,7 +3417,7 @@
           <a:p>
             <a:fld id="{CBFDCC32-9D50-46C6-9C4B-8BC2B069567B}" type="datetimeFigureOut">
               <a:rPr lang="zh-CN" altLang="en-US" smtClean="0"/>
-              <a:t>2016/11/6</a:t>
+              <a:t>2016/11/14</a:t>
             </a:fld>
             <a:endParaRPr lang="zh-CN" altLang="en-US"/>
           </a:p>
@@ -1732,7 +3587,7 @@
           <a:p>
             <a:fld id="{CBFDCC32-9D50-46C6-9C4B-8BC2B069567B}" type="datetimeFigureOut">
               <a:rPr lang="zh-CN" altLang="en-US" smtClean="0"/>
-              <a:t>2016/11/6</a:t>
+              <a:t>2016/11/14</a:t>
             </a:fld>
             <a:endParaRPr lang="zh-CN" altLang="en-US"/>
           </a:p>
@@ -1978,7 +3833,7 @@
           <a:p>
             <a:fld id="{CBFDCC32-9D50-46C6-9C4B-8BC2B069567B}" type="datetimeFigureOut">
               <a:rPr lang="zh-CN" altLang="en-US" smtClean="0"/>
-              <a:t>2016/11/6</a:t>
+              <a:t>2016/11/14</a:t>
             </a:fld>
             <a:endParaRPr lang="zh-CN" altLang="en-US"/>
           </a:p>
@@ -2210,7 +4065,7 @@
           <a:p>
             <a:fld id="{CBFDCC32-9D50-46C6-9C4B-8BC2B069567B}" type="datetimeFigureOut">
               <a:rPr lang="zh-CN" altLang="en-US" smtClean="0"/>
-              <a:t>2016/11/6</a:t>
+              <a:t>2016/11/14</a:t>
             </a:fld>
             <a:endParaRPr lang="zh-CN" altLang="en-US"/>
           </a:p>
@@ -2577,7 +4432,7 @@
           <a:p>
             <a:fld id="{CBFDCC32-9D50-46C6-9C4B-8BC2B069567B}" type="datetimeFigureOut">
               <a:rPr lang="zh-CN" altLang="en-US" smtClean="0"/>
-              <a:t>2016/11/6</a:t>
+              <a:t>2016/11/14</a:t>
             </a:fld>
             <a:endParaRPr lang="zh-CN" altLang="en-US"/>
           </a:p>
@@ -2695,7 +4550,7 @@
           <a:p>
             <a:fld id="{CBFDCC32-9D50-46C6-9C4B-8BC2B069567B}" type="datetimeFigureOut">
               <a:rPr lang="zh-CN" altLang="en-US" smtClean="0"/>
-              <a:t>2016/11/6</a:t>
+              <a:t>2016/11/14</a:t>
             </a:fld>
             <a:endParaRPr lang="zh-CN" altLang="en-US"/>
           </a:p>
@@ -2790,7 +4645,7 @@
           <a:p>
             <a:fld id="{CBFDCC32-9D50-46C6-9C4B-8BC2B069567B}" type="datetimeFigureOut">
               <a:rPr lang="zh-CN" altLang="en-US" smtClean="0"/>
-              <a:t>2016/11/6</a:t>
+              <a:t>2016/11/14</a:t>
             </a:fld>
             <a:endParaRPr lang="zh-CN" altLang="en-US"/>
           </a:p>
@@ -3067,7 +4922,7 @@
           <a:p>
             <a:fld id="{CBFDCC32-9D50-46C6-9C4B-8BC2B069567B}" type="datetimeFigureOut">
               <a:rPr lang="zh-CN" altLang="en-US" smtClean="0"/>
-              <a:t>2016/11/6</a:t>
+              <a:t>2016/11/14</a:t>
             </a:fld>
             <a:endParaRPr lang="zh-CN" altLang="en-US"/>
           </a:p>
@@ -3320,7 +5175,7 @@
           <a:p>
             <a:fld id="{CBFDCC32-9D50-46C6-9C4B-8BC2B069567B}" type="datetimeFigureOut">
               <a:rPr lang="zh-CN" altLang="en-US" smtClean="0"/>
-              <a:t>2016/11/6</a:t>
+              <a:t>2016/11/14</a:t>
             </a:fld>
             <a:endParaRPr lang="zh-CN" altLang="en-US"/>
           </a:p>
@@ -3533,7 +5388,7 @@
           <a:p>
             <a:fld id="{CBFDCC32-9D50-46C6-9C4B-8BC2B069567B}" type="datetimeFigureOut">
               <a:rPr lang="zh-CN" altLang="en-US" smtClean="0"/>
-              <a:t>2016/11/6</a:t>
+              <a:t>2016/11/14</a:t>
             </a:fld>
             <a:endParaRPr lang="zh-CN" altLang="en-US"/>
           </a:p>
@@ -3975,12 +5830,20 @@
             <p:ph type="subTitle" idx="1"/>
           </p:nvPr>
         </p:nvSpPr>
-        <p:spPr/>
+        <p:spPr>
+          <a:xfrm>
+            <a:off x="8497677" y="4616068"/>
+            <a:ext cx="1340386" cy="597664"/>
+          </a:xfrm>
+        </p:spPr>
         <p:txBody>
           <a:bodyPr/>
           <a:lstStyle/>
           <a:p>
-            <a:endParaRPr lang="zh-CN" altLang="en-US" dirty="0"/>
+            <a:r>
+              <a:rPr lang="zh-CN" altLang="en-US" dirty="0"/>
+              <a:t>许雅</a:t>
+            </a:r>
           </a:p>
         </p:txBody>
       </p:sp>
@@ -4030,8 +5893,12 @@
           <a:lstStyle/>
           <a:p>
             <a:r>
-              <a:rPr lang="en-US" altLang="zh-CN" dirty="0"/>
-              <a:t>JTA + JMS</a:t>
+              <a:rPr lang="en-US" altLang="zh-CN" b="1" dirty="0"/>
+              <a:t>XA</a:t>
+            </a:r>
+            <a:r>
+              <a:rPr lang="zh-CN" altLang="en-US" b="1" dirty="0"/>
+              <a:t>规范</a:t>
             </a:r>
             <a:endParaRPr lang="zh-CN" altLang="en-US" dirty="0"/>
           </a:p>
@@ -4047,19 +5914,146 @@
             <p:ph idx="1"/>
           </p:nvPr>
         </p:nvSpPr>
-        <p:spPr/>
+        <p:spPr>
+          <a:xfrm>
+            <a:off x="609600" y="1287743"/>
+            <a:ext cx="10515600" cy="4351338"/>
+          </a:xfrm>
+        </p:spPr>
         <p:txBody>
           <a:bodyPr/>
           <a:lstStyle/>
           <a:p>
-            <a:endParaRPr lang="zh-CN" altLang="en-US"/>
-          </a:p>
-        </p:txBody>
-      </p:sp>
+            <a:r>
+              <a:rPr lang="en-US" altLang="zh-CN" dirty="0"/>
+              <a:t>X/Open DTP </a:t>
+            </a:r>
+            <a:r>
+              <a:rPr lang="zh-CN" altLang="en-US" dirty="0"/>
+              <a:t>模型（ </a:t>
+            </a:r>
+            <a:r>
+              <a:rPr lang="en-US" altLang="zh-CN" dirty="0"/>
+              <a:t>1994 </a:t>
+            </a:r>
+            <a:r>
+              <a:rPr lang="zh-CN" altLang="en-US" dirty="0"/>
+              <a:t>）包括应用程序（ </a:t>
+            </a:r>
+            <a:r>
+              <a:rPr lang="en-US" altLang="zh-CN" dirty="0"/>
+              <a:t>AP </a:t>
+            </a:r>
+            <a:r>
+              <a:rPr lang="zh-CN" altLang="en-US" dirty="0"/>
+              <a:t>）、事务管理器（ </a:t>
+            </a:r>
+            <a:r>
+              <a:rPr lang="en-US" altLang="zh-CN" dirty="0"/>
+              <a:t>TM </a:t>
+            </a:r>
+            <a:r>
+              <a:rPr lang="zh-CN" altLang="en-US" dirty="0"/>
+              <a:t>）、资源管理器（ </a:t>
+            </a:r>
+            <a:r>
+              <a:rPr lang="en-US" altLang="zh-CN" dirty="0"/>
+              <a:t>RM </a:t>
+            </a:r>
+            <a:r>
+              <a:rPr lang="zh-CN" altLang="en-US" dirty="0"/>
+              <a:t>）、通信资源管理器（ </a:t>
+            </a:r>
+            <a:r>
+              <a:rPr lang="en-US" altLang="zh-CN" dirty="0"/>
+              <a:t>CRM </a:t>
+            </a:r>
+            <a:r>
+              <a:rPr lang="zh-CN" altLang="en-US" dirty="0"/>
+              <a:t>）四部分。一般，常见的事务管理器（ </a:t>
+            </a:r>
+            <a:r>
+              <a:rPr lang="en-US" altLang="zh-CN" dirty="0"/>
+              <a:t>TM </a:t>
+            </a:r>
+            <a:r>
+              <a:rPr lang="zh-CN" altLang="en-US" dirty="0"/>
+              <a:t>）是交易中间件，常见的资源管理器（ </a:t>
+            </a:r>
+            <a:r>
+              <a:rPr lang="en-US" altLang="zh-CN" dirty="0"/>
+              <a:t>RM </a:t>
+            </a:r>
+            <a:r>
+              <a:rPr lang="zh-CN" altLang="en-US" dirty="0"/>
+              <a:t>）是数据库，常见的通信资源管理器（ </a:t>
+            </a:r>
+            <a:r>
+              <a:rPr lang="en-US" altLang="zh-CN" dirty="0"/>
+              <a:t>CRM </a:t>
+            </a:r>
+            <a:r>
+              <a:rPr lang="zh-CN" altLang="en-US" dirty="0"/>
+              <a:t>）是消息中间件。</a:t>
+            </a:r>
+            <a:endParaRPr lang="en-US" altLang="zh-CN" dirty="0"/>
+          </a:p>
+          <a:p>
+            <a:endParaRPr lang="en-US" altLang="zh-CN" dirty="0"/>
+          </a:p>
+          <a:p>
+            <a:r>
+              <a:rPr lang="zh-CN" altLang="en-US" dirty="0"/>
+              <a:t> </a:t>
+            </a:r>
+          </a:p>
+        </p:txBody>
+      </p:sp>
+      <p:pic>
+        <p:nvPicPr>
+          <p:cNvPr id="3074" name="Picture 2" descr="http://my.csdn.net/uploads/201205/29/1338274936_5727.gif"/>
+          <p:cNvPicPr>
+            <a:picLocks noChangeAspect="1" noChangeArrowheads="1"/>
+          </p:cNvPicPr>
+          <p:nvPr/>
+        </p:nvPicPr>
+        <p:blipFill>
+          <a:blip r:embed="rId2">
+            <a:extLst>
+              <a:ext uri="{28A0092B-C50C-407E-A947-70E740481C1C}">
+                <a14:useLocalDpi xmlns:a14="http://schemas.microsoft.com/office/drawing/2010/main" val="0"/>
+              </a:ext>
+            </a:extLst>
+          </a:blip>
+          <a:srcRect/>
+          <a:stretch>
+            <a:fillRect/>
+          </a:stretch>
+        </p:blipFill>
+        <p:spPr bwMode="auto">
+          <a:xfrm>
+            <a:off x="3358965" y="3261471"/>
+            <a:ext cx="4667250" cy="4019550"/>
+          </a:xfrm>
+          <a:prstGeom prst="rect">
+            <a:avLst/>
+          </a:prstGeom>
+          <a:noFill/>
+          <a:extLst>
+            <a:ext uri="{909E8E84-426E-40DD-AFC4-6F175D3DCCD1}">
+              <a14:hiddenFill xmlns:a14="http://schemas.microsoft.com/office/drawing/2010/main">
+                <a:solidFill>
+                  <a:srgbClr val="FFFFFF"/>
+                </a:solidFill>
+              </a14:hiddenFill>
+            </a:ext>
+          </a:extLst>
+        </p:spPr>
+      </p:pic>
     </p:spTree>
     <p:extLst>
       <p:ext uri="{BB962C8B-B14F-4D97-AF65-F5344CB8AC3E}">
-        <p14:creationId xmlns:p14="http://schemas.microsoft.com/office/powerpoint/2010/main" val="208280720"/>
+        <p14:creationId xmlns:p14="http://schemas.microsoft.com/office/powerpoint/2010/main" val="3422690223"/>
       </p:ext>
     </p:extLst>
   </p:cSld>
@@ -4102,36 +6096,53 @@
           <a:lstStyle/>
           <a:p>
             <a:r>
-              <a:rPr lang="en-US" altLang="zh-CN" dirty="0"/>
-              <a:t>JTA+JDBC</a:t>
-            </a:r>
+              <a:rPr lang="zh-CN" altLang="en-US" dirty="0"/>
+              <a:t>分布式事务不一致解决方法</a:t>
+            </a:r>
+          </a:p>
+        </p:txBody>
+      </p:sp>
+      <p:sp>
+        <p:nvSpPr>
+          <p:cNvPr id="3" name="Content Placeholder 2"/>
+          <p:cNvSpPr>
+            <a:spLocks noGrp="1"/>
+          </p:cNvSpPr>
+          <p:nvPr>
+            <p:ph idx="1"/>
+          </p:nvPr>
+        </p:nvSpPr>
+        <p:spPr/>
+        <p:txBody>
+          <a:bodyPr/>
+          <a:lstStyle/>
+          <a:p>
+            <a:r>
+              <a:rPr lang="zh-CN" altLang="en-US" dirty="0"/>
+              <a:t>解决分布式事务的最好办法就是不考虑分布式事务。</a:t>
+            </a:r>
+            <a:endParaRPr lang="zh-CN" altLang="en-US" dirty="0">
+              <a:effectLst/>
+            </a:endParaRPr>
+          </a:p>
+          <a:p>
+            <a:r>
+              <a:rPr lang="zh-CN" altLang="en-US" dirty="0"/>
+              <a:t>拆分，大的业务流程，转化成几个小的业务流程，然后考虑最终一致性</a:t>
+            </a:r>
+            <a:endParaRPr lang="zh-CN" altLang="en-US" dirty="0">
+              <a:effectLst/>
+            </a:endParaRPr>
+          </a:p>
+          <a:p>
             <a:endParaRPr lang="zh-CN" altLang="en-US" dirty="0"/>
-          </a:p>
-        </p:txBody>
-      </p:sp>
-      <p:sp>
-        <p:nvSpPr>
-          <p:cNvPr id="3" name="Content Placeholder 2"/>
-          <p:cNvSpPr>
-            <a:spLocks noGrp="1"/>
-          </p:cNvSpPr>
-          <p:nvPr>
-            <p:ph idx="1"/>
-          </p:nvPr>
-        </p:nvSpPr>
-        <p:spPr/>
-        <p:txBody>
-          <a:bodyPr/>
-          <a:lstStyle/>
-          <a:p>
-            <a:endParaRPr lang="zh-CN" altLang="en-US"/>
           </a:p>
         </p:txBody>
       </p:sp>
     </p:spTree>
     <p:extLst>
       <p:ext uri="{BB962C8B-B14F-4D97-AF65-F5344CB8AC3E}">
-        <p14:creationId xmlns:p14="http://schemas.microsoft.com/office/powerpoint/2010/main" val="1035063022"/>
+        <p14:creationId xmlns:p14="http://schemas.microsoft.com/office/powerpoint/2010/main" val="2961534618"/>
       </p:ext>
     </p:extLst>
   </p:cSld>
@@ -4175,215 +6186,1289 @@
           <a:p>
             <a:r>
               <a:rPr lang="en-US" altLang="zh-CN" dirty="0"/>
-              <a:t>Reference</a:t>
-            </a:r>
+              <a:t>JTA</a:t>
+            </a:r>
+            <a:r>
+              <a:rPr lang="zh-CN" altLang="en-US" dirty="0"/>
+              <a:t>事务的由来</a:t>
+            </a:r>
+          </a:p>
+        </p:txBody>
+      </p:sp>
+      <p:sp>
+        <p:nvSpPr>
+          <p:cNvPr id="3" name="Content Placeholder 2"/>
+          <p:cNvSpPr>
+            <a:spLocks noGrp="1"/>
+          </p:cNvSpPr>
+          <p:nvPr>
+            <p:ph idx="1"/>
+          </p:nvPr>
+        </p:nvSpPr>
+        <p:spPr/>
+        <p:txBody>
+          <a:bodyPr>
+            <a:normAutofit fontScale="47500" lnSpcReduction="20000"/>
+          </a:bodyPr>
+          <a:lstStyle/>
+          <a:p>
+            <a:r>
+              <a:rPr lang="zh-CN" altLang="en-US" dirty="0"/>
+              <a:t>一个支付流程就要和多个模块进行交互，每个模块都部署在不同的机器中，并且每个模块操作的数据库都不一致，这时候就无法使用</a:t>
+            </a:r>
+            <a:r>
+              <a:rPr lang="en-US" altLang="zh-CN" dirty="0"/>
+              <a:t>JDBC</a:t>
+            </a:r>
+            <a:r>
+              <a:rPr lang="zh-CN" altLang="en-US" dirty="0"/>
+              <a:t>来管理事务。我们看一段代码：</a:t>
+            </a:r>
+          </a:p>
+          <a:p>
             <a:endParaRPr lang="zh-CN" altLang="en-US" dirty="0"/>
           </a:p>
-        </p:txBody>
-      </p:sp>
-      <p:sp>
-        <p:nvSpPr>
-          <p:cNvPr id="3" name="Content Placeholder 2"/>
-          <p:cNvSpPr>
-            <a:spLocks noGrp="1"/>
-          </p:cNvSpPr>
-          <p:nvPr>
-            <p:ph idx="1"/>
-          </p:nvPr>
-        </p:nvSpPr>
-        <p:spPr/>
-        <p:txBody>
-          <a:bodyPr>
-            <a:normAutofit fontScale="62500" lnSpcReduction="20000"/>
-          </a:bodyPr>
-          <a:lstStyle/>
-          <a:p>
-            <a:r>
-              <a:rPr lang="en-US" altLang="zh-CN" dirty="0">
-                <a:effectLst/>
-                <a:hlinkClick r:id="rId2"/>
-              </a:rPr>
+          <a:p>
+            <a:r>
+              <a:rPr lang="en-US" altLang="zh-CN" dirty="0"/>
+              <a:t>/** </a:t>
+            </a:r>
+            <a:r>
+              <a:rPr lang="zh-CN" altLang="en-US" dirty="0"/>
+              <a:t>支付订单处理 **</a:t>
+            </a:r>
+            <a:r>
+              <a:rPr lang="en-US" altLang="zh-CN" dirty="0"/>
+              <a:t>/</a:t>
+            </a:r>
+          </a:p>
+          <a:p>
+            <a:r>
+              <a:rPr lang="en-US" altLang="zh-CN" dirty="0"/>
+              <a:t>@Transactional(</a:t>
+            </a:r>
+            <a:r>
+              <a:rPr lang="en-US" altLang="zh-CN" dirty="0" err="1"/>
+              <a:t>rollbackFor</a:t>
+            </a:r>
+            <a:r>
+              <a:rPr lang="en-US" altLang="zh-CN" dirty="0"/>
+              <a:t> = </a:t>
+            </a:r>
+            <a:r>
+              <a:rPr lang="en-US" altLang="zh-CN" dirty="0" err="1"/>
+              <a:t>Exception.class</a:t>
+            </a:r>
+            <a:r>
+              <a:rPr lang="en-US" altLang="zh-CN" dirty="0"/>
+              <a:t>)</a:t>
+            </a:r>
+          </a:p>
+          <a:p>
+            <a:r>
+              <a:rPr lang="en-US" altLang="zh-CN" dirty="0"/>
+              <a:t>public void </a:t>
+            </a:r>
+            <a:r>
+              <a:rPr lang="en-US" altLang="zh-CN" dirty="0" err="1"/>
+              <a:t>completeOrder</a:t>
+            </a:r>
+            <a:r>
+              <a:rPr lang="en-US" altLang="zh-CN" dirty="0"/>
+              <a:t>() {</a:t>
+            </a:r>
+          </a:p>
+          <a:p>
+            <a:r>
+              <a:rPr lang="en-US" altLang="zh-CN" dirty="0"/>
+              <a:t>    </a:t>
+            </a:r>
+            <a:r>
+              <a:rPr lang="en-US" altLang="zh-CN" dirty="0" err="1"/>
+              <a:t>orderDao.update</a:t>
+            </a:r>
+            <a:r>
+              <a:rPr lang="en-US" altLang="zh-CN" dirty="0"/>
+              <a:t>(); // </a:t>
+            </a:r>
+            <a:r>
+              <a:rPr lang="zh-CN" altLang="en-US" dirty="0"/>
+              <a:t>订单服务本地更新订单状态</a:t>
+            </a:r>
+          </a:p>
+          <a:p>
+            <a:r>
+              <a:rPr lang="zh-CN" altLang="en-US" dirty="0"/>
+              <a:t>    </a:t>
+            </a:r>
+            <a:r>
+              <a:rPr lang="en-US" altLang="zh-CN" dirty="0" err="1"/>
+              <a:t>accountService.update</a:t>
+            </a:r>
+            <a:r>
+              <a:rPr lang="en-US" altLang="zh-CN" dirty="0"/>
+              <a:t>(); // </a:t>
+            </a:r>
+            <a:r>
+              <a:rPr lang="zh-CN" altLang="en-US" dirty="0"/>
+              <a:t>调用资金账户服务给资金帐户加款</a:t>
+            </a:r>
+          </a:p>
+          <a:p>
+            <a:r>
+              <a:rPr lang="zh-CN" altLang="en-US" dirty="0"/>
+              <a:t>    </a:t>
+            </a:r>
+            <a:r>
+              <a:rPr lang="en-US" altLang="zh-CN" dirty="0" err="1"/>
+              <a:t>pointService.update</a:t>
+            </a:r>
+            <a:r>
+              <a:rPr lang="en-US" altLang="zh-CN" dirty="0"/>
+              <a:t>(); // </a:t>
+            </a:r>
+            <a:r>
+              <a:rPr lang="zh-CN" altLang="en-US" dirty="0"/>
+              <a:t>调用积分服务给积分帐户增加积分</a:t>
+            </a:r>
+          </a:p>
+          <a:p>
+            <a:r>
+              <a:rPr lang="zh-CN" altLang="en-US" dirty="0"/>
+              <a:t>    </a:t>
+            </a:r>
+            <a:r>
+              <a:rPr lang="en-US" altLang="zh-CN" dirty="0" err="1"/>
+              <a:t>accountingService.insert</a:t>
+            </a:r>
+            <a:r>
+              <a:rPr lang="en-US" altLang="zh-CN" dirty="0"/>
+              <a:t>(); // </a:t>
+            </a:r>
+            <a:r>
+              <a:rPr lang="zh-CN" altLang="en-US" dirty="0"/>
+              <a:t>调用会计服务向会计系统写入会计原始凭证</a:t>
+            </a:r>
+          </a:p>
+          <a:p>
+            <a:r>
+              <a:rPr lang="zh-CN" altLang="en-US" dirty="0"/>
+              <a:t>    </a:t>
+            </a:r>
+            <a:r>
+              <a:rPr lang="en-US" altLang="zh-CN" dirty="0" err="1"/>
+              <a:t>merchantNotifyService.notify</a:t>
+            </a:r>
+            <a:r>
+              <a:rPr lang="en-US" altLang="zh-CN" dirty="0"/>
+              <a:t>(); // </a:t>
+            </a:r>
+            <a:r>
+              <a:rPr lang="zh-CN" altLang="en-US" dirty="0"/>
+              <a:t>调用商户通知服务向商户发送支付结果通知</a:t>
+            </a:r>
+          </a:p>
+          <a:p>
+            <a:r>
+              <a:rPr lang="en-US" altLang="zh-CN" dirty="0"/>
+              <a:t>}</a:t>
+            </a:r>
+          </a:p>
+          <a:p>
+            <a:r>
+              <a:rPr lang="zh-CN" altLang="en-US" dirty="0"/>
+              <a:t>上面的代码是一个简单的支付流程的操作，其中调用了五个服务，这五个服务都通过</a:t>
+            </a:r>
+            <a:r>
+              <a:rPr lang="en-US" altLang="zh-CN" dirty="0"/>
+              <a:t>RPC</a:t>
+            </a:r>
+            <a:r>
+              <a:rPr lang="zh-CN" altLang="en-US" dirty="0"/>
+              <a:t>的方式调用，请问使用</a:t>
+            </a:r>
+            <a:r>
+              <a:rPr lang="en-US" altLang="zh-CN" dirty="0"/>
+              <a:t>JDBC</a:t>
+            </a:r>
+            <a:r>
+              <a:rPr lang="zh-CN" altLang="en-US" dirty="0"/>
+              <a:t>如何保证事务一致性？我在方法中增加了</a:t>
+            </a:r>
+            <a:r>
+              <a:rPr lang="en-US" altLang="zh-CN" dirty="0"/>
+              <a:t>@Transactional</a:t>
+            </a:r>
+            <a:r>
+              <a:rPr lang="zh-CN" altLang="en-US" dirty="0"/>
+              <a:t>注解，但是由于采用调用了分布式服务，该事务并不能达到</a:t>
+            </a:r>
+            <a:r>
+              <a:rPr lang="en-US" altLang="zh-CN" dirty="0"/>
+              <a:t>ACID</a:t>
+            </a:r>
+            <a:r>
+              <a:rPr lang="zh-CN" altLang="en-US" dirty="0"/>
+              <a:t>的效果。</a:t>
+            </a:r>
+          </a:p>
+          <a:p>
+            <a:endParaRPr lang="zh-CN" altLang="en-US" dirty="0"/>
+          </a:p>
+          <a:p>
+            <a:r>
+              <a:rPr lang="en-US" altLang="zh-CN" dirty="0"/>
+              <a:t>JTA</a:t>
+            </a:r>
+            <a:r>
+              <a:rPr lang="zh-CN" altLang="en-US" dirty="0"/>
+              <a:t>事务比</a:t>
+            </a:r>
+            <a:r>
+              <a:rPr lang="en-US" altLang="zh-CN" dirty="0"/>
+              <a:t>JDBC</a:t>
+            </a:r>
+            <a:r>
+              <a:rPr lang="zh-CN" altLang="en-US" dirty="0"/>
+              <a:t>事务更强大。一个</a:t>
+            </a:r>
+            <a:r>
+              <a:rPr lang="en-US" altLang="zh-CN" dirty="0"/>
+              <a:t>JTA</a:t>
+            </a:r>
+            <a:r>
+              <a:rPr lang="zh-CN" altLang="en-US" dirty="0"/>
+              <a:t>事务可以有多个参与者，而一个</a:t>
+            </a:r>
+            <a:r>
+              <a:rPr lang="en-US" altLang="zh-CN" dirty="0"/>
+              <a:t>JDBC</a:t>
+            </a:r>
+            <a:r>
+              <a:rPr lang="zh-CN" altLang="en-US" dirty="0"/>
+              <a:t>事务则被限定在一个单一的数据库连接。下列任一个</a:t>
+            </a:r>
+            <a:r>
+              <a:rPr lang="en-US" altLang="zh-CN" dirty="0"/>
+              <a:t>Java</a:t>
+            </a:r>
+            <a:r>
+              <a:rPr lang="zh-CN" altLang="en-US" dirty="0"/>
+              <a:t>平台的组件都可以参与到一个</a:t>
+            </a:r>
+            <a:r>
+              <a:rPr lang="en-US" altLang="zh-CN" dirty="0"/>
+              <a:t>JTA</a:t>
+            </a:r>
+            <a:r>
+              <a:rPr lang="zh-CN" altLang="en-US" dirty="0"/>
+              <a:t>事务中：</a:t>
+            </a:r>
+            <a:r>
+              <a:rPr lang="en-US" altLang="zh-CN" dirty="0"/>
+              <a:t>JDBC</a:t>
+            </a:r>
+            <a:r>
+              <a:rPr lang="zh-CN" altLang="en-US" dirty="0"/>
+              <a:t>连接、</a:t>
+            </a:r>
+            <a:r>
+              <a:rPr lang="en-US" altLang="zh-CN" dirty="0"/>
+              <a:t>JDO </a:t>
+            </a:r>
+            <a:r>
+              <a:rPr lang="en-US" altLang="zh-CN" dirty="0" err="1"/>
+              <a:t>PersistenceManager</a:t>
+            </a:r>
+            <a:r>
+              <a:rPr lang="en-US" altLang="zh-CN" dirty="0"/>
               <a:t> </a:t>
             </a:r>
             <a:r>
-              <a:rPr lang="en-US" altLang="zh-CN" dirty="0">
-                <a:effectLst/>
-              </a:rPr>
-              <a:t>The XA Specification  </a:t>
-            </a:r>
-            <a:r>
-              <a:rPr lang="zh-CN" altLang="en-US" dirty="0">
-                <a:effectLst/>
-              </a:rPr>
-              <a:t>可以从这里下载到：</a:t>
-            </a:r>
-            <a:r>
-              <a:rPr lang="en-US" altLang="zh-CN" dirty="0">
-                <a:effectLst/>
-              </a:rPr>
-              <a:t>http://download.csdn</a:t>
-            </a:r>
-            <a:r>
-              <a:rPr lang="en-US" altLang="zh-CN" b="1" dirty="0">
-                <a:hlinkClick r:id="rId3" tooltip=".NET知识库"/>
-              </a:rPr>
-              <a:t>.NET</a:t>
-            </a:r>
-            <a:r>
-              <a:rPr lang="en-US" altLang="zh-CN" dirty="0">
-                <a:effectLst/>
-              </a:rPr>
-              <a:t>/detail/hengyunabc/6940529</a:t>
-            </a:r>
-          </a:p>
-          <a:p>
-            <a:r>
-              <a:rPr lang="en-US" altLang="zh-CN" dirty="0">
-                <a:effectLst/>
-              </a:rPr>
-              <a:t>http://en.wikipedia.org/wiki/Two-phase_commit_protocol</a:t>
-            </a:r>
-            <a:br>
-              <a:rPr lang="en-US" altLang="zh-CN" dirty="0">
-                <a:effectLst/>
-              </a:rPr>
-            </a:br>
-            <a:endParaRPr lang="en-US" altLang="zh-CN" dirty="0">
-              <a:effectLst/>
-            </a:endParaRPr>
-          </a:p>
-          <a:p>
-            <a:r>
-              <a:rPr lang="en-US" altLang="zh-CN" dirty="0">
-                <a:effectLst/>
-              </a:rPr>
-              <a:t>http://www.infoq.com/cn/articles/xa-transactions-handle</a:t>
-            </a:r>
-            <a:br>
-              <a:rPr lang="en-US" altLang="zh-CN" dirty="0">
-                <a:effectLst/>
-              </a:rPr>
-            </a:br>
-            <a:endParaRPr lang="en-US" altLang="zh-CN" dirty="0">
-              <a:effectLst/>
-            </a:endParaRPr>
-          </a:p>
-          <a:p>
-            <a:r>
-              <a:rPr lang="en-US" altLang="zh-CN" dirty="0">
-                <a:effectLst/>
-              </a:rPr>
-              <a:t>http://java.sun.com/javaee/technologies/jta/index.jsp    </a:t>
-            </a:r>
-          </a:p>
-          <a:p>
-            <a:br>
-              <a:rPr lang="en-US" altLang="zh-CN" dirty="0">
-                <a:effectLst/>
-              </a:rPr>
-            </a:br>
-            <a:endParaRPr lang="en-US" altLang="zh-CN" dirty="0">
-              <a:effectLst/>
-            </a:endParaRPr>
-          </a:p>
-          <a:p>
-            <a:r>
-              <a:rPr lang="en-US" altLang="zh-CN" dirty="0">
-                <a:effectLst/>
-              </a:rPr>
-              <a:t>https://github.com/bitronix/btm  </a:t>
-            </a:r>
-            <a:r>
-              <a:rPr lang="zh-CN" altLang="en-US" dirty="0">
-                <a:effectLst/>
-              </a:rPr>
-              <a:t>一个开源的</a:t>
-            </a:r>
-            <a:r>
-              <a:rPr lang="en-US" altLang="zh-CN" dirty="0">
-                <a:effectLst/>
-              </a:rPr>
-              <a:t>JTA Transaction </a:t>
-            </a:r>
-          </a:p>
-          <a:p>
-            <a:r>
-              <a:rPr lang="en-US" altLang="zh-CN" dirty="0">
-                <a:effectLst/>
-              </a:rPr>
-              <a:t>Manager</a:t>
-            </a:r>
-          </a:p>
-          <a:p>
-            <a:r>
-              <a:rPr lang="en-US" altLang="zh-CN" dirty="0">
-                <a:effectLst/>
-                <a:hlinkClick r:id="rId4"/>
-              </a:rPr>
-              <a:t>http://en.wikipedia.org/wiki/Two-phase_commit_protocol</a:t>
-            </a:r>
-            <a:endParaRPr lang="en-US" altLang="zh-CN" dirty="0"/>
-          </a:p>
-          <a:p>
-            <a:r>
-              <a:rPr lang="en-US" altLang="zh-CN" dirty="0">
-                <a:effectLst/>
-                <a:hlinkClick r:id="rId5"/>
-              </a:rPr>
-              <a:t>http://www.infoq.com/cn/articles/xa-transactions-handle</a:t>
-            </a:r>
-            <a:endParaRPr lang="en-US" altLang="zh-CN" dirty="0">
-              <a:effectLst/>
-            </a:endParaRPr>
-          </a:p>
-          <a:p>
-            <a:r>
-              <a:rPr lang="en-US" altLang="zh-CN" dirty="0">
-                <a:effectLst/>
-                <a:hlinkClick r:id="rId6"/>
-              </a:rPr>
-              <a:t>http://java.sun.com/javaee/technologies/jta/index.jsp</a:t>
-            </a:r>
-            <a:r>
-              <a:rPr lang="en-US" altLang="zh-CN" dirty="0">
-                <a:effectLst/>
-              </a:rPr>
-              <a:t>     </a:t>
-            </a:r>
-          </a:p>
-          <a:p>
-            <a:r>
-              <a:rPr lang="en-US" altLang="zh-CN" dirty="0">
-                <a:effectLst/>
-                <a:hlinkClick r:id="rId7"/>
-              </a:rPr>
-              <a:t>https://github.com/bitronix/btm</a:t>
-            </a:r>
-            <a:r>
-              <a:rPr lang="en-US" altLang="zh-CN" dirty="0">
-                <a:effectLst/>
-              </a:rPr>
-              <a:t>   </a:t>
-            </a:r>
-            <a:r>
-              <a:rPr lang="zh-CN" altLang="en-US" dirty="0">
-                <a:effectLst/>
-              </a:rPr>
-              <a:t>一个开源的</a:t>
-            </a:r>
-            <a:r>
-              <a:rPr lang="en-US" altLang="zh-CN" dirty="0">
-                <a:effectLst/>
-              </a:rPr>
-              <a:t>JTA Transaction Manager</a:t>
-            </a:r>
+              <a:rPr lang="zh-CN" altLang="en-US" dirty="0"/>
+              <a:t>对象、</a:t>
+            </a:r>
+            <a:r>
+              <a:rPr lang="en-US" altLang="zh-CN" dirty="0"/>
+              <a:t>JMS </a:t>
+            </a:r>
+            <a:r>
+              <a:rPr lang="zh-CN" altLang="en-US" dirty="0"/>
+              <a:t>队列、</a:t>
+            </a:r>
+            <a:r>
+              <a:rPr lang="en-US" altLang="zh-CN" dirty="0"/>
+              <a:t>JMS </a:t>
+            </a:r>
+            <a:r>
+              <a:rPr lang="zh-CN" altLang="en-US" dirty="0"/>
+              <a:t>主题、企业</a:t>
+            </a:r>
+            <a:r>
+              <a:rPr lang="en-US" altLang="zh-CN" dirty="0"/>
+              <a:t>JavaBeans</a:t>
+            </a:r>
+            <a:r>
+              <a:rPr lang="zh-CN" altLang="en-US" dirty="0"/>
+              <a:t>（</a:t>
+            </a:r>
+            <a:r>
+              <a:rPr lang="en-US" altLang="zh-CN" dirty="0"/>
+              <a:t>EJB</a:t>
+            </a:r>
+            <a:r>
+              <a:rPr lang="zh-CN" altLang="en-US" dirty="0"/>
+              <a:t>）、一个用</a:t>
+            </a:r>
+            <a:r>
+              <a:rPr lang="en-US" altLang="zh-CN" dirty="0"/>
+              <a:t>J2EE Connector Architecture </a:t>
+            </a:r>
+            <a:r>
+              <a:rPr lang="zh-CN" altLang="en-US" dirty="0"/>
+              <a:t>规范编译的资源分配器。</a:t>
+            </a:r>
+          </a:p>
+          <a:p>
+            <a:endParaRPr lang="zh-CN" altLang="en-US" dirty="0"/>
+          </a:p>
+          <a:p>
+            <a:endParaRPr lang="zh-CN" altLang="en-US" dirty="0"/>
           </a:p>
         </p:txBody>
       </p:sp>
     </p:spTree>
     <p:extLst>
       <p:ext uri="{BB962C8B-B14F-4D97-AF65-F5344CB8AC3E}">
-        <p14:creationId xmlns:p14="http://schemas.microsoft.com/office/powerpoint/2010/main" val="3412022980"/>
+        <p14:creationId xmlns:p14="http://schemas.microsoft.com/office/powerpoint/2010/main" val="3780561679"/>
+      </p:ext>
+    </p:extLst>
+  </p:cSld>
+  <p:clrMapOvr>
+    <a:masterClrMapping/>
+  </p:clrMapOvr>
+</p:sld>
+</file>
+
+<file path=ppt/slides/slide13.xml><?xml version="1.0" encoding="utf-8"?>
+<p:sld xmlns:a="http://schemas.openxmlformats.org/drawingml/2006/main" xmlns:r="http://schemas.openxmlformats.org/officeDocument/2006/relationships" xmlns:p="http://schemas.openxmlformats.org/presentationml/2006/main">
+  <p:cSld>
+    <p:spTree>
+      <p:nvGrpSpPr>
+        <p:cNvPr id="1" name=""/>
+        <p:cNvGrpSpPr/>
+        <p:nvPr/>
+      </p:nvGrpSpPr>
+      <p:grpSpPr>
+        <a:xfrm>
+          <a:off x="0" y="0"/>
+          <a:ext cx="0" cy="0"/>
+          <a:chOff x="0" y="0"/>
+          <a:chExt cx="0" cy="0"/>
+        </a:xfrm>
+      </p:grpSpPr>
+      <p:sp>
+        <p:nvSpPr>
+          <p:cNvPr id="2" name="Title 1"/>
+          <p:cNvSpPr>
+            <a:spLocks noGrp="1"/>
+          </p:cNvSpPr>
+          <p:nvPr>
+            <p:ph type="title"/>
+          </p:nvPr>
+        </p:nvSpPr>
+        <p:spPr/>
+        <p:txBody>
+          <a:bodyPr/>
+          <a:lstStyle/>
+          <a:p>
+            <a:r>
+              <a:rPr lang="en-US" altLang="zh-CN" dirty="0" err="1"/>
+              <a:t>java.transaction.UserTransaction</a:t>
+            </a:r>
+            <a:endParaRPr lang="zh-CN" altLang="en-US" dirty="0"/>
+          </a:p>
+        </p:txBody>
+      </p:sp>
+      <p:sp>
+        <p:nvSpPr>
+          <p:cNvPr id="3" name="Content Placeholder 2"/>
+          <p:cNvSpPr>
+            <a:spLocks noGrp="1"/>
+          </p:cNvSpPr>
+          <p:nvPr>
+            <p:ph idx="1"/>
+          </p:nvPr>
+        </p:nvSpPr>
+        <p:spPr/>
+        <p:txBody>
+          <a:bodyPr>
+            <a:normAutofit/>
+          </a:bodyPr>
+          <a:lstStyle/>
+          <a:p>
+            <a:r>
+              <a:rPr lang="en-US" altLang="zh-CN" dirty="0"/>
+              <a:t>JTA</a:t>
+            </a:r>
+            <a:r>
+              <a:rPr lang="zh-CN" altLang="en-US" dirty="0"/>
+              <a:t>里面提供了 </a:t>
+            </a:r>
+            <a:r>
+              <a:rPr lang="en-US" altLang="zh-CN" dirty="0"/>
+              <a:t>,</a:t>
+            </a:r>
+            <a:r>
+              <a:rPr lang="zh-CN" altLang="en-US" dirty="0"/>
+              <a:t>里面定义了下面几个方法</a:t>
+            </a:r>
+          </a:p>
+          <a:p>
+            <a:r>
+              <a:rPr lang="en-US" altLang="zh-CN" dirty="0"/>
+              <a:t>begin</a:t>
+            </a:r>
+            <a:r>
+              <a:rPr lang="zh-CN" altLang="en-US" dirty="0"/>
+              <a:t>：开启一个事务</a:t>
+            </a:r>
+          </a:p>
+          <a:p>
+            <a:r>
+              <a:rPr lang="en-US" altLang="zh-CN" dirty="0"/>
+              <a:t>commit</a:t>
+            </a:r>
+            <a:r>
+              <a:rPr lang="zh-CN" altLang="en-US" dirty="0"/>
+              <a:t>：提交当前事务</a:t>
+            </a:r>
+          </a:p>
+          <a:p>
+            <a:r>
+              <a:rPr lang="en-US" altLang="zh-CN" dirty="0"/>
+              <a:t>rollback</a:t>
+            </a:r>
+            <a:r>
+              <a:rPr lang="zh-CN" altLang="en-US" dirty="0"/>
+              <a:t>：回滚当前事务</a:t>
+            </a:r>
+          </a:p>
+          <a:p>
+            <a:r>
+              <a:rPr lang="en-US" altLang="zh-CN" dirty="0" err="1"/>
+              <a:t>setRollbackOnly</a:t>
+            </a:r>
+            <a:r>
+              <a:rPr lang="zh-CN" altLang="en-US" dirty="0"/>
+              <a:t>：标记事务需回滚</a:t>
+            </a:r>
+          </a:p>
+          <a:p>
+            <a:r>
+              <a:rPr lang="en-US" altLang="zh-CN" dirty="0" err="1"/>
+              <a:t>setTransactionTimeout</a:t>
+            </a:r>
+            <a:r>
+              <a:rPr lang="zh-CN" altLang="en-US" dirty="0"/>
+              <a:t>：设置事务的时间，超时则抛异常并回滚</a:t>
+            </a:r>
+          </a:p>
+        </p:txBody>
+      </p:sp>
+    </p:spTree>
+    <p:extLst>
+      <p:ext uri="{BB962C8B-B14F-4D97-AF65-F5344CB8AC3E}">
+        <p14:creationId xmlns:p14="http://schemas.microsoft.com/office/powerpoint/2010/main" val="3871087737"/>
+      </p:ext>
+    </p:extLst>
+  </p:cSld>
+  <p:clrMapOvr>
+    <a:masterClrMapping/>
+  </p:clrMapOvr>
+</p:sld>
+</file>
+
+<file path=ppt/slides/slide14.xml><?xml version="1.0" encoding="utf-8"?>
+<p:sld xmlns:a="http://schemas.openxmlformats.org/drawingml/2006/main" xmlns:r="http://schemas.openxmlformats.org/officeDocument/2006/relationships" xmlns:p="http://schemas.openxmlformats.org/presentationml/2006/main">
+  <p:cSld>
+    <p:spTree>
+      <p:nvGrpSpPr>
+        <p:cNvPr id="1" name=""/>
+        <p:cNvGrpSpPr/>
+        <p:nvPr/>
+      </p:nvGrpSpPr>
+      <p:grpSpPr>
+        <a:xfrm>
+          <a:off x="0" y="0"/>
+          <a:ext cx="0" cy="0"/>
+          <a:chOff x="0" y="0"/>
+          <a:chExt cx="0" cy="0"/>
+        </a:xfrm>
+      </p:grpSpPr>
+      <p:sp>
+        <p:nvSpPr>
+          <p:cNvPr id="2" name="Title 1"/>
+          <p:cNvSpPr>
+            <a:spLocks noGrp="1"/>
+          </p:cNvSpPr>
+          <p:nvPr>
+            <p:ph type="title"/>
+          </p:nvPr>
+        </p:nvSpPr>
+        <p:spPr/>
+        <p:txBody>
+          <a:bodyPr/>
+          <a:lstStyle/>
+          <a:p>
+            <a:r>
+              <a:rPr lang="zh-CN" altLang="en-US" dirty="0"/>
+              <a:t>分布式事务的组成</a:t>
+            </a:r>
+          </a:p>
+        </p:txBody>
+      </p:sp>
+      <p:sp>
+        <p:nvSpPr>
+          <p:cNvPr id="3" name="Content Placeholder 2"/>
+          <p:cNvSpPr>
+            <a:spLocks noGrp="1"/>
+          </p:cNvSpPr>
+          <p:nvPr>
+            <p:ph idx="1"/>
+          </p:nvPr>
+        </p:nvSpPr>
+        <p:spPr/>
+        <p:txBody>
+          <a:bodyPr/>
+          <a:lstStyle/>
+          <a:p>
+            <a:r>
+              <a:rPr lang="zh-CN" altLang="en-US" dirty="0"/>
+              <a:t>一个分布式事务（</a:t>
+            </a:r>
+            <a:r>
+              <a:rPr lang="en-US" altLang="zh-CN" dirty="0"/>
+              <a:t>Distributed Transaction</a:t>
+            </a:r>
+            <a:r>
+              <a:rPr lang="zh-CN" altLang="en-US" dirty="0"/>
+              <a:t>）包括一个事务管理器（</a:t>
+            </a:r>
+            <a:r>
+              <a:rPr lang="en-US" altLang="zh-CN" dirty="0"/>
+              <a:t>transaction manager</a:t>
+            </a:r>
+            <a:r>
+              <a:rPr lang="zh-CN" altLang="en-US" dirty="0"/>
+              <a:t>）和一个或多个资源管理器</a:t>
+            </a:r>
+            <a:r>
+              <a:rPr lang="en-US" altLang="zh-CN" dirty="0"/>
+              <a:t>(resource manager)</a:t>
+            </a:r>
+            <a:r>
+              <a:rPr lang="zh-CN" altLang="en-US" dirty="0"/>
+              <a:t>。</a:t>
+            </a:r>
+            <a:endParaRPr lang="en-US" altLang="zh-CN" dirty="0"/>
+          </a:p>
+          <a:p>
+            <a:endParaRPr lang="en-US" altLang="zh-CN" dirty="0"/>
+          </a:p>
+          <a:p>
+            <a:r>
+              <a:rPr lang="zh-CN" altLang="en-US" dirty="0"/>
+              <a:t>一个资源管理器（</a:t>
+            </a:r>
+            <a:r>
+              <a:rPr lang="en-US" altLang="zh-CN" dirty="0"/>
+              <a:t>resource manager</a:t>
+            </a:r>
+            <a:r>
+              <a:rPr lang="zh-CN" altLang="en-US" dirty="0"/>
+              <a:t>）是任意类型的持久化数据存储。</a:t>
+            </a:r>
+            <a:endParaRPr lang="en-US" altLang="zh-CN" dirty="0"/>
+          </a:p>
+          <a:p>
+            <a:r>
+              <a:rPr lang="zh-CN" altLang="en-US" dirty="0"/>
+              <a:t>事务管理器（</a:t>
+            </a:r>
+            <a:r>
+              <a:rPr lang="en-US" altLang="zh-CN" dirty="0"/>
+              <a:t>transaction manager</a:t>
+            </a:r>
+            <a:r>
+              <a:rPr lang="zh-CN" altLang="en-US" dirty="0"/>
+              <a:t>）承担着所有事务参与单元者的相互通讯的责任。</a:t>
+            </a:r>
+          </a:p>
+        </p:txBody>
+      </p:sp>
+    </p:spTree>
+    <p:extLst>
+      <p:ext uri="{BB962C8B-B14F-4D97-AF65-F5344CB8AC3E}">
+        <p14:creationId xmlns:p14="http://schemas.microsoft.com/office/powerpoint/2010/main" val="395767643"/>
+      </p:ext>
+    </p:extLst>
+  </p:cSld>
+  <p:clrMapOvr>
+    <a:masterClrMapping/>
+  </p:clrMapOvr>
+</p:sld>
+</file>
+
+<file path=ppt/slides/slide15.xml><?xml version="1.0" encoding="utf-8"?>
+<p:sld xmlns:a="http://schemas.openxmlformats.org/drawingml/2006/main" xmlns:r="http://schemas.openxmlformats.org/officeDocument/2006/relationships" xmlns:p="http://schemas.openxmlformats.org/presentationml/2006/main">
+  <p:cSld>
+    <p:spTree>
+      <p:nvGrpSpPr>
+        <p:cNvPr id="1" name=""/>
+        <p:cNvGrpSpPr/>
+        <p:nvPr/>
+      </p:nvGrpSpPr>
+      <p:grpSpPr>
+        <a:xfrm>
+          <a:off x="0" y="0"/>
+          <a:ext cx="0" cy="0"/>
+          <a:chOff x="0" y="0"/>
+          <a:chExt cx="0" cy="0"/>
+        </a:xfrm>
+      </p:grpSpPr>
+      <p:sp>
+        <p:nvSpPr>
+          <p:cNvPr id="2" name="Title 1"/>
+          <p:cNvSpPr>
+            <a:spLocks noGrp="1"/>
+          </p:cNvSpPr>
+          <p:nvPr>
+            <p:ph type="title"/>
+          </p:nvPr>
+        </p:nvSpPr>
+        <p:spPr/>
+        <p:txBody>
+          <a:bodyPr/>
+          <a:lstStyle/>
+          <a:p>
+            <a:r>
+              <a:rPr lang="en-US" altLang="zh-CN" dirty="0"/>
+              <a:t>JTA</a:t>
+            </a:r>
+            <a:r>
+              <a:rPr lang="zh-CN" altLang="en-US" dirty="0"/>
+              <a:t>的优缺点</a:t>
+            </a:r>
+          </a:p>
+        </p:txBody>
+      </p:sp>
+      <p:sp>
+        <p:nvSpPr>
+          <p:cNvPr id="3" name="Content Placeholder 2"/>
+          <p:cNvSpPr>
+            <a:spLocks noGrp="1"/>
+          </p:cNvSpPr>
+          <p:nvPr>
+            <p:ph idx="1"/>
+          </p:nvPr>
+        </p:nvSpPr>
+        <p:spPr/>
+        <p:txBody>
+          <a:bodyPr>
+            <a:normAutofit fontScale="92500" lnSpcReduction="10000"/>
+          </a:bodyPr>
+          <a:lstStyle/>
+          <a:p>
+            <a:endParaRPr lang="zh-CN" altLang="en-US" dirty="0"/>
+          </a:p>
+          <a:p>
+            <a:r>
+              <a:rPr lang="zh-CN" altLang="en-US" dirty="0"/>
+              <a:t>优点：提供分布式事务的解决方案</a:t>
+            </a:r>
+            <a:endParaRPr lang="en-US" altLang="zh-CN" dirty="0"/>
+          </a:p>
+          <a:p>
+            <a:endParaRPr lang="en-US" altLang="zh-CN" dirty="0"/>
+          </a:p>
+          <a:p>
+            <a:r>
+              <a:rPr lang="zh-CN" altLang="en-US" dirty="0"/>
+              <a:t>缺点：</a:t>
+            </a:r>
+            <a:r>
+              <a:rPr lang="en-US" altLang="zh-CN" dirty="0"/>
+              <a:t> </a:t>
+            </a:r>
+          </a:p>
+          <a:p>
+            <a:pPr lvl="1"/>
+            <a:r>
+              <a:rPr lang="en-US" altLang="zh-CN" dirty="0"/>
+              <a:t>1</a:t>
+            </a:r>
+            <a:r>
+              <a:rPr lang="zh-CN" altLang="en-US" dirty="0"/>
+              <a:t>、 实现复杂</a:t>
+            </a:r>
+            <a:endParaRPr lang="en-US" altLang="zh-CN" dirty="0"/>
+          </a:p>
+          <a:p>
+            <a:pPr lvl="1"/>
+            <a:r>
+              <a:rPr lang="en-US" altLang="zh-CN" dirty="0"/>
+              <a:t>2</a:t>
+            </a:r>
+            <a:r>
+              <a:rPr lang="zh-CN" altLang="en-US" dirty="0"/>
+              <a:t>、只能在应用服务器环境下使用</a:t>
+            </a:r>
+            <a:endParaRPr lang="en-US" altLang="zh-CN" dirty="0"/>
+          </a:p>
+          <a:p>
+            <a:endParaRPr lang="en-US" altLang="zh-CN" dirty="0"/>
+          </a:p>
+          <a:p>
+            <a:r>
+              <a:rPr lang="zh-CN" altLang="en-US" dirty="0"/>
+              <a:t>替代方案</a:t>
+            </a:r>
+            <a:endParaRPr lang="en-US" altLang="zh-CN" dirty="0"/>
+          </a:p>
+          <a:p>
+            <a:pPr lvl="1"/>
+            <a:r>
+              <a:rPr lang="en-US" altLang="zh-CN" dirty="0"/>
+              <a:t>1</a:t>
+            </a:r>
+            <a:r>
+              <a:rPr lang="zh-CN" altLang="en-US" dirty="0"/>
+              <a:t>、异步消息确保型</a:t>
+            </a:r>
+            <a:endParaRPr lang="en-US" altLang="zh-CN" dirty="0"/>
+          </a:p>
+          <a:p>
+            <a:pPr lvl="1"/>
+            <a:r>
+              <a:rPr lang="en-US" altLang="zh-CN" dirty="0"/>
+              <a:t>2</a:t>
+            </a:r>
+            <a:r>
+              <a:rPr lang="zh-CN" altLang="en-US" dirty="0"/>
+              <a:t>、</a:t>
+            </a:r>
+            <a:r>
+              <a:rPr lang="en-US" altLang="zh-CN" dirty="0"/>
+              <a:t>TCC</a:t>
+            </a:r>
+          </a:p>
+          <a:p>
+            <a:pPr lvl="1"/>
+            <a:r>
+              <a:rPr lang="en-US" altLang="zh-CN" dirty="0"/>
+              <a:t>3</a:t>
+            </a:r>
+            <a:r>
+              <a:rPr lang="zh-CN" altLang="en-US" dirty="0"/>
+              <a:t>、最大努力通知等</a:t>
+            </a:r>
+          </a:p>
+        </p:txBody>
+      </p:sp>
+    </p:spTree>
+    <p:extLst>
+      <p:ext uri="{BB962C8B-B14F-4D97-AF65-F5344CB8AC3E}">
+        <p14:creationId xmlns:p14="http://schemas.microsoft.com/office/powerpoint/2010/main" val="1321155832"/>
+      </p:ext>
+    </p:extLst>
+  </p:cSld>
+  <p:clrMapOvr>
+    <a:masterClrMapping/>
+  </p:clrMapOvr>
+</p:sld>
+</file>
+
+<file path=ppt/slides/slide16.xml><?xml version="1.0" encoding="utf-8"?>
+<p:sld xmlns:a="http://schemas.openxmlformats.org/drawingml/2006/main" xmlns:r="http://schemas.openxmlformats.org/officeDocument/2006/relationships" xmlns:p="http://schemas.openxmlformats.org/presentationml/2006/main">
+  <p:cSld>
+    <p:spTree>
+      <p:nvGrpSpPr>
+        <p:cNvPr id="1" name=""/>
+        <p:cNvGrpSpPr/>
+        <p:nvPr/>
+      </p:nvGrpSpPr>
+      <p:grpSpPr>
+        <a:xfrm>
+          <a:off x="0" y="0"/>
+          <a:ext cx="0" cy="0"/>
+          <a:chOff x="0" y="0"/>
+          <a:chExt cx="0" cy="0"/>
+        </a:xfrm>
+      </p:grpSpPr>
+      <p:sp>
+        <p:nvSpPr>
+          <p:cNvPr id="2" name="Title 1"/>
+          <p:cNvSpPr>
+            <a:spLocks noGrp="1"/>
+          </p:cNvSpPr>
+          <p:nvPr>
+            <p:ph type="title"/>
+          </p:nvPr>
+        </p:nvSpPr>
+        <p:spPr/>
+        <p:txBody>
+          <a:bodyPr/>
+          <a:lstStyle/>
+          <a:p>
+            <a:r>
+              <a:rPr lang="en-US" altLang="zh-CN" dirty="0"/>
+              <a:t>Spring + JTA</a:t>
+            </a:r>
+            <a:endParaRPr lang="zh-CN" altLang="en-US" dirty="0"/>
+          </a:p>
+        </p:txBody>
+      </p:sp>
+      <p:sp>
+        <p:nvSpPr>
+          <p:cNvPr id="3" name="Content Placeholder 2"/>
+          <p:cNvSpPr>
+            <a:spLocks noGrp="1"/>
+          </p:cNvSpPr>
+          <p:nvPr>
+            <p:ph idx="1"/>
+          </p:nvPr>
+        </p:nvSpPr>
+        <p:spPr/>
+        <p:txBody>
+          <a:bodyPr/>
+          <a:lstStyle/>
+          <a:p>
+            <a:r>
+              <a:rPr lang="zh-CN" altLang="en-US" dirty="0"/>
+              <a:t>分布式事务（</a:t>
+            </a:r>
+            <a:r>
+              <a:rPr lang="en-US" altLang="zh-CN" dirty="0"/>
+              <a:t>Distributed Transaction</a:t>
+            </a:r>
+            <a:r>
+              <a:rPr lang="zh-CN" altLang="en-US" dirty="0"/>
+              <a:t>）包括事务管理器（</a:t>
+            </a:r>
+            <a:r>
+              <a:rPr lang="en-US" altLang="zh-CN" dirty="0"/>
+              <a:t>Transaction Manager</a:t>
+            </a:r>
+            <a:r>
+              <a:rPr lang="zh-CN" altLang="en-US" dirty="0"/>
+              <a:t>）和一个或多个支持 </a:t>
+            </a:r>
+            <a:r>
+              <a:rPr lang="en-US" altLang="zh-CN" dirty="0"/>
+              <a:t>XA </a:t>
+            </a:r>
+            <a:r>
+              <a:rPr lang="zh-CN" altLang="en-US" dirty="0"/>
+              <a:t>协议的资源管理器 </a:t>
+            </a:r>
+            <a:r>
+              <a:rPr lang="en-US" altLang="zh-CN" dirty="0"/>
+              <a:t>( Resource Manager )</a:t>
+            </a:r>
+            <a:r>
+              <a:rPr lang="zh-CN" altLang="en-US" dirty="0"/>
+              <a:t>。我们可以将资源管理器看做任意类型的持久化数据存储；事务管理器承担着所有事务参与单元的协调与控制。</a:t>
+            </a:r>
+            <a:r>
+              <a:rPr lang="en-US" altLang="zh-CN" dirty="0"/>
+              <a:t>JTA </a:t>
+            </a:r>
+            <a:r>
+              <a:rPr lang="zh-CN" altLang="en-US" dirty="0"/>
+              <a:t>事务有效的屏蔽了底层事务资源，使应用可以以透明的方式参入到事务处理中；但是与本地事务相比，</a:t>
+            </a:r>
+            <a:r>
+              <a:rPr lang="en-US" altLang="zh-CN" dirty="0"/>
+              <a:t>XA </a:t>
+            </a:r>
+            <a:r>
+              <a:rPr lang="zh-CN" altLang="en-US" dirty="0"/>
+              <a:t>协议的系统开销大，在系统开发过程中应慎重考虑是否确实需要分布式事务。若确实需要分布式事务以协调多个事务资源，则应实现和配置所支持 </a:t>
+            </a:r>
+            <a:r>
+              <a:rPr lang="en-US" altLang="zh-CN" dirty="0"/>
+              <a:t>XA </a:t>
+            </a:r>
+            <a:r>
+              <a:rPr lang="zh-CN" altLang="en-US" dirty="0"/>
+              <a:t>协议的事务资源，如 </a:t>
+            </a:r>
+            <a:r>
+              <a:rPr lang="en-US" altLang="zh-CN" dirty="0"/>
+              <a:t>JMS</a:t>
+            </a:r>
+            <a:r>
+              <a:rPr lang="zh-CN" altLang="en-US" dirty="0"/>
+              <a:t>、</a:t>
+            </a:r>
+            <a:r>
+              <a:rPr lang="en-US" altLang="zh-CN" dirty="0"/>
+              <a:t>JDBC </a:t>
+            </a:r>
+            <a:r>
+              <a:rPr lang="zh-CN" altLang="en-US" dirty="0"/>
+              <a:t>数据库连接池等。使用 </a:t>
+            </a:r>
+            <a:r>
+              <a:rPr lang="en-US" altLang="zh-CN" dirty="0"/>
+              <a:t>JTA </a:t>
+            </a:r>
+            <a:r>
+              <a:rPr lang="zh-CN" altLang="en-US" dirty="0"/>
+              <a:t>处理事务的示例如下（注意：</a:t>
+            </a:r>
+            <a:r>
+              <a:rPr lang="en-US" altLang="zh-CN" dirty="0" err="1"/>
+              <a:t>connA</a:t>
+            </a:r>
+            <a:r>
+              <a:rPr lang="en-US" altLang="zh-CN" dirty="0"/>
+              <a:t> </a:t>
+            </a:r>
+            <a:r>
+              <a:rPr lang="zh-CN" altLang="en-US" dirty="0"/>
+              <a:t>和 </a:t>
+            </a:r>
+            <a:r>
+              <a:rPr lang="en-US" altLang="zh-CN" dirty="0" err="1"/>
+              <a:t>connB</a:t>
+            </a:r>
+            <a:r>
+              <a:rPr lang="en-US" altLang="zh-CN" dirty="0"/>
+              <a:t> </a:t>
+            </a:r>
+            <a:r>
+              <a:rPr lang="zh-CN" altLang="en-US" dirty="0"/>
+              <a:t>是来自不同数据库的连接）</a:t>
+            </a:r>
+          </a:p>
+        </p:txBody>
+      </p:sp>
+    </p:spTree>
+    <p:extLst>
+      <p:ext uri="{BB962C8B-B14F-4D97-AF65-F5344CB8AC3E}">
+        <p14:creationId xmlns:p14="http://schemas.microsoft.com/office/powerpoint/2010/main" val="1865720143"/>
+      </p:ext>
+    </p:extLst>
+  </p:cSld>
+  <p:clrMapOvr>
+    <a:masterClrMapping/>
+  </p:clrMapOvr>
+</p:sld>
+</file>
+
+<file path=ppt/slides/slide17.xml><?xml version="1.0" encoding="utf-8"?>
+<p:sld xmlns:a="http://schemas.openxmlformats.org/drawingml/2006/main" xmlns:r="http://schemas.openxmlformats.org/officeDocument/2006/relationships" xmlns:p="http://schemas.openxmlformats.org/presentationml/2006/main">
+  <p:cSld>
+    <p:spTree>
+      <p:nvGrpSpPr>
+        <p:cNvPr id="1" name=""/>
+        <p:cNvGrpSpPr/>
+        <p:nvPr/>
+      </p:nvGrpSpPr>
+      <p:grpSpPr>
+        <a:xfrm>
+          <a:off x="0" y="0"/>
+          <a:ext cx="0" cy="0"/>
+          <a:chOff x="0" y="0"/>
+          <a:chExt cx="0" cy="0"/>
+        </a:xfrm>
+      </p:grpSpPr>
+      <p:sp>
+        <p:nvSpPr>
+          <p:cNvPr id="2" name="Title 1"/>
+          <p:cNvSpPr>
+            <a:spLocks noGrp="1"/>
+          </p:cNvSpPr>
+          <p:nvPr>
+            <p:ph type="title"/>
+          </p:nvPr>
+        </p:nvSpPr>
+        <p:spPr/>
+        <p:txBody>
+          <a:bodyPr/>
+          <a:lstStyle/>
+          <a:p>
+            <a:r>
+              <a:rPr lang="en-US" altLang="zh-CN" dirty="0"/>
+              <a:t>JTA + JMS</a:t>
+            </a:r>
+            <a:endParaRPr lang="zh-CN" altLang="en-US" dirty="0"/>
+          </a:p>
+        </p:txBody>
+      </p:sp>
+      <p:sp>
+        <p:nvSpPr>
+          <p:cNvPr id="3" name="Content Placeholder 2"/>
+          <p:cNvSpPr>
+            <a:spLocks noGrp="1"/>
+          </p:cNvSpPr>
+          <p:nvPr>
+            <p:ph idx="1"/>
+          </p:nvPr>
+        </p:nvSpPr>
+        <p:spPr/>
+        <p:txBody>
+          <a:bodyPr/>
+          <a:lstStyle/>
+          <a:p>
+            <a:endParaRPr lang="zh-CN" altLang="en-US"/>
+          </a:p>
+        </p:txBody>
+      </p:sp>
+    </p:spTree>
+    <p:extLst>
+      <p:ext uri="{BB962C8B-B14F-4D97-AF65-F5344CB8AC3E}">
+        <p14:creationId xmlns:p14="http://schemas.microsoft.com/office/powerpoint/2010/main" val="208280720"/>
+      </p:ext>
+    </p:extLst>
+  </p:cSld>
+  <p:clrMapOvr>
+    <a:masterClrMapping/>
+  </p:clrMapOvr>
+</p:sld>
+</file>
+
+<file path=ppt/slides/slide18.xml><?xml version="1.0" encoding="utf-8"?>
+<p:sld xmlns:a="http://schemas.openxmlformats.org/drawingml/2006/main" xmlns:r="http://schemas.openxmlformats.org/officeDocument/2006/relationships" xmlns:p="http://schemas.openxmlformats.org/presentationml/2006/main">
+  <p:cSld>
+    <p:spTree>
+      <p:nvGrpSpPr>
+        <p:cNvPr id="1" name=""/>
+        <p:cNvGrpSpPr/>
+        <p:nvPr/>
+      </p:nvGrpSpPr>
+      <p:grpSpPr>
+        <a:xfrm>
+          <a:off x="0" y="0"/>
+          <a:ext cx="0" cy="0"/>
+          <a:chOff x="0" y="0"/>
+          <a:chExt cx="0" cy="0"/>
+        </a:xfrm>
+      </p:grpSpPr>
+      <p:sp>
+        <p:nvSpPr>
+          <p:cNvPr id="2" name="Title 1"/>
+          <p:cNvSpPr>
+            <a:spLocks noGrp="1"/>
+          </p:cNvSpPr>
+          <p:nvPr>
+            <p:ph type="title"/>
+          </p:nvPr>
+        </p:nvSpPr>
+        <p:spPr/>
+        <p:txBody>
+          <a:bodyPr/>
+          <a:lstStyle/>
+          <a:p>
+            <a:r>
+              <a:rPr lang="en-US" altLang="zh-CN" dirty="0"/>
+              <a:t>JTA+JDBC</a:t>
+            </a:r>
+            <a:endParaRPr lang="zh-CN" altLang="en-US" dirty="0"/>
+          </a:p>
+        </p:txBody>
+      </p:sp>
+      <p:sp>
+        <p:nvSpPr>
+          <p:cNvPr id="3" name="Content Placeholder 2"/>
+          <p:cNvSpPr>
+            <a:spLocks noGrp="1"/>
+          </p:cNvSpPr>
+          <p:nvPr>
+            <p:ph idx="1"/>
+          </p:nvPr>
+        </p:nvSpPr>
+        <p:spPr/>
+        <p:txBody>
+          <a:bodyPr/>
+          <a:lstStyle/>
+          <a:p>
+            <a:endParaRPr lang="zh-CN" altLang="en-US"/>
+          </a:p>
+        </p:txBody>
+      </p:sp>
+    </p:spTree>
+    <p:extLst>
+      <p:ext uri="{BB962C8B-B14F-4D97-AF65-F5344CB8AC3E}">
+        <p14:creationId xmlns:p14="http://schemas.microsoft.com/office/powerpoint/2010/main" val="1035063022"/>
+      </p:ext>
+    </p:extLst>
+  </p:cSld>
+  <p:clrMapOvr>
+    <a:masterClrMapping/>
+  </p:clrMapOvr>
+</p:sld>
+</file>
+
+<file path=ppt/slides/slide19.xml><?xml version="1.0" encoding="utf-8"?>
+<p:sld xmlns:a="http://schemas.openxmlformats.org/drawingml/2006/main" xmlns:r="http://schemas.openxmlformats.org/officeDocument/2006/relationships" xmlns:p="http://schemas.openxmlformats.org/presentationml/2006/main">
+  <p:cSld>
+    <p:spTree>
+      <p:nvGrpSpPr>
+        <p:cNvPr id="1" name=""/>
+        <p:cNvGrpSpPr/>
+        <p:nvPr/>
+      </p:nvGrpSpPr>
+      <p:grpSpPr>
+        <a:xfrm>
+          <a:off x="0" y="0"/>
+          <a:ext cx="0" cy="0"/>
+          <a:chOff x="0" y="0"/>
+          <a:chExt cx="0" cy="0"/>
+        </a:xfrm>
+      </p:grpSpPr>
+      <p:sp>
+        <p:nvSpPr>
+          <p:cNvPr id="2" name="Title 1"/>
+          <p:cNvSpPr>
+            <a:spLocks noGrp="1"/>
+          </p:cNvSpPr>
+          <p:nvPr>
+            <p:ph type="title"/>
+          </p:nvPr>
+        </p:nvSpPr>
+        <p:spPr/>
+        <p:txBody>
+          <a:bodyPr/>
+          <a:lstStyle/>
+          <a:p>
+            <a:endParaRPr lang="zh-CN" altLang="en-US"/>
+          </a:p>
+        </p:txBody>
+      </p:sp>
+      <p:sp>
+        <p:nvSpPr>
+          <p:cNvPr id="3" name="Content Placeholder 2"/>
+          <p:cNvSpPr>
+            <a:spLocks noGrp="1"/>
+          </p:cNvSpPr>
+          <p:nvPr>
+            <p:ph idx="1"/>
+          </p:nvPr>
+        </p:nvSpPr>
+        <p:spPr/>
+        <p:txBody>
+          <a:bodyPr>
+            <a:normAutofit lnSpcReduction="10000"/>
+          </a:bodyPr>
+          <a:lstStyle/>
+          <a:p>
+            <a:r>
+              <a:rPr lang="en-US" altLang="zh-CN" dirty="0"/>
+              <a:t>Java</a:t>
+            </a:r>
+            <a:r>
+              <a:rPr lang="zh-CN" altLang="en-US" dirty="0"/>
+              <a:t>事务的类型有三种：</a:t>
+            </a:r>
+            <a:r>
+              <a:rPr lang="en-US" altLang="zh-CN" dirty="0"/>
+              <a:t>JDBC</a:t>
+            </a:r>
+            <a:r>
+              <a:rPr lang="zh-CN" altLang="en-US" dirty="0"/>
+              <a:t>事务、</a:t>
+            </a:r>
+            <a:r>
+              <a:rPr lang="en-US" altLang="zh-CN" dirty="0"/>
+              <a:t>JTA(Java Transaction API)</a:t>
+            </a:r>
+            <a:r>
+              <a:rPr lang="zh-CN" altLang="en-US" dirty="0"/>
+              <a:t>事务、容器事务，其中</a:t>
+            </a:r>
+            <a:r>
+              <a:rPr lang="en-US" altLang="zh-CN" dirty="0"/>
+              <a:t>JDBC</a:t>
+            </a:r>
+            <a:r>
+              <a:rPr lang="zh-CN" altLang="en-US" dirty="0"/>
+              <a:t>的事务操作用法比较简单，适合于处理同一个数据源的操作。</a:t>
+            </a:r>
+            <a:r>
+              <a:rPr lang="en-US" altLang="zh-CN" dirty="0"/>
+              <a:t>JTA</a:t>
+            </a:r>
+            <a:r>
+              <a:rPr lang="zh-CN" altLang="en-US" dirty="0"/>
+              <a:t>事务相对复杂，可以用于处理跨多个数据库的事务，是分布式事务的一种解决方案。</a:t>
+            </a:r>
+          </a:p>
+          <a:p>
+            <a:endParaRPr lang="zh-CN" altLang="en-US" dirty="0"/>
+          </a:p>
+          <a:p>
+            <a:r>
+              <a:rPr lang="zh-CN" altLang="en-US" dirty="0"/>
+              <a:t>这里还要简单说一下，虽然</a:t>
+            </a:r>
+            <a:r>
+              <a:rPr lang="en-US" altLang="zh-CN" dirty="0"/>
+              <a:t>JTA</a:t>
+            </a:r>
+            <a:r>
+              <a:rPr lang="zh-CN" altLang="en-US" dirty="0"/>
+              <a:t>事务是</a:t>
+            </a:r>
+            <a:r>
+              <a:rPr lang="en-US" altLang="zh-CN" dirty="0"/>
+              <a:t>Java</a:t>
+            </a:r>
+            <a:r>
+              <a:rPr lang="zh-CN" altLang="en-US" dirty="0"/>
+              <a:t>提供的可用于分布式事务的一套</a:t>
+            </a:r>
+            <a:r>
+              <a:rPr lang="en-US" altLang="zh-CN" dirty="0"/>
+              <a:t>API</a:t>
+            </a:r>
+            <a:r>
+              <a:rPr lang="zh-CN" altLang="en-US" dirty="0"/>
+              <a:t>，但是不同的</a:t>
+            </a:r>
+            <a:r>
+              <a:rPr lang="en-US" altLang="zh-CN" dirty="0"/>
+              <a:t>J2EE</a:t>
+            </a:r>
+            <a:r>
+              <a:rPr lang="zh-CN" altLang="en-US" dirty="0"/>
+              <a:t>平台的实现都不一样，并且都不是很方便使用，所以，一般在项目中不太使用这种较为负责的</a:t>
+            </a:r>
+            <a:r>
+              <a:rPr lang="en-US" altLang="zh-CN" dirty="0"/>
+              <a:t>API</a:t>
+            </a:r>
+            <a:r>
+              <a:rPr lang="zh-CN" altLang="en-US" dirty="0"/>
+              <a:t>。现在业内比较常用的分布式事务解决方案主要有异步消息确保型、</a:t>
+            </a:r>
+            <a:r>
+              <a:rPr lang="en-US" altLang="zh-CN" dirty="0"/>
+              <a:t>TCC</a:t>
+            </a:r>
+            <a:r>
+              <a:rPr lang="zh-CN" altLang="en-US" dirty="0"/>
+              <a:t>、最大努力通知等。关于这几种分布式事务解决方案，我会在后面的文章中介绍。欢迎关注与交流。</a:t>
+            </a:r>
+          </a:p>
+        </p:txBody>
+      </p:sp>
+    </p:spTree>
+    <p:extLst>
+      <p:ext uri="{BB962C8B-B14F-4D97-AF65-F5344CB8AC3E}">
+        <p14:creationId xmlns:p14="http://schemas.microsoft.com/office/powerpoint/2010/main" val="3468678927"/>
       </p:ext>
     </p:extLst>
   </p:cSld>
@@ -4427,7 +7512,7 @@
           <a:p>
             <a:r>
               <a:rPr lang="zh-CN" altLang="en-US" dirty="0"/>
-              <a:t>普通事务</a:t>
+              <a:t>事务是什么？</a:t>
             </a:r>
           </a:p>
         </p:txBody>
@@ -4444,72 +7529,360 @@
         </p:nvSpPr>
         <p:spPr/>
         <p:txBody>
-          <a:bodyPr>
-            <a:normAutofit/>
-          </a:bodyPr>
-          <a:lstStyle/>
-          <a:p>
-            <a:r>
-              <a:rPr lang="zh-CN" altLang="en-US" dirty="0"/>
-              <a:t>每个事务都新建一个事务文件，当</a:t>
-            </a:r>
-            <a:r>
-              <a:rPr lang="en-US" altLang="zh-CN" dirty="0"/>
-              <a:t>commit</a:t>
-            </a:r>
-            <a:r>
-              <a:rPr lang="zh-CN" altLang="en-US" dirty="0"/>
-              <a:t>时，先把修改过的数据块，写到事务文件里，然后再一次性地写到</a:t>
-            </a:r>
-            <a:r>
-              <a:rPr lang="zh-CN" altLang="en-US" b="1" dirty="0">
-                <a:hlinkClick r:id="rId2" tooltip="MySQL知识库"/>
-              </a:rPr>
-              <a:t>数据库</a:t>
-            </a:r>
-            <a:r>
-              <a:rPr lang="zh-CN" altLang="en-US" dirty="0"/>
-              <a:t>文件里。</a:t>
-            </a:r>
-          </a:p>
-          <a:p>
-            <a:r>
-              <a:rPr lang="zh-CN" altLang="en-US" dirty="0"/>
-              <a:t>如果</a:t>
-            </a:r>
-            <a:r>
-              <a:rPr lang="en-US" altLang="zh-CN" dirty="0"/>
-              <a:t>commit</a:t>
-            </a:r>
-            <a:r>
-              <a:rPr lang="zh-CN" altLang="en-US" dirty="0"/>
-              <a:t>时挂掉了，那么重启之后，会再次从事务文件里把修改过的块写到数据库文件里。最后再删除事务文件。</a:t>
-            </a:r>
-          </a:p>
-          <a:p>
+          <a:bodyPr/>
+          <a:lstStyle/>
+          <a:p>
+            <a:r>
+              <a:rPr lang="zh-CN" altLang="en-US" dirty="0"/>
+              <a:t>事务是应用程序中一系列严密的操作，所有操作必须成功完成，否则在每个操作中所作的所有更改都会被撤消。</a:t>
+            </a:r>
             <a:endParaRPr lang="en-US" altLang="zh-CN" dirty="0"/>
           </a:p>
           <a:p>
-            <a:r>
-              <a:rPr lang="en-US" altLang="zh-CN" dirty="0">
-                <a:hlinkClick r:id="rId3"/>
-              </a:rPr>
-              <a:t>https://github.com/jankotek/JDBM3</a:t>
-            </a:r>
+            <a:pPr marL="0" indent="0">
+              <a:buNone/>
+            </a:pPr>
             <a:endParaRPr lang="en-US" altLang="zh-CN" dirty="0"/>
           </a:p>
           <a:p>
+            <a:r>
+              <a:rPr lang="zh-CN" altLang="en-US" dirty="0"/>
+              <a:t>原子性（ </a:t>
+            </a:r>
+            <a:r>
+              <a:rPr lang="en-US" altLang="zh-CN" dirty="0"/>
+              <a:t>Atomicity </a:t>
+            </a:r>
+            <a:r>
+              <a:rPr lang="zh-CN" altLang="en-US" dirty="0"/>
+              <a:t>）</a:t>
+            </a:r>
             <a:endParaRPr lang="en-US" altLang="zh-CN" dirty="0"/>
           </a:p>
           <a:p>
+            <a:r>
+              <a:rPr lang="zh-CN" altLang="en-US" dirty="0"/>
+              <a:t>一致性（ </a:t>
+            </a:r>
+            <a:r>
+              <a:rPr lang="en-US" altLang="zh-CN" dirty="0"/>
+              <a:t>Consistency </a:t>
+            </a:r>
+            <a:r>
+              <a:rPr lang="zh-CN" altLang="en-US" dirty="0"/>
+              <a:t>）</a:t>
+            </a:r>
             <a:endParaRPr lang="en-US" altLang="zh-CN" dirty="0"/>
+          </a:p>
+          <a:p>
+            <a:r>
+              <a:rPr lang="zh-CN" altLang="en-US" dirty="0"/>
+              <a:t>隔离性（ </a:t>
+            </a:r>
+            <a:r>
+              <a:rPr lang="en-US" altLang="zh-CN" dirty="0"/>
+              <a:t>Isolation </a:t>
+            </a:r>
+            <a:r>
+              <a:rPr lang="zh-CN" altLang="en-US" dirty="0"/>
+              <a:t>）</a:t>
+            </a:r>
+            <a:endParaRPr lang="en-US" altLang="zh-CN" dirty="0"/>
+          </a:p>
+          <a:p>
+            <a:r>
+              <a:rPr lang="zh-CN" altLang="en-US" dirty="0"/>
+              <a:t>持续性（ </a:t>
+            </a:r>
+            <a:r>
+              <a:rPr lang="en-US" altLang="zh-CN" dirty="0"/>
+              <a:t>Durability </a:t>
+            </a:r>
+            <a:r>
+              <a:rPr lang="zh-CN" altLang="en-US" dirty="0"/>
+              <a:t>）</a:t>
+            </a:r>
+            <a:endParaRPr lang="en-US" altLang="zh-CN" dirty="0"/>
+          </a:p>
+          <a:p>
+            <a:endParaRPr lang="zh-CN" altLang="en-US" dirty="0"/>
           </a:p>
         </p:txBody>
       </p:sp>
     </p:spTree>
     <p:extLst>
       <p:ext uri="{BB962C8B-B14F-4D97-AF65-F5344CB8AC3E}">
-        <p14:creationId xmlns:p14="http://schemas.microsoft.com/office/powerpoint/2010/main" val="2061049129"/>
+        <p14:creationId xmlns:p14="http://schemas.microsoft.com/office/powerpoint/2010/main" val="543305784"/>
+      </p:ext>
+    </p:extLst>
+  </p:cSld>
+  <p:clrMapOvr>
+    <a:masterClrMapping/>
+  </p:clrMapOvr>
+</p:sld>
+</file>
+
+<file path=ppt/slides/slide20.xml><?xml version="1.0" encoding="utf-8"?>
+<p:sld xmlns:a="http://schemas.openxmlformats.org/drawingml/2006/main" xmlns:r="http://schemas.openxmlformats.org/officeDocument/2006/relationships" xmlns:p="http://schemas.openxmlformats.org/presentationml/2006/main">
+  <p:cSld>
+    <p:spTree>
+      <p:nvGrpSpPr>
+        <p:cNvPr id="1" name=""/>
+        <p:cNvGrpSpPr/>
+        <p:nvPr/>
+      </p:nvGrpSpPr>
+      <p:grpSpPr>
+        <a:xfrm>
+          <a:off x="0" y="0"/>
+          <a:ext cx="0" cy="0"/>
+          <a:chOff x="0" y="0"/>
+          <a:chExt cx="0" cy="0"/>
+        </a:xfrm>
+      </p:grpSpPr>
+      <p:sp>
+        <p:nvSpPr>
+          <p:cNvPr id="2" name="Title 1"/>
+          <p:cNvSpPr>
+            <a:spLocks noGrp="1"/>
+          </p:cNvSpPr>
+          <p:nvPr>
+            <p:ph type="title"/>
+          </p:nvPr>
+        </p:nvSpPr>
+        <p:spPr/>
+        <p:txBody>
+          <a:bodyPr/>
+          <a:lstStyle/>
+          <a:p>
+            <a:r>
+              <a:rPr lang="en-US" altLang="zh-CN" dirty="0"/>
+              <a:t>Reference</a:t>
+            </a:r>
+            <a:endParaRPr lang="zh-CN" altLang="en-US" dirty="0"/>
+          </a:p>
+        </p:txBody>
+      </p:sp>
+      <p:sp>
+        <p:nvSpPr>
+          <p:cNvPr id="3" name="Content Placeholder 2"/>
+          <p:cNvSpPr>
+            <a:spLocks noGrp="1"/>
+          </p:cNvSpPr>
+          <p:nvPr>
+            <p:ph idx="1"/>
+          </p:nvPr>
+        </p:nvSpPr>
+        <p:spPr/>
+        <p:txBody>
+          <a:bodyPr>
+            <a:normAutofit fontScale="55000" lnSpcReduction="20000"/>
+          </a:bodyPr>
+          <a:lstStyle/>
+          <a:p>
+            <a:r>
+              <a:rPr lang="en-US" altLang="zh-CN" dirty="0">
+                <a:effectLst/>
+                <a:hlinkClick r:id="rId2"/>
+              </a:rPr>
+              <a:t> </a:t>
+            </a:r>
+            <a:r>
+              <a:rPr lang="en-US" altLang="zh-CN" dirty="0">
+                <a:effectLst/>
+              </a:rPr>
+              <a:t>The XA Specification  </a:t>
+            </a:r>
+            <a:r>
+              <a:rPr lang="zh-CN" altLang="en-US" dirty="0">
+                <a:effectLst/>
+              </a:rPr>
+              <a:t>可以从这里下载到：</a:t>
+            </a:r>
+            <a:r>
+              <a:rPr lang="en-US" altLang="zh-CN" dirty="0">
+                <a:effectLst/>
+              </a:rPr>
+              <a:t>http://download.csdn</a:t>
+            </a:r>
+            <a:r>
+              <a:rPr lang="en-US" altLang="zh-CN" b="1" dirty="0">
+                <a:hlinkClick r:id="rId3" tooltip=".NET知识库"/>
+              </a:rPr>
+              <a:t>.NET</a:t>
+            </a:r>
+            <a:r>
+              <a:rPr lang="en-US" altLang="zh-CN" dirty="0">
+                <a:effectLst/>
+              </a:rPr>
+              <a:t>/detail/hengyunabc/6940529</a:t>
+            </a:r>
+          </a:p>
+          <a:p>
+            <a:r>
+              <a:rPr lang="en-US" altLang="zh-CN" dirty="0">
+                <a:effectLst/>
+              </a:rPr>
+              <a:t>http://en.wikipedia.org/wiki/Two-phase_commit_protocol</a:t>
+            </a:r>
+            <a:br>
+              <a:rPr lang="en-US" altLang="zh-CN" dirty="0">
+                <a:effectLst/>
+              </a:rPr>
+            </a:br>
+            <a:endParaRPr lang="en-US" altLang="zh-CN" dirty="0">
+              <a:effectLst/>
+            </a:endParaRPr>
+          </a:p>
+          <a:p>
+            <a:r>
+              <a:rPr lang="en-US" altLang="zh-CN" dirty="0">
+                <a:effectLst/>
+              </a:rPr>
+              <a:t>http://www.infoq.com/cn/articles/xa-transactions-handle</a:t>
+            </a:r>
+            <a:br>
+              <a:rPr lang="en-US" altLang="zh-CN" dirty="0">
+                <a:effectLst/>
+              </a:rPr>
+            </a:br>
+            <a:endParaRPr lang="en-US" altLang="zh-CN" dirty="0">
+              <a:effectLst/>
+            </a:endParaRPr>
+          </a:p>
+          <a:p>
+            <a:r>
+              <a:rPr lang="en-US" altLang="zh-CN" dirty="0">
+                <a:effectLst/>
+              </a:rPr>
+              <a:t>http://java.sun.com/javaee/technologies/jta/index.jsp    </a:t>
+            </a:r>
+          </a:p>
+          <a:p>
+            <a:br>
+              <a:rPr lang="en-US" altLang="zh-CN" dirty="0">
+                <a:effectLst/>
+              </a:rPr>
+            </a:br>
+            <a:endParaRPr lang="en-US" altLang="zh-CN" dirty="0">
+              <a:effectLst/>
+            </a:endParaRPr>
+          </a:p>
+          <a:p>
+            <a:r>
+              <a:rPr lang="en-US" altLang="zh-CN" dirty="0">
+                <a:effectLst/>
+              </a:rPr>
+              <a:t>https://github.com/bitronix/btm  </a:t>
+            </a:r>
+            <a:r>
+              <a:rPr lang="zh-CN" altLang="en-US" dirty="0">
+                <a:effectLst/>
+              </a:rPr>
+              <a:t>一个开源的</a:t>
+            </a:r>
+            <a:r>
+              <a:rPr lang="en-US" altLang="zh-CN" dirty="0">
+                <a:effectLst/>
+              </a:rPr>
+              <a:t>JTA Transaction </a:t>
+            </a:r>
+          </a:p>
+          <a:p>
+            <a:r>
+              <a:rPr lang="en-US" altLang="zh-CN" dirty="0">
+                <a:effectLst/>
+              </a:rPr>
+              <a:t>Manager</a:t>
+            </a:r>
+          </a:p>
+          <a:p>
+            <a:r>
+              <a:rPr lang="en-US" altLang="zh-CN" dirty="0">
+                <a:effectLst/>
+                <a:hlinkClick r:id="rId4"/>
+              </a:rPr>
+              <a:t>http://en.wikipedia.org/wiki/Two-phase_commit_protocol</a:t>
+            </a:r>
+            <a:endParaRPr lang="en-US" altLang="zh-CN" dirty="0"/>
+          </a:p>
+          <a:p>
+            <a:r>
+              <a:rPr lang="en-US" altLang="zh-CN" dirty="0">
+                <a:effectLst/>
+                <a:hlinkClick r:id="rId5"/>
+              </a:rPr>
+              <a:t>http://www.infoq.com/cn/articles/xa-transactions-handle</a:t>
+            </a:r>
+            <a:endParaRPr lang="en-US" altLang="zh-CN" dirty="0">
+              <a:effectLst/>
+            </a:endParaRPr>
+          </a:p>
+          <a:p>
+            <a:r>
+              <a:rPr lang="en-US" altLang="zh-CN" dirty="0">
+                <a:effectLst/>
+                <a:hlinkClick r:id="rId6"/>
+              </a:rPr>
+              <a:t>http://java.sun.com/javaee/technologies/jta/index.jsp</a:t>
+            </a:r>
+            <a:r>
+              <a:rPr lang="en-US" altLang="zh-CN" dirty="0">
+                <a:effectLst/>
+              </a:rPr>
+              <a:t>     </a:t>
+            </a:r>
+          </a:p>
+          <a:p>
+            <a:r>
+              <a:rPr lang="en-US" altLang="zh-CN" dirty="0">
+                <a:effectLst/>
+                <a:hlinkClick r:id="rId7"/>
+              </a:rPr>
+              <a:t>https://github.com/bitronix/btm</a:t>
+            </a:r>
+            <a:r>
+              <a:rPr lang="en-US" altLang="zh-CN" dirty="0">
+                <a:effectLst/>
+              </a:rPr>
+              <a:t>   </a:t>
+            </a:r>
+            <a:r>
+              <a:rPr lang="zh-CN" altLang="en-US" dirty="0">
+                <a:effectLst/>
+              </a:rPr>
+              <a:t>一个开源的</a:t>
+            </a:r>
+            <a:r>
+              <a:rPr lang="en-US" altLang="zh-CN" dirty="0">
+                <a:effectLst/>
+              </a:rPr>
+              <a:t>JTA Transaction Manager</a:t>
+            </a:r>
+          </a:p>
+          <a:p>
+            <a:endParaRPr lang="en-US" altLang="zh-CN" dirty="0"/>
+          </a:p>
+          <a:p>
+            <a:r>
+              <a:rPr lang="en-US" altLang="zh-CN" dirty="0">
+                <a:hlinkClick r:id="rId8"/>
+              </a:rPr>
+              <a:t>http://docs.spring.io/spring-boot/docs/current/reference/html/boot-features-jta.html</a:t>
+            </a:r>
+            <a:r>
+              <a:rPr lang="zh-CN" altLang="en-US" dirty="0"/>
+              <a:t>（重点）</a:t>
+            </a:r>
+            <a:endParaRPr lang="en-US" altLang="zh-CN" dirty="0">
+              <a:effectLst/>
+            </a:endParaRPr>
+          </a:p>
+        </p:txBody>
+      </p:sp>
+    </p:spTree>
+    <p:extLst>
+      <p:ext uri="{BB962C8B-B14F-4D97-AF65-F5344CB8AC3E}">
+        <p14:creationId xmlns:p14="http://schemas.microsoft.com/office/powerpoint/2010/main" val="3412022980"/>
       </p:ext>
     </p:extLst>
   </p:cSld>
@@ -4552,6 +7925,288 @@
           <a:lstStyle/>
           <a:p>
             <a:r>
+              <a:rPr lang="zh-CN" altLang="en-US"/>
+              <a:t>事务的实现</a:t>
+            </a:r>
+            <a:endParaRPr lang="zh-CN" altLang="en-US"/>
+          </a:p>
+        </p:txBody>
+      </p:sp>
+      <p:sp>
+        <p:nvSpPr>
+          <p:cNvPr id="3" name="Content Placeholder 2"/>
+          <p:cNvSpPr>
+            <a:spLocks noGrp="1"/>
+          </p:cNvSpPr>
+          <p:nvPr>
+            <p:ph idx="1"/>
+          </p:nvPr>
+        </p:nvSpPr>
+        <p:spPr/>
+        <p:txBody>
+          <a:bodyPr/>
+          <a:lstStyle/>
+          <a:p>
+            <a:endParaRPr lang="zh-CN" altLang="en-US"/>
+          </a:p>
+        </p:txBody>
+      </p:sp>
+    </p:spTree>
+    <p:extLst>
+      <p:ext uri="{BB962C8B-B14F-4D97-AF65-F5344CB8AC3E}">
+        <p14:creationId xmlns:p14="http://schemas.microsoft.com/office/powerpoint/2010/main" val="3281896595"/>
+      </p:ext>
+    </p:extLst>
+  </p:cSld>
+  <p:clrMapOvr>
+    <a:masterClrMapping/>
+  </p:clrMapOvr>
+</p:sld>
+</file>
+
+<file path=ppt/slides/slide4.xml><?xml version="1.0" encoding="utf-8"?>
+<p:sld xmlns:a="http://schemas.openxmlformats.org/drawingml/2006/main" xmlns:r="http://schemas.openxmlformats.org/officeDocument/2006/relationships" xmlns:p="http://schemas.openxmlformats.org/presentationml/2006/main">
+  <p:cSld>
+    <p:spTree>
+      <p:nvGrpSpPr>
+        <p:cNvPr id="1" name=""/>
+        <p:cNvGrpSpPr/>
+        <p:nvPr/>
+      </p:nvGrpSpPr>
+      <p:grpSpPr>
+        <a:xfrm>
+          <a:off x="0" y="0"/>
+          <a:ext cx="0" cy="0"/>
+          <a:chOff x="0" y="0"/>
+          <a:chExt cx="0" cy="0"/>
+        </a:xfrm>
+      </p:grpSpPr>
+      <p:sp>
+        <p:nvSpPr>
+          <p:cNvPr id="2" name="Title 1"/>
+          <p:cNvSpPr>
+            <a:spLocks noGrp="1"/>
+          </p:cNvSpPr>
+          <p:nvPr>
+            <p:ph type="title"/>
+          </p:nvPr>
+        </p:nvSpPr>
+        <p:spPr/>
+        <p:txBody>
+          <a:bodyPr/>
+          <a:lstStyle/>
+          <a:p>
+            <a:endParaRPr lang="zh-CN" altLang="en-US" dirty="0"/>
+          </a:p>
+        </p:txBody>
+      </p:sp>
+      <p:sp>
+        <p:nvSpPr>
+          <p:cNvPr id="3" name="Content Placeholder 2"/>
+          <p:cNvSpPr>
+            <a:spLocks noGrp="1"/>
+          </p:cNvSpPr>
+          <p:nvPr>
+            <p:ph idx="1"/>
+          </p:nvPr>
+        </p:nvSpPr>
+        <p:spPr/>
+        <p:txBody>
+          <a:bodyPr/>
+          <a:lstStyle/>
+          <a:p>
+            <a:r>
+              <a:rPr lang="en-US" altLang="zh-CN" dirty="0"/>
+              <a:t>1.	what is it? </a:t>
+            </a:r>
+          </a:p>
+          <a:p>
+            <a:r>
+              <a:rPr lang="en-US" altLang="zh-CN" dirty="0"/>
+              <a:t>2.	how to make it?</a:t>
+            </a:r>
+          </a:p>
+          <a:p>
+            <a:r>
+              <a:rPr lang="en-US" altLang="zh-CN" dirty="0"/>
+              <a:t>3.	where to use it?</a:t>
+            </a:r>
+            <a:endParaRPr lang="zh-CN" altLang="en-US" dirty="0"/>
+          </a:p>
+        </p:txBody>
+      </p:sp>
+    </p:spTree>
+    <p:extLst>
+      <p:ext uri="{BB962C8B-B14F-4D97-AF65-F5344CB8AC3E}">
+        <p14:creationId xmlns:p14="http://schemas.microsoft.com/office/powerpoint/2010/main" val="683483495"/>
+      </p:ext>
+    </p:extLst>
+  </p:cSld>
+  <p:clrMapOvr>
+    <a:masterClrMapping/>
+  </p:clrMapOvr>
+</p:sld>
+</file>
+
+<file path=ppt/slides/slide5.xml><?xml version="1.0" encoding="utf-8"?>
+<p:sld xmlns:a="http://schemas.openxmlformats.org/drawingml/2006/main" xmlns:r="http://schemas.openxmlformats.org/officeDocument/2006/relationships" xmlns:p="http://schemas.openxmlformats.org/presentationml/2006/main">
+  <p:cSld>
+    <p:spTree>
+      <p:nvGrpSpPr>
+        <p:cNvPr id="1" name=""/>
+        <p:cNvGrpSpPr/>
+        <p:nvPr/>
+      </p:nvGrpSpPr>
+      <p:grpSpPr>
+        <a:xfrm>
+          <a:off x="0" y="0"/>
+          <a:ext cx="0" cy="0"/>
+          <a:chOff x="0" y="0"/>
+          <a:chExt cx="0" cy="0"/>
+        </a:xfrm>
+      </p:grpSpPr>
+      <p:sp>
+        <p:nvSpPr>
+          <p:cNvPr id="2" name="Title 1"/>
+          <p:cNvSpPr>
+            <a:spLocks noGrp="1"/>
+          </p:cNvSpPr>
+          <p:nvPr>
+            <p:ph type="title"/>
+          </p:nvPr>
+        </p:nvSpPr>
+        <p:spPr/>
+        <p:txBody>
+          <a:bodyPr/>
+          <a:lstStyle/>
+          <a:p>
+            <a:r>
+              <a:rPr lang="zh-CN" altLang="en-US" dirty="0"/>
+              <a:t>普通事务</a:t>
+            </a:r>
+          </a:p>
+        </p:txBody>
+      </p:sp>
+      <p:sp>
+        <p:nvSpPr>
+          <p:cNvPr id="3" name="Content Placeholder 2"/>
+          <p:cNvSpPr>
+            <a:spLocks noGrp="1"/>
+          </p:cNvSpPr>
+          <p:nvPr>
+            <p:ph idx="1"/>
+          </p:nvPr>
+        </p:nvSpPr>
+        <p:spPr/>
+        <p:txBody>
+          <a:bodyPr>
+            <a:normAutofit/>
+          </a:bodyPr>
+          <a:lstStyle/>
+          <a:p>
+            <a:r>
+              <a:rPr lang="zh-CN" altLang="en-US" dirty="0"/>
+              <a:t>每个事务都新建一个事务文件，当</a:t>
+            </a:r>
+            <a:r>
+              <a:rPr lang="en-US" altLang="zh-CN" dirty="0"/>
+              <a:t>commit</a:t>
+            </a:r>
+            <a:r>
+              <a:rPr lang="zh-CN" altLang="en-US" dirty="0"/>
+              <a:t>时，先把修改过的数据块，写到事务文件里，然后再一次性地写到</a:t>
+            </a:r>
+            <a:r>
+              <a:rPr lang="zh-CN" altLang="en-US" b="1" dirty="0">
+                <a:hlinkClick r:id="rId2" tooltip="MySQL知识库"/>
+              </a:rPr>
+              <a:t>数据库</a:t>
+            </a:r>
+            <a:r>
+              <a:rPr lang="zh-CN" altLang="en-US" dirty="0"/>
+              <a:t>文件里。</a:t>
+            </a:r>
+          </a:p>
+          <a:p>
+            <a:r>
+              <a:rPr lang="zh-CN" altLang="en-US" dirty="0"/>
+              <a:t>如果</a:t>
+            </a:r>
+            <a:r>
+              <a:rPr lang="en-US" altLang="zh-CN" dirty="0"/>
+              <a:t>commit</a:t>
+            </a:r>
+            <a:r>
+              <a:rPr lang="zh-CN" altLang="en-US" dirty="0"/>
+              <a:t>时挂掉了，那么重启之后，会再次从事务文件里把修改过的块写到数据库文件里。最后再删除事务文件。</a:t>
+            </a:r>
+          </a:p>
+          <a:p>
+            <a:endParaRPr lang="en-US" altLang="zh-CN" dirty="0"/>
+          </a:p>
+          <a:p>
+            <a:r>
+              <a:rPr lang="en-US" altLang="zh-CN" dirty="0">
+                <a:hlinkClick r:id="rId3"/>
+              </a:rPr>
+              <a:t>https://github.com/jankotek/JDBM3</a:t>
+            </a:r>
+            <a:endParaRPr lang="en-US" altLang="zh-CN" dirty="0"/>
+          </a:p>
+          <a:p>
+            <a:endParaRPr lang="en-US" altLang="zh-CN" dirty="0"/>
+          </a:p>
+          <a:p>
+            <a:endParaRPr lang="en-US" altLang="zh-CN" dirty="0"/>
+          </a:p>
+        </p:txBody>
+      </p:sp>
+    </p:spTree>
+    <p:extLst>
+      <p:ext uri="{BB962C8B-B14F-4D97-AF65-F5344CB8AC3E}">
+        <p14:creationId xmlns:p14="http://schemas.microsoft.com/office/powerpoint/2010/main" val="2061049129"/>
+      </p:ext>
+    </p:extLst>
+  </p:cSld>
+  <p:clrMapOvr>
+    <a:masterClrMapping/>
+  </p:clrMapOvr>
+</p:sld>
+</file>
+
+<file path=ppt/slides/slide6.xml><?xml version="1.0" encoding="utf-8"?>
+<p:sld xmlns:a="http://schemas.openxmlformats.org/drawingml/2006/main" xmlns:r="http://schemas.openxmlformats.org/officeDocument/2006/relationships" xmlns:p="http://schemas.openxmlformats.org/presentationml/2006/main">
+  <p:cSld>
+    <p:spTree>
+      <p:nvGrpSpPr>
+        <p:cNvPr id="1" name=""/>
+        <p:cNvGrpSpPr/>
+        <p:nvPr/>
+      </p:nvGrpSpPr>
+      <p:grpSpPr>
+        <a:xfrm>
+          <a:off x="0" y="0"/>
+          <a:ext cx="0" cy="0"/>
+          <a:chOff x="0" y="0"/>
+          <a:chExt cx="0" cy="0"/>
+        </a:xfrm>
+      </p:grpSpPr>
+      <p:sp>
+        <p:nvSpPr>
+          <p:cNvPr id="2" name="Title 1"/>
+          <p:cNvSpPr>
+            <a:spLocks noGrp="1"/>
+          </p:cNvSpPr>
+          <p:nvPr>
+            <p:ph type="title"/>
+          </p:nvPr>
+        </p:nvSpPr>
+        <p:spPr/>
+        <p:txBody>
+          <a:bodyPr/>
+          <a:lstStyle/>
+          <a:p>
+            <a:r>
               <a:rPr lang="zh-CN" altLang="en-US" dirty="0"/>
               <a:t>使用方法</a:t>
             </a:r>
@@ -4644,7 +8299,7 @@
 </p:sld>
 </file>
 
-<file path=ppt/slides/slide4.xml><?xml version="1.0" encoding="utf-8"?>
+<file path=ppt/slides/slide7.xml><?xml version="1.0" encoding="utf-8"?>
 <p:sld xmlns:a="http://schemas.openxmlformats.org/drawingml/2006/main" xmlns:r="http://schemas.openxmlformats.org/officeDocument/2006/relationships" xmlns:p="http://schemas.openxmlformats.org/presentationml/2006/main">
   <p:cSld>
     <p:spTree>
@@ -4901,952 +8556,6 @@
 </p:sld>
 </file>
 
-<file path=ppt/slides/slide5.xml><?xml version="1.0" encoding="utf-8"?>
-<p:sld xmlns:a="http://schemas.openxmlformats.org/drawingml/2006/main" xmlns:r="http://schemas.openxmlformats.org/officeDocument/2006/relationships" xmlns:p="http://schemas.openxmlformats.org/presentationml/2006/main">
-  <p:cSld>
-    <p:spTree>
-      <p:nvGrpSpPr>
-        <p:cNvPr id="1" name=""/>
-        <p:cNvGrpSpPr/>
-        <p:nvPr/>
-      </p:nvGrpSpPr>
-      <p:grpSpPr>
-        <a:xfrm>
-          <a:off x="0" y="0"/>
-          <a:ext cx="0" cy="0"/>
-          <a:chOff x="0" y="0"/>
-          <a:chExt cx="0" cy="0"/>
-        </a:xfrm>
-      </p:grpSpPr>
-      <p:sp>
-        <p:nvSpPr>
-          <p:cNvPr id="2" name="Title 1"/>
-          <p:cNvSpPr>
-            <a:spLocks noGrp="1"/>
-          </p:cNvSpPr>
-          <p:nvPr>
-            <p:ph type="title"/>
-          </p:nvPr>
-        </p:nvSpPr>
-        <p:spPr>
-          <a:xfrm>
-            <a:off x="838200" y="365125"/>
-            <a:ext cx="10515600" cy="697193"/>
-          </a:xfrm>
-        </p:spPr>
-        <p:txBody>
-          <a:bodyPr/>
-          <a:lstStyle/>
-          <a:p>
-            <a:r>
-              <a:rPr lang="en-US" altLang="zh-CN" dirty="0"/>
-              <a:t>3PC</a:t>
-            </a:r>
-            <a:endParaRPr lang="zh-CN" altLang="en-US" dirty="0"/>
-          </a:p>
-        </p:txBody>
-      </p:sp>
-      <p:sp>
-        <p:nvSpPr>
-          <p:cNvPr id="3" name="Content Placeholder 2"/>
-          <p:cNvSpPr>
-            <a:spLocks noGrp="1"/>
-          </p:cNvSpPr>
-          <p:nvPr>
-            <p:ph idx="1"/>
-          </p:nvPr>
-        </p:nvSpPr>
-        <p:spPr>
-          <a:xfrm>
-            <a:off x="838200" y="1331259"/>
-            <a:ext cx="10515600" cy="4845704"/>
-          </a:xfrm>
-        </p:spPr>
-        <p:txBody>
-          <a:bodyPr>
-            <a:noAutofit/>
-          </a:bodyPr>
-          <a:lstStyle/>
-          <a:p>
-            <a:r>
-              <a:rPr lang="en-US" altLang="zh-CN" sz="1600" dirty="0" err="1">
-                <a:latin typeface="Arial" panose="020B0604020202020204" pitchFamily="34" charset="0"/>
-                <a:ea typeface="宋体" panose="02010600030101010101" pitchFamily="2" charset="-122"/>
-                <a:cs typeface="Arial" panose="020B0604020202020204" pitchFamily="34" charset="0"/>
-              </a:rPr>
-              <a:t>CanCommit</a:t>
-            </a:r>
-            <a:r>
-              <a:rPr lang="zh-CN" altLang="en-US" sz="1600" dirty="0">
-                <a:latin typeface="Arial" panose="020B0604020202020204" pitchFamily="34" charset="0"/>
-                <a:ea typeface="宋体" panose="02010600030101010101" pitchFamily="2" charset="-122"/>
-                <a:cs typeface="Arial" panose="020B0604020202020204" pitchFamily="34" charset="0"/>
-              </a:rPr>
-              <a:t>阶段</a:t>
-            </a:r>
-            <a:endParaRPr lang="en-US" altLang="zh-CN" sz="1600" dirty="0">
-              <a:latin typeface="Arial" panose="020B0604020202020204" pitchFamily="34" charset="0"/>
-              <a:ea typeface="宋体" panose="02010600030101010101" pitchFamily="2" charset="-122"/>
-              <a:cs typeface="Arial" panose="020B0604020202020204" pitchFamily="34" charset="0"/>
-            </a:endParaRPr>
-          </a:p>
-          <a:p>
-            <a:r>
-              <a:rPr lang="en-US" altLang="zh-CN" sz="1600" dirty="0">
-                <a:latin typeface="Arial" panose="020B0604020202020204" pitchFamily="34" charset="0"/>
-                <a:ea typeface="宋体" panose="02010600030101010101" pitchFamily="2" charset="-122"/>
-                <a:cs typeface="Arial" panose="020B0604020202020204" pitchFamily="34" charset="0"/>
-              </a:rPr>
-              <a:t>1.</a:t>
-            </a:r>
-            <a:r>
-              <a:rPr lang="zh-CN" altLang="en-US" sz="1600" dirty="0">
-                <a:latin typeface="Arial" panose="020B0604020202020204" pitchFamily="34" charset="0"/>
-                <a:ea typeface="宋体" panose="02010600030101010101" pitchFamily="2" charset="-122"/>
-                <a:cs typeface="Arial" panose="020B0604020202020204" pitchFamily="34" charset="0"/>
-              </a:rPr>
-              <a:t>事务询问 </a:t>
-            </a:r>
-            <a:r>
-              <a:rPr lang="en-US" altLang="zh-CN" sz="1600" dirty="0">
-                <a:latin typeface="Arial" panose="020B0604020202020204" pitchFamily="34" charset="0"/>
-                <a:ea typeface="宋体" panose="02010600030101010101" pitchFamily="2" charset="-122"/>
-                <a:cs typeface="Arial" panose="020B0604020202020204" pitchFamily="34" charset="0"/>
-              </a:rPr>
-              <a:t>-&gt;2.</a:t>
-            </a:r>
-            <a:r>
-              <a:rPr lang="zh-CN" altLang="en-US" sz="1600" dirty="0">
-                <a:latin typeface="Arial" panose="020B0604020202020204" pitchFamily="34" charset="0"/>
-                <a:ea typeface="宋体" panose="02010600030101010101" pitchFamily="2" charset="-122"/>
-                <a:cs typeface="Arial" panose="020B0604020202020204" pitchFamily="34" charset="0"/>
-              </a:rPr>
-              <a:t>响应反馈 </a:t>
-            </a:r>
-            <a:endParaRPr lang="en-US" altLang="zh-CN" sz="1600" dirty="0">
-              <a:latin typeface="Arial" panose="020B0604020202020204" pitchFamily="34" charset="0"/>
-              <a:ea typeface="宋体" panose="02010600030101010101" pitchFamily="2" charset="-122"/>
-              <a:cs typeface="Arial" panose="020B0604020202020204" pitchFamily="34" charset="0"/>
-            </a:endParaRPr>
-          </a:p>
-          <a:p>
-            <a:endParaRPr lang="zh-CN" altLang="en-US" sz="1600" dirty="0">
-              <a:latin typeface="Arial" panose="020B0604020202020204" pitchFamily="34" charset="0"/>
-              <a:ea typeface="宋体" panose="02010600030101010101" pitchFamily="2" charset="-122"/>
-              <a:cs typeface="Arial" panose="020B0604020202020204" pitchFamily="34" charset="0"/>
-            </a:endParaRPr>
-          </a:p>
-          <a:p>
-            <a:r>
-              <a:rPr lang="en-US" altLang="zh-CN" sz="1600" dirty="0" err="1">
-                <a:latin typeface="Arial" panose="020B0604020202020204" pitchFamily="34" charset="0"/>
-                <a:ea typeface="宋体" panose="02010600030101010101" pitchFamily="2" charset="-122"/>
-                <a:cs typeface="Arial" panose="020B0604020202020204" pitchFamily="34" charset="0"/>
-              </a:rPr>
-              <a:t>PreCommit</a:t>
-            </a:r>
-            <a:r>
-              <a:rPr lang="zh-CN" altLang="en-US" sz="1600" dirty="0">
-                <a:latin typeface="Arial" panose="020B0604020202020204" pitchFamily="34" charset="0"/>
-                <a:ea typeface="宋体" panose="02010600030101010101" pitchFamily="2" charset="-122"/>
-                <a:cs typeface="Arial" panose="020B0604020202020204" pitchFamily="34" charset="0"/>
-              </a:rPr>
-              <a:t>阶段</a:t>
-            </a:r>
-            <a:endParaRPr lang="en-US" altLang="zh-CN" sz="1600" dirty="0">
-              <a:latin typeface="Arial" panose="020B0604020202020204" pitchFamily="34" charset="0"/>
-              <a:ea typeface="宋体" panose="02010600030101010101" pitchFamily="2" charset="-122"/>
-              <a:cs typeface="Arial" panose="020B0604020202020204" pitchFamily="34" charset="0"/>
-            </a:endParaRPr>
-          </a:p>
-          <a:p>
-            <a:r>
-              <a:rPr lang="en-US" altLang="zh-CN" sz="1600" dirty="0">
-                <a:latin typeface="Arial" panose="020B0604020202020204" pitchFamily="34" charset="0"/>
-                <a:ea typeface="宋体" panose="02010600030101010101" pitchFamily="2" charset="-122"/>
-                <a:cs typeface="Arial" panose="020B0604020202020204" pitchFamily="34" charset="0"/>
-              </a:rPr>
-              <a:t>Commit: 1.</a:t>
-            </a:r>
-            <a:r>
-              <a:rPr lang="zh-CN" altLang="en-US" sz="1600" dirty="0">
-                <a:latin typeface="Arial" panose="020B0604020202020204" pitchFamily="34" charset="0"/>
-                <a:ea typeface="宋体" panose="02010600030101010101" pitchFamily="2" charset="-122"/>
-                <a:cs typeface="Arial" panose="020B0604020202020204" pitchFamily="34" charset="0"/>
-              </a:rPr>
-              <a:t>发送预提交请求</a:t>
-            </a:r>
-            <a:r>
-              <a:rPr lang="en-US" altLang="zh-CN" sz="1600" dirty="0">
-                <a:latin typeface="Arial" panose="020B0604020202020204" pitchFamily="34" charset="0"/>
-                <a:ea typeface="宋体" panose="02010600030101010101" pitchFamily="2" charset="-122"/>
-                <a:cs typeface="Arial" panose="020B0604020202020204" pitchFamily="34" charset="0"/>
-              </a:rPr>
-              <a:t>-&gt;2.</a:t>
-            </a:r>
-            <a:r>
-              <a:rPr lang="zh-CN" altLang="en-US" sz="1600" dirty="0">
-                <a:latin typeface="Arial" panose="020B0604020202020204" pitchFamily="34" charset="0"/>
-                <a:ea typeface="宋体" panose="02010600030101010101" pitchFamily="2" charset="-122"/>
-                <a:cs typeface="Arial" panose="020B0604020202020204" pitchFamily="34" charset="0"/>
-              </a:rPr>
-              <a:t>事务预提交 </a:t>
-            </a:r>
-            <a:r>
-              <a:rPr lang="en-US" altLang="zh-CN" sz="1600" dirty="0">
-                <a:latin typeface="Arial" panose="020B0604020202020204" pitchFamily="34" charset="0"/>
-                <a:ea typeface="宋体" panose="02010600030101010101" pitchFamily="2" charset="-122"/>
-                <a:cs typeface="Arial" panose="020B0604020202020204" pitchFamily="34" charset="0"/>
-              </a:rPr>
-              <a:t>-&gt;3.</a:t>
-            </a:r>
-            <a:r>
-              <a:rPr lang="zh-CN" altLang="en-US" sz="1600" dirty="0">
-                <a:latin typeface="Arial" panose="020B0604020202020204" pitchFamily="34" charset="0"/>
-                <a:ea typeface="宋体" panose="02010600030101010101" pitchFamily="2" charset="-122"/>
-                <a:cs typeface="Arial" panose="020B0604020202020204" pitchFamily="34" charset="0"/>
-              </a:rPr>
-              <a:t>响应反馈</a:t>
-            </a:r>
-            <a:endParaRPr lang="en-US" altLang="zh-CN" sz="1600" dirty="0">
-              <a:latin typeface="Arial" panose="020B0604020202020204" pitchFamily="34" charset="0"/>
-              <a:ea typeface="宋体" panose="02010600030101010101" pitchFamily="2" charset="-122"/>
-              <a:cs typeface="Arial" panose="020B0604020202020204" pitchFamily="34" charset="0"/>
-            </a:endParaRPr>
-          </a:p>
-          <a:p>
-            <a:r>
-              <a:rPr lang="en-US" altLang="zh-CN" sz="1600" dirty="0">
-                <a:latin typeface="Arial" panose="020B0604020202020204" pitchFamily="34" charset="0"/>
-                <a:ea typeface="宋体" panose="02010600030101010101" pitchFamily="2" charset="-122"/>
-                <a:cs typeface="Arial" panose="020B0604020202020204" pitchFamily="34" charset="0"/>
-              </a:rPr>
-              <a:t>Rollback:1.</a:t>
-            </a:r>
-            <a:r>
-              <a:rPr lang="zh-CN" altLang="en-US" sz="1600" dirty="0">
-                <a:latin typeface="Arial" panose="020B0604020202020204" pitchFamily="34" charset="0"/>
-                <a:ea typeface="宋体" panose="02010600030101010101" pitchFamily="2" charset="-122"/>
-                <a:cs typeface="Arial" panose="020B0604020202020204" pitchFamily="34" charset="0"/>
-              </a:rPr>
-              <a:t>发送中断请求 </a:t>
-            </a:r>
-            <a:r>
-              <a:rPr lang="en-US" altLang="zh-CN" sz="1600" dirty="0">
-                <a:latin typeface="Arial" panose="020B0604020202020204" pitchFamily="34" charset="0"/>
-                <a:ea typeface="宋体" panose="02010600030101010101" pitchFamily="2" charset="-122"/>
-                <a:cs typeface="Arial" panose="020B0604020202020204" pitchFamily="34" charset="0"/>
-              </a:rPr>
-              <a:t>-&gt;2.</a:t>
-            </a:r>
-            <a:r>
-              <a:rPr lang="zh-CN" altLang="en-US" sz="1600" dirty="0">
-                <a:latin typeface="Arial" panose="020B0604020202020204" pitchFamily="34" charset="0"/>
-                <a:ea typeface="宋体" panose="02010600030101010101" pitchFamily="2" charset="-122"/>
-                <a:cs typeface="Arial" panose="020B0604020202020204" pitchFamily="34" charset="0"/>
-              </a:rPr>
-              <a:t>中断事务</a:t>
-            </a:r>
-            <a:endParaRPr lang="en-US" altLang="zh-CN" sz="1600" dirty="0">
-              <a:latin typeface="Arial" panose="020B0604020202020204" pitchFamily="34" charset="0"/>
-              <a:ea typeface="宋体" panose="02010600030101010101" pitchFamily="2" charset="-122"/>
-              <a:cs typeface="Arial" panose="020B0604020202020204" pitchFamily="34" charset="0"/>
-            </a:endParaRPr>
-          </a:p>
-          <a:p>
-            <a:endParaRPr lang="zh-CN" altLang="en-US" sz="1600" dirty="0">
-              <a:latin typeface="Arial" panose="020B0604020202020204" pitchFamily="34" charset="0"/>
-              <a:ea typeface="宋体" panose="02010600030101010101" pitchFamily="2" charset="-122"/>
-              <a:cs typeface="Arial" panose="020B0604020202020204" pitchFamily="34" charset="0"/>
-            </a:endParaRPr>
-          </a:p>
-          <a:p>
-            <a:r>
-              <a:rPr lang="en-US" altLang="zh-CN" sz="1600" dirty="0" err="1">
-                <a:latin typeface="Arial" panose="020B0604020202020204" pitchFamily="34" charset="0"/>
-                <a:ea typeface="宋体" panose="02010600030101010101" pitchFamily="2" charset="-122"/>
-                <a:cs typeface="Arial" panose="020B0604020202020204" pitchFamily="34" charset="0"/>
-              </a:rPr>
-              <a:t>doCommit</a:t>
-            </a:r>
-            <a:r>
-              <a:rPr lang="zh-CN" altLang="en-US" sz="1600" dirty="0">
-                <a:latin typeface="Arial" panose="020B0604020202020204" pitchFamily="34" charset="0"/>
-                <a:ea typeface="宋体" panose="02010600030101010101" pitchFamily="2" charset="-122"/>
-                <a:cs typeface="Arial" panose="020B0604020202020204" pitchFamily="34" charset="0"/>
-              </a:rPr>
-              <a:t>阶段</a:t>
-            </a:r>
-            <a:endParaRPr lang="en-US" altLang="zh-CN" sz="1600" dirty="0">
-              <a:latin typeface="Arial" panose="020B0604020202020204" pitchFamily="34" charset="0"/>
-              <a:ea typeface="宋体" panose="02010600030101010101" pitchFamily="2" charset="-122"/>
-              <a:cs typeface="Arial" panose="020B0604020202020204" pitchFamily="34" charset="0"/>
-            </a:endParaRPr>
-          </a:p>
-          <a:p>
-            <a:r>
-              <a:rPr lang="en-US" altLang="zh-CN" sz="1600" dirty="0">
-                <a:latin typeface="Arial" panose="020B0604020202020204" pitchFamily="34" charset="0"/>
-                <a:ea typeface="宋体" panose="02010600030101010101" pitchFamily="2" charset="-122"/>
-                <a:cs typeface="Arial" panose="020B0604020202020204" pitchFamily="34" charset="0"/>
-              </a:rPr>
-              <a:t>Commit: 1.</a:t>
-            </a:r>
-            <a:r>
-              <a:rPr lang="zh-CN" altLang="en-US" sz="1600" dirty="0">
-                <a:latin typeface="Arial" panose="020B0604020202020204" pitchFamily="34" charset="0"/>
-                <a:ea typeface="宋体" panose="02010600030101010101" pitchFamily="2" charset="-122"/>
-                <a:cs typeface="Arial" panose="020B0604020202020204" pitchFamily="34" charset="0"/>
-              </a:rPr>
-              <a:t>发送提交请求  </a:t>
-            </a:r>
-            <a:r>
-              <a:rPr lang="en-US" altLang="zh-CN" sz="1600" dirty="0">
-                <a:latin typeface="Arial" panose="020B0604020202020204" pitchFamily="34" charset="0"/>
-                <a:ea typeface="宋体" panose="02010600030101010101" pitchFamily="2" charset="-122"/>
-                <a:cs typeface="Arial" panose="020B0604020202020204" pitchFamily="34" charset="0"/>
-              </a:rPr>
-              <a:t>-&gt;2.</a:t>
-            </a:r>
-            <a:r>
-              <a:rPr lang="zh-CN" altLang="en-US" sz="1600" dirty="0">
-                <a:latin typeface="Arial" panose="020B0604020202020204" pitchFamily="34" charset="0"/>
-                <a:ea typeface="宋体" panose="02010600030101010101" pitchFamily="2" charset="-122"/>
-                <a:cs typeface="Arial" panose="020B0604020202020204" pitchFamily="34" charset="0"/>
-              </a:rPr>
-              <a:t>事务提交  </a:t>
-            </a:r>
-            <a:r>
-              <a:rPr lang="en-US" altLang="zh-CN" sz="1600" dirty="0">
-                <a:latin typeface="Arial" panose="020B0604020202020204" pitchFamily="34" charset="0"/>
-                <a:ea typeface="宋体" panose="02010600030101010101" pitchFamily="2" charset="-122"/>
-                <a:cs typeface="Arial" panose="020B0604020202020204" pitchFamily="34" charset="0"/>
-              </a:rPr>
-              <a:t>-&gt;3.</a:t>
-            </a:r>
-            <a:r>
-              <a:rPr lang="zh-CN" altLang="en-US" sz="1600" dirty="0">
-                <a:latin typeface="Arial" panose="020B0604020202020204" pitchFamily="34" charset="0"/>
-                <a:ea typeface="宋体" panose="02010600030101010101" pitchFamily="2" charset="-122"/>
-                <a:cs typeface="Arial" panose="020B0604020202020204" pitchFamily="34" charset="0"/>
-              </a:rPr>
-              <a:t>响应反馈</a:t>
-            </a:r>
-            <a:r>
-              <a:rPr lang="en-US" altLang="zh-CN" sz="1600" dirty="0">
-                <a:latin typeface="Arial" panose="020B0604020202020204" pitchFamily="34" charset="0"/>
-                <a:ea typeface="宋体" panose="02010600030101010101" pitchFamily="2" charset="-122"/>
-                <a:cs typeface="Arial" panose="020B0604020202020204" pitchFamily="34" charset="0"/>
-              </a:rPr>
-              <a:t>.-&gt;4.</a:t>
-            </a:r>
-            <a:r>
-              <a:rPr lang="zh-CN" altLang="en-US" sz="1600" dirty="0">
-                <a:latin typeface="Arial" panose="020B0604020202020204" pitchFamily="34" charset="0"/>
-                <a:ea typeface="宋体" panose="02010600030101010101" pitchFamily="2" charset="-122"/>
-                <a:cs typeface="Arial" panose="020B0604020202020204" pitchFamily="34" charset="0"/>
-              </a:rPr>
-              <a:t>完成事务</a:t>
-            </a:r>
-            <a:endParaRPr lang="en-US" altLang="zh-CN" sz="1600" dirty="0">
-              <a:latin typeface="Arial" panose="020B0604020202020204" pitchFamily="34" charset="0"/>
-              <a:ea typeface="宋体" panose="02010600030101010101" pitchFamily="2" charset="-122"/>
-              <a:cs typeface="Arial" panose="020B0604020202020204" pitchFamily="34" charset="0"/>
-            </a:endParaRPr>
-          </a:p>
-          <a:p>
-            <a:r>
-              <a:rPr lang="en-US" altLang="zh-CN" sz="1600" dirty="0">
-                <a:latin typeface="Arial" panose="020B0604020202020204" pitchFamily="34" charset="0"/>
-                <a:ea typeface="宋体" panose="02010600030101010101" pitchFamily="2" charset="-122"/>
-                <a:cs typeface="Arial" panose="020B0604020202020204" pitchFamily="34" charset="0"/>
-              </a:rPr>
-              <a:t>Rollback:1.</a:t>
-            </a:r>
-            <a:r>
-              <a:rPr lang="zh-CN" altLang="en-US" sz="1600" dirty="0">
-                <a:latin typeface="Arial" panose="020B0604020202020204" pitchFamily="34" charset="0"/>
-                <a:ea typeface="宋体" panose="02010600030101010101" pitchFamily="2" charset="-122"/>
-                <a:cs typeface="Arial" panose="020B0604020202020204" pitchFamily="34" charset="0"/>
-              </a:rPr>
-              <a:t>发送中断请求 </a:t>
-            </a:r>
-            <a:r>
-              <a:rPr lang="en-US" altLang="zh-CN" sz="1600" dirty="0">
-                <a:latin typeface="Arial" panose="020B0604020202020204" pitchFamily="34" charset="0"/>
-                <a:ea typeface="宋体" panose="02010600030101010101" pitchFamily="2" charset="-122"/>
-                <a:cs typeface="Arial" panose="020B0604020202020204" pitchFamily="34" charset="0"/>
-              </a:rPr>
-              <a:t>-&gt;2.</a:t>
-            </a:r>
-            <a:r>
-              <a:rPr lang="zh-CN" altLang="en-US" sz="1600" dirty="0">
-                <a:latin typeface="Arial" panose="020B0604020202020204" pitchFamily="34" charset="0"/>
-                <a:ea typeface="宋体" panose="02010600030101010101" pitchFamily="2" charset="-122"/>
-                <a:cs typeface="Arial" panose="020B0604020202020204" pitchFamily="34" charset="0"/>
-              </a:rPr>
-              <a:t>事务回滚</a:t>
-            </a:r>
-            <a:r>
-              <a:rPr lang="en-US" altLang="zh-CN" sz="1600" dirty="0">
-                <a:latin typeface="Arial" panose="020B0604020202020204" pitchFamily="34" charset="0"/>
-                <a:ea typeface="宋体" panose="02010600030101010101" pitchFamily="2" charset="-122"/>
-                <a:cs typeface="Arial" panose="020B0604020202020204" pitchFamily="34" charset="0"/>
-              </a:rPr>
-              <a:t>-&gt;3.</a:t>
-            </a:r>
-            <a:r>
-              <a:rPr lang="zh-CN" altLang="en-US" sz="1600" dirty="0">
-                <a:latin typeface="Arial" panose="020B0604020202020204" pitchFamily="34" charset="0"/>
-                <a:ea typeface="宋体" panose="02010600030101010101" pitchFamily="2" charset="-122"/>
-                <a:cs typeface="Arial" panose="020B0604020202020204" pitchFamily="34" charset="0"/>
-              </a:rPr>
-              <a:t>反馈结果 </a:t>
-            </a:r>
-            <a:r>
-              <a:rPr lang="en-US" altLang="zh-CN" sz="1600" dirty="0">
-                <a:latin typeface="Arial" panose="020B0604020202020204" pitchFamily="34" charset="0"/>
-                <a:ea typeface="宋体" panose="02010600030101010101" pitchFamily="2" charset="-122"/>
-                <a:cs typeface="Arial" panose="020B0604020202020204" pitchFamily="34" charset="0"/>
-              </a:rPr>
-              <a:t>-&gt;4.</a:t>
-            </a:r>
-            <a:r>
-              <a:rPr lang="zh-CN" altLang="en-US" sz="1600" dirty="0">
-                <a:latin typeface="Arial" panose="020B0604020202020204" pitchFamily="34" charset="0"/>
-                <a:ea typeface="宋体" panose="02010600030101010101" pitchFamily="2" charset="-122"/>
-                <a:cs typeface="Arial" panose="020B0604020202020204" pitchFamily="34" charset="0"/>
-              </a:rPr>
-              <a:t>中断事务</a:t>
-            </a:r>
-            <a:endParaRPr lang="en-US" altLang="zh-CN" sz="1600" dirty="0">
-              <a:latin typeface="Arial" panose="020B0604020202020204" pitchFamily="34" charset="0"/>
-              <a:ea typeface="宋体" panose="02010600030101010101" pitchFamily="2" charset="-122"/>
-              <a:cs typeface="Arial" panose="020B0604020202020204" pitchFamily="34" charset="0"/>
-            </a:endParaRPr>
-          </a:p>
-          <a:p>
-            <a:endParaRPr lang="en-US" altLang="zh-CN" sz="1600" dirty="0">
-              <a:latin typeface="Arial" panose="020B0604020202020204" pitchFamily="34" charset="0"/>
-              <a:ea typeface="宋体" panose="02010600030101010101" pitchFamily="2" charset="-122"/>
-              <a:cs typeface="Arial" panose="020B0604020202020204" pitchFamily="34" charset="0"/>
-            </a:endParaRPr>
-          </a:p>
-          <a:p>
-            <a:r>
-              <a:rPr lang="zh-CN" altLang="en-US" sz="1600" dirty="0">
-                <a:latin typeface="Arial" panose="020B0604020202020204" pitchFamily="34" charset="0"/>
-                <a:ea typeface="宋体" panose="02010600030101010101" pitchFamily="2" charset="-122"/>
-                <a:cs typeface="Arial" panose="020B0604020202020204" pitchFamily="34" charset="0"/>
-              </a:rPr>
-              <a:t>解决单点故障，并减少阻塞。因为一旦参与者无法及时收到来自协调者的信息之后，他会默认执行</a:t>
-            </a:r>
-            <a:r>
-              <a:rPr lang="en-US" altLang="zh-CN" sz="1600" dirty="0">
-                <a:latin typeface="Arial" panose="020B0604020202020204" pitchFamily="34" charset="0"/>
-                <a:ea typeface="宋体" panose="02010600030101010101" pitchFamily="2" charset="-122"/>
-                <a:cs typeface="Arial" panose="020B0604020202020204" pitchFamily="34" charset="0"/>
-              </a:rPr>
-              <a:t>commit</a:t>
-            </a:r>
-            <a:r>
-              <a:rPr lang="zh-CN" altLang="en-US" sz="1600" dirty="0">
-                <a:latin typeface="Arial" panose="020B0604020202020204" pitchFamily="34" charset="0"/>
-                <a:ea typeface="宋体" panose="02010600030101010101" pitchFamily="2" charset="-122"/>
-                <a:cs typeface="Arial" panose="020B0604020202020204" pitchFamily="34" charset="0"/>
-              </a:rPr>
-              <a:t>。而不会一直持有事务资源并处于阻塞状态。</a:t>
-            </a:r>
-            <a:endParaRPr lang="en-US" altLang="zh-CN" sz="1600" dirty="0">
-              <a:latin typeface="Arial" panose="020B0604020202020204" pitchFamily="34" charset="0"/>
-              <a:ea typeface="宋体" panose="02010600030101010101" pitchFamily="2" charset="-122"/>
-              <a:cs typeface="Arial" panose="020B0604020202020204" pitchFamily="34" charset="0"/>
-            </a:endParaRPr>
-          </a:p>
-        </p:txBody>
-      </p:sp>
-    </p:spTree>
-    <p:extLst>
-      <p:ext uri="{BB962C8B-B14F-4D97-AF65-F5344CB8AC3E}">
-        <p14:creationId xmlns:p14="http://schemas.microsoft.com/office/powerpoint/2010/main" val="3973329441"/>
-      </p:ext>
-    </p:extLst>
-  </p:cSld>
-  <p:clrMapOvr>
-    <a:masterClrMapping/>
-  </p:clrMapOvr>
-</p:sld>
-</file>
-
-<file path=ppt/slides/slide6.xml><?xml version="1.0" encoding="utf-8"?>
-<p:sld xmlns:a="http://schemas.openxmlformats.org/drawingml/2006/main" xmlns:r="http://schemas.openxmlformats.org/officeDocument/2006/relationships" xmlns:p="http://schemas.openxmlformats.org/presentationml/2006/main">
-  <p:cSld>
-    <p:spTree>
-      <p:nvGrpSpPr>
-        <p:cNvPr id="1" name=""/>
-        <p:cNvGrpSpPr/>
-        <p:nvPr/>
-      </p:nvGrpSpPr>
-      <p:grpSpPr>
-        <a:xfrm>
-          <a:off x="0" y="0"/>
-          <a:ext cx="0" cy="0"/>
-          <a:chOff x="0" y="0"/>
-          <a:chExt cx="0" cy="0"/>
-        </a:xfrm>
-      </p:grpSpPr>
-      <p:sp>
-        <p:nvSpPr>
-          <p:cNvPr id="2" name="Title 1"/>
-          <p:cNvSpPr>
-            <a:spLocks noGrp="1"/>
-          </p:cNvSpPr>
-          <p:nvPr>
-            <p:ph type="title"/>
-          </p:nvPr>
-        </p:nvSpPr>
-        <p:spPr/>
-        <p:txBody>
-          <a:bodyPr/>
-          <a:lstStyle/>
-          <a:p>
-            <a:r>
-              <a:rPr lang="en-US" altLang="zh-CN" dirty="0"/>
-              <a:t>JTA</a:t>
-            </a:r>
-            <a:endParaRPr lang="zh-CN" altLang="en-US" dirty="0"/>
-          </a:p>
-        </p:txBody>
-      </p:sp>
-      <p:sp>
-        <p:nvSpPr>
-          <p:cNvPr id="3" name="Content Placeholder 2"/>
-          <p:cNvSpPr>
-            <a:spLocks noGrp="1"/>
-          </p:cNvSpPr>
-          <p:nvPr>
-            <p:ph idx="1"/>
-          </p:nvPr>
-        </p:nvSpPr>
-        <p:spPr/>
-        <p:txBody>
-          <a:bodyPr/>
-          <a:lstStyle/>
-          <a:p>
-            <a:r>
-              <a:rPr lang="zh-CN" altLang="en-US" dirty="0"/>
-              <a:t>作为</a:t>
-            </a:r>
-            <a:r>
-              <a:rPr lang="en-US" altLang="zh-CN" b="1" dirty="0">
-                <a:hlinkClick r:id="rId2" tooltip="Java EE知识库"/>
-              </a:rPr>
-              <a:t>Java</a:t>
-            </a:r>
-            <a:r>
-              <a:rPr lang="zh-CN" altLang="en-US" dirty="0"/>
-              <a:t>平台上事务规范</a:t>
-            </a:r>
-            <a:r>
-              <a:rPr lang="en-US" altLang="zh-CN" dirty="0"/>
-              <a:t>JTA</a:t>
-            </a:r>
-            <a:r>
-              <a:rPr lang="zh-CN" altLang="en-US" dirty="0"/>
-              <a:t>（</a:t>
-            </a:r>
-            <a:r>
-              <a:rPr lang="en-US" altLang="zh-CN" b="1" dirty="0">
-                <a:hlinkClick r:id="rId3" tooltip="Java 知识库"/>
-              </a:rPr>
-              <a:t>Java </a:t>
-            </a:r>
-            <a:r>
-              <a:rPr lang="en-US" altLang="zh-CN" dirty="0"/>
-              <a:t>Transaction API</a:t>
-            </a:r>
-            <a:r>
-              <a:rPr lang="zh-CN" altLang="en-US" dirty="0"/>
-              <a:t>）也定义了对</a:t>
-            </a:r>
-            <a:r>
-              <a:rPr lang="en-US" altLang="zh-CN" dirty="0"/>
-              <a:t>XA</a:t>
-            </a:r>
-            <a:r>
-              <a:rPr lang="zh-CN" altLang="en-US" dirty="0"/>
-              <a:t>事务的支持，实际上，</a:t>
-            </a:r>
-            <a:r>
-              <a:rPr lang="en-US" altLang="zh-CN" dirty="0"/>
-              <a:t>JTA</a:t>
-            </a:r>
-            <a:r>
-              <a:rPr lang="zh-CN" altLang="en-US" dirty="0"/>
-              <a:t>是基于</a:t>
-            </a:r>
-            <a:r>
-              <a:rPr lang="en-US" altLang="zh-CN" dirty="0"/>
-              <a:t>XA</a:t>
-            </a:r>
-            <a:r>
-              <a:rPr lang="zh-CN" altLang="en-US" b="1" dirty="0">
-                <a:hlinkClick r:id="rId4" tooltip="大型网站架构知识库"/>
-              </a:rPr>
-              <a:t>架构</a:t>
-            </a:r>
-            <a:r>
-              <a:rPr lang="zh-CN" altLang="en-US" dirty="0"/>
-              <a:t>上建模的，在</a:t>
-            </a:r>
-            <a:r>
-              <a:rPr lang="en-US" altLang="zh-CN" dirty="0"/>
-              <a:t>JTA </a:t>
-            </a:r>
-            <a:r>
-              <a:rPr lang="zh-CN" altLang="en-US" dirty="0"/>
-              <a:t>中，事务管理器抽象为</a:t>
-            </a:r>
-            <a:r>
-              <a:rPr lang="en-US" altLang="zh-CN" dirty="0" err="1"/>
-              <a:t>javax.transaction.TransactionManager</a:t>
-            </a:r>
-            <a:r>
-              <a:rPr lang="zh-CN" altLang="en-US" dirty="0"/>
-              <a:t>接口，并通过底层事务服务（即</a:t>
-            </a:r>
-            <a:r>
-              <a:rPr lang="en-US" altLang="zh-CN" dirty="0"/>
-              <a:t>JTS</a:t>
-            </a:r>
-            <a:r>
-              <a:rPr lang="zh-CN" altLang="en-US" dirty="0"/>
-              <a:t>）实现</a:t>
-            </a:r>
-            <a:endParaRPr lang="en-US" altLang="zh-CN" dirty="0"/>
-          </a:p>
-          <a:p>
-            <a:endParaRPr lang="en-US" altLang="zh-CN" dirty="0"/>
-          </a:p>
-          <a:p>
-            <a:r>
-              <a:rPr lang="en-US" altLang="zh-CN" dirty="0"/>
-              <a:t>1.J2EE</a:t>
-            </a:r>
-            <a:r>
-              <a:rPr lang="zh-CN" altLang="en-US" dirty="0"/>
-              <a:t>容器所提供的</a:t>
-            </a:r>
-            <a:r>
-              <a:rPr lang="en-US" altLang="zh-CN" dirty="0"/>
-              <a:t>JTA</a:t>
-            </a:r>
-            <a:r>
-              <a:rPr lang="zh-CN" altLang="en-US" dirty="0"/>
-              <a:t>实现</a:t>
-            </a:r>
-            <a:r>
-              <a:rPr lang="en-US" altLang="zh-CN" dirty="0"/>
-              <a:t>(</a:t>
-            </a:r>
-            <a:r>
-              <a:rPr lang="en-US" altLang="zh-CN" dirty="0" err="1"/>
-              <a:t>JBoss</a:t>
-            </a:r>
-            <a:r>
-              <a:rPr lang="en-US" altLang="zh-CN" dirty="0"/>
-              <a:t>)</a:t>
-            </a:r>
-            <a:br>
-              <a:rPr lang="en-US" altLang="zh-CN" dirty="0"/>
-            </a:br>
-            <a:r>
-              <a:rPr lang="en-US" altLang="zh-CN" dirty="0"/>
-              <a:t>2.</a:t>
-            </a:r>
-            <a:r>
-              <a:rPr lang="zh-CN" altLang="en-US" dirty="0"/>
-              <a:t>独立的</a:t>
-            </a:r>
-            <a:r>
-              <a:rPr lang="en-US" altLang="zh-CN" dirty="0"/>
-              <a:t>JTA</a:t>
-            </a:r>
-            <a:r>
-              <a:rPr lang="zh-CN" altLang="en-US" dirty="0"/>
-              <a:t>实现</a:t>
-            </a:r>
-            <a:r>
-              <a:rPr lang="en-US" altLang="zh-CN" dirty="0"/>
-              <a:t>:</a:t>
-            </a:r>
-            <a:r>
-              <a:rPr lang="zh-CN" altLang="en-US" dirty="0"/>
-              <a:t>如</a:t>
-            </a:r>
-            <a:r>
-              <a:rPr lang="en-US" altLang="zh-CN" dirty="0"/>
-              <a:t>JOTM</a:t>
-            </a:r>
-            <a:r>
-              <a:rPr lang="zh-CN" altLang="en-US" dirty="0"/>
-              <a:t>，</a:t>
-            </a:r>
-            <a:r>
-              <a:rPr lang="en-US" altLang="zh-CN" dirty="0" err="1"/>
-              <a:t>Atomikos</a:t>
-            </a:r>
-            <a:r>
-              <a:rPr lang="en-US" altLang="zh-CN" dirty="0"/>
-              <a:t>.</a:t>
-            </a:r>
-            <a:r>
-              <a:rPr lang="zh-CN" altLang="en-US" dirty="0"/>
-              <a:t>这些实现可以应用在那些不使用</a:t>
-            </a:r>
-            <a:r>
-              <a:rPr lang="en-US" altLang="zh-CN" dirty="0"/>
-              <a:t>J2EE</a:t>
-            </a:r>
-            <a:r>
-              <a:rPr lang="zh-CN" altLang="en-US" dirty="0"/>
-              <a:t>应用服务器的环境里用以提供分布事事务保证。如</a:t>
-            </a:r>
-            <a:r>
-              <a:rPr lang="en-US" altLang="zh-CN" dirty="0" err="1"/>
-              <a:t>Tomcat,Jetty</a:t>
-            </a:r>
-            <a:r>
-              <a:rPr lang="zh-CN" altLang="en-US" dirty="0"/>
-              <a:t>以及普通的</a:t>
-            </a:r>
-            <a:r>
-              <a:rPr lang="en-US" altLang="zh-CN" dirty="0"/>
-              <a:t>java</a:t>
-            </a:r>
-            <a:r>
-              <a:rPr lang="zh-CN" altLang="en-US" dirty="0"/>
-              <a:t>应用。</a:t>
-            </a:r>
-          </a:p>
-        </p:txBody>
-      </p:sp>
-    </p:spTree>
-    <p:extLst>
-      <p:ext uri="{BB962C8B-B14F-4D97-AF65-F5344CB8AC3E}">
-        <p14:creationId xmlns:p14="http://schemas.microsoft.com/office/powerpoint/2010/main" val="260479488"/>
-      </p:ext>
-    </p:extLst>
-  </p:cSld>
-  <p:clrMapOvr>
-    <a:masterClrMapping/>
-  </p:clrMapOvr>
-</p:sld>
-</file>
-
-<file path=ppt/slides/slide7.xml><?xml version="1.0" encoding="utf-8"?>
-<p:sld xmlns:a="http://schemas.openxmlformats.org/drawingml/2006/main" xmlns:r="http://schemas.openxmlformats.org/officeDocument/2006/relationships" xmlns:p="http://schemas.openxmlformats.org/presentationml/2006/main">
-  <p:cSld>
-    <p:spTree>
-      <p:nvGrpSpPr>
-        <p:cNvPr id="1" name=""/>
-        <p:cNvGrpSpPr/>
-        <p:nvPr/>
-      </p:nvGrpSpPr>
-      <p:grpSpPr>
-        <a:xfrm>
-          <a:off x="0" y="0"/>
-          <a:ext cx="0" cy="0"/>
-          <a:chOff x="0" y="0"/>
-          <a:chExt cx="0" cy="0"/>
-        </a:xfrm>
-      </p:grpSpPr>
-      <p:sp>
-        <p:nvSpPr>
-          <p:cNvPr id="2" name="Title 1"/>
-          <p:cNvSpPr>
-            <a:spLocks noGrp="1"/>
-          </p:cNvSpPr>
-          <p:nvPr>
-            <p:ph type="title"/>
-          </p:nvPr>
-        </p:nvSpPr>
-        <p:spPr/>
-        <p:txBody>
-          <a:bodyPr/>
-          <a:lstStyle/>
-          <a:p>
-            <a:r>
-              <a:rPr lang="en-US" altLang="zh-CN" b="1" dirty="0"/>
-              <a:t>XA</a:t>
-            </a:r>
-            <a:r>
-              <a:rPr lang="zh-CN" altLang="en-US" b="1" dirty="0"/>
-              <a:t>规范</a:t>
-            </a:r>
-            <a:endParaRPr lang="zh-CN" altLang="en-US" dirty="0"/>
-          </a:p>
-        </p:txBody>
-      </p:sp>
-      <p:sp>
-        <p:nvSpPr>
-          <p:cNvPr id="3" name="Content Placeholder 2"/>
-          <p:cNvSpPr>
-            <a:spLocks noGrp="1"/>
-          </p:cNvSpPr>
-          <p:nvPr>
-            <p:ph idx="1"/>
-          </p:nvPr>
-        </p:nvSpPr>
-        <p:spPr>
-          <a:xfrm>
-            <a:off x="609600" y="1287743"/>
-            <a:ext cx="10515600" cy="4351338"/>
-          </a:xfrm>
-        </p:spPr>
-        <p:txBody>
-          <a:bodyPr/>
-          <a:lstStyle/>
-          <a:p>
-            <a:r>
-              <a:rPr lang="en-US" altLang="zh-CN" dirty="0"/>
-              <a:t>X/Open DTP </a:t>
-            </a:r>
-            <a:r>
-              <a:rPr lang="zh-CN" altLang="en-US" dirty="0"/>
-              <a:t>模型（ </a:t>
-            </a:r>
-            <a:r>
-              <a:rPr lang="en-US" altLang="zh-CN" dirty="0"/>
-              <a:t>1994 </a:t>
-            </a:r>
-            <a:r>
-              <a:rPr lang="zh-CN" altLang="en-US" dirty="0"/>
-              <a:t>）包括应用程序（ </a:t>
-            </a:r>
-            <a:r>
-              <a:rPr lang="en-US" altLang="zh-CN" dirty="0"/>
-              <a:t>AP </a:t>
-            </a:r>
-            <a:r>
-              <a:rPr lang="zh-CN" altLang="en-US" dirty="0"/>
-              <a:t>）、事务管理器（ </a:t>
-            </a:r>
-            <a:r>
-              <a:rPr lang="en-US" altLang="zh-CN" dirty="0"/>
-              <a:t>TM </a:t>
-            </a:r>
-            <a:r>
-              <a:rPr lang="zh-CN" altLang="en-US" dirty="0"/>
-              <a:t>）、资源管理器（ </a:t>
-            </a:r>
-            <a:r>
-              <a:rPr lang="en-US" altLang="zh-CN" dirty="0"/>
-              <a:t>RM </a:t>
-            </a:r>
-            <a:r>
-              <a:rPr lang="zh-CN" altLang="en-US" dirty="0"/>
-              <a:t>）、通信资源管理器（ </a:t>
-            </a:r>
-            <a:r>
-              <a:rPr lang="en-US" altLang="zh-CN" dirty="0"/>
-              <a:t>CRM </a:t>
-            </a:r>
-            <a:r>
-              <a:rPr lang="zh-CN" altLang="en-US" dirty="0"/>
-              <a:t>）四部分。一般，常见的事务管理器（ </a:t>
-            </a:r>
-            <a:r>
-              <a:rPr lang="en-US" altLang="zh-CN" dirty="0"/>
-              <a:t>TM </a:t>
-            </a:r>
-            <a:r>
-              <a:rPr lang="zh-CN" altLang="en-US" dirty="0"/>
-              <a:t>）是交易中间件，常见的资源管理器（ </a:t>
-            </a:r>
-            <a:r>
-              <a:rPr lang="en-US" altLang="zh-CN" dirty="0"/>
-              <a:t>RM </a:t>
-            </a:r>
-            <a:r>
-              <a:rPr lang="zh-CN" altLang="en-US" dirty="0"/>
-              <a:t>）是数据库，常见的通信资源管理器（ </a:t>
-            </a:r>
-            <a:r>
-              <a:rPr lang="en-US" altLang="zh-CN" dirty="0"/>
-              <a:t>CRM </a:t>
-            </a:r>
-            <a:r>
-              <a:rPr lang="zh-CN" altLang="en-US" dirty="0"/>
-              <a:t>）是消息中间件。</a:t>
-            </a:r>
-            <a:endParaRPr lang="en-US" altLang="zh-CN" dirty="0"/>
-          </a:p>
-          <a:p>
-            <a:endParaRPr lang="en-US" altLang="zh-CN" dirty="0"/>
-          </a:p>
-          <a:p>
-            <a:r>
-              <a:rPr lang="zh-CN" altLang="en-US" dirty="0"/>
-              <a:t> </a:t>
-            </a:r>
-          </a:p>
-        </p:txBody>
-      </p:sp>
-      <p:pic>
-        <p:nvPicPr>
-          <p:cNvPr id="3074" name="Picture 2" descr="http://my.csdn.net/uploads/201205/29/1338274936_5727.gif"/>
-          <p:cNvPicPr>
-            <a:picLocks noChangeAspect="1" noChangeArrowheads="1"/>
-          </p:cNvPicPr>
-          <p:nvPr/>
-        </p:nvPicPr>
-        <p:blipFill>
-          <a:blip r:embed="rId2">
-            <a:extLst>
-              <a:ext uri="{28A0092B-C50C-407E-A947-70E740481C1C}">
-                <a14:useLocalDpi xmlns:a14="http://schemas.microsoft.com/office/drawing/2010/main" val="0"/>
-              </a:ext>
-            </a:extLst>
-          </a:blip>
-          <a:srcRect/>
-          <a:stretch>
-            <a:fillRect/>
-          </a:stretch>
-        </p:blipFill>
-        <p:spPr bwMode="auto">
-          <a:xfrm>
-            <a:off x="3358965" y="3261471"/>
-            <a:ext cx="4667250" cy="4019550"/>
-          </a:xfrm>
-          <a:prstGeom prst="rect">
-            <a:avLst/>
-          </a:prstGeom>
-          <a:noFill/>
-          <a:extLst>
-            <a:ext uri="{909E8E84-426E-40DD-AFC4-6F175D3DCCD1}">
-              <a14:hiddenFill xmlns:a14="http://schemas.microsoft.com/office/drawing/2010/main">
-                <a:solidFill>
-                  <a:srgbClr val="FFFFFF"/>
-                </a:solidFill>
-              </a14:hiddenFill>
-            </a:ext>
-          </a:extLst>
-        </p:spPr>
-      </p:pic>
-    </p:spTree>
-    <p:extLst>
-      <p:ext uri="{BB962C8B-B14F-4D97-AF65-F5344CB8AC3E}">
-        <p14:creationId xmlns:p14="http://schemas.microsoft.com/office/powerpoint/2010/main" val="3422690223"/>
-      </p:ext>
-    </p:extLst>
-  </p:cSld>
-  <p:clrMapOvr>
-    <a:masterClrMapping/>
-  </p:clrMapOvr>
-</p:sld>
-</file>
-
 <file path=ppt/slides/slide8.xml><?xml version="1.0" encoding="utf-8"?>
 <p:sld xmlns:a="http://schemas.openxmlformats.org/drawingml/2006/main" xmlns:r="http://schemas.openxmlformats.org/officeDocument/2006/relationships" xmlns:p="http://schemas.openxmlformats.org/presentationml/2006/main">
   <p:cSld>
@@ -5874,15 +8583,21 @@
             <p:ph type="title"/>
           </p:nvPr>
         </p:nvSpPr>
-        <p:spPr/>
+        <p:spPr>
+          <a:xfrm>
+            <a:off x="838200" y="365125"/>
+            <a:ext cx="10515600" cy="697193"/>
+          </a:xfrm>
+        </p:spPr>
         <p:txBody>
           <a:bodyPr/>
           <a:lstStyle/>
           <a:p>
             <a:r>
-              <a:rPr lang="zh-CN" altLang="en-US" dirty="0"/>
-              <a:t>分布式事务不一致解决方法</a:t>
-            </a:r>
+              <a:rPr lang="en-US" altLang="zh-CN" dirty="0"/>
+              <a:t>3PC</a:t>
+            </a:r>
+            <a:endParaRPr lang="zh-CN" altLang="en-US" dirty="0"/>
           </a:p>
         </p:txBody>
       </p:sp>
@@ -5896,37 +8611,419 @@
             <p:ph idx="1"/>
           </p:nvPr>
         </p:nvSpPr>
-        <p:spPr/>
-        <p:txBody>
-          <a:bodyPr/>
-          <a:lstStyle/>
-          <a:p>
-            <a:r>
-              <a:rPr lang="zh-CN" altLang="en-US" dirty="0"/>
-              <a:t>解决分布式事务的最好办法就是不考虑分布式事务。</a:t>
-            </a:r>
-            <a:endParaRPr lang="zh-CN" altLang="en-US" dirty="0">
-              <a:effectLst/>
+        <p:spPr>
+          <a:xfrm>
+            <a:off x="838200" y="1331259"/>
+            <a:ext cx="10515600" cy="4845704"/>
+          </a:xfrm>
+        </p:spPr>
+        <p:txBody>
+          <a:bodyPr>
+            <a:noAutofit/>
+          </a:bodyPr>
+          <a:lstStyle/>
+          <a:p>
+            <a:r>
+              <a:rPr lang="en-US" altLang="zh-CN" sz="1600" dirty="0" err="1">
+                <a:latin typeface="Arial" panose="020B0604020202020204" pitchFamily="34" charset="0"/>
+                <a:ea typeface="宋体" panose="02010600030101010101" pitchFamily="2" charset="-122"/>
+                <a:cs typeface="Arial" panose="020B0604020202020204" pitchFamily="34" charset="0"/>
+              </a:rPr>
+              <a:t>CanCommit</a:t>
+            </a:r>
+            <a:r>
+              <a:rPr lang="zh-CN" altLang="en-US" sz="1600" dirty="0">
+                <a:latin typeface="Arial" panose="020B0604020202020204" pitchFamily="34" charset="0"/>
+                <a:ea typeface="宋体" panose="02010600030101010101" pitchFamily="2" charset="-122"/>
+                <a:cs typeface="Arial" panose="020B0604020202020204" pitchFamily="34" charset="0"/>
+              </a:rPr>
+              <a:t>阶段</a:t>
+            </a:r>
+            <a:endParaRPr lang="en-US" altLang="zh-CN" sz="1600" dirty="0">
+              <a:latin typeface="Arial" panose="020B0604020202020204" pitchFamily="34" charset="0"/>
+              <a:ea typeface="宋体" panose="02010600030101010101" pitchFamily="2" charset="-122"/>
+              <a:cs typeface="Arial" panose="020B0604020202020204" pitchFamily="34" charset="0"/>
             </a:endParaRPr>
           </a:p>
           <a:p>
             <a:r>
-              <a:rPr lang="zh-CN" altLang="en-US" dirty="0"/>
-              <a:t>拆分，大的业务流程，转化成几个小的业务流程，然后考虑最终一致性</a:t>
-            </a:r>
-            <a:endParaRPr lang="zh-CN" altLang="en-US" dirty="0">
-              <a:effectLst/>
+              <a:rPr lang="en-US" altLang="zh-CN" sz="1600" dirty="0">
+                <a:latin typeface="Arial" panose="020B0604020202020204" pitchFamily="34" charset="0"/>
+                <a:ea typeface="宋体" panose="02010600030101010101" pitchFamily="2" charset="-122"/>
+                <a:cs typeface="Arial" panose="020B0604020202020204" pitchFamily="34" charset="0"/>
+              </a:rPr>
+              <a:t>1.</a:t>
+            </a:r>
+            <a:r>
+              <a:rPr lang="zh-CN" altLang="en-US" sz="1600" dirty="0">
+                <a:latin typeface="Arial" panose="020B0604020202020204" pitchFamily="34" charset="0"/>
+                <a:ea typeface="宋体" panose="02010600030101010101" pitchFamily="2" charset="-122"/>
+                <a:cs typeface="Arial" panose="020B0604020202020204" pitchFamily="34" charset="0"/>
+              </a:rPr>
+              <a:t>事务询问 </a:t>
+            </a:r>
+            <a:r>
+              <a:rPr lang="en-US" altLang="zh-CN" sz="1600" dirty="0">
+                <a:latin typeface="Arial" panose="020B0604020202020204" pitchFamily="34" charset="0"/>
+                <a:ea typeface="宋体" panose="02010600030101010101" pitchFamily="2" charset="-122"/>
+                <a:cs typeface="Arial" panose="020B0604020202020204" pitchFamily="34" charset="0"/>
+              </a:rPr>
+              <a:t>-&gt;2.</a:t>
+            </a:r>
+            <a:r>
+              <a:rPr lang="zh-CN" altLang="en-US" sz="1600" dirty="0">
+                <a:latin typeface="Arial" panose="020B0604020202020204" pitchFamily="34" charset="0"/>
+                <a:ea typeface="宋体" panose="02010600030101010101" pitchFamily="2" charset="-122"/>
+                <a:cs typeface="Arial" panose="020B0604020202020204" pitchFamily="34" charset="0"/>
+              </a:rPr>
+              <a:t>响应反馈 </a:t>
+            </a:r>
+            <a:endParaRPr lang="en-US" altLang="zh-CN" sz="1600" dirty="0">
+              <a:latin typeface="Arial" panose="020B0604020202020204" pitchFamily="34" charset="0"/>
+              <a:ea typeface="宋体" panose="02010600030101010101" pitchFamily="2" charset="-122"/>
+              <a:cs typeface="Arial" panose="020B0604020202020204" pitchFamily="34" charset="0"/>
             </a:endParaRPr>
           </a:p>
           <a:p>
-            <a:endParaRPr lang="zh-CN" altLang="en-US" dirty="0"/>
+            <a:endParaRPr lang="zh-CN" altLang="en-US" sz="1600" dirty="0">
+              <a:latin typeface="Arial" panose="020B0604020202020204" pitchFamily="34" charset="0"/>
+              <a:ea typeface="宋体" panose="02010600030101010101" pitchFamily="2" charset="-122"/>
+              <a:cs typeface="Arial" panose="020B0604020202020204" pitchFamily="34" charset="0"/>
+            </a:endParaRPr>
+          </a:p>
+          <a:p>
+            <a:r>
+              <a:rPr lang="en-US" altLang="zh-CN" sz="1600" dirty="0" err="1">
+                <a:latin typeface="Arial" panose="020B0604020202020204" pitchFamily="34" charset="0"/>
+                <a:ea typeface="宋体" panose="02010600030101010101" pitchFamily="2" charset="-122"/>
+                <a:cs typeface="Arial" panose="020B0604020202020204" pitchFamily="34" charset="0"/>
+              </a:rPr>
+              <a:t>PreCommit</a:t>
+            </a:r>
+            <a:r>
+              <a:rPr lang="zh-CN" altLang="en-US" sz="1600" dirty="0">
+                <a:latin typeface="Arial" panose="020B0604020202020204" pitchFamily="34" charset="0"/>
+                <a:ea typeface="宋体" panose="02010600030101010101" pitchFamily="2" charset="-122"/>
+                <a:cs typeface="Arial" panose="020B0604020202020204" pitchFamily="34" charset="0"/>
+              </a:rPr>
+              <a:t>阶段</a:t>
+            </a:r>
+            <a:endParaRPr lang="en-US" altLang="zh-CN" sz="1600" dirty="0">
+              <a:latin typeface="Arial" panose="020B0604020202020204" pitchFamily="34" charset="0"/>
+              <a:ea typeface="宋体" panose="02010600030101010101" pitchFamily="2" charset="-122"/>
+              <a:cs typeface="Arial" panose="020B0604020202020204" pitchFamily="34" charset="0"/>
+            </a:endParaRPr>
+          </a:p>
+          <a:p>
+            <a:r>
+              <a:rPr lang="en-US" altLang="zh-CN" sz="1600" dirty="0">
+                <a:latin typeface="Arial" panose="020B0604020202020204" pitchFamily="34" charset="0"/>
+                <a:ea typeface="宋体" panose="02010600030101010101" pitchFamily="2" charset="-122"/>
+                <a:cs typeface="Arial" panose="020B0604020202020204" pitchFamily="34" charset="0"/>
+              </a:rPr>
+              <a:t>Commit: 1.</a:t>
+            </a:r>
+            <a:r>
+              <a:rPr lang="zh-CN" altLang="en-US" sz="1600" dirty="0">
+                <a:latin typeface="Arial" panose="020B0604020202020204" pitchFamily="34" charset="0"/>
+                <a:ea typeface="宋体" panose="02010600030101010101" pitchFamily="2" charset="-122"/>
+                <a:cs typeface="Arial" panose="020B0604020202020204" pitchFamily="34" charset="0"/>
+              </a:rPr>
+              <a:t>发送预提交请求</a:t>
+            </a:r>
+            <a:r>
+              <a:rPr lang="en-US" altLang="zh-CN" sz="1600" dirty="0">
+                <a:latin typeface="Arial" panose="020B0604020202020204" pitchFamily="34" charset="0"/>
+                <a:ea typeface="宋体" panose="02010600030101010101" pitchFamily="2" charset="-122"/>
+                <a:cs typeface="Arial" panose="020B0604020202020204" pitchFamily="34" charset="0"/>
+              </a:rPr>
+              <a:t>-&gt;2.</a:t>
+            </a:r>
+            <a:r>
+              <a:rPr lang="zh-CN" altLang="en-US" sz="1600" dirty="0">
+                <a:latin typeface="Arial" panose="020B0604020202020204" pitchFamily="34" charset="0"/>
+                <a:ea typeface="宋体" panose="02010600030101010101" pitchFamily="2" charset="-122"/>
+                <a:cs typeface="Arial" panose="020B0604020202020204" pitchFamily="34" charset="0"/>
+              </a:rPr>
+              <a:t>事务预提交 </a:t>
+            </a:r>
+            <a:r>
+              <a:rPr lang="en-US" altLang="zh-CN" sz="1600" dirty="0">
+                <a:latin typeface="Arial" panose="020B0604020202020204" pitchFamily="34" charset="0"/>
+                <a:ea typeface="宋体" panose="02010600030101010101" pitchFamily="2" charset="-122"/>
+                <a:cs typeface="Arial" panose="020B0604020202020204" pitchFamily="34" charset="0"/>
+              </a:rPr>
+              <a:t>-&gt;3.</a:t>
+            </a:r>
+            <a:r>
+              <a:rPr lang="zh-CN" altLang="en-US" sz="1600" dirty="0">
+                <a:latin typeface="Arial" panose="020B0604020202020204" pitchFamily="34" charset="0"/>
+                <a:ea typeface="宋体" panose="02010600030101010101" pitchFamily="2" charset="-122"/>
+                <a:cs typeface="Arial" panose="020B0604020202020204" pitchFamily="34" charset="0"/>
+              </a:rPr>
+              <a:t>响应反馈</a:t>
+            </a:r>
+            <a:endParaRPr lang="en-US" altLang="zh-CN" sz="1600" dirty="0">
+              <a:latin typeface="Arial" panose="020B0604020202020204" pitchFamily="34" charset="0"/>
+              <a:ea typeface="宋体" panose="02010600030101010101" pitchFamily="2" charset="-122"/>
+              <a:cs typeface="Arial" panose="020B0604020202020204" pitchFamily="34" charset="0"/>
+            </a:endParaRPr>
+          </a:p>
+          <a:p>
+            <a:r>
+              <a:rPr lang="en-US" altLang="zh-CN" sz="1600" dirty="0">
+                <a:latin typeface="Arial" panose="020B0604020202020204" pitchFamily="34" charset="0"/>
+                <a:ea typeface="宋体" panose="02010600030101010101" pitchFamily="2" charset="-122"/>
+                <a:cs typeface="Arial" panose="020B0604020202020204" pitchFamily="34" charset="0"/>
+              </a:rPr>
+              <a:t>Rollback:1.</a:t>
+            </a:r>
+            <a:r>
+              <a:rPr lang="zh-CN" altLang="en-US" sz="1600" dirty="0">
+                <a:latin typeface="Arial" panose="020B0604020202020204" pitchFamily="34" charset="0"/>
+                <a:ea typeface="宋体" panose="02010600030101010101" pitchFamily="2" charset="-122"/>
+                <a:cs typeface="Arial" panose="020B0604020202020204" pitchFamily="34" charset="0"/>
+              </a:rPr>
+              <a:t>发送中断请求 </a:t>
+            </a:r>
+            <a:r>
+              <a:rPr lang="en-US" altLang="zh-CN" sz="1600" dirty="0">
+                <a:latin typeface="Arial" panose="020B0604020202020204" pitchFamily="34" charset="0"/>
+                <a:ea typeface="宋体" panose="02010600030101010101" pitchFamily="2" charset="-122"/>
+                <a:cs typeface="Arial" panose="020B0604020202020204" pitchFamily="34" charset="0"/>
+              </a:rPr>
+              <a:t>-&gt;2.</a:t>
+            </a:r>
+            <a:r>
+              <a:rPr lang="zh-CN" altLang="en-US" sz="1600" dirty="0">
+                <a:latin typeface="Arial" panose="020B0604020202020204" pitchFamily="34" charset="0"/>
+                <a:ea typeface="宋体" panose="02010600030101010101" pitchFamily="2" charset="-122"/>
+                <a:cs typeface="Arial" panose="020B0604020202020204" pitchFamily="34" charset="0"/>
+              </a:rPr>
+              <a:t>中断事务</a:t>
+            </a:r>
+            <a:endParaRPr lang="en-US" altLang="zh-CN" sz="1600" dirty="0">
+              <a:latin typeface="Arial" panose="020B0604020202020204" pitchFamily="34" charset="0"/>
+              <a:ea typeface="宋体" panose="02010600030101010101" pitchFamily="2" charset="-122"/>
+              <a:cs typeface="Arial" panose="020B0604020202020204" pitchFamily="34" charset="0"/>
+            </a:endParaRPr>
+          </a:p>
+          <a:p>
+            <a:endParaRPr lang="zh-CN" altLang="en-US" sz="1600" dirty="0">
+              <a:latin typeface="Arial" panose="020B0604020202020204" pitchFamily="34" charset="0"/>
+              <a:ea typeface="宋体" panose="02010600030101010101" pitchFamily="2" charset="-122"/>
+              <a:cs typeface="Arial" panose="020B0604020202020204" pitchFamily="34" charset="0"/>
+            </a:endParaRPr>
+          </a:p>
+          <a:p>
+            <a:r>
+              <a:rPr lang="en-US" altLang="zh-CN" sz="1600" dirty="0" err="1">
+                <a:latin typeface="Arial" panose="020B0604020202020204" pitchFamily="34" charset="0"/>
+                <a:ea typeface="宋体" panose="02010600030101010101" pitchFamily="2" charset="-122"/>
+                <a:cs typeface="Arial" panose="020B0604020202020204" pitchFamily="34" charset="0"/>
+              </a:rPr>
+              <a:t>doCommit</a:t>
+            </a:r>
+            <a:r>
+              <a:rPr lang="zh-CN" altLang="en-US" sz="1600" dirty="0">
+                <a:latin typeface="Arial" panose="020B0604020202020204" pitchFamily="34" charset="0"/>
+                <a:ea typeface="宋体" panose="02010600030101010101" pitchFamily="2" charset="-122"/>
+                <a:cs typeface="Arial" panose="020B0604020202020204" pitchFamily="34" charset="0"/>
+              </a:rPr>
+              <a:t>阶段</a:t>
+            </a:r>
+            <a:endParaRPr lang="en-US" altLang="zh-CN" sz="1600" dirty="0">
+              <a:latin typeface="Arial" panose="020B0604020202020204" pitchFamily="34" charset="0"/>
+              <a:ea typeface="宋体" panose="02010600030101010101" pitchFamily="2" charset="-122"/>
+              <a:cs typeface="Arial" panose="020B0604020202020204" pitchFamily="34" charset="0"/>
+            </a:endParaRPr>
+          </a:p>
+          <a:p>
+            <a:r>
+              <a:rPr lang="en-US" altLang="zh-CN" sz="1600" dirty="0">
+                <a:latin typeface="Arial" panose="020B0604020202020204" pitchFamily="34" charset="0"/>
+                <a:ea typeface="宋体" panose="02010600030101010101" pitchFamily="2" charset="-122"/>
+                <a:cs typeface="Arial" panose="020B0604020202020204" pitchFamily="34" charset="0"/>
+              </a:rPr>
+              <a:t>Commit: 1.</a:t>
+            </a:r>
+            <a:r>
+              <a:rPr lang="zh-CN" altLang="en-US" sz="1600" dirty="0">
+                <a:latin typeface="Arial" panose="020B0604020202020204" pitchFamily="34" charset="0"/>
+                <a:ea typeface="宋体" panose="02010600030101010101" pitchFamily="2" charset="-122"/>
+                <a:cs typeface="Arial" panose="020B0604020202020204" pitchFamily="34" charset="0"/>
+              </a:rPr>
+              <a:t>发送提交请求  </a:t>
+            </a:r>
+            <a:r>
+              <a:rPr lang="en-US" altLang="zh-CN" sz="1600" dirty="0">
+                <a:latin typeface="Arial" panose="020B0604020202020204" pitchFamily="34" charset="0"/>
+                <a:ea typeface="宋体" panose="02010600030101010101" pitchFamily="2" charset="-122"/>
+                <a:cs typeface="Arial" panose="020B0604020202020204" pitchFamily="34" charset="0"/>
+              </a:rPr>
+              <a:t>-&gt;2.</a:t>
+            </a:r>
+            <a:r>
+              <a:rPr lang="zh-CN" altLang="en-US" sz="1600" dirty="0">
+                <a:latin typeface="Arial" panose="020B0604020202020204" pitchFamily="34" charset="0"/>
+                <a:ea typeface="宋体" panose="02010600030101010101" pitchFamily="2" charset="-122"/>
+                <a:cs typeface="Arial" panose="020B0604020202020204" pitchFamily="34" charset="0"/>
+              </a:rPr>
+              <a:t>事务提交  </a:t>
+            </a:r>
+            <a:r>
+              <a:rPr lang="en-US" altLang="zh-CN" sz="1600" dirty="0">
+                <a:latin typeface="Arial" panose="020B0604020202020204" pitchFamily="34" charset="0"/>
+                <a:ea typeface="宋体" panose="02010600030101010101" pitchFamily="2" charset="-122"/>
+                <a:cs typeface="Arial" panose="020B0604020202020204" pitchFamily="34" charset="0"/>
+              </a:rPr>
+              <a:t>-&gt;3.</a:t>
+            </a:r>
+            <a:r>
+              <a:rPr lang="zh-CN" altLang="en-US" sz="1600" dirty="0">
+                <a:latin typeface="Arial" panose="020B0604020202020204" pitchFamily="34" charset="0"/>
+                <a:ea typeface="宋体" panose="02010600030101010101" pitchFamily="2" charset="-122"/>
+                <a:cs typeface="Arial" panose="020B0604020202020204" pitchFamily="34" charset="0"/>
+              </a:rPr>
+              <a:t>响应反馈</a:t>
+            </a:r>
+            <a:r>
+              <a:rPr lang="en-US" altLang="zh-CN" sz="1600" dirty="0">
+                <a:latin typeface="Arial" panose="020B0604020202020204" pitchFamily="34" charset="0"/>
+                <a:ea typeface="宋体" panose="02010600030101010101" pitchFamily="2" charset="-122"/>
+                <a:cs typeface="Arial" panose="020B0604020202020204" pitchFamily="34" charset="0"/>
+              </a:rPr>
+              <a:t>.-&gt;4.</a:t>
+            </a:r>
+            <a:r>
+              <a:rPr lang="zh-CN" altLang="en-US" sz="1600" dirty="0">
+                <a:latin typeface="Arial" panose="020B0604020202020204" pitchFamily="34" charset="0"/>
+                <a:ea typeface="宋体" panose="02010600030101010101" pitchFamily="2" charset="-122"/>
+                <a:cs typeface="Arial" panose="020B0604020202020204" pitchFamily="34" charset="0"/>
+              </a:rPr>
+              <a:t>完成事务</a:t>
+            </a:r>
+            <a:endParaRPr lang="en-US" altLang="zh-CN" sz="1600" dirty="0">
+              <a:latin typeface="Arial" panose="020B0604020202020204" pitchFamily="34" charset="0"/>
+              <a:ea typeface="宋体" panose="02010600030101010101" pitchFamily="2" charset="-122"/>
+              <a:cs typeface="Arial" panose="020B0604020202020204" pitchFamily="34" charset="0"/>
+            </a:endParaRPr>
+          </a:p>
+          <a:p>
+            <a:r>
+              <a:rPr lang="en-US" altLang="zh-CN" sz="1600" dirty="0">
+                <a:latin typeface="Arial" panose="020B0604020202020204" pitchFamily="34" charset="0"/>
+                <a:ea typeface="宋体" panose="02010600030101010101" pitchFamily="2" charset="-122"/>
+                <a:cs typeface="Arial" panose="020B0604020202020204" pitchFamily="34" charset="0"/>
+              </a:rPr>
+              <a:t>Rollback:1.</a:t>
+            </a:r>
+            <a:r>
+              <a:rPr lang="zh-CN" altLang="en-US" sz="1600" dirty="0">
+                <a:latin typeface="Arial" panose="020B0604020202020204" pitchFamily="34" charset="0"/>
+                <a:ea typeface="宋体" panose="02010600030101010101" pitchFamily="2" charset="-122"/>
+                <a:cs typeface="Arial" panose="020B0604020202020204" pitchFamily="34" charset="0"/>
+              </a:rPr>
+              <a:t>发送中断请求 </a:t>
+            </a:r>
+            <a:r>
+              <a:rPr lang="en-US" altLang="zh-CN" sz="1600" dirty="0">
+                <a:latin typeface="Arial" panose="020B0604020202020204" pitchFamily="34" charset="0"/>
+                <a:ea typeface="宋体" panose="02010600030101010101" pitchFamily="2" charset="-122"/>
+                <a:cs typeface="Arial" panose="020B0604020202020204" pitchFamily="34" charset="0"/>
+              </a:rPr>
+              <a:t>-&gt;2.</a:t>
+            </a:r>
+            <a:r>
+              <a:rPr lang="zh-CN" altLang="en-US" sz="1600" dirty="0">
+                <a:latin typeface="Arial" panose="020B0604020202020204" pitchFamily="34" charset="0"/>
+                <a:ea typeface="宋体" panose="02010600030101010101" pitchFamily="2" charset="-122"/>
+                <a:cs typeface="Arial" panose="020B0604020202020204" pitchFamily="34" charset="0"/>
+              </a:rPr>
+              <a:t>事务回滚</a:t>
+            </a:r>
+            <a:r>
+              <a:rPr lang="en-US" altLang="zh-CN" sz="1600" dirty="0">
+                <a:latin typeface="Arial" panose="020B0604020202020204" pitchFamily="34" charset="0"/>
+                <a:ea typeface="宋体" panose="02010600030101010101" pitchFamily="2" charset="-122"/>
+                <a:cs typeface="Arial" panose="020B0604020202020204" pitchFamily="34" charset="0"/>
+              </a:rPr>
+              <a:t>-&gt;3.</a:t>
+            </a:r>
+            <a:r>
+              <a:rPr lang="zh-CN" altLang="en-US" sz="1600" dirty="0">
+                <a:latin typeface="Arial" panose="020B0604020202020204" pitchFamily="34" charset="0"/>
+                <a:ea typeface="宋体" panose="02010600030101010101" pitchFamily="2" charset="-122"/>
+                <a:cs typeface="Arial" panose="020B0604020202020204" pitchFamily="34" charset="0"/>
+              </a:rPr>
+              <a:t>反馈结果 </a:t>
+            </a:r>
+            <a:r>
+              <a:rPr lang="en-US" altLang="zh-CN" sz="1600" dirty="0">
+                <a:latin typeface="Arial" panose="020B0604020202020204" pitchFamily="34" charset="0"/>
+                <a:ea typeface="宋体" panose="02010600030101010101" pitchFamily="2" charset="-122"/>
+                <a:cs typeface="Arial" panose="020B0604020202020204" pitchFamily="34" charset="0"/>
+              </a:rPr>
+              <a:t>-&gt;4.</a:t>
+            </a:r>
+            <a:r>
+              <a:rPr lang="zh-CN" altLang="en-US" sz="1600" dirty="0">
+                <a:latin typeface="Arial" panose="020B0604020202020204" pitchFamily="34" charset="0"/>
+                <a:ea typeface="宋体" panose="02010600030101010101" pitchFamily="2" charset="-122"/>
+                <a:cs typeface="Arial" panose="020B0604020202020204" pitchFamily="34" charset="0"/>
+              </a:rPr>
+              <a:t>中断事务</a:t>
+            </a:r>
+            <a:endParaRPr lang="en-US" altLang="zh-CN" sz="1600" dirty="0">
+              <a:latin typeface="Arial" panose="020B0604020202020204" pitchFamily="34" charset="0"/>
+              <a:ea typeface="宋体" panose="02010600030101010101" pitchFamily="2" charset="-122"/>
+              <a:cs typeface="Arial" panose="020B0604020202020204" pitchFamily="34" charset="0"/>
+            </a:endParaRPr>
+          </a:p>
+          <a:p>
+            <a:endParaRPr lang="en-US" altLang="zh-CN" sz="1600" dirty="0">
+              <a:latin typeface="Arial" panose="020B0604020202020204" pitchFamily="34" charset="0"/>
+              <a:ea typeface="宋体" panose="02010600030101010101" pitchFamily="2" charset="-122"/>
+              <a:cs typeface="Arial" panose="020B0604020202020204" pitchFamily="34" charset="0"/>
+            </a:endParaRPr>
+          </a:p>
+          <a:p>
+            <a:r>
+              <a:rPr lang="zh-CN" altLang="en-US" sz="1600" dirty="0">
+                <a:latin typeface="Arial" panose="020B0604020202020204" pitchFamily="34" charset="0"/>
+                <a:ea typeface="宋体" panose="02010600030101010101" pitchFamily="2" charset="-122"/>
+                <a:cs typeface="Arial" panose="020B0604020202020204" pitchFamily="34" charset="0"/>
+              </a:rPr>
+              <a:t>解决单点故障，并减少阻塞。因为一旦参与者无法及时收到来自协调者的信息之后，他会默认执行</a:t>
+            </a:r>
+            <a:r>
+              <a:rPr lang="en-US" altLang="zh-CN" sz="1600" dirty="0">
+                <a:latin typeface="Arial" panose="020B0604020202020204" pitchFamily="34" charset="0"/>
+                <a:ea typeface="宋体" panose="02010600030101010101" pitchFamily="2" charset="-122"/>
+                <a:cs typeface="Arial" panose="020B0604020202020204" pitchFamily="34" charset="0"/>
+              </a:rPr>
+              <a:t>commit</a:t>
+            </a:r>
+            <a:r>
+              <a:rPr lang="zh-CN" altLang="en-US" sz="1600" dirty="0">
+                <a:latin typeface="Arial" panose="020B0604020202020204" pitchFamily="34" charset="0"/>
+                <a:ea typeface="宋体" panose="02010600030101010101" pitchFamily="2" charset="-122"/>
+                <a:cs typeface="Arial" panose="020B0604020202020204" pitchFamily="34" charset="0"/>
+              </a:rPr>
+              <a:t>。而不会一直持有事务资源并处于阻塞状态。</a:t>
+            </a:r>
+            <a:endParaRPr lang="en-US" altLang="zh-CN" sz="1600" dirty="0">
+              <a:latin typeface="Arial" panose="020B0604020202020204" pitchFamily="34" charset="0"/>
+              <a:ea typeface="宋体" panose="02010600030101010101" pitchFamily="2" charset="-122"/>
+              <a:cs typeface="Arial" panose="020B0604020202020204" pitchFamily="34" charset="0"/>
+            </a:endParaRPr>
           </a:p>
         </p:txBody>
       </p:sp>
     </p:spTree>
     <p:extLst>
       <p:ext uri="{BB962C8B-B14F-4D97-AF65-F5344CB8AC3E}">
-        <p14:creationId xmlns:p14="http://schemas.microsoft.com/office/powerpoint/2010/main" val="2961534618"/>
+        <p14:creationId xmlns:p14="http://schemas.microsoft.com/office/powerpoint/2010/main" val="3973329441"/>
       </p:ext>
     </p:extLst>
   </p:cSld>
@@ -5970,7 +9067,7 @@
           <a:p>
             <a:r>
               <a:rPr lang="en-US" altLang="zh-CN" dirty="0"/>
-              <a:t>Spring + JTA</a:t>
+              <a:t>JTA</a:t>
             </a:r>
             <a:endParaRPr lang="zh-CN" altLang="en-US" dirty="0"/>
           </a:p>
@@ -5993,39 +9090,69 @@
           <a:p>
             <a:r>
               <a:rPr lang="zh-CN" altLang="en-US" dirty="0"/>
-              <a:t>分布式事务（</a:t>
-            </a:r>
-            <a:r>
-              <a:rPr lang="en-US" altLang="zh-CN" dirty="0"/>
-              <a:t>Distributed Transaction</a:t>
-            </a:r>
-            <a:r>
-              <a:rPr lang="zh-CN" altLang="en-US" dirty="0"/>
-              <a:t>）包括事务管理器（</a:t>
-            </a:r>
-            <a:r>
-              <a:rPr lang="en-US" altLang="zh-CN" dirty="0"/>
-              <a:t>Transaction Manager</a:t>
-            </a:r>
-            <a:r>
-              <a:rPr lang="zh-CN" altLang="en-US" dirty="0"/>
-              <a:t>）和一个或多个支持 </a:t>
-            </a:r>
-            <a:r>
-              <a:rPr lang="en-US" altLang="zh-CN" dirty="0"/>
-              <a:t>XA </a:t>
-            </a:r>
-            <a:r>
-              <a:rPr lang="zh-CN" altLang="en-US" dirty="0"/>
-              <a:t>协议的资源管理器 </a:t>
-            </a:r>
-            <a:r>
-              <a:rPr lang="en-US" altLang="zh-CN" dirty="0"/>
-              <a:t>( Resource Manager )</a:t>
-            </a:r>
-            <a:r>
-              <a:rPr lang="zh-CN" altLang="en-US" dirty="0"/>
-              <a:t>。我们可以将资源管理器看做任意类型的持久化数据存储；事务管理器承担着所有事务参与单元的协调与控制。</a:t>
+              <a:t>作为</a:t>
+            </a:r>
+            <a:r>
+              <a:rPr lang="en-US" altLang="zh-CN" b="1" dirty="0">
+                <a:hlinkClick r:id="rId2" tooltip="Java EE知识库"/>
+              </a:rPr>
+              <a:t>Java</a:t>
+            </a:r>
+            <a:r>
+              <a:rPr lang="zh-CN" altLang="en-US" dirty="0"/>
+              <a:t>平台上事务规范</a:t>
+            </a:r>
+            <a:r>
+              <a:rPr lang="en-US" altLang="zh-CN" dirty="0"/>
+              <a:t>JTA</a:t>
+            </a:r>
+            <a:r>
+              <a:rPr lang="zh-CN" altLang="en-US" dirty="0"/>
+              <a:t>（</a:t>
+            </a:r>
+            <a:r>
+              <a:rPr lang="en-US" altLang="zh-CN" b="1" dirty="0">
+                <a:hlinkClick r:id="rId3" tooltip="Java 知识库"/>
+              </a:rPr>
+              <a:t>Java </a:t>
+            </a:r>
+            <a:r>
+              <a:rPr lang="en-US" altLang="zh-CN" dirty="0"/>
+              <a:t>Transaction API</a:t>
+            </a:r>
+            <a:r>
+              <a:rPr lang="zh-CN" altLang="en-US" dirty="0"/>
+              <a:t>）也定义了对</a:t>
+            </a:r>
+            <a:r>
+              <a:rPr lang="en-US" altLang="zh-CN" dirty="0"/>
+              <a:t>XA</a:t>
+            </a:r>
+            <a:r>
+              <a:rPr lang="zh-CN" altLang="en-US" dirty="0"/>
+              <a:t>事务的支持，实际上，</a:t>
+            </a:r>
+            <a:r>
+              <a:rPr lang="en-US" altLang="zh-CN" dirty="0"/>
+              <a:t>JTA</a:t>
+            </a:r>
+            <a:r>
+              <a:rPr lang="zh-CN" altLang="en-US" dirty="0"/>
+              <a:t>是基于</a:t>
+            </a:r>
+            <a:r>
+              <a:rPr lang="en-US" altLang="zh-CN" dirty="0"/>
+              <a:t>XA</a:t>
+            </a:r>
+            <a:r>
+              <a:rPr lang="zh-CN" altLang="en-US" b="1" dirty="0">
+                <a:hlinkClick r:id="rId4" tooltip="大型网站架构知识库"/>
+              </a:rPr>
+              <a:t>架构</a:t>
+            </a:r>
+            <a:r>
+              <a:rPr lang="zh-CN" altLang="en-US" dirty="0"/>
+              <a:t>上建模的，在</a:t>
             </a:r>
             <a:r>
               <a:rPr lang="en-US" altLang="zh-CN" dirty="0"/>
@@ -6033,80 +9160,136 @@
             </a:r>
             <a:r>
               <a:rPr lang="zh-CN" altLang="en-US" dirty="0"/>
-              <a:t>事务有效的屏蔽了底层事务资源，使应用可以以透明的方式参入到事务处理中；但是与本地事务相比，</a:t>
-            </a:r>
-            <a:r>
-              <a:rPr lang="en-US" altLang="zh-CN" dirty="0"/>
-              <a:t>XA </a:t>
-            </a:r>
-            <a:r>
-              <a:rPr lang="zh-CN" altLang="en-US" dirty="0"/>
-              <a:t>协议的系统开销大，在系统开发过程中应慎重考虑是否确实需要分布式事务。若确实需要分布式事务以协调多个事务资源，则应实现和配置所支持 </a:t>
-            </a:r>
-            <a:r>
-              <a:rPr lang="en-US" altLang="zh-CN" dirty="0"/>
-              <a:t>XA </a:t>
-            </a:r>
-            <a:r>
-              <a:rPr lang="zh-CN" altLang="en-US" dirty="0"/>
-              <a:t>协议的事务资源，如 </a:t>
-            </a:r>
-            <a:r>
-              <a:rPr lang="en-US" altLang="zh-CN" dirty="0"/>
-              <a:t>JMS</a:t>
-            </a:r>
-            <a:r>
-              <a:rPr lang="zh-CN" altLang="en-US" dirty="0"/>
-              <a:t>、</a:t>
-            </a:r>
-            <a:r>
-              <a:rPr lang="en-US" altLang="zh-CN" dirty="0"/>
-              <a:t>JDBC </a:t>
-            </a:r>
-            <a:r>
-              <a:rPr lang="zh-CN" altLang="en-US" dirty="0"/>
-              <a:t>数据库连接池等。使用 </a:t>
-            </a:r>
-            <a:r>
-              <a:rPr lang="en-US" altLang="zh-CN" dirty="0"/>
-              <a:t>JTA </a:t>
-            </a:r>
-            <a:r>
-              <a:rPr lang="zh-CN" altLang="en-US" dirty="0"/>
-              <a:t>处理事务的示例如下（注意：</a:t>
+              <a:t>中，事务管理器抽象为</a:t>
             </a:r>
             <a:r>
               <a:rPr lang="en-US" altLang="zh-CN" dirty="0" err="1"/>
-              <a:t>connA</a:t>
-            </a:r>
-            <a:r>
-              <a:rPr lang="en-US" altLang="zh-CN" dirty="0"/>
-              <a:t> </a:t>
-            </a:r>
-            <a:r>
-              <a:rPr lang="zh-CN" altLang="en-US" dirty="0"/>
-              <a:t>和 </a:t>
+              <a:t>javax.transaction.TransactionManager</a:t>
+            </a:r>
+            <a:r>
+              <a:rPr lang="zh-CN" altLang="en-US" dirty="0"/>
+              <a:t>接口，并通过底层事务服务（即</a:t>
+            </a:r>
+            <a:r>
+              <a:rPr lang="en-US" altLang="zh-CN" dirty="0"/>
+              <a:t>JTS</a:t>
+            </a:r>
+            <a:r>
+              <a:rPr lang="zh-CN" altLang="en-US" dirty="0"/>
+              <a:t>）实现</a:t>
+            </a:r>
+            <a:endParaRPr lang="en-US" altLang="zh-CN" dirty="0"/>
+          </a:p>
+          <a:p>
+            <a:endParaRPr lang="en-US" altLang="zh-CN" dirty="0"/>
+          </a:p>
+          <a:p>
+            <a:r>
+              <a:rPr lang="en-US" altLang="zh-CN" dirty="0"/>
+              <a:t>1.J2EE</a:t>
+            </a:r>
+            <a:r>
+              <a:rPr lang="zh-CN" altLang="en-US" dirty="0"/>
+              <a:t>容器所提供的</a:t>
+            </a:r>
+            <a:r>
+              <a:rPr lang="en-US" altLang="zh-CN" dirty="0"/>
+              <a:t>JTA</a:t>
+            </a:r>
+            <a:r>
+              <a:rPr lang="zh-CN" altLang="en-US" dirty="0"/>
+              <a:t>实现</a:t>
+            </a:r>
+            <a:r>
+              <a:rPr lang="en-US" altLang="zh-CN" dirty="0"/>
+              <a:t>(</a:t>
             </a:r>
             <a:r>
               <a:rPr lang="en-US" altLang="zh-CN" dirty="0" err="1"/>
-              <a:t>connB</a:t>
-            </a:r>
-            <a:r>
-              <a:rPr lang="en-US" altLang="zh-CN" dirty="0"/>
-              <a:t> </a:t>
-            </a:r>
-            <a:r>
-              <a:rPr lang="zh-CN" altLang="en-US" dirty="0"/>
-              <a:t>是来自不同数据库的连接）</a:t>
-            </a:r>
-            <a:endParaRPr lang="zh-CN" altLang="en-US" dirty="0"/>
+              <a:t>JBoss</a:t>
+            </a:r>
+            <a:r>
+              <a:rPr lang="en-US" altLang="zh-CN" dirty="0"/>
+              <a:t>)</a:t>
+            </a:r>
+            <a:br>
+              <a:rPr lang="en-US" altLang="zh-CN" dirty="0"/>
+            </a:br>
+            <a:r>
+              <a:rPr lang="en-US" altLang="zh-CN" dirty="0"/>
+              <a:t>2.</a:t>
+            </a:r>
+            <a:r>
+              <a:rPr lang="zh-CN" altLang="en-US" dirty="0"/>
+              <a:t>独立的</a:t>
+            </a:r>
+            <a:r>
+              <a:rPr lang="en-US" altLang="zh-CN" dirty="0"/>
+              <a:t>JTA</a:t>
+            </a:r>
+            <a:r>
+              <a:rPr lang="zh-CN" altLang="en-US" dirty="0"/>
+              <a:t>实现</a:t>
+            </a:r>
+            <a:r>
+              <a:rPr lang="en-US" altLang="zh-CN" dirty="0"/>
+              <a:t>:</a:t>
+            </a:r>
+            <a:r>
+              <a:rPr lang="zh-CN" altLang="en-US" dirty="0"/>
+              <a:t>如</a:t>
+            </a:r>
+            <a:r>
+              <a:rPr lang="en-US" altLang="zh-CN" dirty="0"/>
+              <a:t>JOTM</a:t>
+            </a:r>
+            <a:r>
+              <a:rPr lang="zh-CN" altLang="en-US" dirty="0"/>
+              <a:t>，</a:t>
+            </a:r>
+            <a:r>
+              <a:rPr lang="en-US" altLang="zh-CN" dirty="0" err="1"/>
+              <a:t>Atomikos</a:t>
+            </a:r>
+            <a:r>
+              <a:rPr lang="en-US" altLang="zh-CN" dirty="0"/>
+              <a:t>.</a:t>
+            </a:r>
+            <a:r>
+              <a:rPr lang="zh-CN" altLang="en-US" dirty="0"/>
+              <a:t>这些实现可以应用在那些不使用</a:t>
+            </a:r>
+            <a:r>
+              <a:rPr lang="en-US" altLang="zh-CN" dirty="0"/>
+              <a:t>J2EE</a:t>
+            </a:r>
+            <a:r>
+              <a:rPr lang="zh-CN" altLang="en-US" dirty="0"/>
+              <a:t>应用服务器的环境里用以提供分布事事务保证。如</a:t>
+            </a:r>
+            <a:r>
+              <a:rPr lang="en-US" altLang="zh-CN" dirty="0" err="1"/>
+              <a:t>Tomcat,Jetty</a:t>
+            </a:r>
+            <a:r>
+              <a:rPr lang="zh-CN" altLang="en-US" dirty="0"/>
+              <a:t>以及普通的</a:t>
+            </a:r>
+            <a:r>
+              <a:rPr lang="en-US" altLang="zh-CN" dirty="0"/>
+              <a:t>java</a:t>
+            </a:r>
+            <a:r>
+              <a:rPr lang="zh-CN" altLang="en-US" dirty="0"/>
+              <a:t>应用。</a:t>
+            </a:r>
           </a:p>
         </p:txBody>
       </p:sp>
     </p:spTree>
     <p:extLst>
       <p:ext uri="{BB962C8B-B14F-4D97-AF65-F5344CB8AC3E}">
-        <p14:creationId xmlns:p14="http://schemas.microsoft.com/office/powerpoint/2010/main" val="1865720143"/>
+        <p14:creationId xmlns:p14="http://schemas.microsoft.com/office/powerpoint/2010/main" val="260479488"/>
       </p:ext>
     </p:extLst>
   </p:cSld>

--- a/分布式事务.pptx
+++ b/分布式事务.pptx
@@ -5,29 +5,31 @@
     <p:sldMasterId id="2147483648" r:id="rId1"/>
   </p:sldMasterIdLst>
   <p:notesMasterIdLst>
-    <p:notesMasterId r:id="rId22"/>
+    <p:notesMasterId r:id="rId24"/>
   </p:notesMasterIdLst>
   <p:sldIdLst>
     <p:sldId id="256" r:id="rId2"/>
-    <p:sldId id="274" r:id="rId3"/>
-    <p:sldId id="275" r:id="rId4"/>
-    <p:sldId id="273" r:id="rId5"/>
-    <p:sldId id="259" r:id="rId6"/>
-    <p:sldId id="257" r:id="rId7"/>
-    <p:sldId id="261" r:id="rId8"/>
-    <p:sldId id="262" r:id="rId9"/>
-    <p:sldId id="263" r:id="rId10"/>
-    <p:sldId id="260" r:id="rId11"/>
-    <p:sldId id="258" r:id="rId12"/>
-    <p:sldId id="268" r:id="rId13"/>
-    <p:sldId id="269" r:id="rId14"/>
-    <p:sldId id="270" r:id="rId15"/>
-    <p:sldId id="271" r:id="rId16"/>
-    <p:sldId id="265" r:id="rId17"/>
-    <p:sldId id="266" r:id="rId18"/>
-    <p:sldId id="267" r:id="rId19"/>
-    <p:sldId id="272" r:id="rId20"/>
-    <p:sldId id="264" r:id="rId21"/>
+    <p:sldId id="278" r:id="rId3"/>
+    <p:sldId id="277" r:id="rId4"/>
+    <p:sldId id="274" r:id="rId5"/>
+    <p:sldId id="275" r:id="rId6"/>
+    <p:sldId id="276" r:id="rId7"/>
+    <p:sldId id="273" r:id="rId8"/>
+    <p:sldId id="257" r:id="rId9"/>
+    <p:sldId id="261" r:id="rId10"/>
+    <p:sldId id="262" r:id="rId11"/>
+    <p:sldId id="263" r:id="rId12"/>
+    <p:sldId id="260" r:id="rId13"/>
+    <p:sldId id="258" r:id="rId14"/>
+    <p:sldId id="268" r:id="rId15"/>
+    <p:sldId id="269" r:id="rId16"/>
+    <p:sldId id="270" r:id="rId17"/>
+    <p:sldId id="271" r:id="rId18"/>
+    <p:sldId id="265" r:id="rId19"/>
+    <p:sldId id="266" r:id="rId20"/>
+    <p:sldId id="267" r:id="rId21"/>
+    <p:sldId id="272" r:id="rId22"/>
+    <p:sldId id="264" r:id="rId23"/>
   </p:sldIdLst>
   <p:sldSz cx="12192000" cy="6858000"/>
   <p:notesSz cx="6858000" cy="9144000"/>
@@ -668,7 +670,7 @@
           <a:p>
             <a:fld id="{30936462-658F-4E41-8C6E-2EAB7E357587}" type="slidenum">
               <a:rPr lang="zh-CN" altLang="en-US" smtClean="0"/>
-              <a:t>2</a:t>
+              <a:t>4</a:t>
             </a:fld>
             <a:endParaRPr lang="zh-CN" altLang="en-US"/>
           </a:p>
@@ -678,6 +680,1350 @@
     <p:extLst>
       <p:ext uri="{BB962C8B-B14F-4D97-AF65-F5344CB8AC3E}">
         <p14:creationId xmlns:p14="http://schemas.microsoft.com/office/powerpoint/2010/main" val="687648186"/>
+      </p:ext>
+    </p:extLst>
+  </p:cSld>
+  <p:clrMapOvr>
+    <a:masterClrMapping/>
+  </p:clrMapOvr>
+</p:notes>
+</file>
+
+<file path=ppt/notesSlides/notesSlide10.xml><?xml version="1.0" encoding="utf-8"?>
+<p:notes xmlns:a="http://schemas.openxmlformats.org/drawingml/2006/main" xmlns:r="http://schemas.openxmlformats.org/officeDocument/2006/relationships" xmlns:p="http://schemas.openxmlformats.org/presentationml/2006/main">
+  <p:cSld>
+    <p:spTree>
+      <p:nvGrpSpPr>
+        <p:cNvPr id="1" name=""/>
+        <p:cNvGrpSpPr/>
+        <p:nvPr/>
+      </p:nvGrpSpPr>
+      <p:grpSpPr>
+        <a:xfrm>
+          <a:off x="0" y="0"/>
+          <a:ext cx="0" cy="0"/>
+          <a:chOff x="0" y="0"/>
+          <a:chExt cx="0" cy="0"/>
+        </a:xfrm>
+      </p:grpSpPr>
+      <p:sp>
+        <p:nvSpPr>
+          <p:cNvPr id="2" name="Slide Image Placeholder 1"/>
+          <p:cNvSpPr>
+            <a:spLocks noGrp="1" noRot="1" noChangeAspect="1"/>
+          </p:cNvSpPr>
+          <p:nvPr>
+            <p:ph type="sldImg"/>
+          </p:nvPr>
+        </p:nvSpPr>
+        <p:spPr/>
+      </p:sp>
+      <p:sp>
+        <p:nvSpPr>
+          <p:cNvPr id="3" name="Notes Placeholder 2"/>
+          <p:cNvSpPr>
+            <a:spLocks noGrp="1"/>
+          </p:cNvSpPr>
+          <p:nvPr>
+            <p:ph type="body" idx="1"/>
+          </p:nvPr>
+        </p:nvSpPr>
+        <p:spPr/>
+        <p:txBody>
+          <a:bodyPr/>
+          <a:lstStyle/>
+          <a:p>
+            <a:r>
+              <a:rPr lang="zh-CN" altLang="en-US" dirty="0"/>
+              <a:t>这个接口是</a:t>
+            </a:r>
+            <a:r>
+              <a:rPr lang="en-US" altLang="zh-CN" dirty="0"/>
+              <a:t>JTA</a:t>
+            </a:r>
+            <a:r>
+              <a:rPr lang="zh-CN" altLang="en-US" dirty="0"/>
+              <a:t>事务提供接口</a:t>
+            </a:r>
+            <a:endParaRPr lang="en-US" altLang="zh-CN" dirty="0"/>
+          </a:p>
+          <a:p>
+            <a:endParaRPr lang="en-US" altLang="zh-CN" dirty="0"/>
+          </a:p>
+          <a:p>
+            <a:pPr marL="0" marR="0" lvl="0" indent="0" algn="l" defTabSz="914400" rtl="0" eaLnBrk="1" fontAlgn="auto" latinLnBrk="0" hangingPunct="1">
+              <a:lnSpc>
+                <a:spcPct val="100000"/>
+              </a:lnSpc>
+              <a:spcBef>
+                <a:spcPts val="0"/>
+              </a:spcBef>
+              <a:spcAft>
+                <a:spcPts val="0"/>
+              </a:spcAft>
+              <a:buClrTx/>
+              <a:buSzTx/>
+              <a:buFontTx/>
+              <a:buNone/>
+              <a:tabLst/>
+              <a:defRPr/>
+            </a:pPr>
+            <a:r>
+              <a:rPr lang="zh-CN" altLang="en-US" sz="1200" b="0" i="0" kern="1200" dirty="0">
+                <a:solidFill>
+                  <a:schemeClr val="tx1"/>
+                </a:solidFill>
+                <a:effectLst/>
+                <a:latin typeface="+mn-lt"/>
+                <a:ea typeface="+mn-ea"/>
+                <a:cs typeface="+mn-cs"/>
+              </a:rPr>
+              <a:t>值得注意的是，不是使用了</a:t>
+            </a:r>
+            <a:r>
+              <a:rPr lang="en-US" altLang="zh-CN" dirty="0" err="1"/>
+              <a:t>UserTransaction</a:t>
+            </a:r>
+            <a:r>
+              <a:rPr lang="zh-CN" altLang="en-US" sz="1200" b="0" i="0" kern="1200" dirty="0">
+                <a:solidFill>
+                  <a:schemeClr val="tx1"/>
+                </a:solidFill>
+                <a:effectLst/>
+                <a:latin typeface="+mn-lt"/>
+                <a:ea typeface="+mn-ea"/>
+                <a:cs typeface="+mn-cs"/>
+              </a:rPr>
+              <a:t>就能把普通的</a:t>
+            </a:r>
+            <a:r>
+              <a:rPr lang="en-US" altLang="zh-CN" sz="1200" b="0" i="0" kern="1200" dirty="0">
+                <a:solidFill>
+                  <a:schemeClr val="tx1"/>
+                </a:solidFill>
+                <a:effectLst/>
+                <a:latin typeface="+mn-lt"/>
+                <a:ea typeface="+mn-ea"/>
+                <a:cs typeface="+mn-cs"/>
+              </a:rPr>
+              <a:t>JDBC</a:t>
+            </a:r>
+            <a:r>
+              <a:rPr lang="zh-CN" altLang="en-US" sz="1200" b="0" i="0" kern="1200" dirty="0">
+                <a:solidFill>
+                  <a:schemeClr val="tx1"/>
+                </a:solidFill>
+                <a:effectLst/>
+                <a:latin typeface="+mn-lt"/>
+                <a:ea typeface="+mn-ea"/>
+                <a:cs typeface="+mn-cs"/>
+              </a:rPr>
+              <a:t>操作直接转成</a:t>
+            </a:r>
+            <a:r>
+              <a:rPr lang="en-US" altLang="zh-CN" sz="1200" b="0" i="0" kern="1200" dirty="0">
+                <a:solidFill>
+                  <a:schemeClr val="tx1"/>
+                </a:solidFill>
+                <a:effectLst/>
+                <a:latin typeface="+mn-lt"/>
+                <a:ea typeface="+mn-ea"/>
+                <a:cs typeface="+mn-cs"/>
+              </a:rPr>
+              <a:t>JTA</a:t>
+            </a:r>
+            <a:r>
+              <a:rPr lang="zh-CN" altLang="en-US" sz="1200" b="0" i="0" kern="1200" dirty="0">
+                <a:solidFill>
+                  <a:schemeClr val="tx1"/>
+                </a:solidFill>
+                <a:effectLst/>
+                <a:latin typeface="+mn-lt"/>
+                <a:ea typeface="+mn-ea"/>
+                <a:cs typeface="+mn-cs"/>
+              </a:rPr>
+              <a:t>操作，</a:t>
+            </a:r>
+            <a:r>
+              <a:rPr lang="en-US" altLang="zh-CN" sz="1200" b="0" i="0" kern="1200" dirty="0">
+                <a:solidFill>
+                  <a:schemeClr val="tx1"/>
+                </a:solidFill>
+                <a:effectLst/>
+                <a:latin typeface="+mn-lt"/>
+                <a:ea typeface="+mn-ea"/>
+                <a:cs typeface="+mn-cs"/>
+              </a:rPr>
+              <a:t>JTA</a:t>
+            </a:r>
+            <a:r>
+              <a:rPr lang="zh-CN" altLang="en-US" sz="1200" b="0" i="0" kern="1200" dirty="0">
+                <a:solidFill>
+                  <a:schemeClr val="tx1"/>
+                </a:solidFill>
+                <a:effectLst/>
+                <a:latin typeface="+mn-lt"/>
+                <a:ea typeface="+mn-ea"/>
+                <a:cs typeface="+mn-cs"/>
+              </a:rPr>
+              <a:t>对</a:t>
+            </a:r>
+            <a:r>
+              <a:rPr lang="en-US" altLang="zh-CN" sz="1200" b="0" i="0" kern="1200" dirty="0" err="1">
+                <a:solidFill>
+                  <a:schemeClr val="tx1"/>
+                </a:solidFill>
+                <a:effectLst/>
+                <a:latin typeface="+mn-lt"/>
+                <a:ea typeface="+mn-ea"/>
+                <a:cs typeface="+mn-cs"/>
+              </a:rPr>
+              <a:t>DataSource</a:t>
+            </a:r>
+            <a:r>
+              <a:rPr lang="zh-CN" altLang="en-US" sz="1200" b="0" i="0" kern="1200" dirty="0">
+                <a:solidFill>
+                  <a:schemeClr val="tx1"/>
+                </a:solidFill>
+                <a:effectLst/>
+                <a:latin typeface="+mn-lt"/>
+                <a:ea typeface="+mn-ea"/>
+                <a:cs typeface="+mn-cs"/>
+              </a:rPr>
+              <a:t>、</a:t>
+            </a:r>
+            <a:r>
+              <a:rPr lang="en-US" altLang="zh-CN" sz="1200" b="0" i="0" kern="1200" dirty="0">
+                <a:solidFill>
+                  <a:schemeClr val="tx1"/>
+                </a:solidFill>
+                <a:effectLst/>
+                <a:latin typeface="+mn-lt"/>
+                <a:ea typeface="+mn-ea"/>
+                <a:cs typeface="+mn-cs"/>
+              </a:rPr>
+              <a:t>Connection</a:t>
+            </a:r>
+            <a:r>
+              <a:rPr lang="zh-CN" altLang="en-US" sz="1200" b="0" i="0" kern="1200" dirty="0">
+                <a:solidFill>
+                  <a:schemeClr val="tx1"/>
+                </a:solidFill>
+                <a:effectLst/>
+                <a:latin typeface="+mn-lt"/>
+                <a:ea typeface="+mn-ea"/>
+                <a:cs typeface="+mn-cs"/>
+              </a:rPr>
+              <a:t>和</a:t>
+            </a:r>
+            <a:r>
+              <a:rPr lang="en-US" altLang="zh-CN" sz="1200" b="0" i="0" kern="1200" dirty="0">
+                <a:solidFill>
+                  <a:schemeClr val="tx1"/>
+                </a:solidFill>
+                <a:effectLst/>
+                <a:latin typeface="+mn-lt"/>
+                <a:ea typeface="+mn-ea"/>
+                <a:cs typeface="+mn-cs"/>
+              </a:rPr>
+              <a:t>Resource </a:t>
+            </a:r>
+            <a:r>
+              <a:rPr lang="zh-CN" altLang="en-US" sz="1200" b="0" i="0" kern="1200" dirty="0">
+                <a:solidFill>
+                  <a:schemeClr val="tx1"/>
+                </a:solidFill>
+                <a:effectLst/>
+                <a:latin typeface="+mn-lt"/>
+                <a:ea typeface="+mn-ea"/>
+                <a:cs typeface="+mn-cs"/>
+              </a:rPr>
+              <a:t>都是有要求的，只有符合</a:t>
+            </a:r>
+            <a:r>
+              <a:rPr lang="en-US" altLang="zh-CN" sz="1200" b="0" i="0" u="sng" kern="1200" dirty="0">
+                <a:solidFill>
+                  <a:schemeClr val="tx1"/>
+                </a:solidFill>
+                <a:effectLst/>
+                <a:latin typeface="+mn-lt"/>
+                <a:ea typeface="+mn-ea"/>
+                <a:cs typeface="+mn-cs"/>
+                <a:hlinkClick r:id="rId3"/>
+              </a:rPr>
+              <a:t>XA</a:t>
+            </a:r>
+            <a:r>
+              <a:rPr lang="zh-CN" altLang="en-US" sz="1200" b="0" i="0" u="sng" kern="1200" dirty="0">
+                <a:solidFill>
+                  <a:schemeClr val="tx1"/>
+                </a:solidFill>
+                <a:effectLst/>
+                <a:latin typeface="+mn-lt"/>
+                <a:ea typeface="+mn-ea"/>
+                <a:cs typeface="+mn-cs"/>
+                <a:hlinkClick r:id="rId3"/>
+              </a:rPr>
+              <a:t>规范</a:t>
+            </a:r>
+            <a:r>
+              <a:rPr lang="zh-CN" altLang="en-US" sz="1200" b="0" i="0" kern="1200" dirty="0">
+                <a:solidFill>
+                  <a:schemeClr val="tx1"/>
+                </a:solidFill>
+                <a:effectLst/>
+                <a:latin typeface="+mn-lt"/>
+                <a:ea typeface="+mn-ea"/>
+                <a:cs typeface="+mn-cs"/>
+              </a:rPr>
+              <a:t>，并且实现了</a:t>
+            </a:r>
+            <a:r>
+              <a:rPr lang="en-US" altLang="zh-CN" sz="1200" b="0" i="0" kern="1200" dirty="0">
+                <a:solidFill>
+                  <a:schemeClr val="tx1"/>
+                </a:solidFill>
+                <a:effectLst/>
+                <a:latin typeface="+mn-lt"/>
+                <a:ea typeface="+mn-ea"/>
+                <a:cs typeface="+mn-cs"/>
+              </a:rPr>
+              <a:t>XA</a:t>
+            </a:r>
+            <a:r>
+              <a:rPr lang="zh-CN" altLang="en-US" sz="1200" b="0" i="0" kern="1200" dirty="0">
+                <a:solidFill>
+                  <a:schemeClr val="tx1"/>
+                </a:solidFill>
+                <a:effectLst/>
+                <a:latin typeface="+mn-lt"/>
+                <a:ea typeface="+mn-ea"/>
+                <a:cs typeface="+mn-cs"/>
+              </a:rPr>
+              <a:t>规范的相关接口的类才能参与到</a:t>
+            </a:r>
+            <a:r>
+              <a:rPr lang="en-US" altLang="zh-CN" sz="1200" b="0" i="0" kern="1200" dirty="0">
+                <a:solidFill>
+                  <a:schemeClr val="tx1"/>
+                </a:solidFill>
+                <a:effectLst/>
+                <a:latin typeface="+mn-lt"/>
+                <a:ea typeface="+mn-ea"/>
+                <a:cs typeface="+mn-cs"/>
+              </a:rPr>
+              <a:t>JTA</a:t>
+            </a:r>
+            <a:r>
+              <a:rPr lang="zh-CN" altLang="en-US" sz="1200" b="0" i="0" kern="1200" dirty="0">
+                <a:solidFill>
+                  <a:schemeClr val="tx1"/>
+                </a:solidFill>
+                <a:effectLst/>
+                <a:latin typeface="+mn-lt"/>
+                <a:ea typeface="+mn-ea"/>
+                <a:cs typeface="+mn-cs"/>
+              </a:rPr>
+              <a:t>事务中来，关于</a:t>
+            </a:r>
+            <a:r>
+              <a:rPr lang="en-US" altLang="zh-CN" sz="1200" b="0" i="0" kern="1200" dirty="0">
+                <a:solidFill>
+                  <a:schemeClr val="tx1"/>
+                </a:solidFill>
+                <a:effectLst/>
+                <a:latin typeface="+mn-lt"/>
+                <a:ea typeface="+mn-ea"/>
+                <a:cs typeface="+mn-cs"/>
+              </a:rPr>
+              <a:t>XA</a:t>
+            </a:r>
+            <a:r>
+              <a:rPr lang="zh-CN" altLang="en-US" sz="1200" b="0" i="0" kern="1200" dirty="0">
+                <a:solidFill>
+                  <a:schemeClr val="tx1"/>
+                </a:solidFill>
+                <a:effectLst/>
+                <a:latin typeface="+mn-lt"/>
+                <a:ea typeface="+mn-ea"/>
+                <a:cs typeface="+mn-cs"/>
+              </a:rPr>
+              <a:t>规范，请看我的另外一篇文章中有相关介绍。这里，提一句，目前主流的数据库都支持</a:t>
+            </a:r>
+            <a:r>
+              <a:rPr lang="en-US" altLang="zh-CN" sz="1200" b="0" i="0" kern="1200" dirty="0">
+                <a:solidFill>
+                  <a:schemeClr val="tx1"/>
+                </a:solidFill>
+                <a:effectLst/>
+                <a:latin typeface="+mn-lt"/>
+                <a:ea typeface="+mn-ea"/>
+                <a:cs typeface="+mn-cs"/>
+              </a:rPr>
+              <a:t>XA</a:t>
+            </a:r>
+            <a:r>
+              <a:rPr lang="zh-CN" altLang="en-US" sz="1200" b="0" i="0" kern="1200" dirty="0">
+                <a:solidFill>
+                  <a:schemeClr val="tx1"/>
+                </a:solidFill>
+                <a:effectLst/>
+                <a:latin typeface="+mn-lt"/>
+                <a:ea typeface="+mn-ea"/>
+                <a:cs typeface="+mn-cs"/>
+              </a:rPr>
+              <a:t>规范。</a:t>
+            </a:r>
+            <a:endParaRPr lang="zh-CN" altLang="en-US" dirty="0"/>
+          </a:p>
+          <a:p>
+            <a:endParaRPr lang="en-US" altLang="zh-CN" sz="1200" b="0" i="0" kern="1200" dirty="0">
+              <a:solidFill>
+                <a:schemeClr val="tx1"/>
+              </a:solidFill>
+              <a:effectLst/>
+              <a:latin typeface="+mn-lt"/>
+              <a:ea typeface="+mn-ea"/>
+              <a:cs typeface="+mn-cs"/>
+            </a:endParaRPr>
+          </a:p>
+          <a:p>
+            <a:endParaRPr lang="en-US" altLang="zh-CN" sz="1200" b="0" i="0" kern="1200" dirty="0">
+              <a:solidFill>
+                <a:schemeClr val="tx1"/>
+              </a:solidFill>
+              <a:effectLst/>
+              <a:latin typeface="+mn-lt"/>
+              <a:ea typeface="+mn-ea"/>
+              <a:cs typeface="+mn-cs"/>
+            </a:endParaRPr>
+          </a:p>
+          <a:p>
+            <a:r>
+              <a:rPr lang="zh-CN" altLang="en-US" sz="1200" b="0" i="0" kern="1200" dirty="0">
+                <a:solidFill>
+                  <a:schemeClr val="tx1"/>
+                </a:solidFill>
+                <a:effectLst/>
+                <a:latin typeface="+mn-lt"/>
+                <a:ea typeface="+mn-ea"/>
+                <a:cs typeface="+mn-cs"/>
+              </a:rPr>
+              <a:t>要想使用用 </a:t>
+            </a:r>
+            <a:r>
+              <a:rPr lang="en-US" altLang="zh-CN" sz="1200" b="0" i="0" kern="1200" dirty="0">
+                <a:solidFill>
+                  <a:schemeClr val="tx1"/>
+                </a:solidFill>
+                <a:effectLst/>
+                <a:latin typeface="+mn-lt"/>
+                <a:ea typeface="+mn-ea"/>
+                <a:cs typeface="+mn-cs"/>
+              </a:rPr>
+              <a:t>JTA </a:t>
+            </a:r>
+            <a:r>
+              <a:rPr lang="zh-CN" altLang="en-US" sz="1200" b="0" i="0" kern="1200" dirty="0">
+                <a:solidFill>
+                  <a:schemeClr val="tx1"/>
+                </a:solidFill>
+                <a:effectLst/>
+                <a:latin typeface="+mn-lt"/>
+                <a:ea typeface="+mn-ea"/>
+                <a:cs typeface="+mn-cs"/>
+              </a:rPr>
+              <a:t>事务，那么就需要有一个实现 </a:t>
+            </a:r>
+            <a:r>
+              <a:rPr lang="en-US" altLang="zh-CN" sz="1200" b="0" i="0" kern="1200" dirty="0" err="1">
+                <a:solidFill>
+                  <a:schemeClr val="tx1"/>
+                </a:solidFill>
+                <a:effectLst/>
+                <a:latin typeface="+mn-lt"/>
+                <a:ea typeface="+mn-ea"/>
+                <a:cs typeface="+mn-cs"/>
+              </a:rPr>
+              <a:t>javax.sql.XADataSource</a:t>
+            </a:r>
+            <a:r>
+              <a:rPr lang="en-US" altLang="zh-CN" sz="1200" b="0" i="0" kern="1200" dirty="0">
+                <a:solidFill>
+                  <a:schemeClr val="tx1"/>
+                </a:solidFill>
+                <a:effectLst/>
+                <a:latin typeface="+mn-lt"/>
+                <a:ea typeface="+mn-ea"/>
+                <a:cs typeface="+mn-cs"/>
+              </a:rPr>
+              <a:t> </a:t>
+            </a:r>
+            <a:r>
+              <a:rPr lang="zh-CN" altLang="en-US" sz="1200" b="0" i="0" kern="1200" dirty="0">
+                <a:solidFill>
+                  <a:schemeClr val="tx1"/>
+                </a:solidFill>
+                <a:effectLst/>
+                <a:latin typeface="+mn-lt"/>
+                <a:ea typeface="+mn-ea"/>
+                <a:cs typeface="+mn-cs"/>
+              </a:rPr>
+              <a:t>、 </a:t>
+            </a:r>
+            <a:r>
+              <a:rPr lang="en-US" altLang="zh-CN" sz="1200" b="0" i="0" kern="1200" dirty="0" err="1">
+                <a:solidFill>
+                  <a:schemeClr val="tx1"/>
+                </a:solidFill>
+                <a:effectLst/>
+                <a:latin typeface="+mn-lt"/>
+                <a:ea typeface="+mn-ea"/>
+                <a:cs typeface="+mn-cs"/>
+              </a:rPr>
+              <a:t>javax.sql.XAConnection</a:t>
+            </a:r>
+            <a:r>
+              <a:rPr lang="en-US" altLang="zh-CN" sz="1200" b="0" i="0" kern="1200" dirty="0">
+                <a:solidFill>
+                  <a:schemeClr val="tx1"/>
+                </a:solidFill>
+                <a:effectLst/>
+                <a:latin typeface="+mn-lt"/>
+                <a:ea typeface="+mn-ea"/>
+                <a:cs typeface="+mn-cs"/>
+              </a:rPr>
+              <a:t> </a:t>
+            </a:r>
+            <a:r>
+              <a:rPr lang="zh-CN" altLang="en-US" sz="1200" b="0" i="0" kern="1200" dirty="0">
+                <a:solidFill>
+                  <a:schemeClr val="tx1"/>
+                </a:solidFill>
+                <a:effectLst/>
+                <a:latin typeface="+mn-lt"/>
+                <a:ea typeface="+mn-ea"/>
+                <a:cs typeface="+mn-cs"/>
+              </a:rPr>
+              <a:t>和 </a:t>
+            </a:r>
+            <a:r>
+              <a:rPr lang="en-US" altLang="zh-CN" sz="1200" b="0" i="0" kern="1200" dirty="0" err="1">
+                <a:solidFill>
+                  <a:schemeClr val="tx1"/>
+                </a:solidFill>
+                <a:effectLst/>
+                <a:latin typeface="+mn-lt"/>
+                <a:ea typeface="+mn-ea"/>
+                <a:cs typeface="+mn-cs"/>
+              </a:rPr>
+              <a:t>javax.sql.XAResource</a:t>
+            </a:r>
+            <a:r>
+              <a:rPr lang="en-US" altLang="zh-CN" sz="1200" b="0" i="0" kern="1200" dirty="0">
+                <a:solidFill>
+                  <a:schemeClr val="tx1"/>
+                </a:solidFill>
+                <a:effectLst/>
+                <a:latin typeface="+mn-lt"/>
+                <a:ea typeface="+mn-ea"/>
+                <a:cs typeface="+mn-cs"/>
+              </a:rPr>
+              <a:t> </a:t>
+            </a:r>
+            <a:r>
+              <a:rPr lang="zh-CN" altLang="en-US" sz="1200" b="0" i="0" kern="1200" dirty="0">
+                <a:solidFill>
+                  <a:schemeClr val="tx1"/>
+                </a:solidFill>
+                <a:effectLst/>
+                <a:latin typeface="+mn-lt"/>
+                <a:ea typeface="+mn-ea"/>
+                <a:cs typeface="+mn-cs"/>
+              </a:rPr>
+              <a:t>接口的 </a:t>
+            </a:r>
+            <a:r>
+              <a:rPr lang="en-US" altLang="zh-CN" sz="1200" b="0" i="0" kern="1200" dirty="0">
+                <a:solidFill>
+                  <a:schemeClr val="tx1"/>
+                </a:solidFill>
+                <a:effectLst/>
+                <a:latin typeface="+mn-lt"/>
+                <a:ea typeface="+mn-ea"/>
+                <a:cs typeface="+mn-cs"/>
+              </a:rPr>
+              <a:t>JDBC </a:t>
+            </a:r>
+            <a:r>
+              <a:rPr lang="zh-CN" altLang="en-US" sz="1200" b="0" i="0" kern="1200" dirty="0">
+                <a:solidFill>
+                  <a:schemeClr val="tx1"/>
+                </a:solidFill>
+                <a:effectLst/>
+                <a:latin typeface="+mn-lt"/>
+                <a:ea typeface="+mn-ea"/>
+                <a:cs typeface="+mn-cs"/>
+              </a:rPr>
+              <a:t>驱动程序。一个实现了这些接口的驱动程序将可以参与 </a:t>
+            </a:r>
+            <a:r>
+              <a:rPr lang="en-US" altLang="zh-CN" sz="1200" b="0" i="0" kern="1200" dirty="0">
+                <a:solidFill>
+                  <a:schemeClr val="tx1"/>
+                </a:solidFill>
+                <a:effectLst/>
+                <a:latin typeface="+mn-lt"/>
+                <a:ea typeface="+mn-ea"/>
+                <a:cs typeface="+mn-cs"/>
+              </a:rPr>
+              <a:t>JTA </a:t>
+            </a:r>
+            <a:r>
+              <a:rPr lang="zh-CN" altLang="en-US" sz="1200" b="0" i="0" kern="1200" dirty="0">
+                <a:solidFill>
+                  <a:schemeClr val="tx1"/>
+                </a:solidFill>
+                <a:effectLst/>
+                <a:latin typeface="+mn-lt"/>
+                <a:ea typeface="+mn-ea"/>
+                <a:cs typeface="+mn-cs"/>
+              </a:rPr>
+              <a:t>事务。一个 </a:t>
+            </a:r>
+            <a:r>
+              <a:rPr lang="en-US" altLang="zh-CN" sz="1200" b="0" i="0" kern="1200" dirty="0" err="1">
+                <a:solidFill>
+                  <a:schemeClr val="tx1"/>
+                </a:solidFill>
+                <a:effectLst/>
+                <a:latin typeface="+mn-lt"/>
+                <a:ea typeface="+mn-ea"/>
+                <a:cs typeface="+mn-cs"/>
+              </a:rPr>
+              <a:t>XADataSource</a:t>
+            </a:r>
+            <a:r>
+              <a:rPr lang="en-US" altLang="zh-CN" sz="1200" b="0" i="0" kern="1200" dirty="0">
+                <a:solidFill>
+                  <a:schemeClr val="tx1"/>
+                </a:solidFill>
+                <a:effectLst/>
+                <a:latin typeface="+mn-lt"/>
+                <a:ea typeface="+mn-ea"/>
+                <a:cs typeface="+mn-cs"/>
+              </a:rPr>
+              <a:t> </a:t>
+            </a:r>
+            <a:r>
+              <a:rPr lang="zh-CN" altLang="en-US" sz="1200" b="0" i="0" kern="1200" dirty="0">
+                <a:solidFill>
+                  <a:schemeClr val="tx1"/>
+                </a:solidFill>
+                <a:effectLst/>
+                <a:latin typeface="+mn-lt"/>
+                <a:ea typeface="+mn-ea"/>
+                <a:cs typeface="+mn-cs"/>
+              </a:rPr>
+              <a:t>对象就是一个 </a:t>
+            </a:r>
+            <a:r>
+              <a:rPr lang="en-US" altLang="zh-CN" sz="1200" b="0" i="0" kern="1200" dirty="0" err="1">
+                <a:solidFill>
+                  <a:schemeClr val="tx1"/>
+                </a:solidFill>
+                <a:effectLst/>
+                <a:latin typeface="+mn-lt"/>
+                <a:ea typeface="+mn-ea"/>
+                <a:cs typeface="+mn-cs"/>
+              </a:rPr>
+              <a:t>XAConnection</a:t>
+            </a:r>
+            <a:r>
+              <a:rPr lang="en-US" altLang="zh-CN" sz="1200" b="0" i="0" kern="1200" dirty="0">
+                <a:solidFill>
+                  <a:schemeClr val="tx1"/>
+                </a:solidFill>
+                <a:effectLst/>
+                <a:latin typeface="+mn-lt"/>
+                <a:ea typeface="+mn-ea"/>
+                <a:cs typeface="+mn-cs"/>
+              </a:rPr>
+              <a:t> </a:t>
+            </a:r>
+            <a:r>
+              <a:rPr lang="zh-CN" altLang="en-US" sz="1200" b="0" i="0" kern="1200" dirty="0">
+                <a:solidFill>
+                  <a:schemeClr val="tx1"/>
+                </a:solidFill>
+                <a:effectLst/>
+                <a:latin typeface="+mn-lt"/>
+                <a:ea typeface="+mn-ea"/>
+                <a:cs typeface="+mn-cs"/>
+              </a:rPr>
+              <a:t>对象的工厂。</a:t>
+            </a:r>
+            <a:r>
+              <a:rPr lang="en-US" altLang="zh-CN" sz="1200" b="0" i="0" kern="1200" dirty="0" err="1">
+                <a:solidFill>
+                  <a:schemeClr val="tx1"/>
+                </a:solidFill>
+                <a:effectLst/>
+                <a:latin typeface="+mn-lt"/>
+                <a:ea typeface="+mn-ea"/>
+                <a:cs typeface="+mn-cs"/>
+              </a:rPr>
+              <a:t>XAConnection</a:t>
+            </a:r>
+            <a:r>
+              <a:rPr lang="en-US" altLang="zh-CN" sz="1200" b="0" i="0" kern="1200" dirty="0">
+                <a:solidFill>
+                  <a:schemeClr val="tx1"/>
+                </a:solidFill>
+                <a:effectLst/>
+                <a:latin typeface="+mn-lt"/>
+                <a:ea typeface="+mn-ea"/>
+                <a:cs typeface="+mn-cs"/>
+              </a:rPr>
+              <a:t> </a:t>
+            </a:r>
+            <a:r>
+              <a:rPr lang="zh-CN" altLang="en-US" sz="1200" b="0" i="0" kern="1200" dirty="0">
+                <a:solidFill>
+                  <a:schemeClr val="tx1"/>
+                </a:solidFill>
+                <a:effectLst/>
+                <a:latin typeface="+mn-lt"/>
+                <a:ea typeface="+mn-ea"/>
+                <a:cs typeface="+mn-cs"/>
+              </a:rPr>
+              <a:t>是参与 </a:t>
+            </a:r>
+            <a:r>
+              <a:rPr lang="en-US" altLang="zh-CN" sz="1200" b="0" i="0" kern="1200" dirty="0">
+                <a:solidFill>
+                  <a:schemeClr val="tx1"/>
+                </a:solidFill>
+                <a:effectLst/>
+                <a:latin typeface="+mn-lt"/>
+                <a:ea typeface="+mn-ea"/>
+                <a:cs typeface="+mn-cs"/>
+              </a:rPr>
+              <a:t>JTA </a:t>
+            </a:r>
+            <a:r>
+              <a:rPr lang="zh-CN" altLang="en-US" sz="1200" b="0" i="0" kern="1200" dirty="0">
+                <a:solidFill>
+                  <a:schemeClr val="tx1"/>
+                </a:solidFill>
+                <a:effectLst/>
+                <a:latin typeface="+mn-lt"/>
+                <a:ea typeface="+mn-ea"/>
+                <a:cs typeface="+mn-cs"/>
+              </a:rPr>
+              <a:t>事务的 </a:t>
+            </a:r>
+            <a:r>
+              <a:rPr lang="en-US" altLang="zh-CN" sz="1200" b="0" i="0" kern="1200" dirty="0">
+                <a:solidFill>
+                  <a:schemeClr val="tx1"/>
+                </a:solidFill>
+                <a:effectLst/>
+                <a:latin typeface="+mn-lt"/>
+                <a:ea typeface="+mn-ea"/>
+                <a:cs typeface="+mn-cs"/>
+              </a:rPr>
+              <a:t>JDBC </a:t>
+            </a:r>
+            <a:r>
+              <a:rPr lang="zh-CN" altLang="en-US" sz="1200" b="0" i="0" kern="1200" dirty="0">
+                <a:solidFill>
+                  <a:schemeClr val="tx1"/>
+                </a:solidFill>
+                <a:effectLst/>
+                <a:latin typeface="+mn-lt"/>
+                <a:ea typeface="+mn-ea"/>
+                <a:cs typeface="+mn-cs"/>
+              </a:rPr>
+              <a:t>连接。</a:t>
+            </a:r>
+          </a:p>
+          <a:p>
+            <a:r>
+              <a:rPr lang="zh-CN" altLang="en-US" sz="1200" b="0" i="0" kern="1200" dirty="0">
+                <a:solidFill>
+                  <a:schemeClr val="tx1"/>
+                </a:solidFill>
+                <a:effectLst/>
+                <a:latin typeface="+mn-lt"/>
+                <a:ea typeface="+mn-ea"/>
+                <a:cs typeface="+mn-cs"/>
+              </a:rPr>
+              <a:t>要使用</a:t>
+            </a:r>
+            <a:r>
+              <a:rPr lang="en-US" altLang="zh-CN" sz="1200" b="0" i="0" kern="1200" dirty="0">
+                <a:solidFill>
+                  <a:schemeClr val="tx1"/>
+                </a:solidFill>
+                <a:effectLst/>
+                <a:latin typeface="+mn-lt"/>
+                <a:ea typeface="+mn-ea"/>
+                <a:cs typeface="+mn-cs"/>
+              </a:rPr>
+              <a:t>JTA</a:t>
+            </a:r>
+            <a:r>
+              <a:rPr lang="zh-CN" altLang="en-US" sz="1200" b="0" i="0" kern="1200" dirty="0">
+                <a:solidFill>
+                  <a:schemeClr val="tx1"/>
+                </a:solidFill>
+                <a:effectLst/>
+                <a:latin typeface="+mn-lt"/>
+                <a:ea typeface="+mn-ea"/>
+                <a:cs typeface="+mn-cs"/>
+              </a:rPr>
+              <a:t>事务，必须使用</a:t>
+            </a:r>
+            <a:r>
+              <a:rPr lang="en-US" altLang="zh-CN" sz="1200" b="0" i="0" kern="1200" dirty="0" err="1">
+                <a:solidFill>
+                  <a:schemeClr val="tx1"/>
+                </a:solidFill>
+                <a:effectLst/>
+                <a:latin typeface="+mn-lt"/>
+                <a:ea typeface="+mn-ea"/>
+                <a:cs typeface="+mn-cs"/>
+              </a:rPr>
+              <a:t>XADataSource</a:t>
+            </a:r>
+            <a:r>
+              <a:rPr lang="zh-CN" altLang="en-US" sz="1200" b="0" i="0" kern="1200" dirty="0">
+                <a:solidFill>
+                  <a:schemeClr val="tx1"/>
+                </a:solidFill>
+                <a:effectLst/>
+                <a:latin typeface="+mn-lt"/>
+                <a:ea typeface="+mn-ea"/>
+                <a:cs typeface="+mn-cs"/>
+              </a:rPr>
+              <a:t>来产生数据库连接，产生的连接为一个</a:t>
+            </a:r>
+            <a:r>
+              <a:rPr lang="en-US" altLang="zh-CN" sz="1200" b="0" i="0" kern="1200" dirty="0">
+                <a:solidFill>
+                  <a:schemeClr val="tx1"/>
+                </a:solidFill>
+                <a:effectLst/>
+                <a:latin typeface="+mn-lt"/>
+                <a:ea typeface="+mn-ea"/>
+                <a:cs typeface="+mn-cs"/>
+              </a:rPr>
+              <a:t>XA</a:t>
+            </a:r>
+            <a:r>
+              <a:rPr lang="zh-CN" altLang="en-US" sz="1200" b="0" i="0" kern="1200" dirty="0">
+                <a:solidFill>
+                  <a:schemeClr val="tx1"/>
+                </a:solidFill>
+                <a:effectLst/>
+                <a:latin typeface="+mn-lt"/>
+                <a:ea typeface="+mn-ea"/>
+                <a:cs typeface="+mn-cs"/>
+              </a:rPr>
+              <a:t>连接。</a:t>
+            </a:r>
+          </a:p>
+          <a:p>
+            <a:r>
+              <a:rPr lang="en-US" altLang="zh-CN" sz="1200" b="0" i="0" kern="1200" dirty="0">
+                <a:solidFill>
+                  <a:schemeClr val="tx1"/>
+                </a:solidFill>
+                <a:effectLst/>
+                <a:latin typeface="+mn-lt"/>
+                <a:ea typeface="+mn-ea"/>
+                <a:cs typeface="+mn-cs"/>
+              </a:rPr>
+              <a:t>XA</a:t>
+            </a:r>
+            <a:r>
+              <a:rPr lang="zh-CN" altLang="en-US" sz="1200" b="0" i="0" kern="1200" dirty="0">
+                <a:solidFill>
+                  <a:schemeClr val="tx1"/>
+                </a:solidFill>
+                <a:effectLst/>
+                <a:latin typeface="+mn-lt"/>
+                <a:ea typeface="+mn-ea"/>
+                <a:cs typeface="+mn-cs"/>
+              </a:rPr>
+              <a:t>连接（</a:t>
+            </a:r>
+            <a:r>
+              <a:rPr lang="en-US" altLang="zh-CN" sz="1200" b="0" i="0" kern="1200" dirty="0" err="1">
+                <a:solidFill>
+                  <a:schemeClr val="tx1"/>
+                </a:solidFill>
+                <a:effectLst/>
+                <a:latin typeface="+mn-lt"/>
+                <a:ea typeface="+mn-ea"/>
+                <a:cs typeface="+mn-cs"/>
+              </a:rPr>
+              <a:t>javax.sql.XAConnection</a:t>
+            </a:r>
+            <a:r>
+              <a:rPr lang="zh-CN" altLang="en-US" sz="1200" b="0" i="0" kern="1200" dirty="0">
+                <a:solidFill>
+                  <a:schemeClr val="tx1"/>
+                </a:solidFill>
+                <a:effectLst/>
+                <a:latin typeface="+mn-lt"/>
+                <a:ea typeface="+mn-ea"/>
+                <a:cs typeface="+mn-cs"/>
+              </a:rPr>
+              <a:t>）和非</a:t>
+            </a:r>
+            <a:r>
+              <a:rPr lang="en-US" altLang="zh-CN" sz="1200" b="0" i="0" kern="1200" dirty="0">
+                <a:solidFill>
+                  <a:schemeClr val="tx1"/>
+                </a:solidFill>
+                <a:effectLst/>
+                <a:latin typeface="+mn-lt"/>
+                <a:ea typeface="+mn-ea"/>
+                <a:cs typeface="+mn-cs"/>
+              </a:rPr>
+              <a:t>XA</a:t>
+            </a:r>
+            <a:r>
+              <a:rPr lang="zh-CN" altLang="en-US" sz="1200" b="0" i="0" kern="1200" dirty="0">
+                <a:solidFill>
+                  <a:schemeClr val="tx1"/>
+                </a:solidFill>
+                <a:effectLst/>
+                <a:latin typeface="+mn-lt"/>
+                <a:ea typeface="+mn-ea"/>
+                <a:cs typeface="+mn-cs"/>
+              </a:rPr>
+              <a:t>（</a:t>
+            </a:r>
+            <a:r>
+              <a:rPr lang="en-US" altLang="zh-CN" sz="1200" b="0" i="0" kern="1200" dirty="0" err="1">
+                <a:solidFill>
+                  <a:schemeClr val="tx1"/>
+                </a:solidFill>
+                <a:effectLst/>
+                <a:latin typeface="+mn-lt"/>
+                <a:ea typeface="+mn-ea"/>
+                <a:cs typeface="+mn-cs"/>
+              </a:rPr>
+              <a:t>java.sql.Connection</a:t>
+            </a:r>
+            <a:r>
+              <a:rPr lang="zh-CN" altLang="en-US" sz="1200" b="0" i="0" kern="1200" dirty="0">
+                <a:solidFill>
+                  <a:schemeClr val="tx1"/>
+                </a:solidFill>
+                <a:effectLst/>
+                <a:latin typeface="+mn-lt"/>
+                <a:ea typeface="+mn-ea"/>
+                <a:cs typeface="+mn-cs"/>
+              </a:rPr>
+              <a:t>）连接的区别在于：</a:t>
+            </a:r>
+            <a:r>
+              <a:rPr lang="en-US" altLang="zh-CN" sz="1200" b="0" i="0" kern="1200" dirty="0">
+                <a:solidFill>
+                  <a:schemeClr val="tx1"/>
+                </a:solidFill>
+                <a:effectLst/>
+                <a:latin typeface="+mn-lt"/>
+                <a:ea typeface="+mn-ea"/>
+                <a:cs typeface="+mn-cs"/>
+              </a:rPr>
+              <a:t>XA</a:t>
+            </a:r>
+            <a:r>
+              <a:rPr lang="zh-CN" altLang="en-US" sz="1200" b="0" i="0" kern="1200" dirty="0">
+                <a:solidFill>
+                  <a:schemeClr val="tx1"/>
+                </a:solidFill>
+                <a:effectLst/>
+                <a:latin typeface="+mn-lt"/>
+                <a:ea typeface="+mn-ea"/>
+                <a:cs typeface="+mn-cs"/>
+              </a:rPr>
+              <a:t>可以参与</a:t>
+            </a:r>
+            <a:r>
+              <a:rPr lang="en-US" altLang="zh-CN" sz="1200" b="0" i="0" kern="1200" dirty="0">
+                <a:solidFill>
+                  <a:schemeClr val="tx1"/>
+                </a:solidFill>
+                <a:effectLst/>
+                <a:latin typeface="+mn-lt"/>
+                <a:ea typeface="+mn-ea"/>
+                <a:cs typeface="+mn-cs"/>
+              </a:rPr>
+              <a:t>JTA</a:t>
+            </a:r>
+            <a:r>
+              <a:rPr lang="zh-CN" altLang="en-US" sz="1200" b="0" i="0" kern="1200" dirty="0">
+                <a:solidFill>
+                  <a:schemeClr val="tx1"/>
+                </a:solidFill>
+                <a:effectLst/>
+                <a:latin typeface="+mn-lt"/>
+                <a:ea typeface="+mn-ea"/>
+                <a:cs typeface="+mn-cs"/>
+              </a:rPr>
+              <a:t>的事务，而且不支持自动提交。</a:t>
+            </a:r>
+          </a:p>
+          <a:p>
+            <a:endParaRPr lang="en-US" altLang="zh-CN" sz="1200" b="0" i="0" kern="1200" dirty="0">
+              <a:solidFill>
+                <a:schemeClr val="tx1"/>
+              </a:solidFill>
+              <a:effectLst/>
+              <a:latin typeface="+mn-lt"/>
+              <a:ea typeface="+mn-ea"/>
+              <a:cs typeface="+mn-cs"/>
+            </a:endParaRPr>
+          </a:p>
+        </p:txBody>
+      </p:sp>
+      <p:sp>
+        <p:nvSpPr>
+          <p:cNvPr id="4" name="Slide Number Placeholder 3"/>
+          <p:cNvSpPr>
+            <a:spLocks noGrp="1"/>
+          </p:cNvSpPr>
+          <p:nvPr>
+            <p:ph type="sldNum" sz="quarter" idx="10"/>
+          </p:nvPr>
+        </p:nvSpPr>
+        <p:spPr/>
+        <p:txBody>
+          <a:bodyPr/>
+          <a:lstStyle/>
+          <a:p>
+            <a:fld id="{30936462-658F-4E41-8C6E-2EAB7E357587}" type="slidenum">
+              <a:rPr lang="zh-CN" altLang="en-US" smtClean="0"/>
+              <a:t>15</a:t>
+            </a:fld>
+            <a:endParaRPr lang="zh-CN" altLang="en-US"/>
+          </a:p>
+        </p:txBody>
+      </p:sp>
+    </p:spTree>
+    <p:extLst>
+      <p:ext uri="{BB962C8B-B14F-4D97-AF65-F5344CB8AC3E}">
+        <p14:creationId xmlns:p14="http://schemas.microsoft.com/office/powerpoint/2010/main" val="1717822762"/>
+      </p:ext>
+    </p:extLst>
+  </p:cSld>
+  <p:clrMapOvr>
+    <a:masterClrMapping/>
+  </p:clrMapOvr>
+</p:notes>
+</file>
+
+<file path=ppt/notesSlides/notesSlide11.xml><?xml version="1.0" encoding="utf-8"?>
+<p:notes xmlns:a="http://schemas.openxmlformats.org/drawingml/2006/main" xmlns:r="http://schemas.openxmlformats.org/officeDocument/2006/relationships" xmlns:p="http://schemas.openxmlformats.org/presentationml/2006/main">
+  <p:cSld>
+    <p:spTree>
+      <p:nvGrpSpPr>
+        <p:cNvPr id="1" name=""/>
+        <p:cNvGrpSpPr/>
+        <p:nvPr/>
+      </p:nvGrpSpPr>
+      <p:grpSpPr>
+        <a:xfrm>
+          <a:off x="0" y="0"/>
+          <a:ext cx="0" cy="0"/>
+          <a:chOff x="0" y="0"/>
+          <a:chExt cx="0" cy="0"/>
+        </a:xfrm>
+      </p:grpSpPr>
+      <p:sp>
+        <p:nvSpPr>
+          <p:cNvPr id="2" name="Slide Image Placeholder 1"/>
+          <p:cNvSpPr>
+            <a:spLocks noGrp="1" noRot="1" noChangeAspect="1"/>
+          </p:cNvSpPr>
+          <p:nvPr>
+            <p:ph type="sldImg"/>
+          </p:nvPr>
+        </p:nvSpPr>
+        <p:spPr/>
+      </p:sp>
+      <p:sp>
+        <p:nvSpPr>
+          <p:cNvPr id="3" name="Notes Placeholder 2"/>
+          <p:cNvSpPr>
+            <a:spLocks noGrp="1"/>
+          </p:cNvSpPr>
+          <p:nvPr>
+            <p:ph type="body" idx="1"/>
+          </p:nvPr>
+        </p:nvSpPr>
+        <p:spPr/>
+        <p:txBody>
+          <a:bodyPr/>
+          <a:lstStyle/>
+          <a:p>
+            <a:r>
+              <a:rPr lang="zh-CN" altLang="en-US" dirty="0"/>
+              <a:t>通常情况下，</a:t>
+            </a:r>
+            <a:r>
+              <a:rPr lang="en-US" altLang="zh-CN" dirty="0"/>
+              <a:t>JTA </a:t>
+            </a:r>
+            <a:r>
+              <a:rPr lang="en-US" altLang="zh-CN" dirty="0" err="1"/>
+              <a:t>UserTransaction</a:t>
+            </a:r>
+            <a:r>
+              <a:rPr lang="zh-CN" altLang="en-US" dirty="0"/>
+              <a:t>需要从</a:t>
+            </a:r>
+            <a:r>
+              <a:rPr lang="en-US" altLang="zh-CN" dirty="0"/>
+              <a:t>JNDI</a:t>
+            </a:r>
+            <a:r>
+              <a:rPr lang="zh-CN" altLang="en-US" dirty="0"/>
+              <a:t>获取。这意味着，如果我们使用</a:t>
+            </a:r>
+            <a:r>
+              <a:rPr lang="en-US" altLang="zh-CN" dirty="0"/>
+              <a:t>JTA</a:t>
+            </a:r>
+            <a:r>
+              <a:rPr lang="zh-CN" altLang="en-US" dirty="0"/>
+              <a:t>，就需要同时使用</a:t>
+            </a:r>
+            <a:r>
+              <a:rPr lang="en-US" altLang="zh-CN" dirty="0"/>
+              <a:t>JTA</a:t>
+            </a:r>
+            <a:r>
+              <a:rPr lang="zh-CN" altLang="en-US" dirty="0"/>
+              <a:t>和</a:t>
+            </a:r>
+            <a:r>
+              <a:rPr lang="en-US" altLang="zh-CN" dirty="0"/>
+              <a:t>JNDI</a:t>
+            </a:r>
+            <a:r>
+              <a:rPr lang="zh-CN" altLang="en-US" dirty="0"/>
+              <a:t>。</a:t>
+            </a:r>
+          </a:p>
+          <a:p>
+            <a:r>
+              <a:rPr lang="en-US" altLang="zh-CN" dirty="0"/>
+              <a:t>JTA</a:t>
+            </a:r>
+            <a:r>
+              <a:rPr lang="zh-CN" altLang="en-US" dirty="0"/>
+              <a:t>本身就是个笨重的</a:t>
+            </a:r>
+            <a:r>
+              <a:rPr lang="en-US" altLang="zh-CN" dirty="0"/>
+              <a:t>API</a:t>
+            </a:r>
+          </a:p>
+          <a:p>
+            <a:r>
+              <a:rPr lang="zh-CN" altLang="en-US" dirty="0"/>
+              <a:t>通常</a:t>
+            </a:r>
+            <a:r>
+              <a:rPr lang="en-US" altLang="zh-CN" dirty="0"/>
+              <a:t>JTA</a:t>
+            </a:r>
+            <a:r>
+              <a:rPr lang="zh-CN" altLang="en-US" dirty="0"/>
+              <a:t>只能在应用服务器环境下使用，因此使用</a:t>
+            </a:r>
+            <a:r>
+              <a:rPr lang="en-US" altLang="zh-CN" dirty="0"/>
+              <a:t>JTA</a:t>
+            </a:r>
+            <a:r>
+              <a:rPr lang="zh-CN" altLang="en-US" dirty="0"/>
+              <a:t>会限制代码的复用性。</a:t>
+            </a:r>
+          </a:p>
+          <a:p>
+            <a:endParaRPr lang="en-US" altLang="zh-CN" dirty="0"/>
+          </a:p>
+          <a:p>
+            <a:endParaRPr lang="en-US" altLang="zh-CN" dirty="0"/>
+          </a:p>
+          <a:p>
+            <a:r>
+              <a:rPr lang="en-US" altLang="zh-CN" sz="1200" b="0" i="0" kern="1200" dirty="0">
+                <a:solidFill>
+                  <a:schemeClr val="tx1"/>
+                </a:solidFill>
+                <a:effectLst/>
+                <a:latin typeface="+mn-lt"/>
+                <a:ea typeface="+mn-ea"/>
+                <a:cs typeface="+mn-cs"/>
+              </a:rPr>
+              <a:t>Java</a:t>
+            </a:r>
+            <a:r>
+              <a:rPr lang="zh-CN" altLang="en-US" sz="1200" b="0" i="0" kern="1200" dirty="0">
+                <a:solidFill>
+                  <a:schemeClr val="tx1"/>
+                </a:solidFill>
+                <a:effectLst/>
+                <a:latin typeface="+mn-lt"/>
+                <a:ea typeface="+mn-ea"/>
+                <a:cs typeface="+mn-cs"/>
+              </a:rPr>
+              <a:t>事务的类型有三种：</a:t>
+            </a:r>
+            <a:r>
+              <a:rPr lang="en-US" altLang="zh-CN" dirty="0"/>
+              <a:t>JDBC</a:t>
+            </a:r>
+            <a:r>
+              <a:rPr lang="zh-CN" altLang="en-US" dirty="0"/>
+              <a:t>事务</a:t>
+            </a:r>
+            <a:r>
+              <a:rPr lang="zh-CN" altLang="en-US" sz="1200" b="0" i="0" kern="1200" dirty="0">
+                <a:solidFill>
+                  <a:schemeClr val="tx1"/>
+                </a:solidFill>
+                <a:effectLst/>
+                <a:latin typeface="+mn-lt"/>
+                <a:ea typeface="+mn-ea"/>
+                <a:cs typeface="+mn-cs"/>
+              </a:rPr>
+              <a:t>、</a:t>
+            </a:r>
+            <a:r>
+              <a:rPr lang="en-US" altLang="zh-CN" dirty="0"/>
+              <a:t>JTA(Java Transaction API)</a:t>
+            </a:r>
+            <a:r>
+              <a:rPr lang="zh-CN" altLang="en-US" dirty="0"/>
+              <a:t>事务</a:t>
+            </a:r>
+            <a:r>
+              <a:rPr lang="zh-CN" altLang="en-US" sz="1200" b="0" i="0" kern="1200" dirty="0">
+                <a:solidFill>
+                  <a:schemeClr val="tx1"/>
+                </a:solidFill>
+                <a:effectLst/>
+                <a:latin typeface="+mn-lt"/>
+                <a:ea typeface="+mn-ea"/>
+                <a:cs typeface="+mn-cs"/>
+              </a:rPr>
+              <a:t>、</a:t>
+            </a:r>
+            <a:r>
+              <a:rPr lang="zh-CN" altLang="en-US" dirty="0"/>
+              <a:t>容器事务</a:t>
+            </a:r>
+            <a:r>
+              <a:rPr lang="zh-CN" altLang="en-US" sz="1200" b="0" i="0" kern="1200" dirty="0">
+                <a:solidFill>
+                  <a:schemeClr val="tx1"/>
+                </a:solidFill>
+                <a:effectLst/>
+                <a:latin typeface="+mn-lt"/>
+                <a:ea typeface="+mn-ea"/>
+                <a:cs typeface="+mn-cs"/>
+              </a:rPr>
+              <a:t>，其中</a:t>
+            </a:r>
+            <a:r>
+              <a:rPr lang="en-US" altLang="zh-CN" sz="1200" b="0" i="0" kern="1200" dirty="0">
+                <a:solidFill>
+                  <a:schemeClr val="tx1"/>
+                </a:solidFill>
+                <a:effectLst/>
+                <a:latin typeface="+mn-lt"/>
+                <a:ea typeface="+mn-ea"/>
+                <a:cs typeface="+mn-cs"/>
+              </a:rPr>
+              <a:t>JDBC</a:t>
+            </a:r>
+            <a:r>
+              <a:rPr lang="zh-CN" altLang="en-US" sz="1200" b="0" i="0" kern="1200" dirty="0">
+                <a:solidFill>
+                  <a:schemeClr val="tx1"/>
+                </a:solidFill>
+                <a:effectLst/>
+                <a:latin typeface="+mn-lt"/>
+                <a:ea typeface="+mn-ea"/>
+                <a:cs typeface="+mn-cs"/>
+              </a:rPr>
+              <a:t>的事务操作用法比较简单，适合于处理同一个数据源的操作。</a:t>
+            </a:r>
+            <a:r>
+              <a:rPr lang="en-US" altLang="zh-CN" sz="1200" b="0" i="0" kern="1200" dirty="0">
+                <a:solidFill>
+                  <a:schemeClr val="tx1"/>
+                </a:solidFill>
+                <a:effectLst/>
+                <a:latin typeface="+mn-lt"/>
+                <a:ea typeface="+mn-ea"/>
+                <a:cs typeface="+mn-cs"/>
+              </a:rPr>
+              <a:t>JTA</a:t>
+            </a:r>
+            <a:r>
+              <a:rPr lang="zh-CN" altLang="en-US" sz="1200" b="0" i="0" kern="1200" dirty="0">
+                <a:solidFill>
+                  <a:schemeClr val="tx1"/>
+                </a:solidFill>
+                <a:effectLst/>
+                <a:latin typeface="+mn-lt"/>
+                <a:ea typeface="+mn-ea"/>
+                <a:cs typeface="+mn-cs"/>
+              </a:rPr>
+              <a:t>事务相对复杂，可以用于处理跨多个数据库的事务，是分布式事务的一种解决方案。</a:t>
+            </a:r>
+            <a:endParaRPr lang="zh-CN" altLang="en-US" dirty="0"/>
+          </a:p>
+        </p:txBody>
+      </p:sp>
+      <p:sp>
+        <p:nvSpPr>
+          <p:cNvPr id="4" name="Slide Number Placeholder 3"/>
+          <p:cNvSpPr>
+            <a:spLocks noGrp="1"/>
+          </p:cNvSpPr>
+          <p:nvPr>
+            <p:ph type="sldNum" sz="quarter" idx="10"/>
+          </p:nvPr>
+        </p:nvSpPr>
+        <p:spPr/>
+        <p:txBody>
+          <a:bodyPr/>
+          <a:lstStyle/>
+          <a:p>
+            <a:fld id="{30936462-658F-4E41-8C6E-2EAB7E357587}" type="slidenum">
+              <a:rPr lang="zh-CN" altLang="en-US" smtClean="0"/>
+              <a:t>17</a:t>
+            </a:fld>
+            <a:endParaRPr lang="zh-CN" altLang="en-US"/>
+          </a:p>
+        </p:txBody>
+      </p:sp>
+    </p:spTree>
+    <p:extLst>
+      <p:ext uri="{BB962C8B-B14F-4D97-AF65-F5344CB8AC3E}">
+        <p14:creationId xmlns:p14="http://schemas.microsoft.com/office/powerpoint/2010/main" val="2968298311"/>
       </p:ext>
     </p:extLst>
   </p:cSld>
@@ -706,7 +2052,7 @@
       </p:grpSpPr>
       <p:sp>
         <p:nvSpPr>
-          <p:cNvPr id="2" name="Slide Image Placeholder 1"/>
+          <p:cNvPr id="2" name="幻灯片图像占位符 1"/>
           <p:cNvSpPr>
             <a:spLocks noGrp="1" noRot="1" noChangeAspect="1"/>
           </p:cNvSpPr>
@@ -718,7 +2064,7 @@
       </p:sp>
       <p:sp>
         <p:nvSpPr>
-          <p:cNvPr id="3" name="Notes Placeholder 2"/>
+          <p:cNvPr id="3" name="备注占位符 2"/>
           <p:cNvSpPr>
             <a:spLocks noGrp="1"/>
           </p:cNvSpPr>
@@ -731,13 +2077,816 @@
           <a:bodyPr/>
           <a:lstStyle/>
           <a:p>
+            <a:r>
+              <a:rPr lang="en-US" altLang="zh-CN" b="1" dirty="0" smtClean="0"/>
+              <a:t>1</a:t>
+            </a:r>
+            <a:r>
+              <a:rPr lang="zh-CN" altLang="en-US" b="1" dirty="0" smtClean="0"/>
+              <a:t>、</a:t>
+            </a:r>
+            <a:r>
+              <a:rPr lang="en-US" altLang="zh-CN" b="1" dirty="0" smtClean="0"/>
+              <a:t>&lt;</a:t>
+            </a:r>
+            <a:r>
+              <a:rPr lang="en-US" altLang="zh-CN" b="1" dirty="0" err="1" smtClean="0"/>
+              <a:t>tx:annotation-driven</a:t>
+            </a:r>
+            <a:r>
+              <a:rPr lang="en-US" altLang="zh-CN" b="1" dirty="0" smtClean="0"/>
+              <a:t>/&gt;</a:t>
+            </a:r>
+          </a:p>
+          <a:p>
+            <a:r>
+              <a:rPr lang="en-US" altLang="zh-CN" dirty="0" smtClean="0"/>
+              <a:t>transaction-manager</a:t>
+            </a:r>
+            <a:r>
+              <a:rPr lang="zh-CN" altLang="en-US" dirty="0" smtClean="0"/>
+              <a:t>：指定事务管理器名字，默认为</a:t>
+            </a:r>
+            <a:r>
+              <a:rPr lang="en-US" altLang="zh-CN" dirty="0" err="1" smtClean="0"/>
+              <a:t>transactionManager</a:t>
+            </a:r>
+            <a:r>
+              <a:rPr lang="zh-CN" altLang="en-US" dirty="0" smtClean="0"/>
+              <a:t>，当使用其他名字时需要明确指定；</a:t>
+            </a:r>
+            <a:br>
+              <a:rPr lang="zh-CN" altLang="en-US" dirty="0" smtClean="0"/>
+            </a:br>
+            <a:r>
+              <a:rPr lang="en-US" altLang="zh-CN" sz="1200" kern="1200" dirty="0" smtClean="0">
+                <a:solidFill>
+                  <a:schemeClr val="tx1"/>
+                </a:solidFill>
+                <a:effectLst/>
+                <a:latin typeface="+mn-lt"/>
+                <a:ea typeface="+mn-ea"/>
+                <a:cs typeface="+mn-cs"/>
+              </a:rPr>
+              <a:t>proxy-target-class</a:t>
+            </a:r>
+            <a:r>
+              <a:rPr lang="zh-CN" altLang="en-US" sz="1200" kern="1200" dirty="0" smtClean="0">
+                <a:solidFill>
+                  <a:schemeClr val="tx1"/>
+                </a:solidFill>
+                <a:effectLst/>
+                <a:latin typeface="+mn-lt"/>
+                <a:ea typeface="+mn-ea"/>
+                <a:cs typeface="+mn-cs"/>
+              </a:rPr>
+              <a:t>：表示将使用的代码机制，默认</a:t>
+            </a:r>
+            <a:r>
+              <a:rPr lang="en-US" altLang="zh-CN" sz="1200" kern="1200" dirty="0" smtClean="0">
+                <a:solidFill>
+                  <a:schemeClr val="tx1"/>
+                </a:solidFill>
+                <a:effectLst/>
+                <a:latin typeface="+mn-lt"/>
+                <a:ea typeface="+mn-ea"/>
+                <a:cs typeface="+mn-cs"/>
+              </a:rPr>
+              <a:t>false</a:t>
+            </a:r>
+            <a:r>
+              <a:rPr lang="zh-CN" altLang="en-US" sz="1200" kern="1200" dirty="0" smtClean="0">
+                <a:solidFill>
+                  <a:schemeClr val="tx1"/>
+                </a:solidFill>
+                <a:effectLst/>
+                <a:latin typeface="+mn-lt"/>
+                <a:ea typeface="+mn-ea"/>
+                <a:cs typeface="+mn-cs"/>
+              </a:rPr>
+              <a:t>表示使用</a:t>
+            </a:r>
+            <a:r>
+              <a:rPr lang="en-US" altLang="zh-CN" sz="1200" kern="1200" dirty="0" smtClean="0">
+                <a:solidFill>
+                  <a:schemeClr val="tx1"/>
+                </a:solidFill>
+                <a:effectLst/>
+                <a:latin typeface="+mn-lt"/>
+                <a:ea typeface="+mn-ea"/>
+                <a:cs typeface="+mn-cs"/>
+              </a:rPr>
+              <a:t>JDK</a:t>
+            </a:r>
+            <a:r>
+              <a:rPr lang="zh-CN" altLang="en-US" sz="1200" kern="1200" dirty="0" smtClean="0">
+                <a:solidFill>
+                  <a:schemeClr val="tx1"/>
+                </a:solidFill>
+                <a:effectLst/>
+                <a:latin typeface="+mn-lt"/>
+                <a:ea typeface="+mn-ea"/>
+                <a:cs typeface="+mn-cs"/>
+              </a:rPr>
+              <a:t>代理，如果为</a:t>
+            </a:r>
+            <a:r>
+              <a:rPr lang="en-US" altLang="zh-CN" sz="1200" kern="1200" dirty="0" smtClean="0">
+                <a:solidFill>
+                  <a:schemeClr val="tx1"/>
+                </a:solidFill>
+                <a:effectLst/>
+                <a:latin typeface="+mn-lt"/>
+                <a:ea typeface="+mn-ea"/>
+                <a:cs typeface="+mn-cs"/>
+              </a:rPr>
+              <a:t>true</a:t>
+            </a:r>
+            <a:r>
+              <a:rPr lang="zh-CN" altLang="en-US" sz="1200" kern="1200" dirty="0" smtClean="0">
+                <a:solidFill>
+                  <a:schemeClr val="tx1"/>
+                </a:solidFill>
+                <a:effectLst/>
+                <a:latin typeface="+mn-lt"/>
+                <a:ea typeface="+mn-ea"/>
+                <a:cs typeface="+mn-cs"/>
+              </a:rPr>
+              <a:t>将使用</a:t>
+            </a:r>
+            <a:r>
+              <a:rPr lang="en-US" altLang="zh-CN" sz="1200" kern="1200" dirty="0" smtClean="0">
+                <a:solidFill>
+                  <a:schemeClr val="tx1"/>
+                </a:solidFill>
+                <a:effectLst/>
+                <a:latin typeface="+mn-lt"/>
+                <a:ea typeface="+mn-ea"/>
+                <a:cs typeface="+mn-cs"/>
+              </a:rPr>
+              <a:t>CGLIB</a:t>
+            </a:r>
+            <a:r>
+              <a:rPr lang="zh-CN" altLang="en-US" sz="1200" kern="1200" dirty="0" smtClean="0">
+                <a:solidFill>
+                  <a:schemeClr val="tx1"/>
+                </a:solidFill>
+                <a:effectLst/>
+                <a:latin typeface="+mn-lt"/>
+                <a:ea typeface="+mn-ea"/>
+                <a:cs typeface="+mn-cs"/>
+              </a:rPr>
+              <a:t>代理</a:t>
+            </a:r>
+            <a:r>
+              <a:rPr lang="zh-CN" altLang="en-US" dirty="0" smtClean="0"/>
+              <a:t/>
+            </a:r>
+            <a:br>
+              <a:rPr lang="zh-CN" altLang="en-US" dirty="0" smtClean="0"/>
+            </a:br>
+            <a:r>
+              <a:rPr lang="en-US" altLang="zh-CN" dirty="0" smtClean="0"/>
+              <a:t>order</a:t>
+            </a:r>
+            <a:r>
+              <a:rPr lang="zh-CN" altLang="en-US" dirty="0" smtClean="0"/>
+              <a:t>：定义事务通知顺序，默认</a:t>
+            </a:r>
+            <a:r>
+              <a:rPr lang="en-US" altLang="zh-CN" dirty="0" err="1" smtClean="0"/>
+              <a:t>Ordered.LOWEST_PRECEDENCE</a:t>
+            </a:r>
+            <a:r>
+              <a:rPr lang="zh-CN" altLang="en-US" dirty="0" smtClean="0"/>
+              <a:t>，表示将顺序决定权交给</a:t>
+            </a:r>
+            <a:r>
+              <a:rPr lang="en-US" altLang="zh-CN" dirty="0" smtClean="0"/>
+              <a:t>AOP</a:t>
+            </a:r>
+            <a:r>
+              <a:rPr lang="zh-CN" altLang="en-US" dirty="0" smtClean="0"/>
+              <a:t>来处理。</a:t>
+            </a:r>
+          </a:p>
+          <a:p>
+            <a:r>
+              <a:rPr lang="en-US" altLang="zh-CN" b="1" dirty="0" smtClean="0"/>
+              <a:t>2</a:t>
+            </a:r>
+            <a:r>
+              <a:rPr lang="zh-CN" altLang="en-US" b="1" dirty="0" smtClean="0"/>
+              <a:t>、</a:t>
+            </a:r>
+            <a:r>
+              <a:rPr lang="en-US" altLang="zh-CN" b="1" dirty="0" smtClean="0"/>
+              <a:t>@Transaction</a:t>
+            </a:r>
+          </a:p>
+          <a:p>
+            <a:r>
+              <a:rPr lang="en-US" altLang="zh-CN" dirty="0" smtClean="0"/>
+              <a:t>Spring</a:t>
+            </a:r>
+            <a:r>
+              <a:rPr lang="zh-CN" altLang="en-US" dirty="0" smtClean="0"/>
+              <a:t>使用</a:t>
+            </a:r>
+            <a:r>
+              <a:rPr lang="en-US" altLang="zh-CN" dirty="0" smtClean="0"/>
+              <a:t>@Transaction</a:t>
+            </a:r>
+            <a:r>
+              <a:rPr lang="zh-CN" altLang="en-US" dirty="0" smtClean="0"/>
+              <a:t>来指定事务属性，可以在接口、类或方法上指定，如果类和方法上都指定了</a:t>
+            </a:r>
+            <a:r>
+              <a:rPr lang="en-US" altLang="zh-CN" dirty="0" smtClean="0"/>
+              <a:t>@Transaction</a:t>
+            </a:r>
+            <a:r>
+              <a:rPr lang="zh-CN" altLang="en-US" dirty="0" smtClean="0"/>
+              <a:t>，则方法上的事务属性被优先使用，具体属性如下：</a:t>
+            </a:r>
+          </a:p>
+          <a:p>
+            <a:r>
+              <a:rPr lang="en-US" altLang="zh-CN" dirty="0" smtClean="0"/>
+              <a:t>value</a:t>
+            </a:r>
+            <a:r>
+              <a:rPr lang="zh-CN" altLang="en-US" dirty="0" smtClean="0"/>
+              <a:t>：指定事务管理器名字，默认使用</a:t>
+            </a:r>
+            <a:r>
+              <a:rPr lang="en-US" altLang="zh-CN" dirty="0" smtClean="0"/>
+              <a:t>&lt;</a:t>
+            </a:r>
+            <a:r>
+              <a:rPr lang="en-US" altLang="zh-CN" dirty="0" err="1" smtClean="0"/>
+              <a:t>tx:annotation-driven</a:t>
+            </a:r>
+            <a:r>
+              <a:rPr lang="en-US" altLang="zh-CN" dirty="0" smtClean="0"/>
+              <a:t>/&gt;</a:t>
+            </a:r>
+            <a:r>
+              <a:rPr lang="zh-CN" altLang="en-US" dirty="0" smtClean="0"/>
+              <a:t>指定的事务管理器，用于支持多事务管理器环境；</a:t>
+            </a:r>
+            <a:br>
+              <a:rPr lang="zh-CN" altLang="en-US" dirty="0" smtClean="0"/>
+            </a:br>
+            <a:r>
+              <a:rPr lang="en-US" altLang="zh-CN" dirty="0" smtClean="0"/>
+              <a:t>propagation</a:t>
+            </a:r>
+            <a:r>
+              <a:rPr lang="zh-CN" altLang="en-US" dirty="0" smtClean="0"/>
+              <a:t>：指定事务传播行为，</a:t>
+            </a:r>
+            <a:r>
+              <a:rPr lang="zh-CN" altLang="en-US" sz="1200" kern="1200" dirty="0" smtClean="0">
+                <a:solidFill>
+                  <a:schemeClr val="tx1"/>
+                </a:solidFill>
+                <a:effectLst/>
+                <a:latin typeface="+mn-lt"/>
+                <a:ea typeface="+mn-ea"/>
+                <a:cs typeface="+mn-cs"/>
+              </a:rPr>
+              <a:t>默认为</a:t>
+            </a:r>
+            <a:r>
+              <a:rPr lang="en-US" altLang="zh-CN" sz="1200" kern="1200" dirty="0" smtClean="0">
+                <a:solidFill>
+                  <a:schemeClr val="tx1"/>
+                </a:solidFill>
+                <a:effectLst/>
+                <a:latin typeface="+mn-lt"/>
+                <a:ea typeface="+mn-ea"/>
+                <a:cs typeface="+mn-cs"/>
+              </a:rPr>
+              <a:t>Required</a:t>
+            </a:r>
+            <a:r>
+              <a:rPr lang="zh-CN" altLang="en-US" sz="1200" kern="1200" dirty="0" smtClean="0">
+                <a:solidFill>
+                  <a:schemeClr val="tx1"/>
+                </a:solidFill>
+                <a:effectLst/>
+                <a:latin typeface="+mn-lt"/>
+                <a:ea typeface="+mn-ea"/>
+                <a:cs typeface="+mn-cs"/>
+              </a:rPr>
+              <a:t>，</a:t>
+            </a:r>
+            <a:r>
+              <a:rPr lang="zh-CN" altLang="en-US" dirty="0" smtClean="0"/>
+              <a:t>使用</a:t>
+            </a:r>
+            <a:r>
+              <a:rPr lang="en-US" altLang="zh-CN" dirty="0" err="1" smtClean="0"/>
+              <a:t>Propagation.REQUIRED</a:t>
+            </a:r>
+            <a:r>
+              <a:rPr lang="zh-CN" altLang="en-US" dirty="0" smtClean="0"/>
+              <a:t>指定；</a:t>
+            </a:r>
+            <a:br>
+              <a:rPr lang="zh-CN" altLang="en-US" dirty="0" smtClean="0"/>
+            </a:br>
+            <a:r>
+              <a:rPr lang="en-US" altLang="zh-CN" dirty="0" smtClean="0"/>
+              <a:t>isolation</a:t>
+            </a:r>
+            <a:r>
+              <a:rPr lang="zh-CN" altLang="en-US" dirty="0" smtClean="0"/>
+              <a:t>：指定事务隔离级别，默认为“</a:t>
+            </a:r>
+            <a:r>
+              <a:rPr lang="en-US" altLang="zh-CN" dirty="0" smtClean="0"/>
+              <a:t>DEFAULT”</a:t>
+            </a:r>
+            <a:r>
+              <a:rPr lang="zh-CN" altLang="en-US" dirty="0" smtClean="0"/>
+              <a:t>，使用</a:t>
+            </a:r>
+            <a:r>
+              <a:rPr lang="en-US" altLang="zh-CN" dirty="0" err="1" smtClean="0"/>
+              <a:t>Isolation.DEFAULT</a:t>
+            </a:r>
+            <a:r>
+              <a:rPr lang="zh-CN" altLang="en-US" dirty="0" smtClean="0"/>
+              <a:t>指定；</a:t>
+            </a:r>
+            <a:br>
+              <a:rPr lang="zh-CN" altLang="en-US" dirty="0" smtClean="0"/>
+            </a:br>
+            <a:r>
+              <a:rPr lang="en-US" altLang="zh-CN" dirty="0" err="1" smtClean="0"/>
+              <a:t>readOnly</a:t>
+            </a:r>
+            <a:r>
+              <a:rPr lang="zh-CN" altLang="en-US" dirty="0" smtClean="0"/>
+              <a:t>：指定事务是否只读，默认</a:t>
+            </a:r>
+            <a:r>
+              <a:rPr lang="en-US" altLang="zh-CN" dirty="0" smtClean="0"/>
+              <a:t>false</a:t>
+            </a:r>
+            <a:r>
+              <a:rPr lang="zh-CN" altLang="en-US" dirty="0" smtClean="0"/>
+              <a:t>表示事务非只读；</a:t>
+            </a:r>
+            <a:br>
+              <a:rPr lang="zh-CN" altLang="en-US" dirty="0" smtClean="0"/>
+            </a:br>
+            <a:r>
+              <a:rPr lang="en-US" altLang="zh-CN" dirty="0" smtClean="0"/>
+              <a:t>timeout</a:t>
+            </a:r>
+            <a:r>
+              <a:rPr lang="zh-CN" altLang="en-US" dirty="0" smtClean="0"/>
+              <a:t>：指定事务超时时间，以秒为单位，默认</a:t>
+            </a:r>
+            <a:r>
+              <a:rPr lang="en-US" altLang="zh-CN" dirty="0" smtClean="0"/>
+              <a:t>-1</a:t>
+            </a:r>
+            <a:r>
+              <a:rPr lang="zh-CN" altLang="en-US" dirty="0" smtClean="0"/>
+              <a:t>表示事务超时将依赖于底层事务系统；</a:t>
+            </a:r>
+            <a:br>
+              <a:rPr lang="zh-CN" altLang="en-US" dirty="0" smtClean="0"/>
+            </a:br>
+            <a:r>
+              <a:rPr lang="en-US" altLang="zh-CN" dirty="0" err="1" smtClean="0"/>
+              <a:t>rollbackFor</a:t>
+            </a:r>
+            <a:r>
+              <a:rPr lang="zh-CN" altLang="en-US" dirty="0" smtClean="0"/>
+              <a:t>：指定一组异常类，遇到该类异常将回滚事务；</a:t>
+            </a:r>
+            <a:br>
+              <a:rPr lang="zh-CN" altLang="en-US" dirty="0" smtClean="0"/>
+            </a:br>
+            <a:r>
+              <a:rPr lang="en-US" altLang="zh-CN" dirty="0" err="1" smtClean="0"/>
+              <a:t>rollbackForClassname</a:t>
+            </a:r>
+            <a:r>
+              <a:rPr lang="zh-CN" altLang="en-US" dirty="0" smtClean="0"/>
+              <a:t>：指定一组异常类名字，其含义与</a:t>
+            </a:r>
+            <a:r>
+              <a:rPr lang="en-US" altLang="zh-CN" dirty="0" smtClean="0"/>
+              <a:t>&lt;</a:t>
+            </a:r>
+            <a:r>
+              <a:rPr lang="en-US" altLang="zh-CN" dirty="0" err="1" smtClean="0"/>
+              <a:t>tx:method</a:t>
+            </a:r>
+            <a:r>
+              <a:rPr lang="en-US" altLang="zh-CN" dirty="0" smtClean="0"/>
+              <a:t>&gt;</a:t>
+            </a:r>
+            <a:r>
+              <a:rPr lang="zh-CN" altLang="en-US" dirty="0" smtClean="0"/>
+              <a:t>中的</a:t>
+            </a:r>
+            <a:r>
+              <a:rPr lang="en-US" altLang="zh-CN" dirty="0" smtClean="0"/>
+              <a:t>rollback-for</a:t>
+            </a:r>
+            <a:r>
+              <a:rPr lang="zh-CN" altLang="en-US" dirty="0" smtClean="0"/>
+              <a:t>属性语义完全一样；</a:t>
+            </a:r>
+            <a:br>
+              <a:rPr lang="zh-CN" altLang="en-US" dirty="0" smtClean="0"/>
+            </a:br>
+            <a:r>
+              <a:rPr lang="en-US" altLang="zh-CN" dirty="0" err="1" smtClean="0"/>
+              <a:t>noRollbackFor</a:t>
+            </a:r>
+            <a:r>
+              <a:rPr lang="zh-CN" altLang="en-US" dirty="0" smtClean="0"/>
+              <a:t>：指定一组异常类，即使遇到该类异常也将提交事务，即不回滚事务；</a:t>
+            </a:r>
+            <a:br>
+              <a:rPr lang="zh-CN" altLang="en-US" dirty="0" smtClean="0"/>
+            </a:br>
+            <a:r>
+              <a:rPr lang="en-US" altLang="zh-CN" dirty="0" err="1" smtClean="0"/>
+              <a:t>noRollbackForClassname</a:t>
+            </a:r>
+            <a:r>
+              <a:rPr lang="zh-CN" altLang="en-US" dirty="0" smtClean="0"/>
+              <a:t>：指定一组异常类名字，其含义与</a:t>
+            </a:r>
+            <a:r>
+              <a:rPr lang="en-US" altLang="zh-CN" dirty="0" smtClean="0"/>
+              <a:t>&lt;</a:t>
+            </a:r>
+            <a:r>
+              <a:rPr lang="en-US" altLang="zh-CN" dirty="0" err="1" smtClean="0"/>
+              <a:t>tx:method</a:t>
+            </a:r>
+            <a:r>
+              <a:rPr lang="en-US" altLang="zh-CN" dirty="0" smtClean="0"/>
+              <a:t>&gt;</a:t>
+            </a:r>
+            <a:r>
+              <a:rPr lang="zh-CN" altLang="en-US" dirty="0" smtClean="0"/>
+              <a:t>中的</a:t>
+            </a:r>
+            <a:r>
+              <a:rPr lang="en-US" altLang="zh-CN" dirty="0" smtClean="0"/>
+              <a:t>no-rollback-for</a:t>
+            </a:r>
+            <a:r>
+              <a:rPr lang="zh-CN" altLang="en-US" dirty="0" smtClean="0"/>
+              <a:t>属性语义完全一样；</a:t>
+            </a:r>
+            <a:br>
+              <a:rPr lang="zh-CN" altLang="en-US" dirty="0" smtClean="0"/>
+            </a:br>
+            <a:r>
+              <a:rPr lang="zh-CN" altLang="en-US" dirty="0" smtClean="0"/>
+              <a:t> </a:t>
+            </a:r>
+            <a:br>
+              <a:rPr lang="zh-CN" altLang="en-US" dirty="0" smtClean="0"/>
+            </a:br>
+            <a:r>
+              <a:rPr lang="en-US" altLang="zh-CN" dirty="0" smtClean="0"/>
+              <a:t>Spring</a:t>
+            </a:r>
+            <a:r>
+              <a:rPr lang="zh-CN" altLang="en-US" dirty="0" smtClean="0"/>
+              <a:t>提供的</a:t>
+            </a:r>
+            <a:r>
+              <a:rPr lang="en-US" altLang="zh-CN" dirty="0" smtClean="0"/>
+              <a:t>@Transaction</a:t>
+            </a:r>
+            <a:r>
+              <a:rPr lang="zh-CN" altLang="en-US" dirty="0" smtClean="0"/>
+              <a:t>注解事务管理内部同样利用环绕通知</a:t>
+            </a:r>
+            <a:r>
+              <a:rPr lang="en-US" altLang="zh-CN" dirty="0" err="1" smtClean="0"/>
+              <a:t>TransactionInterceptor</a:t>
+            </a:r>
+            <a:r>
+              <a:rPr lang="zh-CN" altLang="en-US" dirty="0" smtClean="0"/>
+              <a:t>实现事务的开启及关闭。</a:t>
+            </a:r>
+            <a:br>
+              <a:rPr lang="zh-CN" altLang="en-US" dirty="0" smtClean="0"/>
+            </a:br>
+            <a:endParaRPr lang="zh-CN" altLang="en-US" dirty="0" smtClean="0"/>
+          </a:p>
+          <a:p>
+            <a:r>
+              <a:rPr lang="zh-CN" altLang="en-US" dirty="0" smtClean="0"/>
+              <a:t>使用</a:t>
+            </a:r>
+            <a:r>
+              <a:rPr lang="en-US" altLang="zh-CN" dirty="0" smtClean="0"/>
+              <a:t>@Transactional</a:t>
+            </a:r>
+            <a:r>
+              <a:rPr lang="zh-CN" altLang="en-US" dirty="0" smtClean="0"/>
+              <a:t>注解事务管理需要特别注意以下几点：</a:t>
+            </a:r>
+            <a:br>
+              <a:rPr lang="zh-CN" altLang="en-US" dirty="0" smtClean="0"/>
+            </a:br>
+            <a:r>
+              <a:rPr lang="zh-CN" altLang="en-US" dirty="0" smtClean="0"/>
+              <a:t>如果在接口、实现类或方法上都指定了</a:t>
+            </a:r>
+            <a:r>
+              <a:rPr lang="en-US" altLang="zh-CN" dirty="0" smtClean="0"/>
+              <a:t>@Transactional </a:t>
+            </a:r>
+            <a:r>
+              <a:rPr lang="zh-CN" altLang="en-US" dirty="0" smtClean="0"/>
+              <a:t>注解，则优先级顺序为方法</a:t>
+            </a:r>
+            <a:r>
+              <a:rPr lang="en-US" altLang="zh-CN" dirty="0" smtClean="0"/>
+              <a:t>&gt;</a:t>
+            </a:r>
+            <a:r>
+              <a:rPr lang="zh-CN" altLang="en-US" dirty="0" smtClean="0"/>
+              <a:t>实现类</a:t>
+            </a:r>
+            <a:r>
+              <a:rPr lang="en-US" altLang="zh-CN" dirty="0" smtClean="0"/>
+              <a:t>&gt;</a:t>
+            </a:r>
+            <a:r>
+              <a:rPr lang="zh-CN" altLang="en-US" dirty="0" smtClean="0"/>
+              <a:t>接口；</a:t>
+            </a:r>
+            <a:br>
+              <a:rPr lang="zh-CN" altLang="en-US" dirty="0" smtClean="0"/>
+            </a:br>
+            <a:r>
+              <a:rPr lang="zh-CN" altLang="en-US" sz="1200" kern="1200" dirty="0" smtClean="0">
+                <a:solidFill>
+                  <a:schemeClr val="tx1"/>
+                </a:solidFill>
+                <a:effectLst/>
+                <a:latin typeface="+mn-lt"/>
+                <a:ea typeface="+mn-ea"/>
+                <a:cs typeface="+mn-cs"/>
+              </a:rPr>
+              <a:t>建议只在实现类或实现类的方法上使用</a:t>
+            </a:r>
+            <a:r>
+              <a:rPr lang="en-US" altLang="zh-CN" sz="1200" kern="1200" dirty="0" smtClean="0">
+                <a:solidFill>
+                  <a:schemeClr val="tx1"/>
+                </a:solidFill>
+                <a:effectLst/>
+                <a:latin typeface="+mn-lt"/>
+                <a:ea typeface="+mn-ea"/>
+                <a:cs typeface="+mn-cs"/>
+              </a:rPr>
+              <a:t>@Transactional</a:t>
+            </a:r>
+            <a:r>
+              <a:rPr lang="zh-CN" altLang="en-US" sz="1200" kern="1200" dirty="0" smtClean="0">
+                <a:solidFill>
+                  <a:schemeClr val="tx1"/>
+                </a:solidFill>
+                <a:effectLst/>
+                <a:latin typeface="+mn-lt"/>
+                <a:ea typeface="+mn-ea"/>
+                <a:cs typeface="+mn-cs"/>
+              </a:rPr>
+              <a:t>，而不要在接口上使用，</a:t>
+            </a:r>
+            <a:r>
+              <a:rPr lang="zh-CN" altLang="en-US" dirty="0" smtClean="0"/>
+              <a:t>这是因为如果使用</a:t>
+            </a:r>
+            <a:r>
+              <a:rPr lang="en-US" altLang="zh-CN" dirty="0" smtClean="0"/>
+              <a:t>JDK</a:t>
+            </a:r>
+            <a:r>
+              <a:rPr lang="zh-CN" altLang="en-US" dirty="0" smtClean="0"/>
+              <a:t>代理机制是没问题，因为其使用基于接口的代理；而使用使用</a:t>
+            </a:r>
+            <a:r>
+              <a:rPr lang="en-US" altLang="zh-CN" dirty="0" smtClean="0"/>
+              <a:t>CGLIB</a:t>
+            </a:r>
+            <a:r>
+              <a:rPr lang="zh-CN" altLang="en-US" dirty="0" smtClean="0"/>
+              <a:t>代理机制时就会遇到问题，因为其使用基于类的代理而不是接口，这是因为接口上的</a:t>
+            </a:r>
+            <a:r>
+              <a:rPr lang="en-US" altLang="zh-CN" dirty="0" smtClean="0"/>
+              <a:t>@Transactional</a:t>
+            </a:r>
+            <a:r>
+              <a:rPr lang="zh-CN" altLang="en-US" dirty="0" smtClean="0"/>
+              <a:t>注解是“不能继承的”；</a:t>
+            </a:r>
+            <a:br>
+              <a:rPr lang="zh-CN" altLang="en-US" dirty="0" smtClean="0"/>
+            </a:br>
+            <a:r>
+              <a:rPr lang="zh-CN" altLang="en-US" dirty="0" smtClean="0"/>
+              <a:t>在</a:t>
+            </a:r>
+            <a:r>
+              <a:rPr lang="en-US" altLang="zh-CN" dirty="0" smtClean="0"/>
+              <a:t>Spring</a:t>
+            </a:r>
+            <a:r>
+              <a:rPr lang="zh-CN" altLang="en-US" dirty="0" smtClean="0"/>
+              <a:t>代理机制下</a:t>
+            </a:r>
+            <a:r>
+              <a:rPr lang="en-US" altLang="zh-CN" dirty="0" smtClean="0"/>
+              <a:t>(</a:t>
+            </a:r>
+            <a:r>
+              <a:rPr lang="zh-CN" altLang="en-US" dirty="0" smtClean="0"/>
+              <a:t>不管是</a:t>
+            </a:r>
+            <a:r>
+              <a:rPr lang="en-US" altLang="zh-CN" dirty="0" smtClean="0"/>
+              <a:t>JDK</a:t>
+            </a:r>
+            <a:r>
+              <a:rPr lang="zh-CN" altLang="en-US" dirty="0" smtClean="0"/>
+              <a:t>动态代理还是</a:t>
+            </a:r>
+            <a:r>
+              <a:rPr lang="en-US" altLang="zh-CN" dirty="0" smtClean="0"/>
+              <a:t>CGLIB</a:t>
+            </a:r>
+            <a:r>
+              <a:rPr lang="zh-CN" altLang="en-US" dirty="0" smtClean="0"/>
+              <a:t>代理</a:t>
+            </a:r>
+            <a:r>
+              <a:rPr lang="en-US" altLang="zh-CN" dirty="0" smtClean="0"/>
+              <a:t>)</a:t>
+            </a:r>
+            <a:r>
+              <a:rPr lang="zh-CN" altLang="en-US" dirty="0" smtClean="0"/>
+              <a:t>，“自我调用”同样不会应用相应的事务属性，其语义和</a:t>
+            </a:r>
+            <a:r>
+              <a:rPr lang="en-US" altLang="zh-CN" dirty="0" smtClean="0"/>
+              <a:t>&lt;</a:t>
+            </a:r>
+            <a:r>
+              <a:rPr lang="en-US" altLang="zh-CN" dirty="0" err="1" smtClean="0"/>
+              <a:t>tx:tags</a:t>
+            </a:r>
+            <a:r>
+              <a:rPr lang="en-US" altLang="zh-CN" dirty="0" smtClean="0"/>
+              <a:t>&gt;</a:t>
+            </a:r>
+            <a:r>
+              <a:rPr lang="zh-CN" altLang="en-US" dirty="0" smtClean="0"/>
+              <a:t>中一样；</a:t>
+            </a:r>
+            <a:br>
+              <a:rPr lang="zh-CN" altLang="en-US" dirty="0" smtClean="0"/>
+            </a:br>
+            <a:r>
+              <a:rPr lang="zh-CN" altLang="en-US" sz="1200" kern="1200" dirty="0" smtClean="0">
+                <a:solidFill>
+                  <a:schemeClr val="tx1"/>
+                </a:solidFill>
+                <a:effectLst/>
+                <a:latin typeface="+mn-lt"/>
+                <a:ea typeface="+mn-ea"/>
+                <a:cs typeface="+mn-cs"/>
+              </a:rPr>
+              <a:t>默认只对</a:t>
+            </a:r>
+            <a:r>
+              <a:rPr lang="en-US" altLang="zh-CN" sz="1200" kern="1200" dirty="0" err="1" smtClean="0">
+                <a:solidFill>
+                  <a:schemeClr val="tx1"/>
+                </a:solidFill>
+                <a:effectLst/>
+                <a:latin typeface="+mn-lt"/>
+                <a:ea typeface="+mn-ea"/>
+                <a:cs typeface="+mn-cs"/>
+              </a:rPr>
+              <a:t>RuntimeException</a:t>
+            </a:r>
+            <a:r>
+              <a:rPr lang="zh-CN" altLang="en-US" sz="1200" kern="1200" dirty="0" smtClean="0">
+                <a:solidFill>
+                  <a:schemeClr val="tx1"/>
+                </a:solidFill>
+                <a:effectLst/>
+                <a:latin typeface="+mn-lt"/>
+                <a:ea typeface="+mn-ea"/>
+                <a:cs typeface="+mn-cs"/>
+              </a:rPr>
+              <a:t>异常回滚；</a:t>
+            </a:r>
+            <a:r>
+              <a:rPr lang="zh-CN" altLang="en-US" dirty="0" smtClean="0"/>
+              <a:t/>
+            </a:r>
+            <a:br>
+              <a:rPr lang="zh-CN" altLang="en-US" dirty="0" smtClean="0"/>
+            </a:br>
+            <a:r>
+              <a:rPr lang="zh-CN" altLang="en-US" dirty="0" smtClean="0"/>
+              <a:t>在使用</a:t>
+            </a:r>
+            <a:r>
+              <a:rPr lang="en-US" altLang="zh-CN" dirty="0" smtClean="0"/>
+              <a:t>Spring</a:t>
+            </a:r>
+            <a:r>
+              <a:rPr lang="zh-CN" altLang="en-US" dirty="0" smtClean="0"/>
+              <a:t>代理时，默认只有在</a:t>
+            </a:r>
+            <a:r>
+              <a:rPr lang="en-US" altLang="zh-CN" dirty="0" smtClean="0"/>
+              <a:t>public</a:t>
+            </a:r>
+            <a:r>
+              <a:rPr lang="zh-CN" altLang="en-US" dirty="0" smtClean="0"/>
+              <a:t>可见度的方法的</a:t>
+            </a:r>
+            <a:r>
+              <a:rPr lang="en-US" altLang="zh-CN" dirty="0" smtClean="0"/>
+              <a:t>@Transactional </a:t>
+            </a:r>
+            <a:r>
+              <a:rPr lang="zh-CN" altLang="en-US" dirty="0" smtClean="0"/>
+              <a:t>注解才是有效的，其它可见度（</a:t>
+            </a:r>
+            <a:r>
+              <a:rPr lang="en-US" altLang="zh-CN" dirty="0" smtClean="0"/>
+              <a:t>protected</a:t>
+            </a:r>
+            <a:r>
+              <a:rPr lang="zh-CN" altLang="en-US" dirty="0" smtClean="0"/>
+              <a:t>、</a:t>
+            </a:r>
+            <a:r>
+              <a:rPr lang="en-US" altLang="zh-CN" dirty="0" smtClean="0"/>
+              <a:t>private</a:t>
+            </a:r>
+            <a:r>
+              <a:rPr lang="zh-CN" altLang="en-US" dirty="0" smtClean="0"/>
+              <a:t>、包可见）的方法上即使有</a:t>
+            </a:r>
+            <a:r>
+              <a:rPr lang="en-US" altLang="zh-CN" dirty="0" smtClean="0"/>
+              <a:t>@Transactional </a:t>
+            </a:r>
+            <a:r>
+              <a:rPr lang="zh-CN" altLang="en-US" dirty="0" smtClean="0"/>
+              <a:t>注解也不会应用这些事务属性的，</a:t>
+            </a:r>
+            <a:r>
+              <a:rPr lang="en-US" altLang="zh-CN" dirty="0" smtClean="0"/>
+              <a:t>Spring</a:t>
+            </a:r>
+            <a:r>
+              <a:rPr lang="zh-CN" altLang="en-US" dirty="0" smtClean="0"/>
+              <a:t>也不会报错，如果你非要使用非公共方法注解事务管理的话，可考虑使用</a:t>
+            </a:r>
+            <a:r>
+              <a:rPr lang="en-US" altLang="zh-CN" dirty="0" smtClean="0"/>
+              <a:t>AspectJ</a:t>
+            </a:r>
+            <a:r>
+              <a:rPr lang="zh-CN" altLang="en-US" dirty="0" smtClean="0"/>
+              <a:t>。</a:t>
+            </a:r>
+          </a:p>
+          <a:p>
             <a:endParaRPr lang="zh-CN" altLang="en-US" dirty="0"/>
           </a:p>
         </p:txBody>
       </p:sp>
       <p:sp>
         <p:nvSpPr>
-          <p:cNvPr id="4" name="Slide Number Placeholder 3"/>
+          <p:cNvPr id="4" name="灯片编号占位符 3"/>
           <p:cNvSpPr>
             <a:spLocks noGrp="1"/>
           </p:cNvSpPr>
@@ -752,7 +2901,7 @@
           <a:p>
             <a:fld id="{30936462-658F-4E41-8C6E-2EAB7E357587}" type="slidenum">
               <a:rPr lang="zh-CN" altLang="en-US" smtClean="0"/>
-              <a:t>4</a:t>
+              <a:t>5</a:t>
             </a:fld>
             <a:endParaRPr lang="zh-CN" altLang="en-US"/>
           </a:p>
@@ -761,7 +2910,7 @@
     </p:spTree>
     <p:extLst>
       <p:ext uri="{BB962C8B-B14F-4D97-AF65-F5344CB8AC3E}">
-        <p14:creationId xmlns:p14="http://schemas.microsoft.com/office/powerpoint/2010/main" val="3223835939"/>
+        <p14:creationId xmlns:p14="http://schemas.microsoft.com/office/powerpoint/2010/main" val="3048628957"/>
       </p:ext>
     </p:extLst>
   </p:cSld>
@@ -790,7 +2939,7 @@
       </p:grpSpPr>
       <p:sp>
         <p:nvSpPr>
-          <p:cNvPr id="2" name="Slide Image Placeholder 1"/>
+          <p:cNvPr id="2" name="幻灯片图像占位符 1"/>
           <p:cNvSpPr>
             <a:spLocks noGrp="1" noRot="1" noChangeAspect="1"/>
           </p:cNvSpPr>
@@ -802,7 +2951,7 @@
       </p:sp>
       <p:sp>
         <p:nvSpPr>
-          <p:cNvPr id="3" name="Notes Placeholder 2"/>
+          <p:cNvPr id="3" name="备注占位符 2"/>
           <p:cNvSpPr>
             <a:spLocks noGrp="1"/>
           </p:cNvSpPr>
@@ -816,31 +2965,289 @@
           <a:lstStyle/>
           <a:p>
             <a:r>
-              <a:rPr lang="en-US" altLang="zh-CN" dirty="0"/>
-              <a:t>XA:</a:t>
-            </a:r>
-            <a:r>
-              <a:rPr lang="en-US" altLang="zh-CN" baseline="0" dirty="0"/>
-              <a:t> </a:t>
-            </a:r>
-            <a:r>
-              <a:rPr lang="zh-CN" altLang="en-US" baseline="0" dirty="0"/>
-              <a:t>存在事务协调器</a:t>
-            </a:r>
-            <a:endParaRPr lang="en-US" altLang="zh-CN" baseline="0" dirty="0"/>
-          </a:p>
-          <a:p>
-            <a:r>
-              <a:rPr lang="zh-CN" altLang="en-US" baseline="0" dirty="0"/>
-              <a:t>补偿机制：如银行冲正</a:t>
-            </a:r>
+              <a:rPr lang="en-US" altLang="zh-CN" sz="1200" kern="1200" dirty="0" smtClean="0">
+                <a:solidFill>
+                  <a:schemeClr val="tx1"/>
+                </a:solidFill>
+                <a:effectLst/>
+                <a:latin typeface="+mn-lt"/>
+                <a:ea typeface="+mn-ea"/>
+                <a:cs typeface="+mn-cs"/>
+              </a:rPr>
+              <a:t>Spring</a:t>
+            </a:r>
+            <a:r>
+              <a:rPr lang="zh-CN" altLang="en-US" sz="1200" kern="1200" dirty="0" smtClean="0">
+                <a:solidFill>
+                  <a:schemeClr val="tx1"/>
+                </a:solidFill>
+                <a:effectLst/>
+                <a:latin typeface="+mn-lt"/>
+                <a:ea typeface="+mn-ea"/>
+                <a:cs typeface="+mn-cs"/>
+              </a:rPr>
+              <a:t>配置文件中关于事务配置总是由三个组成部分，分别是</a:t>
+            </a:r>
+            <a:r>
+              <a:rPr lang="en-US" altLang="zh-CN" sz="1200" kern="1200" dirty="0" err="1" smtClean="0">
+                <a:solidFill>
+                  <a:schemeClr val="tx1"/>
+                </a:solidFill>
+                <a:effectLst/>
+                <a:latin typeface="+mn-lt"/>
+                <a:ea typeface="+mn-ea"/>
+                <a:cs typeface="+mn-cs"/>
+              </a:rPr>
+              <a:t>DataSource</a:t>
+            </a:r>
+            <a:r>
+              <a:rPr lang="zh-CN" altLang="en-US" sz="1200" kern="1200" dirty="0" smtClean="0">
+                <a:solidFill>
+                  <a:schemeClr val="tx1"/>
+                </a:solidFill>
+                <a:effectLst/>
+                <a:latin typeface="+mn-lt"/>
+                <a:ea typeface="+mn-ea"/>
+                <a:cs typeface="+mn-cs"/>
+              </a:rPr>
+              <a:t>、</a:t>
+            </a:r>
+            <a:r>
+              <a:rPr lang="en-US" altLang="zh-CN" sz="1200" kern="1200" dirty="0" err="1" smtClean="0">
+                <a:solidFill>
+                  <a:schemeClr val="tx1"/>
+                </a:solidFill>
+                <a:effectLst/>
+                <a:latin typeface="+mn-lt"/>
+                <a:ea typeface="+mn-ea"/>
+                <a:cs typeface="+mn-cs"/>
+              </a:rPr>
+              <a:t>TransactionManager</a:t>
+            </a:r>
+            <a:r>
+              <a:rPr lang="zh-CN" altLang="en-US" sz="1200" kern="1200" dirty="0" smtClean="0">
+                <a:solidFill>
+                  <a:schemeClr val="tx1"/>
+                </a:solidFill>
+                <a:effectLst/>
+                <a:latin typeface="+mn-lt"/>
+                <a:ea typeface="+mn-ea"/>
+                <a:cs typeface="+mn-cs"/>
+              </a:rPr>
+              <a:t>和代理机制这三部分，无论哪种配置方式，一般变化的只是代理机制这部分。</a:t>
+            </a:r>
+          </a:p>
+          <a:p>
+            <a:r>
+              <a:rPr lang="en-US" altLang="zh-CN" sz="1200" kern="1200" dirty="0" err="1" smtClean="0">
+                <a:solidFill>
+                  <a:schemeClr val="tx1"/>
+                </a:solidFill>
+                <a:effectLst/>
+                <a:latin typeface="+mn-lt"/>
+                <a:ea typeface="+mn-ea"/>
+                <a:cs typeface="+mn-cs"/>
+              </a:rPr>
+              <a:t>DataSource</a:t>
+            </a:r>
+            <a:r>
+              <a:rPr lang="zh-CN" altLang="en-US" sz="1200" kern="1200" dirty="0" smtClean="0">
+                <a:solidFill>
+                  <a:schemeClr val="tx1"/>
+                </a:solidFill>
+                <a:effectLst/>
+                <a:latin typeface="+mn-lt"/>
+                <a:ea typeface="+mn-ea"/>
+                <a:cs typeface="+mn-cs"/>
+              </a:rPr>
+              <a:t>、</a:t>
+            </a:r>
+            <a:r>
+              <a:rPr lang="en-US" altLang="zh-CN" sz="1200" kern="1200" dirty="0" err="1" smtClean="0">
+                <a:solidFill>
+                  <a:schemeClr val="tx1"/>
+                </a:solidFill>
+                <a:effectLst/>
+                <a:latin typeface="+mn-lt"/>
+                <a:ea typeface="+mn-ea"/>
+                <a:cs typeface="+mn-cs"/>
+              </a:rPr>
+              <a:t>TransactionManager</a:t>
+            </a:r>
+            <a:r>
+              <a:rPr lang="zh-CN" altLang="en-US" sz="1200" kern="1200" dirty="0" smtClean="0">
+                <a:solidFill>
+                  <a:schemeClr val="tx1"/>
+                </a:solidFill>
+                <a:effectLst/>
+                <a:latin typeface="+mn-lt"/>
+                <a:ea typeface="+mn-ea"/>
+                <a:cs typeface="+mn-cs"/>
+              </a:rPr>
+              <a:t>这两部分只是会根据数据访问方式有所变化。</a:t>
+            </a:r>
+            <a:endParaRPr lang="en-US" altLang="zh-CN" sz="1200" kern="1200" dirty="0" smtClean="0">
+              <a:solidFill>
+                <a:schemeClr val="tx1"/>
+              </a:solidFill>
+              <a:effectLst/>
+              <a:latin typeface="+mn-lt"/>
+              <a:ea typeface="+mn-ea"/>
+              <a:cs typeface="+mn-cs"/>
+            </a:endParaRPr>
+          </a:p>
+          <a:p>
+            <a:r>
+              <a:rPr lang="zh-CN" altLang="en-US" sz="1200" kern="1200" dirty="0" smtClean="0">
+                <a:solidFill>
+                  <a:schemeClr val="tx1"/>
+                </a:solidFill>
+                <a:effectLst/>
+                <a:latin typeface="+mn-lt"/>
+                <a:ea typeface="+mn-ea"/>
+                <a:cs typeface="+mn-cs"/>
+              </a:rPr>
+              <a:t>比如使用</a:t>
+            </a:r>
+            <a:r>
+              <a:rPr lang="en-US" altLang="zh-CN" sz="1200" b="1" kern="1200" dirty="0" smtClean="0">
+                <a:solidFill>
+                  <a:schemeClr val="tx1"/>
+                </a:solidFill>
+                <a:effectLst/>
+                <a:latin typeface="+mn-lt"/>
+                <a:ea typeface="+mn-ea"/>
+                <a:cs typeface="+mn-cs"/>
+                <a:hlinkClick r:id="rId3" tooltip="Java EE知识库"/>
+              </a:rPr>
+              <a:t>hibernate</a:t>
+            </a:r>
+            <a:r>
+              <a:rPr lang="zh-CN" altLang="en-US" sz="1200" kern="1200" dirty="0" smtClean="0">
+                <a:solidFill>
+                  <a:schemeClr val="tx1"/>
+                </a:solidFill>
+                <a:effectLst/>
+                <a:latin typeface="+mn-lt"/>
+                <a:ea typeface="+mn-ea"/>
+                <a:cs typeface="+mn-cs"/>
+              </a:rPr>
+              <a:t>进行数据访问时，</a:t>
+            </a:r>
+            <a:r>
+              <a:rPr lang="en-US" altLang="zh-CN" sz="1200" kern="1200" dirty="0" err="1" smtClean="0">
+                <a:solidFill>
+                  <a:schemeClr val="tx1"/>
+                </a:solidFill>
+                <a:effectLst/>
+                <a:latin typeface="+mn-lt"/>
+                <a:ea typeface="+mn-ea"/>
+                <a:cs typeface="+mn-cs"/>
+              </a:rPr>
+              <a:t>DataSource</a:t>
+            </a:r>
+            <a:r>
+              <a:rPr lang="zh-CN" altLang="en-US" sz="1200" kern="1200" dirty="0" smtClean="0">
+                <a:solidFill>
+                  <a:schemeClr val="tx1"/>
+                </a:solidFill>
+                <a:effectLst/>
+                <a:latin typeface="+mn-lt"/>
+                <a:ea typeface="+mn-ea"/>
+                <a:cs typeface="+mn-cs"/>
+              </a:rPr>
+              <a:t>实际为</a:t>
+            </a:r>
+            <a:r>
+              <a:rPr lang="en-US" altLang="zh-CN" sz="1200" kern="1200" dirty="0" err="1" smtClean="0">
+                <a:solidFill>
+                  <a:schemeClr val="tx1"/>
+                </a:solidFill>
+                <a:effectLst/>
+                <a:latin typeface="+mn-lt"/>
+                <a:ea typeface="+mn-ea"/>
+                <a:cs typeface="+mn-cs"/>
+              </a:rPr>
+              <a:t>SessionFactory</a:t>
+            </a:r>
+            <a:r>
+              <a:rPr lang="zh-CN" altLang="en-US" sz="1200" kern="1200" dirty="0" smtClean="0">
+                <a:solidFill>
+                  <a:schemeClr val="tx1"/>
+                </a:solidFill>
+                <a:effectLst/>
+                <a:latin typeface="+mn-lt"/>
+                <a:ea typeface="+mn-ea"/>
+                <a:cs typeface="+mn-cs"/>
+              </a:rPr>
+              <a:t>，</a:t>
+            </a:r>
+            <a:r>
+              <a:rPr lang="en-US" altLang="zh-CN" sz="1200" kern="1200" dirty="0" err="1" smtClean="0">
+                <a:solidFill>
+                  <a:schemeClr val="tx1"/>
+                </a:solidFill>
+                <a:effectLst/>
+                <a:latin typeface="+mn-lt"/>
+                <a:ea typeface="+mn-ea"/>
+                <a:cs typeface="+mn-cs"/>
+              </a:rPr>
+              <a:t>TransactionManager</a:t>
+            </a:r>
+            <a:r>
+              <a:rPr lang="zh-CN" altLang="en-US" sz="1200" kern="1200" dirty="0" smtClean="0">
+                <a:solidFill>
+                  <a:schemeClr val="tx1"/>
+                </a:solidFill>
+                <a:effectLst/>
+                <a:latin typeface="+mn-lt"/>
+                <a:ea typeface="+mn-ea"/>
+                <a:cs typeface="+mn-cs"/>
+              </a:rPr>
+              <a:t>的实现为</a:t>
+            </a:r>
+            <a:r>
+              <a:rPr lang="en-US" altLang="zh-CN" sz="1200" kern="1200" dirty="0" err="1" smtClean="0">
+                <a:solidFill>
+                  <a:schemeClr val="tx1"/>
+                </a:solidFill>
+                <a:effectLst/>
+                <a:latin typeface="+mn-lt"/>
+                <a:ea typeface="+mn-ea"/>
+                <a:cs typeface="+mn-cs"/>
+              </a:rPr>
+              <a:t>HibernateTransactionManager</a:t>
+            </a:r>
+            <a:r>
+              <a:rPr lang="zh-CN" altLang="en-US" sz="1200" kern="1200" dirty="0" smtClean="0">
+                <a:solidFill>
+                  <a:schemeClr val="tx1"/>
+                </a:solidFill>
+                <a:effectLst/>
+                <a:latin typeface="+mn-lt"/>
+                <a:ea typeface="+mn-ea"/>
+                <a:cs typeface="+mn-cs"/>
+              </a:rPr>
+              <a:t>。 </a:t>
+            </a:r>
+            <a:endParaRPr lang="en-US" altLang="zh-CN" sz="1200" kern="1200" dirty="0" smtClean="0">
+              <a:solidFill>
+                <a:schemeClr val="tx1"/>
+              </a:solidFill>
+              <a:effectLst/>
+              <a:latin typeface="+mn-lt"/>
+              <a:ea typeface="+mn-ea"/>
+              <a:cs typeface="+mn-cs"/>
+            </a:endParaRPr>
+          </a:p>
+          <a:p>
             <a:endParaRPr lang="zh-CN" altLang="en-US" dirty="0"/>
           </a:p>
         </p:txBody>
       </p:sp>
       <p:sp>
         <p:nvSpPr>
-          <p:cNvPr id="4" name="Slide Number Placeholder 3"/>
+          <p:cNvPr id="4" name="灯片编号占位符 3"/>
           <p:cNvSpPr>
             <a:spLocks noGrp="1"/>
           </p:cNvSpPr>
@@ -864,7 +3271,7 @@
     </p:spTree>
     <p:extLst>
       <p:ext uri="{BB962C8B-B14F-4D97-AF65-F5344CB8AC3E}">
-        <p14:creationId xmlns:p14="http://schemas.microsoft.com/office/powerpoint/2010/main" val="2976006048"/>
+        <p14:creationId xmlns:p14="http://schemas.microsoft.com/office/powerpoint/2010/main" val="894000614"/>
       </p:ext>
     </p:extLst>
   </p:cSld>
@@ -918,162 +3325,7 @@
           <a:bodyPr/>
           <a:lstStyle/>
           <a:p>
-            <a:r>
-              <a:rPr lang="en-US" altLang="zh-CN" dirty="0"/>
-              <a:t>Commit</a:t>
-            </a:r>
-            <a:r>
-              <a:rPr lang="zh-CN" altLang="en-US" dirty="0"/>
-              <a:t>逻辑</a:t>
-            </a:r>
-            <a:endParaRPr lang="en-US" altLang="zh-CN" dirty="0"/>
-          </a:p>
-          <a:p>
-            <a:r>
-              <a:rPr lang="en-US" altLang="zh-CN" dirty="0"/>
-              <a:t>1</a:t>
-            </a:r>
-            <a:r>
-              <a:rPr lang="zh-CN" altLang="en-US" dirty="0"/>
-              <a:t>）协调者节点向所有参与者节点发出”正式提交</a:t>
-            </a:r>
-            <a:r>
-              <a:rPr lang="en-US" altLang="zh-CN" dirty="0"/>
-              <a:t>(commit)”</a:t>
-            </a:r>
-            <a:r>
-              <a:rPr lang="zh-CN" altLang="en-US" dirty="0"/>
-              <a:t>的请求。</a:t>
-            </a:r>
-          </a:p>
-          <a:p>
-            <a:r>
-              <a:rPr lang="en-US" altLang="zh-CN" dirty="0"/>
-              <a:t>2</a:t>
-            </a:r>
-            <a:r>
-              <a:rPr lang="zh-CN" altLang="en-US" dirty="0"/>
-              <a:t>）参与者节点正式完成操作，并释放在整个事务期间内占用的资源。</a:t>
-            </a:r>
-          </a:p>
-          <a:p>
-            <a:r>
-              <a:rPr lang="en-US" altLang="zh-CN" dirty="0"/>
-              <a:t>3</a:t>
-            </a:r>
-            <a:r>
-              <a:rPr lang="zh-CN" altLang="en-US" dirty="0"/>
-              <a:t>）参与者节点向协调者节点发送”完成”消息。</a:t>
-            </a:r>
-          </a:p>
-          <a:p>
-            <a:r>
-              <a:rPr lang="en-US" altLang="zh-CN" dirty="0"/>
-              <a:t>4</a:t>
-            </a:r>
-            <a:r>
-              <a:rPr lang="zh-CN" altLang="en-US" dirty="0"/>
-              <a:t>）协调者节点受到所有参与者节点反馈的”完成”消息后，完成事务。</a:t>
-            </a:r>
-          </a:p>
-          <a:p>
-            <a:endParaRPr lang="en-US" altLang="zh-CN" dirty="0"/>
-          </a:p>
-          <a:p>
-            <a:endParaRPr lang="en-US" altLang="zh-CN" dirty="0"/>
-          </a:p>
-          <a:p>
-            <a:pPr marL="0" marR="0" lvl="0" indent="0" algn="l" defTabSz="914400" rtl="0" eaLnBrk="1" fontAlgn="auto" latinLnBrk="0" hangingPunct="1">
-              <a:lnSpc>
-                <a:spcPct val="100000"/>
-              </a:lnSpc>
-              <a:spcBef>
-                <a:spcPts val="0"/>
-              </a:spcBef>
-              <a:spcAft>
-                <a:spcPts val="0"/>
-              </a:spcAft>
-              <a:buClrTx/>
-              <a:buSzTx/>
-              <a:buFontTx/>
-              <a:buNone/>
-              <a:tabLst/>
-              <a:defRPr/>
-            </a:pPr>
-            <a:r>
-              <a:rPr lang="en-US" altLang="zh-CN" dirty="0"/>
-              <a:t>Rollback</a:t>
-            </a:r>
-            <a:r>
-              <a:rPr lang="zh-CN" altLang="en-US" dirty="0"/>
-              <a:t>逻辑</a:t>
-            </a:r>
-            <a:endParaRPr lang="en-US" altLang="zh-CN" dirty="0"/>
-          </a:p>
-          <a:p>
-            <a:r>
-              <a:rPr lang="en-US" altLang="zh-CN" dirty="0"/>
-              <a:t>1</a:t>
-            </a:r>
-            <a:r>
-              <a:rPr lang="zh-CN" altLang="en-US" dirty="0"/>
-              <a:t>）协调者节点向所有参与者节点发出”回滚操作</a:t>
-            </a:r>
-            <a:r>
-              <a:rPr lang="en-US" altLang="zh-CN" dirty="0"/>
-              <a:t>(rollback)”</a:t>
-            </a:r>
-            <a:r>
-              <a:rPr lang="zh-CN" altLang="en-US" dirty="0"/>
-              <a:t>的请求。</a:t>
-            </a:r>
-          </a:p>
-          <a:p>
-            <a:r>
-              <a:rPr lang="en-US" altLang="zh-CN" dirty="0"/>
-              <a:t>2</a:t>
-            </a:r>
-            <a:r>
-              <a:rPr lang="zh-CN" altLang="en-US" dirty="0"/>
-              <a:t>）参与者节点利用之前写入的</a:t>
-            </a:r>
-            <a:r>
-              <a:rPr lang="en-US" altLang="zh-CN" dirty="0"/>
-              <a:t>Undo</a:t>
-            </a:r>
-            <a:r>
-              <a:rPr lang="zh-CN" altLang="en-US" dirty="0"/>
-              <a:t>信息执行回滚，并释放在整个事务期间内占用的资源。</a:t>
-            </a:r>
-          </a:p>
-          <a:p>
-            <a:r>
-              <a:rPr lang="en-US" altLang="zh-CN" dirty="0"/>
-              <a:t>3</a:t>
-            </a:r>
-            <a:r>
-              <a:rPr lang="zh-CN" altLang="en-US" dirty="0"/>
-              <a:t>）参与者节点向协调者节点发送”回滚完成”消息。</a:t>
-            </a:r>
-          </a:p>
-          <a:p>
-            <a:r>
-              <a:rPr lang="en-US" altLang="zh-CN" dirty="0"/>
-              <a:t>4</a:t>
-            </a:r>
-            <a:r>
-              <a:rPr lang="zh-CN" altLang="en-US" dirty="0"/>
-              <a:t>）协调者节点受到所有参与者节点反馈的”回滚完成”消息后，取消事务。</a:t>
-            </a:r>
-          </a:p>
-          <a:p>
-            <a:endParaRPr lang="en-US" altLang="zh-CN" dirty="0"/>
-          </a:p>
-          <a:p>
-            <a:r>
-              <a:rPr lang="zh-CN" altLang="en-US" dirty="0"/>
-              <a:t>缺陷</a:t>
-            </a:r>
+            <a:endParaRPr lang="zh-CN" altLang="en-US" dirty="0"/>
           </a:p>
         </p:txBody>
       </p:sp>
@@ -1103,7 +3355,7 @@
     </p:spTree>
     <p:extLst>
       <p:ext uri="{BB962C8B-B14F-4D97-AF65-F5344CB8AC3E}">
-        <p14:creationId xmlns:p14="http://schemas.microsoft.com/office/powerpoint/2010/main" val="3749321538"/>
+        <p14:creationId xmlns:p14="http://schemas.microsoft.com/office/powerpoint/2010/main" val="3223835939"/>
       </p:ext>
     </p:extLst>
   </p:cSld>
@@ -1158,89 +3410,25 @@
           <a:lstStyle/>
           <a:p>
             <a:r>
-              <a:rPr lang="zh-CN" altLang="en-US" dirty="0"/>
-              <a:t>在</a:t>
-            </a:r>
-            <a:r>
-              <a:rPr lang="en-US" altLang="zh-CN" dirty="0" err="1"/>
-              <a:t>doCommit</a:t>
-            </a:r>
-            <a:r>
-              <a:rPr lang="zh-CN" altLang="en-US" dirty="0"/>
-              <a:t>阶段，如果参与者无法及时接收到来自协调者的</a:t>
-            </a:r>
-            <a:r>
-              <a:rPr lang="en-US" altLang="zh-CN" dirty="0" err="1"/>
-              <a:t>doCommit</a:t>
-            </a:r>
-            <a:r>
-              <a:rPr lang="zh-CN" altLang="en-US" dirty="0"/>
-              <a:t>或者</a:t>
-            </a:r>
-            <a:r>
-              <a:rPr lang="en-US" altLang="zh-CN" dirty="0" err="1"/>
-              <a:t>rebort</a:t>
-            </a:r>
-            <a:r>
-              <a:rPr lang="zh-CN" altLang="en-US" dirty="0"/>
-              <a:t>请求时，会在等待超时之后，会继续进行事务的提交。（其实这个应该是基于概率来决定的，当进入第三阶段时，说明参与者在第二阶段已经收到了</a:t>
-            </a:r>
-            <a:r>
-              <a:rPr lang="en-US" altLang="zh-CN" dirty="0" err="1"/>
-              <a:t>PreCommit</a:t>
-            </a:r>
-            <a:r>
-              <a:rPr lang="zh-CN" altLang="en-US" dirty="0"/>
-              <a:t>请求，那么协调者产生</a:t>
-            </a:r>
-            <a:r>
-              <a:rPr lang="en-US" altLang="zh-CN" dirty="0" err="1"/>
-              <a:t>PreCommit</a:t>
-            </a:r>
-            <a:r>
-              <a:rPr lang="zh-CN" altLang="en-US" dirty="0"/>
-              <a:t>请求的前提条件是他在第二阶段开始之前，收到所有参与者的</a:t>
-            </a:r>
-            <a:r>
-              <a:rPr lang="en-US" altLang="zh-CN" dirty="0" err="1"/>
-              <a:t>CanCommit</a:t>
-            </a:r>
-            <a:r>
-              <a:rPr lang="zh-CN" altLang="en-US" dirty="0"/>
-              <a:t>响应都是</a:t>
-            </a:r>
-            <a:r>
-              <a:rPr lang="en-US" altLang="zh-CN" dirty="0"/>
-              <a:t>Yes</a:t>
-            </a:r>
-            <a:r>
-              <a:rPr lang="zh-CN" altLang="en-US" dirty="0"/>
-              <a:t>。（一旦参与者收到了</a:t>
-            </a:r>
-            <a:r>
-              <a:rPr lang="en-US" altLang="zh-CN" dirty="0" err="1"/>
-              <a:t>PreCommit</a:t>
-            </a:r>
-            <a:r>
-              <a:rPr lang="zh-CN" altLang="en-US" dirty="0"/>
-              <a:t>，意味他知道大家其实都同意修改了）所以，一句话概括就是，当进入第三阶段时，由于网络超时等原因，虽然参与者没有收到</a:t>
-            </a:r>
-            <a:r>
-              <a:rPr lang="en-US" altLang="zh-CN" dirty="0"/>
-              <a:t>commit</a:t>
-            </a:r>
-            <a:r>
-              <a:rPr lang="zh-CN" altLang="en-US" dirty="0"/>
-              <a:t>或者</a:t>
-            </a:r>
-            <a:r>
-              <a:rPr lang="en-US" altLang="zh-CN" dirty="0"/>
-              <a:t>abort</a:t>
-            </a:r>
-            <a:r>
-              <a:rPr lang="zh-CN" altLang="en-US" dirty="0"/>
-              <a:t>响应，但是他有理由相信：成功提交的几率很大。 ）</a:t>
-            </a:r>
+              <a:rPr lang="en-US" altLang="zh-CN" dirty="0"/>
+              <a:t>XA:</a:t>
+            </a:r>
+            <a:r>
+              <a:rPr lang="en-US" altLang="zh-CN" baseline="0" dirty="0"/>
+              <a:t> </a:t>
+            </a:r>
+            <a:r>
+              <a:rPr lang="zh-CN" altLang="en-US" baseline="0" dirty="0"/>
+              <a:t>存在事务协调器</a:t>
+            </a:r>
+            <a:endParaRPr lang="en-US" altLang="zh-CN" baseline="0" dirty="0"/>
+          </a:p>
+          <a:p>
+            <a:r>
+              <a:rPr lang="zh-CN" altLang="en-US" baseline="0" dirty="0"/>
+              <a:t>补偿机制：如银行冲正</a:t>
+            </a:r>
+            <a:endParaRPr lang="zh-CN" altLang="en-US" dirty="0"/>
           </a:p>
         </p:txBody>
       </p:sp>
@@ -1270,7 +3458,7 @@
     </p:spTree>
     <p:extLst>
       <p:ext uri="{BB962C8B-B14F-4D97-AF65-F5344CB8AC3E}">
-        <p14:creationId xmlns:p14="http://schemas.microsoft.com/office/powerpoint/2010/main" val="3648280276"/>
+        <p14:creationId xmlns:p14="http://schemas.microsoft.com/office/powerpoint/2010/main" val="2976006048"/>
       </p:ext>
     </p:extLst>
   </p:cSld>
@@ -1324,7 +3512,162 @@
           <a:bodyPr/>
           <a:lstStyle/>
           <a:p>
-            <a:endParaRPr lang="zh-CN" altLang="en-US" dirty="0"/>
+            <a:r>
+              <a:rPr lang="en-US" altLang="zh-CN" dirty="0"/>
+              <a:t>Commit</a:t>
+            </a:r>
+            <a:r>
+              <a:rPr lang="zh-CN" altLang="en-US" dirty="0"/>
+              <a:t>逻辑</a:t>
+            </a:r>
+            <a:endParaRPr lang="en-US" altLang="zh-CN" dirty="0"/>
+          </a:p>
+          <a:p>
+            <a:r>
+              <a:rPr lang="en-US" altLang="zh-CN" dirty="0"/>
+              <a:t>1</a:t>
+            </a:r>
+            <a:r>
+              <a:rPr lang="zh-CN" altLang="en-US" dirty="0"/>
+              <a:t>）协调者节点向所有参与者节点发出”正式提交</a:t>
+            </a:r>
+            <a:r>
+              <a:rPr lang="en-US" altLang="zh-CN" dirty="0"/>
+              <a:t>(commit)”</a:t>
+            </a:r>
+            <a:r>
+              <a:rPr lang="zh-CN" altLang="en-US" dirty="0"/>
+              <a:t>的请求。</a:t>
+            </a:r>
+          </a:p>
+          <a:p>
+            <a:r>
+              <a:rPr lang="en-US" altLang="zh-CN" dirty="0"/>
+              <a:t>2</a:t>
+            </a:r>
+            <a:r>
+              <a:rPr lang="zh-CN" altLang="en-US" dirty="0"/>
+              <a:t>）参与者节点正式完成操作，并释放在整个事务期间内占用的资源。</a:t>
+            </a:r>
+          </a:p>
+          <a:p>
+            <a:r>
+              <a:rPr lang="en-US" altLang="zh-CN" dirty="0"/>
+              <a:t>3</a:t>
+            </a:r>
+            <a:r>
+              <a:rPr lang="zh-CN" altLang="en-US" dirty="0"/>
+              <a:t>）参与者节点向协调者节点发送”完成”消息。</a:t>
+            </a:r>
+          </a:p>
+          <a:p>
+            <a:r>
+              <a:rPr lang="en-US" altLang="zh-CN" dirty="0"/>
+              <a:t>4</a:t>
+            </a:r>
+            <a:r>
+              <a:rPr lang="zh-CN" altLang="en-US" dirty="0"/>
+              <a:t>）协调者节点受到所有参与者节点反馈的”完成”消息后，完成事务。</a:t>
+            </a:r>
+          </a:p>
+          <a:p>
+            <a:endParaRPr lang="en-US" altLang="zh-CN" dirty="0"/>
+          </a:p>
+          <a:p>
+            <a:endParaRPr lang="en-US" altLang="zh-CN" dirty="0"/>
+          </a:p>
+          <a:p>
+            <a:pPr marL="0" marR="0" lvl="0" indent="0" algn="l" defTabSz="914400" rtl="0" eaLnBrk="1" fontAlgn="auto" latinLnBrk="0" hangingPunct="1">
+              <a:lnSpc>
+                <a:spcPct val="100000"/>
+              </a:lnSpc>
+              <a:spcBef>
+                <a:spcPts val="0"/>
+              </a:spcBef>
+              <a:spcAft>
+                <a:spcPts val="0"/>
+              </a:spcAft>
+              <a:buClrTx/>
+              <a:buSzTx/>
+              <a:buFontTx/>
+              <a:buNone/>
+              <a:tabLst/>
+              <a:defRPr/>
+            </a:pPr>
+            <a:r>
+              <a:rPr lang="en-US" altLang="zh-CN" dirty="0"/>
+              <a:t>Rollback</a:t>
+            </a:r>
+            <a:r>
+              <a:rPr lang="zh-CN" altLang="en-US" dirty="0"/>
+              <a:t>逻辑</a:t>
+            </a:r>
+            <a:endParaRPr lang="en-US" altLang="zh-CN" dirty="0"/>
+          </a:p>
+          <a:p>
+            <a:r>
+              <a:rPr lang="en-US" altLang="zh-CN" dirty="0"/>
+              <a:t>1</a:t>
+            </a:r>
+            <a:r>
+              <a:rPr lang="zh-CN" altLang="en-US" dirty="0"/>
+              <a:t>）协调者节点向所有参与者节点发出”回滚操作</a:t>
+            </a:r>
+            <a:r>
+              <a:rPr lang="en-US" altLang="zh-CN" dirty="0"/>
+              <a:t>(rollback)”</a:t>
+            </a:r>
+            <a:r>
+              <a:rPr lang="zh-CN" altLang="en-US" dirty="0"/>
+              <a:t>的请求。</a:t>
+            </a:r>
+          </a:p>
+          <a:p>
+            <a:r>
+              <a:rPr lang="en-US" altLang="zh-CN" dirty="0"/>
+              <a:t>2</a:t>
+            </a:r>
+            <a:r>
+              <a:rPr lang="zh-CN" altLang="en-US" dirty="0"/>
+              <a:t>）参与者节点利用之前写入的</a:t>
+            </a:r>
+            <a:r>
+              <a:rPr lang="en-US" altLang="zh-CN" dirty="0"/>
+              <a:t>Undo</a:t>
+            </a:r>
+            <a:r>
+              <a:rPr lang="zh-CN" altLang="en-US" dirty="0"/>
+              <a:t>信息执行回滚，并释放在整个事务期间内占用的资源。</a:t>
+            </a:r>
+          </a:p>
+          <a:p>
+            <a:r>
+              <a:rPr lang="en-US" altLang="zh-CN" dirty="0"/>
+              <a:t>3</a:t>
+            </a:r>
+            <a:r>
+              <a:rPr lang="zh-CN" altLang="en-US" dirty="0"/>
+              <a:t>）参与者节点向协调者节点发送”回滚完成”消息。</a:t>
+            </a:r>
+          </a:p>
+          <a:p>
+            <a:r>
+              <a:rPr lang="en-US" altLang="zh-CN" dirty="0"/>
+              <a:t>4</a:t>
+            </a:r>
+            <a:r>
+              <a:rPr lang="zh-CN" altLang="en-US" dirty="0"/>
+              <a:t>）协调者节点受到所有参与者节点反馈的”回滚完成”消息后，取消事务。</a:t>
+            </a:r>
+          </a:p>
+          <a:p>
+            <a:endParaRPr lang="en-US" altLang="zh-CN" dirty="0"/>
+          </a:p>
+          <a:p>
+            <a:r>
+              <a:rPr lang="zh-CN" altLang="en-US" dirty="0"/>
+              <a:t>缺陷</a:t>
+            </a:r>
           </a:p>
         </p:txBody>
       </p:sp>
@@ -1345,7 +3688,7 @@
           <a:p>
             <a:fld id="{30936462-658F-4E41-8C6E-2EAB7E357587}" type="slidenum">
               <a:rPr lang="zh-CN" altLang="en-US" smtClean="0"/>
-              <a:t>11</a:t>
+              <a:t>9</a:t>
             </a:fld>
             <a:endParaRPr lang="zh-CN" altLang="en-US"/>
           </a:p>
@@ -1354,7 +3697,7 @@
     </p:spTree>
     <p:extLst>
       <p:ext uri="{BB962C8B-B14F-4D97-AF65-F5344CB8AC3E}">
-        <p14:creationId xmlns:p14="http://schemas.microsoft.com/office/powerpoint/2010/main" val="4096323322"/>
+        <p14:creationId xmlns:p14="http://schemas.microsoft.com/office/powerpoint/2010/main" val="3749321538"/>
       </p:ext>
     </p:extLst>
   </p:cSld>
@@ -1409,150 +3752,89 @@
           <a:lstStyle/>
           <a:p>
             <a:r>
-              <a:rPr lang="en-US" altLang="zh-CN" sz="1200" b="0" i="0" kern="1200" dirty="0">
-                <a:solidFill>
-                  <a:schemeClr val="tx1"/>
-                </a:solidFill>
-                <a:effectLst/>
-                <a:latin typeface="+mn-lt"/>
-                <a:ea typeface="+mn-ea"/>
-                <a:cs typeface="+mn-cs"/>
-              </a:rPr>
-              <a:t>Java</a:t>
-            </a:r>
-            <a:r>
-              <a:rPr lang="zh-CN" altLang="en-US" sz="1200" b="0" i="0" kern="1200" dirty="0">
-                <a:solidFill>
-                  <a:schemeClr val="tx1"/>
-                </a:solidFill>
-                <a:effectLst/>
-                <a:latin typeface="+mn-lt"/>
-                <a:ea typeface="+mn-ea"/>
-                <a:cs typeface="+mn-cs"/>
-              </a:rPr>
-              <a:t>通过</a:t>
-            </a:r>
-            <a:r>
-              <a:rPr lang="en-US" altLang="zh-CN" sz="1200" b="0" i="0" kern="1200" dirty="0">
-                <a:solidFill>
-                  <a:schemeClr val="tx1"/>
-                </a:solidFill>
-                <a:effectLst/>
-                <a:latin typeface="+mn-lt"/>
-                <a:ea typeface="+mn-ea"/>
-                <a:cs typeface="+mn-cs"/>
-              </a:rPr>
-              <a:t>JTA</a:t>
-            </a:r>
-            <a:r>
-              <a:rPr lang="zh-CN" altLang="en-US" sz="1200" b="0" i="0" kern="1200" dirty="0">
-                <a:solidFill>
-                  <a:schemeClr val="tx1"/>
-                </a:solidFill>
-                <a:effectLst/>
-                <a:latin typeface="+mn-lt"/>
-                <a:ea typeface="+mn-ea"/>
-                <a:cs typeface="+mn-cs"/>
-              </a:rPr>
-              <a:t>完成分布式事务，</a:t>
-            </a:r>
-            <a:r>
-              <a:rPr lang="en-US" altLang="zh-CN" sz="1200" b="0" i="0" kern="1200" dirty="0">
-                <a:solidFill>
-                  <a:schemeClr val="tx1"/>
-                </a:solidFill>
-                <a:effectLst/>
-                <a:latin typeface="+mn-lt"/>
-                <a:ea typeface="+mn-ea"/>
-                <a:cs typeface="+mn-cs"/>
-              </a:rPr>
-              <a:t>JTA</a:t>
-            </a:r>
-            <a:r>
-              <a:rPr lang="zh-CN" altLang="en-US" sz="1200" b="0" i="0" kern="1200" dirty="0">
-                <a:solidFill>
-                  <a:schemeClr val="tx1"/>
-                </a:solidFill>
-                <a:effectLst/>
-                <a:latin typeface="+mn-lt"/>
-                <a:ea typeface="+mn-ea"/>
-                <a:cs typeface="+mn-cs"/>
-              </a:rPr>
-              <a:t>本身只是一种规范，不同的应用服务器都包含有自己的实现（比如</a:t>
-            </a:r>
-            <a:r>
-              <a:rPr lang="en-US" altLang="zh-CN" sz="1200" b="0" i="0" kern="1200" dirty="0" err="1">
-                <a:solidFill>
-                  <a:schemeClr val="tx1"/>
-                </a:solidFill>
-                <a:effectLst/>
-                <a:latin typeface="+mn-lt"/>
-                <a:ea typeface="+mn-ea"/>
-                <a:cs typeface="+mn-cs"/>
-              </a:rPr>
-              <a:t>JbossJTA</a:t>
-            </a:r>
-            <a:r>
-              <a:rPr lang="zh-CN" altLang="en-US" sz="1200" b="0" i="0" kern="1200" dirty="0">
-                <a:solidFill>
-                  <a:schemeClr val="tx1"/>
-                </a:solidFill>
-                <a:effectLst/>
-                <a:latin typeface="+mn-lt"/>
-                <a:ea typeface="+mn-ea"/>
-                <a:cs typeface="+mn-cs"/>
-              </a:rPr>
-              <a:t>），同时还存在独立于应用服务器的单独</a:t>
-            </a:r>
-            <a:r>
-              <a:rPr lang="en-US" altLang="zh-CN" sz="1200" b="0" i="0" kern="1200" dirty="0">
-                <a:solidFill>
-                  <a:schemeClr val="tx1"/>
-                </a:solidFill>
-                <a:effectLst/>
-                <a:latin typeface="+mn-lt"/>
-                <a:ea typeface="+mn-ea"/>
-                <a:cs typeface="+mn-cs"/>
-              </a:rPr>
-              <a:t>JTA</a:t>
-            </a:r>
-            <a:r>
-              <a:rPr lang="zh-CN" altLang="en-US" sz="1200" b="0" i="0" kern="1200" dirty="0">
-                <a:solidFill>
-                  <a:schemeClr val="tx1"/>
-                </a:solidFill>
-                <a:effectLst/>
-                <a:latin typeface="+mn-lt"/>
-                <a:ea typeface="+mn-ea"/>
-                <a:cs typeface="+mn-cs"/>
-              </a:rPr>
-              <a:t>实现，比如本篇中要讲到的</a:t>
-            </a:r>
-            <a:r>
-              <a:rPr lang="en-US" altLang="zh-CN" sz="1200" b="0" i="0" kern="1200" dirty="0" err="1">
-                <a:solidFill>
-                  <a:schemeClr val="tx1"/>
-                </a:solidFill>
-                <a:effectLst/>
-                <a:latin typeface="+mn-lt"/>
-                <a:ea typeface="+mn-ea"/>
-                <a:cs typeface="+mn-cs"/>
-              </a:rPr>
-              <a:t>Atomikos</a:t>
-            </a:r>
-            <a:r>
-              <a:rPr lang="zh-CN" altLang="en-US" sz="1200" b="0" i="0" kern="1200">
-                <a:solidFill>
-                  <a:schemeClr val="tx1"/>
-                </a:solidFill>
-                <a:effectLst/>
-                <a:latin typeface="+mn-lt"/>
-                <a:ea typeface="+mn-ea"/>
-                <a:cs typeface="+mn-cs"/>
-              </a:rPr>
-              <a:t>。</a:t>
-            </a:r>
-            <a:endParaRPr lang="zh-CN" altLang="en-US"/>
+              <a:rPr lang="zh-CN" altLang="en-US" dirty="0"/>
+              <a:t>在</a:t>
+            </a:r>
+            <a:r>
+              <a:rPr lang="en-US" altLang="zh-CN" dirty="0" err="1"/>
+              <a:t>doCommit</a:t>
+            </a:r>
+            <a:r>
+              <a:rPr lang="zh-CN" altLang="en-US" dirty="0"/>
+              <a:t>阶段，如果参与者无法及时接收到来自协调者的</a:t>
+            </a:r>
+            <a:r>
+              <a:rPr lang="en-US" altLang="zh-CN" dirty="0" err="1"/>
+              <a:t>doCommit</a:t>
+            </a:r>
+            <a:r>
+              <a:rPr lang="zh-CN" altLang="en-US" dirty="0"/>
+              <a:t>或者</a:t>
+            </a:r>
+            <a:r>
+              <a:rPr lang="en-US" altLang="zh-CN" dirty="0" err="1"/>
+              <a:t>rebort</a:t>
+            </a:r>
+            <a:r>
+              <a:rPr lang="zh-CN" altLang="en-US" dirty="0"/>
+              <a:t>请求时，会在等待超时之后，会继续进行事务的提交。（其实这个应该是基于概率来决定的，当进入第三阶段时，说明参与者在第二阶段已经收到了</a:t>
+            </a:r>
+            <a:r>
+              <a:rPr lang="en-US" altLang="zh-CN" dirty="0" err="1"/>
+              <a:t>PreCommit</a:t>
+            </a:r>
+            <a:r>
+              <a:rPr lang="zh-CN" altLang="en-US" dirty="0"/>
+              <a:t>请求，那么协调者产生</a:t>
+            </a:r>
+            <a:r>
+              <a:rPr lang="en-US" altLang="zh-CN" dirty="0" err="1"/>
+              <a:t>PreCommit</a:t>
+            </a:r>
+            <a:r>
+              <a:rPr lang="zh-CN" altLang="en-US" dirty="0"/>
+              <a:t>请求的前提条件是他在第二阶段开始之前，收到所有参与者的</a:t>
+            </a:r>
+            <a:r>
+              <a:rPr lang="en-US" altLang="zh-CN" dirty="0" err="1"/>
+              <a:t>CanCommit</a:t>
+            </a:r>
+            <a:r>
+              <a:rPr lang="zh-CN" altLang="en-US" dirty="0"/>
+              <a:t>响应都是</a:t>
+            </a:r>
+            <a:r>
+              <a:rPr lang="en-US" altLang="zh-CN" dirty="0"/>
+              <a:t>Yes</a:t>
+            </a:r>
+            <a:r>
+              <a:rPr lang="zh-CN" altLang="en-US" dirty="0"/>
+              <a:t>。（一旦参与者收到了</a:t>
+            </a:r>
+            <a:r>
+              <a:rPr lang="en-US" altLang="zh-CN" dirty="0" err="1"/>
+              <a:t>PreCommit</a:t>
+            </a:r>
+            <a:r>
+              <a:rPr lang="zh-CN" altLang="en-US" dirty="0"/>
+              <a:t>，意味他知道大家其实都同意修改了）所以，一句话概括就是，当进入第三阶段时，由于网络超时等原因，虽然参与者没有收到</a:t>
+            </a:r>
+            <a:r>
+              <a:rPr lang="en-US" altLang="zh-CN" dirty="0"/>
+              <a:t>commit</a:t>
+            </a:r>
+            <a:r>
+              <a:rPr lang="zh-CN" altLang="en-US" dirty="0"/>
+              <a:t>或者</a:t>
+            </a:r>
+            <a:r>
+              <a:rPr lang="en-US" altLang="zh-CN" dirty="0"/>
+              <a:t>abort</a:t>
+            </a:r>
+            <a:r>
+              <a:rPr lang="zh-CN" altLang="en-US" dirty="0"/>
+              <a:t>响应，但是他有理由相信：成功提交的几率很大。 ）</a:t>
+            </a:r>
           </a:p>
         </p:txBody>
       </p:sp>
@@ -1573,7 +3855,7 @@
           <a:p>
             <a:fld id="{30936462-658F-4E41-8C6E-2EAB7E357587}" type="slidenum">
               <a:rPr lang="zh-CN" altLang="en-US" smtClean="0"/>
-              <a:t>12</a:t>
+              <a:t>10</a:t>
             </a:fld>
             <a:endParaRPr lang="zh-CN" altLang="en-US"/>
           </a:p>
@@ -1582,7 +3864,7 @@
     </p:spTree>
     <p:extLst>
       <p:ext uri="{BB962C8B-B14F-4D97-AF65-F5344CB8AC3E}">
-        <p14:creationId xmlns:p14="http://schemas.microsoft.com/office/powerpoint/2010/main" val="3306133267"/>
+        <p14:creationId xmlns:p14="http://schemas.microsoft.com/office/powerpoint/2010/main" val="3648280276"/>
       </p:ext>
     </p:extLst>
   </p:cSld>
@@ -1636,963 +3918,7 @@
           <a:bodyPr/>
           <a:lstStyle/>
           <a:p>
-            <a:r>
-              <a:rPr lang="zh-CN" altLang="en-US" dirty="0"/>
-              <a:t>这个接口是</a:t>
-            </a:r>
-            <a:r>
-              <a:rPr lang="en-US" altLang="zh-CN" dirty="0"/>
-              <a:t>JTA</a:t>
-            </a:r>
-            <a:r>
-              <a:rPr lang="zh-CN" altLang="en-US" dirty="0"/>
-              <a:t>事务提供接口</a:t>
-            </a:r>
-            <a:endParaRPr lang="en-US" altLang="zh-CN" dirty="0"/>
-          </a:p>
-          <a:p>
-            <a:endParaRPr lang="en-US" altLang="zh-CN" dirty="0"/>
-          </a:p>
-          <a:p>
-            <a:pPr marL="0" marR="0" lvl="0" indent="0" algn="l" defTabSz="914400" rtl="0" eaLnBrk="1" fontAlgn="auto" latinLnBrk="0" hangingPunct="1">
-              <a:lnSpc>
-                <a:spcPct val="100000"/>
-              </a:lnSpc>
-              <a:spcBef>
-                <a:spcPts val="0"/>
-              </a:spcBef>
-              <a:spcAft>
-                <a:spcPts val="0"/>
-              </a:spcAft>
-              <a:buClrTx/>
-              <a:buSzTx/>
-              <a:buFontTx/>
-              <a:buNone/>
-              <a:tabLst/>
-              <a:defRPr/>
-            </a:pPr>
-            <a:r>
-              <a:rPr lang="zh-CN" altLang="en-US" sz="1200" b="0" i="0" kern="1200" dirty="0">
-                <a:solidFill>
-                  <a:schemeClr val="tx1"/>
-                </a:solidFill>
-                <a:effectLst/>
-                <a:latin typeface="+mn-lt"/>
-                <a:ea typeface="+mn-ea"/>
-                <a:cs typeface="+mn-cs"/>
-              </a:rPr>
-              <a:t>值得注意的是，不是使用了</a:t>
-            </a:r>
-            <a:r>
-              <a:rPr lang="en-US" altLang="zh-CN" dirty="0" err="1"/>
-              <a:t>UserTransaction</a:t>
-            </a:r>
-            <a:r>
-              <a:rPr lang="zh-CN" altLang="en-US" sz="1200" b="0" i="0" kern="1200" dirty="0">
-                <a:solidFill>
-                  <a:schemeClr val="tx1"/>
-                </a:solidFill>
-                <a:effectLst/>
-                <a:latin typeface="+mn-lt"/>
-                <a:ea typeface="+mn-ea"/>
-                <a:cs typeface="+mn-cs"/>
-              </a:rPr>
-              <a:t>就能把普通的</a:t>
-            </a:r>
-            <a:r>
-              <a:rPr lang="en-US" altLang="zh-CN" sz="1200" b="0" i="0" kern="1200" dirty="0">
-                <a:solidFill>
-                  <a:schemeClr val="tx1"/>
-                </a:solidFill>
-                <a:effectLst/>
-                <a:latin typeface="+mn-lt"/>
-                <a:ea typeface="+mn-ea"/>
-                <a:cs typeface="+mn-cs"/>
-              </a:rPr>
-              <a:t>JDBC</a:t>
-            </a:r>
-            <a:r>
-              <a:rPr lang="zh-CN" altLang="en-US" sz="1200" b="0" i="0" kern="1200" dirty="0">
-                <a:solidFill>
-                  <a:schemeClr val="tx1"/>
-                </a:solidFill>
-                <a:effectLst/>
-                <a:latin typeface="+mn-lt"/>
-                <a:ea typeface="+mn-ea"/>
-                <a:cs typeface="+mn-cs"/>
-              </a:rPr>
-              <a:t>操作直接转成</a:t>
-            </a:r>
-            <a:r>
-              <a:rPr lang="en-US" altLang="zh-CN" sz="1200" b="0" i="0" kern="1200" dirty="0">
-                <a:solidFill>
-                  <a:schemeClr val="tx1"/>
-                </a:solidFill>
-                <a:effectLst/>
-                <a:latin typeface="+mn-lt"/>
-                <a:ea typeface="+mn-ea"/>
-                <a:cs typeface="+mn-cs"/>
-              </a:rPr>
-              <a:t>JTA</a:t>
-            </a:r>
-            <a:r>
-              <a:rPr lang="zh-CN" altLang="en-US" sz="1200" b="0" i="0" kern="1200" dirty="0">
-                <a:solidFill>
-                  <a:schemeClr val="tx1"/>
-                </a:solidFill>
-                <a:effectLst/>
-                <a:latin typeface="+mn-lt"/>
-                <a:ea typeface="+mn-ea"/>
-                <a:cs typeface="+mn-cs"/>
-              </a:rPr>
-              <a:t>操作，</a:t>
-            </a:r>
-            <a:r>
-              <a:rPr lang="en-US" altLang="zh-CN" sz="1200" b="0" i="0" kern="1200" dirty="0">
-                <a:solidFill>
-                  <a:schemeClr val="tx1"/>
-                </a:solidFill>
-                <a:effectLst/>
-                <a:latin typeface="+mn-lt"/>
-                <a:ea typeface="+mn-ea"/>
-                <a:cs typeface="+mn-cs"/>
-              </a:rPr>
-              <a:t>JTA</a:t>
-            </a:r>
-            <a:r>
-              <a:rPr lang="zh-CN" altLang="en-US" sz="1200" b="0" i="0" kern="1200" dirty="0">
-                <a:solidFill>
-                  <a:schemeClr val="tx1"/>
-                </a:solidFill>
-                <a:effectLst/>
-                <a:latin typeface="+mn-lt"/>
-                <a:ea typeface="+mn-ea"/>
-                <a:cs typeface="+mn-cs"/>
-              </a:rPr>
-              <a:t>对</a:t>
-            </a:r>
-            <a:r>
-              <a:rPr lang="en-US" altLang="zh-CN" sz="1200" b="0" i="0" kern="1200" dirty="0" err="1">
-                <a:solidFill>
-                  <a:schemeClr val="tx1"/>
-                </a:solidFill>
-                <a:effectLst/>
-                <a:latin typeface="+mn-lt"/>
-                <a:ea typeface="+mn-ea"/>
-                <a:cs typeface="+mn-cs"/>
-              </a:rPr>
-              <a:t>DataSource</a:t>
-            </a:r>
-            <a:r>
-              <a:rPr lang="zh-CN" altLang="en-US" sz="1200" b="0" i="0" kern="1200" dirty="0">
-                <a:solidFill>
-                  <a:schemeClr val="tx1"/>
-                </a:solidFill>
-                <a:effectLst/>
-                <a:latin typeface="+mn-lt"/>
-                <a:ea typeface="+mn-ea"/>
-                <a:cs typeface="+mn-cs"/>
-              </a:rPr>
-              <a:t>、</a:t>
-            </a:r>
-            <a:r>
-              <a:rPr lang="en-US" altLang="zh-CN" sz="1200" b="0" i="0" kern="1200" dirty="0">
-                <a:solidFill>
-                  <a:schemeClr val="tx1"/>
-                </a:solidFill>
-                <a:effectLst/>
-                <a:latin typeface="+mn-lt"/>
-                <a:ea typeface="+mn-ea"/>
-                <a:cs typeface="+mn-cs"/>
-              </a:rPr>
-              <a:t>Connection</a:t>
-            </a:r>
-            <a:r>
-              <a:rPr lang="zh-CN" altLang="en-US" sz="1200" b="0" i="0" kern="1200" dirty="0">
-                <a:solidFill>
-                  <a:schemeClr val="tx1"/>
-                </a:solidFill>
-                <a:effectLst/>
-                <a:latin typeface="+mn-lt"/>
-                <a:ea typeface="+mn-ea"/>
-                <a:cs typeface="+mn-cs"/>
-              </a:rPr>
-              <a:t>和</a:t>
-            </a:r>
-            <a:r>
-              <a:rPr lang="en-US" altLang="zh-CN" sz="1200" b="0" i="0" kern="1200" dirty="0">
-                <a:solidFill>
-                  <a:schemeClr val="tx1"/>
-                </a:solidFill>
-                <a:effectLst/>
-                <a:latin typeface="+mn-lt"/>
-                <a:ea typeface="+mn-ea"/>
-                <a:cs typeface="+mn-cs"/>
-              </a:rPr>
-              <a:t>Resource </a:t>
-            </a:r>
-            <a:r>
-              <a:rPr lang="zh-CN" altLang="en-US" sz="1200" b="0" i="0" kern="1200" dirty="0">
-                <a:solidFill>
-                  <a:schemeClr val="tx1"/>
-                </a:solidFill>
-                <a:effectLst/>
-                <a:latin typeface="+mn-lt"/>
-                <a:ea typeface="+mn-ea"/>
-                <a:cs typeface="+mn-cs"/>
-              </a:rPr>
-              <a:t>都是有要求的，只有符合</a:t>
-            </a:r>
-            <a:r>
-              <a:rPr lang="en-US" altLang="zh-CN" sz="1200" b="0" i="0" u="sng" kern="1200" dirty="0">
-                <a:solidFill>
-                  <a:schemeClr val="tx1"/>
-                </a:solidFill>
-                <a:effectLst/>
-                <a:latin typeface="+mn-lt"/>
-                <a:ea typeface="+mn-ea"/>
-                <a:cs typeface="+mn-cs"/>
-                <a:hlinkClick r:id="rId3"/>
-              </a:rPr>
-              <a:t>XA</a:t>
-            </a:r>
-            <a:r>
-              <a:rPr lang="zh-CN" altLang="en-US" sz="1200" b="0" i="0" u="sng" kern="1200" dirty="0">
-                <a:solidFill>
-                  <a:schemeClr val="tx1"/>
-                </a:solidFill>
-                <a:effectLst/>
-                <a:latin typeface="+mn-lt"/>
-                <a:ea typeface="+mn-ea"/>
-                <a:cs typeface="+mn-cs"/>
-                <a:hlinkClick r:id="rId3"/>
-              </a:rPr>
-              <a:t>规范</a:t>
-            </a:r>
-            <a:r>
-              <a:rPr lang="zh-CN" altLang="en-US" sz="1200" b="0" i="0" kern="1200" dirty="0">
-                <a:solidFill>
-                  <a:schemeClr val="tx1"/>
-                </a:solidFill>
-                <a:effectLst/>
-                <a:latin typeface="+mn-lt"/>
-                <a:ea typeface="+mn-ea"/>
-                <a:cs typeface="+mn-cs"/>
-              </a:rPr>
-              <a:t>，并且实现了</a:t>
-            </a:r>
-            <a:r>
-              <a:rPr lang="en-US" altLang="zh-CN" sz="1200" b="0" i="0" kern="1200" dirty="0">
-                <a:solidFill>
-                  <a:schemeClr val="tx1"/>
-                </a:solidFill>
-                <a:effectLst/>
-                <a:latin typeface="+mn-lt"/>
-                <a:ea typeface="+mn-ea"/>
-                <a:cs typeface="+mn-cs"/>
-              </a:rPr>
-              <a:t>XA</a:t>
-            </a:r>
-            <a:r>
-              <a:rPr lang="zh-CN" altLang="en-US" sz="1200" b="0" i="0" kern="1200" dirty="0">
-                <a:solidFill>
-                  <a:schemeClr val="tx1"/>
-                </a:solidFill>
-                <a:effectLst/>
-                <a:latin typeface="+mn-lt"/>
-                <a:ea typeface="+mn-ea"/>
-                <a:cs typeface="+mn-cs"/>
-              </a:rPr>
-              <a:t>规范的相关接口的类才能参与到</a:t>
-            </a:r>
-            <a:r>
-              <a:rPr lang="en-US" altLang="zh-CN" sz="1200" b="0" i="0" kern="1200" dirty="0">
-                <a:solidFill>
-                  <a:schemeClr val="tx1"/>
-                </a:solidFill>
-                <a:effectLst/>
-                <a:latin typeface="+mn-lt"/>
-                <a:ea typeface="+mn-ea"/>
-                <a:cs typeface="+mn-cs"/>
-              </a:rPr>
-              <a:t>JTA</a:t>
-            </a:r>
-            <a:r>
-              <a:rPr lang="zh-CN" altLang="en-US" sz="1200" b="0" i="0" kern="1200" dirty="0">
-                <a:solidFill>
-                  <a:schemeClr val="tx1"/>
-                </a:solidFill>
-                <a:effectLst/>
-                <a:latin typeface="+mn-lt"/>
-                <a:ea typeface="+mn-ea"/>
-                <a:cs typeface="+mn-cs"/>
-              </a:rPr>
-              <a:t>事务中来，关于</a:t>
-            </a:r>
-            <a:r>
-              <a:rPr lang="en-US" altLang="zh-CN" sz="1200" b="0" i="0" kern="1200" dirty="0">
-                <a:solidFill>
-                  <a:schemeClr val="tx1"/>
-                </a:solidFill>
-                <a:effectLst/>
-                <a:latin typeface="+mn-lt"/>
-                <a:ea typeface="+mn-ea"/>
-                <a:cs typeface="+mn-cs"/>
-              </a:rPr>
-              <a:t>XA</a:t>
-            </a:r>
-            <a:r>
-              <a:rPr lang="zh-CN" altLang="en-US" sz="1200" b="0" i="0" kern="1200" dirty="0">
-                <a:solidFill>
-                  <a:schemeClr val="tx1"/>
-                </a:solidFill>
-                <a:effectLst/>
-                <a:latin typeface="+mn-lt"/>
-                <a:ea typeface="+mn-ea"/>
-                <a:cs typeface="+mn-cs"/>
-              </a:rPr>
-              <a:t>规范，请看我的另外一篇文章中有相关介绍。这里，提一句，目前主流的数据库都支持</a:t>
-            </a:r>
-            <a:r>
-              <a:rPr lang="en-US" altLang="zh-CN" sz="1200" b="0" i="0" kern="1200" dirty="0">
-                <a:solidFill>
-                  <a:schemeClr val="tx1"/>
-                </a:solidFill>
-                <a:effectLst/>
-                <a:latin typeface="+mn-lt"/>
-                <a:ea typeface="+mn-ea"/>
-                <a:cs typeface="+mn-cs"/>
-              </a:rPr>
-              <a:t>XA</a:t>
-            </a:r>
-            <a:r>
-              <a:rPr lang="zh-CN" altLang="en-US" sz="1200" b="0" i="0" kern="1200" dirty="0">
-                <a:solidFill>
-                  <a:schemeClr val="tx1"/>
-                </a:solidFill>
-                <a:effectLst/>
-                <a:latin typeface="+mn-lt"/>
-                <a:ea typeface="+mn-ea"/>
-                <a:cs typeface="+mn-cs"/>
-              </a:rPr>
-              <a:t>规范。</a:t>
-            </a:r>
             <a:endParaRPr lang="zh-CN" altLang="en-US" dirty="0"/>
-          </a:p>
-          <a:p>
-            <a:endParaRPr lang="en-US" altLang="zh-CN" sz="1200" b="0" i="0" kern="1200" dirty="0">
-              <a:solidFill>
-                <a:schemeClr val="tx1"/>
-              </a:solidFill>
-              <a:effectLst/>
-              <a:latin typeface="+mn-lt"/>
-              <a:ea typeface="+mn-ea"/>
-              <a:cs typeface="+mn-cs"/>
-            </a:endParaRPr>
-          </a:p>
-          <a:p>
-            <a:endParaRPr lang="en-US" altLang="zh-CN" sz="1200" b="0" i="0" kern="1200" dirty="0">
-              <a:solidFill>
-                <a:schemeClr val="tx1"/>
-              </a:solidFill>
-              <a:effectLst/>
-              <a:latin typeface="+mn-lt"/>
-              <a:ea typeface="+mn-ea"/>
-              <a:cs typeface="+mn-cs"/>
-            </a:endParaRPr>
-          </a:p>
-          <a:p>
-            <a:r>
-              <a:rPr lang="zh-CN" altLang="en-US" sz="1200" b="0" i="0" kern="1200" dirty="0">
-                <a:solidFill>
-                  <a:schemeClr val="tx1"/>
-                </a:solidFill>
-                <a:effectLst/>
-                <a:latin typeface="+mn-lt"/>
-                <a:ea typeface="+mn-ea"/>
-                <a:cs typeface="+mn-cs"/>
-              </a:rPr>
-              <a:t>要想使用用 </a:t>
-            </a:r>
-            <a:r>
-              <a:rPr lang="en-US" altLang="zh-CN" sz="1200" b="0" i="0" kern="1200" dirty="0">
-                <a:solidFill>
-                  <a:schemeClr val="tx1"/>
-                </a:solidFill>
-                <a:effectLst/>
-                <a:latin typeface="+mn-lt"/>
-                <a:ea typeface="+mn-ea"/>
-                <a:cs typeface="+mn-cs"/>
-              </a:rPr>
-              <a:t>JTA </a:t>
-            </a:r>
-            <a:r>
-              <a:rPr lang="zh-CN" altLang="en-US" sz="1200" b="0" i="0" kern="1200" dirty="0">
-                <a:solidFill>
-                  <a:schemeClr val="tx1"/>
-                </a:solidFill>
-                <a:effectLst/>
-                <a:latin typeface="+mn-lt"/>
-                <a:ea typeface="+mn-ea"/>
-                <a:cs typeface="+mn-cs"/>
-              </a:rPr>
-              <a:t>事务，那么就需要有一个实现 </a:t>
-            </a:r>
-            <a:r>
-              <a:rPr lang="en-US" altLang="zh-CN" sz="1200" b="0" i="0" kern="1200" dirty="0" err="1">
-                <a:solidFill>
-                  <a:schemeClr val="tx1"/>
-                </a:solidFill>
-                <a:effectLst/>
-                <a:latin typeface="+mn-lt"/>
-                <a:ea typeface="+mn-ea"/>
-                <a:cs typeface="+mn-cs"/>
-              </a:rPr>
-              <a:t>javax.sql.XADataSource</a:t>
-            </a:r>
-            <a:r>
-              <a:rPr lang="en-US" altLang="zh-CN" sz="1200" b="0" i="0" kern="1200" dirty="0">
-                <a:solidFill>
-                  <a:schemeClr val="tx1"/>
-                </a:solidFill>
-                <a:effectLst/>
-                <a:latin typeface="+mn-lt"/>
-                <a:ea typeface="+mn-ea"/>
-                <a:cs typeface="+mn-cs"/>
-              </a:rPr>
-              <a:t> </a:t>
-            </a:r>
-            <a:r>
-              <a:rPr lang="zh-CN" altLang="en-US" sz="1200" b="0" i="0" kern="1200" dirty="0">
-                <a:solidFill>
-                  <a:schemeClr val="tx1"/>
-                </a:solidFill>
-                <a:effectLst/>
-                <a:latin typeface="+mn-lt"/>
-                <a:ea typeface="+mn-ea"/>
-                <a:cs typeface="+mn-cs"/>
-              </a:rPr>
-              <a:t>、 </a:t>
-            </a:r>
-            <a:r>
-              <a:rPr lang="en-US" altLang="zh-CN" sz="1200" b="0" i="0" kern="1200" dirty="0" err="1">
-                <a:solidFill>
-                  <a:schemeClr val="tx1"/>
-                </a:solidFill>
-                <a:effectLst/>
-                <a:latin typeface="+mn-lt"/>
-                <a:ea typeface="+mn-ea"/>
-                <a:cs typeface="+mn-cs"/>
-              </a:rPr>
-              <a:t>javax.sql.XAConnection</a:t>
-            </a:r>
-            <a:r>
-              <a:rPr lang="en-US" altLang="zh-CN" sz="1200" b="0" i="0" kern="1200" dirty="0">
-                <a:solidFill>
-                  <a:schemeClr val="tx1"/>
-                </a:solidFill>
-                <a:effectLst/>
-                <a:latin typeface="+mn-lt"/>
-                <a:ea typeface="+mn-ea"/>
-                <a:cs typeface="+mn-cs"/>
-              </a:rPr>
-              <a:t> </a:t>
-            </a:r>
-            <a:r>
-              <a:rPr lang="zh-CN" altLang="en-US" sz="1200" b="0" i="0" kern="1200" dirty="0">
-                <a:solidFill>
-                  <a:schemeClr val="tx1"/>
-                </a:solidFill>
-                <a:effectLst/>
-                <a:latin typeface="+mn-lt"/>
-                <a:ea typeface="+mn-ea"/>
-                <a:cs typeface="+mn-cs"/>
-              </a:rPr>
-              <a:t>和 </a:t>
-            </a:r>
-            <a:r>
-              <a:rPr lang="en-US" altLang="zh-CN" sz="1200" b="0" i="0" kern="1200" dirty="0" err="1">
-                <a:solidFill>
-                  <a:schemeClr val="tx1"/>
-                </a:solidFill>
-                <a:effectLst/>
-                <a:latin typeface="+mn-lt"/>
-                <a:ea typeface="+mn-ea"/>
-                <a:cs typeface="+mn-cs"/>
-              </a:rPr>
-              <a:t>javax.sql.XAResource</a:t>
-            </a:r>
-            <a:r>
-              <a:rPr lang="en-US" altLang="zh-CN" sz="1200" b="0" i="0" kern="1200" dirty="0">
-                <a:solidFill>
-                  <a:schemeClr val="tx1"/>
-                </a:solidFill>
-                <a:effectLst/>
-                <a:latin typeface="+mn-lt"/>
-                <a:ea typeface="+mn-ea"/>
-                <a:cs typeface="+mn-cs"/>
-              </a:rPr>
-              <a:t> </a:t>
-            </a:r>
-            <a:r>
-              <a:rPr lang="zh-CN" altLang="en-US" sz="1200" b="0" i="0" kern="1200" dirty="0">
-                <a:solidFill>
-                  <a:schemeClr val="tx1"/>
-                </a:solidFill>
-                <a:effectLst/>
-                <a:latin typeface="+mn-lt"/>
-                <a:ea typeface="+mn-ea"/>
-                <a:cs typeface="+mn-cs"/>
-              </a:rPr>
-              <a:t>接口的 </a:t>
-            </a:r>
-            <a:r>
-              <a:rPr lang="en-US" altLang="zh-CN" sz="1200" b="0" i="0" kern="1200" dirty="0">
-                <a:solidFill>
-                  <a:schemeClr val="tx1"/>
-                </a:solidFill>
-                <a:effectLst/>
-                <a:latin typeface="+mn-lt"/>
-                <a:ea typeface="+mn-ea"/>
-                <a:cs typeface="+mn-cs"/>
-              </a:rPr>
-              <a:t>JDBC </a:t>
-            </a:r>
-            <a:r>
-              <a:rPr lang="zh-CN" altLang="en-US" sz="1200" b="0" i="0" kern="1200" dirty="0">
-                <a:solidFill>
-                  <a:schemeClr val="tx1"/>
-                </a:solidFill>
-                <a:effectLst/>
-                <a:latin typeface="+mn-lt"/>
-                <a:ea typeface="+mn-ea"/>
-                <a:cs typeface="+mn-cs"/>
-              </a:rPr>
-              <a:t>驱动程序。一个实现了这些接口的驱动程序将可以参与 </a:t>
-            </a:r>
-            <a:r>
-              <a:rPr lang="en-US" altLang="zh-CN" sz="1200" b="0" i="0" kern="1200" dirty="0">
-                <a:solidFill>
-                  <a:schemeClr val="tx1"/>
-                </a:solidFill>
-                <a:effectLst/>
-                <a:latin typeface="+mn-lt"/>
-                <a:ea typeface="+mn-ea"/>
-                <a:cs typeface="+mn-cs"/>
-              </a:rPr>
-              <a:t>JTA </a:t>
-            </a:r>
-            <a:r>
-              <a:rPr lang="zh-CN" altLang="en-US" sz="1200" b="0" i="0" kern="1200" dirty="0">
-                <a:solidFill>
-                  <a:schemeClr val="tx1"/>
-                </a:solidFill>
-                <a:effectLst/>
-                <a:latin typeface="+mn-lt"/>
-                <a:ea typeface="+mn-ea"/>
-                <a:cs typeface="+mn-cs"/>
-              </a:rPr>
-              <a:t>事务。一个 </a:t>
-            </a:r>
-            <a:r>
-              <a:rPr lang="en-US" altLang="zh-CN" sz="1200" b="0" i="0" kern="1200" dirty="0" err="1">
-                <a:solidFill>
-                  <a:schemeClr val="tx1"/>
-                </a:solidFill>
-                <a:effectLst/>
-                <a:latin typeface="+mn-lt"/>
-                <a:ea typeface="+mn-ea"/>
-                <a:cs typeface="+mn-cs"/>
-              </a:rPr>
-              <a:t>XADataSource</a:t>
-            </a:r>
-            <a:r>
-              <a:rPr lang="en-US" altLang="zh-CN" sz="1200" b="0" i="0" kern="1200" dirty="0">
-                <a:solidFill>
-                  <a:schemeClr val="tx1"/>
-                </a:solidFill>
-                <a:effectLst/>
-                <a:latin typeface="+mn-lt"/>
-                <a:ea typeface="+mn-ea"/>
-                <a:cs typeface="+mn-cs"/>
-              </a:rPr>
-              <a:t> </a:t>
-            </a:r>
-            <a:r>
-              <a:rPr lang="zh-CN" altLang="en-US" sz="1200" b="0" i="0" kern="1200" dirty="0">
-                <a:solidFill>
-                  <a:schemeClr val="tx1"/>
-                </a:solidFill>
-                <a:effectLst/>
-                <a:latin typeface="+mn-lt"/>
-                <a:ea typeface="+mn-ea"/>
-                <a:cs typeface="+mn-cs"/>
-              </a:rPr>
-              <a:t>对象就是一个 </a:t>
-            </a:r>
-            <a:r>
-              <a:rPr lang="en-US" altLang="zh-CN" sz="1200" b="0" i="0" kern="1200" dirty="0" err="1">
-                <a:solidFill>
-                  <a:schemeClr val="tx1"/>
-                </a:solidFill>
-                <a:effectLst/>
-                <a:latin typeface="+mn-lt"/>
-                <a:ea typeface="+mn-ea"/>
-                <a:cs typeface="+mn-cs"/>
-              </a:rPr>
-              <a:t>XAConnection</a:t>
-            </a:r>
-            <a:r>
-              <a:rPr lang="en-US" altLang="zh-CN" sz="1200" b="0" i="0" kern="1200" dirty="0">
-                <a:solidFill>
-                  <a:schemeClr val="tx1"/>
-                </a:solidFill>
-                <a:effectLst/>
-                <a:latin typeface="+mn-lt"/>
-                <a:ea typeface="+mn-ea"/>
-                <a:cs typeface="+mn-cs"/>
-              </a:rPr>
-              <a:t> </a:t>
-            </a:r>
-            <a:r>
-              <a:rPr lang="zh-CN" altLang="en-US" sz="1200" b="0" i="0" kern="1200" dirty="0">
-                <a:solidFill>
-                  <a:schemeClr val="tx1"/>
-                </a:solidFill>
-                <a:effectLst/>
-                <a:latin typeface="+mn-lt"/>
-                <a:ea typeface="+mn-ea"/>
-                <a:cs typeface="+mn-cs"/>
-              </a:rPr>
-              <a:t>对象的工厂。</a:t>
-            </a:r>
-            <a:r>
-              <a:rPr lang="en-US" altLang="zh-CN" sz="1200" b="0" i="0" kern="1200" dirty="0" err="1">
-                <a:solidFill>
-                  <a:schemeClr val="tx1"/>
-                </a:solidFill>
-                <a:effectLst/>
-                <a:latin typeface="+mn-lt"/>
-                <a:ea typeface="+mn-ea"/>
-                <a:cs typeface="+mn-cs"/>
-              </a:rPr>
-              <a:t>XAConnection</a:t>
-            </a:r>
-            <a:r>
-              <a:rPr lang="en-US" altLang="zh-CN" sz="1200" b="0" i="0" kern="1200" dirty="0">
-                <a:solidFill>
-                  <a:schemeClr val="tx1"/>
-                </a:solidFill>
-                <a:effectLst/>
-                <a:latin typeface="+mn-lt"/>
-                <a:ea typeface="+mn-ea"/>
-                <a:cs typeface="+mn-cs"/>
-              </a:rPr>
-              <a:t> </a:t>
-            </a:r>
-            <a:r>
-              <a:rPr lang="zh-CN" altLang="en-US" sz="1200" b="0" i="0" kern="1200" dirty="0">
-                <a:solidFill>
-                  <a:schemeClr val="tx1"/>
-                </a:solidFill>
-                <a:effectLst/>
-                <a:latin typeface="+mn-lt"/>
-                <a:ea typeface="+mn-ea"/>
-                <a:cs typeface="+mn-cs"/>
-              </a:rPr>
-              <a:t>是参与 </a:t>
-            </a:r>
-            <a:r>
-              <a:rPr lang="en-US" altLang="zh-CN" sz="1200" b="0" i="0" kern="1200" dirty="0">
-                <a:solidFill>
-                  <a:schemeClr val="tx1"/>
-                </a:solidFill>
-                <a:effectLst/>
-                <a:latin typeface="+mn-lt"/>
-                <a:ea typeface="+mn-ea"/>
-                <a:cs typeface="+mn-cs"/>
-              </a:rPr>
-              <a:t>JTA </a:t>
-            </a:r>
-            <a:r>
-              <a:rPr lang="zh-CN" altLang="en-US" sz="1200" b="0" i="0" kern="1200" dirty="0">
-                <a:solidFill>
-                  <a:schemeClr val="tx1"/>
-                </a:solidFill>
-                <a:effectLst/>
-                <a:latin typeface="+mn-lt"/>
-                <a:ea typeface="+mn-ea"/>
-                <a:cs typeface="+mn-cs"/>
-              </a:rPr>
-              <a:t>事务的 </a:t>
-            </a:r>
-            <a:r>
-              <a:rPr lang="en-US" altLang="zh-CN" sz="1200" b="0" i="0" kern="1200" dirty="0">
-                <a:solidFill>
-                  <a:schemeClr val="tx1"/>
-                </a:solidFill>
-                <a:effectLst/>
-                <a:latin typeface="+mn-lt"/>
-                <a:ea typeface="+mn-ea"/>
-                <a:cs typeface="+mn-cs"/>
-              </a:rPr>
-              <a:t>JDBC </a:t>
-            </a:r>
-            <a:r>
-              <a:rPr lang="zh-CN" altLang="en-US" sz="1200" b="0" i="0" kern="1200" dirty="0">
-                <a:solidFill>
-                  <a:schemeClr val="tx1"/>
-                </a:solidFill>
-                <a:effectLst/>
-                <a:latin typeface="+mn-lt"/>
-                <a:ea typeface="+mn-ea"/>
-                <a:cs typeface="+mn-cs"/>
-              </a:rPr>
-              <a:t>连接。</a:t>
-            </a:r>
-          </a:p>
-          <a:p>
-            <a:r>
-              <a:rPr lang="zh-CN" altLang="en-US" sz="1200" b="0" i="0" kern="1200" dirty="0">
-                <a:solidFill>
-                  <a:schemeClr val="tx1"/>
-                </a:solidFill>
-                <a:effectLst/>
-                <a:latin typeface="+mn-lt"/>
-                <a:ea typeface="+mn-ea"/>
-                <a:cs typeface="+mn-cs"/>
-              </a:rPr>
-              <a:t>要使用</a:t>
-            </a:r>
-            <a:r>
-              <a:rPr lang="en-US" altLang="zh-CN" sz="1200" b="0" i="0" kern="1200" dirty="0">
-                <a:solidFill>
-                  <a:schemeClr val="tx1"/>
-                </a:solidFill>
-                <a:effectLst/>
-                <a:latin typeface="+mn-lt"/>
-                <a:ea typeface="+mn-ea"/>
-                <a:cs typeface="+mn-cs"/>
-              </a:rPr>
-              <a:t>JTA</a:t>
-            </a:r>
-            <a:r>
-              <a:rPr lang="zh-CN" altLang="en-US" sz="1200" b="0" i="0" kern="1200" dirty="0">
-                <a:solidFill>
-                  <a:schemeClr val="tx1"/>
-                </a:solidFill>
-                <a:effectLst/>
-                <a:latin typeface="+mn-lt"/>
-                <a:ea typeface="+mn-ea"/>
-                <a:cs typeface="+mn-cs"/>
-              </a:rPr>
-              <a:t>事务，必须使用</a:t>
-            </a:r>
-            <a:r>
-              <a:rPr lang="en-US" altLang="zh-CN" sz="1200" b="0" i="0" kern="1200" dirty="0" err="1">
-                <a:solidFill>
-                  <a:schemeClr val="tx1"/>
-                </a:solidFill>
-                <a:effectLst/>
-                <a:latin typeface="+mn-lt"/>
-                <a:ea typeface="+mn-ea"/>
-                <a:cs typeface="+mn-cs"/>
-              </a:rPr>
-              <a:t>XADataSource</a:t>
-            </a:r>
-            <a:r>
-              <a:rPr lang="zh-CN" altLang="en-US" sz="1200" b="0" i="0" kern="1200" dirty="0">
-                <a:solidFill>
-                  <a:schemeClr val="tx1"/>
-                </a:solidFill>
-                <a:effectLst/>
-                <a:latin typeface="+mn-lt"/>
-                <a:ea typeface="+mn-ea"/>
-                <a:cs typeface="+mn-cs"/>
-              </a:rPr>
-              <a:t>来产生数据库连接，产生的连接为一个</a:t>
-            </a:r>
-            <a:r>
-              <a:rPr lang="en-US" altLang="zh-CN" sz="1200" b="0" i="0" kern="1200" dirty="0">
-                <a:solidFill>
-                  <a:schemeClr val="tx1"/>
-                </a:solidFill>
-                <a:effectLst/>
-                <a:latin typeface="+mn-lt"/>
-                <a:ea typeface="+mn-ea"/>
-                <a:cs typeface="+mn-cs"/>
-              </a:rPr>
-              <a:t>XA</a:t>
-            </a:r>
-            <a:r>
-              <a:rPr lang="zh-CN" altLang="en-US" sz="1200" b="0" i="0" kern="1200" dirty="0">
-                <a:solidFill>
-                  <a:schemeClr val="tx1"/>
-                </a:solidFill>
-                <a:effectLst/>
-                <a:latin typeface="+mn-lt"/>
-                <a:ea typeface="+mn-ea"/>
-                <a:cs typeface="+mn-cs"/>
-              </a:rPr>
-              <a:t>连接。</a:t>
-            </a:r>
-          </a:p>
-          <a:p>
-            <a:r>
-              <a:rPr lang="en-US" altLang="zh-CN" sz="1200" b="0" i="0" kern="1200" dirty="0">
-                <a:solidFill>
-                  <a:schemeClr val="tx1"/>
-                </a:solidFill>
-                <a:effectLst/>
-                <a:latin typeface="+mn-lt"/>
-                <a:ea typeface="+mn-ea"/>
-                <a:cs typeface="+mn-cs"/>
-              </a:rPr>
-              <a:t>XA</a:t>
-            </a:r>
-            <a:r>
-              <a:rPr lang="zh-CN" altLang="en-US" sz="1200" b="0" i="0" kern="1200" dirty="0">
-                <a:solidFill>
-                  <a:schemeClr val="tx1"/>
-                </a:solidFill>
-                <a:effectLst/>
-                <a:latin typeface="+mn-lt"/>
-                <a:ea typeface="+mn-ea"/>
-                <a:cs typeface="+mn-cs"/>
-              </a:rPr>
-              <a:t>连接（</a:t>
-            </a:r>
-            <a:r>
-              <a:rPr lang="en-US" altLang="zh-CN" sz="1200" b="0" i="0" kern="1200" dirty="0" err="1">
-                <a:solidFill>
-                  <a:schemeClr val="tx1"/>
-                </a:solidFill>
-                <a:effectLst/>
-                <a:latin typeface="+mn-lt"/>
-                <a:ea typeface="+mn-ea"/>
-                <a:cs typeface="+mn-cs"/>
-              </a:rPr>
-              <a:t>javax.sql.XAConnection</a:t>
-            </a:r>
-            <a:r>
-              <a:rPr lang="zh-CN" altLang="en-US" sz="1200" b="0" i="0" kern="1200" dirty="0">
-                <a:solidFill>
-                  <a:schemeClr val="tx1"/>
-                </a:solidFill>
-                <a:effectLst/>
-                <a:latin typeface="+mn-lt"/>
-                <a:ea typeface="+mn-ea"/>
-                <a:cs typeface="+mn-cs"/>
-              </a:rPr>
-              <a:t>）和非</a:t>
-            </a:r>
-            <a:r>
-              <a:rPr lang="en-US" altLang="zh-CN" sz="1200" b="0" i="0" kern="1200" dirty="0">
-                <a:solidFill>
-                  <a:schemeClr val="tx1"/>
-                </a:solidFill>
-                <a:effectLst/>
-                <a:latin typeface="+mn-lt"/>
-                <a:ea typeface="+mn-ea"/>
-                <a:cs typeface="+mn-cs"/>
-              </a:rPr>
-              <a:t>XA</a:t>
-            </a:r>
-            <a:r>
-              <a:rPr lang="zh-CN" altLang="en-US" sz="1200" b="0" i="0" kern="1200" dirty="0">
-                <a:solidFill>
-                  <a:schemeClr val="tx1"/>
-                </a:solidFill>
-                <a:effectLst/>
-                <a:latin typeface="+mn-lt"/>
-                <a:ea typeface="+mn-ea"/>
-                <a:cs typeface="+mn-cs"/>
-              </a:rPr>
-              <a:t>（</a:t>
-            </a:r>
-            <a:r>
-              <a:rPr lang="en-US" altLang="zh-CN" sz="1200" b="0" i="0" kern="1200" dirty="0" err="1">
-                <a:solidFill>
-                  <a:schemeClr val="tx1"/>
-                </a:solidFill>
-                <a:effectLst/>
-                <a:latin typeface="+mn-lt"/>
-                <a:ea typeface="+mn-ea"/>
-                <a:cs typeface="+mn-cs"/>
-              </a:rPr>
-              <a:t>java.sql.Connection</a:t>
-            </a:r>
-            <a:r>
-              <a:rPr lang="zh-CN" altLang="en-US" sz="1200" b="0" i="0" kern="1200" dirty="0">
-                <a:solidFill>
-                  <a:schemeClr val="tx1"/>
-                </a:solidFill>
-                <a:effectLst/>
-                <a:latin typeface="+mn-lt"/>
-                <a:ea typeface="+mn-ea"/>
-                <a:cs typeface="+mn-cs"/>
-              </a:rPr>
-              <a:t>）连接的区别在于：</a:t>
-            </a:r>
-            <a:r>
-              <a:rPr lang="en-US" altLang="zh-CN" sz="1200" b="0" i="0" kern="1200" dirty="0">
-                <a:solidFill>
-                  <a:schemeClr val="tx1"/>
-                </a:solidFill>
-                <a:effectLst/>
-                <a:latin typeface="+mn-lt"/>
-                <a:ea typeface="+mn-ea"/>
-                <a:cs typeface="+mn-cs"/>
-              </a:rPr>
-              <a:t>XA</a:t>
-            </a:r>
-            <a:r>
-              <a:rPr lang="zh-CN" altLang="en-US" sz="1200" b="0" i="0" kern="1200" dirty="0">
-                <a:solidFill>
-                  <a:schemeClr val="tx1"/>
-                </a:solidFill>
-                <a:effectLst/>
-                <a:latin typeface="+mn-lt"/>
-                <a:ea typeface="+mn-ea"/>
-                <a:cs typeface="+mn-cs"/>
-              </a:rPr>
-              <a:t>可以参与</a:t>
-            </a:r>
-            <a:r>
-              <a:rPr lang="en-US" altLang="zh-CN" sz="1200" b="0" i="0" kern="1200" dirty="0">
-                <a:solidFill>
-                  <a:schemeClr val="tx1"/>
-                </a:solidFill>
-                <a:effectLst/>
-                <a:latin typeface="+mn-lt"/>
-                <a:ea typeface="+mn-ea"/>
-                <a:cs typeface="+mn-cs"/>
-              </a:rPr>
-              <a:t>JTA</a:t>
-            </a:r>
-            <a:r>
-              <a:rPr lang="zh-CN" altLang="en-US" sz="1200" b="0" i="0" kern="1200" dirty="0">
-                <a:solidFill>
-                  <a:schemeClr val="tx1"/>
-                </a:solidFill>
-                <a:effectLst/>
-                <a:latin typeface="+mn-lt"/>
-                <a:ea typeface="+mn-ea"/>
-                <a:cs typeface="+mn-cs"/>
-              </a:rPr>
-              <a:t>的事务，而且不支持自动提交。</a:t>
-            </a:r>
-          </a:p>
-          <a:p>
-            <a:endParaRPr lang="en-US" altLang="zh-CN" sz="1200" b="0" i="0" kern="1200" dirty="0">
-              <a:solidFill>
-                <a:schemeClr val="tx1"/>
-              </a:solidFill>
-              <a:effectLst/>
-              <a:latin typeface="+mn-lt"/>
-              <a:ea typeface="+mn-ea"/>
-              <a:cs typeface="+mn-cs"/>
-            </a:endParaRPr>
           </a:p>
         </p:txBody>
       </p:sp>
@@ -2622,7 +3948,7 @@
     </p:spTree>
     <p:extLst>
       <p:ext uri="{BB962C8B-B14F-4D97-AF65-F5344CB8AC3E}">
-        <p14:creationId xmlns:p14="http://schemas.microsoft.com/office/powerpoint/2010/main" val="1717822762"/>
+        <p14:creationId xmlns:p14="http://schemas.microsoft.com/office/powerpoint/2010/main" val="4096323322"/>
       </p:ext>
     </p:extLst>
   </p:cSld>
@@ -2677,226 +4003,150 @@
           <a:lstStyle/>
           <a:p>
             <a:r>
-              <a:rPr lang="zh-CN" altLang="en-US" dirty="0"/>
-              <a:t>通常情况下，</a:t>
-            </a:r>
-            <a:r>
-              <a:rPr lang="en-US" altLang="zh-CN" dirty="0"/>
-              <a:t>JTA </a:t>
-            </a:r>
-            <a:r>
-              <a:rPr lang="en-US" altLang="zh-CN" dirty="0" err="1"/>
-              <a:t>UserTransaction</a:t>
-            </a:r>
-            <a:r>
-              <a:rPr lang="zh-CN" altLang="en-US" dirty="0"/>
-              <a:t>需要从</a:t>
-            </a:r>
-            <a:r>
-              <a:rPr lang="en-US" altLang="zh-CN" dirty="0"/>
-              <a:t>JNDI</a:t>
-            </a:r>
-            <a:r>
-              <a:rPr lang="zh-CN" altLang="en-US" dirty="0"/>
-              <a:t>获取。这意味着，如果我们使用</a:t>
-            </a:r>
-            <a:r>
-              <a:rPr lang="en-US" altLang="zh-CN" dirty="0"/>
+              <a:rPr lang="en-US" altLang="zh-CN" sz="1200" b="0" i="0" kern="1200" dirty="0">
+                <a:solidFill>
+                  <a:schemeClr val="tx1"/>
+                </a:solidFill>
+                <a:effectLst/>
+                <a:latin typeface="+mn-lt"/>
+                <a:ea typeface="+mn-ea"/>
+                <a:cs typeface="+mn-cs"/>
+              </a:rPr>
+              <a:t>Java</a:t>
+            </a:r>
+            <a:r>
+              <a:rPr lang="zh-CN" altLang="en-US" sz="1200" b="0" i="0" kern="1200" dirty="0">
+                <a:solidFill>
+                  <a:schemeClr val="tx1"/>
+                </a:solidFill>
+                <a:effectLst/>
+                <a:latin typeface="+mn-lt"/>
+                <a:ea typeface="+mn-ea"/>
+                <a:cs typeface="+mn-cs"/>
+              </a:rPr>
+              <a:t>通过</a:t>
+            </a:r>
+            <a:r>
+              <a:rPr lang="en-US" altLang="zh-CN" sz="1200" b="0" i="0" kern="1200" dirty="0">
+                <a:solidFill>
+                  <a:schemeClr val="tx1"/>
+                </a:solidFill>
+                <a:effectLst/>
+                <a:latin typeface="+mn-lt"/>
+                <a:ea typeface="+mn-ea"/>
+                <a:cs typeface="+mn-cs"/>
+              </a:rPr>
               <a:t>JTA</a:t>
             </a:r>
             <a:r>
-              <a:rPr lang="zh-CN" altLang="en-US" dirty="0"/>
-              <a:t>，就需要同时使用</a:t>
-            </a:r>
-            <a:r>
-              <a:rPr lang="en-US" altLang="zh-CN" dirty="0"/>
+              <a:rPr lang="zh-CN" altLang="en-US" sz="1200" b="0" i="0" kern="1200" dirty="0">
+                <a:solidFill>
+                  <a:schemeClr val="tx1"/>
+                </a:solidFill>
+                <a:effectLst/>
+                <a:latin typeface="+mn-lt"/>
+                <a:ea typeface="+mn-ea"/>
+                <a:cs typeface="+mn-cs"/>
+              </a:rPr>
+              <a:t>完成分布式事务，</a:t>
+            </a:r>
+            <a:r>
+              <a:rPr lang="en-US" altLang="zh-CN" sz="1200" b="0" i="0" kern="1200" dirty="0">
+                <a:solidFill>
+                  <a:schemeClr val="tx1"/>
+                </a:solidFill>
+                <a:effectLst/>
+                <a:latin typeface="+mn-lt"/>
+                <a:ea typeface="+mn-ea"/>
+                <a:cs typeface="+mn-cs"/>
+              </a:rPr>
               <a:t>JTA</a:t>
             </a:r>
             <a:r>
-              <a:rPr lang="zh-CN" altLang="en-US" dirty="0"/>
-              <a:t>和</a:t>
-            </a:r>
-            <a:r>
-              <a:rPr lang="en-US" altLang="zh-CN" dirty="0"/>
-              <a:t>JNDI</a:t>
-            </a:r>
-            <a:r>
-              <a:rPr lang="zh-CN" altLang="en-US" dirty="0"/>
+              <a:rPr lang="zh-CN" altLang="en-US" sz="1200" b="0" i="0" kern="1200" dirty="0">
+                <a:solidFill>
+                  <a:schemeClr val="tx1"/>
+                </a:solidFill>
+                <a:effectLst/>
+                <a:latin typeface="+mn-lt"/>
+                <a:ea typeface="+mn-ea"/>
+                <a:cs typeface="+mn-cs"/>
+              </a:rPr>
+              <a:t>本身只是一种规范，不同的应用服务器都包含有自己的实现（比如</a:t>
+            </a:r>
+            <a:r>
+              <a:rPr lang="en-US" altLang="zh-CN" sz="1200" b="0" i="0" kern="1200" dirty="0" err="1">
+                <a:solidFill>
+                  <a:schemeClr val="tx1"/>
+                </a:solidFill>
+                <a:effectLst/>
+                <a:latin typeface="+mn-lt"/>
+                <a:ea typeface="+mn-ea"/>
+                <a:cs typeface="+mn-cs"/>
+              </a:rPr>
+              <a:t>JbossJTA</a:t>
+            </a:r>
+            <a:r>
+              <a:rPr lang="zh-CN" altLang="en-US" sz="1200" b="0" i="0" kern="1200" dirty="0">
+                <a:solidFill>
+                  <a:schemeClr val="tx1"/>
+                </a:solidFill>
+                <a:effectLst/>
+                <a:latin typeface="+mn-lt"/>
+                <a:ea typeface="+mn-ea"/>
+                <a:cs typeface="+mn-cs"/>
+              </a:rPr>
+              <a:t>），同时还存在独立于应用服务器的单独</a:t>
+            </a:r>
+            <a:r>
+              <a:rPr lang="en-US" altLang="zh-CN" sz="1200" b="0" i="0" kern="1200" dirty="0">
+                <a:solidFill>
+                  <a:schemeClr val="tx1"/>
+                </a:solidFill>
+                <a:effectLst/>
+                <a:latin typeface="+mn-lt"/>
+                <a:ea typeface="+mn-ea"/>
+                <a:cs typeface="+mn-cs"/>
+              </a:rPr>
+              <a:t>JTA</a:t>
+            </a:r>
+            <a:r>
+              <a:rPr lang="zh-CN" altLang="en-US" sz="1200" b="0" i="0" kern="1200" dirty="0">
+                <a:solidFill>
+                  <a:schemeClr val="tx1"/>
+                </a:solidFill>
+                <a:effectLst/>
+                <a:latin typeface="+mn-lt"/>
+                <a:ea typeface="+mn-ea"/>
+                <a:cs typeface="+mn-cs"/>
+              </a:rPr>
+              <a:t>实现，比如本篇中要讲到的</a:t>
+            </a:r>
+            <a:r>
+              <a:rPr lang="en-US" altLang="zh-CN" sz="1200" b="0" i="0" kern="1200" dirty="0" err="1">
+                <a:solidFill>
+                  <a:schemeClr val="tx1"/>
+                </a:solidFill>
+                <a:effectLst/>
+                <a:latin typeface="+mn-lt"/>
+                <a:ea typeface="+mn-ea"/>
+                <a:cs typeface="+mn-cs"/>
+              </a:rPr>
+              <a:t>Atomikos</a:t>
+            </a:r>
+            <a:r>
+              <a:rPr lang="zh-CN" altLang="en-US" sz="1200" b="0" i="0" kern="1200">
+                <a:solidFill>
+                  <a:schemeClr val="tx1"/>
+                </a:solidFill>
+                <a:effectLst/>
+                <a:latin typeface="+mn-lt"/>
+                <a:ea typeface="+mn-ea"/>
+                <a:cs typeface="+mn-cs"/>
+              </a:rPr>
               <a:t>。</a:t>
             </a:r>
-          </a:p>
-          <a:p>
-            <a:r>
-              <a:rPr lang="en-US" altLang="zh-CN" dirty="0"/>
-              <a:t>JTA</a:t>
-            </a:r>
-            <a:r>
-              <a:rPr lang="zh-CN" altLang="en-US" dirty="0"/>
-              <a:t>本身就是个笨重的</a:t>
-            </a:r>
-            <a:r>
-              <a:rPr lang="en-US" altLang="zh-CN" dirty="0"/>
-              <a:t>API</a:t>
-            </a:r>
-          </a:p>
-          <a:p>
-            <a:r>
-              <a:rPr lang="zh-CN" altLang="en-US" dirty="0"/>
-              <a:t>通常</a:t>
-            </a:r>
-            <a:r>
-              <a:rPr lang="en-US" altLang="zh-CN" dirty="0"/>
-              <a:t>JTA</a:t>
-            </a:r>
-            <a:r>
-              <a:rPr lang="zh-CN" altLang="en-US" dirty="0"/>
-              <a:t>只能在应用服务器环境下使用，因此使用</a:t>
-            </a:r>
-            <a:r>
-              <a:rPr lang="en-US" altLang="zh-CN" dirty="0"/>
-              <a:t>JTA</a:t>
-            </a:r>
-            <a:r>
-              <a:rPr lang="zh-CN" altLang="en-US" dirty="0"/>
-              <a:t>会限制代码的复用性。</a:t>
-            </a:r>
-          </a:p>
-          <a:p>
-            <a:endParaRPr lang="en-US" altLang="zh-CN" dirty="0"/>
-          </a:p>
-          <a:p>
-            <a:endParaRPr lang="en-US" altLang="zh-CN" dirty="0"/>
-          </a:p>
-          <a:p>
-            <a:r>
-              <a:rPr lang="en-US" altLang="zh-CN" sz="1200" b="0" i="0" kern="1200" dirty="0">
-                <a:solidFill>
-                  <a:schemeClr val="tx1"/>
-                </a:solidFill>
-                <a:effectLst/>
-                <a:latin typeface="+mn-lt"/>
-                <a:ea typeface="+mn-ea"/>
-                <a:cs typeface="+mn-cs"/>
-              </a:rPr>
-              <a:t>Java</a:t>
-            </a:r>
-            <a:r>
-              <a:rPr lang="zh-CN" altLang="en-US" sz="1200" b="0" i="0" kern="1200" dirty="0">
-                <a:solidFill>
-                  <a:schemeClr val="tx1"/>
-                </a:solidFill>
-                <a:effectLst/>
-                <a:latin typeface="+mn-lt"/>
-                <a:ea typeface="+mn-ea"/>
-                <a:cs typeface="+mn-cs"/>
-              </a:rPr>
-              <a:t>事务的类型有三种：</a:t>
-            </a:r>
-            <a:r>
-              <a:rPr lang="en-US" altLang="zh-CN" dirty="0"/>
-              <a:t>JDBC</a:t>
-            </a:r>
-            <a:r>
-              <a:rPr lang="zh-CN" altLang="en-US" dirty="0"/>
-              <a:t>事务</a:t>
-            </a:r>
-            <a:r>
-              <a:rPr lang="zh-CN" altLang="en-US" sz="1200" b="0" i="0" kern="1200" dirty="0">
-                <a:solidFill>
-                  <a:schemeClr val="tx1"/>
-                </a:solidFill>
-                <a:effectLst/>
-                <a:latin typeface="+mn-lt"/>
-                <a:ea typeface="+mn-ea"/>
-                <a:cs typeface="+mn-cs"/>
-              </a:rPr>
-              <a:t>、</a:t>
-            </a:r>
-            <a:r>
-              <a:rPr lang="en-US" altLang="zh-CN" dirty="0"/>
-              <a:t>JTA(Java Transaction API)</a:t>
-            </a:r>
-            <a:r>
-              <a:rPr lang="zh-CN" altLang="en-US" dirty="0"/>
-              <a:t>事务</a:t>
-            </a:r>
-            <a:r>
-              <a:rPr lang="zh-CN" altLang="en-US" sz="1200" b="0" i="0" kern="1200" dirty="0">
-                <a:solidFill>
-                  <a:schemeClr val="tx1"/>
-                </a:solidFill>
-                <a:effectLst/>
-                <a:latin typeface="+mn-lt"/>
-                <a:ea typeface="+mn-ea"/>
-                <a:cs typeface="+mn-cs"/>
-              </a:rPr>
-              <a:t>、</a:t>
-            </a:r>
-            <a:r>
-              <a:rPr lang="zh-CN" altLang="en-US" dirty="0"/>
-              <a:t>容器事务</a:t>
-            </a:r>
-            <a:r>
-              <a:rPr lang="zh-CN" altLang="en-US" sz="1200" b="0" i="0" kern="1200" dirty="0">
-                <a:solidFill>
-                  <a:schemeClr val="tx1"/>
-                </a:solidFill>
-                <a:effectLst/>
-                <a:latin typeface="+mn-lt"/>
-                <a:ea typeface="+mn-ea"/>
-                <a:cs typeface="+mn-cs"/>
-              </a:rPr>
-              <a:t>，其中</a:t>
-            </a:r>
-            <a:r>
-              <a:rPr lang="en-US" altLang="zh-CN" sz="1200" b="0" i="0" kern="1200" dirty="0">
-                <a:solidFill>
-                  <a:schemeClr val="tx1"/>
-                </a:solidFill>
-                <a:effectLst/>
-                <a:latin typeface="+mn-lt"/>
-                <a:ea typeface="+mn-ea"/>
-                <a:cs typeface="+mn-cs"/>
-              </a:rPr>
-              <a:t>JDBC</a:t>
-            </a:r>
-            <a:r>
-              <a:rPr lang="zh-CN" altLang="en-US" sz="1200" b="0" i="0" kern="1200" dirty="0">
-                <a:solidFill>
-                  <a:schemeClr val="tx1"/>
-                </a:solidFill>
-                <a:effectLst/>
-                <a:latin typeface="+mn-lt"/>
-                <a:ea typeface="+mn-ea"/>
-                <a:cs typeface="+mn-cs"/>
-              </a:rPr>
-              <a:t>的事务操作用法比较简单，适合于处理同一个数据源的操作。</a:t>
-            </a:r>
-            <a:r>
-              <a:rPr lang="en-US" altLang="zh-CN" sz="1200" b="0" i="0" kern="1200" dirty="0">
-                <a:solidFill>
-                  <a:schemeClr val="tx1"/>
-                </a:solidFill>
-                <a:effectLst/>
-                <a:latin typeface="+mn-lt"/>
-                <a:ea typeface="+mn-ea"/>
-                <a:cs typeface="+mn-cs"/>
-              </a:rPr>
-              <a:t>JTA</a:t>
-            </a:r>
-            <a:r>
-              <a:rPr lang="zh-CN" altLang="en-US" sz="1200" b="0" i="0" kern="1200" dirty="0">
-                <a:solidFill>
-                  <a:schemeClr val="tx1"/>
-                </a:solidFill>
-                <a:effectLst/>
-                <a:latin typeface="+mn-lt"/>
-                <a:ea typeface="+mn-ea"/>
-                <a:cs typeface="+mn-cs"/>
-              </a:rPr>
-              <a:t>事务相对复杂，可以用于处理跨多个数据库的事务，是分布式事务的一种解决方案。</a:t>
-            </a:r>
-            <a:endParaRPr lang="zh-CN" altLang="en-US" dirty="0"/>
+            <a:endParaRPr lang="zh-CN" altLang="en-US"/>
           </a:p>
         </p:txBody>
       </p:sp>
@@ -2917,7 +4167,7 @@
           <a:p>
             <a:fld id="{30936462-658F-4E41-8C6E-2EAB7E357587}" type="slidenum">
               <a:rPr lang="zh-CN" altLang="en-US" smtClean="0"/>
-              <a:t>15</a:t>
+              <a:t>14</a:t>
             </a:fld>
             <a:endParaRPr lang="zh-CN" altLang="en-US"/>
           </a:p>
@@ -2926,7 +4176,7 @@
     </p:spTree>
     <p:extLst>
       <p:ext uri="{BB962C8B-B14F-4D97-AF65-F5344CB8AC3E}">
-        <p14:creationId xmlns:p14="http://schemas.microsoft.com/office/powerpoint/2010/main" val="2968298311"/>
+        <p14:creationId xmlns:p14="http://schemas.microsoft.com/office/powerpoint/2010/main" val="3306133267"/>
       </p:ext>
     </p:extLst>
   </p:cSld>
@@ -5857,10 +7107,760 @@
   <p:clrMapOvr>
     <a:masterClrMapping/>
   </p:clrMapOvr>
+  <p:timing>
+    <p:tnLst>
+      <p:par>
+        <p:cTn id="1" dur="indefinite" restart="never" nodeType="tmRoot"/>
+      </p:par>
+    </p:tnLst>
+  </p:timing>
 </p:sld>
 </file>
 
 <file path=ppt/slides/slide10.xml><?xml version="1.0" encoding="utf-8"?>
+<p:sld xmlns:a="http://schemas.openxmlformats.org/drawingml/2006/main" xmlns:r="http://schemas.openxmlformats.org/officeDocument/2006/relationships" xmlns:p="http://schemas.openxmlformats.org/presentationml/2006/main">
+  <p:cSld>
+    <p:spTree>
+      <p:nvGrpSpPr>
+        <p:cNvPr id="1" name=""/>
+        <p:cNvGrpSpPr/>
+        <p:nvPr/>
+      </p:nvGrpSpPr>
+      <p:grpSpPr>
+        <a:xfrm>
+          <a:off x="0" y="0"/>
+          <a:ext cx="0" cy="0"/>
+          <a:chOff x="0" y="0"/>
+          <a:chExt cx="0" cy="0"/>
+        </a:xfrm>
+      </p:grpSpPr>
+      <p:sp>
+        <p:nvSpPr>
+          <p:cNvPr id="2" name="Title 1"/>
+          <p:cNvSpPr>
+            <a:spLocks noGrp="1"/>
+          </p:cNvSpPr>
+          <p:nvPr>
+            <p:ph type="title"/>
+          </p:nvPr>
+        </p:nvSpPr>
+        <p:spPr>
+          <a:xfrm>
+            <a:off x="838200" y="365125"/>
+            <a:ext cx="10515600" cy="697193"/>
+          </a:xfrm>
+        </p:spPr>
+        <p:txBody>
+          <a:bodyPr/>
+          <a:lstStyle/>
+          <a:p>
+            <a:r>
+              <a:rPr lang="en-US" altLang="zh-CN" dirty="0"/>
+              <a:t>3PC</a:t>
+            </a:r>
+            <a:endParaRPr lang="zh-CN" altLang="en-US" dirty="0"/>
+          </a:p>
+        </p:txBody>
+      </p:sp>
+      <p:sp>
+        <p:nvSpPr>
+          <p:cNvPr id="3" name="Content Placeholder 2"/>
+          <p:cNvSpPr>
+            <a:spLocks noGrp="1"/>
+          </p:cNvSpPr>
+          <p:nvPr>
+            <p:ph idx="1"/>
+          </p:nvPr>
+        </p:nvSpPr>
+        <p:spPr>
+          <a:xfrm>
+            <a:off x="838200" y="1331259"/>
+            <a:ext cx="10515600" cy="4845704"/>
+          </a:xfrm>
+        </p:spPr>
+        <p:txBody>
+          <a:bodyPr>
+            <a:noAutofit/>
+          </a:bodyPr>
+          <a:lstStyle/>
+          <a:p>
+            <a:r>
+              <a:rPr lang="en-US" altLang="zh-CN" sz="1600" dirty="0" err="1">
+                <a:latin typeface="Arial" panose="020B0604020202020204" pitchFamily="34" charset="0"/>
+                <a:ea typeface="宋体" panose="02010600030101010101" pitchFamily="2" charset="-122"/>
+                <a:cs typeface="Arial" panose="020B0604020202020204" pitchFamily="34" charset="0"/>
+              </a:rPr>
+              <a:t>CanCommit</a:t>
+            </a:r>
+            <a:r>
+              <a:rPr lang="zh-CN" altLang="en-US" sz="1600" dirty="0">
+                <a:latin typeface="Arial" panose="020B0604020202020204" pitchFamily="34" charset="0"/>
+                <a:ea typeface="宋体" panose="02010600030101010101" pitchFamily="2" charset="-122"/>
+                <a:cs typeface="Arial" panose="020B0604020202020204" pitchFamily="34" charset="0"/>
+              </a:rPr>
+              <a:t>阶段</a:t>
+            </a:r>
+            <a:endParaRPr lang="en-US" altLang="zh-CN" sz="1600" dirty="0">
+              <a:latin typeface="Arial" panose="020B0604020202020204" pitchFamily="34" charset="0"/>
+              <a:ea typeface="宋体" panose="02010600030101010101" pitchFamily="2" charset="-122"/>
+              <a:cs typeface="Arial" panose="020B0604020202020204" pitchFamily="34" charset="0"/>
+            </a:endParaRPr>
+          </a:p>
+          <a:p>
+            <a:r>
+              <a:rPr lang="en-US" altLang="zh-CN" sz="1600" dirty="0">
+                <a:latin typeface="Arial" panose="020B0604020202020204" pitchFamily="34" charset="0"/>
+                <a:ea typeface="宋体" panose="02010600030101010101" pitchFamily="2" charset="-122"/>
+                <a:cs typeface="Arial" panose="020B0604020202020204" pitchFamily="34" charset="0"/>
+              </a:rPr>
+              <a:t>1.</a:t>
+            </a:r>
+            <a:r>
+              <a:rPr lang="zh-CN" altLang="en-US" sz="1600" dirty="0">
+                <a:latin typeface="Arial" panose="020B0604020202020204" pitchFamily="34" charset="0"/>
+                <a:ea typeface="宋体" panose="02010600030101010101" pitchFamily="2" charset="-122"/>
+                <a:cs typeface="Arial" panose="020B0604020202020204" pitchFamily="34" charset="0"/>
+              </a:rPr>
+              <a:t>事务询问 </a:t>
+            </a:r>
+            <a:r>
+              <a:rPr lang="en-US" altLang="zh-CN" sz="1600" dirty="0">
+                <a:latin typeface="Arial" panose="020B0604020202020204" pitchFamily="34" charset="0"/>
+                <a:ea typeface="宋体" panose="02010600030101010101" pitchFamily="2" charset="-122"/>
+                <a:cs typeface="Arial" panose="020B0604020202020204" pitchFamily="34" charset="0"/>
+              </a:rPr>
+              <a:t>-&gt;2.</a:t>
+            </a:r>
+            <a:r>
+              <a:rPr lang="zh-CN" altLang="en-US" sz="1600" dirty="0">
+                <a:latin typeface="Arial" panose="020B0604020202020204" pitchFamily="34" charset="0"/>
+                <a:ea typeface="宋体" panose="02010600030101010101" pitchFamily="2" charset="-122"/>
+                <a:cs typeface="Arial" panose="020B0604020202020204" pitchFamily="34" charset="0"/>
+              </a:rPr>
+              <a:t>响应反馈 </a:t>
+            </a:r>
+            <a:endParaRPr lang="en-US" altLang="zh-CN" sz="1600" dirty="0">
+              <a:latin typeface="Arial" panose="020B0604020202020204" pitchFamily="34" charset="0"/>
+              <a:ea typeface="宋体" panose="02010600030101010101" pitchFamily="2" charset="-122"/>
+              <a:cs typeface="Arial" panose="020B0604020202020204" pitchFamily="34" charset="0"/>
+            </a:endParaRPr>
+          </a:p>
+          <a:p>
+            <a:endParaRPr lang="zh-CN" altLang="en-US" sz="1600" dirty="0">
+              <a:latin typeface="Arial" panose="020B0604020202020204" pitchFamily="34" charset="0"/>
+              <a:ea typeface="宋体" panose="02010600030101010101" pitchFamily="2" charset="-122"/>
+              <a:cs typeface="Arial" panose="020B0604020202020204" pitchFamily="34" charset="0"/>
+            </a:endParaRPr>
+          </a:p>
+          <a:p>
+            <a:r>
+              <a:rPr lang="en-US" altLang="zh-CN" sz="1600" dirty="0" err="1">
+                <a:latin typeface="Arial" panose="020B0604020202020204" pitchFamily="34" charset="0"/>
+                <a:ea typeface="宋体" panose="02010600030101010101" pitchFamily="2" charset="-122"/>
+                <a:cs typeface="Arial" panose="020B0604020202020204" pitchFamily="34" charset="0"/>
+              </a:rPr>
+              <a:t>PreCommit</a:t>
+            </a:r>
+            <a:r>
+              <a:rPr lang="zh-CN" altLang="en-US" sz="1600" dirty="0">
+                <a:latin typeface="Arial" panose="020B0604020202020204" pitchFamily="34" charset="0"/>
+                <a:ea typeface="宋体" panose="02010600030101010101" pitchFamily="2" charset="-122"/>
+                <a:cs typeface="Arial" panose="020B0604020202020204" pitchFamily="34" charset="0"/>
+              </a:rPr>
+              <a:t>阶段</a:t>
+            </a:r>
+            <a:endParaRPr lang="en-US" altLang="zh-CN" sz="1600" dirty="0">
+              <a:latin typeface="Arial" panose="020B0604020202020204" pitchFamily="34" charset="0"/>
+              <a:ea typeface="宋体" panose="02010600030101010101" pitchFamily="2" charset="-122"/>
+              <a:cs typeface="Arial" panose="020B0604020202020204" pitchFamily="34" charset="0"/>
+            </a:endParaRPr>
+          </a:p>
+          <a:p>
+            <a:r>
+              <a:rPr lang="en-US" altLang="zh-CN" sz="1600" dirty="0">
+                <a:latin typeface="Arial" panose="020B0604020202020204" pitchFamily="34" charset="0"/>
+                <a:ea typeface="宋体" panose="02010600030101010101" pitchFamily="2" charset="-122"/>
+                <a:cs typeface="Arial" panose="020B0604020202020204" pitchFamily="34" charset="0"/>
+              </a:rPr>
+              <a:t>Commit: 1.</a:t>
+            </a:r>
+            <a:r>
+              <a:rPr lang="zh-CN" altLang="en-US" sz="1600" dirty="0">
+                <a:latin typeface="Arial" panose="020B0604020202020204" pitchFamily="34" charset="0"/>
+                <a:ea typeface="宋体" panose="02010600030101010101" pitchFamily="2" charset="-122"/>
+                <a:cs typeface="Arial" panose="020B0604020202020204" pitchFamily="34" charset="0"/>
+              </a:rPr>
+              <a:t>发送预提交请求</a:t>
+            </a:r>
+            <a:r>
+              <a:rPr lang="en-US" altLang="zh-CN" sz="1600" dirty="0">
+                <a:latin typeface="Arial" panose="020B0604020202020204" pitchFamily="34" charset="0"/>
+                <a:ea typeface="宋体" panose="02010600030101010101" pitchFamily="2" charset="-122"/>
+                <a:cs typeface="Arial" panose="020B0604020202020204" pitchFamily="34" charset="0"/>
+              </a:rPr>
+              <a:t>-&gt;2.</a:t>
+            </a:r>
+            <a:r>
+              <a:rPr lang="zh-CN" altLang="en-US" sz="1600" dirty="0">
+                <a:latin typeface="Arial" panose="020B0604020202020204" pitchFamily="34" charset="0"/>
+                <a:ea typeface="宋体" panose="02010600030101010101" pitchFamily="2" charset="-122"/>
+                <a:cs typeface="Arial" panose="020B0604020202020204" pitchFamily="34" charset="0"/>
+              </a:rPr>
+              <a:t>事务预提交 </a:t>
+            </a:r>
+            <a:r>
+              <a:rPr lang="en-US" altLang="zh-CN" sz="1600" dirty="0">
+                <a:latin typeface="Arial" panose="020B0604020202020204" pitchFamily="34" charset="0"/>
+                <a:ea typeface="宋体" panose="02010600030101010101" pitchFamily="2" charset="-122"/>
+                <a:cs typeface="Arial" panose="020B0604020202020204" pitchFamily="34" charset="0"/>
+              </a:rPr>
+              <a:t>-&gt;3.</a:t>
+            </a:r>
+            <a:r>
+              <a:rPr lang="zh-CN" altLang="en-US" sz="1600" dirty="0">
+                <a:latin typeface="Arial" panose="020B0604020202020204" pitchFamily="34" charset="0"/>
+                <a:ea typeface="宋体" panose="02010600030101010101" pitchFamily="2" charset="-122"/>
+                <a:cs typeface="Arial" panose="020B0604020202020204" pitchFamily="34" charset="0"/>
+              </a:rPr>
+              <a:t>响应反馈</a:t>
+            </a:r>
+            <a:endParaRPr lang="en-US" altLang="zh-CN" sz="1600" dirty="0">
+              <a:latin typeface="Arial" panose="020B0604020202020204" pitchFamily="34" charset="0"/>
+              <a:ea typeface="宋体" panose="02010600030101010101" pitchFamily="2" charset="-122"/>
+              <a:cs typeface="Arial" panose="020B0604020202020204" pitchFamily="34" charset="0"/>
+            </a:endParaRPr>
+          </a:p>
+          <a:p>
+            <a:r>
+              <a:rPr lang="en-US" altLang="zh-CN" sz="1600" dirty="0">
+                <a:latin typeface="Arial" panose="020B0604020202020204" pitchFamily="34" charset="0"/>
+                <a:ea typeface="宋体" panose="02010600030101010101" pitchFamily="2" charset="-122"/>
+                <a:cs typeface="Arial" panose="020B0604020202020204" pitchFamily="34" charset="0"/>
+              </a:rPr>
+              <a:t>Rollback:1.</a:t>
+            </a:r>
+            <a:r>
+              <a:rPr lang="zh-CN" altLang="en-US" sz="1600" dirty="0">
+                <a:latin typeface="Arial" panose="020B0604020202020204" pitchFamily="34" charset="0"/>
+                <a:ea typeface="宋体" panose="02010600030101010101" pitchFamily="2" charset="-122"/>
+                <a:cs typeface="Arial" panose="020B0604020202020204" pitchFamily="34" charset="0"/>
+              </a:rPr>
+              <a:t>发送中断请求 </a:t>
+            </a:r>
+            <a:r>
+              <a:rPr lang="en-US" altLang="zh-CN" sz="1600" dirty="0">
+                <a:latin typeface="Arial" panose="020B0604020202020204" pitchFamily="34" charset="0"/>
+                <a:ea typeface="宋体" panose="02010600030101010101" pitchFamily="2" charset="-122"/>
+                <a:cs typeface="Arial" panose="020B0604020202020204" pitchFamily="34" charset="0"/>
+              </a:rPr>
+              <a:t>-&gt;2.</a:t>
+            </a:r>
+            <a:r>
+              <a:rPr lang="zh-CN" altLang="en-US" sz="1600" dirty="0">
+                <a:latin typeface="Arial" panose="020B0604020202020204" pitchFamily="34" charset="0"/>
+                <a:ea typeface="宋体" panose="02010600030101010101" pitchFamily="2" charset="-122"/>
+                <a:cs typeface="Arial" panose="020B0604020202020204" pitchFamily="34" charset="0"/>
+              </a:rPr>
+              <a:t>中断事务</a:t>
+            </a:r>
+            <a:endParaRPr lang="en-US" altLang="zh-CN" sz="1600" dirty="0">
+              <a:latin typeface="Arial" panose="020B0604020202020204" pitchFamily="34" charset="0"/>
+              <a:ea typeface="宋体" panose="02010600030101010101" pitchFamily="2" charset="-122"/>
+              <a:cs typeface="Arial" panose="020B0604020202020204" pitchFamily="34" charset="0"/>
+            </a:endParaRPr>
+          </a:p>
+          <a:p>
+            <a:endParaRPr lang="zh-CN" altLang="en-US" sz="1600" dirty="0">
+              <a:latin typeface="Arial" panose="020B0604020202020204" pitchFamily="34" charset="0"/>
+              <a:ea typeface="宋体" panose="02010600030101010101" pitchFamily="2" charset="-122"/>
+              <a:cs typeface="Arial" panose="020B0604020202020204" pitchFamily="34" charset="0"/>
+            </a:endParaRPr>
+          </a:p>
+          <a:p>
+            <a:r>
+              <a:rPr lang="en-US" altLang="zh-CN" sz="1600" dirty="0" err="1">
+                <a:latin typeface="Arial" panose="020B0604020202020204" pitchFamily="34" charset="0"/>
+                <a:ea typeface="宋体" panose="02010600030101010101" pitchFamily="2" charset="-122"/>
+                <a:cs typeface="Arial" panose="020B0604020202020204" pitchFamily="34" charset="0"/>
+              </a:rPr>
+              <a:t>doCommit</a:t>
+            </a:r>
+            <a:r>
+              <a:rPr lang="zh-CN" altLang="en-US" sz="1600" dirty="0">
+                <a:latin typeface="Arial" panose="020B0604020202020204" pitchFamily="34" charset="0"/>
+                <a:ea typeface="宋体" panose="02010600030101010101" pitchFamily="2" charset="-122"/>
+                <a:cs typeface="Arial" panose="020B0604020202020204" pitchFamily="34" charset="0"/>
+              </a:rPr>
+              <a:t>阶段</a:t>
+            </a:r>
+            <a:endParaRPr lang="en-US" altLang="zh-CN" sz="1600" dirty="0">
+              <a:latin typeface="Arial" panose="020B0604020202020204" pitchFamily="34" charset="0"/>
+              <a:ea typeface="宋体" panose="02010600030101010101" pitchFamily="2" charset="-122"/>
+              <a:cs typeface="Arial" panose="020B0604020202020204" pitchFamily="34" charset="0"/>
+            </a:endParaRPr>
+          </a:p>
+          <a:p>
+            <a:r>
+              <a:rPr lang="en-US" altLang="zh-CN" sz="1600" dirty="0">
+                <a:latin typeface="Arial" panose="020B0604020202020204" pitchFamily="34" charset="0"/>
+                <a:ea typeface="宋体" panose="02010600030101010101" pitchFamily="2" charset="-122"/>
+                <a:cs typeface="Arial" panose="020B0604020202020204" pitchFamily="34" charset="0"/>
+              </a:rPr>
+              <a:t>Commit: 1.</a:t>
+            </a:r>
+            <a:r>
+              <a:rPr lang="zh-CN" altLang="en-US" sz="1600" dirty="0">
+                <a:latin typeface="Arial" panose="020B0604020202020204" pitchFamily="34" charset="0"/>
+                <a:ea typeface="宋体" panose="02010600030101010101" pitchFamily="2" charset="-122"/>
+                <a:cs typeface="Arial" panose="020B0604020202020204" pitchFamily="34" charset="0"/>
+              </a:rPr>
+              <a:t>发送提交请求  </a:t>
+            </a:r>
+            <a:r>
+              <a:rPr lang="en-US" altLang="zh-CN" sz="1600" dirty="0">
+                <a:latin typeface="Arial" panose="020B0604020202020204" pitchFamily="34" charset="0"/>
+                <a:ea typeface="宋体" panose="02010600030101010101" pitchFamily="2" charset="-122"/>
+                <a:cs typeface="Arial" panose="020B0604020202020204" pitchFamily="34" charset="0"/>
+              </a:rPr>
+              <a:t>-&gt;2.</a:t>
+            </a:r>
+            <a:r>
+              <a:rPr lang="zh-CN" altLang="en-US" sz="1600" dirty="0">
+                <a:latin typeface="Arial" panose="020B0604020202020204" pitchFamily="34" charset="0"/>
+                <a:ea typeface="宋体" panose="02010600030101010101" pitchFamily="2" charset="-122"/>
+                <a:cs typeface="Arial" panose="020B0604020202020204" pitchFamily="34" charset="0"/>
+              </a:rPr>
+              <a:t>事务提交  </a:t>
+            </a:r>
+            <a:r>
+              <a:rPr lang="en-US" altLang="zh-CN" sz="1600" dirty="0">
+                <a:latin typeface="Arial" panose="020B0604020202020204" pitchFamily="34" charset="0"/>
+                <a:ea typeface="宋体" panose="02010600030101010101" pitchFamily="2" charset="-122"/>
+                <a:cs typeface="Arial" panose="020B0604020202020204" pitchFamily="34" charset="0"/>
+              </a:rPr>
+              <a:t>-&gt;3.</a:t>
+            </a:r>
+            <a:r>
+              <a:rPr lang="zh-CN" altLang="en-US" sz="1600" dirty="0">
+                <a:latin typeface="Arial" panose="020B0604020202020204" pitchFamily="34" charset="0"/>
+                <a:ea typeface="宋体" panose="02010600030101010101" pitchFamily="2" charset="-122"/>
+                <a:cs typeface="Arial" panose="020B0604020202020204" pitchFamily="34" charset="0"/>
+              </a:rPr>
+              <a:t>响应反馈</a:t>
+            </a:r>
+            <a:r>
+              <a:rPr lang="en-US" altLang="zh-CN" sz="1600" dirty="0">
+                <a:latin typeface="Arial" panose="020B0604020202020204" pitchFamily="34" charset="0"/>
+                <a:ea typeface="宋体" panose="02010600030101010101" pitchFamily="2" charset="-122"/>
+                <a:cs typeface="Arial" panose="020B0604020202020204" pitchFamily="34" charset="0"/>
+              </a:rPr>
+              <a:t>.-&gt;4.</a:t>
+            </a:r>
+            <a:r>
+              <a:rPr lang="zh-CN" altLang="en-US" sz="1600" dirty="0">
+                <a:latin typeface="Arial" panose="020B0604020202020204" pitchFamily="34" charset="0"/>
+                <a:ea typeface="宋体" panose="02010600030101010101" pitchFamily="2" charset="-122"/>
+                <a:cs typeface="Arial" panose="020B0604020202020204" pitchFamily="34" charset="0"/>
+              </a:rPr>
+              <a:t>完成事务</a:t>
+            </a:r>
+            <a:endParaRPr lang="en-US" altLang="zh-CN" sz="1600" dirty="0">
+              <a:latin typeface="Arial" panose="020B0604020202020204" pitchFamily="34" charset="0"/>
+              <a:ea typeface="宋体" panose="02010600030101010101" pitchFamily="2" charset="-122"/>
+              <a:cs typeface="Arial" panose="020B0604020202020204" pitchFamily="34" charset="0"/>
+            </a:endParaRPr>
+          </a:p>
+          <a:p>
+            <a:r>
+              <a:rPr lang="en-US" altLang="zh-CN" sz="1600" dirty="0">
+                <a:latin typeface="Arial" panose="020B0604020202020204" pitchFamily="34" charset="0"/>
+                <a:ea typeface="宋体" panose="02010600030101010101" pitchFamily="2" charset="-122"/>
+                <a:cs typeface="Arial" panose="020B0604020202020204" pitchFamily="34" charset="0"/>
+              </a:rPr>
+              <a:t>Rollback:1.</a:t>
+            </a:r>
+            <a:r>
+              <a:rPr lang="zh-CN" altLang="en-US" sz="1600" dirty="0">
+                <a:latin typeface="Arial" panose="020B0604020202020204" pitchFamily="34" charset="0"/>
+                <a:ea typeface="宋体" panose="02010600030101010101" pitchFamily="2" charset="-122"/>
+                <a:cs typeface="Arial" panose="020B0604020202020204" pitchFamily="34" charset="0"/>
+              </a:rPr>
+              <a:t>发送中断请求 </a:t>
+            </a:r>
+            <a:r>
+              <a:rPr lang="en-US" altLang="zh-CN" sz="1600" dirty="0">
+                <a:latin typeface="Arial" panose="020B0604020202020204" pitchFamily="34" charset="0"/>
+                <a:ea typeface="宋体" panose="02010600030101010101" pitchFamily="2" charset="-122"/>
+                <a:cs typeface="Arial" panose="020B0604020202020204" pitchFamily="34" charset="0"/>
+              </a:rPr>
+              <a:t>-&gt;2.</a:t>
+            </a:r>
+            <a:r>
+              <a:rPr lang="zh-CN" altLang="en-US" sz="1600" dirty="0">
+                <a:latin typeface="Arial" panose="020B0604020202020204" pitchFamily="34" charset="0"/>
+                <a:ea typeface="宋体" panose="02010600030101010101" pitchFamily="2" charset="-122"/>
+                <a:cs typeface="Arial" panose="020B0604020202020204" pitchFamily="34" charset="0"/>
+              </a:rPr>
+              <a:t>事务回滚</a:t>
+            </a:r>
+            <a:r>
+              <a:rPr lang="en-US" altLang="zh-CN" sz="1600" dirty="0">
+                <a:latin typeface="Arial" panose="020B0604020202020204" pitchFamily="34" charset="0"/>
+                <a:ea typeface="宋体" panose="02010600030101010101" pitchFamily="2" charset="-122"/>
+                <a:cs typeface="Arial" panose="020B0604020202020204" pitchFamily="34" charset="0"/>
+              </a:rPr>
+              <a:t>-&gt;3.</a:t>
+            </a:r>
+            <a:r>
+              <a:rPr lang="zh-CN" altLang="en-US" sz="1600" dirty="0">
+                <a:latin typeface="Arial" panose="020B0604020202020204" pitchFamily="34" charset="0"/>
+                <a:ea typeface="宋体" panose="02010600030101010101" pitchFamily="2" charset="-122"/>
+                <a:cs typeface="Arial" panose="020B0604020202020204" pitchFamily="34" charset="0"/>
+              </a:rPr>
+              <a:t>反馈结果 </a:t>
+            </a:r>
+            <a:r>
+              <a:rPr lang="en-US" altLang="zh-CN" sz="1600" dirty="0">
+                <a:latin typeface="Arial" panose="020B0604020202020204" pitchFamily="34" charset="0"/>
+                <a:ea typeface="宋体" panose="02010600030101010101" pitchFamily="2" charset="-122"/>
+                <a:cs typeface="Arial" panose="020B0604020202020204" pitchFamily="34" charset="0"/>
+              </a:rPr>
+              <a:t>-&gt;4.</a:t>
+            </a:r>
+            <a:r>
+              <a:rPr lang="zh-CN" altLang="en-US" sz="1600" dirty="0">
+                <a:latin typeface="Arial" panose="020B0604020202020204" pitchFamily="34" charset="0"/>
+                <a:ea typeface="宋体" panose="02010600030101010101" pitchFamily="2" charset="-122"/>
+                <a:cs typeface="Arial" panose="020B0604020202020204" pitchFamily="34" charset="0"/>
+              </a:rPr>
+              <a:t>中断事务</a:t>
+            </a:r>
+            <a:endParaRPr lang="en-US" altLang="zh-CN" sz="1600" dirty="0">
+              <a:latin typeface="Arial" panose="020B0604020202020204" pitchFamily="34" charset="0"/>
+              <a:ea typeface="宋体" panose="02010600030101010101" pitchFamily="2" charset="-122"/>
+              <a:cs typeface="Arial" panose="020B0604020202020204" pitchFamily="34" charset="0"/>
+            </a:endParaRPr>
+          </a:p>
+          <a:p>
+            <a:endParaRPr lang="en-US" altLang="zh-CN" sz="1600" dirty="0">
+              <a:latin typeface="Arial" panose="020B0604020202020204" pitchFamily="34" charset="0"/>
+              <a:ea typeface="宋体" panose="02010600030101010101" pitchFamily="2" charset="-122"/>
+              <a:cs typeface="Arial" panose="020B0604020202020204" pitchFamily="34" charset="0"/>
+            </a:endParaRPr>
+          </a:p>
+          <a:p>
+            <a:r>
+              <a:rPr lang="zh-CN" altLang="en-US" sz="1600" dirty="0">
+                <a:latin typeface="Arial" panose="020B0604020202020204" pitchFamily="34" charset="0"/>
+                <a:ea typeface="宋体" panose="02010600030101010101" pitchFamily="2" charset="-122"/>
+                <a:cs typeface="Arial" panose="020B0604020202020204" pitchFamily="34" charset="0"/>
+              </a:rPr>
+              <a:t>解决单点故障，并减少阻塞。因为一旦参与者无法及时收到来自协调者的信息之后，他会默认执行</a:t>
+            </a:r>
+            <a:r>
+              <a:rPr lang="en-US" altLang="zh-CN" sz="1600" dirty="0">
+                <a:latin typeface="Arial" panose="020B0604020202020204" pitchFamily="34" charset="0"/>
+                <a:ea typeface="宋体" panose="02010600030101010101" pitchFamily="2" charset="-122"/>
+                <a:cs typeface="Arial" panose="020B0604020202020204" pitchFamily="34" charset="0"/>
+              </a:rPr>
+              <a:t>commit</a:t>
+            </a:r>
+            <a:r>
+              <a:rPr lang="zh-CN" altLang="en-US" sz="1600" dirty="0">
+                <a:latin typeface="Arial" panose="020B0604020202020204" pitchFamily="34" charset="0"/>
+                <a:ea typeface="宋体" panose="02010600030101010101" pitchFamily="2" charset="-122"/>
+                <a:cs typeface="Arial" panose="020B0604020202020204" pitchFamily="34" charset="0"/>
+              </a:rPr>
+              <a:t>。而不会一直持有事务资源并处于阻塞状态。</a:t>
+            </a:r>
+            <a:endParaRPr lang="en-US" altLang="zh-CN" sz="1600" dirty="0">
+              <a:latin typeface="Arial" panose="020B0604020202020204" pitchFamily="34" charset="0"/>
+              <a:ea typeface="宋体" panose="02010600030101010101" pitchFamily="2" charset="-122"/>
+              <a:cs typeface="Arial" panose="020B0604020202020204" pitchFamily="34" charset="0"/>
+            </a:endParaRPr>
+          </a:p>
+        </p:txBody>
+      </p:sp>
+    </p:spTree>
+    <p:extLst>
+      <p:ext uri="{BB962C8B-B14F-4D97-AF65-F5344CB8AC3E}">
+        <p14:creationId xmlns:p14="http://schemas.microsoft.com/office/powerpoint/2010/main" val="3973329441"/>
+      </p:ext>
+    </p:extLst>
+  </p:cSld>
+  <p:clrMapOvr>
+    <a:masterClrMapping/>
+  </p:clrMapOvr>
+</p:sld>
+</file>
+
+<file path=ppt/slides/slide11.xml><?xml version="1.0" encoding="utf-8"?>
+<p:sld xmlns:a="http://schemas.openxmlformats.org/drawingml/2006/main" xmlns:r="http://schemas.openxmlformats.org/officeDocument/2006/relationships" xmlns:p="http://schemas.openxmlformats.org/presentationml/2006/main">
+  <p:cSld>
+    <p:spTree>
+      <p:nvGrpSpPr>
+        <p:cNvPr id="1" name=""/>
+        <p:cNvGrpSpPr/>
+        <p:nvPr/>
+      </p:nvGrpSpPr>
+      <p:grpSpPr>
+        <a:xfrm>
+          <a:off x="0" y="0"/>
+          <a:ext cx="0" cy="0"/>
+          <a:chOff x="0" y="0"/>
+          <a:chExt cx="0" cy="0"/>
+        </a:xfrm>
+      </p:grpSpPr>
+      <p:sp>
+        <p:nvSpPr>
+          <p:cNvPr id="2" name="Title 1"/>
+          <p:cNvSpPr>
+            <a:spLocks noGrp="1"/>
+          </p:cNvSpPr>
+          <p:nvPr>
+            <p:ph type="title"/>
+          </p:nvPr>
+        </p:nvSpPr>
+        <p:spPr/>
+        <p:txBody>
+          <a:bodyPr/>
+          <a:lstStyle/>
+          <a:p>
+            <a:r>
+              <a:rPr lang="en-US" altLang="zh-CN" dirty="0"/>
+              <a:t>JTA</a:t>
+            </a:r>
+            <a:endParaRPr lang="zh-CN" altLang="en-US" dirty="0"/>
+          </a:p>
+        </p:txBody>
+      </p:sp>
+      <p:sp>
+        <p:nvSpPr>
+          <p:cNvPr id="3" name="Content Placeholder 2"/>
+          <p:cNvSpPr>
+            <a:spLocks noGrp="1"/>
+          </p:cNvSpPr>
+          <p:nvPr>
+            <p:ph idx="1"/>
+          </p:nvPr>
+        </p:nvSpPr>
+        <p:spPr/>
+        <p:txBody>
+          <a:bodyPr/>
+          <a:lstStyle/>
+          <a:p>
+            <a:r>
+              <a:rPr lang="zh-CN" altLang="en-US" dirty="0"/>
+              <a:t>作为</a:t>
+            </a:r>
+            <a:r>
+              <a:rPr lang="en-US" altLang="zh-CN" b="1" dirty="0">
+                <a:hlinkClick r:id="rId2" tooltip="Java EE知识库"/>
+              </a:rPr>
+              <a:t>Java</a:t>
+            </a:r>
+            <a:r>
+              <a:rPr lang="zh-CN" altLang="en-US" dirty="0"/>
+              <a:t>平台上事务规范</a:t>
+            </a:r>
+            <a:r>
+              <a:rPr lang="en-US" altLang="zh-CN" dirty="0"/>
+              <a:t>JTA</a:t>
+            </a:r>
+            <a:r>
+              <a:rPr lang="zh-CN" altLang="en-US" dirty="0"/>
+              <a:t>（</a:t>
+            </a:r>
+            <a:r>
+              <a:rPr lang="en-US" altLang="zh-CN" b="1" dirty="0">
+                <a:hlinkClick r:id="rId3" tooltip="Java 知识库"/>
+              </a:rPr>
+              <a:t>Java </a:t>
+            </a:r>
+            <a:r>
+              <a:rPr lang="en-US" altLang="zh-CN" dirty="0"/>
+              <a:t>Transaction API</a:t>
+            </a:r>
+            <a:r>
+              <a:rPr lang="zh-CN" altLang="en-US" dirty="0"/>
+              <a:t>）也定义了对</a:t>
+            </a:r>
+            <a:r>
+              <a:rPr lang="en-US" altLang="zh-CN" dirty="0"/>
+              <a:t>XA</a:t>
+            </a:r>
+            <a:r>
+              <a:rPr lang="zh-CN" altLang="en-US" dirty="0"/>
+              <a:t>事务的支持，实际上，</a:t>
+            </a:r>
+            <a:r>
+              <a:rPr lang="en-US" altLang="zh-CN" dirty="0"/>
+              <a:t>JTA</a:t>
+            </a:r>
+            <a:r>
+              <a:rPr lang="zh-CN" altLang="en-US" dirty="0"/>
+              <a:t>是基于</a:t>
+            </a:r>
+            <a:r>
+              <a:rPr lang="en-US" altLang="zh-CN" dirty="0"/>
+              <a:t>XA</a:t>
+            </a:r>
+            <a:r>
+              <a:rPr lang="zh-CN" altLang="en-US" b="1" dirty="0">
+                <a:hlinkClick r:id="rId4" tooltip="大型网站架构知识库"/>
+              </a:rPr>
+              <a:t>架构</a:t>
+            </a:r>
+            <a:r>
+              <a:rPr lang="zh-CN" altLang="en-US" dirty="0"/>
+              <a:t>上建模的，在</a:t>
+            </a:r>
+            <a:r>
+              <a:rPr lang="en-US" altLang="zh-CN" dirty="0"/>
+              <a:t>JTA </a:t>
+            </a:r>
+            <a:r>
+              <a:rPr lang="zh-CN" altLang="en-US" dirty="0"/>
+              <a:t>中，事务管理器抽象为</a:t>
+            </a:r>
+            <a:r>
+              <a:rPr lang="en-US" altLang="zh-CN" dirty="0" err="1"/>
+              <a:t>javax.transaction.TransactionManager</a:t>
+            </a:r>
+            <a:r>
+              <a:rPr lang="zh-CN" altLang="en-US" dirty="0"/>
+              <a:t>接口，并通过底层事务服务（即</a:t>
+            </a:r>
+            <a:r>
+              <a:rPr lang="en-US" altLang="zh-CN" dirty="0"/>
+              <a:t>JTS</a:t>
+            </a:r>
+            <a:r>
+              <a:rPr lang="zh-CN" altLang="en-US" dirty="0"/>
+              <a:t>）实现</a:t>
+            </a:r>
+            <a:endParaRPr lang="en-US" altLang="zh-CN" dirty="0"/>
+          </a:p>
+          <a:p>
+            <a:endParaRPr lang="en-US" altLang="zh-CN" dirty="0"/>
+          </a:p>
+          <a:p>
+            <a:r>
+              <a:rPr lang="en-US" altLang="zh-CN" dirty="0"/>
+              <a:t>1.J2EE</a:t>
+            </a:r>
+            <a:r>
+              <a:rPr lang="zh-CN" altLang="en-US" dirty="0"/>
+              <a:t>容器所提供的</a:t>
+            </a:r>
+            <a:r>
+              <a:rPr lang="en-US" altLang="zh-CN" dirty="0"/>
+              <a:t>JTA</a:t>
+            </a:r>
+            <a:r>
+              <a:rPr lang="zh-CN" altLang="en-US" dirty="0"/>
+              <a:t>实现</a:t>
+            </a:r>
+            <a:r>
+              <a:rPr lang="en-US" altLang="zh-CN" dirty="0"/>
+              <a:t>(</a:t>
+            </a:r>
+            <a:r>
+              <a:rPr lang="en-US" altLang="zh-CN" dirty="0" err="1"/>
+              <a:t>JBoss</a:t>
+            </a:r>
+            <a:r>
+              <a:rPr lang="en-US" altLang="zh-CN" dirty="0"/>
+              <a:t>)</a:t>
+            </a:r>
+            <a:br>
+              <a:rPr lang="en-US" altLang="zh-CN" dirty="0"/>
+            </a:br>
+            <a:r>
+              <a:rPr lang="en-US" altLang="zh-CN" dirty="0"/>
+              <a:t>2.</a:t>
+            </a:r>
+            <a:r>
+              <a:rPr lang="zh-CN" altLang="en-US" dirty="0"/>
+              <a:t>独立的</a:t>
+            </a:r>
+            <a:r>
+              <a:rPr lang="en-US" altLang="zh-CN" dirty="0"/>
+              <a:t>JTA</a:t>
+            </a:r>
+            <a:r>
+              <a:rPr lang="zh-CN" altLang="en-US" dirty="0"/>
+              <a:t>实现</a:t>
+            </a:r>
+            <a:r>
+              <a:rPr lang="en-US" altLang="zh-CN" dirty="0"/>
+              <a:t>:</a:t>
+            </a:r>
+            <a:r>
+              <a:rPr lang="zh-CN" altLang="en-US" dirty="0"/>
+              <a:t>如</a:t>
+            </a:r>
+            <a:r>
+              <a:rPr lang="en-US" altLang="zh-CN" dirty="0"/>
+              <a:t>JOTM</a:t>
+            </a:r>
+            <a:r>
+              <a:rPr lang="zh-CN" altLang="en-US" dirty="0"/>
+              <a:t>，</a:t>
+            </a:r>
+            <a:r>
+              <a:rPr lang="en-US" altLang="zh-CN" dirty="0" err="1"/>
+              <a:t>Atomikos</a:t>
+            </a:r>
+            <a:r>
+              <a:rPr lang="en-US" altLang="zh-CN" dirty="0"/>
+              <a:t>.</a:t>
+            </a:r>
+            <a:r>
+              <a:rPr lang="zh-CN" altLang="en-US" dirty="0"/>
+              <a:t>这些实现可以应用在那些不使用</a:t>
+            </a:r>
+            <a:r>
+              <a:rPr lang="en-US" altLang="zh-CN" dirty="0"/>
+              <a:t>J2EE</a:t>
+            </a:r>
+            <a:r>
+              <a:rPr lang="zh-CN" altLang="en-US" dirty="0"/>
+              <a:t>应用服务器的环境里用以提供分布事事务保证。如</a:t>
+            </a:r>
+            <a:r>
+              <a:rPr lang="en-US" altLang="zh-CN" dirty="0" err="1"/>
+              <a:t>Tomcat,Jetty</a:t>
+            </a:r>
+            <a:r>
+              <a:rPr lang="zh-CN" altLang="en-US" dirty="0"/>
+              <a:t>以及普通的</a:t>
+            </a:r>
+            <a:r>
+              <a:rPr lang="en-US" altLang="zh-CN" dirty="0"/>
+              <a:t>java</a:t>
+            </a:r>
+            <a:r>
+              <a:rPr lang="zh-CN" altLang="en-US" dirty="0"/>
+              <a:t>应用。</a:t>
+            </a:r>
+          </a:p>
+        </p:txBody>
+      </p:sp>
+    </p:spTree>
+    <p:extLst>
+      <p:ext uri="{BB962C8B-B14F-4D97-AF65-F5344CB8AC3E}">
+        <p14:creationId xmlns:p14="http://schemas.microsoft.com/office/powerpoint/2010/main" val="260479488"/>
+      </p:ext>
+    </p:extLst>
+  </p:cSld>
+  <p:clrMapOvr>
+    <a:masterClrMapping/>
+  </p:clrMapOvr>
+</p:sld>
+</file>
+
+<file path=ppt/slides/slide12.xml><?xml version="1.0" encoding="utf-8"?>
 <p:sld xmlns:a="http://schemas.openxmlformats.org/drawingml/2006/main" xmlns:r="http://schemas.openxmlformats.org/officeDocument/2006/relationships" xmlns:p="http://schemas.openxmlformats.org/presentationml/2006/main">
   <p:cSld>
     <p:spTree>
@@ -6063,493 +8063,6 @@
 </p:sld>
 </file>
 
-<file path=ppt/slides/slide11.xml><?xml version="1.0" encoding="utf-8"?>
-<p:sld xmlns:a="http://schemas.openxmlformats.org/drawingml/2006/main" xmlns:r="http://schemas.openxmlformats.org/officeDocument/2006/relationships" xmlns:p="http://schemas.openxmlformats.org/presentationml/2006/main">
-  <p:cSld>
-    <p:spTree>
-      <p:nvGrpSpPr>
-        <p:cNvPr id="1" name=""/>
-        <p:cNvGrpSpPr/>
-        <p:nvPr/>
-      </p:nvGrpSpPr>
-      <p:grpSpPr>
-        <a:xfrm>
-          <a:off x="0" y="0"/>
-          <a:ext cx="0" cy="0"/>
-          <a:chOff x="0" y="0"/>
-          <a:chExt cx="0" cy="0"/>
-        </a:xfrm>
-      </p:grpSpPr>
-      <p:sp>
-        <p:nvSpPr>
-          <p:cNvPr id="2" name="Title 1"/>
-          <p:cNvSpPr>
-            <a:spLocks noGrp="1"/>
-          </p:cNvSpPr>
-          <p:nvPr>
-            <p:ph type="title"/>
-          </p:nvPr>
-        </p:nvSpPr>
-        <p:spPr/>
-        <p:txBody>
-          <a:bodyPr/>
-          <a:lstStyle/>
-          <a:p>
-            <a:r>
-              <a:rPr lang="zh-CN" altLang="en-US" dirty="0"/>
-              <a:t>分布式事务不一致解决方法</a:t>
-            </a:r>
-          </a:p>
-        </p:txBody>
-      </p:sp>
-      <p:sp>
-        <p:nvSpPr>
-          <p:cNvPr id="3" name="Content Placeholder 2"/>
-          <p:cNvSpPr>
-            <a:spLocks noGrp="1"/>
-          </p:cNvSpPr>
-          <p:nvPr>
-            <p:ph idx="1"/>
-          </p:nvPr>
-        </p:nvSpPr>
-        <p:spPr/>
-        <p:txBody>
-          <a:bodyPr/>
-          <a:lstStyle/>
-          <a:p>
-            <a:r>
-              <a:rPr lang="zh-CN" altLang="en-US" dirty="0"/>
-              <a:t>解决分布式事务的最好办法就是不考虑分布式事务。</a:t>
-            </a:r>
-            <a:endParaRPr lang="zh-CN" altLang="en-US" dirty="0">
-              <a:effectLst/>
-            </a:endParaRPr>
-          </a:p>
-          <a:p>
-            <a:r>
-              <a:rPr lang="zh-CN" altLang="en-US" dirty="0"/>
-              <a:t>拆分，大的业务流程，转化成几个小的业务流程，然后考虑最终一致性</a:t>
-            </a:r>
-            <a:endParaRPr lang="zh-CN" altLang="en-US" dirty="0">
-              <a:effectLst/>
-            </a:endParaRPr>
-          </a:p>
-          <a:p>
-            <a:endParaRPr lang="zh-CN" altLang="en-US" dirty="0"/>
-          </a:p>
-        </p:txBody>
-      </p:sp>
-    </p:spTree>
-    <p:extLst>
-      <p:ext uri="{BB962C8B-B14F-4D97-AF65-F5344CB8AC3E}">
-        <p14:creationId xmlns:p14="http://schemas.microsoft.com/office/powerpoint/2010/main" val="2961534618"/>
-      </p:ext>
-    </p:extLst>
-  </p:cSld>
-  <p:clrMapOvr>
-    <a:masterClrMapping/>
-  </p:clrMapOvr>
-</p:sld>
-</file>
-
-<file path=ppt/slides/slide12.xml><?xml version="1.0" encoding="utf-8"?>
-<p:sld xmlns:a="http://schemas.openxmlformats.org/drawingml/2006/main" xmlns:r="http://schemas.openxmlformats.org/officeDocument/2006/relationships" xmlns:p="http://schemas.openxmlformats.org/presentationml/2006/main">
-  <p:cSld>
-    <p:spTree>
-      <p:nvGrpSpPr>
-        <p:cNvPr id="1" name=""/>
-        <p:cNvGrpSpPr/>
-        <p:nvPr/>
-      </p:nvGrpSpPr>
-      <p:grpSpPr>
-        <a:xfrm>
-          <a:off x="0" y="0"/>
-          <a:ext cx="0" cy="0"/>
-          <a:chOff x="0" y="0"/>
-          <a:chExt cx="0" cy="0"/>
-        </a:xfrm>
-      </p:grpSpPr>
-      <p:sp>
-        <p:nvSpPr>
-          <p:cNvPr id="2" name="Title 1"/>
-          <p:cNvSpPr>
-            <a:spLocks noGrp="1"/>
-          </p:cNvSpPr>
-          <p:nvPr>
-            <p:ph type="title"/>
-          </p:nvPr>
-        </p:nvSpPr>
-        <p:spPr/>
-        <p:txBody>
-          <a:bodyPr/>
-          <a:lstStyle/>
-          <a:p>
-            <a:r>
-              <a:rPr lang="en-US" altLang="zh-CN" dirty="0"/>
-              <a:t>JTA</a:t>
-            </a:r>
-            <a:r>
-              <a:rPr lang="zh-CN" altLang="en-US" dirty="0"/>
-              <a:t>事务的由来</a:t>
-            </a:r>
-          </a:p>
-        </p:txBody>
-      </p:sp>
-      <p:sp>
-        <p:nvSpPr>
-          <p:cNvPr id="3" name="Content Placeholder 2"/>
-          <p:cNvSpPr>
-            <a:spLocks noGrp="1"/>
-          </p:cNvSpPr>
-          <p:nvPr>
-            <p:ph idx="1"/>
-          </p:nvPr>
-        </p:nvSpPr>
-        <p:spPr/>
-        <p:txBody>
-          <a:bodyPr>
-            <a:normAutofit fontScale="47500" lnSpcReduction="20000"/>
-          </a:bodyPr>
-          <a:lstStyle/>
-          <a:p>
-            <a:r>
-              <a:rPr lang="zh-CN" altLang="en-US" dirty="0"/>
-              <a:t>一个支付流程就要和多个模块进行交互，每个模块都部署在不同的机器中，并且每个模块操作的数据库都不一致，这时候就无法使用</a:t>
-            </a:r>
-            <a:r>
-              <a:rPr lang="en-US" altLang="zh-CN" dirty="0"/>
-              <a:t>JDBC</a:t>
-            </a:r>
-            <a:r>
-              <a:rPr lang="zh-CN" altLang="en-US" dirty="0"/>
-              <a:t>来管理事务。我们看一段代码：</a:t>
-            </a:r>
-          </a:p>
-          <a:p>
-            <a:endParaRPr lang="zh-CN" altLang="en-US" dirty="0"/>
-          </a:p>
-          <a:p>
-            <a:r>
-              <a:rPr lang="en-US" altLang="zh-CN" dirty="0"/>
-              <a:t>/** </a:t>
-            </a:r>
-            <a:r>
-              <a:rPr lang="zh-CN" altLang="en-US" dirty="0"/>
-              <a:t>支付订单处理 **</a:t>
-            </a:r>
-            <a:r>
-              <a:rPr lang="en-US" altLang="zh-CN" dirty="0"/>
-              <a:t>/</a:t>
-            </a:r>
-          </a:p>
-          <a:p>
-            <a:r>
-              <a:rPr lang="en-US" altLang="zh-CN" dirty="0"/>
-              <a:t>@Transactional(</a:t>
-            </a:r>
-            <a:r>
-              <a:rPr lang="en-US" altLang="zh-CN" dirty="0" err="1"/>
-              <a:t>rollbackFor</a:t>
-            </a:r>
-            <a:r>
-              <a:rPr lang="en-US" altLang="zh-CN" dirty="0"/>
-              <a:t> = </a:t>
-            </a:r>
-            <a:r>
-              <a:rPr lang="en-US" altLang="zh-CN" dirty="0" err="1"/>
-              <a:t>Exception.class</a:t>
-            </a:r>
-            <a:r>
-              <a:rPr lang="en-US" altLang="zh-CN" dirty="0"/>
-              <a:t>)</a:t>
-            </a:r>
-          </a:p>
-          <a:p>
-            <a:r>
-              <a:rPr lang="en-US" altLang="zh-CN" dirty="0"/>
-              <a:t>public void </a:t>
-            </a:r>
-            <a:r>
-              <a:rPr lang="en-US" altLang="zh-CN" dirty="0" err="1"/>
-              <a:t>completeOrder</a:t>
-            </a:r>
-            <a:r>
-              <a:rPr lang="en-US" altLang="zh-CN" dirty="0"/>
-              <a:t>() {</a:t>
-            </a:r>
-          </a:p>
-          <a:p>
-            <a:r>
-              <a:rPr lang="en-US" altLang="zh-CN" dirty="0"/>
-              <a:t>    </a:t>
-            </a:r>
-            <a:r>
-              <a:rPr lang="en-US" altLang="zh-CN" dirty="0" err="1"/>
-              <a:t>orderDao.update</a:t>
-            </a:r>
-            <a:r>
-              <a:rPr lang="en-US" altLang="zh-CN" dirty="0"/>
-              <a:t>(); // </a:t>
-            </a:r>
-            <a:r>
-              <a:rPr lang="zh-CN" altLang="en-US" dirty="0"/>
-              <a:t>订单服务本地更新订单状态</a:t>
-            </a:r>
-          </a:p>
-          <a:p>
-            <a:r>
-              <a:rPr lang="zh-CN" altLang="en-US" dirty="0"/>
-              <a:t>    </a:t>
-            </a:r>
-            <a:r>
-              <a:rPr lang="en-US" altLang="zh-CN" dirty="0" err="1"/>
-              <a:t>accountService.update</a:t>
-            </a:r>
-            <a:r>
-              <a:rPr lang="en-US" altLang="zh-CN" dirty="0"/>
-              <a:t>(); // </a:t>
-            </a:r>
-            <a:r>
-              <a:rPr lang="zh-CN" altLang="en-US" dirty="0"/>
-              <a:t>调用资金账户服务给资金帐户加款</a:t>
-            </a:r>
-          </a:p>
-          <a:p>
-            <a:r>
-              <a:rPr lang="zh-CN" altLang="en-US" dirty="0"/>
-              <a:t>    </a:t>
-            </a:r>
-            <a:r>
-              <a:rPr lang="en-US" altLang="zh-CN" dirty="0" err="1"/>
-              <a:t>pointService.update</a:t>
-            </a:r>
-            <a:r>
-              <a:rPr lang="en-US" altLang="zh-CN" dirty="0"/>
-              <a:t>(); // </a:t>
-            </a:r>
-            <a:r>
-              <a:rPr lang="zh-CN" altLang="en-US" dirty="0"/>
-              <a:t>调用积分服务给积分帐户增加积分</a:t>
-            </a:r>
-          </a:p>
-          <a:p>
-            <a:r>
-              <a:rPr lang="zh-CN" altLang="en-US" dirty="0"/>
-              <a:t>    </a:t>
-            </a:r>
-            <a:r>
-              <a:rPr lang="en-US" altLang="zh-CN" dirty="0" err="1"/>
-              <a:t>accountingService.insert</a:t>
-            </a:r>
-            <a:r>
-              <a:rPr lang="en-US" altLang="zh-CN" dirty="0"/>
-              <a:t>(); // </a:t>
-            </a:r>
-            <a:r>
-              <a:rPr lang="zh-CN" altLang="en-US" dirty="0"/>
-              <a:t>调用会计服务向会计系统写入会计原始凭证</a:t>
-            </a:r>
-          </a:p>
-          <a:p>
-            <a:r>
-              <a:rPr lang="zh-CN" altLang="en-US" dirty="0"/>
-              <a:t>    </a:t>
-            </a:r>
-            <a:r>
-              <a:rPr lang="en-US" altLang="zh-CN" dirty="0" err="1"/>
-              <a:t>merchantNotifyService.notify</a:t>
-            </a:r>
-            <a:r>
-              <a:rPr lang="en-US" altLang="zh-CN" dirty="0"/>
-              <a:t>(); // </a:t>
-            </a:r>
-            <a:r>
-              <a:rPr lang="zh-CN" altLang="en-US" dirty="0"/>
-              <a:t>调用商户通知服务向商户发送支付结果通知</a:t>
-            </a:r>
-          </a:p>
-          <a:p>
-            <a:r>
-              <a:rPr lang="en-US" altLang="zh-CN" dirty="0"/>
-              <a:t>}</a:t>
-            </a:r>
-          </a:p>
-          <a:p>
-            <a:r>
-              <a:rPr lang="zh-CN" altLang="en-US" dirty="0"/>
-              <a:t>上面的代码是一个简单的支付流程的操作，其中调用了五个服务，这五个服务都通过</a:t>
-            </a:r>
-            <a:r>
-              <a:rPr lang="en-US" altLang="zh-CN" dirty="0"/>
-              <a:t>RPC</a:t>
-            </a:r>
-            <a:r>
-              <a:rPr lang="zh-CN" altLang="en-US" dirty="0"/>
-              <a:t>的方式调用，请问使用</a:t>
-            </a:r>
-            <a:r>
-              <a:rPr lang="en-US" altLang="zh-CN" dirty="0"/>
-              <a:t>JDBC</a:t>
-            </a:r>
-            <a:r>
-              <a:rPr lang="zh-CN" altLang="en-US" dirty="0"/>
-              <a:t>如何保证事务一致性？我在方法中增加了</a:t>
-            </a:r>
-            <a:r>
-              <a:rPr lang="en-US" altLang="zh-CN" dirty="0"/>
-              <a:t>@Transactional</a:t>
-            </a:r>
-            <a:r>
-              <a:rPr lang="zh-CN" altLang="en-US" dirty="0"/>
-              <a:t>注解，但是由于采用调用了分布式服务，该事务并不能达到</a:t>
-            </a:r>
-            <a:r>
-              <a:rPr lang="en-US" altLang="zh-CN" dirty="0"/>
-              <a:t>ACID</a:t>
-            </a:r>
-            <a:r>
-              <a:rPr lang="zh-CN" altLang="en-US" dirty="0"/>
-              <a:t>的效果。</a:t>
-            </a:r>
-          </a:p>
-          <a:p>
-            <a:endParaRPr lang="zh-CN" altLang="en-US" dirty="0"/>
-          </a:p>
-          <a:p>
-            <a:r>
-              <a:rPr lang="en-US" altLang="zh-CN" dirty="0"/>
-              <a:t>JTA</a:t>
-            </a:r>
-            <a:r>
-              <a:rPr lang="zh-CN" altLang="en-US" dirty="0"/>
-              <a:t>事务比</a:t>
-            </a:r>
-            <a:r>
-              <a:rPr lang="en-US" altLang="zh-CN" dirty="0"/>
-              <a:t>JDBC</a:t>
-            </a:r>
-            <a:r>
-              <a:rPr lang="zh-CN" altLang="en-US" dirty="0"/>
-              <a:t>事务更强大。一个</a:t>
-            </a:r>
-            <a:r>
-              <a:rPr lang="en-US" altLang="zh-CN" dirty="0"/>
-              <a:t>JTA</a:t>
-            </a:r>
-            <a:r>
-              <a:rPr lang="zh-CN" altLang="en-US" dirty="0"/>
-              <a:t>事务可以有多个参与者，而一个</a:t>
-            </a:r>
-            <a:r>
-              <a:rPr lang="en-US" altLang="zh-CN" dirty="0"/>
-              <a:t>JDBC</a:t>
-            </a:r>
-            <a:r>
-              <a:rPr lang="zh-CN" altLang="en-US" dirty="0"/>
-              <a:t>事务则被限定在一个单一的数据库连接。下列任一个</a:t>
-            </a:r>
-            <a:r>
-              <a:rPr lang="en-US" altLang="zh-CN" dirty="0"/>
-              <a:t>Java</a:t>
-            </a:r>
-            <a:r>
-              <a:rPr lang="zh-CN" altLang="en-US" dirty="0"/>
-              <a:t>平台的组件都可以参与到一个</a:t>
-            </a:r>
-            <a:r>
-              <a:rPr lang="en-US" altLang="zh-CN" dirty="0"/>
-              <a:t>JTA</a:t>
-            </a:r>
-            <a:r>
-              <a:rPr lang="zh-CN" altLang="en-US" dirty="0"/>
-              <a:t>事务中：</a:t>
-            </a:r>
-            <a:r>
-              <a:rPr lang="en-US" altLang="zh-CN" dirty="0"/>
-              <a:t>JDBC</a:t>
-            </a:r>
-            <a:r>
-              <a:rPr lang="zh-CN" altLang="en-US" dirty="0"/>
-              <a:t>连接、</a:t>
-            </a:r>
-            <a:r>
-              <a:rPr lang="en-US" altLang="zh-CN" dirty="0"/>
-              <a:t>JDO </a:t>
-            </a:r>
-            <a:r>
-              <a:rPr lang="en-US" altLang="zh-CN" dirty="0" err="1"/>
-              <a:t>PersistenceManager</a:t>
-            </a:r>
-            <a:r>
-              <a:rPr lang="en-US" altLang="zh-CN" dirty="0"/>
-              <a:t> </a:t>
-            </a:r>
-            <a:r>
-              <a:rPr lang="zh-CN" altLang="en-US" dirty="0"/>
-              <a:t>对象、</a:t>
-            </a:r>
-            <a:r>
-              <a:rPr lang="en-US" altLang="zh-CN" dirty="0"/>
-              <a:t>JMS </a:t>
-            </a:r>
-            <a:r>
-              <a:rPr lang="zh-CN" altLang="en-US" dirty="0"/>
-              <a:t>队列、</a:t>
-            </a:r>
-            <a:r>
-              <a:rPr lang="en-US" altLang="zh-CN" dirty="0"/>
-              <a:t>JMS </a:t>
-            </a:r>
-            <a:r>
-              <a:rPr lang="zh-CN" altLang="en-US" dirty="0"/>
-              <a:t>主题、企业</a:t>
-            </a:r>
-            <a:r>
-              <a:rPr lang="en-US" altLang="zh-CN" dirty="0"/>
-              <a:t>JavaBeans</a:t>
-            </a:r>
-            <a:r>
-              <a:rPr lang="zh-CN" altLang="en-US" dirty="0"/>
-              <a:t>（</a:t>
-            </a:r>
-            <a:r>
-              <a:rPr lang="en-US" altLang="zh-CN" dirty="0"/>
-              <a:t>EJB</a:t>
-            </a:r>
-            <a:r>
-              <a:rPr lang="zh-CN" altLang="en-US" dirty="0"/>
-              <a:t>）、一个用</a:t>
-            </a:r>
-            <a:r>
-              <a:rPr lang="en-US" altLang="zh-CN" dirty="0"/>
-              <a:t>J2EE Connector Architecture </a:t>
-            </a:r>
-            <a:r>
-              <a:rPr lang="zh-CN" altLang="en-US" dirty="0"/>
-              <a:t>规范编译的资源分配器。</a:t>
-            </a:r>
-          </a:p>
-          <a:p>
-            <a:endParaRPr lang="zh-CN" altLang="en-US" dirty="0"/>
-          </a:p>
-          <a:p>
-            <a:endParaRPr lang="zh-CN" altLang="en-US" dirty="0"/>
-          </a:p>
-        </p:txBody>
-      </p:sp>
-    </p:spTree>
-    <p:extLst>
-      <p:ext uri="{BB962C8B-B14F-4D97-AF65-F5344CB8AC3E}">
-        <p14:creationId xmlns:p14="http://schemas.microsoft.com/office/powerpoint/2010/main" val="3780561679"/>
-      </p:ext>
-    </p:extLst>
-  </p:cSld>
-  <p:clrMapOvr>
-    <a:masterClrMapping/>
-  </p:clrMapOvr>
-</p:sld>
-</file>
-
 <file path=ppt/slides/slide13.xml><?xml version="1.0" encoding="utf-8"?>
 <p:sld xmlns:a="http://schemas.openxmlformats.org/drawingml/2006/main" xmlns:r="http://schemas.openxmlformats.org/officeDocument/2006/relationships" xmlns:p="http://schemas.openxmlformats.org/presentationml/2006/main">
   <p:cSld>
@@ -6583,103 +8096,53 @@
           <a:lstStyle/>
           <a:p>
             <a:r>
-              <a:rPr lang="en-US" altLang="zh-CN" dirty="0" err="1"/>
-              <a:t>java.transaction.UserTransaction</a:t>
-            </a:r>
+              <a:rPr lang="zh-CN" altLang="en-US" dirty="0"/>
+              <a:t>分布式事务不一致解决方法</a:t>
+            </a:r>
+          </a:p>
+        </p:txBody>
+      </p:sp>
+      <p:sp>
+        <p:nvSpPr>
+          <p:cNvPr id="3" name="Content Placeholder 2"/>
+          <p:cNvSpPr>
+            <a:spLocks noGrp="1"/>
+          </p:cNvSpPr>
+          <p:nvPr>
+            <p:ph idx="1"/>
+          </p:nvPr>
+        </p:nvSpPr>
+        <p:spPr/>
+        <p:txBody>
+          <a:bodyPr/>
+          <a:lstStyle/>
+          <a:p>
+            <a:r>
+              <a:rPr lang="zh-CN" altLang="en-US" dirty="0"/>
+              <a:t>解决分布式事务的最好办法就是不考虑分布式事务。</a:t>
+            </a:r>
+            <a:endParaRPr lang="zh-CN" altLang="en-US" dirty="0">
+              <a:effectLst/>
+            </a:endParaRPr>
+          </a:p>
+          <a:p>
+            <a:r>
+              <a:rPr lang="zh-CN" altLang="en-US" dirty="0"/>
+              <a:t>拆分，大的业务流程，转化成几个小的业务流程，然后考虑最终一致性</a:t>
+            </a:r>
+            <a:endParaRPr lang="zh-CN" altLang="en-US" dirty="0">
+              <a:effectLst/>
+            </a:endParaRPr>
+          </a:p>
+          <a:p>
             <a:endParaRPr lang="zh-CN" altLang="en-US" dirty="0"/>
-          </a:p>
-        </p:txBody>
-      </p:sp>
-      <p:sp>
-        <p:nvSpPr>
-          <p:cNvPr id="3" name="Content Placeholder 2"/>
-          <p:cNvSpPr>
-            <a:spLocks noGrp="1"/>
-          </p:cNvSpPr>
-          <p:nvPr>
-            <p:ph idx="1"/>
-          </p:nvPr>
-        </p:nvSpPr>
-        <p:spPr/>
-        <p:txBody>
-          <a:bodyPr>
-            <a:normAutofit/>
-          </a:bodyPr>
-          <a:lstStyle/>
-          <a:p>
-            <a:r>
-              <a:rPr lang="en-US" altLang="zh-CN" dirty="0"/>
-              <a:t>JTA</a:t>
-            </a:r>
-            <a:r>
-              <a:rPr lang="zh-CN" altLang="en-US" dirty="0"/>
-              <a:t>里面提供了 </a:t>
-            </a:r>
-            <a:r>
-              <a:rPr lang="en-US" altLang="zh-CN" dirty="0"/>
-              <a:t>,</a:t>
-            </a:r>
-            <a:r>
-              <a:rPr lang="zh-CN" altLang="en-US" dirty="0"/>
-              <a:t>里面定义了下面几个方法</a:t>
-            </a:r>
-          </a:p>
-          <a:p>
-            <a:r>
-              <a:rPr lang="en-US" altLang="zh-CN" dirty="0"/>
-              <a:t>begin</a:t>
-            </a:r>
-            <a:r>
-              <a:rPr lang="zh-CN" altLang="en-US" dirty="0"/>
-              <a:t>：开启一个事务</a:t>
-            </a:r>
-          </a:p>
-          <a:p>
-            <a:r>
-              <a:rPr lang="en-US" altLang="zh-CN" dirty="0"/>
-              <a:t>commit</a:t>
-            </a:r>
-            <a:r>
-              <a:rPr lang="zh-CN" altLang="en-US" dirty="0"/>
-              <a:t>：提交当前事务</a:t>
-            </a:r>
-          </a:p>
-          <a:p>
-            <a:r>
-              <a:rPr lang="en-US" altLang="zh-CN" dirty="0"/>
-              <a:t>rollback</a:t>
-            </a:r>
-            <a:r>
-              <a:rPr lang="zh-CN" altLang="en-US" dirty="0"/>
-              <a:t>：回滚当前事务</a:t>
-            </a:r>
-          </a:p>
-          <a:p>
-            <a:r>
-              <a:rPr lang="en-US" altLang="zh-CN" dirty="0" err="1"/>
-              <a:t>setRollbackOnly</a:t>
-            </a:r>
-            <a:r>
-              <a:rPr lang="zh-CN" altLang="en-US" dirty="0"/>
-              <a:t>：标记事务需回滚</a:t>
-            </a:r>
-          </a:p>
-          <a:p>
-            <a:r>
-              <a:rPr lang="en-US" altLang="zh-CN" dirty="0" err="1"/>
-              <a:t>setTransactionTimeout</a:t>
-            </a:r>
-            <a:r>
-              <a:rPr lang="zh-CN" altLang="en-US" dirty="0"/>
-              <a:t>：设置事务的时间，超时则抛异常并回滚</a:t>
-            </a:r>
           </a:p>
         </p:txBody>
       </p:sp>
     </p:spTree>
     <p:extLst>
       <p:ext uri="{BB962C8B-B14F-4D97-AF65-F5344CB8AC3E}">
-        <p14:creationId xmlns:p14="http://schemas.microsoft.com/office/powerpoint/2010/main" val="3871087737"/>
+        <p14:creationId xmlns:p14="http://schemas.microsoft.com/office/powerpoint/2010/main" val="2961534618"/>
       </p:ext>
     </p:extLst>
   </p:cSld>
@@ -6722,8 +8185,12 @@
           <a:lstStyle/>
           <a:p>
             <a:r>
-              <a:rPr lang="zh-CN" altLang="en-US" dirty="0"/>
-              <a:t>分布式事务的组成</a:t>
+              <a:rPr lang="en-US" altLang="zh-CN" dirty="0"/>
+              <a:t>JTA</a:t>
+            </a:r>
+            <a:r>
+              <a:rPr lang="zh-CN" altLang="en-US" dirty="0"/>
+              <a:t>事务的由来</a:t>
             </a:r>
           </a:p>
         </p:txBody>
@@ -6740,77 +8207,340 @@
         </p:nvSpPr>
         <p:spPr/>
         <p:txBody>
-          <a:bodyPr/>
+          <a:bodyPr>
+            <a:normAutofit fontScale="47500" lnSpcReduction="20000"/>
+          </a:bodyPr>
           <a:lstStyle/>
           <a:p>
             <a:r>
               <a:rPr lang="zh-CN" altLang="en-US" dirty="0"/>
-              <a:t>一个分布式事务（</a:t>
-            </a:r>
-            <a:r>
-              <a:rPr lang="en-US" altLang="zh-CN" dirty="0"/>
-              <a:t>Distributed Transaction</a:t>
-            </a:r>
-            <a:r>
-              <a:rPr lang="zh-CN" altLang="en-US" dirty="0"/>
-              <a:t>）包括一个事务管理器（</a:t>
-            </a:r>
-            <a:r>
-              <a:rPr lang="en-US" altLang="zh-CN" dirty="0"/>
-              <a:t>transaction manager</a:t>
-            </a:r>
-            <a:r>
-              <a:rPr lang="zh-CN" altLang="en-US" dirty="0"/>
-              <a:t>）和一个或多个资源管理器</a:t>
-            </a:r>
-            <a:r>
-              <a:rPr lang="en-US" altLang="zh-CN" dirty="0"/>
-              <a:t>(resource manager)</a:t>
-            </a:r>
-            <a:r>
-              <a:rPr lang="zh-CN" altLang="en-US" dirty="0"/>
-              <a:t>。</a:t>
-            </a:r>
-            <a:endParaRPr lang="en-US" altLang="zh-CN" dirty="0"/>
-          </a:p>
-          <a:p>
-            <a:endParaRPr lang="en-US" altLang="zh-CN" dirty="0"/>
-          </a:p>
-          <a:p>
-            <a:r>
-              <a:rPr lang="zh-CN" altLang="en-US" dirty="0"/>
-              <a:t>一个资源管理器（</a:t>
-            </a:r>
-            <a:r>
-              <a:rPr lang="en-US" altLang="zh-CN" dirty="0"/>
-              <a:t>resource manager</a:t>
-            </a:r>
-            <a:r>
-              <a:rPr lang="zh-CN" altLang="en-US" dirty="0"/>
-              <a:t>）是任意类型的持久化数据存储。</a:t>
-            </a:r>
-            <a:endParaRPr lang="en-US" altLang="zh-CN" dirty="0"/>
-          </a:p>
-          <a:p>
-            <a:r>
-              <a:rPr lang="zh-CN" altLang="en-US" dirty="0"/>
-              <a:t>事务管理器（</a:t>
-            </a:r>
-            <a:r>
-              <a:rPr lang="en-US" altLang="zh-CN" dirty="0"/>
-              <a:t>transaction manager</a:t>
-            </a:r>
-            <a:r>
-              <a:rPr lang="zh-CN" altLang="en-US" dirty="0"/>
-              <a:t>）承担着所有事务参与单元者的相互通讯的责任。</a:t>
-            </a:r>
+              <a:t>一个支付流程就要和多个模块进行交互，每个模块都部署在不同的机器中，并且每个模块操作的数据库都不一致，这时候就无法使用</a:t>
+            </a:r>
+            <a:r>
+              <a:rPr lang="en-US" altLang="zh-CN" dirty="0"/>
+              <a:t>JDBC</a:t>
+            </a:r>
+            <a:r>
+              <a:rPr lang="zh-CN" altLang="en-US" dirty="0"/>
+              <a:t>来管理事务。我们看一段代码：</a:t>
+            </a:r>
+          </a:p>
+          <a:p>
+            <a:endParaRPr lang="zh-CN" altLang="en-US" dirty="0"/>
+          </a:p>
+          <a:p>
+            <a:r>
+              <a:rPr lang="en-US" altLang="zh-CN" dirty="0"/>
+              <a:t>/** </a:t>
+            </a:r>
+            <a:r>
+              <a:rPr lang="zh-CN" altLang="en-US" dirty="0"/>
+              <a:t>支付订单处理 **</a:t>
+            </a:r>
+            <a:r>
+              <a:rPr lang="en-US" altLang="zh-CN" dirty="0"/>
+              <a:t>/</a:t>
+            </a:r>
+          </a:p>
+          <a:p>
+            <a:r>
+              <a:rPr lang="en-US" altLang="zh-CN" dirty="0"/>
+              <a:t>@Transactional(</a:t>
+            </a:r>
+            <a:r>
+              <a:rPr lang="en-US" altLang="zh-CN" dirty="0" err="1"/>
+              <a:t>rollbackFor</a:t>
+            </a:r>
+            <a:r>
+              <a:rPr lang="en-US" altLang="zh-CN" dirty="0"/>
+              <a:t> = </a:t>
+            </a:r>
+            <a:r>
+              <a:rPr lang="en-US" altLang="zh-CN" dirty="0" err="1"/>
+              <a:t>Exception.class</a:t>
+            </a:r>
+            <a:r>
+              <a:rPr lang="en-US" altLang="zh-CN" dirty="0"/>
+              <a:t>)</a:t>
+            </a:r>
+          </a:p>
+          <a:p>
+            <a:r>
+              <a:rPr lang="en-US" altLang="zh-CN" dirty="0"/>
+              <a:t>public void </a:t>
+            </a:r>
+            <a:r>
+              <a:rPr lang="en-US" altLang="zh-CN" dirty="0" err="1"/>
+              <a:t>completeOrder</a:t>
+            </a:r>
+            <a:r>
+              <a:rPr lang="en-US" altLang="zh-CN" dirty="0"/>
+              <a:t>() {</a:t>
+            </a:r>
+          </a:p>
+          <a:p>
+            <a:r>
+              <a:rPr lang="en-US" altLang="zh-CN" dirty="0"/>
+              <a:t>    </a:t>
+            </a:r>
+            <a:r>
+              <a:rPr lang="en-US" altLang="zh-CN" dirty="0" err="1"/>
+              <a:t>orderDao.update</a:t>
+            </a:r>
+            <a:r>
+              <a:rPr lang="en-US" altLang="zh-CN" dirty="0"/>
+              <a:t>(); // </a:t>
+            </a:r>
+            <a:r>
+              <a:rPr lang="zh-CN" altLang="en-US" dirty="0"/>
+              <a:t>订单服务本地更新订单状态</a:t>
+            </a:r>
+          </a:p>
+          <a:p>
+            <a:r>
+              <a:rPr lang="zh-CN" altLang="en-US" dirty="0"/>
+              <a:t>    </a:t>
+            </a:r>
+            <a:r>
+              <a:rPr lang="en-US" altLang="zh-CN" dirty="0" err="1"/>
+              <a:t>accountService.update</a:t>
+            </a:r>
+            <a:r>
+              <a:rPr lang="en-US" altLang="zh-CN" dirty="0"/>
+              <a:t>(); // </a:t>
+            </a:r>
+            <a:r>
+              <a:rPr lang="zh-CN" altLang="en-US" dirty="0"/>
+              <a:t>调用资金账户服务给资金帐户加款</a:t>
+            </a:r>
+          </a:p>
+          <a:p>
+            <a:r>
+              <a:rPr lang="zh-CN" altLang="en-US" dirty="0"/>
+              <a:t>    </a:t>
+            </a:r>
+            <a:r>
+              <a:rPr lang="en-US" altLang="zh-CN" dirty="0" err="1"/>
+              <a:t>pointService.update</a:t>
+            </a:r>
+            <a:r>
+              <a:rPr lang="en-US" altLang="zh-CN" dirty="0"/>
+              <a:t>(); // </a:t>
+            </a:r>
+            <a:r>
+              <a:rPr lang="zh-CN" altLang="en-US" dirty="0"/>
+              <a:t>调用积分服务给积分帐户增加积分</a:t>
+            </a:r>
+          </a:p>
+          <a:p>
+            <a:r>
+              <a:rPr lang="zh-CN" altLang="en-US" dirty="0"/>
+              <a:t>    </a:t>
+            </a:r>
+            <a:r>
+              <a:rPr lang="en-US" altLang="zh-CN" dirty="0" err="1"/>
+              <a:t>accountingService.insert</a:t>
+            </a:r>
+            <a:r>
+              <a:rPr lang="en-US" altLang="zh-CN" dirty="0"/>
+              <a:t>(); // </a:t>
+            </a:r>
+            <a:r>
+              <a:rPr lang="zh-CN" altLang="en-US" dirty="0"/>
+              <a:t>调用会计服务向会计系统写入会计原始凭证</a:t>
+            </a:r>
+          </a:p>
+          <a:p>
+            <a:r>
+              <a:rPr lang="zh-CN" altLang="en-US" dirty="0"/>
+              <a:t>    </a:t>
+            </a:r>
+            <a:r>
+              <a:rPr lang="en-US" altLang="zh-CN" dirty="0" err="1"/>
+              <a:t>merchantNotifyService.notify</a:t>
+            </a:r>
+            <a:r>
+              <a:rPr lang="en-US" altLang="zh-CN" dirty="0"/>
+              <a:t>(); // </a:t>
+            </a:r>
+            <a:r>
+              <a:rPr lang="zh-CN" altLang="en-US" dirty="0"/>
+              <a:t>调用商户通知服务向商户发送支付结果通知</a:t>
+            </a:r>
+          </a:p>
+          <a:p>
+            <a:r>
+              <a:rPr lang="en-US" altLang="zh-CN" dirty="0"/>
+              <a:t>}</a:t>
+            </a:r>
+          </a:p>
+          <a:p>
+            <a:r>
+              <a:rPr lang="zh-CN" altLang="en-US" dirty="0"/>
+              <a:t>上面的代码是一个简单的支付流程的操作，其中调用了五个服务，这五个服务都通过</a:t>
+            </a:r>
+            <a:r>
+              <a:rPr lang="en-US" altLang="zh-CN" dirty="0"/>
+              <a:t>RPC</a:t>
+            </a:r>
+            <a:r>
+              <a:rPr lang="zh-CN" altLang="en-US" dirty="0"/>
+              <a:t>的方式调用，请问使用</a:t>
+            </a:r>
+            <a:r>
+              <a:rPr lang="en-US" altLang="zh-CN" dirty="0"/>
+              <a:t>JDBC</a:t>
+            </a:r>
+            <a:r>
+              <a:rPr lang="zh-CN" altLang="en-US" dirty="0"/>
+              <a:t>如何保证事务一致性？我在方法中增加了</a:t>
+            </a:r>
+            <a:r>
+              <a:rPr lang="en-US" altLang="zh-CN" dirty="0"/>
+              <a:t>@Transactional</a:t>
+            </a:r>
+            <a:r>
+              <a:rPr lang="zh-CN" altLang="en-US" dirty="0"/>
+              <a:t>注解，但是由于采用调用了分布式服务，该事务并不能达到</a:t>
+            </a:r>
+            <a:r>
+              <a:rPr lang="en-US" altLang="zh-CN" dirty="0"/>
+              <a:t>ACID</a:t>
+            </a:r>
+            <a:r>
+              <a:rPr lang="zh-CN" altLang="en-US" dirty="0"/>
+              <a:t>的效果。</a:t>
+            </a:r>
+          </a:p>
+          <a:p>
+            <a:endParaRPr lang="zh-CN" altLang="en-US" dirty="0"/>
+          </a:p>
+          <a:p>
+            <a:r>
+              <a:rPr lang="en-US" altLang="zh-CN" dirty="0"/>
+              <a:t>JTA</a:t>
+            </a:r>
+            <a:r>
+              <a:rPr lang="zh-CN" altLang="en-US" dirty="0"/>
+              <a:t>事务比</a:t>
+            </a:r>
+            <a:r>
+              <a:rPr lang="en-US" altLang="zh-CN" dirty="0"/>
+              <a:t>JDBC</a:t>
+            </a:r>
+            <a:r>
+              <a:rPr lang="zh-CN" altLang="en-US" dirty="0"/>
+              <a:t>事务更强大。一个</a:t>
+            </a:r>
+            <a:r>
+              <a:rPr lang="en-US" altLang="zh-CN" dirty="0"/>
+              <a:t>JTA</a:t>
+            </a:r>
+            <a:r>
+              <a:rPr lang="zh-CN" altLang="en-US" dirty="0"/>
+              <a:t>事务可以有多个参与者，而一个</a:t>
+            </a:r>
+            <a:r>
+              <a:rPr lang="en-US" altLang="zh-CN" dirty="0"/>
+              <a:t>JDBC</a:t>
+            </a:r>
+            <a:r>
+              <a:rPr lang="zh-CN" altLang="en-US" dirty="0"/>
+              <a:t>事务则被限定在一个单一的数据库连接。下列任一个</a:t>
+            </a:r>
+            <a:r>
+              <a:rPr lang="en-US" altLang="zh-CN" dirty="0"/>
+              <a:t>Java</a:t>
+            </a:r>
+            <a:r>
+              <a:rPr lang="zh-CN" altLang="en-US" dirty="0"/>
+              <a:t>平台的组件都可以参与到一个</a:t>
+            </a:r>
+            <a:r>
+              <a:rPr lang="en-US" altLang="zh-CN" dirty="0"/>
+              <a:t>JTA</a:t>
+            </a:r>
+            <a:r>
+              <a:rPr lang="zh-CN" altLang="en-US" dirty="0"/>
+              <a:t>事务中：</a:t>
+            </a:r>
+            <a:r>
+              <a:rPr lang="en-US" altLang="zh-CN" dirty="0"/>
+              <a:t>JDBC</a:t>
+            </a:r>
+            <a:r>
+              <a:rPr lang="zh-CN" altLang="en-US" dirty="0"/>
+              <a:t>连接、</a:t>
+            </a:r>
+            <a:r>
+              <a:rPr lang="en-US" altLang="zh-CN" dirty="0"/>
+              <a:t>JDO </a:t>
+            </a:r>
+            <a:r>
+              <a:rPr lang="en-US" altLang="zh-CN" dirty="0" err="1"/>
+              <a:t>PersistenceManager</a:t>
+            </a:r>
+            <a:r>
+              <a:rPr lang="en-US" altLang="zh-CN" dirty="0"/>
+              <a:t> </a:t>
+            </a:r>
+            <a:r>
+              <a:rPr lang="zh-CN" altLang="en-US" dirty="0"/>
+              <a:t>对象、</a:t>
+            </a:r>
+            <a:r>
+              <a:rPr lang="en-US" altLang="zh-CN" dirty="0"/>
+              <a:t>JMS </a:t>
+            </a:r>
+            <a:r>
+              <a:rPr lang="zh-CN" altLang="en-US" dirty="0"/>
+              <a:t>队列、</a:t>
+            </a:r>
+            <a:r>
+              <a:rPr lang="en-US" altLang="zh-CN" dirty="0"/>
+              <a:t>JMS </a:t>
+            </a:r>
+            <a:r>
+              <a:rPr lang="zh-CN" altLang="en-US" dirty="0"/>
+              <a:t>主题、企业</a:t>
+            </a:r>
+            <a:r>
+              <a:rPr lang="en-US" altLang="zh-CN" dirty="0"/>
+              <a:t>JavaBeans</a:t>
+            </a:r>
+            <a:r>
+              <a:rPr lang="zh-CN" altLang="en-US" dirty="0"/>
+              <a:t>（</a:t>
+            </a:r>
+            <a:r>
+              <a:rPr lang="en-US" altLang="zh-CN" dirty="0"/>
+              <a:t>EJB</a:t>
+            </a:r>
+            <a:r>
+              <a:rPr lang="zh-CN" altLang="en-US" dirty="0"/>
+              <a:t>）、一个用</a:t>
+            </a:r>
+            <a:r>
+              <a:rPr lang="en-US" altLang="zh-CN" dirty="0"/>
+              <a:t>J2EE Connector Architecture </a:t>
+            </a:r>
+            <a:r>
+              <a:rPr lang="zh-CN" altLang="en-US" dirty="0"/>
+              <a:t>规范编译的资源分配器。</a:t>
+            </a:r>
+          </a:p>
+          <a:p>
+            <a:endParaRPr lang="zh-CN" altLang="en-US" dirty="0"/>
+          </a:p>
+          <a:p>
+            <a:endParaRPr lang="zh-CN" altLang="en-US" dirty="0"/>
           </a:p>
         </p:txBody>
       </p:sp>
     </p:spTree>
     <p:extLst>
       <p:ext uri="{BB962C8B-B14F-4D97-AF65-F5344CB8AC3E}">
-        <p14:creationId xmlns:p14="http://schemas.microsoft.com/office/powerpoint/2010/main" val="395767643"/>
+        <p14:creationId xmlns:p14="http://schemas.microsoft.com/office/powerpoint/2010/main" val="3780561679"/>
       </p:ext>
     </p:extLst>
   </p:cSld>
@@ -6853,13 +8583,10 @@
           <a:lstStyle/>
           <a:p>
             <a:r>
-              <a:rPr lang="en-US" altLang="zh-CN" dirty="0"/>
-              <a:t>JTA</a:t>
-            </a:r>
-            <a:r>
-              <a:rPr lang="zh-CN" altLang="en-US" dirty="0"/>
-              <a:t>的优缺点</a:t>
-            </a:r>
+              <a:rPr lang="en-US" altLang="zh-CN" dirty="0" err="1"/>
+              <a:t>java.transaction.UserTransaction</a:t>
+            </a:r>
+            <a:endParaRPr lang="zh-CN" altLang="en-US" dirty="0"/>
           </a:p>
         </p:txBody>
       </p:sp>
@@ -6876,102 +8603,75 @@
         <p:spPr/>
         <p:txBody>
           <a:bodyPr>
-            <a:normAutofit fontScale="92500" lnSpcReduction="10000"/>
+            <a:normAutofit/>
           </a:bodyPr>
           <a:lstStyle/>
           <a:p>
-            <a:endParaRPr lang="zh-CN" altLang="en-US" dirty="0"/>
-          </a:p>
-          <a:p>
-            <a:r>
-              <a:rPr lang="zh-CN" altLang="en-US" dirty="0"/>
-              <a:t>优点：提供分布式事务的解决方案</a:t>
-            </a:r>
-            <a:endParaRPr lang="en-US" altLang="zh-CN" dirty="0"/>
-          </a:p>
-          <a:p>
-            <a:endParaRPr lang="en-US" altLang="zh-CN" dirty="0"/>
-          </a:p>
-          <a:p>
-            <a:r>
-              <a:rPr lang="zh-CN" altLang="en-US" dirty="0"/>
-              <a:t>缺点：</a:t>
-            </a:r>
-            <a:r>
-              <a:rPr lang="en-US" altLang="zh-CN" dirty="0"/>
-              <a:t> </a:t>
-            </a:r>
-          </a:p>
-          <a:p>
-            <a:pPr lvl="1"/>
-            <a:r>
-              <a:rPr lang="en-US" altLang="zh-CN" dirty="0"/>
-              <a:t>1</a:t>
-            </a:r>
-            <a:r>
-              <a:rPr lang="zh-CN" altLang="en-US" dirty="0"/>
-              <a:t>、 实现复杂</a:t>
-            </a:r>
-            <a:endParaRPr lang="en-US" altLang="zh-CN" dirty="0"/>
-          </a:p>
-          <a:p>
-            <a:pPr lvl="1"/>
-            <a:r>
-              <a:rPr lang="en-US" altLang="zh-CN" dirty="0"/>
-              <a:t>2</a:t>
-            </a:r>
-            <a:r>
-              <a:rPr lang="zh-CN" altLang="en-US" dirty="0"/>
-              <a:t>、只能在应用服务器环境下使用</a:t>
-            </a:r>
-            <a:endParaRPr lang="en-US" altLang="zh-CN" dirty="0"/>
-          </a:p>
-          <a:p>
-            <a:endParaRPr lang="en-US" altLang="zh-CN" dirty="0"/>
-          </a:p>
-          <a:p>
-            <a:r>
-              <a:rPr lang="zh-CN" altLang="en-US" dirty="0"/>
-              <a:t>替代方案</a:t>
-            </a:r>
-            <a:endParaRPr lang="en-US" altLang="zh-CN" dirty="0"/>
-          </a:p>
-          <a:p>
-            <a:pPr lvl="1"/>
-            <a:r>
-              <a:rPr lang="en-US" altLang="zh-CN" dirty="0"/>
-              <a:t>1</a:t>
-            </a:r>
-            <a:r>
-              <a:rPr lang="zh-CN" altLang="en-US" dirty="0"/>
-              <a:t>、异步消息确保型</a:t>
-            </a:r>
-            <a:endParaRPr lang="en-US" altLang="zh-CN" dirty="0"/>
-          </a:p>
-          <a:p>
-            <a:pPr lvl="1"/>
-            <a:r>
-              <a:rPr lang="en-US" altLang="zh-CN" dirty="0"/>
-              <a:t>2</a:t>
-            </a:r>
-            <a:r>
-              <a:rPr lang="zh-CN" altLang="en-US" dirty="0"/>
-              <a:t>、</a:t>
-            </a:r>
-            <a:r>
-              <a:rPr lang="en-US" altLang="zh-CN" dirty="0"/>
-              <a:t>TCC</a:t>
-            </a:r>
-          </a:p>
-          <a:p>
-            <a:pPr lvl="1"/>
-            <a:r>
-              <a:rPr lang="en-US" altLang="zh-CN" dirty="0"/>
-              <a:t>3</a:t>
-            </a:r>
-            <a:r>
-              <a:rPr lang="zh-CN" altLang="en-US" dirty="0"/>
-              <a:t>、最大努力通知等</a:t>
+            <a:r>
+              <a:rPr lang="en-US" altLang="zh-CN" dirty="0"/>
+              <a:t>JTA</a:t>
+            </a:r>
+            <a:r>
+              <a:rPr lang="zh-CN" altLang="en-US" dirty="0"/>
+              <a:t>里面提供了 </a:t>
+            </a:r>
+            <a:r>
+              <a:rPr lang="en-US" altLang="zh-CN" dirty="0"/>
+              <a:t>,</a:t>
+            </a:r>
+            <a:r>
+              <a:rPr lang="zh-CN" altLang="en-US" dirty="0"/>
+              <a:t>里面定义了下面几个方法</a:t>
+            </a:r>
+          </a:p>
+          <a:p>
+            <a:r>
+              <a:rPr lang="en-US" altLang="zh-CN" dirty="0"/>
+              <a:t>begin</a:t>
+            </a:r>
+            <a:r>
+              <a:rPr lang="zh-CN" altLang="en-US" dirty="0"/>
+              <a:t>：开启一个事务</a:t>
+            </a:r>
+          </a:p>
+          <a:p>
+            <a:r>
+              <a:rPr lang="en-US" altLang="zh-CN" dirty="0"/>
+              <a:t>commit</a:t>
+            </a:r>
+            <a:r>
+              <a:rPr lang="zh-CN" altLang="en-US" dirty="0"/>
+              <a:t>：提交当前事务</a:t>
+            </a:r>
+          </a:p>
+          <a:p>
+            <a:r>
+              <a:rPr lang="en-US" altLang="zh-CN" dirty="0"/>
+              <a:t>rollback</a:t>
+            </a:r>
+            <a:r>
+              <a:rPr lang="zh-CN" altLang="en-US" dirty="0"/>
+              <a:t>：回滚当前事务</a:t>
+            </a:r>
+          </a:p>
+          <a:p>
+            <a:r>
+              <a:rPr lang="en-US" altLang="zh-CN" dirty="0" err="1"/>
+              <a:t>setRollbackOnly</a:t>
+            </a:r>
+            <a:r>
+              <a:rPr lang="zh-CN" altLang="en-US" dirty="0"/>
+              <a:t>：标记事务需回滚</a:t>
+            </a:r>
+          </a:p>
+          <a:p>
+            <a:r>
+              <a:rPr lang="en-US" altLang="zh-CN" dirty="0" err="1"/>
+              <a:t>setTransactionTimeout</a:t>
+            </a:r>
+            <a:r>
+              <a:rPr lang="zh-CN" altLang="en-US" dirty="0"/>
+              <a:t>：设置事务的时间，超时则抛异常并回滚</a:t>
             </a:r>
           </a:p>
         </p:txBody>
@@ -6979,7 +8679,7 @@
     </p:spTree>
     <p:extLst>
       <p:ext uri="{BB962C8B-B14F-4D97-AF65-F5344CB8AC3E}">
-        <p14:creationId xmlns:p14="http://schemas.microsoft.com/office/powerpoint/2010/main" val="1321155832"/>
+        <p14:creationId xmlns:p14="http://schemas.microsoft.com/office/powerpoint/2010/main" val="3871087737"/>
       </p:ext>
     </p:extLst>
   </p:cSld>
@@ -7022,10 +8722,9 @@
           <a:lstStyle/>
           <a:p>
             <a:r>
-              <a:rPr lang="en-US" altLang="zh-CN" dirty="0"/>
-              <a:t>Spring + JTA</a:t>
-            </a:r>
-            <a:endParaRPr lang="zh-CN" altLang="en-US" dirty="0"/>
+              <a:rPr lang="zh-CN" altLang="en-US" dirty="0"/>
+              <a:t>分布式事务的组成</a:t>
+            </a:r>
           </a:p>
         </p:txBody>
       </p:sp>
@@ -7046,7 +8745,7 @@
           <a:p>
             <a:r>
               <a:rPr lang="zh-CN" altLang="en-US" dirty="0"/>
-              <a:t>分布式事务（</a:t>
+              <a:t>一个分布式事务（</a:t>
             </a:r>
             <a:r>
               <a:rPr lang="en-US" altLang="zh-CN" dirty="0"/>
@@ -7054,103 +8753,56 @@
             </a:r>
             <a:r>
               <a:rPr lang="zh-CN" altLang="en-US" dirty="0"/>
-              <a:t>）包括事务管理器（</a:t>
-            </a:r>
-            <a:r>
-              <a:rPr lang="en-US" altLang="zh-CN" dirty="0"/>
-              <a:t>Transaction Manager</a:t>
-            </a:r>
-            <a:r>
-              <a:rPr lang="zh-CN" altLang="en-US" dirty="0"/>
-              <a:t>）和一个或多个支持 </a:t>
-            </a:r>
-            <a:r>
-              <a:rPr lang="en-US" altLang="zh-CN" dirty="0"/>
-              <a:t>XA </a:t>
-            </a:r>
-            <a:r>
-              <a:rPr lang="zh-CN" altLang="en-US" dirty="0"/>
-              <a:t>协议的资源管理器 </a:t>
-            </a:r>
-            <a:r>
-              <a:rPr lang="en-US" altLang="zh-CN" dirty="0"/>
-              <a:t>( Resource Manager )</a:t>
-            </a:r>
-            <a:r>
-              <a:rPr lang="zh-CN" altLang="en-US" dirty="0"/>
-              <a:t>。我们可以将资源管理器看做任意类型的持久化数据存储；事务管理器承担着所有事务参与单元的协调与控制。</a:t>
-            </a:r>
-            <a:r>
-              <a:rPr lang="en-US" altLang="zh-CN" dirty="0"/>
-              <a:t>JTA </a:t>
-            </a:r>
-            <a:r>
-              <a:rPr lang="zh-CN" altLang="en-US" dirty="0"/>
-              <a:t>事务有效的屏蔽了底层事务资源，使应用可以以透明的方式参入到事务处理中；但是与本地事务相比，</a:t>
-            </a:r>
-            <a:r>
-              <a:rPr lang="en-US" altLang="zh-CN" dirty="0"/>
-              <a:t>XA </a:t>
-            </a:r>
-            <a:r>
-              <a:rPr lang="zh-CN" altLang="en-US" dirty="0"/>
-              <a:t>协议的系统开销大，在系统开发过程中应慎重考虑是否确实需要分布式事务。若确实需要分布式事务以协调多个事务资源，则应实现和配置所支持 </a:t>
-            </a:r>
-            <a:r>
-              <a:rPr lang="en-US" altLang="zh-CN" dirty="0"/>
-              <a:t>XA </a:t>
-            </a:r>
-            <a:r>
-              <a:rPr lang="zh-CN" altLang="en-US" dirty="0"/>
-              <a:t>协议的事务资源，如 </a:t>
-            </a:r>
-            <a:r>
-              <a:rPr lang="en-US" altLang="zh-CN" dirty="0"/>
-              <a:t>JMS</a:t>
-            </a:r>
-            <a:r>
-              <a:rPr lang="zh-CN" altLang="en-US" dirty="0"/>
-              <a:t>、</a:t>
-            </a:r>
-            <a:r>
-              <a:rPr lang="en-US" altLang="zh-CN" dirty="0"/>
-              <a:t>JDBC </a:t>
-            </a:r>
-            <a:r>
-              <a:rPr lang="zh-CN" altLang="en-US" dirty="0"/>
-              <a:t>数据库连接池等。使用 </a:t>
-            </a:r>
-            <a:r>
-              <a:rPr lang="en-US" altLang="zh-CN" dirty="0"/>
-              <a:t>JTA </a:t>
-            </a:r>
-            <a:r>
-              <a:rPr lang="zh-CN" altLang="en-US" dirty="0"/>
-              <a:t>处理事务的示例如下（注意：</a:t>
-            </a:r>
-            <a:r>
-              <a:rPr lang="en-US" altLang="zh-CN" dirty="0" err="1"/>
-              <a:t>connA</a:t>
-            </a:r>
-            <a:r>
-              <a:rPr lang="en-US" altLang="zh-CN" dirty="0"/>
-              <a:t> </a:t>
-            </a:r>
-            <a:r>
-              <a:rPr lang="zh-CN" altLang="en-US" dirty="0"/>
-              <a:t>和 </a:t>
-            </a:r>
-            <a:r>
-              <a:rPr lang="en-US" altLang="zh-CN" dirty="0" err="1"/>
-              <a:t>connB</a:t>
-            </a:r>
-            <a:r>
-              <a:rPr lang="en-US" altLang="zh-CN" dirty="0"/>
-              <a:t> </a:t>
-            </a:r>
-            <a:r>
-              <a:rPr lang="zh-CN" altLang="en-US" dirty="0"/>
-              <a:t>是来自不同数据库的连接）</a:t>
+              <a:t>）包括一个事务管理器（</a:t>
+            </a:r>
+            <a:r>
+              <a:rPr lang="en-US" altLang="zh-CN" dirty="0"/>
+              <a:t>transaction manager</a:t>
+            </a:r>
+            <a:r>
+              <a:rPr lang="zh-CN" altLang="en-US" dirty="0"/>
+              <a:t>）和一个或多个资源管理器</a:t>
+            </a:r>
+            <a:r>
+              <a:rPr lang="en-US" altLang="zh-CN" dirty="0"/>
+              <a:t>(resource manager)</a:t>
+            </a:r>
+            <a:r>
+              <a:rPr lang="zh-CN" altLang="en-US" dirty="0"/>
+              <a:t>。</a:t>
+            </a:r>
+            <a:endParaRPr lang="en-US" altLang="zh-CN" dirty="0"/>
+          </a:p>
+          <a:p>
+            <a:endParaRPr lang="en-US" altLang="zh-CN" dirty="0"/>
+          </a:p>
+          <a:p>
+            <a:r>
+              <a:rPr lang="zh-CN" altLang="en-US" dirty="0"/>
+              <a:t>一个资源管理器（</a:t>
+            </a:r>
+            <a:r>
+              <a:rPr lang="en-US" altLang="zh-CN" dirty="0"/>
+              <a:t>resource manager</a:t>
+            </a:r>
+            <a:r>
+              <a:rPr lang="zh-CN" altLang="en-US" dirty="0"/>
+              <a:t>）是任意类型的持久化数据存储。</a:t>
+            </a:r>
+            <a:endParaRPr lang="en-US" altLang="zh-CN" dirty="0"/>
+          </a:p>
+          <a:p>
+            <a:r>
+              <a:rPr lang="zh-CN" altLang="en-US" dirty="0"/>
+              <a:t>事务管理器（</a:t>
+            </a:r>
+            <a:r>
+              <a:rPr lang="en-US" altLang="zh-CN" dirty="0"/>
+              <a:t>transaction manager</a:t>
+            </a:r>
+            <a:r>
+              <a:rPr lang="zh-CN" altLang="en-US" dirty="0"/>
+              <a:t>）承担着所有事务参与单元者的相互通讯的责任。</a:t>
             </a:r>
           </a:p>
         </p:txBody>
@@ -7158,7 +8810,7 @@
     </p:spTree>
     <p:extLst>
       <p:ext uri="{BB962C8B-B14F-4D97-AF65-F5344CB8AC3E}">
-        <p14:creationId xmlns:p14="http://schemas.microsoft.com/office/powerpoint/2010/main" val="1865720143"/>
+        <p14:creationId xmlns:p14="http://schemas.microsoft.com/office/powerpoint/2010/main" val="395767643"/>
       </p:ext>
     </p:extLst>
   </p:cSld>
@@ -7202,35 +8854,132 @@
           <a:p>
             <a:r>
               <a:rPr lang="en-US" altLang="zh-CN" dirty="0"/>
-              <a:t>JTA + JMS</a:t>
-            </a:r>
+              <a:t>JTA</a:t>
+            </a:r>
+            <a:r>
+              <a:rPr lang="zh-CN" altLang="en-US" dirty="0"/>
+              <a:t>的优缺点</a:t>
+            </a:r>
+          </a:p>
+        </p:txBody>
+      </p:sp>
+      <p:sp>
+        <p:nvSpPr>
+          <p:cNvPr id="3" name="Content Placeholder 2"/>
+          <p:cNvSpPr>
+            <a:spLocks noGrp="1"/>
+          </p:cNvSpPr>
+          <p:nvPr>
+            <p:ph idx="1"/>
+          </p:nvPr>
+        </p:nvSpPr>
+        <p:spPr/>
+        <p:txBody>
+          <a:bodyPr>
+            <a:normAutofit fontScale="92500" lnSpcReduction="10000"/>
+          </a:bodyPr>
+          <a:lstStyle/>
+          <a:p>
             <a:endParaRPr lang="zh-CN" altLang="en-US" dirty="0"/>
           </a:p>
-        </p:txBody>
-      </p:sp>
-      <p:sp>
-        <p:nvSpPr>
-          <p:cNvPr id="3" name="Content Placeholder 2"/>
-          <p:cNvSpPr>
-            <a:spLocks noGrp="1"/>
-          </p:cNvSpPr>
-          <p:nvPr>
-            <p:ph idx="1"/>
-          </p:nvPr>
-        </p:nvSpPr>
-        <p:spPr/>
-        <p:txBody>
-          <a:bodyPr/>
-          <a:lstStyle/>
-          <a:p>
-            <a:endParaRPr lang="zh-CN" altLang="en-US"/>
+          <a:p>
+            <a:r>
+              <a:rPr lang="zh-CN" altLang="en-US" dirty="0"/>
+              <a:t>优点：提供分布式事务的解决方案</a:t>
+            </a:r>
+            <a:endParaRPr lang="en-US" altLang="zh-CN" dirty="0"/>
+          </a:p>
+          <a:p>
+            <a:endParaRPr lang="en-US" altLang="zh-CN" dirty="0"/>
+          </a:p>
+          <a:p>
+            <a:r>
+              <a:rPr lang="zh-CN" altLang="en-US" dirty="0"/>
+              <a:t>缺点：</a:t>
+            </a:r>
+            <a:r>
+              <a:rPr lang="en-US" altLang="zh-CN" dirty="0"/>
+              <a:t> </a:t>
+            </a:r>
+          </a:p>
+          <a:p>
+            <a:pPr lvl="1"/>
+            <a:r>
+              <a:rPr lang="en-US" altLang="zh-CN" dirty="0"/>
+              <a:t>1</a:t>
+            </a:r>
+            <a:r>
+              <a:rPr lang="zh-CN" altLang="en-US" dirty="0"/>
+              <a:t>、 实现复杂</a:t>
+            </a:r>
+            <a:endParaRPr lang="en-US" altLang="zh-CN" dirty="0"/>
+          </a:p>
+          <a:p>
+            <a:pPr lvl="1"/>
+            <a:r>
+              <a:rPr lang="en-US" altLang="zh-CN" dirty="0"/>
+              <a:t>2</a:t>
+            </a:r>
+            <a:r>
+              <a:rPr lang="zh-CN" altLang="en-US" dirty="0"/>
+              <a:t>、只能在应用服务器环境下使用</a:t>
+            </a:r>
+            <a:endParaRPr lang="en-US" altLang="zh-CN" dirty="0"/>
+          </a:p>
+          <a:p>
+            <a:endParaRPr lang="en-US" altLang="zh-CN" dirty="0"/>
+          </a:p>
+          <a:p>
+            <a:r>
+              <a:rPr lang="zh-CN" altLang="en-US" dirty="0"/>
+              <a:t>替代方案</a:t>
+            </a:r>
+            <a:endParaRPr lang="en-US" altLang="zh-CN" dirty="0"/>
+          </a:p>
+          <a:p>
+            <a:pPr lvl="1"/>
+            <a:r>
+              <a:rPr lang="en-US" altLang="zh-CN" dirty="0"/>
+              <a:t>1</a:t>
+            </a:r>
+            <a:r>
+              <a:rPr lang="zh-CN" altLang="en-US" dirty="0"/>
+              <a:t>、异步消息确保型</a:t>
+            </a:r>
+            <a:endParaRPr lang="en-US" altLang="zh-CN" dirty="0"/>
+          </a:p>
+          <a:p>
+            <a:pPr lvl="1"/>
+            <a:r>
+              <a:rPr lang="en-US" altLang="zh-CN" dirty="0"/>
+              <a:t>2</a:t>
+            </a:r>
+            <a:r>
+              <a:rPr lang="zh-CN" altLang="en-US" dirty="0"/>
+              <a:t>、</a:t>
+            </a:r>
+            <a:r>
+              <a:rPr lang="en-US" altLang="zh-CN" dirty="0"/>
+              <a:t>TCC</a:t>
+            </a:r>
+          </a:p>
+          <a:p>
+            <a:pPr lvl="1"/>
+            <a:r>
+              <a:rPr lang="en-US" altLang="zh-CN" dirty="0"/>
+              <a:t>3</a:t>
+            </a:r>
+            <a:r>
+              <a:rPr lang="zh-CN" altLang="en-US" dirty="0"/>
+              <a:t>、最大努力通知等</a:t>
+            </a:r>
           </a:p>
         </p:txBody>
       </p:sp>
     </p:spTree>
     <p:extLst>
       <p:ext uri="{BB962C8B-B14F-4D97-AF65-F5344CB8AC3E}">
-        <p14:creationId xmlns:p14="http://schemas.microsoft.com/office/powerpoint/2010/main" val="208280720"/>
+        <p14:creationId xmlns:p14="http://schemas.microsoft.com/office/powerpoint/2010/main" val="1321155832"/>
       </p:ext>
     </p:extLst>
   </p:cSld>
@@ -7274,7 +9023,7 @@
           <a:p>
             <a:r>
               <a:rPr lang="en-US" altLang="zh-CN" dirty="0"/>
-              <a:t>JTA+JDBC</a:t>
+              <a:t>Spring + JTA</a:t>
             </a:r>
             <a:endParaRPr lang="zh-CN" altLang="en-US" dirty="0"/>
           </a:p>
@@ -7295,14 +9044,121 @@
           <a:bodyPr/>
           <a:lstStyle/>
           <a:p>
-            <a:endParaRPr lang="zh-CN" altLang="en-US"/>
+            <a:r>
+              <a:rPr lang="zh-CN" altLang="en-US" dirty="0"/>
+              <a:t>分布式事务（</a:t>
+            </a:r>
+            <a:r>
+              <a:rPr lang="en-US" altLang="zh-CN" dirty="0"/>
+              <a:t>Distributed Transaction</a:t>
+            </a:r>
+            <a:r>
+              <a:rPr lang="zh-CN" altLang="en-US" dirty="0"/>
+              <a:t>）包括事务管理器（</a:t>
+            </a:r>
+            <a:r>
+              <a:rPr lang="en-US" altLang="zh-CN" dirty="0"/>
+              <a:t>Transaction Manager</a:t>
+            </a:r>
+            <a:r>
+              <a:rPr lang="zh-CN" altLang="en-US" dirty="0"/>
+              <a:t>）和一个或多个支持 </a:t>
+            </a:r>
+            <a:r>
+              <a:rPr lang="en-US" altLang="zh-CN" dirty="0"/>
+              <a:t>XA </a:t>
+            </a:r>
+            <a:r>
+              <a:rPr lang="zh-CN" altLang="en-US" dirty="0"/>
+              <a:t>协议的资源管理器 </a:t>
+            </a:r>
+            <a:r>
+              <a:rPr lang="en-US" altLang="zh-CN" dirty="0"/>
+              <a:t>( Resource Manager )</a:t>
+            </a:r>
+            <a:r>
+              <a:rPr lang="zh-CN" altLang="en-US" dirty="0"/>
+              <a:t>。我们可以将资源管理器看做任意类型的持久化数据存储；事务管理器承担着所有事务参与单元的协调与控制。</a:t>
+            </a:r>
+            <a:r>
+              <a:rPr lang="en-US" altLang="zh-CN" dirty="0"/>
+              <a:t>JTA </a:t>
+            </a:r>
+            <a:r>
+              <a:rPr lang="zh-CN" altLang="en-US" dirty="0"/>
+              <a:t>事务有效的屏蔽了底层事务资源，使应用可以以透明的方式参入到事务处理中；但是与本地事务相比，</a:t>
+            </a:r>
+            <a:r>
+              <a:rPr lang="en-US" altLang="zh-CN" dirty="0"/>
+              <a:t>XA </a:t>
+            </a:r>
+            <a:r>
+              <a:rPr lang="zh-CN" altLang="en-US" dirty="0"/>
+              <a:t>协议的系统开销大，在系统开发过程中应慎重考虑是否确实需要分布式事务。若确实需要分布式事务以协调多个事务资源，则应实现和配置所支持 </a:t>
+            </a:r>
+            <a:r>
+              <a:rPr lang="en-US" altLang="zh-CN" dirty="0"/>
+              <a:t>XA </a:t>
+            </a:r>
+            <a:r>
+              <a:rPr lang="zh-CN" altLang="en-US" dirty="0"/>
+              <a:t>协议的事务资源，如 </a:t>
+            </a:r>
+            <a:r>
+              <a:rPr lang="en-US" altLang="zh-CN" dirty="0"/>
+              <a:t>JMS</a:t>
+            </a:r>
+            <a:r>
+              <a:rPr lang="zh-CN" altLang="en-US" dirty="0"/>
+              <a:t>、</a:t>
+            </a:r>
+            <a:r>
+              <a:rPr lang="en-US" altLang="zh-CN" dirty="0"/>
+              <a:t>JDBC </a:t>
+            </a:r>
+            <a:r>
+              <a:rPr lang="zh-CN" altLang="en-US" dirty="0"/>
+              <a:t>数据库连接池等。使用 </a:t>
+            </a:r>
+            <a:r>
+              <a:rPr lang="en-US" altLang="zh-CN" dirty="0"/>
+              <a:t>JTA </a:t>
+            </a:r>
+            <a:r>
+              <a:rPr lang="zh-CN" altLang="en-US" dirty="0"/>
+              <a:t>处理事务的示例如下（注意：</a:t>
+            </a:r>
+            <a:r>
+              <a:rPr lang="en-US" altLang="zh-CN" dirty="0" err="1"/>
+              <a:t>connA</a:t>
+            </a:r>
+            <a:r>
+              <a:rPr lang="en-US" altLang="zh-CN" dirty="0"/>
+              <a:t> </a:t>
+            </a:r>
+            <a:r>
+              <a:rPr lang="zh-CN" altLang="en-US" dirty="0"/>
+              <a:t>和 </a:t>
+            </a:r>
+            <a:r>
+              <a:rPr lang="en-US" altLang="zh-CN" dirty="0" err="1"/>
+              <a:t>connB</a:t>
+            </a:r>
+            <a:r>
+              <a:rPr lang="en-US" altLang="zh-CN" dirty="0"/>
+              <a:t> </a:t>
+            </a:r>
+            <a:r>
+              <a:rPr lang="zh-CN" altLang="en-US" dirty="0"/>
+              <a:t>是来自不同数据库的连接）</a:t>
+            </a:r>
           </a:p>
         </p:txBody>
       </p:sp>
     </p:spTree>
     <p:extLst>
       <p:ext uri="{BB962C8B-B14F-4D97-AF65-F5344CB8AC3E}">
-        <p14:creationId xmlns:p14="http://schemas.microsoft.com/office/powerpoint/2010/main" val="1035063022"/>
+        <p14:creationId xmlns:p14="http://schemas.microsoft.com/office/powerpoint/2010/main" val="1865720143"/>
       </p:ext>
     </p:extLst>
   </p:cSld>
@@ -7344,131 +9200,37 @@
           <a:bodyPr/>
           <a:lstStyle/>
           <a:p>
+            <a:r>
+              <a:rPr lang="en-US" altLang="zh-CN" dirty="0"/>
+              <a:t>JTA + JMS</a:t>
+            </a:r>
+            <a:endParaRPr lang="zh-CN" altLang="en-US" dirty="0"/>
+          </a:p>
+        </p:txBody>
+      </p:sp>
+      <p:sp>
+        <p:nvSpPr>
+          <p:cNvPr id="3" name="Content Placeholder 2"/>
+          <p:cNvSpPr>
+            <a:spLocks noGrp="1"/>
+          </p:cNvSpPr>
+          <p:nvPr>
+            <p:ph idx="1"/>
+          </p:nvPr>
+        </p:nvSpPr>
+        <p:spPr/>
+        <p:txBody>
+          <a:bodyPr/>
+          <a:lstStyle/>
+          <a:p>
             <a:endParaRPr lang="zh-CN" altLang="en-US"/>
-          </a:p>
-        </p:txBody>
-      </p:sp>
-      <p:sp>
-        <p:nvSpPr>
-          <p:cNvPr id="3" name="Content Placeholder 2"/>
-          <p:cNvSpPr>
-            <a:spLocks noGrp="1"/>
-          </p:cNvSpPr>
-          <p:nvPr>
-            <p:ph idx="1"/>
-          </p:nvPr>
-        </p:nvSpPr>
-        <p:spPr/>
-        <p:txBody>
-          <a:bodyPr>
-            <a:normAutofit lnSpcReduction="10000"/>
-          </a:bodyPr>
-          <a:lstStyle/>
-          <a:p>
-            <a:r>
-              <a:rPr lang="en-US" altLang="zh-CN" dirty="0"/>
-              <a:t>Java</a:t>
-            </a:r>
-            <a:r>
-              <a:rPr lang="zh-CN" altLang="en-US" dirty="0"/>
-              <a:t>事务的类型有三种：</a:t>
-            </a:r>
-            <a:r>
-              <a:rPr lang="en-US" altLang="zh-CN" dirty="0"/>
-              <a:t>JDBC</a:t>
-            </a:r>
-            <a:r>
-              <a:rPr lang="zh-CN" altLang="en-US" dirty="0"/>
-              <a:t>事务、</a:t>
-            </a:r>
-            <a:r>
-              <a:rPr lang="en-US" altLang="zh-CN" dirty="0"/>
-              <a:t>JTA(Java Transaction API)</a:t>
-            </a:r>
-            <a:r>
-              <a:rPr lang="zh-CN" altLang="en-US" dirty="0"/>
-              <a:t>事务、容器事务，其中</a:t>
-            </a:r>
-            <a:r>
-              <a:rPr lang="en-US" altLang="zh-CN" dirty="0"/>
-              <a:t>JDBC</a:t>
-            </a:r>
-            <a:r>
-              <a:rPr lang="zh-CN" altLang="en-US" dirty="0"/>
-              <a:t>的事务操作用法比较简单，适合于处理同一个数据源的操作。</a:t>
-            </a:r>
-            <a:r>
-              <a:rPr lang="en-US" altLang="zh-CN" dirty="0"/>
-              <a:t>JTA</a:t>
-            </a:r>
-            <a:r>
-              <a:rPr lang="zh-CN" altLang="en-US" dirty="0"/>
-              <a:t>事务相对复杂，可以用于处理跨多个数据库的事务，是分布式事务的一种解决方案。</a:t>
-            </a:r>
-          </a:p>
-          <a:p>
-            <a:endParaRPr lang="zh-CN" altLang="en-US" dirty="0"/>
-          </a:p>
-          <a:p>
-            <a:r>
-              <a:rPr lang="zh-CN" altLang="en-US" dirty="0"/>
-              <a:t>这里还要简单说一下，虽然</a:t>
-            </a:r>
-            <a:r>
-              <a:rPr lang="en-US" altLang="zh-CN" dirty="0"/>
-              <a:t>JTA</a:t>
-            </a:r>
-            <a:r>
-              <a:rPr lang="zh-CN" altLang="en-US" dirty="0"/>
-              <a:t>事务是</a:t>
-            </a:r>
-            <a:r>
-              <a:rPr lang="en-US" altLang="zh-CN" dirty="0"/>
-              <a:t>Java</a:t>
-            </a:r>
-            <a:r>
-              <a:rPr lang="zh-CN" altLang="en-US" dirty="0"/>
-              <a:t>提供的可用于分布式事务的一套</a:t>
-            </a:r>
-            <a:r>
-              <a:rPr lang="en-US" altLang="zh-CN" dirty="0"/>
-              <a:t>API</a:t>
-            </a:r>
-            <a:r>
-              <a:rPr lang="zh-CN" altLang="en-US" dirty="0"/>
-              <a:t>，但是不同的</a:t>
-            </a:r>
-            <a:r>
-              <a:rPr lang="en-US" altLang="zh-CN" dirty="0"/>
-              <a:t>J2EE</a:t>
-            </a:r>
-            <a:r>
-              <a:rPr lang="zh-CN" altLang="en-US" dirty="0"/>
-              <a:t>平台的实现都不一样，并且都不是很方便使用，所以，一般在项目中不太使用这种较为负责的</a:t>
-            </a:r>
-            <a:r>
-              <a:rPr lang="en-US" altLang="zh-CN" dirty="0"/>
-              <a:t>API</a:t>
-            </a:r>
-            <a:r>
-              <a:rPr lang="zh-CN" altLang="en-US" dirty="0"/>
-              <a:t>。现在业内比较常用的分布式事务解决方案主要有异步消息确保型、</a:t>
-            </a:r>
-            <a:r>
-              <a:rPr lang="en-US" altLang="zh-CN" dirty="0"/>
-              <a:t>TCC</a:t>
-            </a:r>
-            <a:r>
-              <a:rPr lang="zh-CN" altLang="en-US" dirty="0"/>
-              <a:t>、最大努力通知等。关于这几种分布式事务解决方案，我会在后面的文章中介绍。欢迎关注与交流。</a:t>
-            </a:r>
           </a:p>
         </p:txBody>
       </p:sp>
     </p:spTree>
     <p:extLst>
       <p:ext uri="{BB962C8B-B14F-4D97-AF65-F5344CB8AC3E}">
-        <p14:creationId xmlns:p14="http://schemas.microsoft.com/office/powerpoint/2010/main" val="3468678927"/>
+        <p14:creationId xmlns:p14="http://schemas.microsoft.com/office/powerpoint/2010/main" val="208280720"/>
       </p:ext>
     </p:extLst>
   </p:cSld>
@@ -7497,128 +9259,85 @@
       </p:grpSpPr>
       <p:sp>
         <p:nvSpPr>
-          <p:cNvPr id="2" name="Title 1"/>
-          <p:cNvSpPr>
-            <a:spLocks noGrp="1"/>
-          </p:cNvSpPr>
-          <p:nvPr>
-            <p:ph type="title"/>
-          </p:nvPr>
-        </p:nvSpPr>
-        <p:spPr/>
-        <p:txBody>
-          <a:bodyPr/>
+          <p:cNvPr id="3" name="内容占位符 2"/>
+          <p:cNvSpPr>
+            <a:spLocks noGrp="1"/>
+          </p:cNvSpPr>
+          <p:nvPr>
+            <p:ph idx="1"/>
+          </p:nvPr>
+        </p:nvSpPr>
+        <p:spPr>
+          <a:xfrm>
+            <a:off x="838200" y="768927"/>
+            <a:ext cx="10515600" cy="5408036"/>
+          </a:xfrm>
+        </p:spPr>
+        <p:txBody>
+          <a:bodyPr>
+            <a:normAutofit/>
+          </a:bodyPr>
           <a:lstStyle/>
           <a:p>
-            <a:r>
-              <a:rPr lang="zh-CN" altLang="en-US" dirty="0"/>
-              <a:t>事务是什么？</a:t>
-            </a:r>
-          </a:p>
-        </p:txBody>
-      </p:sp>
-      <p:sp>
-        <p:nvSpPr>
-          <p:cNvPr id="3" name="Content Placeholder 2"/>
-          <p:cNvSpPr>
-            <a:spLocks noGrp="1"/>
-          </p:cNvSpPr>
-          <p:nvPr>
-            <p:ph idx="1"/>
-          </p:nvPr>
-        </p:nvSpPr>
-        <p:spPr/>
-        <p:txBody>
-          <a:bodyPr/>
-          <a:lstStyle/>
-          <a:p>
-            <a:r>
-              <a:rPr lang="zh-CN" altLang="en-US" dirty="0"/>
-              <a:t>事务是应用程序中一系列严密的操作，所有操作必须成功完成，否则在每个操作中所作的所有更改都会被撤消。</a:t>
-            </a:r>
-            <a:endParaRPr lang="en-US" altLang="zh-CN" dirty="0"/>
-          </a:p>
-          <a:p>
-            <a:pPr marL="0" indent="0">
-              <a:buNone/>
-            </a:pPr>
-            <a:endParaRPr lang="en-US" altLang="zh-CN" dirty="0"/>
-          </a:p>
-          <a:p>
-            <a:r>
-              <a:rPr lang="zh-CN" altLang="en-US" dirty="0"/>
-              <a:t>原子性（ </a:t>
-            </a:r>
-            <a:r>
-              <a:rPr lang="en-US" altLang="zh-CN" dirty="0"/>
-              <a:t>Atomicity </a:t>
-            </a:r>
-            <a:r>
-              <a:rPr lang="zh-CN" altLang="en-US" dirty="0"/>
-              <a:t>）</a:t>
-            </a:r>
-            <a:endParaRPr lang="en-US" altLang="zh-CN" dirty="0"/>
-          </a:p>
-          <a:p>
-            <a:r>
-              <a:rPr lang="zh-CN" altLang="en-US" dirty="0"/>
-              <a:t>一致性（ </a:t>
-            </a:r>
-            <a:r>
-              <a:rPr lang="en-US" altLang="zh-CN" dirty="0"/>
-              <a:t>Consistency </a:t>
-            </a:r>
-            <a:r>
-              <a:rPr lang="zh-CN" altLang="en-US" dirty="0"/>
-              <a:t>）</a:t>
-            </a:r>
-            <a:endParaRPr lang="en-US" altLang="zh-CN" dirty="0"/>
-          </a:p>
-          <a:p>
-            <a:r>
-              <a:rPr lang="zh-CN" altLang="en-US" dirty="0"/>
-              <a:t>隔离性（ </a:t>
-            </a:r>
-            <a:r>
-              <a:rPr lang="en-US" altLang="zh-CN" dirty="0"/>
-              <a:t>Isolation </a:t>
-            </a:r>
-            <a:r>
-              <a:rPr lang="zh-CN" altLang="en-US" dirty="0"/>
-              <a:t>）</a:t>
-            </a:r>
-            <a:endParaRPr lang="en-US" altLang="zh-CN" dirty="0"/>
-          </a:p>
-          <a:p>
-            <a:r>
-              <a:rPr lang="zh-CN" altLang="en-US" dirty="0"/>
-              <a:t>持续性（ </a:t>
-            </a:r>
-            <a:r>
-              <a:rPr lang="en-US" altLang="zh-CN" dirty="0"/>
-              <a:t>Durability </a:t>
-            </a:r>
-            <a:r>
-              <a:rPr lang="zh-CN" altLang="en-US" dirty="0"/>
-              <a:t>）</a:t>
-            </a:r>
-            <a:endParaRPr lang="en-US" altLang="zh-CN" dirty="0"/>
-          </a:p>
-          <a:p>
-            <a:endParaRPr lang="zh-CN" altLang="en-US" dirty="0"/>
+            <a:endParaRPr lang="en-US" altLang="zh-CN" sz="3600" dirty="0" smtClean="0"/>
+          </a:p>
+          <a:p>
+            <a:endParaRPr lang="en-US" altLang="zh-CN" sz="3600" dirty="0"/>
+          </a:p>
+          <a:p>
+            <a:r>
+              <a:rPr lang="zh-CN" altLang="en-US" sz="3600" dirty="0" smtClean="0"/>
+              <a:t>事务的基本概念</a:t>
+            </a:r>
+            <a:endParaRPr lang="en-US" altLang="zh-CN" sz="3600" dirty="0" smtClean="0"/>
+          </a:p>
+          <a:p>
+            <a:r>
+              <a:rPr lang="zh-CN" altLang="en-US" sz="3600" dirty="0" smtClean="0"/>
+              <a:t>分布式事务的特点</a:t>
+            </a:r>
+            <a:endParaRPr lang="en-US" altLang="zh-CN" sz="3600" dirty="0" smtClean="0"/>
+          </a:p>
+          <a:p>
+            <a:r>
+              <a:rPr lang="zh-CN" altLang="en-US" sz="3600" dirty="0" smtClean="0"/>
+              <a:t>分布式事务的实现</a:t>
+            </a:r>
+            <a:endParaRPr lang="en-US" altLang="zh-CN" sz="3600" dirty="0" smtClean="0"/>
+          </a:p>
+          <a:p>
+            <a:r>
+              <a:rPr lang="zh-CN" altLang="en-US" sz="3600" dirty="0" smtClean="0"/>
+              <a:t>轻轻项目的优化</a:t>
+            </a:r>
+            <a:endParaRPr lang="en-US" altLang="zh-CN" sz="3600" dirty="0" smtClean="0"/>
+          </a:p>
+          <a:p>
+            <a:r>
+              <a:rPr lang="en-US" altLang="zh-CN" sz="3600" dirty="0" smtClean="0"/>
+              <a:t>Question And Answer</a:t>
+            </a:r>
+            <a:endParaRPr lang="zh-CN" altLang="en-US" sz="3600" dirty="0"/>
           </a:p>
         </p:txBody>
       </p:sp>
     </p:spTree>
     <p:extLst>
       <p:ext uri="{BB962C8B-B14F-4D97-AF65-F5344CB8AC3E}">
-        <p14:creationId xmlns:p14="http://schemas.microsoft.com/office/powerpoint/2010/main" val="543305784"/>
+        <p14:creationId xmlns:p14="http://schemas.microsoft.com/office/powerpoint/2010/main" val="3727559700"/>
       </p:ext>
     </p:extLst>
   </p:cSld>
   <p:clrMapOvr>
     <a:masterClrMapping/>
   </p:clrMapOvr>
+  <p:timing>
+    <p:tnLst>
+      <p:par>
+        <p:cTn id="1" dur="indefinite" restart="never" nodeType="tmRoot"/>
+      </p:par>
+    </p:tnLst>
+  </p:timing>
 </p:sld>
 </file>
 
@@ -7656,6 +9375,244 @@
           <a:p>
             <a:r>
               <a:rPr lang="en-US" altLang="zh-CN" dirty="0"/>
+              <a:t>JTA+JDBC</a:t>
+            </a:r>
+            <a:endParaRPr lang="zh-CN" altLang="en-US" dirty="0"/>
+          </a:p>
+        </p:txBody>
+      </p:sp>
+      <p:sp>
+        <p:nvSpPr>
+          <p:cNvPr id="3" name="Content Placeholder 2"/>
+          <p:cNvSpPr>
+            <a:spLocks noGrp="1"/>
+          </p:cNvSpPr>
+          <p:nvPr>
+            <p:ph idx="1"/>
+          </p:nvPr>
+        </p:nvSpPr>
+        <p:spPr/>
+        <p:txBody>
+          <a:bodyPr/>
+          <a:lstStyle/>
+          <a:p>
+            <a:endParaRPr lang="zh-CN" altLang="en-US"/>
+          </a:p>
+        </p:txBody>
+      </p:sp>
+    </p:spTree>
+    <p:extLst>
+      <p:ext uri="{BB962C8B-B14F-4D97-AF65-F5344CB8AC3E}">
+        <p14:creationId xmlns:p14="http://schemas.microsoft.com/office/powerpoint/2010/main" val="1035063022"/>
+      </p:ext>
+    </p:extLst>
+  </p:cSld>
+  <p:clrMapOvr>
+    <a:masterClrMapping/>
+  </p:clrMapOvr>
+</p:sld>
+</file>
+
+<file path=ppt/slides/slide21.xml><?xml version="1.0" encoding="utf-8"?>
+<p:sld xmlns:a="http://schemas.openxmlformats.org/drawingml/2006/main" xmlns:r="http://schemas.openxmlformats.org/officeDocument/2006/relationships" xmlns:p="http://schemas.openxmlformats.org/presentationml/2006/main">
+  <p:cSld>
+    <p:spTree>
+      <p:nvGrpSpPr>
+        <p:cNvPr id="1" name=""/>
+        <p:cNvGrpSpPr/>
+        <p:nvPr/>
+      </p:nvGrpSpPr>
+      <p:grpSpPr>
+        <a:xfrm>
+          <a:off x="0" y="0"/>
+          <a:ext cx="0" cy="0"/>
+          <a:chOff x="0" y="0"/>
+          <a:chExt cx="0" cy="0"/>
+        </a:xfrm>
+      </p:grpSpPr>
+      <p:sp>
+        <p:nvSpPr>
+          <p:cNvPr id="2" name="Title 1"/>
+          <p:cNvSpPr>
+            <a:spLocks noGrp="1"/>
+          </p:cNvSpPr>
+          <p:nvPr>
+            <p:ph type="title"/>
+          </p:nvPr>
+        </p:nvSpPr>
+        <p:spPr/>
+        <p:txBody>
+          <a:bodyPr/>
+          <a:lstStyle/>
+          <a:p>
+            <a:endParaRPr lang="zh-CN" altLang="en-US"/>
+          </a:p>
+        </p:txBody>
+      </p:sp>
+      <p:sp>
+        <p:nvSpPr>
+          <p:cNvPr id="3" name="Content Placeholder 2"/>
+          <p:cNvSpPr>
+            <a:spLocks noGrp="1"/>
+          </p:cNvSpPr>
+          <p:nvPr>
+            <p:ph idx="1"/>
+          </p:nvPr>
+        </p:nvSpPr>
+        <p:spPr/>
+        <p:txBody>
+          <a:bodyPr>
+            <a:normAutofit lnSpcReduction="10000"/>
+          </a:bodyPr>
+          <a:lstStyle/>
+          <a:p>
+            <a:r>
+              <a:rPr lang="en-US" altLang="zh-CN" dirty="0"/>
+              <a:t>Java</a:t>
+            </a:r>
+            <a:r>
+              <a:rPr lang="zh-CN" altLang="en-US" dirty="0"/>
+              <a:t>事务的类型有三种：</a:t>
+            </a:r>
+            <a:r>
+              <a:rPr lang="en-US" altLang="zh-CN" dirty="0"/>
+              <a:t>JDBC</a:t>
+            </a:r>
+            <a:r>
+              <a:rPr lang="zh-CN" altLang="en-US" dirty="0"/>
+              <a:t>事务、</a:t>
+            </a:r>
+            <a:r>
+              <a:rPr lang="en-US" altLang="zh-CN" dirty="0"/>
+              <a:t>JTA(Java Transaction API)</a:t>
+            </a:r>
+            <a:r>
+              <a:rPr lang="zh-CN" altLang="en-US" dirty="0"/>
+              <a:t>事务、容器事务，其中</a:t>
+            </a:r>
+            <a:r>
+              <a:rPr lang="en-US" altLang="zh-CN" dirty="0"/>
+              <a:t>JDBC</a:t>
+            </a:r>
+            <a:r>
+              <a:rPr lang="zh-CN" altLang="en-US" dirty="0"/>
+              <a:t>的事务操作用法比较简单，适合于处理同一个数据源的操作。</a:t>
+            </a:r>
+            <a:r>
+              <a:rPr lang="en-US" altLang="zh-CN" dirty="0"/>
+              <a:t>JTA</a:t>
+            </a:r>
+            <a:r>
+              <a:rPr lang="zh-CN" altLang="en-US" dirty="0"/>
+              <a:t>事务相对复杂，可以用于处理跨多个数据库的事务，是分布式事务的一种解决方案。</a:t>
+            </a:r>
+          </a:p>
+          <a:p>
+            <a:endParaRPr lang="zh-CN" altLang="en-US" dirty="0"/>
+          </a:p>
+          <a:p>
+            <a:r>
+              <a:rPr lang="zh-CN" altLang="en-US" dirty="0"/>
+              <a:t>这里还要简单说一下，虽然</a:t>
+            </a:r>
+            <a:r>
+              <a:rPr lang="en-US" altLang="zh-CN" dirty="0"/>
+              <a:t>JTA</a:t>
+            </a:r>
+            <a:r>
+              <a:rPr lang="zh-CN" altLang="en-US" dirty="0"/>
+              <a:t>事务是</a:t>
+            </a:r>
+            <a:r>
+              <a:rPr lang="en-US" altLang="zh-CN" dirty="0"/>
+              <a:t>Java</a:t>
+            </a:r>
+            <a:r>
+              <a:rPr lang="zh-CN" altLang="en-US" dirty="0"/>
+              <a:t>提供的可用于分布式事务的一套</a:t>
+            </a:r>
+            <a:r>
+              <a:rPr lang="en-US" altLang="zh-CN" dirty="0"/>
+              <a:t>API</a:t>
+            </a:r>
+            <a:r>
+              <a:rPr lang="zh-CN" altLang="en-US" dirty="0"/>
+              <a:t>，但是不同的</a:t>
+            </a:r>
+            <a:r>
+              <a:rPr lang="en-US" altLang="zh-CN" dirty="0"/>
+              <a:t>J2EE</a:t>
+            </a:r>
+            <a:r>
+              <a:rPr lang="zh-CN" altLang="en-US" dirty="0"/>
+              <a:t>平台的实现都不一样，并且都不是很方便使用，所以，一般在项目中不太使用这种较为负责的</a:t>
+            </a:r>
+            <a:r>
+              <a:rPr lang="en-US" altLang="zh-CN" dirty="0"/>
+              <a:t>API</a:t>
+            </a:r>
+            <a:r>
+              <a:rPr lang="zh-CN" altLang="en-US" dirty="0"/>
+              <a:t>。现在业内比较常用的分布式事务解决方案主要有异步消息确保型、</a:t>
+            </a:r>
+            <a:r>
+              <a:rPr lang="en-US" altLang="zh-CN" dirty="0"/>
+              <a:t>TCC</a:t>
+            </a:r>
+            <a:r>
+              <a:rPr lang="zh-CN" altLang="en-US" dirty="0"/>
+              <a:t>、最大努力通知等。关于这几种分布式事务解决方案，我会在后面的文章中介绍。欢迎关注与交流。</a:t>
+            </a:r>
+          </a:p>
+        </p:txBody>
+      </p:sp>
+    </p:spTree>
+    <p:extLst>
+      <p:ext uri="{BB962C8B-B14F-4D97-AF65-F5344CB8AC3E}">
+        <p14:creationId xmlns:p14="http://schemas.microsoft.com/office/powerpoint/2010/main" val="3468678927"/>
+      </p:ext>
+    </p:extLst>
+  </p:cSld>
+  <p:clrMapOvr>
+    <a:masterClrMapping/>
+  </p:clrMapOvr>
+</p:sld>
+</file>
+
+<file path=ppt/slides/slide22.xml><?xml version="1.0" encoding="utf-8"?>
+<p:sld xmlns:a="http://schemas.openxmlformats.org/drawingml/2006/main" xmlns:r="http://schemas.openxmlformats.org/officeDocument/2006/relationships" xmlns:p="http://schemas.openxmlformats.org/presentationml/2006/main">
+  <p:cSld>
+    <p:spTree>
+      <p:nvGrpSpPr>
+        <p:cNvPr id="1" name=""/>
+        <p:cNvGrpSpPr/>
+        <p:nvPr/>
+      </p:nvGrpSpPr>
+      <p:grpSpPr>
+        <a:xfrm>
+          <a:off x="0" y="0"/>
+          <a:ext cx="0" cy="0"/>
+          <a:chOff x="0" y="0"/>
+          <a:chExt cx="0" cy="0"/>
+        </a:xfrm>
+      </p:grpSpPr>
+      <p:sp>
+        <p:nvSpPr>
+          <p:cNvPr id="2" name="Title 1"/>
+          <p:cNvSpPr>
+            <a:spLocks noGrp="1"/>
+          </p:cNvSpPr>
+          <p:nvPr>
+            <p:ph type="title"/>
+          </p:nvPr>
+        </p:nvSpPr>
+        <p:spPr/>
+        <p:txBody>
+          <a:bodyPr/>
+          <a:lstStyle/>
+          <a:p>
+            <a:r>
+              <a:rPr lang="en-US" altLang="zh-CN" dirty="0"/>
               <a:t>Reference</a:t>
             </a:r>
             <a:endParaRPr lang="zh-CN" altLang="en-US" dirty="0"/>
@@ -7758,6 +9715,12 @@
             </a:r>
           </a:p>
           <a:p>
+            <a:r>
+              <a:rPr lang="en-US" altLang="zh-CN" dirty="0">
+                <a:effectLst/>
+              </a:rPr>
+              <a:t/>
+            </a:r>
             <a:br>
               <a:rPr lang="en-US" altLang="zh-CN" dirty="0">
                 <a:effectLst/>
@@ -7889,6 +9852,13 @@
   <p:clrMapOvr>
     <a:masterClrMapping/>
   </p:clrMapOvr>
+  <p:timing>
+    <p:tnLst>
+      <p:par>
+        <p:cTn id="1" dur="indefinite" restart="never" nodeType="tmRoot"/>
+      </p:par>
+    </p:tnLst>
+  </p:timing>
 </p:sld>
 </file>
 
@@ -7911,7 +9881,7 @@
       </p:grpSpPr>
       <p:sp>
         <p:nvSpPr>
-          <p:cNvPr id="2" name="Title 1"/>
+          <p:cNvPr id="2" name="标题 1"/>
           <p:cNvSpPr>
             <a:spLocks noGrp="1"/>
           </p:cNvSpPr>
@@ -7925,16 +9895,16 @@
           <a:lstStyle/>
           <a:p>
             <a:r>
-              <a:rPr lang="zh-CN" altLang="en-US"/>
-              <a:t>事务的实现</a:t>
-            </a:r>
-            <a:endParaRPr lang="zh-CN" altLang="en-US"/>
-          </a:p>
-        </p:txBody>
-      </p:sp>
-      <p:sp>
-        <p:nvSpPr>
-          <p:cNvPr id="3" name="Content Placeholder 2"/>
+              <a:rPr lang="zh-CN" altLang="en-US" dirty="0" smtClean="0"/>
+              <a:t>背景介绍</a:t>
+            </a:r>
+            <a:endParaRPr lang="zh-CN" altLang="en-US" dirty="0"/>
+          </a:p>
+        </p:txBody>
+      </p:sp>
+      <p:sp>
+        <p:nvSpPr>
+          <p:cNvPr id="3" name="内容占位符 2"/>
           <p:cNvSpPr>
             <a:spLocks noGrp="1"/>
           </p:cNvSpPr>
@@ -7947,20 +9917,27 @@
           <a:bodyPr/>
           <a:lstStyle/>
           <a:p>
-            <a:endParaRPr lang="zh-CN" altLang="en-US"/>
+            <a:endParaRPr lang="zh-CN" altLang="en-US" dirty="0"/>
           </a:p>
         </p:txBody>
       </p:sp>
     </p:spTree>
     <p:extLst>
       <p:ext uri="{BB962C8B-B14F-4D97-AF65-F5344CB8AC3E}">
-        <p14:creationId xmlns:p14="http://schemas.microsoft.com/office/powerpoint/2010/main" val="3281896595"/>
+        <p14:creationId xmlns:p14="http://schemas.microsoft.com/office/powerpoint/2010/main" val="2102553117"/>
       </p:ext>
     </p:extLst>
   </p:cSld>
   <p:clrMapOvr>
     <a:masterClrMapping/>
   </p:clrMapOvr>
+  <p:timing>
+    <p:tnLst>
+      <p:par>
+        <p:cTn id="1" dur="indefinite" restart="never" nodeType="tmRoot"/>
+      </p:par>
+    </p:tnLst>
+  </p:timing>
 </p:sld>
 </file>
 
@@ -7996,7 +9973,10 @@
           <a:bodyPr/>
           <a:lstStyle/>
           <a:p>
-            <a:endParaRPr lang="zh-CN" altLang="en-US" dirty="0"/>
+            <a:r>
+              <a:rPr lang="zh-CN" altLang="en-US" dirty="0"/>
+              <a:t>事务是什么？</a:t>
+            </a:r>
           </a:p>
         </p:txBody>
       </p:sp>
@@ -8016,21 +9996,78 @@
           <a:lstStyle/>
           <a:p>
             <a:r>
-              <a:rPr lang="en-US" altLang="zh-CN" dirty="0"/>
-              <a:t>1.	what is it? </a:t>
-            </a:r>
-          </a:p>
-          <a:p>
-            <a:r>
-              <a:rPr lang="en-US" altLang="zh-CN" dirty="0"/>
-              <a:t>2.	how to make it?</a:t>
-            </a:r>
-          </a:p>
-          <a:p>
-            <a:r>
-              <a:rPr lang="en-US" altLang="zh-CN" dirty="0"/>
-              <a:t>3.	where to use it?</a:t>
-            </a:r>
+              <a:rPr lang="zh-CN" altLang="en-US" dirty="0"/>
+              <a:t>事务是应用程序中一系列严密的操作，所有操作必须成功完成，否则在每个操作中所作的所有更改都会被撤消。</a:t>
+            </a:r>
+            <a:endParaRPr lang="en-US" altLang="zh-CN" dirty="0"/>
+          </a:p>
+          <a:p>
+            <a:pPr marL="0" indent="0">
+              <a:buNone/>
+            </a:pPr>
+            <a:endParaRPr lang="en-US" altLang="zh-CN" dirty="0"/>
+          </a:p>
+          <a:p>
+            <a:r>
+              <a:rPr lang="zh-CN" altLang="en-US" dirty="0"/>
+              <a:t>原子性（ </a:t>
+            </a:r>
+            <a:r>
+              <a:rPr lang="en-US" altLang="zh-CN" dirty="0"/>
+              <a:t>Atomicity </a:t>
+            </a:r>
+            <a:r>
+              <a:rPr lang="zh-CN" altLang="en-US" dirty="0"/>
+              <a:t>）</a:t>
+            </a:r>
+            <a:endParaRPr lang="en-US" altLang="zh-CN" dirty="0"/>
+          </a:p>
+          <a:p>
+            <a:r>
+              <a:rPr lang="zh-CN" altLang="en-US" dirty="0"/>
+              <a:t>一致性（ </a:t>
+            </a:r>
+            <a:r>
+              <a:rPr lang="en-US" altLang="zh-CN" dirty="0"/>
+              <a:t>Consistency </a:t>
+            </a:r>
+            <a:r>
+              <a:rPr lang="zh-CN" altLang="en-US" dirty="0"/>
+              <a:t>）</a:t>
+            </a:r>
+            <a:endParaRPr lang="en-US" altLang="zh-CN" dirty="0"/>
+          </a:p>
+          <a:p>
+            <a:r>
+              <a:rPr lang="zh-CN" altLang="en-US" dirty="0"/>
+              <a:t>隔离性（ </a:t>
+            </a:r>
+            <a:r>
+              <a:rPr lang="en-US" altLang="zh-CN" dirty="0"/>
+              <a:t>Isolation </a:t>
+            </a:r>
+            <a:r>
+              <a:rPr lang="zh-CN" altLang="en-US" dirty="0"/>
+              <a:t>）</a:t>
+            </a:r>
+            <a:endParaRPr lang="en-US" altLang="zh-CN" dirty="0"/>
+          </a:p>
+          <a:p>
+            <a:r>
+              <a:rPr lang="zh-CN" altLang="en-US" dirty="0"/>
+              <a:t>持续性（ </a:t>
+            </a:r>
+            <a:r>
+              <a:rPr lang="en-US" altLang="zh-CN" dirty="0"/>
+              <a:t>Durability </a:t>
+            </a:r>
+            <a:r>
+              <a:rPr lang="zh-CN" altLang="en-US" dirty="0"/>
+              <a:t>）</a:t>
+            </a:r>
+            <a:endParaRPr lang="en-US" altLang="zh-CN" dirty="0"/>
+          </a:p>
+          <a:p>
             <a:endParaRPr lang="zh-CN" altLang="en-US" dirty="0"/>
           </a:p>
         </p:txBody>
@@ -8038,13 +10075,20 @@
     </p:spTree>
     <p:extLst>
       <p:ext uri="{BB962C8B-B14F-4D97-AF65-F5344CB8AC3E}">
-        <p14:creationId xmlns:p14="http://schemas.microsoft.com/office/powerpoint/2010/main" val="683483495"/>
+        <p14:creationId xmlns:p14="http://schemas.microsoft.com/office/powerpoint/2010/main" val="543305784"/>
       </p:ext>
     </p:extLst>
   </p:cSld>
   <p:clrMapOvr>
     <a:masterClrMapping/>
   </p:clrMapOvr>
+  <p:timing>
+    <p:tnLst>
+      <p:par>
+        <p:cTn id="1" dur="indefinite" restart="never" nodeType="tmRoot"/>
+      </p:par>
+    </p:tnLst>
+  </p:timing>
 </p:sld>
 </file>
 
@@ -8075,15 +10119,25 @@
             <p:ph type="title"/>
           </p:nvPr>
         </p:nvSpPr>
-        <p:spPr/>
+        <p:spPr>
+          <a:xfrm>
+            <a:off x="838200" y="365125"/>
+            <a:ext cx="10515600" cy="819439"/>
+          </a:xfrm>
+        </p:spPr>
         <p:txBody>
           <a:bodyPr/>
           <a:lstStyle/>
           <a:p>
             <a:r>
               <a:rPr lang="zh-CN" altLang="en-US" dirty="0"/>
-              <a:t>普通事务</a:t>
-            </a:r>
+              <a:t>事务</a:t>
+            </a:r>
+            <a:r>
+              <a:rPr lang="zh-CN" altLang="en-US" dirty="0" smtClean="0"/>
+              <a:t>的特性</a:t>
+            </a:r>
+            <a:endParaRPr lang="zh-CN" altLang="en-US" dirty="0"/>
           </a:p>
         </p:txBody>
       </p:sp>
@@ -8097,80 +10151,186 @@
             <p:ph idx="1"/>
           </p:nvPr>
         </p:nvSpPr>
-        <p:spPr/>
+        <p:spPr>
+          <a:xfrm>
+            <a:off x="838200" y="1184564"/>
+            <a:ext cx="10515600" cy="5673435"/>
+          </a:xfrm>
+        </p:spPr>
         <p:txBody>
           <a:bodyPr>
-            <a:normAutofit/>
+            <a:noAutofit/>
           </a:bodyPr>
           <a:lstStyle/>
           <a:p>
-            <a:r>
-              <a:rPr lang="zh-CN" altLang="en-US" dirty="0"/>
-              <a:t>每个事务都新建一个事务文件，当</a:t>
-            </a:r>
-            <a:r>
-              <a:rPr lang="en-US" altLang="zh-CN" dirty="0"/>
-              <a:t>commit</a:t>
-            </a:r>
-            <a:r>
-              <a:rPr lang="zh-CN" altLang="en-US" dirty="0"/>
-              <a:t>时，先把修改过的数据块，写到事务文件里，然后再一次性地写到</a:t>
-            </a:r>
-            <a:r>
-              <a:rPr lang="zh-CN" altLang="en-US" b="1" dirty="0">
-                <a:hlinkClick r:id="rId2" tooltip="MySQL知识库"/>
-              </a:rPr>
-              <a:t>数据库</a:t>
-            </a:r>
-            <a:r>
-              <a:rPr lang="zh-CN" altLang="en-US" dirty="0"/>
-              <a:t>文件里。</a:t>
-            </a:r>
-          </a:p>
-          <a:p>
-            <a:r>
-              <a:rPr lang="zh-CN" altLang="en-US" dirty="0"/>
-              <a:t>如果</a:t>
-            </a:r>
-            <a:r>
-              <a:rPr lang="en-US" altLang="zh-CN" dirty="0"/>
-              <a:t>commit</a:t>
-            </a:r>
-            <a:r>
-              <a:rPr lang="zh-CN" altLang="en-US" dirty="0"/>
-              <a:t>时挂掉了，那么重启之后，会再次从事务文件里把修改过的块写到数据库文件里。最后再删除事务文件。</a:t>
-            </a:r>
-          </a:p>
-          <a:p>
-            <a:endParaRPr lang="en-US" altLang="zh-CN" dirty="0"/>
-          </a:p>
-          <a:p>
-            <a:r>
-              <a:rPr lang="en-US" altLang="zh-CN" dirty="0">
-                <a:hlinkClick r:id="rId3"/>
-              </a:rPr>
-              <a:t>https://github.com/jankotek/JDBM3</a:t>
-            </a:r>
-            <a:endParaRPr lang="en-US" altLang="zh-CN" dirty="0"/>
-          </a:p>
-          <a:p>
-            <a:endParaRPr lang="en-US" altLang="zh-CN" dirty="0"/>
-          </a:p>
-          <a:p>
-            <a:endParaRPr lang="en-US" altLang="zh-CN" dirty="0"/>
+            <a:endParaRPr lang="en-US" altLang="zh-CN" sz="1600" dirty="0" smtClean="0"/>
+          </a:p>
+          <a:p>
+            <a:r>
+              <a:rPr lang="zh-CN" altLang="en-US" sz="1600" dirty="0" smtClean="0"/>
+              <a:t>隔离级别</a:t>
+            </a:r>
+            <a:endParaRPr lang="en-US" altLang="zh-CN" sz="1600" dirty="0" smtClean="0"/>
+          </a:p>
+          <a:p>
+            <a:pPr lvl="1"/>
+            <a:r>
+              <a:rPr lang="en-US" altLang="zh-CN" sz="1600" dirty="0" smtClean="0">
+                <a:latin typeface="Arial" panose="020B0604020202020204" pitchFamily="34" charset="0"/>
+                <a:cs typeface="Arial" panose="020B0604020202020204" pitchFamily="34" charset="0"/>
+              </a:rPr>
+              <a:t>Read uncommitted</a:t>
+            </a:r>
+            <a:endParaRPr lang="en-US" altLang="zh-CN" sz="1600" dirty="0" smtClean="0">
+              <a:latin typeface="Arial" panose="020B0604020202020204" pitchFamily="34" charset="0"/>
+              <a:cs typeface="Arial" panose="020B0604020202020204" pitchFamily="34" charset="0"/>
+            </a:endParaRPr>
+          </a:p>
+          <a:p>
+            <a:pPr lvl="1"/>
+            <a:r>
+              <a:rPr lang="en-US" altLang="zh-CN" sz="1600" dirty="0" smtClean="0">
+                <a:latin typeface="Arial" panose="020B0604020202020204" pitchFamily="34" charset="0"/>
+                <a:cs typeface="Arial" panose="020B0604020202020204" pitchFamily="34" charset="0"/>
+              </a:rPr>
+              <a:t>Read committed</a:t>
+            </a:r>
+          </a:p>
+          <a:p>
+            <a:pPr lvl="1"/>
+            <a:r>
+              <a:rPr lang="en-US" altLang="zh-CN" sz="1600" dirty="0" smtClean="0">
+                <a:latin typeface="Arial" panose="020B0604020202020204" pitchFamily="34" charset="0"/>
+                <a:cs typeface="Arial" panose="020B0604020202020204" pitchFamily="34" charset="0"/>
+              </a:rPr>
+              <a:t>Repeatable read</a:t>
+            </a:r>
+          </a:p>
+          <a:p>
+            <a:pPr lvl="1"/>
+            <a:r>
+              <a:rPr lang="en-US" altLang="zh-CN" sz="1600" dirty="0">
+                <a:latin typeface="Arial" panose="020B0604020202020204" pitchFamily="34" charset="0"/>
+                <a:cs typeface="Arial" panose="020B0604020202020204" pitchFamily="34" charset="0"/>
+              </a:rPr>
+              <a:t>Serializable </a:t>
+            </a:r>
+            <a:endParaRPr lang="en-US" altLang="zh-CN" sz="1600" dirty="0" smtClean="0">
+              <a:latin typeface="Arial" panose="020B0604020202020204" pitchFamily="34" charset="0"/>
+              <a:cs typeface="Arial" panose="020B0604020202020204" pitchFamily="34" charset="0"/>
+            </a:endParaRPr>
+          </a:p>
+          <a:p>
+            <a:endParaRPr lang="en-US" altLang="zh-CN" sz="1600" dirty="0" smtClean="0"/>
+          </a:p>
+          <a:p>
+            <a:r>
+              <a:rPr lang="zh-CN" altLang="en-US" sz="1600" dirty="0" smtClean="0"/>
+              <a:t>代理方式</a:t>
+            </a:r>
+            <a:endParaRPr lang="en-US" altLang="zh-CN" sz="1600" dirty="0" smtClean="0"/>
+          </a:p>
+          <a:p>
+            <a:pPr lvl="1"/>
+            <a:r>
+              <a:rPr lang="en-US" altLang="zh-CN" sz="1600" dirty="0" err="1" smtClean="0"/>
+              <a:t>Jdk</a:t>
+            </a:r>
+            <a:r>
+              <a:rPr lang="zh-CN" altLang="en-US" sz="1600" dirty="0" smtClean="0"/>
+              <a:t>代理，</a:t>
+            </a:r>
+            <a:r>
+              <a:rPr lang="en-US" altLang="zh-CN" sz="1600" dirty="0" err="1" smtClean="0"/>
+              <a:t>cglib</a:t>
+            </a:r>
+            <a:r>
+              <a:rPr lang="zh-CN" altLang="en-US" sz="1600" dirty="0" smtClean="0"/>
+              <a:t>动态代理</a:t>
+            </a:r>
+            <a:endParaRPr lang="en-US" altLang="zh-CN" sz="1600" dirty="0" smtClean="0"/>
+          </a:p>
+          <a:p>
+            <a:endParaRPr lang="en-US" altLang="zh-CN" sz="1600" dirty="0"/>
+          </a:p>
+          <a:p>
+            <a:r>
+              <a:rPr lang="zh-CN" altLang="en-US" sz="1600" dirty="0" smtClean="0"/>
+              <a:t>传播行为</a:t>
+            </a:r>
+            <a:endParaRPr lang="en-US" altLang="zh-CN" sz="1600" dirty="0" smtClean="0"/>
+          </a:p>
+          <a:p>
+            <a:pPr lvl="1"/>
+            <a:r>
+              <a:rPr lang="en-US" altLang="zh-CN" sz="1600" b="1" dirty="0" smtClean="0"/>
+              <a:t>PROPAGATION_REQUIRED</a:t>
+            </a:r>
+          </a:p>
+          <a:p>
+            <a:pPr lvl="1"/>
+            <a:r>
+              <a:rPr lang="en-US" altLang="zh-CN" sz="1600" b="1" dirty="0" smtClean="0"/>
+              <a:t>PROPAGATION_SUPPORTS</a:t>
+            </a:r>
+          </a:p>
+          <a:p>
+            <a:pPr lvl="1"/>
+            <a:r>
+              <a:rPr lang="en-US" altLang="zh-CN" sz="1600" b="1" dirty="0" smtClean="0"/>
+              <a:t>PROPAGATION_MANDATORY</a:t>
+            </a:r>
+          </a:p>
+          <a:p>
+            <a:pPr lvl="1"/>
+            <a:r>
+              <a:rPr lang="en-US" altLang="zh-CN" sz="1600" b="1" dirty="0" smtClean="0"/>
+              <a:t>PROPAGATION_REQUIRES_NEW</a:t>
+            </a:r>
+            <a:endParaRPr lang="zh-CN" altLang="en-US" sz="1600" dirty="0" smtClean="0"/>
+          </a:p>
+          <a:p>
+            <a:pPr lvl="1"/>
+            <a:r>
+              <a:rPr lang="en-US" altLang="zh-CN" sz="1600" b="1" dirty="0" smtClean="0"/>
+              <a:t>PROPAGATION_NOT_SUPPORTED</a:t>
+            </a:r>
+            <a:endParaRPr lang="zh-CN" altLang="en-US" sz="1600" dirty="0" smtClean="0"/>
+          </a:p>
+          <a:p>
+            <a:pPr lvl="1"/>
+            <a:r>
+              <a:rPr lang="en-US" altLang="zh-CN" sz="1600" b="1" dirty="0" smtClean="0"/>
+              <a:t>PROPAGATION_NEVER</a:t>
+            </a:r>
+          </a:p>
+          <a:p>
+            <a:pPr lvl="1"/>
+            <a:r>
+              <a:rPr lang="en-US" altLang="zh-CN" sz="1600" b="1" dirty="0" smtClean="0"/>
+              <a:t>PROPAGATION_NESTED</a:t>
+            </a:r>
+            <a:endParaRPr lang="zh-CN" altLang="en-US" sz="1600" dirty="0"/>
           </a:p>
         </p:txBody>
       </p:sp>
     </p:spTree>
     <p:extLst>
       <p:ext uri="{BB962C8B-B14F-4D97-AF65-F5344CB8AC3E}">
-        <p14:creationId xmlns:p14="http://schemas.microsoft.com/office/powerpoint/2010/main" val="2061049129"/>
+        <p14:creationId xmlns:p14="http://schemas.microsoft.com/office/powerpoint/2010/main" val="3281896595"/>
       </p:ext>
     </p:extLst>
   </p:cSld>
   <p:clrMapOvr>
     <a:masterClrMapping/>
   </p:clrMapOvr>
+  <p:timing>
+    <p:tnLst>
+      <p:par>
+        <p:cTn id="1" dur="indefinite" restart="never" nodeType="tmRoot"/>
+      </p:par>
+    </p:tnLst>
+  </p:timing>
 </p:sld>
 </file>
 
@@ -8193,6 +10353,321 @@
       </p:grpSpPr>
       <p:sp>
         <p:nvSpPr>
+          <p:cNvPr id="2" name="标题 1"/>
+          <p:cNvSpPr>
+            <a:spLocks noGrp="1"/>
+          </p:cNvSpPr>
+          <p:nvPr>
+            <p:ph type="title"/>
+          </p:nvPr>
+        </p:nvSpPr>
+        <p:spPr/>
+        <p:txBody>
+          <a:bodyPr/>
+          <a:lstStyle/>
+          <a:p>
+            <a:r>
+              <a:rPr lang="zh-CN" altLang="en-US" dirty="0" smtClean="0"/>
+              <a:t>事务的实现</a:t>
+            </a:r>
+            <a:endParaRPr lang="zh-CN" altLang="en-US" dirty="0"/>
+          </a:p>
+        </p:txBody>
+      </p:sp>
+      <p:sp>
+        <p:nvSpPr>
+          <p:cNvPr id="3" name="内容占位符 2"/>
+          <p:cNvSpPr>
+            <a:spLocks noGrp="1"/>
+          </p:cNvSpPr>
+          <p:nvPr>
+            <p:ph idx="1"/>
+          </p:nvPr>
+        </p:nvSpPr>
+        <p:spPr/>
+        <p:txBody>
+          <a:bodyPr>
+            <a:normAutofit lnSpcReduction="10000"/>
+          </a:bodyPr>
+          <a:lstStyle/>
+          <a:p>
+            <a:pPr marL="0" indent="0">
+              <a:buNone/>
+            </a:pPr>
+            <a:r>
+              <a:rPr lang="en-US" altLang="zh-CN" dirty="0" smtClean="0"/>
+              <a:t>Spring</a:t>
+            </a:r>
+            <a:r>
+              <a:rPr lang="zh-CN" altLang="en-US" dirty="0" smtClean="0"/>
+              <a:t>配置的事务都是由</a:t>
+            </a:r>
+            <a:r>
+              <a:rPr lang="en-US" altLang="zh-CN" dirty="0" err="1" smtClean="0"/>
+              <a:t>DataSource</a:t>
+            </a:r>
+            <a:r>
+              <a:rPr lang="zh-CN" altLang="en-US" dirty="0"/>
+              <a:t>、</a:t>
+            </a:r>
+            <a:r>
+              <a:rPr lang="en-US" altLang="zh-CN" dirty="0" err="1"/>
+              <a:t>TransactionManager</a:t>
+            </a:r>
+            <a:r>
+              <a:rPr lang="zh-CN" altLang="en-US" dirty="0"/>
+              <a:t>和代理</a:t>
+            </a:r>
+            <a:r>
+              <a:rPr lang="zh-CN" altLang="en-US" dirty="0" smtClean="0"/>
+              <a:t>机制三部分组成。</a:t>
+            </a:r>
+            <a:endParaRPr lang="en-US" altLang="zh-CN" dirty="0" smtClean="0"/>
+          </a:p>
+          <a:p>
+            <a:pPr marL="0" indent="0">
+              <a:buNone/>
+            </a:pPr>
+            <a:endParaRPr lang="en-US" altLang="zh-CN" dirty="0" smtClean="0"/>
+          </a:p>
+          <a:p>
+            <a:pPr marL="0" indent="0">
+              <a:buNone/>
+            </a:pPr>
+            <a:r>
+              <a:rPr lang="zh-CN" altLang="en-US" dirty="0" smtClean="0"/>
+              <a:t>几种常见的实现方式</a:t>
+            </a:r>
+            <a:endParaRPr lang="en-US" altLang="zh-CN" dirty="0"/>
+          </a:p>
+          <a:p>
+            <a:pPr marL="0" indent="0">
+              <a:buNone/>
+            </a:pPr>
+            <a:r>
+              <a:rPr lang="en-US" altLang="zh-CN" dirty="0" smtClean="0"/>
+              <a:t>1</a:t>
+            </a:r>
+            <a:r>
+              <a:rPr lang="zh-CN" altLang="en-US" dirty="0" smtClean="0"/>
+              <a:t>、对</a:t>
+            </a:r>
+            <a:r>
+              <a:rPr lang="zh-CN" altLang="en-US" dirty="0"/>
+              <a:t>每个对象设置一个</a:t>
+            </a:r>
+            <a:r>
+              <a:rPr lang="zh-CN" altLang="en-US" dirty="0" smtClean="0"/>
+              <a:t>代理</a:t>
+            </a:r>
+            <a:endParaRPr lang="en-US" altLang="zh-CN" dirty="0" smtClean="0"/>
+          </a:p>
+          <a:p>
+            <a:pPr marL="0" indent="0">
+              <a:buNone/>
+            </a:pPr>
+            <a:r>
+              <a:rPr lang="en-US" altLang="zh-CN" dirty="0" smtClean="0"/>
+              <a:t>2</a:t>
+            </a:r>
+            <a:r>
+              <a:rPr lang="zh-CN" altLang="en-US" dirty="0"/>
+              <a:t>、对所有的对象设置一个父类的代理</a:t>
+            </a:r>
+            <a:endParaRPr lang="en-US" altLang="zh-CN" dirty="0" smtClean="0"/>
+          </a:p>
+          <a:p>
+            <a:pPr marL="0" indent="0">
+              <a:buNone/>
+            </a:pPr>
+            <a:r>
+              <a:rPr lang="en-US" altLang="zh-CN" dirty="0" smtClean="0"/>
+              <a:t>3</a:t>
+            </a:r>
+            <a:r>
+              <a:rPr lang="zh-CN" altLang="en-US" dirty="0"/>
+              <a:t>、</a:t>
+            </a:r>
+            <a:r>
+              <a:rPr lang="zh-CN" altLang="en-US" dirty="0" smtClean="0"/>
+              <a:t>使用</a:t>
+            </a:r>
+            <a:r>
+              <a:rPr lang="en-US" altLang="zh-CN" dirty="0" err="1" smtClean="0"/>
+              <a:t>TransactionInterceptor</a:t>
+            </a:r>
+            <a:r>
+              <a:rPr lang="zh-CN" altLang="en-US" dirty="0" smtClean="0"/>
+              <a:t>配置拦截</a:t>
+            </a:r>
+            <a:r>
+              <a:rPr lang="zh-CN" altLang="en-US" dirty="0"/>
+              <a:t>器</a:t>
+            </a:r>
+            <a:endParaRPr lang="en-US" altLang="zh-CN" dirty="0" smtClean="0"/>
+          </a:p>
+          <a:p>
+            <a:pPr marL="0" indent="0">
+              <a:buNone/>
+            </a:pPr>
+            <a:r>
+              <a:rPr lang="en-US" altLang="zh-CN" dirty="0" smtClean="0"/>
+              <a:t>4</a:t>
+            </a:r>
+            <a:r>
+              <a:rPr lang="zh-CN" altLang="en-US" dirty="0"/>
+              <a:t>、使用</a:t>
+            </a:r>
+            <a:r>
+              <a:rPr lang="en-US" altLang="zh-CN" dirty="0"/>
+              <a:t>AOP</a:t>
+            </a:r>
+            <a:r>
+              <a:rPr lang="zh-CN" altLang="en-US" dirty="0"/>
+              <a:t>配置拦截器</a:t>
+            </a:r>
+            <a:endParaRPr lang="en-US" altLang="zh-CN" dirty="0" smtClean="0"/>
+          </a:p>
+          <a:p>
+            <a:pPr marL="0" indent="0">
+              <a:buNone/>
+            </a:pPr>
+            <a:r>
+              <a:rPr lang="en-US" altLang="zh-CN" dirty="0" smtClean="0"/>
+              <a:t>5</a:t>
+            </a:r>
+            <a:r>
+              <a:rPr lang="zh-CN" altLang="en-US" dirty="0"/>
+              <a:t>、使用注解</a:t>
+            </a:r>
+            <a:endParaRPr lang="en-US" altLang="zh-CN" dirty="0" smtClean="0"/>
+          </a:p>
+          <a:p>
+            <a:pPr marL="0" indent="0">
+              <a:buNone/>
+            </a:pPr>
+            <a:endParaRPr lang="zh-CN" altLang="en-US" dirty="0"/>
+          </a:p>
+        </p:txBody>
+      </p:sp>
+    </p:spTree>
+    <p:extLst>
+      <p:ext uri="{BB962C8B-B14F-4D97-AF65-F5344CB8AC3E}">
+        <p14:creationId xmlns:p14="http://schemas.microsoft.com/office/powerpoint/2010/main" val="980783054"/>
+      </p:ext>
+    </p:extLst>
+  </p:cSld>
+  <p:clrMapOvr>
+    <a:masterClrMapping/>
+  </p:clrMapOvr>
+  <p:timing>
+    <p:tnLst>
+      <p:par>
+        <p:cTn id="1" dur="indefinite" restart="never" nodeType="tmRoot"/>
+      </p:par>
+    </p:tnLst>
+  </p:timing>
+</p:sld>
+</file>
+
+<file path=ppt/slides/slide7.xml><?xml version="1.0" encoding="utf-8"?>
+<p:sld xmlns:a="http://schemas.openxmlformats.org/drawingml/2006/main" xmlns:r="http://schemas.openxmlformats.org/officeDocument/2006/relationships" xmlns:p="http://schemas.openxmlformats.org/presentationml/2006/main">
+  <p:cSld>
+    <p:spTree>
+      <p:nvGrpSpPr>
+        <p:cNvPr id="1" name=""/>
+        <p:cNvGrpSpPr/>
+        <p:nvPr/>
+      </p:nvGrpSpPr>
+      <p:grpSpPr>
+        <a:xfrm>
+          <a:off x="0" y="0"/>
+          <a:ext cx="0" cy="0"/>
+          <a:chOff x="0" y="0"/>
+          <a:chExt cx="0" cy="0"/>
+        </a:xfrm>
+      </p:grpSpPr>
+      <p:sp>
+        <p:nvSpPr>
+          <p:cNvPr id="2" name="Title 1"/>
+          <p:cNvSpPr>
+            <a:spLocks noGrp="1"/>
+          </p:cNvSpPr>
+          <p:nvPr>
+            <p:ph type="title"/>
+          </p:nvPr>
+        </p:nvSpPr>
+        <p:spPr/>
+        <p:txBody>
+          <a:bodyPr/>
+          <a:lstStyle/>
+          <a:p>
+            <a:r>
+              <a:rPr lang="zh-CN" altLang="en-US" dirty="0" smtClean="0"/>
+              <a:t>分布式事务</a:t>
+            </a:r>
+            <a:endParaRPr lang="zh-CN" altLang="en-US" dirty="0"/>
+          </a:p>
+        </p:txBody>
+      </p:sp>
+      <p:sp>
+        <p:nvSpPr>
+          <p:cNvPr id="3" name="Content Placeholder 2"/>
+          <p:cNvSpPr>
+            <a:spLocks noGrp="1"/>
+          </p:cNvSpPr>
+          <p:nvPr>
+            <p:ph idx="1"/>
+          </p:nvPr>
+        </p:nvSpPr>
+        <p:spPr/>
+        <p:txBody>
+          <a:bodyPr/>
+          <a:lstStyle/>
+          <a:p>
+            <a:endParaRPr lang="zh-CN" altLang="en-US" dirty="0"/>
+          </a:p>
+        </p:txBody>
+      </p:sp>
+    </p:spTree>
+    <p:extLst>
+      <p:ext uri="{BB962C8B-B14F-4D97-AF65-F5344CB8AC3E}">
+        <p14:creationId xmlns:p14="http://schemas.microsoft.com/office/powerpoint/2010/main" val="683483495"/>
+      </p:ext>
+    </p:extLst>
+  </p:cSld>
+  <p:clrMapOvr>
+    <a:masterClrMapping/>
+  </p:clrMapOvr>
+  <p:timing>
+    <p:tnLst>
+      <p:par>
+        <p:cTn id="1" dur="indefinite" restart="never" nodeType="tmRoot"/>
+      </p:par>
+    </p:tnLst>
+  </p:timing>
+</p:sld>
+</file>
+
+<file path=ppt/slides/slide8.xml><?xml version="1.0" encoding="utf-8"?>
+<p:sld xmlns:a="http://schemas.openxmlformats.org/drawingml/2006/main" xmlns:r="http://schemas.openxmlformats.org/officeDocument/2006/relationships" xmlns:p="http://schemas.openxmlformats.org/presentationml/2006/main">
+  <p:cSld>
+    <p:spTree>
+      <p:nvGrpSpPr>
+        <p:cNvPr id="1" name=""/>
+        <p:cNvGrpSpPr/>
+        <p:nvPr/>
+      </p:nvGrpSpPr>
+      <p:grpSpPr>
+        <a:xfrm>
+          <a:off x="0" y="0"/>
+          <a:ext cx="0" cy="0"/>
+          <a:chOff x="0" y="0"/>
+          <a:chExt cx="0" cy="0"/>
+        </a:xfrm>
+      </p:grpSpPr>
+      <p:sp>
+        <p:nvSpPr>
           <p:cNvPr id="2" name="Title 1"/>
           <p:cNvSpPr>
             <a:spLocks noGrp="1"/>
@@ -8296,10 +10771,17 @@
   <p:clrMapOvr>
     <a:masterClrMapping/>
   </p:clrMapOvr>
+  <p:timing>
+    <p:tnLst>
+      <p:par>
+        <p:cTn id="1" dur="indefinite" restart="never" nodeType="tmRoot"/>
+      </p:par>
+    </p:tnLst>
+  </p:timing>
 </p:sld>
 </file>
 
-<file path=ppt/slides/slide7.xml><?xml version="1.0" encoding="utf-8"?>
+<file path=ppt/slides/slide9.xml><?xml version="1.0" encoding="utf-8"?>
 <p:sld xmlns:a="http://schemas.openxmlformats.org/drawingml/2006/main" xmlns:r="http://schemas.openxmlformats.org/officeDocument/2006/relationships" xmlns:p="http://schemas.openxmlformats.org/presentationml/2006/main">
   <p:cSld>
     <p:spTree>
@@ -8553,749 +11035,13 @@
   <p:clrMapOvr>
     <a:masterClrMapping/>
   </p:clrMapOvr>
-</p:sld>
-</file>
-
-<file path=ppt/slides/slide8.xml><?xml version="1.0" encoding="utf-8"?>
-<p:sld xmlns:a="http://schemas.openxmlformats.org/drawingml/2006/main" xmlns:r="http://schemas.openxmlformats.org/officeDocument/2006/relationships" xmlns:p="http://schemas.openxmlformats.org/presentationml/2006/main">
-  <p:cSld>
-    <p:spTree>
-      <p:nvGrpSpPr>
-        <p:cNvPr id="1" name=""/>
-        <p:cNvGrpSpPr/>
-        <p:nvPr/>
-      </p:nvGrpSpPr>
-      <p:grpSpPr>
-        <a:xfrm>
-          <a:off x="0" y="0"/>
-          <a:ext cx="0" cy="0"/>
-          <a:chOff x="0" y="0"/>
-          <a:chExt cx="0" cy="0"/>
-        </a:xfrm>
-      </p:grpSpPr>
-      <p:sp>
-        <p:nvSpPr>
-          <p:cNvPr id="2" name="Title 1"/>
-          <p:cNvSpPr>
-            <a:spLocks noGrp="1"/>
-          </p:cNvSpPr>
-          <p:nvPr>
-            <p:ph type="title"/>
-          </p:nvPr>
-        </p:nvSpPr>
-        <p:spPr>
-          <a:xfrm>
-            <a:off x="838200" y="365125"/>
-            <a:ext cx="10515600" cy="697193"/>
-          </a:xfrm>
-        </p:spPr>
-        <p:txBody>
-          <a:bodyPr/>
-          <a:lstStyle/>
-          <a:p>
-            <a:r>
-              <a:rPr lang="en-US" altLang="zh-CN" dirty="0"/>
-              <a:t>3PC</a:t>
-            </a:r>
-            <a:endParaRPr lang="zh-CN" altLang="en-US" dirty="0"/>
-          </a:p>
-        </p:txBody>
-      </p:sp>
-      <p:sp>
-        <p:nvSpPr>
-          <p:cNvPr id="3" name="Content Placeholder 2"/>
-          <p:cNvSpPr>
-            <a:spLocks noGrp="1"/>
-          </p:cNvSpPr>
-          <p:nvPr>
-            <p:ph idx="1"/>
-          </p:nvPr>
-        </p:nvSpPr>
-        <p:spPr>
-          <a:xfrm>
-            <a:off x="838200" y="1331259"/>
-            <a:ext cx="10515600" cy="4845704"/>
-          </a:xfrm>
-        </p:spPr>
-        <p:txBody>
-          <a:bodyPr>
-            <a:noAutofit/>
-          </a:bodyPr>
-          <a:lstStyle/>
-          <a:p>
-            <a:r>
-              <a:rPr lang="en-US" altLang="zh-CN" sz="1600" dirty="0" err="1">
-                <a:latin typeface="Arial" panose="020B0604020202020204" pitchFamily="34" charset="0"/>
-                <a:ea typeface="宋体" panose="02010600030101010101" pitchFamily="2" charset="-122"/>
-                <a:cs typeface="Arial" panose="020B0604020202020204" pitchFamily="34" charset="0"/>
-              </a:rPr>
-              <a:t>CanCommit</a:t>
-            </a:r>
-            <a:r>
-              <a:rPr lang="zh-CN" altLang="en-US" sz="1600" dirty="0">
-                <a:latin typeface="Arial" panose="020B0604020202020204" pitchFamily="34" charset="0"/>
-                <a:ea typeface="宋体" panose="02010600030101010101" pitchFamily="2" charset="-122"/>
-                <a:cs typeface="Arial" panose="020B0604020202020204" pitchFamily="34" charset="0"/>
-              </a:rPr>
-              <a:t>阶段</a:t>
-            </a:r>
-            <a:endParaRPr lang="en-US" altLang="zh-CN" sz="1600" dirty="0">
-              <a:latin typeface="Arial" panose="020B0604020202020204" pitchFamily="34" charset="0"/>
-              <a:ea typeface="宋体" panose="02010600030101010101" pitchFamily="2" charset="-122"/>
-              <a:cs typeface="Arial" panose="020B0604020202020204" pitchFamily="34" charset="0"/>
-            </a:endParaRPr>
-          </a:p>
-          <a:p>
-            <a:r>
-              <a:rPr lang="en-US" altLang="zh-CN" sz="1600" dirty="0">
-                <a:latin typeface="Arial" panose="020B0604020202020204" pitchFamily="34" charset="0"/>
-                <a:ea typeface="宋体" panose="02010600030101010101" pitchFamily="2" charset="-122"/>
-                <a:cs typeface="Arial" panose="020B0604020202020204" pitchFamily="34" charset="0"/>
-              </a:rPr>
-              <a:t>1.</a:t>
-            </a:r>
-            <a:r>
-              <a:rPr lang="zh-CN" altLang="en-US" sz="1600" dirty="0">
-                <a:latin typeface="Arial" panose="020B0604020202020204" pitchFamily="34" charset="0"/>
-                <a:ea typeface="宋体" panose="02010600030101010101" pitchFamily="2" charset="-122"/>
-                <a:cs typeface="Arial" panose="020B0604020202020204" pitchFamily="34" charset="0"/>
-              </a:rPr>
-              <a:t>事务询问 </a:t>
-            </a:r>
-            <a:r>
-              <a:rPr lang="en-US" altLang="zh-CN" sz="1600" dirty="0">
-                <a:latin typeface="Arial" panose="020B0604020202020204" pitchFamily="34" charset="0"/>
-                <a:ea typeface="宋体" panose="02010600030101010101" pitchFamily="2" charset="-122"/>
-                <a:cs typeface="Arial" panose="020B0604020202020204" pitchFamily="34" charset="0"/>
-              </a:rPr>
-              <a:t>-&gt;2.</a:t>
-            </a:r>
-            <a:r>
-              <a:rPr lang="zh-CN" altLang="en-US" sz="1600" dirty="0">
-                <a:latin typeface="Arial" panose="020B0604020202020204" pitchFamily="34" charset="0"/>
-                <a:ea typeface="宋体" panose="02010600030101010101" pitchFamily="2" charset="-122"/>
-                <a:cs typeface="Arial" panose="020B0604020202020204" pitchFamily="34" charset="0"/>
-              </a:rPr>
-              <a:t>响应反馈 </a:t>
-            </a:r>
-            <a:endParaRPr lang="en-US" altLang="zh-CN" sz="1600" dirty="0">
-              <a:latin typeface="Arial" panose="020B0604020202020204" pitchFamily="34" charset="0"/>
-              <a:ea typeface="宋体" panose="02010600030101010101" pitchFamily="2" charset="-122"/>
-              <a:cs typeface="Arial" panose="020B0604020202020204" pitchFamily="34" charset="0"/>
-            </a:endParaRPr>
-          </a:p>
-          <a:p>
-            <a:endParaRPr lang="zh-CN" altLang="en-US" sz="1600" dirty="0">
-              <a:latin typeface="Arial" panose="020B0604020202020204" pitchFamily="34" charset="0"/>
-              <a:ea typeface="宋体" panose="02010600030101010101" pitchFamily="2" charset="-122"/>
-              <a:cs typeface="Arial" panose="020B0604020202020204" pitchFamily="34" charset="0"/>
-            </a:endParaRPr>
-          </a:p>
-          <a:p>
-            <a:r>
-              <a:rPr lang="en-US" altLang="zh-CN" sz="1600" dirty="0" err="1">
-                <a:latin typeface="Arial" panose="020B0604020202020204" pitchFamily="34" charset="0"/>
-                <a:ea typeface="宋体" panose="02010600030101010101" pitchFamily="2" charset="-122"/>
-                <a:cs typeface="Arial" panose="020B0604020202020204" pitchFamily="34" charset="0"/>
-              </a:rPr>
-              <a:t>PreCommit</a:t>
-            </a:r>
-            <a:r>
-              <a:rPr lang="zh-CN" altLang="en-US" sz="1600" dirty="0">
-                <a:latin typeface="Arial" panose="020B0604020202020204" pitchFamily="34" charset="0"/>
-                <a:ea typeface="宋体" panose="02010600030101010101" pitchFamily="2" charset="-122"/>
-                <a:cs typeface="Arial" panose="020B0604020202020204" pitchFamily="34" charset="0"/>
-              </a:rPr>
-              <a:t>阶段</a:t>
-            </a:r>
-            <a:endParaRPr lang="en-US" altLang="zh-CN" sz="1600" dirty="0">
-              <a:latin typeface="Arial" panose="020B0604020202020204" pitchFamily="34" charset="0"/>
-              <a:ea typeface="宋体" panose="02010600030101010101" pitchFamily="2" charset="-122"/>
-              <a:cs typeface="Arial" panose="020B0604020202020204" pitchFamily="34" charset="0"/>
-            </a:endParaRPr>
-          </a:p>
-          <a:p>
-            <a:r>
-              <a:rPr lang="en-US" altLang="zh-CN" sz="1600" dirty="0">
-                <a:latin typeface="Arial" panose="020B0604020202020204" pitchFamily="34" charset="0"/>
-                <a:ea typeface="宋体" panose="02010600030101010101" pitchFamily="2" charset="-122"/>
-                <a:cs typeface="Arial" panose="020B0604020202020204" pitchFamily="34" charset="0"/>
-              </a:rPr>
-              <a:t>Commit: 1.</a:t>
-            </a:r>
-            <a:r>
-              <a:rPr lang="zh-CN" altLang="en-US" sz="1600" dirty="0">
-                <a:latin typeface="Arial" panose="020B0604020202020204" pitchFamily="34" charset="0"/>
-                <a:ea typeface="宋体" panose="02010600030101010101" pitchFamily="2" charset="-122"/>
-                <a:cs typeface="Arial" panose="020B0604020202020204" pitchFamily="34" charset="0"/>
-              </a:rPr>
-              <a:t>发送预提交请求</a:t>
-            </a:r>
-            <a:r>
-              <a:rPr lang="en-US" altLang="zh-CN" sz="1600" dirty="0">
-                <a:latin typeface="Arial" panose="020B0604020202020204" pitchFamily="34" charset="0"/>
-                <a:ea typeface="宋体" panose="02010600030101010101" pitchFamily="2" charset="-122"/>
-                <a:cs typeface="Arial" panose="020B0604020202020204" pitchFamily="34" charset="0"/>
-              </a:rPr>
-              <a:t>-&gt;2.</a:t>
-            </a:r>
-            <a:r>
-              <a:rPr lang="zh-CN" altLang="en-US" sz="1600" dirty="0">
-                <a:latin typeface="Arial" panose="020B0604020202020204" pitchFamily="34" charset="0"/>
-                <a:ea typeface="宋体" panose="02010600030101010101" pitchFamily="2" charset="-122"/>
-                <a:cs typeface="Arial" panose="020B0604020202020204" pitchFamily="34" charset="0"/>
-              </a:rPr>
-              <a:t>事务预提交 </a:t>
-            </a:r>
-            <a:r>
-              <a:rPr lang="en-US" altLang="zh-CN" sz="1600" dirty="0">
-                <a:latin typeface="Arial" panose="020B0604020202020204" pitchFamily="34" charset="0"/>
-                <a:ea typeface="宋体" panose="02010600030101010101" pitchFamily="2" charset="-122"/>
-                <a:cs typeface="Arial" panose="020B0604020202020204" pitchFamily="34" charset="0"/>
-              </a:rPr>
-              <a:t>-&gt;3.</a:t>
-            </a:r>
-            <a:r>
-              <a:rPr lang="zh-CN" altLang="en-US" sz="1600" dirty="0">
-                <a:latin typeface="Arial" panose="020B0604020202020204" pitchFamily="34" charset="0"/>
-                <a:ea typeface="宋体" panose="02010600030101010101" pitchFamily="2" charset="-122"/>
-                <a:cs typeface="Arial" panose="020B0604020202020204" pitchFamily="34" charset="0"/>
-              </a:rPr>
-              <a:t>响应反馈</a:t>
-            </a:r>
-            <a:endParaRPr lang="en-US" altLang="zh-CN" sz="1600" dirty="0">
-              <a:latin typeface="Arial" panose="020B0604020202020204" pitchFamily="34" charset="0"/>
-              <a:ea typeface="宋体" panose="02010600030101010101" pitchFamily="2" charset="-122"/>
-              <a:cs typeface="Arial" panose="020B0604020202020204" pitchFamily="34" charset="0"/>
-            </a:endParaRPr>
-          </a:p>
-          <a:p>
-            <a:r>
-              <a:rPr lang="en-US" altLang="zh-CN" sz="1600" dirty="0">
-                <a:latin typeface="Arial" panose="020B0604020202020204" pitchFamily="34" charset="0"/>
-                <a:ea typeface="宋体" panose="02010600030101010101" pitchFamily="2" charset="-122"/>
-                <a:cs typeface="Arial" panose="020B0604020202020204" pitchFamily="34" charset="0"/>
-              </a:rPr>
-              <a:t>Rollback:1.</a:t>
-            </a:r>
-            <a:r>
-              <a:rPr lang="zh-CN" altLang="en-US" sz="1600" dirty="0">
-                <a:latin typeface="Arial" panose="020B0604020202020204" pitchFamily="34" charset="0"/>
-                <a:ea typeface="宋体" panose="02010600030101010101" pitchFamily="2" charset="-122"/>
-                <a:cs typeface="Arial" panose="020B0604020202020204" pitchFamily="34" charset="0"/>
-              </a:rPr>
-              <a:t>发送中断请求 </a:t>
-            </a:r>
-            <a:r>
-              <a:rPr lang="en-US" altLang="zh-CN" sz="1600" dirty="0">
-                <a:latin typeface="Arial" panose="020B0604020202020204" pitchFamily="34" charset="0"/>
-                <a:ea typeface="宋体" panose="02010600030101010101" pitchFamily="2" charset="-122"/>
-                <a:cs typeface="Arial" panose="020B0604020202020204" pitchFamily="34" charset="0"/>
-              </a:rPr>
-              <a:t>-&gt;2.</a:t>
-            </a:r>
-            <a:r>
-              <a:rPr lang="zh-CN" altLang="en-US" sz="1600" dirty="0">
-                <a:latin typeface="Arial" panose="020B0604020202020204" pitchFamily="34" charset="0"/>
-                <a:ea typeface="宋体" panose="02010600030101010101" pitchFamily="2" charset="-122"/>
-                <a:cs typeface="Arial" panose="020B0604020202020204" pitchFamily="34" charset="0"/>
-              </a:rPr>
-              <a:t>中断事务</a:t>
-            </a:r>
-            <a:endParaRPr lang="en-US" altLang="zh-CN" sz="1600" dirty="0">
-              <a:latin typeface="Arial" panose="020B0604020202020204" pitchFamily="34" charset="0"/>
-              <a:ea typeface="宋体" panose="02010600030101010101" pitchFamily="2" charset="-122"/>
-              <a:cs typeface="Arial" panose="020B0604020202020204" pitchFamily="34" charset="0"/>
-            </a:endParaRPr>
-          </a:p>
-          <a:p>
-            <a:endParaRPr lang="zh-CN" altLang="en-US" sz="1600" dirty="0">
-              <a:latin typeface="Arial" panose="020B0604020202020204" pitchFamily="34" charset="0"/>
-              <a:ea typeface="宋体" panose="02010600030101010101" pitchFamily="2" charset="-122"/>
-              <a:cs typeface="Arial" panose="020B0604020202020204" pitchFamily="34" charset="0"/>
-            </a:endParaRPr>
-          </a:p>
-          <a:p>
-            <a:r>
-              <a:rPr lang="en-US" altLang="zh-CN" sz="1600" dirty="0" err="1">
-                <a:latin typeface="Arial" panose="020B0604020202020204" pitchFamily="34" charset="0"/>
-                <a:ea typeface="宋体" panose="02010600030101010101" pitchFamily="2" charset="-122"/>
-                <a:cs typeface="Arial" panose="020B0604020202020204" pitchFamily="34" charset="0"/>
-              </a:rPr>
-              <a:t>doCommit</a:t>
-            </a:r>
-            <a:r>
-              <a:rPr lang="zh-CN" altLang="en-US" sz="1600" dirty="0">
-                <a:latin typeface="Arial" panose="020B0604020202020204" pitchFamily="34" charset="0"/>
-                <a:ea typeface="宋体" panose="02010600030101010101" pitchFamily="2" charset="-122"/>
-                <a:cs typeface="Arial" panose="020B0604020202020204" pitchFamily="34" charset="0"/>
-              </a:rPr>
-              <a:t>阶段</a:t>
-            </a:r>
-            <a:endParaRPr lang="en-US" altLang="zh-CN" sz="1600" dirty="0">
-              <a:latin typeface="Arial" panose="020B0604020202020204" pitchFamily="34" charset="0"/>
-              <a:ea typeface="宋体" panose="02010600030101010101" pitchFamily="2" charset="-122"/>
-              <a:cs typeface="Arial" panose="020B0604020202020204" pitchFamily="34" charset="0"/>
-            </a:endParaRPr>
-          </a:p>
-          <a:p>
-            <a:r>
-              <a:rPr lang="en-US" altLang="zh-CN" sz="1600" dirty="0">
-                <a:latin typeface="Arial" panose="020B0604020202020204" pitchFamily="34" charset="0"/>
-                <a:ea typeface="宋体" panose="02010600030101010101" pitchFamily="2" charset="-122"/>
-                <a:cs typeface="Arial" panose="020B0604020202020204" pitchFamily="34" charset="0"/>
-              </a:rPr>
-              <a:t>Commit: 1.</a:t>
-            </a:r>
-            <a:r>
-              <a:rPr lang="zh-CN" altLang="en-US" sz="1600" dirty="0">
-                <a:latin typeface="Arial" panose="020B0604020202020204" pitchFamily="34" charset="0"/>
-                <a:ea typeface="宋体" panose="02010600030101010101" pitchFamily="2" charset="-122"/>
-                <a:cs typeface="Arial" panose="020B0604020202020204" pitchFamily="34" charset="0"/>
-              </a:rPr>
-              <a:t>发送提交请求  </a:t>
-            </a:r>
-            <a:r>
-              <a:rPr lang="en-US" altLang="zh-CN" sz="1600" dirty="0">
-                <a:latin typeface="Arial" panose="020B0604020202020204" pitchFamily="34" charset="0"/>
-                <a:ea typeface="宋体" panose="02010600030101010101" pitchFamily="2" charset="-122"/>
-                <a:cs typeface="Arial" panose="020B0604020202020204" pitchFamily="34" charset="0"/>
-              </a:rPr>
-              <a:t>-&gt;2.</a:t>
-            </a:r>
-            <a:r>
-              <a:rPr lang="zh-CN" altLang="en-US" sz="1600" dirty="0">
-                <a:latin typeface="Arial" panose="020B0604020202020204" pitchFamily="34" charset="0"/>
-                <a:ea typeface="宋体" panose="02010600030101010101" pitchFamily="2" charset="-122"/>
-                <a:cs typeface="Arial" panose="020B0604020202020204" pitchFamily="34" charset="0"/>
-              </a:rPr>
-              <a:t>事务提交  </a:t>
-            </a:r>
-            <a:r>
-              <a:rPr lang="en-US" altLang="zh-CN" sz="1600" dirty="0">
-                <a:latin typeface="Arial" panose="020B0604020202020204" pitchFamily="34" charset="0"/>
-                <a:ea typeface="宋体" panose="02010600030101010101" pitchFamily="2" charset="-122"/>
-                <a:cs typeface="Arial" panose="020B0604020202020204" pitchFamily="34" charset="0"/>
-              </a:rPr>
-              <a:t>-&gt;3.</a:t>
-            </a:r>
-            <a:r>
-              <a:rPr lang="zh-CN" altLang="en-US" sz="1600" dirty="0">
-                <a:latin typeface="Arial" panose="020B0604020202020204" pitchFamily="34" charset="0"/>
-                <a:ea typeface="宋体" panose="02010600030101010101" pitchFamily="2" charset="-122"/>
-                <a:cs typeface="Arial" panose="020B0604020202020204" pitchFamily="34" charset="0"/>
-              </a:rPr>
-              <a:t>响应反馈</a:t>
-            </a:r>
-            <a:r>
-              <a:rPr lang="en-US" altLang="zh-CN" sz="1600" dirty="0">
-                <a:latin typeface="Arial" panose="020B0604020202020204" pitchFamily="34" charset="0"/>
-                <a:ea typeface="宋体" panose="02010600030101010101" pitchFamily="2" charset="-122"/>
-                <a:cs typeface="Arial" panose="020B0604020202020204" pitchFamily="34" charset="0"/>
-              </a:rPr>
-              <a:t>.-&gt;4.</a:t>
-            </a:r>
-            <a:r>
-              <a:rPr lang="zh-CN" altLang="en-US" sz="1600" dirty="0">
-                <a:latin typeface="Arial" panose="020B0604020202020204" pitchFamily="34" charset="0"/>
-                <a:ea typeface="宋体" panose="02010600030101010101" pitchFamily="2" charset="-122"/>
-                <a:cs typeface="Arial" panose="020B0604020202020204" pitchFamily="34" charset="0"/>
-              </a:rPr>
-              <a:t>完成事务</a:t>
-            </a:r>
-            <a:endParaRPr lang="en-US" altLang="zh-CN" sz="1600" dirty="0">
-              <a:latin typeface="Arial" panose="020B0604020202020204" pitchFamily="34" charset="0"/>
-              <a:ea typeface="宋体" panose="02010600030101010101" pitchFamily="2" charset="-122"/>
-              <a:cs typeface="Arial" panose="020B0604020202020204" pitchFamily="34" charset="0"/>
-            </a:endParaRPr>
-          </a:p>
-          <a:p>
-            <a:r>
-              <a:rPr lang="en-US" altLang="zh-CN" sz="1600" dirty="0">
-                <a:latin typeface="Arial" panose="020B0604020202020204" pitchFamily="34" charset="0"/>
-                <a:ea typeface="宋体" panose="02010600030101010101" pitchFamily="2" charset="-122"/>
-                <a:cs typeface="Arial" panose="020B0604020202020204" pitchFamily="34" charset="0"/>
-              </a:rPr>
-              <a:t>Rollback:1.</a:t>
-            </a:r>
-            <a:r>
-              <a:rPr lang="zh-CN" altLang="en-US" sz="1600" dirty="0">
-                <a:latin typeface="Arial" panose="020B0604020202020204" pitchFamily="34" charset="0"/>
-                <a:ea typeface="宋体" panose="02010600030101010101" pitchFamily="2" charset="-122"/>
-                <a:cs typeface="Arial" panose="020B0604020202020204" pitchFamily="34" charset="0"/>
-              </a:rPr>
-              <a:t>发送中断请求 </a:t>
-            </a:r>
-            <a:r>
-              <a:rPr lang="en-US" altLang="zh-CN" sz="1600" dirty="0">
-                <a:latin typeface="Arial" panose="020B0604020202020204" pitchFamily="34" charset="0"/>
-                <a:ea typeface="宋体" panose="02010600030101010101" pitchFamily="2" charset="-122"/>
-                <a:cs typeface="Arial" panose="020B0604020202020204" pitchFamily="34" charset="0"/>
-              </a:rPr>
-              <a:t>-&gt;2.</a:t>
-            </a:r>
-            <a:r>
-              <a:rPr lang="zh-CN" altLang="en-US" sz="1600" dirty="0">
-                <a:latin typeface="Arial" panose="020B0604020202020204" pitchFamily="34" charset="0"/>
-                <a:ea typeface="宋体" panose="02010600030101010101" pitchFamily="2" charset="-122"/>
-                <a:cs typeface="Arial" panose="020B0604020202020204" pitchFamily="34" charset="0"/>
-              </a:rPr>
-              <a:t>事务回滚</a:t>
-            </a:r>
-            <a:r>
-              <a:rPr lang="en-US" altLang="zh-CN" sz="1600" dirty="0">
-                <a:latin typeface="Arial" panose="020B0604020202020204" pitchFamily="34" charset="0"/>
-                <a:ea typeface="宋体" panose="02010600030101010101" pitchFamily="2" charset="-122"/>
-                <a:cs typeface="Arial" panose="020B0604020202020204" pitchFamily="34" charset="0"/>
-              </a:rPr>
-              <a:t>-&gt;3.</a:t>
-            </a:r>
-            <a:r>
-              <a:rPr lang="zh-CN" altLang="en-US" sz="1600" dirty="0">
-                <a:latin typeface="Arial" panose="020B0604020202020204" pitchFamily="34" charset="0"/>
-                <a:ea typeface="宋体" panose="02010600030101010101" pitchFamily="2" charset="-122"/>
-                <a:cs typeface="Arial" panose="020B0604020202020204" pitchFamily="34" charset="0"/>
-              </a:rPr>
-              <a:t>反馈结果 </a:t>
-            </a:r>
-            <a:r>
-              <a:rPr lang="en-US" altLang="zh-CN" sz="1600" dirty="0">
-                <a:latin typeface="Arial" panose="020B0604020202020204" pitchFamily="34" charset="0"/>
-                <a:ea typeface="宋体" panose="02010600030101010101" pitchFamily="2" charset="-122"/>
-                <a:cs typeface="Arial" panose="020B0604020202020204" pitchFamily="34" charset="0"/>
-              </a:rPr>
-              <a:t>-&gt;4.</a:t>
-            </a:r>
-            <a:r>
-              <a:rPr lang="zh-CN" altLang="en-US" sz="1600" dirty="0">
-                <a:latin typeface="Arial" panose="020B0604020202020204" pitchFamily="34" charset="0"/>
-                <a:ea typeface="宋体" panose="02010600030101010101" pitchFamily="2" charset="-122"/>
-                <a:cs typeface="Arial" panose="020B0604020202020204" pitchFamily="34" charset="0"/>
-              </a:rPr>
-              <a:t>中断事务</a:t>
-            </a:r>
-            <a:endParaRPr lang="en-US" altLang="zh-CN" sz="1600" dirty="0">
-              <a:latin typeface="Arial" panose="020B0604020202020204" pitchFamily="34" charset="0"/>
-              <a:ea typeface="宋体" panose="02010600030101010101" pitchFamily="2" charset="-122"/>
-              <a:cs typeface="Arial" panose="020B0604020202020204" pitchFamily="34" charset="0"/>
-            </a:endParaRPr>
-          </a:p>
-          <a:p>
-            <a:endParaRPr lang="en-US" altLang="zh-CN" sz="1600" dirty="0">
-              <a:latin typeface="Arial" panose="020B0604020202020204" pitchFamily="34" charset="0"/>
-              <a:ea typeface="宋体" panose="02010600030101010101" pitchFamily="2" charset="-122"/>
-              <a:cs typeface="Arial" panose="020B0604020202020204" pitchFamily="34" charset="0"/>
-            </a:endParaRPr>
-          </a:p>
-          <a:p>
-            <a:r>
-              <a:rPr lang="zh-CN" altLang="en-US" sz="1600" dirty="0">
-                <a:latin typeface="Arial" panose="020B0604020202020204" pitchFamily="34" charset="0"/>
-                <a:ea typeface="宋体" panose="02010600030101010101" pitchFamily="2" charset="-122"/>
-                <a:cs typeface="Arial" panose="020B0604020202020204" pitchFamily="34" charset="0"/>
-              </a:rPr>
-              <a:t>解决单点故障，并减少阻塞。因为一旦参与者无法及时收到来自协调者的信息之后，他会默认执行</a:t>
-            </a:r>
-            <a:r>
-              <a:rPr lang="en-US" altLang="zh-CN" sz="1600" dirty="0">
-                <a:latin typeface="Arial" panose="020B0604020202020204" pitchFamily="34" charset="0"/>
-                <a:ea typeface="宋体" panose="02010600030101010101" pitchFamily="2" charset="-122"/>
-                <a:cs typeface="Arial" panose="020B0604020202020204" pitchFamily="34" charset="0"/>
-              </a:rPr>
-              <a:t>commit</a:t>
-            </a:r>
-            <a:r>
-              <a:rPr lang="zh-CN" altLang="en-US" sz="1600" dirty="0">
-                <a:latin typeface="Arial" panose="020B0604020202020204" pitchFamily="34" charset="0"/>
-                <a:ea typeface="宋体" panose="02010600030101010101" pitchFamily="2" charset="-122"/>
-                <a:cs typeface="Arial" panose="020B0604020202020204" pitchFamily="34" charset="0"/>
-              </a:rPr>
-              <a:t>。而不会一直持有事务资源并处于阻塞状态。</a:t>
-            </a:r>
-            <a:endParaRPr lang="en-US" altLang="zh-CN" sz="1600" dirty="0">
-              <a:latin typeface="Arial" panose="020B0604020202020204" pitchFamily="34" charset="0"/>
-              <a:ea typeface="宋体" panose="02010600030101010101" pitchFamily="2" charset="-122"/>
-              <a:cs typeface="Arial" panose="020B0604020202020204" pitchFamily="34" charset="0"/>
-            </a:endParaRPr>
-          </a:p>
-        </p:txBody>
-      </p:sp>
-    </p:spTree>
-    <p:extLst>
-      <p:ext uri="{BB962C8B-B14F-4D97-AF65-F5344CB8AC3E}">
-        <p14:creationId xmlns:p14="http://schemas.microsoft.com/office/powerpoint/2010/main" val="3973329441"/>
-      </p:ext>
-    </p:extLst>
-  </p:cSld>
-  <p:clrMapOvr>
-    <a:masterClrMapping/>
-  </p:clrMapOvr>
-</p:sld>
-</file>
-
-<file path=ppt/slides/slide9.xml><?xml version="1.0" encoding="utf-8"?>
-<p:sld xmlns:a="http://schemas.openxmlformats.org/drawingml/2006/main" xmlns:r="http://schemas.openxmlformats.org/officeDocument/2006/relationships" xmlns:p="http://schemas.openxmlformats.org/presentationml/2006/main">
-  <p:cSld>
-    <p:spTree>
-      <p:nvGrpSpPr>
-        <p:cNvPr id="1" name=""/>
-        <p:cNvGrpSpPr/>
-        <p:nvPr/>
-      </p:nvGrpSpPr>
-      <p:grpSpPr>
-        <a:xfrm>
-          <a:off x="0" y="0"/>
-          <a:ext cx="0" cy="0"/>
-          <a:chOff x="0" y="0"/>
-          <a:chExt cx="0" cy="0"/>
-        </a:xfrm>
-      </p:grpSpPr>
-      <p:sp>
-        <p:nvSpPr>
-          <p:cNvPr id="2" name="Title 1"/>
-          <p:cNvSpPr>
-            <a:spLocks noGrp="1"/>
-          </p:cNvSpPr>
-          <p:nvPr>
-            <p:ph type="title"/>
-          </p:nvPr>
-        </p:nvSpPr>
-        <p:spPr/>
-        <p:txBody>
-          <a:bodyPr/>
-          <a:lstStyle/>
-          <a:p>
-            <a:r>
-              <a:rPr lang="en-US" altLang="zh-CN" dirty="0"/>
-              <a:t>JTA</a:t>
-            </a:r>
-            <a:endParaRPr lang="zh-CN" altLang="en-US" dirty="0"/>
-          </a:p>
-        </p:txBody>
-      </p:sp>
-      <p:sp>
-        <p:nvSpPr>
-          <p:cNvPr id="3" name="Content Placeholder 2"/>
-          <p:cNvSpPr>
-            <a:spLocks noGrp="1"/>
-          </p:cNvSpPr>
-          <p:nvPr>
-            <p:ph idx="1"/>
-          </p:nvPr>
-        </p:nvSpPr>
-        <p:spPr/>
-        <p:txBody>
-          <a:bodyPr/>
-          <a:lstStyle/>
-          <a:p>
-            <a:r>
-              <a:rPr lang="zh-CN" altLang="en-US" dirty="0"/>
-              <a:t>作为</a:t>
-            </a:r>
-            <a:r>
-              <a:rPr lang="en-US" altLang="zh-CN" b="1" dirty="0">
-                <a:hlinkClick r:id="rId2" tooltip="Java EE知识库"/>
-              </a:rPr>
-              <a:t>Java</a:t>
-            </a:r>
-            <a:r>
-              <a:rPr lang="zh-CN" altLang="en-US" dirty="0"/>
-              <a:t>平台上事务规范</a:t>
-            </a:r>
-            <a:r>
-              <a:rPr lang="en-US" altLang="zh-CN" dirty="0"/>
-              <a:t>JTA</a:t>
-            </a:r>
-            <a:r>
-              <a:rPr lang="zh-CN" altLang="en-US" dirty="0"/>
-              <a:t>（</a:t>
-            </a:r>
-            <a:r>
-              <a:rPr lang="en-US" altLang="zh-CN" b="1" dirty="0">
-                <a:hlinkClick r:id="rId3" tooltip="Java 知识库"/>
-              </a:rPr>
-              <a:t>Java </a:t>
-            </a:r>
-            <a:r>
-              <a:rPr lang="en-US" altLang="zh-CN" dirty="0"/>
-              <a:t>Transaction API</a:t>
-            </a:r>
-            <a:r>
-              <a:rPr lang="zh-CN" altLang="en-US" dirty="0"/>
-              <a:t>）也定义了对</a:t>
-            </a:r>
-            <a:r>
-              <a:rPr lang="en-US" altLang="zh-CN" dirty="0"/>
-              <a:t>XA</a:t>
-            </a:r>
-            <a:r>
-              <a:rPr lang="zh-CN" altLang="en-US" dirty="0"/>
-              <a:t>事务的支持，实际上，</a:t>
-            </a:r>
-            <a:r>
-              <a:rPr lang="en-US" altLang="zh-CN" dirty="0"/>
-              <a:t>JTA</a:t>
-            </a:r>
-            <a:r>
-              <a:rPr lang="zh-CN" altLang="en-US" dirty="0"/>
-              <a:t>是基于</a:t>
-            </a:r>
-            <a:r>
-              <a:rPr lang="en-US" altLang="zh-CN" dirty="0"/>
-              <a:t>XA</a:t>
-            </a:r>
-            <a:r>
-              <a:rPr lang="zh-CN" altLang="en-US" b="1" dirty="0">
-                <a:hlinkClick r:id="rId4" tooltip="大型网站架构知识库"/>
-              </a:rPr>
-              <a:t>架构</a:t>
-            </a:r>
-            <a:r>
-              <a:rPr lang="zh-CN" altLang="en-US" dirty="0"/>
-              <a:t>上建模的，在</a:t>
-            </a:r>
-            <a:r>
-              <a:rPr lang="en-US" altLang="zh-CN" dirty="0"/>
-              <a:t>JTA </a:t>
-            </a:r>
-            <a:r>
-              <a:rPr lang="zh-CN" altLang="en-US" dirty="0"/>
-              <a:t>中，事务管理器抽象为</a:t>
-            </a:r>
-            <a:r>
-              <a:rPr lang="en-US" altLang="zh-CN" dirty="0" err="1"/>
-              <a:t>javax.transaction.TransactionManager</a:t>
-            </a:r>
-            <a:r>
-              <a:rPr lang="zh-CN" altLang="en-US" dirty="0"/>
-              <a:t>接口，并通过底层事务服务（即</a:t>
-            </a:r>
-            <a:r>
-              <a:rPr lang="en-US" altLang="zh-CN" dirty="0"/>
-              <a:t>JTS</a:t>
-            </a:r>
-            <a:r>
-              <a:rPr lang="zh-CN" altLang="en-US" dirty="0"/>
-              <a:t>）实现</a:t>
-            </a:r>
-            <a:endParaRPr lang="en-US" altLang="zh-CN" dirty="0"/>
-          </a:p>
-          <a:p>
-            <a:endParaRPr lang="en-US" altLang="zh-CN" dirty="0"/>
-          </a:p>
-          <a:p>
-            <a:r>
-              <a:rPr lang="en-US" altLang="zh-CN" dirty="0"/>
-              <a:t>1.J2EE</a:t>
-            </a:r>
-            <a:r>
-              <a:rPr lang="zh-CN" altLang="en-US" dirty="0"/>
-              <a:t>容器所提供的</a:t>
-            </a:r>
-            <a:r>
-              <a:rPr lang="en-US" altLang="zh-CN" dirty="0"/>
-              <a:t>JTA</a:t>
-            </a:r>
-            <a:r>
-              <a:rPr lang="zh-CN" altLang="en-US" dirty="0"/>
-              <a:t>实现</a:t>
-            </a:r>
-            <a:r>
-              <a:rPr lang="en-US" altLang="zh-CN" dirty="0"/>
-              <a:t>(</a:t>
-            </a:r>
-            <a:r>
-              <a:rPr lang="en-US" altLang="zh-CN" dirty="0" err="1"/>
-              <a:t>JBoss</a:t>
-            </a:r>
-            <a:r>
-              <a:rPr lang="en-US" altLang="zh-CN" dirty="0"/>
-              <a:t>)</a:t>
-            </a:r>
-            <a:br>
-              <a:rPr lang="en-US" altLang="zh-CN" dirty="0"/>
-            </a:br>
-            <a:r>
-              <a:rPr lang="en-US" altLang="zh-CN" dirty="0"/>
-              <a:t>2.</a:t>
-            </a:r>
-            <a:r>
-              <a:rPr lang="zh-CN" altLang="en-US" dirty="0"/>
-              <a:t>独立的</a:t>
-            </a:r>
-            <a:r>
-              <a:rPr lang="en-US" altLang="zh-CN" dirty="0"/>
-              <a:t>JTA</a:t>
-            </a:r>
-            <a:r>
-              <a:rPr lang="zh-CN" altLang="en-US" dirty="0"/>
-              <a:t>实现</a:t>
-            </a:r>
-            <a:r>
-              <a:rPr lang="en-US" altLang="zh-CN" dirty="0"/>
-              <a:t>:</a:t>
-            </a:r>
-            <a:r>
-              <a:rPr lang="zh-CN" altLang="en-US" dirty="0"/>
-              <a:t>如</a:t>
-            </a:r>
-            <a:r>
-              <a:rPr lang="en-US" altLang="zh-CN" dirty="0"/>
-              <a:t>JOTM</a:t>
-            </a:r>
-            <a:r>
-              <a:rPr lang="zh-CN" altLang="en-US" dirty="0"/>
-              <a:t>，</a:t>
-            </a:r>
-            <a:r>
-              <a:rPr lang="en-US" altLang="zh-CN" dirty="0" err="1"/>
-              <a:t>Atomikos</a:t>
-            </a:r>
-            <a:r>
-              <a:rPr lang="en-US" altLang="zh-CN" dirty="0"/>
-              <a:t>.</a:t>
-            </a:r>
-            <a:r>
-              <a:rPr lang="zh-CN" altLang="en-US" dirty="0"/>
-              <a:t>这些实现可以应用在那些不使用</a:t>
-            </a:r>
-            <a:r>
-              <a:rPr lang="en-US" altLang="zh-CN" dirty="0"/>
-              <a:t>J2EE</a:t>
-            </a:r>
-            <a:r>
-              <a:rPr lang="zh-CN" altLang="en-US" dirty="0"/>
-              <a:t>应用服务器的环境里用以提供分布事事务保证。如</a:t>
-            </a:r>
-            <a:r>
-              <a:rPr lang="en-US" altLang="zh-CN" dirty="0" err="1"/>
-              <a:t>Tomcat,Jetty</a:t>
-            </a:r>
-            <a:r>
-              <a:rPr lang="zh-CN" altLang="en-US" dirty="0"/>
-              <a:t>以及普通的</a:t>
-            </a:r>
-            <a:r>
-              <a:rPr lang="en-US" altLang="zh-CN" dirty="0"/>
-              <a:t>java</a:t>
-            </a:r>
-            <a:r>
-              <a:rPr lang="zh-CN" altLang="en-US" dirty="0"/>
-              <a:t>应用。</a:t>
-            </a:r>
-          </a:p>
-        </p:txBody>
-      </p:sp>
-    </p:spTree>
-    <p:extLst>
-      <p:ext uri="{BB962C8B-B14F-4D97-AF65-F5344CB8AC3E}">
-        <p14:creationId xmlns:p14="http://schemas.microsoft.com/office/powerpoint/2010/main" val="260479488"/>
-      </p:ext>
-    </p:extLst>
-  </p:cSld>
-  <p:clrMapOvr>
-    <a:masterClrMapping/>
-  </p:clrMapOvr>
+  <p:timing>
+    <p:tnLst>
+      <p:par>
+        <p:cTn id="1" dur="indefinite" restart="never" nodeType="tmRoot"/>
+      </p:par>
+    </p:tnLst>
+  </p:timing>
 </p:sld>
 </file>
 

--- a/分布式事务.pptx
+++ b/分布式事务.pptx
@@ -15,11 +15,11 @@
     <p:sldId id="275" r:id="rId6"/>
     <p:sldId id="276" r:id="rId7"/>
     <p:sldId id="273" r:id="rId8"/>
-    <p:sldId id="257" r:id="rId9"/>
-    <p:sldId id="261" r:id="rId10"/>
-    <p:sldId id="262" r:id="rId11"/>
-    <p:sldId id="263" r:id="rId12"/>
-    <p:sldId id="260" r:id="rId13"/>
+    <p:sldId id="260" r:id="rId9"/>
+    <p:sldId id="257" r:id="rId10"/>
+    <p:sldId id="279" r:id="rId11"/>
+    <p:sldId id="262" r:id="rId12"/>
+    <p:sldId id="263" r:id="rId13"/>
     <p:sldId id="258" r:id="rId14"/>
     <p:sldId id="268" r:id="rId15"/>
     <p:sldId id="269" r:id="rId16"/>
@@ -2078,48 +2078,48 @@
           <a:lstStyle/>
           <a:p>
             <a:r>
-              <a:rPr lang="en-US" altLang="zh-CN" b="1" dirty="0" smtClean="0"/>
+              <a:rPr lang="en-US" altLang="zh-CN" b="1" dirty="0"/>
               <a:t>1</a:t>
             </a:r>
             <a:r>
-              <a:rPr lang="zh-CN" altLang="en-US" b="1" dirty="0" smtClean="0"/>
+              <a:rPr lang="zh-CN" altLang="en-US" b="1" dirty="0"/>
               <a:t>、</a:t>
             </a:r>
             <a:r>
-              <a:rPr lang="en-US" altLang="zh-CN" b="1" dirty="0" smtClean="0"/>
+              <a:rPr lang="en-US" altLang="zh-CN" b="1" dirty="0"/>
               <a:t>&lt;</a:t>
             </a:r>
             <a:r>
-              <a:rPr lang="en-US" altLang="zh-CN" b="1" dirty="0" err="1" smtClean="0"/>
+              <a:rPr lang="en-US" altLang="zh-CN" b="1" dirty="0" err="1"/>
               <a:t>tx:annotation-driven</a:t>
             </a:r>
             <a:r>
-              <a:rPr lang="en-US" altLang="zh-CN" b="1" dirty="0" smtClean="0"/>
+              <a:rPr lang="en-US" altLang="zh-CN" b="1" dirty="0"/>
               <a:t>/&gt;</a:t>
             </a:r>
           </a:p>
           <a:p>
             <a:r>
-              <a:rPr lang="en-US" altLang="zh-CN" dirty="0" smtClean="0"/>
+              <a:rPr lang="en-US" altLang="zh-CN" dirty="0"/>
               <a:t>transaction-manager</a:t>
             </a:r>
             <a:r>
-              <a:rPr lang="zh-CN" altLang="en-US" dirty="0" smtClean="0"/>
+              <a:rPr lang="zh-CN" altLang="en-US" dirty="0"/>
               <a:t>：指定事务管理器名字，默认为</a:t>
             </a:r>
             <a:r>
-              <a:rPr lang="en-US" altLang="zh-CN" dirty="0" err="1" smtClean="0"/>
+              <a:rPr lang="en-US" altLang="zh-CN" dirty="0" err="1"/>
               <a:t>transactionManager</a:t>
             </a:r>
             <a:r>
-              <a:rPr lang="zh-CN" altLang="en-US" dirty="0" smtClean="0"/>
+              <a:rPr lang="zh-CN" altLang="en-US" dirty="0"/>
               <a:t>，当使用其他名字时需要明确指定；</a:t>
             </a:r>
             <a:br>
-              <a:rPr lang="zh-CN" altLang="en-US" dirty="0" smtClean="0"/>
+              <a:rPr lang="zh-CN" altLang="en-US" dirty="0"/>
             </a:br>
             <a:r>
-              <a:rPr lang="en-US" altLang="zh-CN" sz="1200" kern="1200" dirty="0" smtClean="0">
+              <a:rPr lang="en-US" altLang="zh-CN" sz="1200" kern="1200" dirty="0">
                 <a:solidFill>
                   <a:schemeClr val="tx1"/>
                 </a:solidFill>
@@ -2131,7 +2131,7 @@
               <a:t>proxy-target-class</a:t>
             </a:r>
             <a:r>
-              <a:rPr lang="zh-CN" altLang="en-US" sz="1200" kern="1200" dirty="0" smtClean="0">
+              <a:rPr lang="zh-CN" altLang="en-US" sz="1200" kern="1200" dirty="0">
                 <a:solidFill>
                   <a:schemeClr val="tx1"/>
                 </a:solidFill>
@@ -2143,7 +2143,7 @@
               <a:t>：表示将使用的代码机制，默认</a:t>
             </a:r>
             <a:r>
-              <a:rPr lang="en-US" altLang="zh-CN" sz="1200" kern="1200" dirty="0" smtClean="0">
+              <a:rPr lang="en-US" altLang="zh-CN" sz="1200" kern="1200" dirty="0">
                 <a:solidFill>
                   <a:schemeClr val="tx1"/>
                 </a:solidFill>
@@ -2155,7 +2155,7 @@
               <a:t>false</a:t>
             </a:r>
             <a:r>
-              <a:rPr lang="zh-CN" altLang="en-US" sz="1200" kern="1200" dirty="0" smtClean="0">
+              <a:rPr lang="zh-CN" altLang="en-US" sz="1200" kern="1200" dirty="0">
                 <a:solidFill>
                   <a:schemeClr val="tx1"/>
                 </a:solidFill>
@@ -2167,7 +2167,7 @@
               <a:t>表示使用</a:t>
             </a:r>
             <a:r>
-              <a:rPr lang="en-US" altLang="zh-CN" sz="1200" kern="1200" dirty="0" smtClean="0">
+              <a:rPr lang="en-US" altLang="zh-CN" sz="1200" kern="1200" dirty="0">
                 <a:solidFill>
                   <a:schemeClr val="tx1"/>
                 </a:solidFill>
@@ -2179,7 +2179,7 @@
               <a:t>JDK</a:t>
             </a:r>
             <a:r>
-              <a:rPr lang="zh-CN" altLang="en-US" sz="1200" kern="1200" dirty="0" smtClean="0">
+              <a:rPr lang="zh-CN" altLang="en-US" sz="1200" kern="1200" dirty="0">
                 <a:solidFill>
                   <a:schemeClr val="tx1"/>
                 </a:solidFill>
@@ -2191,7 +2191,7 @@
               <a:t>代理，如果为</a:t>
             </a:r>
             <a:r>
-              <a:rPr lang="en-US" altLang="zh-CN" sz="1200" kern="1200" dirty="0" smtClean="0">
+              <a:rPr lang="en-US" altLang="zh-CN" sz="1200" kern="1200" dirty="0">
                 <a:solidFill>
                   <a:schemeClr val="tx1"/>
                 </a:solidFill>
@@ -2203,7 +2203,7 @@
               <a:t>true</a:t>
             </a:r>
             <a:r>
-              <a:rPr lang="zh-CN" altLang="en-US" sz="1200" kern="1200" dirty="0" smtClean="0">
+              <a:rPr lang="zh-CN" altLang="en-US" sz="1200" kern="1200" dirty="0">
                 <a:solidFill>
                   <a:schemeClr val="tx1"/>
                 </a:solidFill>
@@ -2215,7 +2215,7 @@
               <a:t>将使用</a:t>
             </a:r>
             <a:r>
-              <a:rPr lang="en-US" altLang="zh-CN" sz="1200" kern="1200" dirty="0" smtClean="0">
+              <a:rPr lang="en-US" altLang="zh-CN" sz="1200" kern="1200" dirty="0">
                 <a:solidFill>
                   <a:schemeClr val="tx1"/>
                 </a:solidFill>
@@ -2227,7 +2227,7 @@
               <a:t>CGLIB</a:t>
             </a:r>
             <a:r>
-              <a:rPr lang="zh-CN" altLang="en-US" sz="1200" kern="1200" dirty="0" smtClean="0">
+              <a:rPr lang="zh-CN" altLang="en-US" sz="1200" kern="1200" dirty="0">
                 <a:solidFill>
                   <a:schemeClr val="tx1"/>
                 </a:solidFill>
@@ -2238,116 +2238,112 @@
               </a:rPr>
               <a:t>代理</a:t>
             </a:r>
-            <a:r>
-              <a:rPr lang="zh-CN" altLang="en-US" dirty="0" smtClean="0"/>
-              <a:t/>
-            </a:r>
             <a:br>
-              <a:rPr lang="zh-CN" altLang="en-US" dirty="0" smtClean="0"/>
+              <a:rPr lang="zh-CN" altLang="en-US" dirty="0"/>
             </a:br>
             <a:r>
-              <a:rPr lang="en-US" altLang="zh-CN" dirty="0" smtClean="0"/>
+              <a:rPr lang="en-US" altLang="zh-CN" dirty="0"/>
               <a:t>order</a:t>
             </a:r>
             <a:r>
-              <a:rPr lang="zh-CN" altLang="en-US" dirty="0" smtClean="0"/>
+              <a:rPr lang="zh-CN" altLang="en-US" dirty="0"/>
               <a:t>：定义事务通知顺序，默认</a:t>
             </a:r>
             <a:r>
-              <a:rPr lang="en-US" altLang="zh-CN" dirty="0" err="1" smtClean="0"/>
+              <a:rPr lang="en-US" altLang="zh-CN" dirty="0" err="1"/>
               <a:t>Ordered.LOWEST_PRECEDENCE</a:t>
             </a:r>
             <a:r>
-              <a:rPr lang="zh-CN" altLang="en-US" dirty="0" smtClean="0"/>
+              <a:rPr lang="zh-CN" altLang="en-US" dirty="0"/>
               <a:t>，表示将顺序决定权交给</a:t>
             </a:r>
             <a:r>
-              <a:rPr lang="en-US" altLang="zh-CN" dirty="0" smtClean="0"/>
+              <a:rPr lang="en-US" altLang="zh-CN" dirty="0"/>
               <a:t>AOP</a:t>
             </a:r>
             <a:r>
-              <a:rPr lang="zh-CN" altLang="en-US" dirty="0" smtClean="0"/>
+              <a:rPr lang="zh-CN" altLang="en-US" dirty="0"/>
               <a:t>来处理。</a:t>
             </a:r>
           </a:p>
           <a:p>
             <a:r>
-              <a:rPr lang="en-US" altLang="zh-CN" b="1" dirty="0" smtClean="0"/>
+              <a:rPr lang="en-US" altLang="zh-CN" b="1" dirty="0"/>
               <a:t>2</a:t>
             </a:r>
             <a:r>
-              <a:rPr lang="zh-CN" altLang="en-US" b="1" dirty="0" smtClean="0"/>
+              <a:rPr lang="zh-CN" altLang="en-US" b="1" dirty="0"/>
               <a:t>、</a:t>
             </a:r>
             <a:r>
-              <a:rPr lang="en-US" altLang="zh-CN" b="1" dirty="0" smtClean="0"/>
+              <a:rPr lang="en-US" altLang="zh-CN" b="1" dirty="0"/>
               <a:t>@Transaction</a:t>
             </a:r>
           </a:p>
           <a:p>
             <a:r>
-              <a:rPr lang="en-US" altLang="zh-CN" dirty="0" smtClean="0"/>
+              <a:rPr lang="en-US" altLang="zh-CN" dirty="0"/>
               <a:t>Spring</a:t>
             </a:r>
             <a:r>
-              <a:rPr lang="zh-CN" altLang="en-US" dirty="0" smtClean="0"/>
+              <a:rPr lang="zh-CN" altLang="en-US" dirty="0"/>
               <a:t>使用</a:t>
             </a:r>
             <a:r>
-              <a:rPr lang="en-US" altLang="zh-CN" dirty="0" smtClean="0"/>
+              <a:rPr lang="en-US" altLang="zh-CN" dirty="0"/>
               <a:t>@Transaction</a:t>
             </a:r>
             <a:r>
-              <a:rPr lang="zh-CN" altLang="en-US" dirty="0" smtClean="0"/>
+              <a:rPr lang="zh-CN" altLang="en-US" dirty="0"/>
               <a:t>来指定事务属性，可以在接口、类或方法上指定，如果类和方法上都指定了</a:t>
             </a:r>
             <a:r>
-              <a:rPr lang="en-US" altLang="zh-CN" dirty="0" smtClean="0"/>
+              <a:rPr lang="en-US" altLang="zh-CN" dirty="0"/>
               <a:t>@Transaction</a:t>
             </a:r>
             <a:r>
-              <a:rPr lang="zh-CN" altLang="en-US" dirty="0" smtClean="0"/>
+              <a:rPr lang="zh-CN" altLang="en-US" dirty="0"/>
               <a:t>，则方法上的事务属性被优先使用，具体属性如下：</a:t>
             </a:r>
           </a:p>
           <a:p>
             <a:r>
-              <a:rPr lang="en-US" altLang="zh-CN" dirty="0" smtClean="0"/>
+              <a:rPr lang="en-US" altLang="zh-CN" dirty="0"/>
               <a:t>value</a:t>
             </a:r>
             <a:r>
-              <a:rPr lang="zh-CN" altLang="en-US" dirty="0" smtClean="0"/>
+              <a:rPr lang="zh-CN" altLang="en-US" dirty="0"/>
               <a:t>：指定事务管理器名字，默认使用</a:t>
             </a:r>
             <a:r>
-              <a:rPr lang="en-US" altLang="zh-CN" dirty="0" smtClean="0"/>
+              <a:rPr lang="en-US" altLang="zh-CN" dirty="0"/>
               <a:t>&lt;</a:t>
             </a:r>
             <a:r>
-              <a:rPr lang="en-US" altLang="zh-CN" dirty="0" err="1" smtClean="0"/>
+              <a:rPr lang="en-US" altLang="zh-CN" dirty="0" err="1"/>
               <a:t>tx:annotation-driven</a:t>
             </a:r>
             <a:r>
-              <a:rPr lang="en-US" altLang="zh-CN" dirty="0" smtClean="0"/>
+              <a:rPr lang="en-US" altLang="zh-CN" dirty="0"/>
               <a:t>/&gt;</a:t>
             </a:r>
             <a:r>
-              <a:rPr lang="zh-CN" altLang="en-US" dirty="0" smtClean="0"/>
+              <a:rPr lang="zh-CN" altLang="en-US" dirty="0"/>
               <a:t>指定的事务管理器，用于支持多事务管理器环境；</a:t>
             </a:r>
             <a:br>
-              <a:rPr lang="zh-CN" altLang="en-US" dirty="0" smtClean="0"/>
+              <a:rPr lang="zh-CN" altLang="en-US" dirty="0"/>
             </a:br>
             <a:r>
-              <a:rPr lang="en-US" altLang="zh-CN" dirty="0" smtClean="0"/>
+              <a:rPr lang="en-US" altLang="zh-CN" dirty="0"/>
               <a:t>propagation</a:t>
             </a:r>
             <a:r>
-              <a:rPr lang="zh-CN" altLang="en-US" dirty="0" smtClean="0"/>
+              <a:rPr lang="zh-CN" altLang="en-US" dirty="0"/>
               <a:t>：指定事务传播行为，</a:t>
             </a:r>
             <a:r>
-              <a:rPr lang="zh-CN" altLang="en-US" sz="1200" kern="1200" dirty="0" smtClean="0">
+              <a:rPr lang="zh-CN" altLang="en-US" sz="1200" kern="1200" dirty="0">
                 <a:solidFill>
                   <a:schemeClr val="tx1"/>
                 </a:solidFill>
@@ -2359,7 +2355,7 @@
               <a:t>默认为</a:t>
             </a:r>
             <a:r>
-              <a:rPr lang="en-US" altLang="zh-CN" sz="1200" kern="1200" dirty="0" smtClean="0">
+              <a:rPr lang="en-US" altLang="zh-CN" sz="1200" kern="1200" dirty="0">
                 <a:solidFill>
                   <a:schemeClr val="tx1"/>
                 </a:solidFill>
@@ -2371,7 +2367,7 @@
               <a:t>Required</a:t>
             </a:r>
             <a:r>
-              <a:rPr lang="zh-CN" altLang="en-US" sz="1200" kern="1200" dirty="0" smtClean="0">
+              <a:rPr lang="zh-CN" altLang="en-US" sz="1200" kern="1200" dirty="0">
                 <a:solidFill>
                   <a:schemeClr val="tx1"/>
                 </a:solidFill>
@@ -2383,262 +2379,262 @@
               <a:t>，</a:t>
             </a:r>
             <a:r>
-              <a:rPr lang="zh-CN" altLang="en-US" dirty="0" smtClean="0"/>
+              <a:rPr lang="zh-CN" altLang="en-US" dirty="0"/>
               <a:t>使用</a:t>
             </a:r>
             <a:r>
-              <a:rPr lang="en-US" altLang="zh-CN" dirty="0" err="1" smtClean="0"/>
+              <a:rPr lang="en-US" altLang="zh-CN" dirty="0" err="1"/>
               <a:t>Propagation.REQUIRED</a:t>
             </a:r>
             <a:r>
-              <a:rPr lang="zh-CN" altLang="en-US" dirty="0" smtClean="0"/>
+              <a:rPr lang="zh-CN" altLang="en-US" dirty="0"/>
               <a:t>指定；</a:t>
             </a:r>
             <a:br>
-              <a:rPr lang="zh-CN" altLang="en-US" dirty="0" smtClean="0"/>
+              <a:rPr lang="zh-CN" altLang="en-US" dirty="0"/>
             </a:br>
             <a:r>
-              <a:rPr lang="en-US" altLang="zh-CN" dirty="0" smtClean="0"/>
+              <a:rPr lang="en-US" altLang="zh-CN" dirty="0"/>
               <a:t>isolation</a:t>
             </a:r>
             <a:r>
-              <a:rPr lang="zh-CN" altLang="en-US" dirty="0" smtClean="0"/>
+              <a:rPr lang="zh-CN" altLang="en-US" dirty="0"/>
               <a:t>：指定事务隔离级别，默认为“</a:t>
             </a:r>
             <a:r>
-              <a:rPr lang="en-US" altLang="zh-CN" dirty="0" smtClean="0"/>
+              <a:rPr lang="en-US" altLang="zh-CN" dirty="0"/>
               <a:t>DEFAULT”</a:t>
             </a:r>
             <a:r>
-              <a:rPr lang="zh-CN" altLang="en-US" dirty="0" smtClean="0"/>
+              <a:rPr lang="zh-CN" altLang="en-US" dirty="0"/>
               <a:t>，使用</a:t>
             </a:r>
             <a:r>
-              <a:rPr lang="en-US" altLang="zh-CN" dirty="0" err="1" smtClean="0"/>
+              <a:rPr lang="en-US" altLang="zh-CN" dirty="0" err="1"/>
               <a:t>Isolation.DEFAULT</a:t>
             </a:r>
             <a:r>
-              <a:rPr lang="zh-CN" altLang="en-US" dirty="0" smtClean="0"/>
+              <a:rPr lang="zh-CN" altLang="en-US" dirty="0"/>
               <a:t>指定；</a:t>
             </a:r>
             <a:br>
-              <a:rPr lang="zh-CN" altLang="en-US" dirty="0" smtClean="0"/>
+              <a:rPr lang="zh-CN" altLang="en-US" dirty="0"/>
             </a:br>
             <a:r>
-              <a:rPr lang="en-US" altLang="zh-CN" dirty="0" err="1" smtClean="0"/>
+              <a:rPr lang="en-US" altLang="zh-CN" dirty="0" err="1"/>
               <a:t>readOnly</a:t>
             </a:r>
             <a:r>
-              <a:rPr lang="zh-CN" altLang="en-US" dirty="0" smtClean="0"/>
+              <a:rPr lang="zh-CN" altLang="en-US" dirty="0"/>
               <a:t>：指定事务是否只读，默认</a:t>
             </a:r>
             <a:r>
-              <a:rPr lang="en-US" altLang="zh-CN" dirty="0" smtClean="0"/>
+              <a:rPr lang="en-US" altLang="zh-CN" dirty="0"/>
               <a:t>false</a:t>
             </a:r>
             <a:r>
-              <a:rPr lang="zh-CN" altLang="en-US" dirty="0" smtClean="0"/>
+              <a:rPr lang="zh-CN" altLang="en-US" dirty="0"/>
               <a:t>表示事务非只读；</a:t>
             </a:r>
             <a:br>
-              <a:rPr lang="zh-CN" altLang="en-US" dirty="0" smtClean="0"/>
+              <a:rPr lang="zh-CN" altLang="en-US" dirty="0"/>
             </a:br>
             <a:r>
-              <a:rPr lang="en-US" altLang="zh-CN" dirty="0" smtClean="0"/>
+              <a:rPr lang="en-US" altLang="zh-CN" dirty="0"/>
               <a:t>timeout</a:t>
             </a:r>
             <a:r>
-              <a:rPr lang="zh-CN" altLang="en-US" dirty="0" smtClean="0"/>
+              <a:rPr lang="zh-CN" altLang="en-US" dirty="0"/>
               <a:t>：指定事务超时时间，以秒为单位，默认</a:t>
             </a:r>
             <a:r>
-              <a:rPr lang="en-US" altLang="zh-CN" dirty="0" smtClean="0"/>
+              <a:rPr lang="en-US" altLang="zh-CN" dirty="0"/>
               <a:t>-1</a:t>
             </a:r>
             <a:r>
-              <a:rPr lang="zh-CN" altLang="en-US" dirty="0" smtClean="0"/>
+              <a:rPr lang="zh-CN" altLang="en-US" dirty="0"/>
               <a:t>表示事务超时将依赖于底层事务系统；</a:t>
             </a:r>
             <a:br>
-              <a:rPr lang="zh-CN" altLang="en-US" dirty="0" smtClean="0"/>
+              <a:rPr lang="zh-CN" altLang="en-US" dirty="0"/>
             </a:br>
             <a:r>
-              <a:rPr lang="en-US" altLang="zh-CN" dirty="0" err="1" smtClean="0"/>
+              <a:rPr lang="en-US" altLang="zh-CN" dirty="0" err="1"/>
               <a:t>rollbackFor</a:t>
             </a:r>
             <a:r>
-              <a:rPr lang="zh-CN" altLang="en-US" dirty="0" smtClean="0"/>
+              <a:rPr lang="zh-CN" altLang="en-US" dirty="0"/>
               <a:t>：指定一组异常类，遇到该类异常将回滚事务；</a:t>
             </a:r>
             <a:br>
-              <a:rPr lang="zh-CN" altLang="en-US" dirty="0" smtClean="0"/>
+              <a:rPr lang="zh-CN" altLang="en-US" dirty="0"/>
             </a:br>
             <a:r>
-              <a:rPr lang="en-US" altLang="zh-CN" dirty="0" err="1" smtClean="0"/>
+              <a:rPr lang="en-US" altLang="zh-CN" dirty="0" err="1"/>
               <a:t>rollbackForClassname</a:t>
             </a:r>
             <a:r>
-              <a:rPr lang="zh-CN" altLang="en-US" dirty="0" smtClean="0"/>
+              <a:rPr lang="zh-CN" altLang="en-US" dirty="0"/>
               <a:t>：指定一组异常类名字，其含义与</a:t>
             </a:r>
             <a:r>
-              <a:rPr lang="en-US" altLang="zh-CN" dirty="0" smtClean="0"/>
+              <a:rPr lang="en-US" altLang="zh-CN" dirty="0"/>
               <a:t>&lt;</a:t>
             </a:r>
             <a:r>
-              <a:rPr lang="en-US" altLang="zh-CN" dirty="0" err="1" smtClean="0"/>
+              <a:rPr lang="en-US" altLang="zh-CN" dirty="0" err="1"/>
               <a:t>tx:method</a:t>
             </a:r>
             <a:r>
-              <a:rPr lang="en-US" altLang="zh-CN" dirty="0" smtClean="0"/>
+              <a:rPr lang="en-US" altLang="zh-CN" dirty="0"/>
               <a:t>&gt;</a:t>
             </a:r>
             <a:r>
-              <a:rPr lang="zh-CN" altLang="en-US" dirty="0" smtClean="0"/>
+              <a:rPr lang="zh-CN" altLang="en-US" dirty="0"/>
               <a:t>中的</a:t>
             </a:r>
             <a:r>
-              <a:rPr lang="en-US" altLang="zh-CN" dirty="0" smtClean="0"/>
+              <a:rPr lang="en-US" altLang="zh-CN" dirty="0"/>
               <a:t>rollback-for</a:t>
             </a:r>
             <a:r>
-              <a:rPr lang="zh-CN" altLang="en-US" dirty="0" smtClean="0"/>
+              <a:rPr lang="zh-CN" altLang="en-US" dirty="0"/>
               <a:t>属性语义完全一样；</a:t>
             </a:r>
             <a:br>
-              <a:rPr lang="zh-CN" altLang="en-US" dirty="0" smtClean="0"/>
+              <a:rPr lang="zh-CN" altLang="en-US" dirty="0"/>
             </a:br>
             <a:r>
-              <a:rPr lang="en-US" altLang="zh-CN" dirty="0" err="1" smtClean="0"/>
+              <a:rPr lang="en-US" altLang="zh-CN" dirty="0" err="1"/>
               <a:t>noRollbackFor</a:t>
             </a:r>
             <a:r>
-              <a:rPr lang="zh-CN" altLang="en-US" dirty="0" smtClean="0"/>
+              <a:rPr lang="zh-CN" altLang="en-US" dirty="0"/>
               <a:t>：指定一组异常类，即使遇到该类异常也将提交事务，即不回滚事务；</a:t>
             </a:r>
             <a:br>
-              <a:rPr lang="zh-CN" altLang="en-US" dirty="0" smtClean="0"/>
+              <a:rPr lang="zh-CN" altLang="en-US" dirty="0"/>
             </a:br>
             <a:r>
-              <a:rPr lang="en-US" altLang="zh-CN" dirty="0" err="1" smtClean="0"/>
+              <a:rPr lang="en-US" altLang="zh-CN" dirty="0" err="1"/>
               <a:t>noRollbackForClassname</a:t>
             </a:r>
             <a:r>
-              <a:rPr lang="zh-CN" altLang="en-US" dirty="0" smtClean="0"/>
+              <a:rPr lang="zh-CN" altLang="en-US" dirty="0"/>
               <a:t>：指定一组异常类名字，其含义与</a:t>
             </a:r>
             <a:r>
-              <a:rPr lang="en-US" altLang="zh-CN" dirty="0" smtClean="0"/>
+              <a:rPr lang="en-US" altLang="zh-CN" dirty="0"/>
               <a:t>&lt;</a:t>
             </a:r>
             <a:r>
-              <a:rPr lang="en-US" altLang="zh-CN" dirty="0" err="1" smtClean="0"/>
+              <a:rPr lang="en-US" altLang="zh-CN" dirty="0" err="1"/>
               <a:t>tx:method</a:t>
             </a:r>
             <a:r>
-              <a:rPr lang="en-US" altLang="zh-CN" dirty="0" smtClean="0"/>
+              <a:rPr lang="en-US" altLang="zh-CN" dirty="0"/>
               <a:t>&gt;</a:t>
             </a:r>
             <a:r>
-              <a:rPr lang="zh-CN" altLang="en-US" dirty="0" smtClean="0"/>
+              <a:rPr lang="zh-CN" altLang="en-US" dirty="0"/>
               <a:t>中的</a:t>
             </a:r>
             <a:r>
-              <a:rPr lang="en-US" altLang="zh-CN" dirty="0" smtClean="0"/>
+              <a:rPr lang="en-US" altLang="zh-CN" dirty="0"/>
               <a:t>no-rollback-for</a:t>
             </a:r>
             <a:r>
-              <a:rPr lang="zh-CN" altLang="en-US" dirty="0" smtClean="0"/>
+              <a:rPr lang="zh-CN" altLang="en-US" dirty="0"/>
               <a:t>属性语义完全一样；</a:t>
             </a:r>
             <a:br>
-              <a:rPr lang="zh-CN" altLang="en-US" dirty="0" smtClean="0"/>
+              <a:rPr lang="zh-CN" altLang="en-US" dirty="0"/>
             </a:br>
             <a:r>
-              <a:rPr lang="zh-CN" altLang="en-US" dirty="0" smtClean="0"/>
+              <a:rPr lang="zh-CN" altLang="en-US" dirty="0"/>
               <a:t> </a:t>
             </a:r>
             <a:br>
-              <a:rPr lang="zh-CN" altLang="en-US" dirty="0" smtClean="0"/>
+              <a:rPr lang="zh-CN" altLang="en-US" dirty="0"/>
             </a:br>
             <a:r>
-              <a:rPr lang="en-US" altLang="zh-CN" dirty="0" smtClean="0"/>
+              <a:rPr lang="en-US" altLang="zh-CN" dirty="0"/>
               <a:t>Spring</a:t>
             </a:r>
             <a:r>
-              <a:rPr lang="zh-CN" altLang="en-US" dirty="0" smtClean="0"/>
+              <a:rPr lang="zh-CN" altLang="en-US" dirty="0"/>
               <a:t>提供的</a:t>
             </a:r>
             <a:r>
-              <a:rPr lang="en-US" altLang="zh-CN" dirty="0" smtClean="0"/>
+              <a:rPr lang="en-US" altLang="zh-CN" dirty="0"/>
               <a:t>@Transaction</a:t>
             </a:r>
             <a:r>
-              <a:rPr lang="zh-CN" altLang="en-US" dirty="0" smtClean="0"/>
+              <a:rPr lang="zh-CN" altLang="en-US" dirty="0"/>
               <a:t>注解事务管理内部同样利用环绕通知</a:t>
             </a:r>
             <a:r>
-              <a:rPr lang="en-US" altLang="zh-CN" dirty="0" err="1" smtClean="0"/>
+              <a:rPr lang="en-US" altLang="zh-CN" dirty="0" err="1"/>
               <a:t>TransactionInterceptor</a:t>
             </a:r>
             <a:r>
-              <a:rPr lang="zh-CN" altLang="en-US" dirty="0" smtClean="0"/>
+              <a:rPr lang="zh-CN" altLang="en-US" dirty="0"/>
               <a:t>实现事务的开启及关闭。</a:t>
             </a:r>
             <a:br>
-              <a:rPr lang="zh-CN" altLang="en-US" dirty="0" smtClean="0"/>
+              <a:rPr lang="zh-CN" altLang="en-US" dirty="0"/>
             </a:br>
-            <a:endParaRPr lang="zh-CN" altLang="en-US" dirty="0" smtClean="0"/>
-          </a:p>
-          <a:p>
-            <a:r>
-              <a:rPr lang="zh-CN" altLang="en-US" dirty="0" smtClean="0"/>
+            <a:endParaRPr lang="zh-CN" altLang="en-US" dirty="0"/>
+          </a:p>
+          <a:p>
+            <a:r>
+              <a:rPr lang="zh-CN" altLang="en-US" dirty="0"/>
               <a:t>使用</a:t>
             </a:r>
             <a:r>
-              <a:rPr lang="en-US" altLang="zh-CN" dirty="0" smtClean="0"/>
+              <a:rPr lang="en-US" altLang="zh-CN" dirty="0"/>
               <a:t>@Transactional</a:t>
             </a:r>
             <a:r>
-              <a:rPr lang="zh-CN" altLang="en-US" dirty="0" smtClean="0"/>
+              <a:rPr lang="zh-CN" altLang="en-US" dirty="0"/>
               <a:t>注解事务管理需要特别注意以下几点：</a:t>
             </a:r>
             <a:br>
-              <a:rPr lang="zh-CN" altLang="en-US" dirty="0" smtClean="0"/>
+              <a:rPr lang="zh-CN" altLang="en-US" dirty="0"/>
             </a:br>
             <a:r>
-              <a:rPr lang="zh-CN" altLang="en-US" dirty="0" smtClean="0"/>
+              <a:rPr lang="zh-CN" altLang="en-US" dirty="0"/>
               <a:t>如果在接口、实现类或方法上都指定了</a:t>
             </a:r>
             <a:r>
-              <a:rPr lang="en-US" altLang="zh-CN" dirty="0" smtClean="0"/>
+              <a:rPr lang="en-US" altLang="zh-CN" dirty="0"/>
               <a:t>@Transactional </a:t>
             </a:r>
             <a:r>
-              <a:rPr lang="zh-CN" altLang="en-US" dirty="0" smtClean="0"/>
+              <a:rPr lang="zh-CN" altLang="en-US" dirty="0"/>
               <a:t>注解，则优先级顺序为方法</a:t>
             </a:r>
             <a:r>
-              <a:rPr lang="en-US" altLang="zh-CN" dirty="0" smtClean="0"/>
+              <a:rPr lang="en-US" altLang="zh-CN" dirty="0"/>
               <a:t>&gt;</a:t>
             </a:r>
             <a:r>
-              <a:rPr lang="zh-CN" altLang="en-US" dirty="0" smtClean="0"/>
+              <a:rPr lang="zh-CN" altLang="en-US" dirty="0"/>
               <a:t>实现类</a:t>
             </a:r>
             <a:r>
-              <a:rPr lang="en-US" altLang="zh-CN" dirty="0" smtClean="0"/>
+              <a:rPr lang="en-US" altLang="zh-CN" dirty="0"/>
               <a:t>&gt;</a:t>
             </a:r>
             <a:r>
-              <a:rPr lang="zh-CN" altLang="en-US" dirty="0" smtClean="0"/>
+              <a:rPr lang="zh-CN" altLang="en-US" dirty="0"/>
               <a:t>接口；</a:t>
             </a:r>
             <a:br>
-              <a:rPr lang="zh-CN" altLang="en-US" dirty="0" smtClean="0"/>
+              <a:rPr lang="zh-CN" altLang="en-US" dirty="0"/>
             </a:br>
             <a:r>
-              <a:rPr lang="zh-CN" altLang="en-US" sz="1200" kern="1200" dirty="0" smtClean="0">
+              <a:rPr lang="zh-CN" altLang="en-US" sz="1200" kern="1200" dirty="0">
                 <a:solidFill>
                   <a:schemeClr val="tx1"/>
                 </a:solidFill>
@@ -2650,7 +2646,7 @@
               <a:t>建议只在实现类或实现类的方法上使用</a:t>
             </a:r>
             <a:r>
-              <a:rPr lang="en-US" altLang="zh-CN" sz="1200" kern="1200" dirty="0" smtClean="0">
+              <a:rPr lang="en-US" altLang="zh-CN" sz="1200" kern="1200" dirty="0">
                 <a:solidFill>
                   <a:schemeClr val="tx1"/>
                 </a:solidFill>
@@ -2662,7 +2658,7 @@
               <a:t>@Transactional</a:t>
             </a:r>
             <a:r>
-              <a:rPr lang="zh-CN" altLang="en-US" sz="1200" kern="1200" dirty="0" smtClean="0">
+              <a:rPr lang="zh-CN" altLang="en-US" sz="1200" kern="1200" dirty="0">
                 <a:solidFill>
                   <a:schemeClr val="tx1"/>
                 </a:solidFill>
@@ -2674,101 +2670,101 @@
               <a:t>，而不要在接口上使用，</a:t>
             </a:r>
             <a:r>
-              <a:rPr lang="zh-CN" altLang="en-US" dirty="0" smtClean="0"/>
+              <a:rPr lang="zh-CN" altLang="en-US" dirty="0"/>
               <a:t>这是因为如果使用</a:t>
             </a:r>
             <a:r>
-              <a:rPr lang="en-US" altLang="zh-CN" dirty="0" smtClean="0"/>
+              <a:rPr lang="en-US" altLang="zh-CN" dirty="0"/>
               <a:t>JDK</a:t>
             </a:r>
             <a:r>
-              <a:rPr lang="zh-CN" altLang="en-US" dirty="0" smtClean="0"/>
+              <a:rPr lang="zh-CN" altLang="en-US" dirty="0"/>
               <a:t>代理机制是没问题，因为其使用基于接口的代理；而使用使用</a:t>
             </a:r>
             <a:r>
-              <a:rPr lang="en-US" altLang="zh-CN" dirty="0" smtClean="0"/>
+              <a:rPr lang="en-US" altLang="zh-CN" dirty="0"/>
               <a:t>CGLIB</a:t>
             </a:r>
             <a:r>
-              <a:rPr lang="zh-CN" altLang="en-US" dirty="0" smtClean="0"/>
+              <a:rPr lang="zh-CN" altLang="en-US" dirty="0"/>
               <a:t>代理机制时就会遇到问题，因为其使用基于类的代理而不是接口，这是因为接口上的</a:t>
             </a:r>
             <a:r>
-              <a:rPr lang="en-US" altLang="zh-CN" dirty="0" smtClean="0"/>
+              <a:rPr lang="en-US" altLang="zh-CN" dirty="0"/>
               <a:t>@Transactional</a:t>
             </a:r>
             <a:r>
-              <a:rPr lang="zh-CN" altLang="en-US" dirty="0" smtClean="0"/>
+              <a:rPr lang="zh-CN" altLang="en-US" dirty="0"/>
               <a:t>注解是“不能继承的”；</a:t>
             </a:r>
             <a:br>
-              <a:rPr lang="zh-CN" altLang="en-US" dirty="0" smtClean="0"/>
+              <a:rPr lang="zh-CN" altLang="en-US" dirty="0"/>
             </a:br>
             <a:r>
-              <a:rPr lang="zh-CN" altLang="en-US" dirty="0" smtClean="0"/>
+              <a:rPr lang="zh-CN" altLang="en-US" dirty="0"/>
               <a:t>在</a:t>
             </a:r>
             <a:r>
-              <a:rPr lang="en-US" altLang="zh-CN" dirty="0" smtClean="0"/>
+              <a:rPr lang="en-US" altLang="zh-CN" dirty="0"/>
               <a:t>Spring</a:t>
             </a:r>
             <a:r>
-              <a:rPr lang="zh-CN" altLang="en-US" dirty="0" smtClean="0"/>
+              <a:rPr lang="zh-CN" altLang="en-US" dirty="0"/>
               <a:t>代理机制下</a:t>
             </a:r>
             <a:r>
-              <a:rPr lang="en-US" altLang="zh-CN" dirty="0" smtClean="0"/>
+              <a:rPr lang="en-US" altLang="zh-CN" dirty="0"/>
               <a:t>(</a:t>
             </a:r>
             <a:r>
-              <a:rPr lang="zh-CN" altLang="en-US" dirty="0" smtClean="0"/>
+              <a:rPr lang="zh-CN" altLang="en-US" dirty="0"/>
               <a:t>不管是</a:t>
             </a:r>
             <a:r>
-              <a:rPr lang="en-US" altLang="zh-CN" dirty="0" smtClean="0"/>
+              <a:rPr lang="en-US" altLang="zh-CN" dirty="0"/>
               <a:t>JDK</a:t>
             </a:r>
             <a:r>
-              <a:rPr lang="zh-CN" altLang="en-US" dirty="0" smtClean="0"/>
+              <a:rPr lang="zh-CN" altLang="en-US" dirty="0"/>
               <a:t>动态代理还是</a:t>
             </a:r>
             <a:r>
-              <a:rPr lang="en-US" altLang="zh-CN" dirty="0" smtClean="0"/>
+              <a:rPr lang="en-US" altLang="zh-CN" dirty="0"/>
               <a:t>CGLIB</a:t>
             </a:r>
             <a:r>
-              <a:rPr lang="zh-CN" altLang="en-US" dirty="0" smtClean="0"/>
+              <a:rPr lang="zh-CN" altLang="en-US" dirty="0"/>
               <a:t>代理</a:t>
             </a:r>
             <a:r>
-              <a:rPr lang="en-US" altLang="zh-CN" dirty="0" smtClean="0"/>
+              <a:rPr lang="en-US" altLang="zh-CN" dirty="0"/>
               <a:t>)</a:t>
             </a:r>
             <a:r>
-              <a:rPr lang="zh-CN" altLang="en-US" dirty="0" smtClean="0"/>
+              <a:rPr lang="zh-CN" altLang="en-US" dirty="0"/>
               <a:t>，“自我调用”同样不会应用相应的事务属性，其语义和</a:t>
             </a:r>
             <a:r>
-              <a:rPr lang="en-US" altLang="zh-CN" dirty="0" smtClean="0"/>
+              <a:rPr lang="en-US" altLang="zh-CN" dirty="0"/>
               <a:t>&lt;</a:t>
             </a:r>
             <a:r>
-              <a:rPr lang="en-US" altLang="zh-CN" dirty="0" err="1" smtClean="0"/>
+              <a:rPr lang="en-US" altLang="zh-CN" dirty="0" err="1"/>
               <a:t>tx:tags</a:t>
             </a:r>
             <a:r>
-              <a:rPr lang="en-US" altLang="zh-CN" dirty="0" smtClean="0"/>
+              <a:rPr lang="en-US" altLang="zh-CN" dirty="0"/>
               <a:t>&gt;</a:t>
             </a:r>
             <a:r>
-              <a:rPr lang="zh-CN" altLang="en-US" dirty="0" smtClean="0"/>
+              <a:rPr lang="zh-CN" altLang="en-US" dirty="0"/>
               <a:t>中一样；</a:t>
             </a:r>
             <a:br>
-              <a:rPr lang="zh-CN" altLang="en-US" dirty="0" smtClean="0"/>
+              <a:rPr lang="zh-CN" altLang="en-US" dirty="0"/>
             </a:br>
             <a:r>
-              <a:rPr lang="zh-CN" altLang="en-US" sz="1200" kern="1200" dirty="0" smtClean="0">
+              <a:rPr lang="zh-CN" altLang="en-US" sz="1200" kern="1200" dirty="0">
                 <a:solidFill>
                   <a:schemeClr val="tx1"/>
                 </a:solidFill>
@@ -2780,7 +2776,7 @@
               <a:t>默认只对</a:t>
             </a:r>
             <a:r>
-              <a:rPr lang="en-US" altLang="zh-CN" sz="1200" kern="1200" dirty="0" err="1" smtClean="0">
+              <a:rPr lang="en-US" altLang="zh-CN" sz="1200" kern="1200" dirty="0" err="1">
                 <a:solidFill>
                   <a:schemeClr val="tx1"/>
                 </a:solidFill>
@@ -2792,7 +2788,7 @@
               <a:t>RuntimeException</a:t>
             </a:r>
             <a:r>
-              <a:rPr lang="zh-CN" altLang="en-US" sz="1200" kern="1200" dirty="0" smtClean="0">
+              <a:rPr lang="zh-CN" altLang="en-US" sz="1200" kern="1200" dirty="0">
                 <a:solidFill>
                   <a:schemeClr val="tx1"/>
                 </a:solidFill>
@@ -2803,79 +2799,75 @@
               </a:rPr>
               <a:t>异常回滚；</a:t>
             </a:r>
-            <a:r>
-              <a:rPr lang="zh-CN" altLang="en-US" dirty="0" smtClean="0"/>
-              <a:t/>
-            </a:r>
             <a:br>
-              <a:rPr lang="zh-CN" altLang="en-US" dirty="0" smtClean="0"/>
+              <a:rPr lang="zh-CN" altLang="en-US" dirty="0"/>
             </a:br>
             <a:r>
-              <a:rPr lang="zh-CN" altLang="en-US" dirty="0" smtClean="0"/>
+              <a:rPr lang="zh-CN" altLang="en-US" dirty="0"/>
               <a:t>在使用</a:t>
             </a:r>
             <a:r>
-              <a:rPr lang="en-US" altLang="zh-CN" dirty="0" smtClean="0"/>
+              <a:rPr lang="en-US" altLang="zh-CN" dirty="0"/>
               <a:t>Spring</a:t>
             </a:r>
             <a:r>
-              <a:rPr lang="zh-CN" altLang="en-US" dirty="0" smtClean="0"/>
+              <a:rPr lang="zh-CN" altLang="en-US" dirty="0"/>
               <a:t>代理时，默认只有在</a:t>
             </a:r>
             <a:r>
-              <a:rPr lang="en-US" altLang="zh-CN" dirty="0" smtClean="0"/>
+              <a:rPr lang="en-US" altLang="zh-CN" dirty="0"/>
               <a:t>public</a:t>
             </a:r>
             <a:r>
-              <a:rPr lang="zh-CN" altLang="en-US" dirty="0" smtClean="0"/>
+              <a:rPr lang="zh-CN" altLang="en-US" dirty="0"/>
               <a:t>可见度的方法的</a:t>
             </a:r>
             <a:r>
-              <a:rPr lang="en-US" altLang="zh-CN" dirty="0" smtClean="0"/>
+              <a:rPr lang="en-US" altLang="zh-CN" dirty="0"/>
               <a:t>@Transactional </a:t>
             </a:r>
             <a:r>
-              <a:rPr lang="zh-CN" altLang="en-US" dirty="0" smtClean="0"/>
+              <a:rPr lang="zh-CN" altLang="en-US" dirty="0"/>
               <a:t>注解才是有效的，其它可见度（</a:t>
             </a:r>
             <a:r>
-              <a:rPr lang="en-US" altLang="zh-CN" dirty="0" smtClean="0"/>
+              <a:rPr lang="en-US" altLang="zh-CN" dirty="0"/>
               <a:t>protected</a:t>
             </a:r>
             <a:r>
-              <a:rPr lang="zh-CN" altLang="en-US" dirty="0" smtClean="0"/>
+              <a:rPr lang="zh-CN" altLang="en-US" dirty="0"/>
               <a:t>、</a:t>
             </a:r>
             <a:r>
-              <a:rPr lang="en-US" altLang="zh-CN" dirty="0" smtClean="0"/>
+              <a:rPr lang="en-US" altLang="zh-CN" dirty="0"/>
               <a:t>private</a:t>
             </a:r>
             <a:r>
-              <a:rPr lang="zh-CN" altLang="en-US" dirty="0" smtClean="0"/>
+              <a:rPr lang="zh-CN" altLang="en-US" dirty="0"/>
               <a:t>、包可见）的方法上即使有</a:t>
             </a:r>
             <a:r>
-              <a:rPr lang="en-US" altLang="zh-CN" dirty="0" smtClean="0"/>
+              <a:rPr lang="en-US" altLang="zh-CN" dirty="0"/>
               <a:t>@Transactional </a:t>
             </a:r>
             <a:r>
-              <a:rPr lang="zh-CN" altLang="en-US" dirty="0" smtClean="0"/>
+              <a:rPr lang="zh-CN" altLang="en-US" dirty="0"/>
               <a:t>注解也不会应用这些事务属性的，</a:t>
             </a:r>
             <a:r>
-              <a:rPr lang="en-US" altLang="zh-CN" dirty="0" smtClean="0"/>
+              <a:rPr lang="en-US" altLang="zh-CN" dirty="0"/>
               <a:t>Spring</a:t>
             </a:r>
             <a:r>
-              <a:rPr lang="zh-CN" altLang="en-US" dirty="0" smtClean="0"/>
+              <a:rPr lang="zh-CN" altLang="en-US" dirty="0"/>
               <a:t>也不会报错，如果你非要使用非公共方法注解事务管理的话，可考虑使用</a:t>
             </a:r>
             <a:r>
-              <a:rPr lang="en-US" altLang="zh-CN" dirty="0" smtClean="0"/>
+              <a:rPr lang="en-US" altLang="zh-CN" dirty="0"/>
               <a:t>AspectJ</a:t>
             </a:r>
             <a:r>
-              <a:rPr lang="zh-CN" altLang="en-US" dirty="0" smtClean="0"/>
+              <a:rPr lang="zh-CN" altLang="en-US" dirty="0"/>
               <a:t>。</a:t>
             </a:r>
           </a:p>
@@ -2965,7 +2957,7 @@
           <a:lstStyle/>
           <a:p>
             <a:r>
-              <a:rPr lang="en-US" altLang="zh-CN" sz="1200" kern="1200" dirty="0" smtClean="0">
+              <a:rPr lang="en-US" altLang="zh-CN" sz="1200" kern="1200" dirty="0">
                 <a:solidFill>
                   <a:schemeClr val="tx1"/>
                 </a:solidFill>
@@ -2977,7 +2969,7 @@
               <a:t>Spring</a:t>
             </a:r>
             <a:r>
-              <a:rPr lang="zh-CN" altLang="en-US" sz="1200" kern="1200" dirty="0" smtClean="0">
+              <a:rPr lang="zh-CN" altLang="en-US" sz="1200" kern="1200" dirty="0">
                 <a:solidFill>
                   <a:schemeClr val="tx1"/>
                 </a:solidFill>
@@ -2989,7 +2981,7 @@
               <a:t>配置文件中关于事务配置总是由三个组成部分，分别是</a:t>
             </a:r>
             <a:r>
-              <a:rPr lang="en-US" altLang="zh-CN" sz="1200" kern="1200" dirty="0" err="1" smtClean="0">
+              <a:rPr lang="en-US" altLang="zh-CN" sz="1200" kern="1200" dirty="0" err="1">
                 <a:solidFill>
                   <a:schemeClr val="tx1"/>
                 </a:solidFill>
@@ -3001,7 +2993,7 @@
               <a:t>DataSource</a:t>
             </a:r>
             <a:r>
-              <a:rPr lang="zh-CN" altLang="en-US" sz="1200" kern="1200" dirty="0" smtClean="0">
+              <a:rPr lang="zh-CN" altLang="en-US" sz="1200" kern="1200" dirty="0">
                 <a:solidFill>
                   <a:schemeClr val="tx1"/>
                 </a:solidFill>
@@ -3013,7 +3005,7 @@
               <a:t>、</a:t>
             </a:r>
             <a:r>
-              <a:rPr lang="en-US" altLang="zh-CN" sz="1200" kern="1200" dirty="0" err="1" smtClean="0">
+              <a:rPr lang="en-US" altLang="zh-CN" sz="1200" kern="1200" dirty="0" err="1">
                 <a:solidFill>
                   <a:schemeClr val="tx1"/>
                 </a:solidFill>
@@ -3025,7 +3017,7 @@
               <a:t>TransactionManager</a:t>
             </a:r>
             <a:r>
-              <a:rPr lang="zh-CN" altLang="en-US" sz="1200" kern="1200" dirty="0" smtClean="0">
+              <a:rPr lang="zh-CN" altLang="en-US" sz="1200" kern="1200" dirty="0">
                 <a:solidFill>
                   <a:schemeClr val="tx1"/>
                 </a:solidFill>
@@ -3039,7 +3031,7 @@
           </a:p>
           <a:p>
             <a:r>
-              <a:rPr lang="en-US" altLang="zh-CN" sz="1200" kern="1200" dirty="0" err="1" smtClean="0">
+              <a:rPr lang="en-US" altLang="zh-CN" sz="1200" kern="1200" dirty="0" err="1">
                 <a:solidFill>
                   <a:schemeClr val="tx1"/>
                 </a:solidFill>
@@ -3051,7 +3043,7 @@
               <a:t>DataSource</a:t>
             </a:r>
             <a:r>
-              <a:rPr lang="zh-CN" altLang="en-US" sz="1200" kern="1200" dirty="0" smtClean="0">
+              <a:rPr lang="zh-CN" altLang="en-US" sz="1200" kern="1200" dirty="0">
                 <a:solidFill>
                   <a:schemeClr val="tx1"/>
                 </a:solidFill>
@@ -3063,7 +3055,7 @@
               <a:t>、</a:t>
             </a:r>
             <a:r>
-              <a:rPr lang="en-US" altLang="zh-CN" sz="1200" kern="1200" dirty="0" err="1" smtClean="0">
+              <a:rPr lang="en-US" altLang="zh-CN" sz="1200" kern="1200" dirty="0" err="1">
                 <a:solidFill>
                   <a:schemeClr val="tx1"/>
                 </a:solidFill>
@@ -3075,7 +3067,7 @@
               <a:t>TransactionManager</a:t>
             </a:r>
             <a:r>
-              <a:rPr lang="zh-CN" altLang="en-US" sz="1200" kern="1200" dirty="0" smtClean="0">
+              <a:rPr lang="zh-CN" altLang="en-US" sz="1200" kern="1200" dirty="0">
                 <a:solidFill>
                   <a:schemeClr val="tx1"/>
                 </a:solidFill>
@@ -3086,7 +3078,7 @@
               </a:rPr>
               <a:t>这两部分只是会根据数据访问方式有所变化。</a:t>
             </a:r>
-            <a:endParaRPr lang="en-US" altLang="zh-CN" sz="1200" kern="1200" dirty="0" smtClean="0">
+            <a:endParaRPr lang="en-US" altLang="zh-CN" sz="1200" kern="1200" dirty="0">
               <a:solidFill>
                 <a:schemeClr val="tx1"/>
               </a:solidFill>
@@ -3098,7 +3090,7 @@
           </a:p>
           <a:p>
             <a:r>
-              <a:rPr lang="zh-CN" altLang="en-US" sz="1200" kern="1200" dirty="0" smtClean="0">
+              <a:rPr lang="zh-CN" altLang="en-US" sz="1200" kern="1200" dirty="0">
                 <a:solidFill>
                   <a:schemeClr val="tx1"/>
                 </a:solidFill>
@@ -3110,7 +3102,7 @@
               <a:t>比如使用</a:t>
             </a:r>
             <a:r>
-              <a:rPr lang="en-US" altLang="zh-CN" sz="1200" b="1" kern="1200" dirty="0" smtClean="0">
+              <a:rPr lang="en-US" altLang="zh-CN" sz="1200" b="1" kern="1200" dirty="0">
                 <a:solidFill>
                   <a:schemeClr val="tx1"/>
                 </a:solidFill>
@@ -3123,7 +3115,7 @@
               <a:t>hibernate</a:t>
             </a:r>
             <a:r>
-              <a:rPr lang="zh-CN" altLang="en-US" sz="1200" kern="1200" dirty="0" smtClean="0">
+              <a:rPr lang="zh-CN" altLang="en-US" sz="1200" kern="1200" dirty="0">
                 <a:solidFill>
                   <a:schemeClr val="tx1"/>
                 </a:solidFill>
@@ -3135,7 +3127,7 @@
               <a:t>进行数据访问时，</a:t>
             </a:r>
             <a:r>
-              <a:rPr lang="en-US" altLang="zh-CN" sz="1200" kern="1200" dirty="0" err="1" smtClean="0">
+              <a:rPr lang="en-US" altLang="zh-CN" sz="1200" kern="1200" dirty="0" err="1">
                 <a:solidFill>
                   <a:schemeClr val="tx1"/>
                 </a:solidFill>
@@ -3147,7 +3139,7 @@
               <a:t>DataSource</a:t>
             </a:r>
             <a:r>
-              <a:rPr lang="zh-CN" altLang="en-US" sz="1200" kern="1200" dirty="0" smtClean="0">
+              <a:rPr lang="zh-CN" altLang="en-US" sz="1200" kern="1200" dirty="0">
                 <a:solidFill>
                   <a:schemeClr val="tx1"/>
                 </a:solidFill>
@@ -3159,7 +3151,7 @@
               <a:t>实际为</a:t>
             </a:r>
             <a:r>
-              <a:rPr lang="en-US" altLang="zh-CN" sz="1200" kern="1200" dirty="0" err="1" smtClean="0">
+              <a:rPr lang="en-US" altLang="zh-CN" sz="1200" kern="1200" dirty="0" err="1">
                 <a:solidFill>
                   <a:schemeClr val="tx1"/>
                 </a:solidFill>
@@ -3171,7 +3163,7 @@
               <a:t>SessionFactory</a:t>
             </a:r>
             <a:r>
-              <a:rPr lang="zh-CN" altLang="en-US" sz="1200" kern="1200" dirty="0" smtClean="0">
+              <a:rPr lang="zh-CN" altLang="en-US" sz="1200" kern="1200" dirty="0">
                 <a:solidFill>
                   <a:schemeClr val="tx1"/>
                 </a:solidFill>
@@ -3183,7 +3175,7 @@
               <a:t>，</a:t>
             </a:r>
             <a:r>
-              <a:rPr lang="en-US" altLang="zh-CN" sz="1200" kern="1200" dirty="0" err="1" smtClean="0">
+              <a:rPr lang="en-US" altLang="zh-CN" sz="1200" kern="1200" dirty="0" err="1">
                 <a:solidFill>
                   <a:schemeClr val="tx1"/>
                 </a:solidFill>
@@ -3195,7 +3187,7 @@
               <a:t>TransactionManager</a:t>
             </a:r>
             <a:r>
-              <a:rPr lang="zh-CN" altLang="en-US" sz="1200" kern="1200" dirty="0" smtClean="0">
+              <a:rPr lang="zh-CN" altLang="en-US" sz="1200" kern="1200" dirty="0">
                 <a:solidFill>
                   <a:schemeClr val="tx1"/>
                 </a:solidFill>
@@ -3207,7 +3199,7 @@
               <a:t>的实现为</a:t>
             </a:r>
             <a:r>
-              <a:rPr lang="en-US" altLang="zh-CN" sz="1200" kern="1200" dirty="0" err="1" smtClean="0">
+              <a:rPr lang="en-US" altLang="zh-CN" sz="1200" kern="1200" dirty="0" err="1">
                 <a:solidFill>
                   <a:schemeClr val="tx1"/>
                 </a:solidFill>
@@ -3219,7 +3211,7 @@
               <a:t>HibernateTransactionManager</a:t>
             </a:r>
             <a:r>
-              <a:rPr lang="zh-CN" altLang="en-US" sz="1200" kern="1200" dirty="0" smtClean="0">
+              <a:rPr lang="zh-CN" altLang="en-US" sz="1200" kern="1200" dirty="0">
                 <a:solidFill>
                   <a:schemeClr val="tx1"/>
                 </a:solidFill>
@@ -3230,7 +3222,7 @@
               </a:rPr>
               <a:t>。 </a:t>
             </a:r>
-            <a:endParaRPr lang="en-US" altLang="zh-CN" sz="1200" kern="1200" dirty="0" smtClean="0">
+            <a:endParaRPr lang="en-US" altLang="zh-CN" sz="1200" kern="1200" dirty="0">
               <a:solidFill>
                 <a:schemeClr val="tx1"/>
               </a:solidFill>
@@ -3325,6 +3317,90 @@
           <a:bodyPr/>
           <a:lstStyle/>
           <a:p>
+            <a:r>
+              <a:rPr lang="zh-CN" altLang="en-US" sz="1200" b="0" i="0" kern="1200" dirty="0">
+                <a:solidFill>
+                  <a:schemeClr val="tx1"/>
+                </a:solidFill>
+                <a:effectLst/>
+                <a:latin typeface="+mn-lt"/>
+                <a:ea typeface="+mn-ea"/>
+                <a:cs typeface="+mn-cs"/>
+              </a:rPr>
+              <a:t>在分布式系统中，各个节点之间在物理上相互独立，通过网络进行沟通和协调。由于存在事务机制，可以保证每个独立节点上的数据操作可以满足</a:t>
+            </a:r>
+            <a:r>
+              <a:rPr lang="en-US" altLang="zh-CN" sz="1200" b="0" i="0" kern="1200" dirty="0">
+                <a:solidFill>
+                  <a:schemeClr val="tx1"/>
+                </a:solidFill>
+                <a:effectLst/>
+                <a:latin typeface="+mn-lt"/>
+                <a:ea typeface="+mn-ea"/>
+                <a:cs typeface="+mn-cs"/>
+              </a:rPr>
+              <a:t>ACID</a:t>
+            </a:r>
+            <a:r>
+              <a:rPr lang="zh-CN" altLang="en-US" sz="1200" b="0" i="0" kern="1200" dirty="0">
+                <a:solidFill>
+                  <a:schemeClr val="tx1"/>
+                </a:solidFill>
+                <a:effectLst/>
+                <a:latin typeface="+mn-lt"/>
+                <a:ea typeface="+mn-ea"/>
+                <a:cs typeface="+mn-cs"/>
+              </a:rPr>
+              <a:t>。但是，相互独立的节点之间无法准确的知道其他节点中的事务执行情况。所以从理论上讲，两台机器理论上无法达到一致的状态。如果想让分布式部署的多台机器中的数据保持一致性，那么就要保证在所有节点的数据写操作，要不全部都执行，要么全部的都不执行。但是，一台机器在执行本地事务的时候无法知道其他机器中的本地事务的执行结果。所以他也就不知道本次事务到底应该</a:t>
+            </a:r>
+            <a:r>
+              <a:rPr lang="en-US" altLang="zh-CN" sz="1200" b="0" i="0" kern="1200" dirty="0">
+                <a:solidFill>
+                  <a:schemeClr val="tx1"/>
+                </a:solidFill>
+                <a:effectLst/>
+                <a:latin typeface="+mn-lt"/>
+                <a:ea typeface="+mn-ea"/>
+                <a:cs typeface="+mn-cs"/>
+              </a:rPr>
+              <a:t>commit</a:t>
+            </a:r>
+            <a:r>
+              <a:rPr lang="zh-CN" altLang="en-US" sz="1200" b="0" i="0" kern="1200" dirty="0">
+                <a:solidFill>
+                  <a:schemeClr val="tx1"/>
+                </a:solidFill>
+                <a:effectLst/>
+                <a:latin typeface="+mn-lt"/>
+                <a:ea typeface="+mn-ea"/>
+                <a:cs typeface="+mn-cs"/>
+              </a:rPr>
+              <a:t>还是 </a:t>
+            </a:r>
+            <a:r>
+              <a:rPr lang="en-US" altLang="zh-CN" sz="1200" b="0" i="0" kern="1200" dirty="0" err="1">
+                <a:solidFill>
+                  <a:schemeClr val="tx1"/>
+                </a:solidFill>
+                <a:effectLst/>
+                <a:latin typeface="+mn-lt"/>
+                <a:ea typeface="+mn-ea"/>
+                <a:cs typeface="+mn-cs"/>
+              </a:rPr>
+              <a:t>roolback</a:t>
+            </a:r>
+            <a:r>
+              <a:rPr lang="zh-CN" altLang="en-US" sz="1200" b="0" i="0" kern="1200" dirty="0">
+                <a:solidFill>
+                  <a:schemeClr val="tx1"/>
+                </a:solidFill>
+                <a:effectLst/>
+                <a:latin typeface="+mn-lt"/>
+                <a:ea typeface="+mn-ea"/>
+                <a:cs typeface="+mn-cs"/>
+              </a:rPr>
+              <a:t>。所以，常规的解决办法就是引入一个“协调者”的组件来统一调度所有分布式节点的执行。</a:t>
+            </a:r>
             <a:endParaRPr lang="zh-CN" altLang="en-US" dirty="0"/>
           </a:p>
         </p:txBody>
@@ -3449,7 +3525,7 @@
           <a:p>
             <a:fld id="{30936462-658F-4E41-8C6E-2EAB7E357587}" type="slidenum">
               <a:rPr lang="zh-CN" altLang="en-US" smtClean="0"/>
-              <a:t>8</a:t>
+              <a:t>9</a:t>
             </a:fld>
             <a:endParaRPr lang="zh-CN" altLang="en-US"/>
           </a:p>
@@ -3514,6 +3590,189 @@
           <a:p>
             <a:r>
               <a:rPr lang="en-US" altLang="zh-CN" dirty="0"/>
+              <a:t>Prepare</a:t>
+            </a:r>
+            <a:r>
+              <a:rPr lang="zh-CN" altLang="en-US" dirty="0"/>
+              <a:t>逻辑</a:t>
+            </a:r>
+            <a:endParaRPr lang="en-US" altLang="zh-CN" dirty="0"/>
+          </a:p>
+          <a:p>
+            <a:r>
+              <a:rPr lang="en-US" altLang="zh-CN" dirty="0"/>
+              <a:t>1) </a:t>
+            </a:r>
+            <a:r>
+              <a:rPr lang="zh-CN" altLang="en-US" sz="1200" b="0" i="0" kern="1200" dirty="0">
+                <a:solidFill>
+                  <a:schemeClr val="tx1"/>
+                </a:solidFill>
+                <a:effectLst/>
+                <a:latin typeface="+mn-lt"/>
+                <a:ea typeface="+mn-ea"/>
+                <a:cs typeface="+mn-cs"/>
+              </a:rPr>
+              <a:t>协调者节点向所有参与者节点询问是否可以执行提交操作</a:t>
+            </a:r>
+            <a:r>
+              <a:rPr lang="en-US" altLang="zh-CN" sz="1200" b="0" i="0" kern="1200" dirty="0">
+                <a:solidFill>
+                  <a:schemeClr val="tx1"/>
+                </a:solidFill>
+                <a:effectLst/>
+                <a:latin typeface="+mn-lt"/>
+                <a:ea typeface="+mn-ea"/>
+                <a:cs typeface="+mn-cs"/>
+              </a:rPr>
+              <a:t>(vote)</a:t>
+            </a:r>
+            <a:r>
+              <a:rPr lang="zh-CN" altLang="en-US" sz="1200" b="0" i="0" kern="1200" dirty="0">
+                <a:solidFill>
+                  <a:schemeClr val="tx1"/>
+                </a:solidFill>
+                <a:effectLst/>
+                <a:latin typeface="+mn-lt"/>
+                <a:ea typeface="+mn-ea"/>
+                <a:cs typeface="+mn-cs"/>
+              </a:rPr>
+              <a:t>，并开始等待各参与者节点的响应。</a:t>
+            </a:r>
+            <a:endParaRPr lang="en-US" altLang="zh-CN" sz="1200" b="0" i="0" kern="1200" dirty="0">
+              <a:solidFill>
+                <a:schemeClr val="tx1"/>
+              </a:solidFill>
+              <a:effectLst/>
+              <a:latin typeface="+mn-lt"/>
+              <a:ea typeface="+mn-ea"/>
+              <a:cs typeface="+mn-cs"/>
+            </a:endParaRPr>
+          </a:p>
+          <a:p>
+            <a:r>
+              <a:rPr lang="en-US" altLang="zh-CN" sz="1200" b="0" i="0" kern="1200" dirty="0">
+                <a:solidFill>
+                  <a:schemeClr val="tx1"/>
+                </a:solidFill>
+                <a:effectLst/>
+                <a:latin typeface="+mn-lt"/>
+                <a:ea typeface="+mn-ea"/>
+                <a:cs typeface="+mn-cs"/>
+              </a:rPr>
+              <a:t>2) </a:t>
+            </a:r>
+            <a:r>
+              <a:rPr lang="zh-CN" altLang="en-US" sz="1200" b="0" i="0" kern="1200" dirty="0">
+                <a:solidFill>
+                  <a:schemeClr val="tx1"/>
+                </a:solidFill>
+                <a:effectLst/>
+                <a:latin typeface="+mn-lt"/>
+                <a:ea typeface="+mn-ea"/>
+                <a:cs typeface="+mn-cs"/>
+              </a:rPr>
+              <a:t>参与者节点执行询问发起为止的所有事务操作，并将</a:t>
+            </a:r>
+            <a:r>
+              <a:rPr lang="en-US" altLang="zh-CN" sz="1200" b="0" i="0" kern="1200" dirty="0">
+                <a:solidFill>
+                  <a:schemeClr val="tx1"/>
+                </a:solidFill>
+                <a:effectLst/>
+                <a:latin typeface="+mn-lt"/>
+                <a:ea typeface="+mn-ea"/>
+                <a:cs typeface="+mn-cs"/>
+              </a:rPr>
+              <a:t>Undo</a:t>
+            </a:r>
+            <a:r>
+              <a:rPr lang="zh-CN" altLang="en-US" sz="1200" b="0" i="0" kern="1200" dirty="0">
+                <a:solidFill>
+                  <a:schemeClr val="tx1"/>
+                </a:solidFill>
+                <a:effectLst/>
+                <a:latin typeface="+mn-lt"/>
+                <a:ea typeface="+mn-ea"/>
+                <a:cs typeface="+mn-cs"/>
+              </a:rPr>
+              <a:t>信息和</a:t>
+            </a:r>
+            <a:r>
+              <a:rPr lang="en-US" altLang="zh-CN" sz="1200" b="0" i="0" kern="1200" dirty="0">
+                <a:solidFill>
+                  <a:schemeClr val="tx1"/>
+                </a:solidFill>
+                <a:effectLst/>
+                <a:latin typeface="+mn-lt"/>
+                <a:ea typeface="+mn-ea"/>
+                <a:cs typeface="+mn-cs"/>
+              </a:rPr>
+              <a:t>Redo</a:t>
+            </a:r>
+            <a:r>
+              <a:rPr lang="zh-CN" altLang="en-US" sz="1200" b="0" i="0" kern="1200" dirty="0">
+                <a:solidFill>
+                  <a:schemeClr val="tx1"/>
+                </a:solidFill>
+                <a:effectLst/>
+                <a:latin typeface="+mn-lt"/>
+                <a:ea typeface="+mn-ea"/>
+                <a:cs typeface="+mn-cs"/>
+              </a:rPr>
+              <a:t>信息写入日志。</a:t>
+            </a:r>
+            <a:endParaRPr lang="en-US" altLang="zh-CN" sz="1200" b="0" i="0" kern="1200" dirty="0">
+              <a:solidFill>
+                <a:schemeClr val="tx1"/>
+              </a:solidFill>
+              <a:effectLst/>
+              <a:latin typeface="+mn-lt"/>
+              <a:ea typeface="+mn-ea"/>
+              <a:cs typeface="+mn-cs"/>
+            </a:endParaRPr>
+          </a:p>
+          <a:p>
+            <a:r>
+              <a:rPr lang="en-US" altLang="zh-CN" sz="1200" b="0" i="0" kern="1200" dirty="0">
+                <a:solidFill>
+                  <a:schemeClr val="tx1"/>
+                </a:solidFill>
+                <a:effectLst/>
+                <a:latin typeface="+mn-lt"/>
+                <a:ea typeface="+mn-ea"/>
+                <a:cs typeface="+mn-cs"/>
+              </a:rPr>
+              <a:t>3) </a:t>
+            </a:r>
+            <a:r>
+              <a:rPr lang="zh-CN" altLang="en-US" sz="1200" b="0" i="0" kern="1200" dirty="0">
+                <a:solidFill>
+                  <a:schemeClr val="tx1"/>
+                </a:solidFill>
+                <a:effectLst/>
+                <a:latin typeface="+mn-lt"/>
+                <a:ea typeface="+mn-ea"/>
+                <a:cs typeface="+mn-cs"/>
+              </a:rPr>
+              <a:t>各参与者节点响应协调者节点发起的询问。如果参与者节点的事务操作实际执行成功，则它返回一个”同意”消息；如果参与者节点的事务操作实际执行失败，则它返回一个”中止”消息。</a:t>
+            </a:r>
+            <a:endParaRPr lang="en-US" altLang="zh-CN" sz="1200" b="0" i="0" kern="1200" dirty="0">
+              <a:solidFill>
+                <a:schemeClr val="tx1"/>
+              </a:solidFill>
+              <a:effectLst/>
+              <a:latin typeface="+mn-lt"/>
+              <a:ea typeface="+mn-ea"/>
+              <a:cs typeface="+mn-cs"/>
+            </a:endParaRPr>
+          </a:p>
+          <a:p>
+            <a:endParaRPr lang="en-US" altLang="zh-CN" dirty="0"/>
+          </a:p>
+          <a:p>
+            <a:r>
+              <a:rPr lang="en-US" altLang="zh-CN" dirty="0"/>
               <a:t>Commit</a:t>
             </a:r>
             <a:r>
@@ -3525,11 +3784,11 @@
           <a:p>
             <a:r>
               <a:rPr lang="en-US" altLang="zh-CN" dirty="0"/>
-              <a:t>1</a:t>
-            </a:r>
-            <a:r>
-              <a:rPr lang="zh-CN" altLang="en-US" dirty="0"/>
-              <a:t>）协调者节点向所有参与者节点发出”正式提交</a:t>
+              <a:t>1) </a:t>
+            </a:r>
+            <a:r>
+              <a:rPr lang="zh-CN" altLang="en-US" dirty="0"/>
+              <a:t>协调者节点向所有参与者节点发出”正式提交</a:t>
             </a:r>
             <a:r>
               <a:rPr lang="en-US" altLang="zh-CN" dirty="0"/>
@@ -3543,35 +3802,32 @@
           <a:p>
             <a:r>
               <a:rPr lang="en-US" altLang="zh-CN" dirty="0"/>
-              <a:t>2</a:t>
-            </a:r>
-            <a:r>
-              <a:rPr lang="zh-CN" altLang="en-US" dirty="0"/>
-              <a:t>）参与者节点正式完成操作，并释放在整个事务期间内占用的资源。</a:t>
-            </a:r>
-          </a:p>
-          <a:p>
-            <a:r>
-              <a:rPr lang="en-US" altLang="zh-CN" dirty="0"/>
-              <a:t>3</a:t>
-            </a:r>
-            <a:r>
-              <a:rPr lang="zh-CN" altLang="en-US" dirty="0"/>
-              <a:t>）参与者节点向协调者节点发送”完成”消息。</a:t>
-            </a:r>
-          </a:p>
-          <a:p>
-            <a:r>
-              <a:rPr lang="en-US" altLang="zh-CN" dirty="0"/>
-              <a:t>4</a:t>
-            </a:r>
-            <a:r>
-              <a:rPr lang="zh-CN" altLang="en-US" dirty="0"/>
-              <a:t>）协调者节点受到所有参与者节点反馈的”完成”消息后，完成事务。</a:t>
-            </a:r>
-          </a:p>
-          <a:p>
-            <a:endParaRPr lang="en-US" altLang="zh-CN" dirty="0"/>
+              <a:t>2) </a:t>
+            </a:r>
+            <a:r>
+              <a:rPr lang="zh-CN" altLang="en-US" dirty="0"/>
+              <a:t>参与者节点正式完成操作，并释放在整个事务期间内占用的资源。</a:t>
+            </a:r>
+          </a:p>
+          <a:p>
+            <a:r>
+              <a:rPr lang="en-US" altLang="zh-CN" dirty="0"/>
+              <a:t>3) </a:t>
+            </a:r>
+            <a:r>
+              <a:rPr lang="zh-CN" altLang="en-US" dirty="0"/>
+              <a:t>参与者节点向协调者节点发送”完成”消息。</a:t>
+            </a:r>
+          </a:p>
+          <a:p>
+            <a:r>
+              <a:rPr lang="en-US" altLang="zh-CN" dirty="0"/>
+              <a:t>4) </a:t>
+            </a:r>
+            <a:r>
+              <a:rPr lang="zh-CN" altLang="en-US" dirty="0"/>
+              <a:t>协调者节点受到所有参与者节点反馈的”完成”消息后，完成事务。</a:t>
+            </a:r>
           </a:p>
           <a:p>
             <a:endParaRPr lang="en-US" altLang="zh-CN" dirty="0"/>
@@ -3607,66 +3863,175 @@
           <a:p>
             <a:r>
               <a:rPr lang="en-US" altLang="zh-CN" dirty="0"/>
+              <a:t>1)</a:t>
+            </a:r>
+            <a:r>
+              <a:rPr lang="en-US" altLang="zh-CN" baseline="0" dirty="0"/>
+              <a:t> </a:t>
+            </a:r>
+            <a:r>
+              <a:rPr lang="zh-CN" altLang="en-US" dirty="0"/>
+              <a:t>协调者节点向所有参与者节点发出”回滚操作</a:t>
+            </a:r>
+            <a:r>
+              <a:rPr lang="en-US" altLang="zh-CN" dirty="0"/>
+              <a:t>(rollback)”</a:t>
+            </a:r>
+            <a:r>
+              <a:rPr lang="zh-CN" altLang="en-US" dirty="0"/>
+              <a:t>的请求。</a:t>
+            </a:r>
+          </a:p>
+          <a:p>
+            <a:r>
+              <a:rPr lang="en-US" altLang="zh-CN" dirty="0"/>
+              <a:t>2)</a:t>
+            </a:r>
+            <a:r>
+              <a:rPr lang="en-US" altLang="zh-CN" baseline="0" dirty="0"/>
+              <a:t> </a:t>
+            </a:r>
+            <a:r>
+              <a:rPr lang="zh-CN" altLang="en-US" dirty="0"/>
+              <a:t>参与者节点利用之前写入的</a:t>
+            </a:r>
+            <a:r>
+              <a:rPr lang="en-US" altLang="zh-CN" dirty="0"/>
+              <a:t>Undo</a:t>
+            </a:r>
+            <a:r>
+              <a:rPr lang="zh-CN" altLang="en-US" dirty="0"/>
+              <a:t>信息执行回滚，并释放在整个事务期间内占用的资源。</a:t>
+            </a:r>
+          </a:p>
+          <a:p>
+            <a:r>
+              <a:rPr lang="en-US" altLang="zh-CN" dirty="0"/>
+              <a:t>3)</a:t>
+            </a:r>
+            <a:r>
+              <a:rPr lang="en-US" altLang="zh-CN" baseline="0" dirty="0"/>
+              <a:t> </a:t>
+            </a:r>
+            <a:r>
+              <a:rPr lang="zh-CN" altLang="en-US" dirty="0"/>
+              <a:t>参与者节点向协调者节点发送”回滚完成”消息。</a:t>
+            </a:r>
+            <a:endParaRPr lang="en-US" altLang="zh-CN" dirty="0"/>
+          </a:p>
+          <a:p>
+            <a:r>
+              <a:rPr lang="en-US" altLang="zh-CN" dirty="0"/>
+              <a:t>4)</a:t>
+            </a:r>
+            <a:r>
+              <a:rPr lang="en-US" altLang="zh-CN" baseline="0" dirty="0"/>
+              <a:t> </a:t>
+            </a:r>
+            <a:r>
+              <a:rPr lang="zh-CN" altLang="en-US" dirty="0"/>
+              <a:t>协调者节点受到所有参与者节点反馈的”回滚完成”消息后，取消事务。</a:t>
+            </a:r>
+            <a:endParaRPr lang="en-US" altLang="zh-CN" dirty="0"/>
+          </a:p>
+          <a:p>
+            <a:endParaRPr lang="en-US" altLang="zh-CN" dirty="0"/>
+          </a:p>
+          <a:p>
+            <a:r>
+              <a:rPr lang="zh-CN" altLang="en-US" dirty="0"/>
+              <a:t>缺陷</a:t>
+            </a:r>
+            <a:endParaRPr lang="en-US" altLang="zh-CN" dirty="0"/>
+          </a:p>
+          <a:p>
+            <a:r>
+              <a:rPr lang="en-US" altLang="zh-CN" sz="1200" dirty="0">
+                <a:latin typeface="Arial" panose="020B0604020202020204" pitchFamily="34" charset="0"/>
+                <a:cs typeface="Arial" panose="020B0604020202020204" pitchFamily="34" charset="0"/>
+              </a:rPr>
               <a:t>1</a:t>
             </a:r>
             <a:r>
-              <a:rPr lang="zh-CN" altLang="en-US" dirty="0"/>
-              <a:t>）协调者节点向所有参与者节点发出”回滚操作</a:t>
-            </a:r>
-            <a:r>
-              <a:rPr lang="en-US" altLang="zh-CN" dirty="0"/>
-              <a:t>(rollback)”</a:t>
-            </a:r>
-            <a:r>
-              <a:rPr lang="zh-CN" altLang="en-US" dirty="0"/>
-              <a:t>的请求。</a:t>
-            </a:r>
-          </a:p>
-          <a:p>
-            <a:r>
-              <a:rPr lang="en-US" altLang="zh-CN" dirty="0"/>
+              <a:rPr lang="zh-CN" altLang="en-US" sz="1200" dirty="0">
+                <a:latin typeface="Arial" panose="020B0604020202020204" pitchFamily="34" charset="0"/>
+                <a:cs typeface="Arial" panose="020B0604020202020204" pitchFamily="34" charset="0"/>
+              </a:rPr>
+              <a:t>、同步阻塞问题</a:t>
+            </a:r>
+            <a:endParaRPr lang="en-US" altLang="zh-CN" sz="1200" dirty="0">
+              <a:latin typeface="Arial" panose="020B0604020202020204" pitchFamily="34" charset="0"/>
+              <a:cs typeface="Arial" panose="020B0604020202020204" pitchFamily="34" charset="0"/>
+            </a:endParaRPr>
+          </a:p>
+          <a:p>
+            <a:r>
+              <a:rPr lang="en-US" altLang="zh-CN" sz="1200" dirty="0">
+                <a:latin typeface="Arial" panose="020B0604020202020204" pitchFamily="34" charset="0"/>
+                <a:cs typeface="Arial" panose="020B0604020202020204" pitchFamily="34" charset="0"/>
+              </a:rPr>
               <a:t>2</a:t>
             </a:r>
             <a:r>
-              <a:rPr lang="zh-CN" altLang="en-US" dirty="0"/>
-              <a:t>）参与者节点利用之前写入的</a:t>
-            </a:r>
-            <a:r>
-              <a:rPr lang="en-US" altLang="zh-CN" dirty="0"/>
-              <a:t>Undo</a:t>
-            </a:r>
-            <a:r>
-              <a:rPr lang="zh-CN" altLang="en-US" dirty="0"/>
-              <a:t>信息执行回滚，并释放在整个事务期间内占用的资源。</a:t>
-            </a:r>
-          </a:p>
-          <a:p>
-            <a:r>
-              <a:rPr lang="en-US" altLang="zh-CN" dirty="0"/>
+              <a:rPr lang="zh-CN" altLang="en-US" sz="1200" dirty="0">
+                <a:latin typeface="Arial" panose="020B0604020202020204" pitchFamily="34" charset="0"/>
+                <a:cs typeface="Arial" panose="020B0604020202020204" pitchFamily="34" charset="0"/>
+              </a:rPr>
+              <a:t>、单点故障。</a:t>
+            </a:r>
+            <a:endParaRPr lang="en-US" altLang="zh-CN" sz="1200" dirty="0">
+              <a:latin typeface="Arial" panose="020B0604020202020204" pitchFamily="34" charset="0"/>
+              <a:cs typeface="Arial" panose="020B0604020202020204" pitchFamily="34" charset="0"/>
+            </a:endParaRPr>
+          </a:p>
+          <a:p>
+            <a:r>
+              <a:rPr lang="en-US" altLang="zh-CN" sz="1200" dirty="0">
+                <a:latin typeface="Arial" panose="020B0604020202020204" pitchFamily="34" charset="0"/>
+                <a:cs typeface="Arial" panose="020B0604020202020204" pitchFamily="34" charset="0"/>
+              </a:rPr>
               <a:t>3</a:t>
             </a:r>
             <a:r>
-              <a:rPr lang="zh-CN" altLang="en-US" dirty="0"/>
-              <a:t>）参与者节点向协调者节点发送”回滚完成”消息。</a:t>
-            </a:r>
-          </a:p>
-          <a:p>
-            <a:r>
-              <a:rPr lang="en-US" altLang="zh-CN" dirty="0"/>
+              <a:rPr lang="zh-CN" altLang="en-US" sz="1200" dirty="0">
+                <a:latin typeface="Arial" panose="020B0604020202020204" pitchFamily="34" charset="0"/>
+                <a:cs typeface="Arial" panose="020B0604020202020204" pitchFamily="34" charset="0"/>
+              </a:rPr>
+              <a:t>、数据不一致。</a:t>
+            </a:r>
+            <a:endParaRPr lang="en-US" altLang="zh-CN" sz="1200" dirty="0">
+              <a:latin typeface="Arial" panose="020B0604020202020204" pitchFamily="34" charset="0"/>
+              <a:cs typeface="Arial" panose="020B0604020202020204" pitchFamily="34" charset="0"/>
+            </a:endParaRPr>
+          </a:p>
+          <a:p>
+            <a:r>
+              <a:rPr lang="en-US" altLang="zh-CN" sz="1200" dirty="0">
+                <a:latin typeface="Arial" panose="020B0604020202020204" pitchFamily="34" charset="0"/>
+                <a:cs typeface="Arial" panose="020B0604020202020204" pitchFamily="34" charset="0"/>
+              </a:rPr>
               <a:t>4</a:t>
             </a:r>
             <a:r>
-              <a:rPr lang="zh-CN" altLang="en-US" dirty="0"/>
-              <a:t>）协调者节点受到所有参与者节点反馈的”回滚完成”消息后，取消事务。</a:t>
-            </a:r>
-          </a:p>
-          <a:p>
-            <a:endParaRPr lang="en-US" altLang="zh-CN" dirty="0"/>
-          </a:p>
-          <a:p>
-            <a:r>
-              <a:rPr lang="zh-CN" altLang="en-US" dirty="0"/>
-              <a:t>缺陷</a:t>
+              <a:rPr lang="zh-CN" altLang="en-US" sz="1200" dirty="0">
+                <a:latin typeface="Arial" panose="020B0604020202020204" pitchFamily="34" charset="0"/>
+                <a:cs typeface="Arial" panose="020B0604020202020204" pitchFamily="34" charset="0"/>
+              </a:rPr>
+              <a:t>、二阶段无法解决的问题：协调者再发出</a:t>
+            </a:r>
+            <a:r>
+              <a:rPr lang="en-US" altLang="zh-CN" sz="1200" dirty="0">
+                <a:latin typeface="Arial" panose="020B0604020202020204" pitchFamily="34" charset="0"/>
+                <a:cs typeface="Arial" panose="020B0604020202020204" pitchFamily="34" charset="0"/>
+              </a:rPr>
+              <a:t>commit</a:t>
+            </a:r>
+            <a:r>
+              <a:rPr lang="zh-CN" altLang="en-US" sz="1200" dirty="0">
+                <a:latin typeface="Arial" panose="020B0604020202020204" pitchFamily="34" charset="0"/>
+                <a:cs typeface="Arial" panose="020B0604020202020204" pitchFamily="34" charset="0"/>
+              </a:rPr>
+              <a:t>消息之后宕机，而唯一接收到这条消息的参与者同时也宕机了。那么即使协调者通过选举协议产生了新的协调者，这条事务的状态也是不确定的，没人知道事务是否被已经提交。</a:t>
             </a:r>
           </a:p>
         </p:txBody>
@@ -3688,7 +4053,7 @@
           <a:p>
             <a:fld id="{30936462-658F-4E41-8C6E-2EAB7E357587}" type="slidenum">
               <a:rPr lang="zh-CN" altLang="en-US" smtClean="0"/>
-              <a:t>9</a:t>
+              <a:t>10</a:t>
             </a:fld>
             <a:endParaRPr lang="zh-CN" altLang="en-US"/>
           </a:p>
@@ -3697,7 +4062,7 @@
     </p:spTree>
     <p:extLst>
       <p:ext uri="{BB962C8B-B14F-4D97-AF65-F5344CB8AC3E}">
-        <p14:creationId xmlns:p14="http://schemas.microsoft.com/office/powerpoint/2010/main" val="3749321538"/>
+        <p14:creationId xmlns:p14="http://schemas.microsoft.com/office/powerpoint/2010/main" val="2628150881"/>
       </p:ext>
     </p:extLst>
   </p:cSld>
@@ -3753,31 +4118,7 @@
           <a:p>
             <a:r>
               <a:rPr lang="zh-CN" altLang="en-US" dirty="0"/>
-              <a:t>在</a:t>
-            </a:r>
-            <a:r>
-              <a:rPr lang="en-US" altLang="zh-CN" dirty="0" err="1"/>
-              <a:t>doCommit</a:t>
-            </a:r>
-            <a:r>
-              <a:rPr lang="zh-CN" altLang="en-US" dirty="0"/>
-              <a:t>阶段，如果参与者无法及时接收到来自协调者的</a:t>
-            </a:r>
-            <a:r>
-              <a:rPr lang="en-US" altLang="zh-CN" dirty="0" err="1"/>
-              <a:t>doCommit</a:t>
-            </a:r>
-            <a:r>
-              <a:rPr lang="zh-CN" altLang="en-US" dirty="0"/>
-              <a:t>或者</a:t>
-            </a:r>
-            <a:r>
-              <a:rPr lang="en-US" altLang="zh-CN" dirty="0" err="1"/>
-              <a:t>rebort</a:t>
-            </a:r>
-            <a:r>
-              <a:rPr lang="zh-CN" altLang="en-US" dirty="0"/>
-              <a:t>请求时，会在等待超时之后，会继续进行事务的提交。（其实这个应该是基于概率来决定的，当进入第三阶段时，说明参与者在第二阶段已经收到了</a:t>
+              <a:t>其实这个应该是基于概率来决定的，当进入第三阶段时，说明参与者在第二阶段已经收到了</a:t>
             </a:r>
             <a:r>
               <a:rPr lang="en-US" altLang="zh-CN" dirty="0" err="1"/>
@@ -3809,7 +4150,14 @@
             </a:r>
             <a:r>
               <a:rPr lang="zh-CN" altLang="en-US" dirty="0"/>
-              <a:t>。（一旦参与者收到了</a:t>
+              <a:t>。</a:t>
+            </a:r>
+            <a:endParaRPr lang="en-US" altLang="zh-CN" dirty="0"/>
+          </a:p>
+          <a:p>
+            <a:r>
+              <a:rPr lang="zh-CN" altLang="en-US" dirty="0"/>
+              <a:t>（一旦参与者收到了</a:t>
             </a:r>
             <a:r>
               <a:rPr lang="en-US" altLang="zh-CN" dirty="0" err="1"/>
@@ -3855,7 +4203,7 @@
           <a:p>
             <a:fld id="{30936462-658F-4E41-8C6E-2EAB7E357587}" type="slidenum">
               <a:rPr lang="zh-CN" altLang="en-US" smtClean="0"/>
-              <a:t>10</a:t>
+              <a:t>11</a:t>
             </a:fld>
             <a:endParaRPr lang="zh-CN" altLang="en-US"/>
           </a:p>
@@ -7107,13 +7455,6 @@
   <p:clrMapOvr>
     <a:masterClrMapping/>
   </p:clrMapOvr>
-  <p:timing>
-    <p:tnLst>
-      <p:par>
-        <p:cTn id="1" dur="indefinite" restart="never" nodeType="tmRoot"/>
-      </p:par>
-    </p:tnLst>
-  </p:timing>
 </p:sld>
 </file>
 
@@ -7144,10 +7485,33 @@
             <p:ph type="title"/>
           </p:nvPr>
         </p:nvSpPr>
+        <p:spPr/>
+        <p:txBody>
+          <a:bodyPr/>
+          <a:lstStyle/>
+          <a:p>
+            <a:r>
+              <a:rPr lang="en-US" altLang="zh-CN" dirty="0"/>
+              <a:t>2PC</a:t>
+            </a:r>
+            <a:endParaRPr lang="zh-CN" altLang="en-US" dirty="0"/>
+          </a:p>
+        </p:txBody>
+      </p:sp>
+      <p:sp>
+        <p:nvSpPr>
+          <p:cNvPr id="3" name="Content Placeholder 2"/>
+          <p:cNvSpPr>
+            <a:spLocks noGrp="1"/>
+          </p:cNvSpPr>
+          <p:nvPr>
+            <p:ph idx="1"/>
+          </p:nvPr>
+        </p:nvSpPr>
         <p:spPr>
           <a:xfrm>
-            <a:off x="838200" y="365125"/>
-            <a:ext cx="10515600" cy="697193"/>
+            <a:off x="838200" y="1322024"/>
+            <a:ext cx="10515600" cy="4854939"/>
           </a:xfrm>
         </p:spPr>
         <p:txBody>
@@ -7155,436 +7519,195 @@
           <a:lstStyle/>
           <a:p>
             <a:r>
-              <a:rPr lang="en-US" altLang="zh-CN" dirty="0"/>
-              <a:t>3PC</a:t>
-            </a:r>
+              <a:rPr lang="zh-CN" altLang="en-US" dirty="0"/>
+              <a:t>事务管理器</a:t>
+            </a:r>
+            <a:r>
+              <a:rPr lang="en-US" altLang="zh-CN" dirty="0"/>
+              <a:t>-&gt;</a:t>
+            </a:r>
+            <a:r>
+              <a:rPr lang="zh-CN" altLang="en-US" dirty="0"/>
+              <a:t>资源管理器</a:t>
+            </a:r>
+            <a:endParaRPr lang="en-US" altLang="zh-CN" dirty="0"/>
+          </a:p>
+          <a:p>
+            <a:endParaRPr lang="en-US" altLang="zh-CN" dirty="0"/>
+          </a:p>
+          <a:p>
+            <a:r>
+              <a:rPr lang="en-US" altLang="zh-CN" dirty="0"/>
+              <a:t>1. </a:t>
+            </a:r>
+            <a:r>
+              <a:rPr lang="zh-CN" altLang="en-US" dirty="0"/>
+              <a:t>准备阶段（</a:t>
+            </a:r>
+            <a:r>
+              <a:rPr lang="en-US" altLang="zh-CN" dirty="0"/>
+              <a:t>Prepare</a:t>
+            </a:r>
+            <a:r>
+              <a:rPr lang="zh-CN" altLang="en-US" dirty="0"/>
+              <a:t>）</a:t>
+            </a:r>
+            <a:endParaRPr lang="en-US" altLang="zh-CN" dirty="0"/>
+          </a:p>
+          <a:p>
+            <a:pPr lvl="1"/>
+            <a:r>
+              <a:rPr lang="zh-CN" altLang="en-US" dirty="0"/>
+              <a:t>返回失败</a:t>
+            </a:r>
+            <a:endParaRPr lang="en-US" altLang="zh-CN" dirty="0"/>
+          </a:p>
+          <a:p>
+            <a:pPr lvl="1"/>
+            <a:r>
+              <a:rPr lang="zh-CN" altLang="en-US" dirty="0"/>
+              <a:t>执行事务但不提交</a:t>
+            </a:r>
+            <a:endParaRPr lang="en-US" altLang="zh-CN" dirty="0"/>
+          </a:p>
+          <a:p>
+            <a:endParaRPr lang="en-US" altLang="zh-CN" dirty="0"/>
+          </a:p>
+          <a:p>
+            <a:r>
+              <a:rPr lang="en-US" altLang="zh-CN" dirty="0"/>
+              <a:t>2. </a:t>
+            </a:r>
+            <a:r>
+              <a:rPr lang="zh-CN" altLang="en-US" dirty="0"/>
+              <a:t>提交阶段（</a:t>
+            </a:r>
+            <a:r>
+              <a:rPr lang="en-US" altLang="zh-CN" dirty="0"/>
+              <a:t>rollback or commit</a:t>
+            </a:r>
+            <a:r>
+              <a:rPr lang="zh-CN" altLang="en-US" dirty="0"/>
+              <a:t>）</a:t>
+            </a:r>
+            <a:endParaRPr lang="en-US" altLang="zh-CN" dirty="0"/>
+          </a:p>
+          <a:p>
+            <a:pPr lvl="1"/>
+            <a:r>
+              <a:rPr lang="zh-CN" altLang="en-US" dirty="0"/>
+              <a:t>回滚事务</a:t>
+            </a:r>
+            <a:endParaRPr lang="en-US" altLang="zh-CN" dirty="0"/>
+          </a:p>
+          <a:p>
+            <a:pPr lvl="1"/>
+            <a:r>
+              <a:rPr lang="zh-CN" altLang="en-US" dirty="0"/>
+              <a:t>提交事务</a:t>
+            </a:r>
+            <a:endParaRPr lang="en-US" altLang="zh-CN" dirty="0"/>
+          </a:p>
+          <a:p>
+            <a:endParaRPr lang="en-US" altLang="zh-CN" dirty="0"/>
+          </a:p>
+          <a:p>
+            <a:endParaRPr lang="en-US" altLang="zh-CN" dirty="0"/>
+          </a:p>
+          <a:p>
+            <a:endParaRPr lang="en-US" altLang="zh-CN" dirty="0"/>
+          </a:p>
+          <a:p>
             <a:endParaRPr lang="zh-CN" altLang="en-US" dirty="0"/>
           </a:p>
         </p:txBody>
       </p:sp>
-      <p:sp>
-        <p:nvSpPr>
-          <p:cNvPr id="3" name="Content Placeholder 2"/>
-          <p:cNvSpPr>
-            <a:spLocks noGrp="1"/>
-          </p:cNvSpPr>
-          <p:nvPr>
-            <p:ph idx="1"/>
-          </p:nvPr>
-        </p:nvSpPr>
-        <p:spPr>
+      <p:pic>
+        <p:nvPicPr>
+          <p:cNvPr id="4" name="Picture 4" descr="fail"/>
+          <p:cNvPicPr>
+            <a:picLocks noChangeAspect="1" noChangeArrowheads="1"/>
+          </p:cNvPicPr>
+          <p:nvPr/>
+        </p:nvPicPr>
+        <p:blipFill>
+          <a:blip r:embed="rId3">
+            <a:extLst>
+              <a:ext uri="{28A0092B-C50C-407E-A947-70E740481C1C}">
+                <a14:useLocalDpi xmlns:a14="http://schemas.microsoft.com/office/drawing/2010/main" val="0"/>
+              </a:ext>
+            </a:extLst>
+          </a:blip>
+          <a:srcRect/>
+          <a:stretch>
+            <a:fillRect/>
+          </a:stretch>
+        </p:blipFill>
+        <p:spPr bwMode="auto">
           <a:xfrm>
-            <a:off x="838200" y="1331259"/>
-            <a:ext cx="10515600" cy="4845704"/>
+            <a:off x="6579534" y="3648345"/>
+            <a:ext cx="4591050" cy="2943225"/>
           </a:xfrm>
+          <a:prstGeom prst="rect">
+            <a:avLst/>
+          </a:prstGeom>
+          <a:noFill/>
+          <a:extLst>
+            <a:ext uri="{909E8E84-426E-40DD-AFC4-6F175D3DCCD1}">
+              <a14:hiddenFill xmlns:a14="http://schemas.microsoft.com/office/drawing/2010/main">
+                <a:solidFill>
+                  <a:srgbClr val="FFFFFF"/>
+                </a:solidFill>
+              </a14:hiddenFill>
+            </a:ext>
+          </a:extLst>
         </p:spPr>
-        <p:txBody>
-          <a:bodyPr>
-            <a:noAutofit/>
-          </a:bodyPr>
-          <a:lstStyle/>
-          <a:p>
-            <a:r>
-              <a:rPr lang="en-US" altLang="zh-CN" sz="1600" dirty="0" err="1">
-                <a:latin typeface="Arial" panose="020B0604020202020204" pitchFamily="34" charset="0"/>
-                <a:ea typeface="宋体" panose="02010600030101010101" pitchFamily="2" charset="-122"/>
-                <a:cs typeface="Arial" panose="020B0604020202020204" pitchFamily="34" charset="0"/>
-              </a:rPr>
-              <a:t>CanCommit</a:t>
-            </a:r>
-            <a:r>
-              <a:rPr lang="zh-CN" altLang="en-US" sz="1600" dirty="0">
-                <a:latin typeface="Arial" panose="020B0604020202020204" pitchFamily="34" charset="0"/>
-                <a:ea typeface="宋体" panose="02010600030101010101" pitchFamily="2" charset="-122"/>
-                <a:cs typeface="Arial" panose="020B0604020202020204" pitchFamily="34" charset="0"/>
-              </a:rPr>
-              <a:t>阶段</a:t>
-            </a:r>
-            <a:endParaRPr lang="en-US" altLang="zh-CN" sz="1600" dirty="0">
-              <a:latin typeface="Arial" panose="020B0604020202020204" pitchFamily="34" charset="0"/>
-              <a:ea typeface="宋体" panose="02010600030101010101" pitchFamily="2" charset="-122"/>
-              <a:cs typeface="Arial" panose="020B0604020202020204" pitchFamily="34" charset="0"/>
-            </a:endParaRPr>
-          </a:p>
-          <a:p>
-            <a:r>
-              <a:rPr lang="en-US" altLang="zh-CN" sz="1600" dirty="0">
-                <a:latin typeface="Arial" panose="020B0604020202020204" pitchFamily="34" charset="0"/>
-                <a:ea typeface="宋体" panose="02010600030101010101" pitchFamily="2" charset="-122"/>
-                <a:cs typeface="Arial" panose="020B0604020202020204" pitchFamily="34" charset="0"/>
-              </a:rPr>
-              <a:t>1.</a:t>
-            </a:r>
-            <a:r>
-              <a:rPr lang="zh-CN" altLang="en-US" sz="1600" dirty="0">
-                <a:latin typeface="Arial" panose="020B0604020202020204" pitchFamily="34" charset="0"/>
-                <a:ea typeface="宋体" panose="02010600030101010101" pitchFamily="2" charset="-122"/>
-                <a:cs typeface="Arial" panose="020B0604020202020204" pitchFamily="34" charset="0"/>
-              </a:rPr>
-              <a:t>事务询问 </a:t>
-            </a:r>
-            <a:r>
-              <a:rPr lang="en-US" altLang="zh-CN" sz="1600" dirty="0">
-                <a:latin typeface="Arial" panose="020B0604020202020204" pitchFamily="34" charset="0"/>
-                <a:ea typeface="宋体" panose="02010600030101010101" pitchFamily="2" charset="-122"/>
-                <a:cs typeface="Arial" panose="020B0604020202020204" pitchFamily="34" charset="0"/>
-              </a:rPr>
-              <a:t>-&gt;2.</a:t>
-            </a:r>
-            <a:r>
-              <a:rPr lang="zh-CN" altLang="en-US" sz="1600" dirty="0">
-                <a:latin typeface="Arial" panose="020B0604020202020204" pitchFamily="34" charset="0"/>
-                <a:ea typeface="宋体" panose="02010600030101010101" pitchFamily="2" charset="-122"/>
-                <a:cs typeface="Arial" panose="020B0604020202020204" pitchFamily="34" charset="0"/>
-              </a:rPr>
-              <a:t>响应反馈 </a:t>
-            </a:r>
-            <a:endParaRPr lang="en-US" altLang="zh-CN" sz="1600" dirty="0">
-              <a:latin typeface="Arial" panose="020B0604020202020204" pitchFamily="34" charset="0"/>
-              <a:ea typeface="宋体" panose="02010600030101010101" pitchFamily="2" charset="-122"/>
-              <a:cs typeface="Arial" panose="020B0604020202020204" pitchFamily="34" charset="0"/>
-            </a:endParaRPr>
-          </a:p>
-          <a:p>
-            <a:endParaRPr lang="zh-CN" altLang="en-US" sz="1600" dirty="0">
-              <a:latin typeface="Arial" panose="020B0604020202020204" pitchFamily="34" charset="0"/>
-              <a:ea typeface="宋体" panose="02010600030101010101" pitchFamily="2" charset="-122"/>
-              <a:cs typeface="Arial" panose="020B0604020202020204" pitchFamily="34" charset="0"/>
-            </a:endParaRPr>
-          </a:p>
-          <a:p>
-            <a:r>
-              <a:rPr lang="en-US" altLang="zh-CN" sz="1600" dirty="0" err="1">
-                <a:latin typeface="Arial" panose="020B0604020202020204" pitchFamily="34" charset="0"/>
-                <a:ea typeface="宋体" panose="02010600030101010101" pitchFamily="2" charset="-122"/>
-                <a:cs typeface="Arial" panose="020B0604020202020204" pitchFamily="34" charset="0"/>
-              </a:rPr>
-              <a:t>PreCommit</a:t>
-            </a:r>
-            <a:r>
-              <a:rPr lang="zh-CN" altLang="en-US" sz="1600" dirty="0">
-                <a:latin typeface="Arial" panose="020B0604020202020204" pitchFamily="34" charset="0"/>
-                <a:ea typeface="宋体" panose="02010600030101010101" pitchFamily="2" charset="-122"/>
-                <a:cs typeface="Arial" panose="020B0604020202020204" pitchFamily="34" charset="0"/>
-              </a:rPr>
-              <a:t>阶段</a:t>
-            </a:r>
-            <a:endParaRPr lang="en-US" altLang="zh-CN" sz="1600" dirty="0">
-              <a:latin typeface="Arial" panose="020B0604020202020204" pitchFamily="34" charset="0"/>
-              <a:ea typeface="宋体" panose="02010600030101010101" pitchFamily="2" charset="-122"/>
-              <a:cs typeface="Arial" panose="020B0604020202020204" pitchFamily="34" charset="0"/>
-            </a:endParaRPr>
-          </a:p>
-          <a:p>
-            <a:r>
-              <a:rPr lang="en-US" altLang="zh-CN" sz="1600" dirty="0">
-                <a:latin typeface="Arial" panose="020B0604020202020204" pitchFamily="34" charset="0"/>
-                <a:ea typeface="宋体" panose="02010600030101010101" pitchFamily="2" charset="-122"/>
-                <a:cs typeface="Arial" panose="020B0604020202020204" pitchFamily="34" charset="0"/>
-              </a:rPr>
-              <a:t>Commit: 1.</a:t>
-            </a:r>
-            <a:r>
-              <a:rPr lang="zh-CN" altLang="en-US" sz="1600" dirty="0">
-                <a:latin typeface="Arial" panose="020B0604020202020204" pitchFamily="34" charset="0"/>
-                <a:ea typeface="宋体" panose="02010600030101010101" pitchFamily="2" charset="-122"/>
-                <a:cs typeface="Arial" panose="020B0604020202020204" pitchFamily="34" charset="0"/>
-              </a:rPr>
-              <a:t>发送预提交请求</a:t>
-            </a:r>
-            <a:r>
-              <a:rPr lang="en-US" altLang="zh-CN" sz="1600" dirty="0">
-                <a:latin typeface="Arial" panose="020B0604020202020204" pitchFamily="34" charset="0"/>
-                <a:ea typeface="宋体" panose="02010600030101010101" pitchFamily="2" charset="-122"/>
-                <a:cs typeface="Arial" panose="020B0604020202020204" pitchFamily="34" charset="0"/>
-              </a:rPr>
-              <a:t>-&gt;2.</a:t>
-            </a:r>
-            <a:r>
-              <a:rPr lang="zh-CN" altLang="en-US" sz="1600" dirty="0">
-                <a:latin typeface="Arial" panose="020B0604020202020204" pitchFamily="34" charset="0"/>
-                <a:ea typeface="宋体" panose="02010600030101010101" pitchFamily="2" charset="-122"/>
-                <a:cs typeface="Arial" panose="020B0604020202020204" pitchFamily="34" charset="0"/>
-              </a:rPr>
-              <a:t>事务预提交 </a:t>
-            </a:r>
-            <a:r>
-              <a:rPr lang="en-US" altLang="zh-CN" sz="1600" dirty="0">
-                <a:latin typeface="Arial" panose="020B0604020202020204" pitchFamily="34" charset="0"/>
-                <a:ea typeface="宋体" panose="02010600030101010101" pitchFamily="2" charset="-122"/>
-                <a:cs typeface="Arial" panose="020B0604020202020204" pitchFamily="34" charset="0"/>
-              </a:rPr>
-              <a:t>-&gt;3.</a:t>
-            </a:r>
-            <a:r>
-              <a:rPr lang="zh-CN" altLang="en-US" sz="1600" dirty="0">
-                <a:latin typeface="Arial" panose="020B0604020202020204" pitchFamily="34" charset="0"/>
-                <a:ea typeface="宋体" panose="02010600030101010101" pitchFamily="2" charset="-122"/>
-                <a:cs typeface="Arial" panose="020B0604020202020204" pitchFamily="34" charset="0"/>
-              </a:rPr>
-              <a:t>响应反馈</a:t>
-            </a:r>
-            <a:endParaRPr lang="en-US" altLang="zh-CN" sz="1600" dirty="0">
-              <a:latin typeface="Arial" panose="020B0604020202020204" pitchFamily="34" charset="0"/>
-              <a:ea typeface="宋体" panose="02010600030101010101" pitchFamily="2" charset="-122"/>
-              <a:cs typeface="Arial" panose="020B0604020202020204" pitchFamily="34" charset="0"/>
-            </a:endParaRPr>
-          </a:p>
-          <a:p>
-            <a:r>
-              <a:rPr lang="en-US" altLang="zh-CN" sz="1600" dirty="0">
-                <a:latin typeface="Arial" panose="020B0604020202020204" pitchFamily="34" charset="0"/>
-                <a:ea typeface="宋体" panose="02010600030101010101" pitchFamily="2" charset="-122"/>
-                <a:cs typeface="Arial" panose="020B0604020202020204" pitchFamily="34" charset="0"/>
-              </a:rPr>
-              <a:t>Rollback:1.</a:t>
-            </a:r>
-            <a:r>
-              <a:rPr lang="zh-CN" altLang="en-US" sz="1600" dirty="0">
-                <a:latin typeface="Arial" panose="020B0604020202020204" pitchFamily="34" charset="0"/>
-                <a:ea typeface="宋体" panose="02010600030101010101" pitchFamily="2" charset="-122"/>
-                <a:cs typeface="Arial" panose="020B0604020202020204" pitchFamily="34" charset="0"/>
-              </a:rPr>
-              <a:t>发送中断请求 </a:t>
-            </a:r>
-            <a:r>
-              <a:rPr lang="en-US" altLang="zh-CN" sz="1600" dirty="0">
-                <a:latin typeface="Arial" panose="020B0604020202020204" pitchFamily="34" charset="0"/>
-                <a:ea typeface="宋体" panose="02010600030101010101" pitchFamily="2" charset="-122"/>
-                <a:cs typeface="Arial" panose="020B0604020202020204" pitchFamily="34" charset="0"/>
-              </a:rPr>
-              <a:t>-&gt;2.</a:t>
-            </a:r>
-            <a:r>
-              <a:rPr lang="zh-CN" altLang="en-US" sz="1600" dirty="0">
-                <a:latin typeface="Arial" panose="020B0604020202020204" pitchFamily="34" charset="0"/>
-                <a:ea typeface="宋体" panose="02010600030101010101" pitchFamily="2" charset="-122"/>
-                <a:cs typeface="Arial" panose="020B0604020202020204" pitchFamily="34" charset="0"/>
-              </a:rPr>
-              <a:t>中断事务</a:t>
-            </a:r>
-            <a:endParaRPr lang="en-US" altLang="zh-CN" sz="1600" dirty="0">
-              <a:latin typeface="Arial" panose="020B0604020202020204" pitchFamily="34" charset="0"/>
-              <a:ea typeface="宋体" panose="02010600030101010101" pitchFamily="2" charset="-122"/>
-              <a:cs typeface="Arial" panose="020B0604020202020204" pitchFamily="34" charset="0"/>
-            </a:endParaRPr>
-          </a:p>
-          <a:p>
-            <a:endParaRPr lang="zh-CN" altLang="en-US" sz="1600" dirty="0">
-              <a:latin typeface="Arial" panose="020B0604020202020204" pitchFamily="34" charset="0"/>
-              <a:ea typeface="宋体" panose="02010600030101010101" pitchFamily="2" charset="-122"/>
-              <a:cs typeface="Arial" panose="020B0604020202020204" pitchFamily="34" charset="0"/>
-            </a:endParaRPr>
-          </a:p>
-          <a:p>
-            <a:r>
-              <a:rPr lang="en-US" altLang="zh-CN" sz="1600" dirty="0" err="1">
-                <a:latin typeface="Arial" panose="020B0604020202020204" pitchFamily="34" charset="0"/>
-                <a:ea typeface="宋体" panose="02010600030101010101" pitchFamily="2" charset="-122"/>
-                <a:cs typeface="Arial" panose="020B0604020202020204" pitchFamily="34" charset="0"/>
-              </a:rPr>
-              <a:t>doCommit</a:t>
-            </a:r>
-            <a:r>
-              <a:rPr lang="zh-CN" altLang="en-US" sz="1600" dirty="0">
-                <a:latin typeface="Arial" panose="020B0604020202020204" pitchFamily="34" charset="0"/>
-                <a:ea typeface="宋体" panose="02010600030101010101" pitchFamily="2" charset="-122"/>
-                <a:cs typeface="Arial" panose="020B0604020202020204" pitchFamily="34" charset="0"/>
-              </a:rPr>
-              <a:t>阶段</a:t>
-            </a:r>
-            <a:endParaRPr lang="en-US" altLang="zh-CN" sz="1600" dirty="0">
-              <a:latin typeface="Arial" panose="020B0604020202020204" pitchFamily="34" charset="0"/>
-              <a:ea typeface="宋体" panose="02010600030101010101" pitchFamily="2" charset="-122"/>
-              <a:cs typeface="Arial" panose="020B0604020202020204" pitchFamily="34" charset="0"/>
-            </a:endParaRPr>
-          </a:p>
-          <a:p>
-            <a:r>
-              <a:rPr lang="en-US" altLang="zh-CN" sz="1600" dirty="0">
-                <a:latin typeface="Arial" panose="020B0604020202020204" pitchFamily="34" charset="0"/>
-                <a:ea typeface="宋体" panose="02010600030101010101" pitchFamily="2" charset="-122"/>
-                <a:cs typeface="Arial" panose="020B0604020202020204" pitchFamily="34" charset="0"/>
-              </a:rPr>
-              <a:t>Commit: 1.</a:t>
-            </a:r>
-            <a:r>
-              <a:rPr lang="zh-CN" altLang="en-US" sz="1600" dirty="0">
-                <a:latin typeface="Arial" panose="020B0604020202020204" pitchFamily="34" charset="0"/>
-                <a:ea typeface="宋体" panose="02010600030101010101" pitchFamily="2" charset="-122"/>
-                <a:cs typeface="Arial" panose="020B0604020202020204" pitchFamily="34" charset="0"/>
-              </a:rPr>
-              <a:t>发送提交请求  </a:t>
-            </a:r>
-            <a:r>
-              <a:rPr lang="en-US" altLang="zh-CN" sz="1600" dirty="0">
-                <a:latin typeface="Arial" panose="020B0604020202020204" pitchFamily="34" charset="0"/>
-                <a:ea typeface="宋体" panose="02010600030101010101" pitchFamily="2" charset="-122"/>
-                <a:cs typeface="Arial" panose="020B0604020202020204" pitchFamily="34" charset="0"/>
-              </a:rPr>
-              <a:t>-&gt;2.</a:t>
-            </a:r>
-            <a:r>
-              <a:rPr lang="zh-CN" altLang="en-US" sz="1600" dirty="0">
-                <a:latin typeface="Arial" panose="020B0604020202020204" pitchFamily="34" charset="0"/>
-                <a:ea typeface="宋体" panose="02010600030101010101" pitchFamily="2" charset="-122"/>
-                <a:cs typeface="Arial" panose="020B0604020202020204" pitchFamily="34" charset="0"/>
-              </a:rPr>
-              <a:t>事务提交  </a:t>
-            </a:r>
-            <a:r>
-              <a:rPr lang="en-US" altLang="zh-CN" sz="1600" dirty="0">
-                <a:latin typeface="Arial" panose="020B0604020202020204" pitchFamily="34" charset="0"/>
-                <a:ea typeface="宋体" panose="02010600030101010101" pitchFamily="2" charset="-122"/>
-                <a:cs typeface="Arial" panose="020B0604020202020204" pitchFamily="34" charset="0"/>
-              </a:rPr>
-              <a:t>-&gt;3.</a:t>
-            </a:r>
-            <a:r>
-              <a:rPr lang="zh-CN" altLang="en-US" sz="1600" dirty="0">
-                <a:latin typeface="Arial" panose="020B0604020202020204" pitchFamily="34" charset="0"/>
-                <a:ea typeface="宋体" panose="02010600030101010101" pitchFamily="2" charset="-122"/>
-                <a:cs typeface="Arial" panose="020B0604020202020204" pitchFamily="34" charset="0"/>
-              </a:rPr>
-              <a:t>响应反馈</a:t>
-            </a:r>
-            <a:r>
-              <a:rPr lang="en-US" altLang="zh-CN" sz="1600" dirty="0">
-                <a:latin typeface="Arial" panose="020B0604020202020204" pitchFamily="34" charset="0"/>
-                <a:ea typeface="宋体" panose="02010600030101010101" pitchFamily="2" charset="-122"/>
-                <a:cs typeface="Arial" panose="020B0604020202020204" pitchFamily="34" charset="0"/>
-              </a:rPr>
-              <a:t>.-&gt;4.</a:t>
-            </a:r>
-            <a:r>
-              <a:rPr lang="zh-CN" altLang="en-US" sz="1600" dirty="0">
-                <a:latin typeface="Arial" panose="020B0604020202020204" pitchFamily="34" charset="0"/>
-                <a:ea typeface="宋体" panose="02010600030101010101" pitchFamily="2" charset="-122"/>
-                <a:cs typeface="Arial" panose="020B0604020202020204" pitchFamily="34" charset="0"/>
-              </a:rPr>
-              <a:t>完成事务</a:t>
-            </a:r>
-            <a:endParaRPr lang="en-US" altLang="zh-CN" sz="1600" dirty="0">
-              <a:latin typeface="Arial" panose="020B0604020202020204" pitchFamily="34" charset="0"/>
-              <a:ea typeface="宋体" panose="02010600030101010101" pitchFamily="2" charset="-122"/>
-              <a:cs typeface="Arial" panose="020B0604020202020204" pitchFamily="34" charset="0"/>
-            </a:endParaRPr>
-          </a:p>
-          <a:p>
-            <a:r>
-              <a:rPr lang="en-US" altLang="zh-CN" sz="1600" dirty="0">
-                <a:latin typeface="Arial" panose="020B0604020202020204" pitchFamily="34" charset="0"/>
-                <a:ea typeface="宋体" panose="02010600030101010101" pitchFamily="2" charset="-122"/>
-                <a:cs typeface="Arial" panose="020B0604020202020204" pitchFamily="34" charset="0"/>
-              </a:rPr>
-              <a:t>Rollback:1.</a:t>
-            </a:r>
-            <a:r>
-              <a:rPr lang="zh-CN" altLang="en-US" sz="1600" dirty="0">
-                <a:latin typeface="Arial" panose="020B0604020202020204" pitchFamily="34" charset="0"/>
-                <a:ea typeface="宋体" panose="02010600030101010101" pitchFamily="2" charset="-122"/>
-                <a:cs typeface="Arial" panose="020B0604020202020204" pitchFamily="34" charset="0"/>
-              </a:rPr>
-              <a:t>发送中断请求 </a:t>
-            </a:r>
-            <a:r>
-              <a:rPr lang="en-US" altLang="zh-CN" sz="1600" dirty="0">
-                <a:latin typeface="Arial" panose="020B0604020202020204" pitchFamily="34" charset="0"/>
-                <a:ea typeface="宋体" panose="02010600030101010101" pitchFamily="2" charset="-122"/>
-                <a:cs typeface="Arial" panose="020B0604020202020204" pitchFamily="34" charset="0"/>
-              </a:rPr>
-              <a:t>-&gt;2.</a:t>
-            </a:r>
-            <a:r>
-              <a:rPr lang="zh-CN" altLang="en-US" sz="1600" dirty="0">
-                <a:latin typeface="Arial" panose="020B0604020202020204" pitchFamily="34" charset="0"/>
-                <a:ea typeface="宋体" panose="02010600030101010101" pitchFamily="2" charset="-122"/>
-                <a:cs typeface="Arial" panose="020B0604020202020204" pitchFamily="34" charset="0"/>
-              </a:rPr>
-              <a:t>事务回滚</a:t>
-            </a:r>
-            <a:r>
-              <a:rPr lang="en-US" altLang="zh-CN" sz="1600" dirty="0">
-                <a:latin typeface="Arial" panose="020B0604020202020204" pitchFamily="34" charset="0"/>
-                <a:ea typeface="宋体" panose="02010600030101010101" pitchFamily="2" charset="-122"/>
-                <a:cs typeface="Arial" panose="020B0604020202020204" pitchFamily="34" charset="0"/>
-              </a:rPr>
-              <a:t>-&gt;3.</a:t>
-            </a:r>
-            <a:r>
-              <a:rPr lang="zh-CN" altLang="en-US" sz="1600" dirty="0">
-                <a:latin typeface="Arial" panose="020B0604020202020204" pitchFamily="34" charset="0"/>
-                <a:ea typeface="宋体" panose="02010600030101010101" pitchFamily="2" charset="-122"/>
-                <a:cs typeface="Arial" panose="020B0604020202020204" pitchFamily="34" charset="0"/>
-              </a:rPr>
-              <a:t>反馈结果 </a:t>
-            </a:r>
-            <a:r>
-              <a:rPr lang="en-US" altLang="zh-CN" sz="1600" dirty="0">
-                <a:latin typeface="Arial" panose="020B0604020202020204" pitchFamily="34" charset="0"/>
-                <a:ea typeface="宋体" panose="02010600030101010101" pitchFamily="2" charset="-122"/>
-                <a:cs typeface="Arial" panose="020B0604020202020204" pitchFamily="34" charset="0"/>
-              </a:rPr>
-              <a:t>-&gt;4.</a:t>
-            </a:r>
-            <a:r>
-              <a:rPr lang="zh-CN" altLang="en-US" sz="1600" dirty="0">
-                <a:latin typeface="Arial" panose="020B0604020202020204" pitchFamily="34" charset="0"/>
-                <a:ea typeface="宋体" panose="02010600030101010101" pitchFamily="2" charset="-122"/>
-                <a:cs typeface="Arial" panose="020B0604020202020204" pitchFamily="34" charset="0"/>
-              </a:rPr>
-              <a:t>中断事务</a:t>
-            </a:r>
-            <a:endParaRPr lang="en-US" altLang="zh-CN" sz="1600" dirty="0">
-              <a:latin typeface="Arial" panose="020B0604020202020204" pitchFamily="34" charset="0"/>
-              <a:ea typeface="宋体" panose="02010600030101010101" pitchFamily="2" charset="-122"/>
-              <a:cs typeface="Arial" panose="020B0604020202020204" pitchFamily="34" charset="0"/>
-            </a:endParaRPr>
-          </a:p>
-          <a:p>
-            <a:endParaRPr lang="en-US" altLang="zh-CN" sz="1600" dirty="0">
-              <a:latin typeface="Arial" panose="020B0604020202020204" pitchFamily="34" charset="0"/>
-              <a:ea typeface="宋体" panose="02010600030101010101" pitchFamily="2" charset="-122"/>
-              <a:cs typeface="Arial" panose="020B0604020202020204" pitchFamily="34" charset="0"/>
-            </a:endParaRPr>
-          </a:p>
-          <a:p>
-            <a:r>
-              <a:rPr lang="zh-CN" altLang="en-US" sz="1600" dirty="0">
-                <a:latin typeface="Arial" panose="020B0604020202020204" pitchFamily="34" charset="0"/>
-                <a:ea typeface="宋体" panose="02010600030101010101" pitchFamily="2" charset="-122"/>
-                <a:cs typeface="Arial" panose="020B0604020202020204" pitchFamily="34" charset="0"/>
-              </a:rPr>
-              <a:t>解决单点故障，并减少阻塞。因为一旦参与者无法及时收到来自协调者的信息之后，他会默认执行</a:t>
-            </a:r>
-            <a:r>
-              <a:rPr lang="en-US" altLang="zh-CN" sz="1600" dirty="0">
-                <a:latin typeface="Arial" panose="020B0604020202020204" pitchFamily="34" charset="0"/>
-                <a:ea typeface="宋体" panose="02010600030101010101" pitchFamily="2" charset="-122"/>
-                <a:cs typeface="Arial" panose="020B0604020202020204" pitchFamily="34" charset="0"/>
-              </a:rPr>
-              <a:t>commit</a:t>
-            </a:r>
-            <a:r>
-              <a:rPr lang="zh-CN" altLang="en-US" sz="1600" dirty="0">
-                <a:latin typeface="Arial" panose="020B0604020202020204" pitchFamily="34" charset="0"/>
-                <a:ea typeface="宋体" panose="02010600030101010101" pitchFamily="2" charset="-122"/>
-                <a:cs typeface="Arial" panose="020B0604020202020204" pitchFamily="34" charset="0"/>
-              </a:rPr>
-              <a:t>。而不会一直持有事务资源并处于阻塞状态。</a:t>
-            </a:r>
-            <a:endParaRPr lang="en-US" altLang="zh-CN" sz="1600" dirty="0">
-              <a:latin typeface="Arial" panose="020B0604020202020204" pitchFamily="34" charset="0"/>
-              <a:ea typeface="宋体" panose="02010600030101010101" pitchFamily="2" charset="-122"/>
-              <a:cs typeface="Arial" panose="020B0604020202020204" pitchFamily="34" charset="0"/>
-            </a:endParaRPr>
-          </a:p>
-        </p:txBody>
-      </p:sp>
+      </p:pic>
+      <p:pic>
+        <p:nvPicPr>
+          <p:cNvPr id="5" name="Picture 2" descr="success"/>
+          <p:cNvPicPr>
+            <a:picLocks noChangeAspect="1" noChangeArrowheads="1"/>
+          </p:cNvPicPr>
+          <p:nvPr/>
+        </p:nvPicPr>
+        <p:blipFill>
+          <a:blip r:embed="rId4">
+            <a:extLst>
+              <a:ext uri="{28A0092B-C50C-407E-A947-70E740481C1C}">
+                <a14:useLocalDpi xmlns:a14="http://schemas.microsoft.com/office/drawing/2010/main" val="0"/>
+              </a:ext>
+            </a:extLst>
+          </a:blip>
+          <a:srcRect/>
+          <a:stretch>
+            <a:fillRect/>
+          </a:stretch>
+        </p:blipFill>
+        <p:spPr bwMode="auto">
+          <a:xfrm>
+            <a:off x="6579534" y="608646"/>
+            <a:ext cx="4809524" cy="2904762"/>
+          </a:xfrm>
+          <a:prstGeom prst="rect">
+            <a:avLst/>
+          </a:prstGeom>
+          <a:noFill/>
+          <a:extLst>
+            <a:ext uri="{909E8E84-426E-40DD-AFC4-6F175D3DCCD1}">
+              <a14:hiddenFill xmlns:a14="http://schemas.microsoft.com/office/drawing/2010/main">
+                <a:solidFill>
+                  <a:srgbClr val="FFFFFF"/>
+                </a:solidFill>
+              </a14:hiddenFill>
+            </a:ext>
+          </a:extLst>
+        </p:spPr>
+      </p:pic>
     </p:spTree>
     <p:extLst>
       <p:ext uri="{BB962C8B-B14F-4D97-AF65-F5344CB8AC3E}">
-        <p14:creationId xmlns:p14="http://schemas.microsoft.com/office/powerpoint/2010/main" val="3973329441"/>
+        <p14:creationId xmlns:p14="http://schemas.microsoft.com/office/powerpoint/2010/main" val="1784217791"/>
       </p:ext>
     </p:extLst>
   </p:cSld>
@@ -7621,14 +7744,19 @@
             <p:ph type="title"/>
           </p:nvPr>
         </p:nvSpPr>
-        <p:spPr/>
+        <p:spPr>
+          <a:xfrm>
+            <a:off x="838200" y="365125"/>
+            <a:ext cx="10515600" cy="697193"/>
+          </a:xfrm>
+        </p:spPr>
         <p:txBody>
           <a:bodyPr/>
           <a:lstStyle/>
           <a:p>
             <a:r>
               <a:rPr lang="en-US" altLang="zh-CN" dirty="0"/>
-              <a:t>JTA</a:t>
+              <a:t>3PC</a:t>
             </a:r>
             <a:endParaRPr lang="zh-CN" altLang="en-US" dirty="0"/>
           </a:p>
@@ -7644,213 +7772,466 @@
             <p:ph idx="1"/>
           </p:nvPr>
         </p:nvSpPr>
-        <p:spPr/>
-        <p:txBody>
-          <a:bodyPr/>
+        <p:spPr>
+          <a:xfrm>
+            <a:off x="838200" y="1062318"/>
+            <a:ext cx="10515600" cy="4845704"/>
+          </a:xfrm>
+        </p:spPr>
+        <p:txBody>
+          <a:bodyPr>
+            <a:noAutofit/>
+          </a:bodyPr>
           <a:lstStyle/>
           <a:p>
             <a:r>
-              <a:rPr lang="zh-CN" altLang="en-US" dirty="0"/>
-              <a:t>作为</a:t>
-            </a:r>
-            <a:r>
-              <a:rPr lang="en-US" altLang="zh-CN" b="1" dirty="0">
-                <a:hlinkClick r:id="rId2" tooltip="Java EE知识库"/>
-              </a:rPr>
-              <a:t>Java</a:t>
-            </a:r>
-            <a:r>
-              <a:rPr lang="zh-CN" altLang="en-US" dirty="0"/>
-              <a:t>平台上事务规范</a:t>
-            </a:r>
-            <a:r>
-              <a:rPr lang="en-US" altLang="zh-CN" dirty="0"/>
-              <a:t>JTA</a:t>
-            </a:r>
-            <a:r>
-              <a:rPr lang="zh-CN" altLang="en-US" dirty="0"/>
-              <a:t>（</a:t>
-            </a:r>
-            <a:r>
-              <a:rPr lang="en-US" altLang="zh-CN" b="1" dirty="0">
-                <a:hlinkClick r:id="rId3" tooltip="Java 知识库"/>
-              </a:rPr>
-              <a:t>Java </a:t>
-            </a:r>
-            <a:r>
-              <a:rPr lang="en-US" altLang="zh-CN" dirty="0"/>
-              <a:t>Transaction API</a:t>
-            </a:r>
-            <a:r>
-              <a:rPr lang="zh-CN" altLang="en-US" dirty="0"/>
-              <a:t>）也定义了对</a:t>
-            </a:r>
-            <a:r>
-              <a:rPr lang="en-US" altLang="zh-CN" dirty="0"/>
-              <a:t>XA</a:t>
-            </a:r>
-            <a:r>
-              <a:rPr lang="zh-CN" altLang="en-US" dirty="0"/>
-              <a:t>事务的支持，实际上，</a:t>
-            </a:r>
-            <a:r>
-              <a:rPr lang="en-US" altLang="zh-CN" dirty="0"/>
-              <a:t>JTA</a:t>
-            </a:r>
-            <a:r>
-              <a:rPr lang="zh-CN" altLang="en-US" dirty="0"/>
-              <a:t>是基于</a:t>
-            </a:r>
-            <a:r>
-              <a:rPr lang="en-US" altLang="zh-CN" dirty="0"/>
-              <a:t>XA</a:t>
-            </a:r>
-            <a:r>
-              <a:rPr lang="zh-CN" altLang="en-US" b="1" dirty="0">
-                <a:hlinkClick r:id="rId4" tooltip="大型网站架构知识库"/>
-              </a:rPr>
-              <a:t>架构</a:t>
-            </a:r>
-            <a:r>
-              <a:rPr lang="zh-CN" altLang="en-US" dirty="0"/>
-              <a:t>上建模的，在</a:t>
-            </a:r>
-            <a:r>
-              <a:rPr lang="en-US" altLang="zh-CN" dirty="0"/>
-              <a:t>JTA </a:t>
-            </a:r>
-            <a:r>
-              <a:rPr lang="zh-CN" altLang="en-US" dirty="0"/>
-              <a:t>中，事务管理器抽象为</a:t>
-            </a:r>
-            <a:r>
-              <a:rPr lang="en-US" altLang="zh-CN" dirty="0" err="1"/>
-              <a:t>javax.transaction.TransactionManager</a:t>
-            </a:r>
-            <a:r>
-              <a:rPr lang="zh-CN" altLang="en-US" dirty="0"/>
-              <a:t>接口，并通过底层事务服务（即</a:t>
-            </a:r>
-            <a:r>
-              <a:rPr lang="en-US" altLang="zh-CN" dirty="0"/>
-              <a:t>JTS</a:t>
-            </a:r>
-            <a:r>
-              <a:rPr lang="zh-CN" altLang="en-US" dirty="0"/>
-              <a:t>）实现</a:t>
-            </a:r>
-            <a:endParaRPr lang="en-US" altLang="zh-CN" dirty="0"/>
-          </a:p>
-          <a:p>
-            <a:endParaRPr lang="en-US" altLang="zh-CN" dirty="0"/>
-          </a:p>
-          <a:p>
-            <a:r>
-              <a:rPr lang="en-US" altLang="zh-CN" dirty="0"/>
-              <a:t>1.J2EE</a:t>
-            </a:r>
-            <a:r>
-              <a:rPr lang="zh-CN" altLang="en-US" dirty="0"/>
-              <a:t>容器所提供的</a:t>
-            </a:r>
-            <a:r>
-              <a:rPr lang="en-US" altLang="zh-CN" dirty="0"/>
-              <a:t>JTA</a:t>
-            </a:r>
-            <a:r>
-              <a:rPr lang="zh-CN" altLang="en-US" dirty="0"/>
-              <a:t>实现</a:t>
-            </a:r>
-            <a:r>
-              <a:rPr lang="en-US" altLang="zh-CN" dirty="0"/>
-              <a:t>(</a:t>
-            </a:r>
-            <a:r>
-              <a:rPr lang="en-US" altLang="zh-CN" dirty="0" err="1"/>
-              <a:t>JBoss</a:t>
-            </a:r>
-            <a:r>
-              <a:rPr lang="en-US" altLang="zh-CN" dirty="0"/>
-              <a:t>)</a:t>
-            </a:r>
-            <a:br>
-              <a:rPr lang="en-US" altLang="zh-CN" dirty="0"/>
-            </a:br>
-            <a:r>
-              <a:rPr lang="en-US" altLang="zh-CN" dirty="0"/>
-              <a:t>2.</a:t>
-            </a:r>
-            <a:r>
-              <a:rPr lang="zh-CN" altLang="en-US" dirty="0"/>
-              <a:t>独立的</a:t>
-            </a:r>
-            <a:r>
-              <a:rPr lang="en-US" altLang="zh-CN" dirty="0"/>
-              <a:t>JTA</a:t>
-            </a:r>
-            <a:r>
-              <a:rPr lang="zh-CN" altLang="en-US" dirty="0"/>
-              <a:t>实现</a:t>
-            </a:r>
-            <a:r>
-              <a:rPr lang="en-US" altLang="zh-CN" dirty="0"/>
-              <a:t>:</a:t>
-            </a:r>
-            <a:r>
-              <a:rPr lang="zh-CN" altLang="en-US" dirty="0"/>
-              <a:t>如</a:t>
-            </a:r>
-            <a:r>
-              <a:rPr lang="en-US" altLang="zh-CN" dirty="0"/>
-              <a:t>JOTM</a:t>
-            </a:r>
-            <a:r>
-              <a:rPr lang="zh-CN" altLang="en-US" dirty="0"/>
-              <a:t>，</a:t>
-            </a:r>
-            <a:r>
-              <a:rPr lang="en-US" altLang="zh-CN" dirty="0" err="1"/>
-              <a:t>Atomikos</a:t>
-            </a:r>
-            <a:r>
-              <a:rPr lang="en-US" altLang="zh-CN" dirty="0"/>
-              <a:t>.</a:t>
-            </a:r>
-            <a:r>
-              <a:rPr lang="zh-CN" altLang="en-US" dirty="0"/>
-              <a:t>这些实现可以应用在那些不使用</a:t>
-            </a:r>
-            <a:r>
-              <a:rPr lang="en-US" altLang="zh-CN" dirty="0"/>
-              <a:t>J2EE</a:t>
-            </a:r>
-            <a:r>
-              <a:rPr lang="zh-CN" altLang="en-US" dirty="0"/>
-              <a:t>应用服务器的环境里用以提供分布事事务保证。如</a:t>
-            </a:r>
-            <a:r>
-              <a:rPr lang="en-US" altLang="zh-CN" dirty="0" err="1"/>
-              <a:t>Tomcat,Jetty</a:t>
-            </a:r>
-            <a:r>
-              <a:rPr lang="zh-CN" altLang="en-US" dirty="0"/>
-              <a:t>以及普通的</a:t>
-            </a:r>
-            <a:r>
-              <a:rPr lang="en-US" altLang="zh-CN" dirty="0"/>
-              <a:t>java</a:t>
-            </a:r>
-            <a:r>
-              <a:rPr lang="zh-CN" altLang="en-US" dirty="0"/>
-              <a:t>应用。</a:t>
-            </a:r>
-          </a:p>
-        </p:txBody>
-      </p:sp>
+              <a:rPr lang="en-US" altLang="zh-CN" sz="1600" dirty="0" err="1">
+                <a:latin typeface="Arial" panose="020B0604020202020204" pitchFamily="34" charset="0"/>
+                <a:ea typeface="宋体" panose="02010600030101010101" pitchFamily="2" charset="-122"/>
+                <a:cs typeface="Arial" panose="020B0604020202020204" pitchFamily="34" charset="0"/>
+              </a:rPr>
+              <a:t>CanCommit</a:t>
+            </a:r>
+            <a:r>
+              <a:rPr lang="zh-CN" altLang="en-US" sz="1600" dirty="0">
+                <a:latin typeface="Arial" panose="020B0604020202020204" pitchFamily="34" charset="0"/>
+                <a:ea typeface="宋体" panose="02010600030101010101" pitchFamily="2" charset="-122"/>
+                <a:cs typeface="Arial" panose="020B0604020202020204" pitchFamily="34" charset="0"/>
+              </a:rPr>
+              <a:t>阶段</a:t>
+            </a:r>
+            <a:endParaRPr lang="en-US" altLang="zh-CN" sz="1600" dirty="0">
+              <a:latin typeface="Arial" panose="020B0604020202020204" pitchFamily="34" charset="0"/>
+              <a:ea typeface="宋体" panose="02010600030101010101" pitchFamily="2" charset="-122"/>
+              <a:cs typeface="Arial" panose="020B0604020202020204" pitchFamily="34" charset="0"/>
+            </a:endParaRPr>
+          </a:p>
+          <a:p>
+            <a:r>
+              <a:rPr lang="zh-CN" altLang="en-US" sz="1600" dirty="0">
+                <a:latin typeface="Arial" panose="020B0604020202020204" pitchFamily="34" charset="0"/>
+                <a:ea typeface="宋体" panose="02010600030101010101" pitchFamily="2" charset="-122"/>
+                <a:cs typeface="Arial" panose="020B0604020202020204" pitchFamily="34" charset="0"/>
+              </a:rPr>
+              <a:t>事务询问 </a:t>
+            </a:r>
+            <a:r>
+              <a:rPr lang="en-US" altLang="zh-CN" sz="1600" dirty="0">
+                <a:latin typeface="Arial" panose="020B0604020202020204" pitchFamily="34" charset="0"/>
+                <a:ea typeface="宋体" panose="02010600030101010101" pitchFamily="2" charset="-122"/>
+                <a:cs typeface="Arial" panose="020B0604020202020204" pitchFamily="34" charset="0"/>
+              </a:rPr>
+              <a:t>-&gt;</a:t>
+            </a:r>
+            <a:r>
+              <a:rPr lang="zh-CN" altLang="en-US" sz="1600" dirty="0">
+                <a:latin typeface="Arial" panose="020B0604020202020204" pitchFamily="34" charset="0"/>
+                <a:ea typeface="宋体" panose="02010600030101010101" pitchFamily="2" charset="-122"/>
+                <a:cs typeface="Arial" panose="020B0604020202020204" pitchFamily="34" charset="0"/>
+              </a:rPr>
+              <a:t>响应反馈 </a:t>
+            </a:r>
+            <a:endParaRPr lang="en-US" altLang="zh-CN" sz="1600" dirty="0">
+              <a:latin typeface="Arial" panose="020B0604020202020204" pitchFamily="34" charset="0"/>
+              <a:ea typeface="宋体" panose="02010600030101010101" pitchFamily="2" charset="-122"/>
+              <a:cs typeface="Arial" panose="020B0604020202020204" pitchFamily="34" charset="0"/>
+            </a:endParaRPr>
+          </a:p>
+          <a:p>
+            <a:endParaRPr lang="zh-CN" altLang="en-US" sz="1600" dirty="0">
+              <a:latin typeface="Arial" panose="020B0604020202020204" pitchFamily="34" charset="0"/>
+              <a:ea typeface="宋体" panose="02010600030101010101" pitchFamily="2" charset="-122"/>
+              <a:cs typeface="Arial" panose="020B0604020202020204" pitchFamily="34" charset="0"/>
+            </a:endParaRPr>
+          </a:p>
+          <a:p>
+            <a:r>
+              <a:rPr lang="en-US" altLang="zh-CN" sz="1600" dirty="0" err="1">
+                <a:latin typeface="Arial" panose="020B0604020202020204" pitchFamily="34" charset="0"/>
+                <a:ea typeface="宋体" panose="02010600030101010101" pitchFamily="2" charset="-122"/>
+                <a:cs typeface="Arial" panose="020B0604020202020204" pitchFamily="34" charset="0"/>
+              </a:rPr>
+              <a:t>PreCommit</a:t>
+            </a:r>
+            <a:r>
+              <a:rPr lang="zh-CN" altLang="en-US" sz="1600" dirty="0">
+                <a:latin typeface="Arial" panose="020B0604020202020204" pitchFamily="34" charset="0"/>
+                <a:ea typeface="宋体" panose="02010600030101010101" pitchFamily="2" charset="-122"/>
+                <a:cs typeface="Arial" panose="020B0604020202020204" pitchFamily="34" charset="0"/>
+              </a:rPr>
+              <a:t>阶段</a:t>
+            </a:r>
+            <a:endParaRPr lang="en-US" altLang="zh-CN" sz="1600" dirty="0">
+              <a:latin typeface="Arial" panose="020B0604020202020204" pitchFamily="34" charset="0"/>
+              <a:ea typeface="宋体" panose="02010600030101010101" pitchFamily="2" charset="-122"/>
+              <a:cs typeface="Arial" panose="020B0604020202020204" pitchFamily="34" charset="0"/>
+            </a:endParaRPr>
+          </a:p>
+          <a:p>
+            <a:r>
+              <a:rPr lang="en-US" altLang="zh-CN" sz="1600" dirty="0">
+                <a:latin typeface="Arial" panose="020B0604020202020204" pitchFamily="34" charset="0"/>
+                <a:ea typeface="宋体" panose="02010600030101010101" pitchFamily="2" charset="-122"/>
+                <a:cs typeface="Arial" panose="020B0604020202020204" pitchFamily="34" charset="0"/>
+              </a:rPr>
+              <a:t>Commit: </a:t>
+            </a:r>
+            <a:r>
+              <a:rPr lang="zh-CN" altLang="en-US" sz="1600" dirty="0">
+                <a:latin typeface="Arial" panose="020B0604020202020204" pitchFamily="34" charset="0"/>
+                <a:ea typeface="宋体" panose="02010600030101010101" pitchFamily="2" charset="-122"/>
+                <a:cs typeface="Arial" panose="020B0604020202020204" pitchFamily="34" charset="0"/>
+              </a:rPr>
+              <a:t>发送预提交请求</a:t>
+            </a:r>
+            <a:r>
+              <a:rPr lang="en-US" altLang="zh-CN" sz="1600" dirty="0">
+                <a:latin typeface="Arial" panose="020B0604020202020204" pitchFamily="34" charset="0"/>
+                <a:ea typeface="宋体" panose="02010600030101010101" pitchFamily="2" charset="-122"/>
+                <a:cs typeface="Arial" panose="020B0604020202020204" pitchFamily="34" charset="0"/>
+              </a:rPr>
+              <a:t>-&gt;</a:t>
+            </a:r>
+            <a:r>
+              <a:rPr lang="zh-CN" altLang="en-US" sz="1600" dirty="0">
+                <a:latin typeface="Arial" panose="020B0604020202020204" pitchFamily="34" charset="0"/>
+                <a:ea typeface="宋体" panose="02010600030101010101" pitchFamily="2" charset="-122"/>
+                <a:cs typeface="Arial" panose="020B0604020202020204" pitchFamily="34" charset="0"/>
+              </a:rPr>
+              <a:t>事务预提交 </a:t>
+            </a:r>
+            <a:r>
+              <a:rPr lang="en-US" altLang="zh-CN" sz="1600" dirty="0">
+                <a:latin typeface="Arial" panose="020B0604020202020204" pitchFamily="34" charset="0"/>
+                <a:ea typeface="宋体" panose="02010600030101010101" pitchFamily="2" charset="-122"/>
+                <a:cs typeface="Arial" panose="020B0604020202020204" pitchFamily="34" charset="0"/>
+              </a:rPr>
+              <a:t>-&gt;</a:t>
+            </a:r>
+            <a:r>
+              <a:rPr lang="zh-CN" altLang="en-US" sz="1600" dirty="0">
+                <a:latin typeface="Arial" panose="020B0604020202020204" pitchFamily="34" charset="0"/>
+                <a:ea typeface="宋体" panose="02010600030101010101" pitchFamily="2" charset="-122"/>
+                <a:cs typeface="Arial" panose="020B0604020202020204" pitchFamily="34" charset="0"/>
+              </a:rPr>
+              <a:t>响应反馈</a:t>
+            </a:r>
+            <a:endParaRPr lang="en-US" altLang="zh-CN" sz="1600" dirty="0">
+              <a:latin typeface="Arial" panose="020B0604020202020204" pitchFamily="34" charset="0"/>
+              <a:ea typeface="宋体" panose="02010600030101010101" pitchFamily="2" charset="-122"/>
+              <a:cs typeface="Arial" panose="020B0604020202020204" pitchFamily="34" charset="0"/>
+            </a:endParaRPr>
+          </a:p>
+          <a:p>
+            <a:r>
+              <a:rPr lang="en-US" altLang="zh-CN" sz="1600" dirty="0">
+                <a:latin typeface="Arial" panose="020B0604020202020204" pitchFamily="34" charset="0"/>
+                <a:ea typeface="宋体" panose="02010600030101010101" pitchFamily="2" charset="-122"/>
+                <a:cs typeface="Arial" panose="020B0604020202020204" pitchFamily="34" charset="0"/>
+              </a:rPr>
+              <a:t>Rollback:</a:t>
+            </a:r>
+            <a:r>
+              <a:rPr lang="zh-CN" altLang="en-US" sz="1600" dirty="0">
+                <a:latin typeface="Arial" panose="020B0604020202020204" pitchFamily="34" charset="0"/>
+                <a:ea typeface="宋体" panose="02010600030101010101" pitchFamily="2" charset="-122"/>
+                <a:cs typeface="Arial" panose="020B0604020202020204" pitchFamily="34" charset="0"/>
+              </a:rPr>
+              <a:t>发送中断请求 </a:t>
+            </a:r>
+            <a:r>
+              <a:rPr lang="en-US" altLang="zh-CN" sz="1600" dirty="0">
+                <a:latin typeface="Arial" panose="020B0604020202020204" pitchFamily="34" charset="0"/>
+                <a:ea typeface="宋体" panose="02010600030101010101" pitchFamily="2" charset="-122"/>
+                <a:cs typeface="Arial" panose="020B0604020202020204" pitchFamily="34" charset="0"/>
+              </a:rPr>
+              <a:t>-&gt;</a:t>
+            </a:r>
+            <a:r>
+              <a:rPr lang="zh-CN" altLang="en-US" sz="1600" dirty="0">
+                <a:latin typeface="Arial" panose="020B0604020202020204" pitchFamily="34" charset="0"/>
+                <a:ea typeface="宋体" panose="02010600030101010101" pitchFamily="2" charset="-122"/>
+                <a:cs typeface="Arial" panose="020B0604020202020204" pitchFamily="34" charset="0"/>
+              </a:rPr>
+              <a:t>中断事务</a:t>
+            </a:r>
+            <a:endParaRPr lang="en-US" altLang="zh-CN" sz="1600" dirty="0">
+              <a:latin typeface="Arial" panose="020B0604020202020204" pitchFamily="34" charset="0"/>
+              <a:ea typeface="宋体" panose="02010600030101010101" pitchFamily="2" charset="-122"/>
+              <a:cs typeface="Arial" panose="020B0604020202020204" pitchFamily="34" charset="0"/>
+            </a:endParaRPr>
+          </a:p>
+          <a:p>
+            <a:endParaRPr lang="zh-CN" altLang="en-US" sz="1600" dirty="0">
+              <a:latin typeface="Arial" panose="020B0604020202020204" pitchFamily="34" charset="0"/>
+              <a:ea typeface="宋体" panose="02010600030101010101" pitchFamily="2" charset="-122"/>
+              <a:cs typeface="Arial" panose="020B0604020202020204" pitchFamily="34" charset="0"/>
+            </a:endParaRPr>
+          </a:p>
+          <a:p>
+            <a:r>
+              <a:rPr lang="en-US" altLang="zh-CN" sz="1600" dirty="0" err="1">
+                <a:latin typeface="Arial" panose="020B0604020202020204" pitchFamily="34" charset="0"/>
+                <a:ea typeface="宋体" panose="02010600030101010101" pitchFamily="2" charset="-122"/>
+                <a:cs typeface="Arial" panose="020B0604020202020204" pitchFamily="34" charset="0"/>
+              </a:rPr>
+              <a:t>doCommit</a:t>
+            </a:r>
+            <a:r>
+              <a:rPr lang="zh-CN" altLang="en-US" sz="1600" dirty="0">
+                <a:latin typeface="Arial" panose="020B0604020202020204" pitchFamily="34" charset="0"/>
+                <a:ea typeface="宋体" panose="02010600030101010101" pitchFamily="2" charset="-122"/>
+                <a:cs typeface="Arial" panose="020B0604020202020204" pitchFamily="34" charset="0"/>
+              </a:rPr>
+              <a:t>阶段</a:t>
+            </a:r>
+            <a:endParaRPr lang="en-US" altLang="zh-CN" sz="1600" dirty="0">
+              <a:latin typeface="Arial" panose="020B0604020202020204" pitchFamily="34" charset="0"/>
+              <a:ea typeface="宋体" panose="02010600030101010101" pitchFamily="2" charset="-122"/>
+              <a:cs typeface="Arial" panose="020B0604020202020204" pitchFamily="34" charset="0"/>
+            </a:endParaRPr>
+          </a:p>
+          <a:p>
+            <a:r>
+              <a:rPr lang="en-US" altLang="zh-CN" sz="1600" dirty="0">
+                <a:latin typeface="Arial" panose="020B0604020202020204" pitchFamily="34" charset="0"/>
+                <a:ea typeface="宋体" panose="02010600030101010101" pitchFamily="2" charset="-122"/>
+                <a:cs typeface="Arial" panose="020B0604020202020204" pitchFamily="34" charset="0"/>
+              </a:rPr>
+              <a:t>Commit: </a:t>
+            </a:r>
+            <a:r>
+              <a:rPr lang="zh-CN" altLang="en-US" sz="1600" dirty="0">
+                <a:latin typeface="Arial" panose="020B0604020202020204" pitchFamily="34" charset="0"/>
+                <a:ea typeface="宋体" panose="02010600030101010101" pitchFamily="2" charset="-122"/>
+                <a:cs typeface="Arial" panose="020B0604020202020204" pitchFamily="34" charset="0"/>
+              </a:rPr>
+              <a:t>发送提交请求</a:t>
+            </a:r>
+            <a:r>
+              <a:rPr lang="en-US" altLang="zh-CN" sz="1600" dirty="0">
+                <a:latin typeface="Arial" panose="020B0604020202020204" pitchFamily="34" charset="0"/>
+                <a:ea typeface="宋体" panose="02010600030101010101" pitchFamily="2" charset="-122"/>
+                <a:cs typeface="Arial" panose="020B0604020202020204" pitchFamily="34" charset="0"/>
+              </a:rPr>
+              <a:t>-&gt;</a:t>
+            </a:r>
+            <a:r>
+              <a:rPr lang="zh-CN" altLang="en-US" sz="1600" dirty="0">
+                <a:latin typeface="Arial" panose="020B0604020202020204" pitchFamily="34" charset="0"/>
+                <a:ea typeface="宋体" panose="02010600030101010101" pitchFamily="2" charset="-122"/>
+                <a:cs typeface="Arial" panose="020B0604020202020204" pitchFamily="34" charset="0"/>
+              </a:rPr>
+              <a:t>事务提交</a:t>
+            </a:r>
+            <a:r>
+              <a:rPr lang="en-US" altLang="zh-CN" sz="1600" dirty="0">
+                <a:latin typeface="Arial" panose="020B0604020202020204" pitchFamily="34" charset="0"/>
+                <a:ea typeface="宋体" panose="02010600030101010101" pitchFamily="2" charset="-122"/>
+                <a:cs typeface="Arial" panose="020B0604020202020204" pitchFamily="34" charset="0"/>
+              </a:rPr>
+              <a:t>-&gt;</a:t>
+            </a:r>
+            <a:r>
+              <a:rPr lang="zh-CN" altLang="en-US" sz="1600" dirty="0">
+                <a:latin typeface="Arial" panose="020B0604020202020204" pitchFamily="34" charset="0"/>
+                <a:ea typeface="宋体" panose="02010600030101010101" pitchFamily="2" charset="-122"/>
+                <a:cs typeface="Arial" panose="020B0604020202020204" pitchFamily="34" charset="0"/>
+              </a:rPr>
+              <a:t>响应反馈</a:t>
+            </a:r>
+            <a:r>
+              <a:rPr lang="en-US" altLang="zh-CN" sz="1600" dirty="0">
+                <a:latin typeface="Arial" panose="020B0604020202020204" pitchFamily="34" charset="0"/>
+                <a:ea typeface="宋体" panose="02010600030101010101" pitchFamily="2" charset="-122"/>
+                <a:cs typeface="Arial" panose="020B0604020202020204" pitchFamily="34" charset="0"/>
+              </a:rPr>
+              <a:t>-&gt;</a:t>
+            </a:r>
+            <a:r>
+              <a:rPr lang="zh-CN" altLang="en-US" sz="1600" dirty="0">
+                <a:latin typeface="Arial" panose="020B0604020202020204" pitchFamily="34" charset="0"/>
+                <a:ea typeface="宋体" panose="02010600030101010101" pitchFamily="2" charset="-122"/>
+                <a:cs typeface="Arial" panose="020B0604020202020204" pitchFamily="34" charset="0"/>
+              </a:rPr>
+              <a:t>完成事务</a:t>
+            </a:r>
+            <a:endParaRPr lang="en-US" altLang="zh-CN" sz="1600" dirty="0">
+              <a:latin typeface="Arial" panose="020B0604020202020204" pitchFamily="34" charset="0"/>
+              <a:ea typeface="宋体" panose="02010600030101010101" pitchFamily="2" charset="-122"/>
+              <a:cs typeface="Arial" panose="020B0604020202020204" pitchFamily="34" charset="0"/>
+            </a:endParaRPr>
+          </a:p>
+          <a:p>
+            <a:r>
+              <a:rPr lang="en-US" altLang="zh-CN" sz="1600" dirty="0">
+                <a:latin typeface="Arial" panose="020B0604020202020204" pitchFamily="34" charset="0"/>
+                <a:ea typeface="宋体" panose="02010600030101010101" pitchFamily="2" charset="-122"/>
+                <a:cs typeface="Arial" panose="020B0604020202020204" pitchFamily="34" charset="0"/>
+              </a:rPr>
+              <a:t>Rollback:</a:t>
+            </a:r>
+            <a:r>
+              <a:rPr lang="zh-CN" altLang="en-US" sz="1600" dirty="0">
+                <a:latin typeface="Arial" panose="020B0604020202020204" pitchFamily="34" charset="0"/>
+                <a:ea typeface="宋体" panose="02010600030101010101" pitchFamily="2" charset="-122"/>
+                <a:cs typeface="Arial" panose="020B0604020202020204" pitchFamily="34" charset="0"/>
+              </a:rPr>
+              <a:t>发送中断请求</a:t>
+            </a:r>
+            <a:r>
+              <a:rPr lang="en-US" altLang="zh-CN" sz="1600" dirty="0">
+                <a:latin typeface="Arial" panose="020B0604020202020204" pitchFamily="34" charset="0"/>
+                <a:ea typeface="宋体" panose="02010600030101010101" pitchFamily="2" charset="-122"/>
+                <a:cs typeface="Arial" panose="020B0604020202020204" pitchFamily="34" charset="0"/>
+              </a:rPr>
+              <a:t>-&gt;</a:t>
+            </a:r>
+            <a:r>
+              <a:rPr lang="zh-CN" altLang="en-US" sz="1600" dirty="0">
+                <a:latin typeface="Arial" panose="020B0604020202020204" pitchFamily="34" charset="0"/>
+                <a:ea typeface="宋体" panose="02010600030101010101" pitchFamily="2" charset="-122"/>
+                <a:cs typeface="Arial" panose="020B0604020202020204" pitchFamily="34" charset="0"/>
+              </a:rPr>
+              <a:t>事务回滚</a:t>
+            </a:r>
+            <a:r>
+              <a:rPr lang="en-US" altLang="zh-CN" sz="1600" dirty="0">
+                <a:latin typeface="Arial" panose="020B0604020202020204" pitchFamily="34" charset="0"/>
+                <a:ea typeface="宋体" panose="02010600030101010101" pitchFamily="2" charset="-122"/>
+                <a:cs typeface="Arial" panose="020B0604020202020204" pitchFamily="34" charset="0"/>
+              </a:rPr>
+              <a:t>-&gt;</a:t>
+            </a:r>
+            <a:r>
+              <a:rPr lang="zh-CN" altLang="en-US" sz="1600" dirty="0">
+                <a:latin typeface="Arial" panose="020B0604020202020204" pitchFamily="34" charset="0"/>
+                <a:ea typeface="宋体" panose="02010600030101010101" pitchFamily="2" charset="-122"/>
+                <a:cs typeface="Arial" panose="020B0604020202020204" pitchFamily="34" charset="0"/>
+              </a:rPr>
+              <a:t>反馈结果</a:t>
+            </a:r>
+            <a:r>
+              <a:rPr lang="en-US" altLang="zh-CN" sz="1600" dirty="0">
+                <a:latin typeface="Arial" panose="020B0604020202020204" pitchFamily="34" charset="0"/>
+                <a:ea typeface="宋体" panose="02010600030101010101" pitchFamily="2" charset="-122"/>
+                <a:cs typeface="Arial" panose="020B0604020202020204" pitchFamily="34" charset="0"/>
+              </a:rPr>
+              <a:t>-&gt;</a:t>
+            </a:r>
+            <a:r>
+              <a:rPr lang="zh-CN" altLang="en-US" sz="1600" dirty="0">
+                <a:latin typeface="Arial" panose="020B0604020202020204" pitchFamily="34" charset="0"/>
+                <a:ea typeface="宋体" panose="02010600030101010101" pitchFamily="2" charset="-122"/>
+                <a:cs typeface="Arial" panose="020B0604020202020204" pitchFamily="34" charset="0"/>
+              </a:rPr>
+              <a:t>中断事务</a:t>
+            </a:r>
+            <a:endParaRPr lang="en-US" altLang="zh-CN" sz="1600" dirty="0">
+              <a:latin typeface="Arial" panose="020B0604020202020204" pitchFamily="34" charset="0"/>
+              <a:ea typeface="宋体" panose="02010600030101010101" pitchFamily="2" charset="-122"/>
+              <a:cs typeface="Arial" panose="020B0604020202020204" pitchFamily="34" charset="0"/>
+            </a:endParaRPr>
+          </a:p>
+          <a:p>
+            <a:endParaRPr lang="en-US" altLang="zh-CN" sz="1600" dirty="0">
+              <a:latin typeface="Arial" panose="020B0604020202020204" pitchFamily="34" charset="0"/>
+              <a:ea typeface="宋体" panose="02010600030101010101" pitchFamily="2" charset="-122"/>
+              <a:cs typeface="Arial" panose="020B0604020202020204" pitchFamily="34" charset="0"/>
+            </a:endParaRPr>
+          </a:p>
+          <a:p>
+            <a:r>
+              <a:rPr lang="zh-CN" altLang="en-US" sz="1600" dirty="0">
+                <a:latin typeface="Arial" panose="020B0604020202020204" pitchFamily="34" charset="0"/>
+                <a:ea typeface="宋体" panose="02010600030101010101" pitchFamily="2" charset="-122"/>
+                <a:cs typeface="Arial" panose="020B0604020202020204" pitchFamily="34" charset="0"/>
+              </a:rPr>
+              <a:t>解决单点故障，并减少阻塞。</a:t>
+            </a:r>
+            <a:r>
+              <a:rPr lang="zh-CN" altLang="en-US" sz="1600" b="1" dirty="0">
+                <a:solidFill>
+                  <a:srgbClr val="FF0000"/>
+                </a:solidFill>
+                <a:latin typeface="Arial" panose="020B0604020202020204" pitchFamily="34" charset="0"/>
+                <a:ea typeface="宋体" panose="02010600030101010101" pitchFamily="2" charset="-122"/>
+                <a:cs typeface="Arial" panose="020B0604020202020204" pitchFamily="34" charset="0"/>
+              </a:rPr>
+              <a:t>因为一旦参与者无法及时收到来自协调者的信息之后，他会默认执行</a:t>
+            </a:r>
+            <a:r>
+              <a:rPr lang="en-US" altLang="zh-CN" sz="1600" b="1" dirty="0">
+                <a:solidFill>
+                  <a:srgbClr val="FF0000"/>
+                </a:solidFill>
+                <a:latin typeface="Arial" panose="020B0604020202020204" pitchFamily="34" charset="0"/>
+                <a:ea typeface="宋体" panose="02010600030101010101" pitchFamily="2" charset="-122"/>
+                <a:cs typeface="Arial" panose="020B0604020202020204" pitchFamily="34" charset="0"/>
+              </a:rPr>
+              <a:t>commit</a:t>
+            </a:r>
+            <a:r>
+              <a:rPr lang="zh-CN" altLang="en-US" sz="1600" dirty="0">
+                <a:latin typeface="Arial" panose="020B0604020202020204" pitchFamily="34" charset="0"/>
+                <a:ea typeface="宋体" panose="02010600030101010101" pitchFamily="2" charset="-122"/>
+                <a:cs typeface="Arial" panose="020B0604020202020204" pitchFamily="34" charset="0"/>
+              </a:rPr>
+              <a:t>。而不会一直持有事务资源并处于阻塞状态。</a:t>
+            </a:r>
+            <a:endParaRPr lang="en-US" altLang="zh-CN" sz="1600" dirty="0">
+              <a:latin typeface="Arial" panose="020B0604020202020204" pitchFamily="34" charset="0"/>
+              <a:ea typeface="宋体" panose="02010600030101010101" pitchFamily="2" charset="-122"/>
+              <a:cs typeface="Arial" panose="020B0604020202020204" pitchFamily="34" charset="0"/>
+            </a:endParaRPr>
+          </a:p>
+        </p:txBody>
+      </p:sp>
+      <p:pic>
+        <p:nvPicPr>
+          <p:cNvPr id="2050" name="Picture 2" descr="3"/>
+          <p:cNvPicPr>
+            <a:picLocks noChangeAspect="1" noChangeArrowheads="1"/>
+          </p:cNvPicPr>
+          <p:nvPr/>
+        </p:nvPicPr>
+        <p:blipFill>
+          <a:blip r:embed="rId3">
+            <a:extLst>
+              <a:ext uri="{28A0092B-C50C-407E-A947-70E740481C1C}">
+                <a14:useLocalDpi xmlns:a14="http://schemas.microsoft.com/office/drawing/2010/main" val="0"/>
+              </a:ext>
+            </a:extLst>
+          </a:blip>
+          <a:srcRect/>
+          <a:stretch>
+            <a:fillRect/>
+          </a:stretch>
+        </p:blipFill>
+        <p:spPr bwMode="auto">
+          <a:xfrm>
+            <a:off x="6628884" y="1179089"/>
+            <a:ext cx="4432051" cy="2469874"/>
+          </a:xfrm>
+          <a:prstGeom prst="rect">
+            <a:avLst/>
+          </a:prstGeom>
+          <a:noFill/>
+          <a:extLst>
+            <a:ext uri="{909E8E84-426E-40DD-AFC4-6F175D3DCCD1}">
+              <a14:hiddenFill xmlns:a14="http://schemas.microsoft.com/office/drawing/2010/main">
+                <a:solidFill>
+                  <a:srgbClr val="FFFFFF"/>
+                </a:solidFill>
+              </a14:hiddenFill>
+            </a:ext>
+          </a:extLst>
+        </p:spPr>
+      </p:pic>
     </p:spTree>
     <p:extLst>
       <p:ext uri="{BB962C8B-B14F-4D97-AF65-F5344CB8AC3E}">
-        <p14:creationId xmlns:p14="http://schemas.microsoft.com/office/powerpoint/2010/main" val="260479488"/>
+        <p14:creationId xmlns:p14="http://schemas.microsoft.com/office/powerpoint/2010/main" val="3973329441"/>
       </p:ext>
     </p:extLst>
   </p:cSld>
@@ -7893,12 +8274,8 @@
           <a:lstStyle/>
           <a:p>
             <a:r>
-              <a:rPr lang="en-US" altLang="zh-CN" b="1" dirty="0"/>
-              <a:t>XA</a:t>
-            </a:r>
-            <a:r>
-              <a:rPr lang="zh-CN" altLang="en-US" b="1" dirty="0"/>
-              <a:t>规范</a:t>
+              <a:rPr lang="en-US" altLang="zh-CN" dirty="0"/>
+              <a:t>JTA</a:t>
             </a:r>
             <a:endParaRPr lang="zh-CN" altLang="en-US" dirty="0"/>
           </a:p>
@@ -7914,87 +8291,100 @@
             <p:ph idx="1"/>
           </p:nvPr>
         </p:nvSpPr>
-        <p:spPr>
-          <a:xfrm>
-            <a:off x="609600" y="1287743"/>
-            <a:ext cx="10515600" cy="4351338"/>
-          </a:xfrm>
-        </p:spPr>
+        <p:spPr/>
         <p:txBody>
           <a:bodyPr/>
           <a:lstStyle/>
           <a:p>
             <a:r>
-              <a:rPr lang="en-US" altLang="zh-CN" dirty="0"/>
-              <a:t>X/Open DTP </a:t>
-            </a:r>
-            <a:r>
-              <a:rPr lang="zh-CN" altLang="en-US" dirty="0"/>
-              <a:t>模型（ </a:t>
-            </a:r>
-            <a:r>
-              <a:rPr lang="en-US" altLang="zh-CN" dirty="0"/>
-              <a:t>1994 </a:t>
-            </a:r>
-            <a:r>
-              <a:rPr lang="zh-CN" altLang="en-US" dirty="0"/>
-              <a:t>）包括应用程序（ </a:t>
-            </a:r>
-            <a:r>
-              <a:rPr lang="en-US" altLang="zh-CN" dirty="0"/>
-              <a:t>AP </a:t>
-            </a:r>
-            <a:r>
-              <a:rPr lang="zh-CN" altLang="en-US" dirty="0"/>
-              <a:t>）、事务管理器（ </a:t>
-            </a:r>
-            <a:r>
-              <a:rPr lang="en-US" altLang="zh-CN" dirty="0"/>
-              <a:t>TM </a:t>
-            </a:r>
-            <a:r>
-              <a:rPr lang="zh-CN" altLang="en-US" dirty="0"/>
-              <a:t>）、资源管理器（ </a:t>
-            </a:r>
-            <a:r>
-              <a:rPr lang="en-US" altLang="zh-CN" dirty="0"/>
-              <a:t>RM </a:t>
-            </a:r>
-            <a:r>
-              <a:rPr lang="zh-CN" altLang="en-US" dirty="0"/>
-              <a:t>）、通信资源管理器（ </a:t>
-            </a:r>
-            <a:r>
-              <a:rPr lang="en-US" altLang="zh-CN" dirty="0"/>
-              <a:t>CRM </a:t>
-            </a:r>
-            <a:r>
-              <a:rPr lang="zh-CN" altLang="en-US" dirty="0"/>
-              <a:t>）四部分。一般，常见的事务管理器（ </a:t>
-            </a:r>
-            <a:r>
-              <a:rPr lang="en-US" altLang="zh-CN" dirty="0"/>
-              <a:t>TM </a:t>
-            </a:r>
-            <a:r>
-              <a:rPr lang="zh-CN" altLang="en-US" dirty="0"/>
-              <a:t>）是交易中间件，常见的资源管理器（ </a:t>
-            </a:r>
-            <a:r>
-              <a:rPr lang="en-US" altLang="zh-CN" dirty="0"/>
-              <a:t>RM </a:t>
-            </a:r>
-            <a:r>
-              <a:rPr lang="zh-CN" altLang="en-US" dirty="0"/>
-              <a:t>）是数据库，常见的通信资源管理器（ </a:t>
-            </a:r>
-            <a:r>
-              <a:rPr lang="en-US" altLang="zh-CN" dirty="0"/>
-              <a:t>CRM </a:t>
-            </a:r>
-            <a:r>
-              <a:rPr lang="zh-CN" altLang="en-US" dirty="0"/>
-              <a:t>）是消息中间件。</a:t>
+              <a:rPr lang="zh-CN" altLang="en-US" dirty="0"/>
+              <a:t>作为</a:t>
+            </a:r>
+            <a:r>
+              <a:rPr lang="en-US" altLang="zh-CN" b="1" dirty="0">
+                <a:hlinkClick r:id="rId2" tooltip="Java EE知识库"/>
+              </a:rPr>
+              <a:t>Java</a:t>
+            </a:r>
+            <a:r>
+              <a:rPr lang="zh-CN" altLang="en-US" dirty="0"/>
+              <a:t>平台上事务规范</a:t>
+            </a:r>
+            <a:r>
+              <a:rPr lang="en-US" altLang="zh-CN" dirty="0"/>
+              <a:t>JTA</a:t>
+            </a:r>
+            <a:r>
+              <a:rPr lang="zh-CN" altLang="en-US" dirty="0"/>
+              <a:t>（</a:t>
+            </a:r>
+            <a:r>
+              <a:rPr lang="en-US" altLang="zh-CN" b="1" dirty="0">
+                <a:hlinkClick r:id="rId3" tooltip="Java 知识库"/>
+              </a:rPr>
+              <a:t>Java </a:t>
+            </a:r>
+            <a:r>
+              <a:rPr lang="en-US" altLang="zh-CN" dirty="0"/>
+              <a:t>Transaction API</a:t>
+            </a:r>
+            <a:r>
+              <a:rPr lang="zh-CN" altLang="en-US" dirty="0"/>
+              <a:t>）也定义了对</a:t>
+            </a:r>
+            <a:r>
+              <a:rPr lang="en-US" altLang="zh-CN" dirty="0"/>
+              <a:t>XA</a:t>
+            </a:r>
+            <a:r>
+              <a:rPr lang="zh-CN" altLang="en-US" dirty="0"/>
+              <a:t>事务的支持，实际上，</a:t>
+            </a:r>
+            <a:r>
+              <a:rPr lang="en-US" altLang="zh-CN" dirty="0"/>
+              <a:t>JTA</a:t>
+            </a:r>
+            <a:r>
+              <a:rPr lang="zh-CN" altLang="en-US" dirty="0"/>
+              <a:t>是基于</a:t>
+            </a:r>
+            <a:r>
+              <a:rPr lang="en-US" altLang="zh-CN" dirty="0"/>
+              <a:t>XA</a:t>
+            </a:r>
+            <a:r>
+              <a:rPr lang="zh-CN" altLang="en-US" b="1" dirty="0">
+                <a:hlinkClick r:id="rId4" tooltip="大型网站架构知识库"/>
+              </a:rPr>
+              <a:t>架构</a:t>
+            </a:r>
+            <a:r>
+              <a:rPr lang="zh-CN" altLang="en-US" dirty="0"/>
+              <a:t>上建模的，在</a:t>
+            </a:r>
+            <a:r>
+              <a:rPr lang="en-US" altLang="zh-CN" dirty="0"/>
+              <a:t>JTA </a:t>
+            </a:r>
+            <a:r>
+              <a:rPr lang="zh-CN" altLang="en-US" dirty="0"/>
+              <a:t>中，事务管理器抽象为</a:t>
+            </a:r>
+            <a:r>
+              <a:rPr lang="en-US" altLang="zh-CN" dirty="0" err="1"/>
+              <a:t>javax.transaction.TransactionManager</a:t>
+            </a:r>
+            <a:r>
+              <a:rPr lang="zh-CN" altLang="en-US" dirty="0"/>
+              <a:t>接口，并通过底层事务服务（即</a:t>
+            </a:r>
+            <a:r>
+              <a:rPr lang="en-US" altLang="zh-CN" dirty="0"/>
+              <a:t>JTS</a:t>
+            </a:r>
+            <a:r>
+              <a:rPr lang="zh-CN" altLang="en-US" dirty="0"/>
+              <a:t>）实现</a:t>
             </a:r>
             <a:endParaRPr lang="en-US" altLang="zh-CN" dirty="0"/>
           </a:p>
@@ -8003,57 +8393,111 @@
           </a:p>
           <a:p>
             <a:r>
-              <a:rPr lang="zh-CN" altLang="en-US" dirty="0"/>
-              <a:t> </a:t>
-            </a:r>
-          </a:p>
-        </p:txBody>
-      </p:sp>
-      <p:pic>
-        <p:nvPicPr>
-          <p:cNvPr id="3074" name="Picture 2" descr="http://my.csdn.net/uploads/201205/29/1338274936_5727.gif"/>
-          <p:cNvPicPr>
-            <a:picLocks noChangeAspect="1" noChangeArrowheads="1"/>
-          </p:cNvPicPr>
-          <p:nvPr/>
-        </p:nvPicPr>
-        <p:blipFill>
-          <a:blip r:embed="rId2">
-            <a:extLst>
-              <a:ext uri="{28A0092B-C50C-407E-A947-70E740481C1C}">
-                <a14:useLocalDpi xmlns:a14="http://schemas.microsoft.com/office/drawing/2010/main" val="0"/>
-              </a:ext>
-            </a:extLst>
-          </a:blip>
-          <a:srcRect/>
-          <a:stretch>
-            <a:fillRect/>
-          </a:stretch>
-        </p:blipFill>
-        <p:spPr bwMode="auto">
-          <a:xfrm>
-            <a:off x="3358965" y="3261471"/>
-            <a:ext cx="4667250" cy="4019550"/>
-          </a:xfrm>
-          <a:prstGeom prst="rect">
-            <a:avLst/>
-          </a:prstGeom>
-          <a:noFill/>
-          <a:extLst>
-            <a:ext uri="{909E8E84-426E-40DD-AFC4-6F175D3DCCD1}">
-              <a14:hiddenFill xmlns:a14="http://schemas.microsoft.com/office/drawing/2010/main">
-                <a:solidFill>
-                  <a:srgbClr val="FFFFFF"/>
-                </a:solidFill>
-              </a14:hiddenFill>
-            </a:ext>
-          </a:extLst>
-        </p:spPr>
-      </p:pic>
+              <a:rPr lang="en-US" altLang="zh-CN" dirty="0"/>
+              <a:t>1.J2EE</a:t>
+            </a:r>
+            <a:r>
+              <a:rPr lang="zh-CN" altLang="en-US" dirty="0"/>
+              <a:t>容器所提供的</a:t>
+            </a:r>
+            <a:r>
+              <a:rPr lang="en-US" altLang="zh-CN" dirty="0"/>
+              <a:t>JTA</a:t>
+            </a:r>
+            <a:r>
+              <a:rPr lang="zh-CN" altLang="en-US" dirty="0"/>
+              <a:t>实现</a:t>
+            </a:r>
+            <a:r>
+              <a:rPr lang="en-US" altLang="zh-CN" dirty="0"/>
+              <a:t>(</a:t>
+            </a:r>
+            <a:r>
+              <a:rPr lang="en-US" altLang="zh-CN" dirty="0" err="1"/>
+              <a:t>JBoss</a:t>
+            </a:r>
+            <a:r>
+              <a:rPr lang="en-US" altLang="zh-CN" dirty="0"/>
+              <a:t>)</a:t>
+            </a:r>
+            <a:br>
+              <a:rPr lang="en-US" altLang="zh-CN" dirty="0"/>
+            </a:br>
+            <a:r>
+              <a:rPr lang="en-US" altLang="zh-CN" dirty="0"/>
+              <a:t>2.</a:t>
+            </a:r>
+            <a:r>
+              <a:rPr lang="zh-CN" altLang="en-US" dirty="0"/>
+              <a:t>独立的</a:t>
+            </a:r>
+            <a:r>
+              <a:rPr lang="en-US" altLang="zh-CN" dirty="0"/>
+              <a:t>JTA</a:t>
+            </a:r>
+            <a:r>
+              <a:rPr lang="zh-CN" altLang="en-US" dirty="0"/>
+              <a:t>实现</a:t>
+            </a:r>
+            <a:r>
+              <a:rPr lang="en-US" altLang="zh-CN" dirty="0"/>
+              <a:t>:</a:t>
+            </a:r>
+            <a:r>
+              <a:rPr lang="zh-CN" altLang="en-US" dirty="0"/>
+              <a:t>如</a:t>
+            </a:r>
+            <a:r>
+              <a:rPr lang="en-US" altLang="zh-CN" dirty="0"/>
+              <a:t>JOTM</a:t>
+            </a:r>
+            <a:r>
+              <a:rPr lang="zh-CN" altLang="en-US" dirty="0"/>
+              <a:t>，</a:t>
+            </a:r>
+            <a:r>
+              <a:rPr lang="en-US" altLang="zh-CN" dirty="0" err="1"/>
+              <a:t>Atomikos</a:t>
+            </a:r>
+            <a:r>
+              <a:rPr lang="en-US" altLang="zh-CN" dirty="0"/>
+              <a:t>.</a:t>
+            </a:r>
+            <a:r>
+              <a:rPr lang="zh-CN" altLang="en-US" dirty="0"/>
+              <a:t>这些实现可以应用在那些不使用</a:t>
+            </a:r>
+            <a:r>
+              <a:rPr lang="en-US" altLang="zh-CN" dirty="0"/>
+              <a:t>J2EE</a:t>
+            </a:r>
+            <a:r>
+              <a:rPr lang="zh-CN" altLang="en-US" dirty="0"/>
+              <a:t>应用服务器的环境里用以提供分布事事务保证。如</a:t>
+            </a:r>
+            <a:r>
+              <a:rPr lang="en-US" altLang="zh-CN" dirty="0" err="1"/>
+              <a:t>Tomcat,Jetty</a:t>
+            </a:r>
+            <a:r>
+              <a:rPr lang="zh-CN" altLang="en-US" dirty="0"/>
+              <a:t>以及普通的</a:t>
+            </a:r>
+            <a:r>
+              <a:rPr lang="en-US" altLang="zh-CN" dirty="0"/>
+              <a:t>java</a:t>
+            </a:r>
+            <a:r>
+              <a:rPr lang="zh-CN" altLang="en-US" dirty="0"/>
+              <a:t>应用。</a:t>
+            </a:r>
+          </a:p>
+        </p:txBody>
+      </p:sp>
     </p:spTree>
     <p:extLst>
       <p:ext uri="{BB962C8B-B14F-4D97-AF65-F5344CB8AC3E}">
-        <p14:creationId xmlns:p14="http://schemas.microsoft.com/office/powerpoint/2010/main" val="3422690223"/>
+        <p14:creationId xmlns:p14="http://schemas.microsoft.com/office/powerpoint/2010/main" val="260479488"/>
       </p:ext>
     </p:extLst>
   </p:cSld>
@@ -9279,42 +9723,42 @@
           </a:bodyPr>
           <a:lstStyle/>
           <a:p>
-            <a:endParaRPr lang="en-US" altLang="zh-CN" sz="3600" dirty="0" smtClean="0"/>
-          </a:p>
-          <a:p>
             <a:endParaRPr lang="en-US" altLang="zh-CN" sz="3600" dirty="0"/>
           </a:p>
           <a:p>
-            <a:r>
-              <a:rPr lang="zh-CN" altLang="en-US" sz="3600" dirty="0" smtClean="0"/>
+            <a:endParaRPr lang="en-US" altLang="zh-CN" sz="3600" dirty="0"/>
+          </a:p>
+          <a:p>
+            <a:r>
+              <a:rPr lang="zh-CN" altLang="en-US" sz="3600" dirty="0"/>
               <a:t>事务的基本概念</a:t>
             </a:r>
-            <a:endParaRPr lang="en-US" altLang="zh-CN" sz="3600" dirty="0" smtClean="0"/>
-          </a:p>
-          <a:p>
-            <a:r>
-              <a:rPr lang="zh-CN" altLang="en-US" sz="3600" dirty="0" smtClean="0"/>
+            <a:endParaRPr lang="en-US" altLang="zh-CN" sz="3600" dirty="0"/>
+          </a:p>
+          <a:p>
+            <a:r>
+              <a:rPr lang="zh-CN" altLang="en-US" sz="3600" dirty="0"/>
               <a:t>分布式事务的特点</a:t>
             </a:r>
-            <a:endParaRPr lang="en-US" altLang="zh-CN" sz="3600" dirty="0" smtClean="0"/>
-          </a:p>
-          <a:p>
-            <a:r>
-              <a:rPr lang="zh-CN" altLang="en-US" sz="3600" dirty="0" smtClean="0"/>
+            <a:endParaRPr lang="en-US" altLang="zh-CN" sz="3600" dirty="0"/>
+          </a:p>
+          <a:p>
+            <a:r>
+              <a:rPr lang="zh-CN" altLang="en-US" sz="3600" dirty="0"/>
               <a:t>分布式事务的实现</a:t>
             </a:r>
-            <a:endParaRPr lang="en-US" altLang="zh-CN" sz="3600" dirty="0" smtClean="0"/>
-          </a:p>
-          <a:p>
-            <a:r>
-              <a:rPr lang="zh-CN" altLang="en-US" sz="3600" dirty="0" smtClean="0"/>
+            <a:endParaRPr lang="en-US" altLang="zh-CN" sz="3600" dirty="0"/>
+          </a:p>
+          <a:p>
+            <a:r>
+              <a:rPr lang="zh-CN" altLang="en-US" sz="3600" dirty="0"/>
               <a:t>轻轻项目的优化</a:t>
             </a:r>
-            <a:endParaRPr lang="en-US" altLang="zh-CN" sz="3600" dirty="0" smtClean="0"/>
-          </a:p>
-          <a:p>
-            <a:r>
-              <a:rPr lang="en-US" altLang="zh-CN" sz="3600" dirty="0" smtClean="0"/>
+            <a:endParaRPr lang="en-US" altLang="zh-CN" sz="3600" dirty="0"/>
+          </a:p>
+          <a:p>
+            <a:r>
+              <a:rPr lang="en-US" altLang="zh-CN" sz="3600" dirty="0"/>
               <a:t>Question And Answer</a:t>
             </a:r>
             <a:endParaRPr lang="zh-CN" altLang="en-US" sz="3600" dirty="0"/>
@@ -9331,13 +9775,6 @@
   <p:clrMapOvr>
     <a:masterClrMapping/>
   </p:clrMapOvr>
-  <p:timing>
-    <p:tnLst>
-      <p:par>
-        <p:cTn id="1" dur="indefinite" restart="never" nodeType="tmRoot"/>
-      </p:par>
-    </p:tnLst>
-  </p:timing>
 </p:sld>
 </file>
 
@@ -9632,7 +10069,7 @@
         <p:spPr/>
         <p:txBody>
           <a:bodyPr>
-            <a:normAutofit fontScale="55000" lnSpcReduction="20000"/>
+            <a:normAutofit fontScale="32500" lnSpcReduction="20000"/>
           </a:bodyPr>
           <a:lstStyle/>
           <a:p>
@@ -9715,12 +10152,6 @@
             </a:r>
           </a:p>
           <a:p>
-            <a:r>
-              <a:rPr lang="en-US" altLang="zh-CN" dirty="0">
-                <a:effectLst/>
-              </a:rPr>
-              <a:t/>
-            </a:r>
             <a:br>
               <a:rPr lang="en-US" altLang="zh-CN" dirty="0">
                 <a:effectLst/>
@@ -9835,6 +10266,62 @@
             <a:r>
               <a:rPr lang="zh-CN" altLang="en-US" dirty="0"/>
               <a:t>（重点）</a:t>
+            </a:r>
+            <a:endParaRPr lang="en-US" altLang="zh-CN" dirty="0"/>
+          </a:p>
+          <a:p>
+            <a:endParaRPr lang="en-US" altLang="zh-CN" dirty="0">
+              <a:hlinkClick r:id="rId9"/>
+            </a:endParaRPr>
+          </a:p>
+          <a:p>
+            <a:r>
+              <a:rPr lang="en-US" altLang="zh-CN" dirty="0">
+                <a:hlinkClick r:id="rId9"/>
+              </a:rPr>
+              <a:t>http://weibo.com/ttarticle/p/show?id=2309403965965003062676</a:t>
+            </a:r>
+            <a:r>
+              <a:rPr lang="en-US" altLang="zh-CN" dirty="0"/>
+              <a:t>  </a:t>
+            </a:r>
+            <a:r>
+              <a:rPr lang="zh-CN" altLang="en-US" dirty="0"/>
+              <a:t>六种常用的分布式事务解决方案</a:t>
+            </a:r>
+            <a:endParaRPr lang="en-US" altLang="zh-CN" dirty="0"/>
+          </a:p>
+          <a:p>
+            <a:r>
+              <a:rPr lang="en-US" altLang="zh-CN" dirty="0">
+                <a:hlinkClick r:id="rId10"/>
+              </a:rPr>
+              <a:t>https://www.ibm.com/developerworks/cn/java/j-lo-jta/</a:t>
+            </a:r>
+            <a:r>
+              <a:rPr lang="en-US" altLang="zh-CN" dirty="0"/>
+              <a:t> java</a:t>
+            </a:r>
+            <a:r>
+              <a:rPr lang="zh-CN" altLang="en-US" dirty="0"/>
+              <a:t>深度历险 原理与实现</a:t>
+            </a:r>
+            <a:endParaRPr lang="en-US" altLang="zh-CN" dirty="0"/>
+          </a:p>
+          <a:p>
+            <a:r>
+              <a:rPr lang="en-US" altLang="zh-CN" dirty="0">
+                <a:hlinkClick r:id="rId11"/>
+              </a:rPr>
+              <a:t>http://www.hollischuang.com/archives/681</a:t>
+            </a:r>
+            <a:r>
+              <a:rPr lang="en-US" altLang="zh-CN" dirty="0"/>
+              <a:t> </a:t>
+            </a:r>
+            <a:r>
+              <a:rPr lang="zh-CN" altLang="en-US" dirty="0"/>
+              <a:t>分布式事务的两阶段提交、三阶段提交</a:t>
             </a:r>
             <a:endParaRPr lang="en-US" altLang="zh-CN" dirty="0">
               <a:effectLst/>
@@ -9852,13 +10339,6 @@
   <p:clrMapOvr>
     <a:masterClrMapping/>
   </p:clrMapOvr>
-  <p:timing>
-    <p:tnLst>
-      <p:par>
-        <p:cTn id="1" dur="indefinite" restart="never" nodeType="tmRoot"/>
-      </p:par>
-    </p:tnLst>
-  </p:timing>
 </p:sld>
 </file>
 
@@ -9895,32 +10375,55 @@
           <a:lstStyle/>
           <a:p>
             <a:r>
-              <a:rPr lang="zh-CN" altLang="en-US" dirty="0" smtClean="0"/>
+              <a:rPr lang="zh-CN" altLang="en-US" dirty="0"/>
               <a:t>背景介绍</a:t>
             </a:r>
-            <a:endParaRPr lang="zh-CN" altLang="en-US" dirty="0"/>
-          </a:p>
-        </p:txBody>
-      </p:sp>
-      <p:sp>
-        <p:nvSpPr>
-          <p:cNvPr id="3" name="内容占位符 2"/>
-          <p:cNvSpPr>
-            <a:spLocks noGrp="1"/>
-          </p:cNvSpPr>
+          </a:p>
+        </p:txBody>
+      </p:sp>
+      <p:pic>
+        <p:nvPicPr>
+          <p:cNvPr id="1026" name="Picture 2" descr="images/K4QcRFdKnbkT44AFFtzQYCAAX25FifDS.jpg"/>
+          <p:cNvPicPr>
+            <a:picLocks noGrp="1" noChangeAspect="1" noChangeArrowheads="1"/>
+          </p:cNvPicPr>
           <p:nvPr>
             <p:ph idx="1"/>
           </p:nvPr>
-        </p:nvSpPr>
-        <p:spPr/>
-        <p:txBody>
-          <a:bodyPr/>
-          <a:lstStyle/>
-          <a:p>
-            <a:endParaRPr lang="zh-CN" altLang="en-US" dirty="0"/>
-          </a:p>
-        </p:txBody>
-      </p:sp>
+        </p:nvPicPr>
+        <p:blipFill>
+          <a:blip r:embed="rId2">
+            <a:extLst>
+              <a:ext uri="{28A0092B-C50C-407E-A947-70E740481C1C}">
+                <a14:useLocalDpi xmlns:a14="http://schemas.microsoft.com/office/drawing/2010/main" val="0"/>
+              </a:ext>
+            </a:extLst>
+          </a:blip>
+          <a:srcRect/>
+          <a:stretch>
+            <a:fillRect/>
+          </a:stretch>
+        </p:blipFill>
+        <p:spPr bwMode="auto">
+          <a:xfrm>
+            <a:off x="838200" y="644084"/>
+            <a:ext cx="10335371" cy="5833833"/>
+          </a:xfrm>
+          <a:prstGeom prst="rect">
+            <a:avLst/>
+          </a:prstGeom>
+          <a:noFill/>
+          <a:extLst>
+            <a:ext uri="{909E8E84-426E-40DD-AFC4-6F175D3DCCD1}">
+              <a14:hiddenFill xmlns:a14="http://schemas.microsoft.com/office/drawing/2010/main">
+                <a:solidFill>
+                  <a:srgbClr val="FFFFFF"/>
+                </a:solidFill>
+              </a14:hiddenFill>
+            </a:ext>
+          </a:extLst>
+        </p:spPr>
+      </p:pic>
     </p:spTree>
     <p:extLst>
       <p:ext uri="{BB962C8B-B14F-4D97-AF65-F5344CB8AC3E}">
@@ -9931,13 +10434,6 @@
   <p:clrMapOvr>
     <a:masterClrMapping/>
   </p:clrMapOvr>
-  <p:timing>
-    <p:tnLst>
-      <p:par>
-        <p:cTn id="1" dur="indefinite" restart="never" nodeType="tmRoot"/>
-      </p:par>
-    </p:tnLst>
-  </p:timing>
 </p:sld>
 </file>
 
@@ -10082,13 +10578,6 @@
   <p:clrMapOvr>
     <a:masterClrMapping/>
   </p:clrMapOvr>
-  <p:timing>
-    <p:tnLst>
-      <p:par>
-        <p:cTn id="1" dur="indefinite" restart="never" nodeType="tmRoot"/>
-      </p:par>
-    </p:tnLst>
-  </p:timing>
 </p:sld>
 </file>
 
@@ -10131,13 +10620,8 @@
           <a:p>
             <a:r>
               <a:rPr lang="zh-CN" altLang="en-US" dirty="0"/>
-              <a:t>事务</a:t>
-            </a:r>
-            <a:r>
-              <a:rPr lang="zh-CN" altLang="en-US" dirty="0" smtClean="0"/>
-              <a:t>的特性</a:t>
-            </a:r>
-            <a:endParaRPr lang="zh-CN" altLang="en-US" dirty="0"/>
+              <a:t>事务的特性</a:t>
+            </a:r>
           </a:p>
         </p:txBody>
       </p:sp>
@@ -10163,48 +10647,14 @@
           </a:bodyPr>
           <a:lstStyle/>
           <a:p>
-            <a:endParaRPr lang="en-US" altLang="zh-CN" sz="1600" dirty="0" smtClean="0"/>
-          </a:p>
-          <a:p>
-            <a:r>
-              <a:rPr lang="zh-CN" altLang="en-US" sz="1600" dirty="0" smtClean="0"/>
+            <a:endParaRPr lang="en-US" altLang="zh-CN" sz="1600" dirty="0"/>
+          </a:p>
+          <a:p>
+            <a:r>
+              <a:rPr lang="zh-CN" altLang="en-US" sz="1600" dirty="0"/>
               <a:t>隔离级别</a:t>
             </a:r>
-            <a:endParaRPr lang="en-US" altLang="zh-CN" sz="1600" dirty="0" smtClean="0"/>
-          </a:p>
-          <a:p>
-            <a:pPr lvl="1"/>
-            <a:r>
-              <a:rPr lang="en-US" altLang="zh-CN" sz="1600" dirty="0" smtClean="0">
-                <a:latin typeface="Arial" panose="020B0604020202020204" pitchFamily="34" charset="0"/>
-                <a:cs typeface="Arial" panose="020B0604020202020204" pitchFamily="34" charset="0"/>
-              </a:rPr>
-              <a:t>Read uncommitted</a:t>
-            </a:r>
-            <a:endParaRPr lang="en-US" altLang="zh-CN" sz="1600" dirty="0" smtClean="0">
-              <a:latin typeface="Arial" panose="020B0604020202020204" pitchFamily="34" charset="0"/>
-              <a:cs typeface="Arial" panose="020B0604020202020204" pitchFamily="34" charset="0"/>
-            </a:endParaRPr>
-          </a:p>
-          <a:p>
-            <a:pPr lvl="1"/>
-            <a:r>
-              <a:rPr lang="en-US" altLang="zh-CN" sz="1600" dirty="0" smtClean="0">
-                <a:latin typeface="Arial" panose="020B0604020202020204" pitchFamily="34" charset="0"/>
-                <a:cs typeface="Arial" panose="020B0604020202020204" pitchFamily="34" charset="0"/>
-              </a:rPr>
-              <a:t>Read committed</a:t>
-            </a:r>
-          </a:p>
-          <a:p>
-            <a:pPr lvl="1"/>
-            <a:r>
-              <a:rPr lang="en-US" altLang="zh-CN" sz="1600" dirty="0" smtClean="0">
-                <a:latin typeface="Arial" panose="020B0604020202020204" pitchFamily="34" charset="0"/>
-                <a:cs typeface="Arial" panose="020B0604020202020204" pitchFamily="34" charset="0"/>
-              </a:rPr>
-              <a:t>Repeatable read</a:t>
-            </a:r>
+            <a:endParaRPr lang="en-US" altLang="zh-CN" sz="1600" dirty="0"/>
           </a:p>
           <a:p>
             <a:pPr lvl="1"/>
@@ -10213,101 +10663,127 @@
                 <a:latin typeface="Arial" panose="020B0604020202020204" pitchFamily="34" charset="0"/>
                 <a:cs typeface="Arial" panose="020B0604020202020204" pitchFamily="34" charset="0"/>
               </a:rPr>
+              <a:t>Read uncommitted</a:t>
+            </a:r>
+          </a:p>
+          <a:p>
+            <a:pPr lvl="1"/>
+            <a:r>
+              <a:rPr lang="en-US" altLang="zh-CN" sz="1600" dirty="0">
+                <a:latin typeface="Arial" panose="020B0604020202020204" pitchFamily="34" charset="0"/>
+                <a:cs typeface="Arial" panose="020B0604020202020204" pitchFamily="34" charset="0"/>
+              </a:rPr>
+              <a:t>Read committed</a:t>
+            </a:r>
+          </a:p>
+          <a:p>
+            <a:pPr lvl="1"/>
+            <a:r>
+              <a:rPr lang="en-US" altLang="zh-CN" sz="1600" dirty="0">
+                <a:latin typeface="Arial" panose="020B0604020202020204" pitchFamily="34" charset="0"/>
+                <a:cs typeface="Arial" panose="020B0604020202020204" pitchFamily="34" charset="0"/>
+              </a:rPr>
+              <a:t>Repeatable read</a:t>
+            </a:r>
+          </a:p>
+          <a:p>
+            <a:pPr lvl="1"/>
+            <a:r>
+              <a:rPr lang="en-US" altLang="zh-CN" sz="1600" dirty="0">
+                <a:latin typeface="Arial" panose="020B0604020202020204" pitchFamily="34" charset="0"/>
+                <a:cs typeface="Arial" panose="020B0604020202020204" pitchFamily="34" charset="0"/>
+              </a:rPr>
               <a:t>Serializable </a:t>
             </a:r>
-            <a:endParaRPr lang="en-US" altLang="zh-CN" sz="1600" dirty="0" smtClean="0">
-              <a:latin typeface="Arial" panose="020B0604020202020204" pitchFamily="34" charset="0"/>
-              <a:cs typeface="Arial" panose="020B0604020202020204" pitchFamily="34" charset="0"/>
-            </a:endParaRPr>
-          </a:p>
-          <a:p>
-            <a:endParaRPr lang="en-US" altLang="zh-CN" sz="1600" dirty="0" smtClean="0"/>
-          </a:p>
-          <a:p>
-            <a:r>
-              <a:rPr lang="zh-CN" altLang="en-US" sz="1600" dirty="0" smtClean="0"/>
+          </a:p>
+          <a:p>
+            <a:endParaRPr lang="en-US" altLang="zh-CN" sz="1600" dirty="0"/>
+          </a:p>
+          <a:p>
+            <a:r>
+              <a:rPr lang="zh-CN" altLang="en-US" sz="1600" dirty="0"/>
               <a:t>代理方式</a:t>
             </a:r>
-            <a:endParaRPr lang="en-US" altLang="zh-CN" sz="1600" dirty="0" smtClean="0"/>
+            <a:endParaRPr lang="en-US" altLang="zh-CN" sz="1600" dirty="0"/>
           </a:p>
           <a:p>
             <a:pPr lvl="1"/>
             <a:r>
-              <a:rPr lang="en-US" altLang="zh-CN" sz="1600" dirty="0" err="1" smtClean="0"/>
+              <a:rPr lang="en-US" altLang="zh-CN" sz="1600" dirty="0" err="1"/>
               <a:t>Jdk</a:t>
             </a:r>
             <a:r>
-              <a:rPr lang="zh-CN" altLang="en-US" sz="1600" dirty="0" smtClean="0"/>
+              <a:rPr lang="zh-CN" altLang="en-US" sz="1600" dirty="0"/>
               <a:t>代理，</a:t>
             </a:r>
             <a:r>
-              <a:rPr lang="en-US" altLang="zh-CN" sz="1600" dirty="0" err="1" smtClean="0"/>
+              <a:rPr lang="en-US" altLang="zh-CN" sz="1600" dirty="0" err="1"/>
               <a:t>cglib</a:t>
             </a:r>
             <a:r>
-              <a:rPr lang="zh-CN" altLang="en-US" sz="1600" dirty="0" smtClean="0"/>
+              <a:rPr lang="zh-CN" altLang="en-US" sz="1600" dirty="0"/>
               <a:t>动态代理</a:t>
             </a:r>
-            <a:endParaRPr lang="en-US" altLang="zh-CN" sz="1600" dirty="0" smtClean="0"/>
-          </a:p>
-          <a:p>
             <a:endParaRPr lang="en-US" altLang="zh-CN" sz="1600" dirty="0"/>
           </a:p>
           <a:p>
-            <a:r>
-              <a:rPr lang="zh-CN" altLang="en-US" sz="1600" dirty="0" smtClean="0"/>
+            <a:endParaRPr lang="en-US" altLang="zh-CN" sz="1600" dirty="0"/>
+          </a:p>
+          <a:p>
+            <a:r>
+              <a:rPr lang="zh-CN" altLang="en-US" sz="1600" dirty="0"/>
               <a:t>传播行为</a:t>
             </a:r>
-            <a:endParaRPr lang="en-US" altLang="zh-CN" sz="1600" dirty="0" smtClean="0"/>
+            <a:endParaRPr lang="en-US" altLang="zh-CN" sz="1600" dirty="0"/>
           </a:p>
           <a:p>
             <a:pPr lvl="1"/>
             <a:r>
-              <a:rPr lang="en-US" altLang="zh-CN" sz="1600" b="1" dirty="0" smtClean="0"/>
+              <a:rPr lang="en-US" altLang="zh-CN" sz="1600" b="1" dirty="0"/>
               <a:t>PROPAGATION_REQUIRED</a:t>
             </a:r>
           </a:p>
           <a:p>
             <a:pPr lvl="1"/>
             <a:r>
-              <a:rPr lang="en-US" altLang="zh-CN" sz="1600" b="1" dirty="0" smtClean="0"/>
+              <a:rPr lang="en-US" altLang="zh-CN" sz="1600" b="1" dirty="0"/>
               <a:t>PROPAGATION_SUPPORTS</a:t>
             </a:r>
           </a:p>
           <a:p>
             <a:pPr lvl="1"/>
             <a:r>
-              <a:rPr lang="en-US" altLang="zh-CN" sz="1600" b="1" dirty="0" smtClean="0"/>
+              <a:rPr lang="en-US" altLang="zh-CN" sz="1600" b="1" dirty="0"/>
               <a:t>PROPAGATION_MANDATORY</a:t>
             </a:r>
           </a:p>
           <a:p>
             <a:pPr lvl="1"/>
             <a:r>
-              <a:rPr lang="en-US" altLang="zh-CN" sz="1600" b="1" dirty="0" smtClean="0"/>
+              <a:rPr lang="en-US" altLang="zh-CN" sz="1600" b="1" dirty="0"/>
               <a:t>PROPAGATION_REQUIRES_NEW</a:t>
             </a:r>
-            <a:endParaRPr lang="zh-CN" altLang="en-US" sz="1600" dirty="0" smtClean="0"/>
+            <a:endParaRPr lang="zh-CN" altLang="en-US" sz="1600" dirty="0"/>
           </a:p>
           <a:p>
             <a:pPr lvl="1"/>
             <a:r>
-              <a:rPr lang="en-US" altLang="zh-CN" sz="1600" b="1" dirty="0" smtClean="0"/>
+              <a:rPr lang="en-US" altLang="zh-CN" sz="1600" b="1" dirty="0"/>
               <a:t>PROPAGATION_NOT_SUPPORTED</a:t>
             </a:r>
-            <a:endParaRPr lang="zh-CN" altLang="en-US" sz="1600" dirty="0" smtClean="0"/>
+            <a:endParaRPr lang="zh-CN" altLang="en-US" sz="1600" dirty="0"/>
           </a:p>
           <a:p>
             <a:pPr lvl="1"/>
             <a:r>
-              <a:rPr lang="en-US" altLang="zh-CN" sz="1600" b="1" dirty="0" smtClean="0"/>
+              <a:rPr lang="en-US" altLang="zh-CN" sz="1600" b="1" dirty="0"/>
               <a:t>PROPAGATION_NEVER</a:t>
             </a:r>
           </a:p>
           <a:p>
             <a:pPr lvl="1"/>
             <a:r>
-              <a:rPr lang="en-US" altLang="zh-CN" sz="1600" b="1" dirty="0" smtClean="0"/>
+              <a:rPr lang="en-US" altLang="zh-CN" sz="1600" b="1" dirty="0"/>
               <a:t>PROPAGATION_NESTED</a:t>
             </a:r>
             <a:endParaRPr lang="zh-CN" altLang="en-US" sz="1600" dirty="0"/>
@@ -10324,13 +10800,6 @@
   <p:clrMapOvr>
     <a:masterClrMapping/>
   </p:clrMapOvr>
-  <p:timing>
-    <p:tnLst>
-      <p:par>
-        <p:cTn id="1" dur="indefinite" restart="never" nodeType="tmRoot"/>
-      </p:par>
-    </p:tnLst>
-  </p:timing>
 </p:sld>
 </file>
 
@@ -10367,10 +10836,9 @@
           <a:lstStyle/>
           <a:p>
             <a:r>
-              <a:rPr lang="zh-CN" altLang="en-US" dirty="0" smtClean="0"/>
+              <a:rPr lang="zh-CN" altLang="en-US" dirty="0"/>
               <a:t>事务的实现</a:t>
             </a:r>
-            <a:endParaRPr lang="zh-CN" altLang="en-US" dirty="0"/>
           </a:p>
         </p:txBody>
       </p:sp>
@@ -10395,15 +10863,15 @@
               <a:buNone/>
             </a:pPr>
             <a:r>
-              <a:rPr lang="en-US" altLang="zh-CN" dirty="0" smtClean="0"/>
+              <a:rPr lang="en-US" altLang="zh-CN" dirty="0"/>
               <a:t>Spring</a:t>
             </a:r>
             <a:r>
-              <a:rPr lang="zh-CN" altLang="en-US" dirty="0" smtClean="0"/>
+              <a:rPr lang="zh-CN" altLang="en-US" dirty="0"/>
               <a:t>配置的事务都是由</a:t>
             </a:r>
             <a:r>
-              <a:rPr lang="en-US" altLang="zh-CN" dirty="0" err="1" smtClean="0"/>
+              <a:rPr lang="en-US" altLang="zh-CN" dirty="0" err="1"/>
               <a:t>DataSource</a:t>
             </a:r>
             <a:r>
@@ -10416,26 +10884,22 @@
             </a:r>
             <a:r>
               <a:rPr lang="zh-CN" altLang="en-US" dirty="0"/>
-              <a:t>和代理</a:t>
-            </a:r>
-            <a:r>
-              <a:rPr lang="zh-CN" altLang="en-US" dirty="0" smtClean="0"/>
-              <a:t>机制三部分组成。</a:t>
-            </a:r>
-            <a:endParaRPr lang="en-US" altLang="zh-CN" dirty="0" smtClean="0"/>
+              <a:t>和代理机制三部分组成。</a:t>
+            </a:r>
+            <a:endParaRPr lang="en-US" altLang="zh-CN" dirty="0"/>
           </a:p>
           <a:p>
             <a:pPr marL="0" indent="0">
               <a:buNone/>
             </a:pPr>
-            <a:endParaRPr lang="en-US" altLang="zh-CN" dirty="0" smtClean="0"/>
+            <a:endParaRPr lang="en-US" altLang="zh-CN" dirty="0"/>
           </a:p>
           <a:p>
             <a:pPr marL="0" indent="0">
               <a:buNone/>
             </a:pPr>
             <a:r>
-              <a:rPr lang="zh-CN" altLang="en-US" dirty="0" smtClean="0"/>
+              <a:rPr lang="zh-CN" altLang="en-US" dirty="0"/>
               <a:t>几种常见的实现方式</a:t>
             </a:r>
             <a:endParaRPr lang="en-US" altLang="zh-CN" dirty="0"/>
@@ -10445,73 +10909,57 @@
               <a:buNone/>
             </a:pPr>
             <a:r>
-              <a:rPr lang="en-US" altLang="zh-CN" dirty="0" smtClean="0"/>
+              <a:rPr lang="en-US" altLang="zh-CN" dirty="0"/>
               <a:t>1</a:t>
             </a:r>
             <a:r>
-              <a:rPr lang="zh-CN" altLang="en-US" dirty="0" smtClean="0"/>
-              <a:t>、对</a:t>
-            </a:r>
-            <a:r>
-              <a:rPr lang="zh-CN" altLang="en-US" dirty="0"/>
-              <a:t>每个对象设置一个</a:t>
-            </a:r>
-            <a:r>
-              <a:rPr lang="zh-CN" altLang="en-US" dirty="0" smtClean="0"/>
-              <a:t>代理</a:t>
-            </a:r>
-            <a:endParaRPr lang="en-US" altLang="zh-CN" dirty="0" smtClean="0"/>
+              <a:rPr lang="zh-CN" altLang="en-US" dirty="0"/>
+              <a:t>、对每个对象设置一个代理</a:t>
+            </a:r>
+            <a:endParaRPr lang="en-US" altLang="zh-CN" dirty="0"/>
           </a:p>
           <a:p>
             <a:pPr marL="0" indent="0">
               <a:buNone/>
             </a:pPr>
             <a:r>
-              <a:rPr lang="en-US" altLang="zh-CN" dirty="0" smtClean="0"/>
+              <a:rPr lang="en-US" altLang="zh-CN" dirty="0"/>
               <a:t>2</a:t>
             </a:r>
             <a:r>
               <a:rPr lang="zh-CN" altLang="en-US" dirty="0"/>
               <a:t>、对所有的对象设置一个父类的代理</a:t>
             </a:r>
-            <a:endParaRPr lang="en-US" altLang="zh-CN" dirty="0" smtClean="0"/>
+            <a:endParaRPr lang="en-US" altLang="zh-CN" dirty="0"/>
           </a:p>
           <a:p>
             <a:pPr marL="0" indent="0">
               <a:buNone/>
             </a:pPr>
             <a:r>
-              <a:rPr lang="en-US" altLang="zh-CN" dirty="0" smtClean="0"/>
+              <a:rPr lang="en-US" altLang="zh-CN" dirty="0"/>
               <a:t>3</a:t>
             </a:r>
             <a:r>
               <a:rPr lang="zh-CN" altLang="en-US" dirty="0"/>
-              <a:t>、</a:t>
-            </a:r>
-            <a:r>
-              <a:rPr lang="zh-CN" altLang="en-US" dirty="0" smtClean="0"/>
-              <a:t>使用</a:t>
-            </a:r>
-            <a:r>
-              <a:rPr lang="en-US" altLang="zh-CN" dirty="0" err="1" smtClean="0"/>
+              <a:t>、使用</a:t>
+            </a:r>
+            <a:r>
+              <a:rPr lang="en-US" altLang="zh-CN" dirty="0" err="1"/>
               <a:t>TransactionInterceptor</a:t>
             </a:r>
             <a:r>
-              <a:rPr lang="zh-CN" altLang="en-US" dirty="0" smtClean="0"/>
-              <a:t>配置拦截</a:t>
-            </a:r>
-            <a:r>
-              <a:rPr lang="zh-CN" altLang="en-US" dirty="0"/>
-              <a:t>器</a:t>
-            </a:r>
-            <a:endParaRPr lang="en-US" altLang="zh-CN" dirty="0" smtClean="0"/>
+              <a:rPr lang="zh-CN" altLang="en-US" dirty="0"/>
+              <a:t>配置拦截器</a:t>
+            </a:r>
+            <a:endParaRPr lang="en-US" altLang="zh-CN" dirty="0"/>
           </a:p>
           <a:p>
             <a:pPr marL="0" indent="0">
               <a:buNone/>
             </a:pPr>
             <a:r>
-              <a:rPr lang="en-US" altLang="zh-CN" dirty="0" smtClean="0"/>
+              <a:rPr lang="en-US" altLang="zh-CN" dirty="0"/>
               <a:t>4</a:t>
             </a:r>
             <a:r>
@@ -10526,21 +10974,21 @@
               <a:rPr lang="zh-CN" altLang="en-US" dirty="0"/>
               <a:t>配置拦截器</a:t>
             </a:r>
-            <a:endParaRPr lang="en-US" altLang="zh-CN" dirty="0" smtClean="0"/>
+            <a:endParaRPr lang="en-US" altLang="zh-CN" dirty="0"/>
           </a:p>
           <a:p>
             <a:pPr marL="0" indent="0">
               <a:buNone/>
             </a:pPr>
             <a:r>
-              <a:rPr lang="en-US" altLang="zh-CN" dirty="0" smtClean="0"/>
+              <a:rPr lang="en-US" altLang="zh-CN" dirty="0"/>
               <a:t>5</a:t>
             </a:r>
             <a:r>
               <a:rPr lang="zh-CN" altLang="en-US" dirty="0"/>
               <a:t>、使用注解</a:t>
             </a:r>
-            <a:endParaRPr lang="en-US" altLang="zh-CN" dirty="0" smtClean="0"/>
+            <a:endParaRPr lang="en-US" altLang="zh-CN" dirty="0"/>
           </a:p>
           <a:p>
             <a:pPr marL="0" indent="0">
@@ -10560,13 +11008,6 @@
   <p:clrMapOvr>
     <a:masterClrMapping/>
   </p:clrMapOvr>
-  <p:timing>
-    <p:tnLst>
-      <p:par>
-        <p:cTn id="1" dur="indefinite" restart="never" nodeType="tmRoot"/>
-      </p:par>
-    </p:tnLst>
-  </p:timing>
 </p:sld>
 </file>
 
@@ -10603,10 +11044,9 @@
           <a:lstStyle/>
           <a:p>
             <a:r>
-              <a:rPr lang="zh-CN" altLang="en-US" dirty="0" smtClean="0"/>
+              <a:rPr lang="zh-CN" altLang="en-US" dirty="0"/>
               <a:t>分布式事务</a:t>
             </a:r>
-            <a:endParaRPr lang="zh-CN" altLang="en-US" dirty="0"/>
           </a:p>
         </p:txBody>
       </p:sp>
@@ -10620,12 +11060,403 @@
             <p:ph idx="1"/>
           </p:nvPr>
         </p:nvSpPr>
-        <p:spPr/>
-        <p:txBody>
-          <a:bodyPr/>
+        <p:spPr>
+          <a:xfrm>
+            <a:off x="838199" y="1825625"/>
+            <a:ext cx="10861713" cy="4795512"/>
+          </a:xfrm>
+        </p:spPr>
+        <p:txBody>
+          <a:bodyPr>
+            <a:noAutofit/>
+          </a:bodyPr>
           <a:lstStyle/>
           <a:p>
-            <a:endParaRPr lang="zh-CN" altLang="en-US" dirty="0"/>
+            <a:r>
+              <a:rPr lang="zh-CN" altLang="en-US" sz="1800" dirty="0">
+                <a:latin typeface="宋体" panose="02010600030101010101" pitchFamily="2" charset="-122"/>
+                <a:ea typeface="宋体" panose="02010600030101010101" pitchFamily="2" charset="-122"/>
+              </a:rPr>
+              <a:t>在 </a:t>
+            </a:r>
+            <a:r>
+              <a:rPr lang="en-US" altLang="zh-CN" sz="1800" dirty="0">
+                <a:latin typeface="宋体" panose="02010600030101010101" pitchFamily="2" charset="-122"/>
+                <a:ea typeface="宋体" panose="02010600030101010101" pitchFamily="2" charset="-122"/>
+              </a:rPr>
+              <a:t>J2EE </a:t>
+            </a:r>
+            <a:r>
+              <a:rPr lang="zh-CN" altLang="en-US" sz="1800" dirty="0">
+                <a:latin typeface="宋体" panose="02010600030101010101" pitchFamily="2" charset="-122"/>
+                <a:ea typeface="宋体" panose="02010600030101010101" pitchFamily="2" charset="-122"/>
+              </a:rPr>
+              <a:t>应用中，事务是一个不可或缺的组件模型，它保证了用户操作的 </a:t>
+            </a:r>
+            <a:r>
+              <a:rPr lang="en-US" altLang="zh-CN" sz="1800" dirty="0">
+                <a:latin typeface="宋体" panose="02010600030101010101" pitchFamily="2" charset="-122"/>
+                <a:ea typeface="宋体" panose="02010600030101010101" pitchFamily="2" charset="-122"/>
+              </a:rPr>
+              <a:t>ACID</a:t>
+            </a:r>
+            <a:r>
+              <a:rPr lang="zh-CN" altLang="en-US" sz="1800" dirty="0">
+                <a:latin typeface="宋体" panose="02010600030101010101" pitchFamily="2" charset="-122"/>
+                <a:ea typeface="宋体" panose="02010600030101010101" pitchFamily="2" charset="-122"/>
+              </a:rPr>
+              <a:t>（即原子、一致、隔离、持久）属性。对于只操作单一数据源的应用，可以通过本地资源接口实现事务管理；对于跨数据源（例如多个数据库，或者数据库与 </a:t>
+            </a:r>
+            <a:r>
+              <a:rPr lang="en-US" altLang="zh-CN" sz="1800" dirty="0">
+                <a:latin typeface="宋体" panose="02010600030101010101" pitchFamily="2" charset="-122"/>
+                <a:ea typeface="宋体" panose="02010600030101010101" pitchFamily="2" charset="-122"/>
+              </a:rPr>
+              <a:t>JMS</a:t>
+            </a:r>
+            <a:r>
+              <a:rPr lang="zh-CN" altLang="en-US" sz="1800" dirty="0">
+                <a:latin typeface="宋体" panose="02010600030101010101" pitchFamily="2" charset="-122"/>
+                <a:ea typeface="宋体" panose="02010600030101010101" pitchFamily="2" charset="-122"/>
+              </a:rPr>
+              <a:t>）的大型应用，则必须使用全局事务 </a:t>
+            </a:r>
+            <a:r>
+              <a:rPr lang="en-US" altLang="zh-CN" sz="1800" dirty="0">
+                <a:latin typeface="宋体" panose="02010600030101010101" pitchFamily="2" charset="-122"/>
+                <a:ea typeface="宋体" panose="02010600030101010101" pitchFamily="2" charset="-122"/>
+              </a:rPr>
+              <a:t>JTA (Java Transaction API)</a:t>
+            </a:r>
+            <a:r>
+              <a:rPr lang="zh-CN" altLang="en-US" sz="1800" dirty="0">
+                <a:latin typeface="宋体" panose="02010600030101010101" pitchFamily="2" charset="-122"/>
+                <a:ea typeface="宋体" panose="02010600030101010101" pitchFamily="2" charset="-122"/>
+              </a:rPr>
+              <a:t>。</a:t>
+            </a:r>
+            <a:r>
+              <a:rPr lang="en-US" altLang="zh-CN" sz="1800" dirty="0">
+                <a:latin typeface="宋体" panose="02010600030101010101" pitchFamily="2" charset="-122"/>
+                <a:ea typeface="宋体" panose="02010600030101010101" pitchFamily="2" charset="-122"/>
+              </a:rPr>
+              <a:t>JTA </a:t>
+            </a:r>
+            <a:r>
+              <a:rPr lang="zh-CN" altLang="en-US" sz="1800" dirty="0">
+                <a:latin typeface="宋体" panose="02010600030101010101" pitchFamily="2" charset="-122"/>
+                <a:ea typeface="宋体" panose="02010600030101010101" pitchFamily="2" charset="-122"/>
+              </a:rPr>
+              <a:t>为 </a:t>
+            </a:r>
+            <a:r>
+              <a:rPr lang="en-US" altLang="zh-CN" sz="1800" dirty="0">
+                <a:latin typeface="宋体" panose="02010600030101010101" pitchFamily="2" charset="-122"/>
+                <a:ea typeface="宋体" panose="02010600030101010101" pitchFamily="2" charset="-122"/>
+              </a:rPr>
+              <a:t>J2EE </a:t>
+            </a:r>
+            <a:r>
+              <a:rPr lang="zh-CN" altLang="en-US" sz="1800" dirty="0">
+                <a:latin typeface="宋体" panose="02010600030101010101" pitchFamily="2" charset="-122"/>
+                <a:ea typeface="宋体" panose="02010600030101010101" pitchFamily="2" charset="-122"/>
+              </a:rPr>
+              <a:t>平台提供了分布式事务服务，它隔离了事务与底层的资源，实现了透明的事务管理方式。</a:t>
+            </a:r>
+            <a:endParaRPr lang="en-US" altLang="zh-CN" sz="1800" dirty="0">
+              <a:latin typeface="宋体" panose="02010600030101010101" pitchFamily="2" charset="-122"/>
+              <a:ea typeface="宋体" panose="02010600030101010101" pitchFamily="2" charset="-122"/>
+            </a:endParaRPr>
+          </a:p>
+          <a:p>
+            <a:endParaRPr lang="en-US" altLang="zh-CN" sz="1800" dirty="0">
+              <a:latin typeface="宋体" panose="02010600030101010101" pitchFamily="2" charset="-122"/>
+              <a:ea typeface="宋体" panose="02010600030101010101" pitchFamily="2" charset="-122"/>
+            </a:endParaRPr>
+          </a:p>
+          <a:p>
+            <a:r>
+              <a:rPr lang="en-US" altLang="zh-CN" sz="1800" dirty="0">
+                <a:latin typeface="宋体" panose="02010600030101010101" pitchFamily="2" charset="-122"/>
+                <a:ea typeface="宋体" panose="02010600030101010101" pitchFamily="2" charset="-122"/>
+              </a:rPr>
+              <a:t>1. </a:t>
+            </a:r>
+            <a:r>
+              <a:rPr lang="zh-CN" altLang="en-US" sz="1800" dirty="0">
+                <a:latin typeface="宋体" panose="02010600030101010101" pitchFamily="2" charset="-122"/>
+                <a:ea typeface="宋体" panose="02010600030101010101" pitchFamily="2" charset="-122"/>
+              </a:rPr>
+              <a:t>本地事务：紧密依赖于底层资源管理器（例如数据库连接 </a:t>
+            </a:r>
+            <a:r>
+              <a:rPr lang="en-US" altLang="zh-CN" sz="1800" dirty="0">
+                <a:latin typeface="宋体" panose="02010600030101010101" pitchFamily="2" charset="-122"/>
+                <a:ea typeface="宋体" panose="02010600030101010101" pitchFamily="2" charset="-122"/>
+              </a:rPr>
+              <a:t>)</a:t>
+            </a:r>
+            <a:r>
+              <a:rPr lang="zh-CN" altLang="en-US" sz="1800" dirty="0">
+                <a:latin typeface="宋体" panose="02010600030101010101" pitchFamily="2" charset="-122"/>
+                <a:ea typeface="宋体" panose="02010600030101010101" pitchFamily="2" charset="-122"/>
+              </a:rPr>
+              <a:t>，事务处理局限在当前事务资源内。此种事务处理方式不存在对应用服务器的依赖，因而部署灵活却无法支持多数据源的分布式事务。</a:t>
+            </a:r>
+            <a:endParaRPr lang="en-US" altLang="zh-CN" sz="1800" dirty="0">
+              <a:latin typeface="宋体" panose="02010600030101010101" pitchFamily="2" charset="-122"/>
+              <a:ea typeface="宋体" panose="02010600030101010101" pitchFamily="2" charset="-122"/>
+            </a:endParaRPr>
+          </a:p>
+          <a:p>
+            <a:endParaRPr lang="en-US" altLang="zh-CN" sz="1800" dirty="0">
+              <a:latin typeface="宋体" panose="02010600030101010101" pitchFamily="2" charset="-122"/>
+              <a:ea typeface="宋体" panose="02010600030101010101" pitchFamily="2" charset="-122"/>
+            </a:endParaRPr>
+          </a:p>
+          <a:p>
+            <a:r>
+              <a:rPr lang="en-US" altLang="zh-CN" sz="1800" dirty="0">
+                <a:latin typeface="宋体" panose="02010600030101010101" pitchFamily="2" charset="-122"/>
+                <a:ea typeface="宋体" panose="02010600030101010101" pitchFamily="2" charset="-122"/>
+              </a:rPr>
+              <a:t>2. </a:t>
+            </a:r>
+            <a:r>
+              <a:rPr lang="zh-CN" altLang="en-US" sz="1800" dirty="0">
+                <a:latin typeface="宋体" panose="02010600030101010101" pitchFamily="2" charset="-122"/>
+                <a:ea typeface="宋体" panose="02010600030101010101" pitchFamily="2" charset="-122"/>
+              </a:rPr>
+              <a:t>分布式事务处理 </a:t>
+            </a:r>
+            <a:r>
+              <a:rPr lang="en-US" altLang="zh-CN" sz="1800" dirty="0">
+                <a:latin typeface="宋体" panose="02010600030101010101" pitchFamily="2" charset="-122"/>
+                <a:ea typeface="宋体" panose="02010600030101010101" pitchFamily="2" charset="-122"/>
+              </a:rPr>
+              <a:t>: Java </a:t>
+            </a:r>
+            <a:r>
+              <a:rPr lang="zh-CN" altLang="en-US" sz="1800" dirty="0">
+                <a:latin typeface="宋体" panose="02010600030101010101" pitchFamily="2" charset="-122"/>
+                <a:ea typeface="宋体" panose="02010600030101010101" pitchFamily="2" charset="-122"/>
+              </a:rPr>
+              <a:t>事务编程接口（</a:t>
+            </a:r>
+            <a:r>
+              <a:rPr lang="en-US" altLang="zh-CN" sz="1800" dirty="0">
+                <a:latin typeface="宋体" panose="02010600030101010101" pitchFamily="2" charset="-122"/>
+                <a:ea typeface="宋体" panose="02010600030101010101" pitchFamily="2" charset="-122"/>
+              </a:rPr>
+              <a:t>JTA</a:t>
+            </a:r>
+            <a:r>
+              <a:rPr lang="zh-CN" altLang="en-US" sz="1800" dirty="0">
+                <a:latin typeface="宋体" panose="02010600030101010101" pitchFamily="2" charset="-122"/>
+                <a:ea typeface="宋体" panose="02010600030101010101" pitchFamily="2" charset="-122"/>
+              </a:rPr>
+              <a:t>：</a:t>
+            </a:r>
+            <a:r>
+              <a:rPr lang="en-US" altLang="zh-CN" sz="1800" dirty="0">
+                <a:latin typeface="宋体" panose="02010600030101010101" pitchFamily="2" charset="-122"/>
+                <a:ea typeface="宋体" panose="02010600030101010101" pitchFamily="2" charset="-122"/>
+              </a:rPr>
+              <a:t>Java Transaction API</a:t>
+            </a:r>
+            <a:r>
+              <a:rPr lang="zh-CN" altLang="en-US" sz="1800" dirty="0">
+                <a:latin typeface="宋体" panose="02010600030101010101" pitchFamily="2" charset="-122"/>
+                <a:ea typeface="宋体" panose="02010600030101010101" pitchFamily="2" charset="-122"/>
+              </a:rPr>
+              <a:t>）和 </a:t>
+            </a:r>
+            <a:r>
+              <a:rPr lang="en-US" altLang="zh-CN" sz="1800" dirty="0">
+                <a:latin typeface="宋体" panose="02010600030101010101" pitchFamily="2" charset="-122"/>
+                <a:ea typeface="宋体" panose="02010600030101010101" pitchFamily="2" charset="-122"/>
+              </a:rPr>
+              <a:t>Java </a:t>
+            </a:r>
+            <a:r>
+              <a:rPr lang="zh-CN" altLang="en-US" sz="1800" dirty="0">
+                <a:latin typeface="宋体" panose="02010600030101010101" pitchFamily="2" charset="-122"/>
+                <a:ea typeface="宋体" panose="02010600030101010101" pitchFamily="2" charset="-122"/>
+              </a:rPr>
+              <a:t>事务服务 </a:t>
+            </a:r>
+            <a:r>
+              <a:rPr lang="en-US" altLang="zh-CN" sz="1800" dirty="0">
+                <a:latin typeface="宋体" panose="02010600030101010101" pitchFamily="2" charset="-122"/>
+                <a:ea typeface="宋体" panose="02010600030101010101" pitchFamily="2" charset="-122"/>
+              </a:rPr>
+              <a:t>(JTS</a:t>
+            </a:r>
+            <a:r>
+              <a:rPr lang="zh-CN" altLang="en-US" sz="1800" dirty="0">
+                <a:latin typeface="宋体" panose="02010600030101010101" pitchFamily="2" charset="-122"/>
+                <a:ea typeface="宋体" panose="02010600030101010101" pitchFamily="2" charset="-122"/>
+              </a:rPr>
+              <a:t>；</a:t>
+            </a:r>
+            <a:r>
+              <a:rPr lang="en-US" altLang="zh-CN" sz="1800" dirty="0">
+                <a:latin typeface="宋体" panose="02010600030101010101" pitchFamily="2" charset="-122"/>
+                <a:ea typeface="宋体" panose="02010600030101010101" pitchFamily="2" charset="-122"/>
+              </a:rPr>
+              <a:t>Java Transaction Service) </a:t>
+            </a:r>
+            <a:r>
+              <a:rPr lang="zh-CN" altLang="en-US" sz="1800" dirty="0">
+                <a:latin typeface="宋体" panose="02010600030101010101" pitchFamily="2" charset="-122"/>
+                <a:ea typeface="宋体" panose="02010600030101010101" pitchFamily="2" charset="-122"/>
+              </a:rPr>
+              <a:t>为 </a:t>
+            </a:r>
+            <a:r>
+              <a:rPr lang="en-US" altLang="zh-CN" sz="1800" dirty="0">
+                <a:latin typeface="宋体" panose="02010600030101010101" pitchFamily="2" charset="-122"/>
+                <a:ea typeface="宋体" panose="02010600030101010101" pitchFamily="2" charset="-122"/>
+              </a:rPr>
+              <a:t>J2EE </a:t>
+            </a:r>
+            <a:r>
+              <a:rPr lang="zh-CN" altLang="en-US" sz="1800" dirty="0">
+                <a:latin typeface="宋体" panose="02010600030101010101" pitchFamily="2" charset="-122"/>
+                <a:ea typeface="宋体" panose="02010600030101010101" pitchFamily="2" charset="-122"/>
+              </a:rPr>
+              <a:t>平台提供了分布式事务服务。分布式事务（</a:t>
+            </a:r>
+            <a:r>
+              <a:rPr lang="en-US" altLang="zh-CN" sz="1800" dirty="0">
+                <a:latin typeface="宋体" panose="02010600030101010101" pitchFamily="2" charset="-122"/>
+                <a:ea typeface="宋体" panose="02010600030101010101" pitchFamily="2" charset="-122"/>
+              </a:rPr>
+              <a:t>Distributed Transaction</a:t>
+            </a:r>
+            <a:r>
+              <a:rPr lang="zh-CN" altLang="en-US" sz="1800" dirty="0">
+                <a:latin typeface="宋体" panose="02010600030101010101" pitchFamily="2" charset="-122"/>
+                <a:ea typeface="宋体" panose="02010600030101010101" pitchFamily="2" charset="-122"/>
+              </a:rPr>
+              <a:t>）包括事务管理器（</a:t>
+            </a:r>
+            <a:r>
+              <a:rPr lang="en-US" altLang="zh-CN" sz="1800" dirty="0">
+                <a:latin typeface="宋体" panose="02010600030101010101" pitchFamily="2" charset="-122"/>
+                <a:ea typeface="宋体" panose="02010600030101010101" pitchFamily="2" charset="-122"/>
+              </a:rPr>
+              <a:t>Transaction Manager</a:t>
+            </a:r>
+            <a:r>
+              <a:rPr lang="zh-CN" altLang="en-US" sz="1800" dirty="0">
+                <a:latin typeface="宋体" panose="02010600030101010101" pitchFamily="2" charset="-122"/>
+                <a:ea typeface="宋体" panose="02010600030101010101" pitchFamily="2" charset="-122"/>
+              </a:rPr>
+              <a:t>）和一个或多个支持 </a:t>
+            </a:r>
+            <a:r>
+              <a:rPr lang="en-US" altLang="zh-CN" sz="1800" dirty="0">
+                <a:latin typeface="宋体" panose="02010600030101010101" pitchFamily="2" charset="-122"/>
+                <a:ea typeface="宋体" panose="02010600030101010101" pitchFamily="2" charset="-122"/>
+              </a:rPr>
+              <a:t>XA </a:t>
+            </a:r>
+            <a:r>
+              <a:rPr lang="zh-CN" altLang="en-US" sz="1800" dirty="0">
+                <a:latin typeface="宋体" panose="02010600030101010101" pitchFamily="2" charset="-122"/>
+                <a:ea typeface="宋体" panose="02010600030101010101" pitchFamily="2" charset="-122"/>
+              </a:rPr>
+              <a:t>协议的资源管理器 </a:t>
+            </a:r>
+            <a:r>
+              <a:rPr lang="en-US" altLang="zh-CN" sz="1800" dirty="0">
+                <a:latin typeface="宋体" panose="02010600030101010101" pitchFamily="2" charset="-122"/>
+                <a:ea typeface="宋体" panose="02010600030101010101" pitchFamily="2" charset="-122"/>
+              </a:rPr>
+              <a:t>( Resource Manager )</a:t>
+            </a:r>
+            <a:r>
+              <a:rPr lang="zh-CN" altLang="en-US" sz="1800" dirty="0">
+                <a:latin typeface="宋体" panose="02010600030101010101" pitchFamily="2" charset="-122"/>
+                <a:ea typeface="宋体" panose="02010600030101010101" pitchFamily="2" charset="-122"/>
+              </a:rPr>
+              <a:t>。我们可以将资源管理器看做任意类型的持久化数据存储；事务管理器承担着所有事务参与单元的协调与控制。</a:t>
+            </a:r>
+            <a:r>
+              <a:rPr lang="en-US" altLang="zh-CN" sz="1800" dirty="0">
+                <a:latin typeface="宋体" panose="02010600030101010101" pitchFamily="2" charset="-122"/>
+                <a:ea typeface="宋体" panose="02010600030101010101" pitchFamily="2" charset="-122"/>
+              </a:rPr>
+              <a:t>JTA </a:t>
+            </a:r>
+            <a:r>
+              <a:rPr lang="zh-CN" altLang="en-US" sz="1800" dirty="0">
+                <a:latin typeface="宋体" panose="02010600030101010101" pitchFamily="2" charset="-122"/>
+                <a:ea typeface="宋体" panose="02010600030101010101" pitchFamily="2" charset="-122"/>
+              </a:rPr>
+              <a:t>事务有效的屏蔽了底层事务资源，使应用可以以透明的方式参入到事务处理中；但是与本地事务相比，</a:t>
+            </a:r>
+            <a:r>
+              <a:rPr lang="en-US" altLang="zh-CN" sz="1800" dirty="0">
+                <a:latin typeface="宋体" panose="02010600030101010101" pitchFamily="2" charset="-122"/>
+                <a:ea typeface="宋体" panose="02010600030101010101" pitchFamily="2" charset="-122"/>
+              </a:rPr>
+              <a:t>XA </a:t>
+            </a:r>
+            <a:r>
+              <a:rPr lang="zh-CN" altLang="en-US" sz="1800" dirty="0">
+                <a:latin typeface="宋体" panose="02010600030101010101" pitchFamily="2" charset="-122"/>
+                <a:ea typeface="宋体" panose="02010600030101010101" pitchFamily="2" charset="-122"/>
+              </a:rPr>
+              <a:t>协议的系统开销大，在系统开发过程中应慎重考虑是否确实需要分布式事务。若确实需要分布式事务以协调多个事务资源，则应实现和配置所支持 </a:t>
+            </a:r>
+            <a:r>
+              <a:rPr lang="en-US" altLang="zh-CN" sz="1800" dirty="0">
+                <a:latin typeface="宋体" panose="02010600030101010101" pitchFamily="2" charset="-122"/>
+                <a:ea typeface="宋体" panose="02010600030101010101" pitchFamily="2" charset="-122"/>
+              </a:rPr>
+              <a:t>XA </a:t>
+            </a:r>
+            <a:r>
+              <a:rPr lang="zh-CN" altLang="en-US" sz="1800" dirty="0">
+                <a:latin typeface="宋体" panose="02010600030101010101" pitchFamily="2" charset="-122"/>
+                <a:ea typeface="宋体" panose="02010600030101010101" pitchFamily="2" charset="-122"/>
+              </a:rPr>
+              <a:t>协议的事务资源，如 </a:t>
+            </a:r>
+            <a:r>
+              <a:rPr lang="en-US" altLang="zh-CN" sz="1800" dirty="0">
+                <a:latin typeface="宋体" panose="02010600030101010101" pitchFamily="2" charset="-122"/>
+                <a:ea typeface="宋体" panose="02010600030101010101" pitchFamily="2" charset="-122"/>
+              </a:rPr>
+              <a:t>JMS</a:t>
+            </a:r>
+            <a:r>
+              <a:rPr lang="zh-CN" altLang="en-US" sz="1800" dirty="0">
+                <a:latin typeface="宋体" panose="02010600030101010101" pitchFamily="2" charset="-122"/>
+                <a:ea typeface="宋体" panose="02010600030101010101" pitchFamily="2" charset="-122"/>
+              </a:rPr>
+              <a:t>、</a:t>
+            </a:r>
+            <a:r>
+              <a:rPr lang="en-US" altLang="zh-CN" sz="1800" dirty="0">
+                <a:latin typeface="宋体" panose="02010600030101010101" pitchFamily="2" charset="-122"/>
+                <a:ea typeface="宋体" panose="02010600030101010101" pitchFamily="2" charset="-122"/>
+              </a:rPr>
+              <a:t>JDBC </a:t>
+            </a:r>
+            <a:r>
+              <a:rPr lang="zh-CN" altLang="en-US" sz="1800" dirty="0">
+                <a:latin typeface="宋体" panose="02010600030101010101" pitchFamily="2" charset="-122"/>
+                <a:ea typeface="宋体" panose="02010600030101010101" pitchFamily="2" charset="-122"/>
+              </a:rPr>
+              <a:t>数据库连接池等。</a:t>
+            </a:r>
+            <a:endParaRPr lang="zh-CN" altLang="en-US" sz="1800" dirty="0">
+              <a:latin typeface="宋体" panose="02010600030101010101" pitchFamily="2" charset="-122"/>
+              <a:ea typeface="宋体" panose="02010600030101010101" pitchFamily="2" charset="-122"/>
+            </a:endParaRPr>
           </a:p>
         </p:txBody>
       </p:sp>
@@ -10639,13 +11470,6 @@
   <p:clrMapOvr>
     <a:masterClrMapping/>
   </p:clrMapOvr>
-  <p:timing>
-    <p:tnLst>
-      <p:par>
-        <p:cTn id="1" dur="indefinite" restart="never" nodeType="tmRoot"/>
-      </p:par>
-    </p:tnLst>
-  </p:timing>
 </p:sld>
 </file>
 
@@ -10682,9 +11506,14 @@
           <a:lstStyle/>
           <a:p>
             <a:r>
-              <a:rPr lang="zh-CN" altLang="en-US" dirty="0"/>
-              <a:t>使用方法</a:t>
-            </a:r>
+              <a:rPr lang="en-US" altLang="zh-CN" b="1" dirty="0"/>
+              <a:t>XA</a:t>
+            </a:r>
+            <a:r>
+              <a:rPr lang="zh-CN" altLang="en-US" b="1" dirty="0"/>
+              <a:t>规范</a:t>
+            </a:r>
+            <a:endParaRPr lang="zh-CN" altLang="en-US" dirty="0"/>
           </a:p>
         </p:txBody>
       </p:sp>
@@ -10698,86 +11527,234 @@
             <p:ph idx="1"/>
           </p:nvPr>
         </p:nvSpPr>
-        <p:spPr/>
-        <p:txBody>
-          <a:bodyPr/>
+        <p:spPr>
+          <a:xfrm>
+            <a:off x="620617" y="1544918"/>
+            <a:ext cx="10515600" cy="4351338"/>
+          </a:xfrm>
+        </p:spPr>
+        <p:txBody>
+          <a:bodyPr>
+            <a:normAutofit lnSpcReduction="10000"/>
+          </a:bodyPr>
           <a:lstStyle/>
           <a:p>
             <a:r>
-              <a:rPr lang="en-US" altLang="zh-CN" dirty="0"/>
-              <a:t>1</a:t>
-            </a:r>
-            <a:r>
-              <a:rPr lang="zh-CN" altLang="en-US" dirty="0"/>
-              <a:t>、两段式提交</a:t>
-            </a:r>
-            <a:r>
-              <a:rPr lang="en-US" altLang="zh-CN" dirty="0"/>
-              <a:t>(Two Phase Commitment)</a:t>
-            </a:r>
-          </a:p>
-          <a:p>
-            <a:r>
-              <a:rPr lang="en-US" altLang="zh-CN" dirty="0"/>
-              <a:t>2</a:t>
-            </a:r>
-            <a:r>
-              <a:rPr lang="zh-CN" altLang="en-US" dirty="0"/>
-              <a:t>、三阶段提交</a:t>
-            </a:r>
-            <a:r>
-              <a:rPr lang="en-US" altLang="zh-CN" dirty="0"/>
-              <a:t>(Three Phase Commitment)</a:t>
-            </a:r>
-          </a:p>
-          <a:p>
-            <a:r>
-              <a:rPr lang="en-US" altLang="zh-CN" dirty="0"/>
-              <a:t>3</a:t>
-            </a:r>
-            <a:r>
-              <a:rPr lang="zh-CN" altLang="en-US" dirty="0"/>
-              <a:t>、</a:t>
-            </a:r>
-            <a:r>
-              <a:rPr lang="en-US" altLang="zh-CN" dirty="0" err="1"/>
-              <a:t>Paxos</a:t>
-            </a:r>
-            <a:r>
-              <a:rPr lang="zh-CN" altLang="en-US" dirty="0"/>
-              <a:t>算法。</a:t>
+              <a:rPr lang="zh-CN" altLang="en-US" dirty="0"/>
+              <a:t>应用程序（ </a:t>
+            </a:r>
+            <a:r>
+              <a:rPr lang="en-US" altLang="zh-CN" dirty="0"/>
+              <a:t>AP </a:t>
+            </a:r>
+            <a:r>
+              <a:rPr lang="zh-CN" altLang="en-US" dirty="0"/>
+              <a:t>） </a:t>
+            </a:r>
+            <a:r>
+              <a:rPr lang="en-US" altLang="zh-CN" dirty="0"/>
+              <a:t>+ </a:t>
+            </a:r>
+            <a:r>
+              <a:rPr lang="zh-CN" altLang="en-US" dirty="0"/>
+              <a:t>事务管理器（ </a:t>
+            </a:r>
+            <a:r>
+              <a:rPr lang="en-US" altLang="zh-CN" dirty="0"/>
+              <a:t>TM </a:t>
+            </a:r>
+            <a:r>
+              <a:rPr lang="zh-CN" altLang="en-US" dirty="0"/>
+              <a:t>）</a:t>
+            </a:r>
+            <a:r>
+              <a:rPr lang="en-US" altLang="zh-CN" dirty="0"/>
+              <a:t>+ </a:t>
+            </a:r>
+            <a:r>
+              <a:rPr lang="zh-CN" altLang="en-US" dirty="0"/>
+              <a:t>资源管理器（ </a:t>
+            </a:r>
+            <a:r>
+              <a:rPr lang="en-US" altLang="zh-CN" dirty="0"/>
+              <a:t>RM </a:t>
+            </a:r>
+            <a:r>
+              <a:rPr lang="zh-CN" altLang="en-US" dirty="0"/>
+              <a:t>）</a:t>
+            </a:r>
+            <a:r>
+              <a:rPr lang="en-US" altLang="zh-CN" dirty="0"/>
+              <a:t>+ </a:t>
+            </a:r>
+            <a:r>
+              <a:rPr lang="zh-CN" altLang="en-US" dirty="0"/>
+              <a:t>通信资源管理器（ </a:t>
+            </a:r>
+            <a:r>
+              <a:rPr lang="en-US" altLang="zh-CN" dirty="0"/>
+              <a:t>CRM </a:t>
+            </a:r>
+            <a:r>
+              <a:rPr lang="zh-CN" altLang="en-US" dirty="0"/>
+              <a:t>）</a:t>
             </a:r>
             <a:endParaRPr lang="en-US" altLang="zh-CN" dirty="0"/>
           </a:p>
           <a:p>
-            <a:r>
-              <a:rPr lang="en-US" altLang="zh-CN" dirty="0"/>
-              <a:t>4</a:t>
-            </a:r>
-            <a:r>
-              <a:rPr lang="zh-CN" altLang="en-US" dirty="0"/>
-              <a:t>、补偿机制</a:t>
-            </a:r>
-          </a:p>
-        </p:txBody>
-      </p:sp>
+            <a:endParaRPr lang="en-US" altLang="zh-CN" dirty="0"/>
+          </a:p>
+          <a:p>
+            <a:r>
+              <a:rPr lang="en-US" altLang="zh-CN" dirty="0"/>
+              <a:t>TM-&gt;</a:t>
+            </a:r>
+            <a:r>
+              <a:rPr lang="zh-CN" altLang="en-US" dirty="0"/>
+              <a:t>交易中间件</a:t>
+            </a:r>
+            <a:endParaRPr lang="en-US" altLang="zh-CN" dirty="0"/>
+          </a:p>
+          <a:p>
+            <a:r>
+              <a:rPr lang="en-US" altLang="zh-CN" dirty="0"/>
+              <a:t>RM-&gt;</a:t>
+            </a:r>
+            <a:r>
+              <a:rPr lang="zh-CN" altLang="en-US" dirty="0"/>
+              <a:t>数据库</a:t>
+            </a:r>
+            <a:endParaRPr lang="en-US" altLang="zh-CN" dirty="0"/>
+          </a:p>
+          <a:p>
+            <a:r>
+              <a:rPr lang="en-US" altLang="zh-CN" dirty="0"/>
+              <a:t>CRM</a:t>
+            </a:r>
+            <a:r>
+              <a:rPr lang="en-US" altLang="zh-CN" dirty="0"/>
+              <a:t>-&gt;</a:t>
+            </a:r>
+            <a:r>
+              <a:rPr lang="zh-CN" altLang="en-US" dirty="0"/>
+              <a:t>消息中间件</a:t>
+            </a:r>
+            <a:endParaRPr lang="en-US" altLang="zh-CN" dirty="0"/>
+          </a:p>
+          <a:p>
+            <a:endParaRPr lang="en-US" altLang="zh-CN" dirty="0"/>
+          </a:p>
+          <a:p>
+            <a:r>
+              <a:rPr lang="zh-CN" altLang="en-US" dirty="0"/>
+              <a:t>参考：</a:t>
+            </a:r>
+            <a:r>
+              <a:rPr lang="en-US" altLang="zh-CN" dirty="0"/>
+              <a:t> http://www.infoq.com/cn/articles/xa-transactions-handle</a:t>
+            </a:r>
+            <a:endParaRPr lang="en-US" altLang="zh-CN" dirty="0"/>
+          </a:p>
+          <a:p>
+            <a:r>
+              <a:rPr lang="zh-CN" altLang="en-US" dirty="0"/>
+              <a:t> </a:t>
+            </a:r>
+          </a:p>
+        </p:txBody>
+      </p:sp>
+      <p:pic>
+        <p:nvPicPr>
+          <p:cNvPr id="3074" name="Picture 2" descr="http://my.csdn.net/uploads/201205/29/1338274936_5727.gif"/>
+          <p:cNvPicPr>
+            <a:picLocks noChangeAspect="1" noChangeArrowheads="1"/>
+          </p:cNvPicPr>
+          <p:nvPr/>
+        </p:nvPicPr>
+        <p:blipFill>
+          <a:blip r:embed="rId2">
+            <a:extLst>
+              <a:ext uri="{28A0092B-C50C-407E-A947-70E740481C1C}">
+                <a14:useLocalDpi xmlns:a14="http://schemas.microsoft.com/office/drawing/2010/main" val="0"/>
+              </a:ext>
+            </a:extLst>
+          </a:blip>
+          <a:srcRect/>
+          <a:stretch>
+            <a:fillRect/>
+          </a:stretch>
+        </p:blipFill>
+        <p:spPr bwMode="auto">
+          <a:xfrm>
+            <a:off x="2831335" y="1878315"/>
+            <a:ext cx="5144878" cy="4430895"/>
+          </a:xfrm>
+          <a:prstGeom prst="rect">
+            <a:avLst/>
+          </a:prstGeom>
+          <a:noFill/>
+          <a:extLst>
+            <a:ext uri="{909E8E84-426E-40DD-AFC4-6F175D3DCCD1}">
+              <a14:hiddenFill xmlns:a14="http://schemas.microsoft.com/office/drawing/2010/main">
+                <a:solidFill>
+                  <a:srgbClr val="FFFFFF"/>
+                </a:solidFill>
+              </a14:hiddenFill>
+            </a:ext>
+          </a:extLst>
+        </p:spPr>
+      </p:pic>
+      <p:pic>
+        <p:nvPicPr>
+          <p:cNvPr id="4" name="Picture 2" descr="http://cdn1.infoqstatic.com/statics_s1_20161108-0613u1/resource/articles/xa-transactions-handle/zh/resources/image1.png"/>
+          <p:cNvPicPr>
+            <a:picLocks noChangeAspect="1" noChangeArrowheads="1"/>
+          </p:cNvPicPr>
+          <p:nvPr/>
+        </p:nvPicPr>
+        <p:blipFill>
+          <a:blip r:embed="rId3">
+            <a:extLst>
+              <a:ext uri="{28A0092B-C50C-407E-A947-70E740481C1C}">
+                <a14:useLocalDpi xmlns:a14="http://schemas.microsoft.com/office/drawing/2010/main" val="0"/>
+              </a:ext>
+            </a:extLst>
+          </a:blip>
+          <a:srcRect/>
+          <a:stretch>
+            <a:fillRect/>
+          </a:stretch>
+        </p:blipFill>
+        <p:spPr bwMode="auto">
+          <a:xfrm>
+            <a:off x="5619579" y="2318235"/>
+            <a:ext cx="7210425" cy="3990975"/>
+          </a:xfrm>
+          <a:prstGeom prst="rect">
+            <a:avLst/>
+          </a:prstGeom>
+          <a:noFill/>
+          <a:extLst>
+            <a:ext uri="{909E8E84-426E-40DD-AFC4-6F175D3DCCD1}">
+              <a14:hiddenFill xmlns:a14="http://schemas.microsoft.com/office/drawing/2010/main">
+                <a:solidFill>
+                  <a:srgbClr val="FFFFFF"/>
+                </a:solidFill>
+              </a14:hiddenFill>
+            </a:ext>
+          </a:extLst>
+        </p:spPr>
+      </p:pic>
     </p:spTree>
     <p:extLst>
       <p:ext uri="{BB962C8B-B14F-4D97-AF65-F5344CB8AC3E}">
-        <p14:creationId xmlns:p14="http://schemas.microsoft.com/office/powerpoint/2010/main" val="319723291"/>
+        <p14:creationId xmlns:p14="http://schemas.microsoft.com/office/powerpoint/2010/main" val="3422690223"/>
       </p:ext>
     </p:extLst>
   </p:cSld>
   <p:clrMapOvr>
     <a:masterClrMapping/>
   </p:clrMapOvr>
-  <p:timing>
-    <p:tnLst>
-      <p:par>
-        <p:cTn id="1" dur="indefinite" restart="never" nodeType="tmRoot"/>
-      </p:par>
-    </p:tnLst>
-  </p:timing>
 </p:sld>
 </file>
 
@@ -10798,250 +11775,105 @@
           <a:chExt cx="0" cy="0"/>
         </a:xfrm>
       </p:grpSpPr>
-      <p:pic>
-        <p:nvPicPr>
-          <p:cNvPr id="1026" name="Picture 2" descr="success"/>
-          <p:cNvPicPr>
-            <a:picLocks noGrp="1" noChangeAspect="1" noChangeArrowheads="1"/>
-          </p:cNvPicPr>
+      <p:sp>
+        <p:nvSpPr>
+          <p:cNvPr id="2" name="Title 1"/>
+          <p:cNvSpPr>
+            <a:spLocks noGrp="1"/>
+          </p:cNvSpPr>
+          <p:nvPr>
+            <p:ph type="title"/>
+          </p:nvPr>
+        </p:nvSpPr>
+        <p:spPr/>
+        <p:txBody>
+          <a:bodyPr/>
+          <a:lstStyle/>
+          <a:p>
+            <a:r>
+              <a:rPr lang="en-US" altLang="zh-CN" dirty="0"/>
+              <a:t>XA</a:t>
+            </a:r>
+            <a:r>
+              <a:rPr lang="zh-CN" altLang="en-US" dirty="0"/>
+              <a:t>规范相关算法</a:t>
+            </a:r>
+          </a:p>
+        </p:txBody>
+      </p:sp>
+      <p:sp>
+        <p:nvSpPr>
+          <p:cNvPr id="3" name="Content Placeholder 2"/>
+          <p:cNvSpPr>
+            <a:spLocks noGrp="1"/>
+          </p:cNvSpPr>
           <p:nvPr>
             <p:ph idx="1"/>
           </p:nvPr>
-        </p:nvPicPr>
-        <p:blipFill>
-          <a:blip r:embed="rId3">
-            <a:extLst>
-              <a:ext uri="{28A0092B-C50C-407E-A947-70E740481C1C}">
-                <a14:useLocalDpi xmlns:a14="http://schemas.microsoft.com/office/drawing/2010/main" val="0"/>
-              </a:ext>
-            </a:extLst>
-          </a:blip>
-          <a:srcRect/>
-          <a:stretch>
-            <a:fillRect/>
-          </a:stretch>
-        </p:blipFill>
-        <p:spPr bwMode="auto">
-          <a:xfrm>
-            <a:off x="738999" y="1478979"/>
-            <a:ext cx="4809524" cy="2904762"/>
-          </a:xfrm>
-          <a:prstGeom prst="rect">
-            <a:avLst/>
-          </a:prstGeom>
-          <a:noFill/>
-          <a:extLst>
-            <a:ext uri="{909E8E84-426E-40DD-AFC4-6F175D3DCCD1}">
-              <a14:hiddenFill xmlns:a14="http://schemas.microsoft.com/office/drawing/2010/main">
-                <a:solidFill>
-                  <a:srgbClr val="FFFFFF"/>
-                </a:solidFill>
-              </a14:hiddenFill>
-            </a:ext>
-          </a:extLst>
-        </p:spPr>
-      </p:pic>
-      <p:pic>
-        <p:nvPicPr>
-          <p:cNvPr id="1028" name="Picture 4" descr="fail"/>
-          <p:cNvPicPr>
-            <a:picLocks noChangeAspect="1" noChangeArrowheads="1"/>
-          </p:cNvPicPr>
-          <p:nvPr/>
-        </p:nvPicPr>
-        <p:blipFill>
-          <a:blip r:embed="rId4">
-            <a:extLst>
-              <a:ext uri="{28A0092B-C50C-407E-A947-70E740481C1C}">
-                <a14:useLocalDpi xmlns:a14="http://schemas.microsoft.com/office/drawing/2010/main" val="0"/>
-              </a:ext>
-            </a:extLst>
-          </a:blip>
-          <a:srcRect/>
-          <a:stretch>
-            <a:fillRect/>
-          </a:stretch>
-        </p:blipFill>
-        <p:spPr bwMode="auto">
-          <a:xfrm>
-            <a:off x="6579534" y="1478979"/>
-            <a:ext cx="4591050" cy="2943225"/>
-          </a:xfrm>
-          <a:prstGeom prst="rect">
-            <a:avLst/>
-          </a:prstGeom>
-          <a:noFill/>
-          <a:extLst>
-            <a:ext uri="{909E8E84-426E-40DD-AFC4-6F175D3DCCD1}">
-              <a14:hiddenFill xmlns:a14="http://schemas.microsoft.com/office/drawing/2010/main">
-                <a:solidFill>
-                  <a:srgbClr val="FFFFFF"/>
-                </a:solidFill>
-              </a14:hiddenFill>
-            </a:ext>
-          </a:extLst>
-        </p:spPr>
-      </p:pic>
-      <p:sp>
-        <p:nvSpPr>
-          <p:cNvPr id="4" name="TextBox 3"/>
-          <p:cNvSpPr txBox="1"/>
-          <p:nvPr/>
-        </p:nvSpPr>
-        <p:spPr>
-          <a:xfrm>
-            <a:off x="914401" y="4383741"/>
-            <a:ext cx="7960658" cy="1569660"/>
-          </a:xfrm>
-          <a:prstGeom prst="rect">
-            <a:avLst/>
-          </a:prstGeom>
-          <a:noFill/>
-        </p:spPr>
-        <p:txBody>
-          <a:bodyPr wrap="square" rtlCol="0">
-            <a:spAutoFit/>
-          </a:bodyPr>
+        </p:nvSpPr>
+        <p:spPr/>
+        <p:txBody>
+          <a:bodyPr/>
           <a:lstStyle/>
           <a:p>
             <a:r>
-              <a:rPr lang="en-US" altLang="zh-CN" sz="1600" dirty="0">
-                <a:latin typeface="Arial" panose="020B0604020202020204" pitchFamily="34" charset="0"/>
-                <a:cs typeface="Arial" panose="020B0604020202020204" pitchFamily="34" charset="0"/>
-              </a:rPr>
+              <a:rPr lang="en-US" altLang="zh-CN" dirty="0"/>
               <a:t>1</a:t>
             </a:r>
             <a:r>
-              <a:rPr lang="zh-CN" altLang="en-US" sz="1600" dirty="0">
-                <a:latin typeface="Arial" panose="020B0604020202020204" pitchFamily="34" charset="0"/>
-                <a:cs typeface="Arial" panose="020B0604020202020204" pitchFamily="34" charset="0"/>
-              </a:rPr>
-              <a:t>、同步阻塞问题</a:t>
-            </a:r>
-            <a:endParaRPr lang="en-US" altLang="zh-CN" sz="1600" dirty="0">
-              <a:latin typeface="Arial" panose="020B0604020202020204" pitchFamily="34" charset="0"/>
-              <a:cs typeface="Arial" panose="020B0604020202020204" pitchFamily="34" charset="0"/>
-            </a:endParaRPr>
-          </a:p>
-          <a:p>
-            <a:r>
-              <a:rPr lang="en-US" altLang="zh-CN" sz="1600" dirty="0">
-                <a:latin typeface="Arial" panose="020B0604020202020204" pitchFamily="34" charset="0"/>
-                <a:cs typeface="Arial" panose="020B0604020202020204" pitchFamily="34" charset="0"/>
-              </a:rPr>
+              <a:rPr lang="zh-CN" altLang="en-US" dirty="0"/>
+              <a:t>、两段式提交</a:t>
+            </a:r>
+            <a:r>
+              <a:rPr lang="en-US" altLang="zh-CN" dirty="0"/>
+              <a:t>(Two Phase Commitment)</a:t>
+            </a:r>
+          </a:p>
+          <a:p>
+            <a:r>
+              <a:rPr lang="en-US" altLang="zh-CN" dirty="0"/>
               <a:t>2</a:t>
             </a:r>
             <a:r>
-              <a:rPr lang="zh-CN" altLang="en-US" sz="1600" dirty="0">
-                <a:latin typeface="Arial" panose="020B0604020202020204" pitchFamily="34" charset="0"/>
-                <a:cs typeface="Arial" panose="020B0604020202020204" pitchFamily="34" charset="0"/>
-              </a:rPr>
-              <a:t>、单点故障。</a:t>
-            </a:r>
-            <a:endParaRPr lang="en-US" altLang="zh-CN" sz="1600" dirty="0">
-              <a:latin typeface="Arial" panose="020B0604020202020204" pitchFamily="34" charset="0"/>
-              <a:cs typeface="Arial" panose="020B0604020202020204" pitchFamily="34" charset="0"/>
-            </a:endParaRPr>
-          </a:p>
-          <a:p>
-            <a:r>
-              <a:rPr lang="en-US" altLang="zh-CN" sz="1600" dirty="0">
-                <a:latin typeface="Arial" panose="020B0604020202020204" pitchFamily="34" charset="0"/>
-                <a:cs typeface="Arial" panose="020B0604020202020204" pitchFamily="34" charset="0"/>
-              </a:rPr>
+              <a:rPr lang="zh-CN" altLang="en-US" dirty="0"/>
+              <a:t>、三阶段提交</a:t>
+            </a:r>
+            <a:r>
+              <a:rPr lang="en-US" altLang="zh-CN" dirty="0"/>
+              <a:t>(Three Phase Commitment)</a:t>
+            </a:r>
+          </a:p>
+          <a:p>
+            <a:r>
+              <a:rPr lang="en-US" altLang="zh-CN" dirty="0"/>
               <a:t>3</a:t>
             </a:r>
             <a:r>
-              <a:rPr lang="zh-CN" altLang="en-US" sz="1600" dirty="0">
-                <a:latin typeface="Arial" panose="020B0604020202020204" pitchFamily="34" charset="0"/>
-                <a:cs typeface="Arial" panose="020B0604020202020204" pitchFamily="34" charset="0"/>
-              </a:rPr>
-              <a:t>、数据不一致。</a:t>
-            </a:r>
-            <a:endParaRPr lang="en-US" altLang="zh-CN" sz="1600" dirty="0">
-              <a:latin typeface="Arial" panose="020B0604020202020204" pitchFamily="34" charset="0"/>
-              <a:cs typeface="Arial" panose="020B0604020202020204" pitchFamily="34" charset="0"/>
-            </a:endParaRPr>
-          </a:p>
-          <a:p>
-            <a:r>
-              <a:rPr lang="en-US" altLang="zh-CN" sz="1600" dirty="0">
-                <a:latin typeface="Arial" panose="020B0604020202020204" pitchFamily="34" charset="0"/>
-                <a:cs typeface="Arial" panose="020B0604020202020204" pitchFamily="34" charset="0"/>
-              </a:rPr>
-              <a:t>4</a:t>
-            </a:r>
-            <a:r>
-              <a:rPr lang="zh-CN" altLang="en-US" sz="1600" dirty="0">
-                <a:latin typeface="Arial" panose="020B0604020202020204" pitchFamily="34" charset="0"/>
-                <a:cs typeface="Arial" panose="020B0604020202020204" pitchFamily="34" charset="0"/>
-              </a:rPr>
-              <a:t>、二阶段无法解决的问题：协调者再发出</a:t>
-            </a:r>
-            <a:r>
-              <a:rPr lang="en-US" altLang="zh-CN" sz="1600" dirty="0">
-                <a:latin typeface="Arial" panose="020B0604020202020204" pitchFamily="34" charset="0"/>
-                <a:cs typeface="Arial" panose="020B0604020202020204" pitchFamily="34" charset="0"/>
-              </a:rPr>
-              <a:t>commit</a:t>
-            </a:r>
-            <a:r>
-              <a:rPr lang="zh-CN" altLang="en-US" sz="1600" dirty="0">
-                <a:latin typeface="Arial" panose="020B0604020202020204" pitchFamily="34" charset="0"/>
-                <a:cs typeface="Arial" panose="020B0604020202020204" pitchFamily="34" charset="0"/>
-              </a:rPr>
-              <a:t>消息之后宕机，而唯一接收到这条消息的参与者同时也宕机了。那么即使协调者通过选举协议产生了新的协调者，这条事务的状态也是不确定的，没人知道事务是否被已经提交。</a:t>
-            </a:r>
-          </a:p>
-        </p:txBody>
-      </p:sp>
-      <p:sp>
-        <p:nvSpPr>
-          <p:cNvPr id="5" name="TextBox 4"/>
-          <p:cNvSpPr txBox="1"/>
-          <p:nvPr/>
-        </p:nvSpPr>
-        <p:spPr>
-          <a:xfrm>
-            <a:off x="914401" y="595463"/>
-            <a:ext cx="6750424" cy="769441"/>
-          </a:xfrm>
-          <a:prstGeom prst="rect">
-            <a:avLst/>
-          </a:prstGeom>
-          <a:noFill/>
-        </p:spPr>
-        <p:txBody>
-          <a:bodyPr wrap="square" rtlCol="0">
-            <a:spAutoFit/>
-          </a:bodyPr>
-          <a:lstStyle/>
-          <a:p>
-            <a:r>
-              <a:rPr lang="en-US" altLang="zh-CN" sz="4400" b="1" dirty="0"/>
-              <a:t>2PC</a:t>
-            </a:r>
-            <a:endParaRPr lang="zh-CN" altLang="en-US" sz="4400" b="1" dirty="0"/>
+              <a:rPr lang="zh-CN" altLang="en-US" dirty="0"/>
+              <a:t>、</a:t>
+            </a:r>
+            <a:r>
+              <a:rPr lang="en-US" altLang="zh-CN" dirty="0" err="1"/>
+              <a:t>Paxos</a:t>
+            </a:r>
+            <a:r>
+              <a:rPr lang="zh-CN" altLang="en-US" dirty="0"/>
+              <a:t>算法</a:t>
+            </a:r>
+            <a:endParaRPr lang="en-US" altLang="zh-CN" dirty="0"/>
           </a:p>
         </p:txBody>
       </p:sp>
     </p:spTree>
     <p:extLst>
       <p:ext uri="{BB962C8B-B14F-4D97-AF65-F5344CB8AC3E}">
-        <p14:creationId xmlns:p14="http://schemas.microsoft.com/office/powerpoint/2010/main" val="3845692624"/>
+        <p14:creationId xmlns:p14="http://schemas.microsoft.com/office/powerpoint/2010/main" val="319723291"/>
       </p:ext>
     </p:extLst>
   </p:cSld>
   <p:clrMapOvr>
     <a:masterClrMapping/>
   </p:clrMapOvr>
-  <p:timing>
-    <p:tnLst>
-      <p:par>
-        <p:cTn id="1" dur="indefinite" restart="never" nodeType="tmRoot"/>
-      </p:par>
-    </p:tnLst>
-  </p:timing>
 </p:sld>
 </file>
 

--- a/分布式事务.pptx
+++ b/分布式事务.pptx
@@ -15,20 +15,20 @@
     <p:sldId id="275" r:id="rId6"/>
     <p:sldId id="276" r:id="rId7"/>
     <p:sldId id="273" r:id="rId8"/>
-    <p:sldId id="260" r:id="rId9"/>
-    <p:sldId id="257" r:id="rId10"/>
-    <p:sldId id="279" r:id="rId11"/>
-    <p:sldId id="262" r:id="rId12"/>
-    <p:sldId id="263" r:id="rId13"/>
-    <p:sldId id="258" r:id="rId14"/>
+    <p:sldId id="270" r:id="rId9"/>
+    <p:sldId id="260" r:id="rId10"/>
+    <p:sldId id="257" r:id="rId11"/>
+    <p:sldId id="279" r:id="rId12"/>
+    <p:sldId id="262" r:id="rId13"/>
+    <p:sldId id="263" r:id="rId14"/>
     <p:sldId id="268" r:id="rId15"/>
     <p:sldId id="269" r:id="rId16"/>
-    <p:sldId id="270" r:id="rId17"/>
-    <p:sldId id="271" r:id="rId18"/>
-    <p:sldId id="265" r:id="rId19"/>
-    <p:sldId id="266" r:id="rId20"/>
-    <p:sldId id="267" r:id="rId21"/>
-    <p:sldId id="272" r:id="rId22"/>
+    <p:sldId id="265" r:id="rId17"/>
+    <p:sldId id="266" r:id="rId18"/>
+    <p:sldId id="267" r:id="rId19"/>
+    <p:sldId id="271" r:id="rId20"/>
+    <p:sldId id="272" r:id="rId21"/>
+    <p:sldId id="258" r:id="rId22"/>
     <p:sldId id="264" r:id="rId23"/>
   </p:sldIdLst>
   <p:sldSz cx="12192000" cy="6858000"/>
@@ -230,7 +230,7 @@
           <a:p>
             <a:fld id="{46863961-1DFE-4D7D-8C20-D6E8E3DA9ED9}" type="datetimeFigureOut">
               <a:rPr lang="zh-CN" altLang="en-US" smtClean="0"/>
-              <a:t>2016/11/14</a:t>
+              <a:t>2016/11/15</a:t>
             </a:fld>
             <a:endParaRPr lang="zh-CN" altLang="en-US"/>
           </a:p>
@@ -2014,7 +2014,7 @@
           <a:p>
             <a:fld id="{30936462-658F-4E41-8C6E-2EAB7E357587}" type="slidenum">
               <a:rPr lang="zh-CN" altLang="en-US" smtClean="0"/>
-              <a:t>17</a:t>
+              <a:t>19</a:t>
             </a:fld>
             <a:endParaRPr lang="zh-CN" altLang="en-US"/>
           </a:p>
@@ -2024,6 +2024,90 @@
     <p:extLst>
       <p:ext uri="{BB962C8B-B14F-4D97-AF65-F5344CB8AC3E}">
         <p14:creationId xmlns:p14="http://schemas.microsoft.com/office/powerpoint/2010/main" val="2968298311"/>
+      </p:ext>
+    </p:extLst>
+  </p:cSld>
+  <p:clrMapOvr>
+    <a:masterClrMapping/>
+  </p:clrMapOvr>
+</p:notes>
+</file>
+
+<file path=ppt/notesSlides/notesSlide12.xml><?xml version="1.0" encoding="utf-8"?>
+<p:notes xmlns:a="http://schemas.openxmlformats.org/drawingml/2006/main" xmlns:r="http://schemas.openxmlformats.org/officeDocument/2006/relationships" xmlns:p="http://schemas.openxmlformats.org/presentationml/2006/main">
+  <p:cSld>
+    <p:spTree>
+      <p:nvGrpSpPr>
+        <p:cNvPr id="1" name=""/>
+        <p:cNvGrpSpPr/>
+        <p:nvPr/>
+      </p:nvGrpSpPr>
+      <p:grpSpPr>
+        <a:xfrm>
+          <a:off x="0" y="0"/>
+          <a:ext cx="0" cy="0"/>
+          <a:chOff x="0" y="0"/>
+          <a:chExt cx="0" cy="0"/>
+        </a:xfrm>
+      </p:grpSpPr>
+      <p:sp>
+        <p:nvSpPr>
+          <p:cNvPr id="2" name="Slide Image Placeholder 1"/>
+          <p:cNvSpPr>
+            <a:spLocks noGrp="1" noRot="1" noChangeAspect="1"/>
+          </p:cNvSpPr>
+          <p:nvPr>
+            <p:ph type="sldImg"/>
+          </p:nvPr>
+        </p:nvSpPr>
+        <p:spPr/>
+      </p:sp>
+      <p:sp>
+        <p:nvSpPr>
+          <p:cNvPr id="3" name="Notes Placeholder 2"/>
+          <p:cNvSpPr>
+            <a:spLocks noGrp="1"/>
+          </p:cNvSpPr>
+          <p:nvPr>
+            <p:ph type="body" idx="1"/>
+          </p:nvPr>
+        </p:nvSpPr>
+        <p:spPr/>
+        <p:txBody>
+          <a:bodyPr/>
+          <a:lstStyle/>
+          <a:p>
+            <a:endParaRPr lang="zh-CN" altLang="en-US" dirty="0"/>
+          </a:p>
+        </p:txBody>
+      </p:sp>
+      <p:sp>
+        <p:nvSpPr>
+          <p:cNvPr id="4" name="Slide Number Placeholder 3"/>
+          <p:cNvSpPr>
+            <a:spLocks noGrp="1"/>
+          </p:cNvSpPr>
+          <p:nvPr>
+            <p:ph type="sldNum" sz="quarter" idx="10"/>
+          </p:nvPr>
+        </p:nvSpPr>
+        <p:spPr/>
+        <p:txBody>
+          <a:bodyPr/>
+          <a:lstStyle/>
+          <a:p>
+            <a:fld id="{30936462-658F-4E41-8C6E-2EAB7E357587}" type="slidenum">
+              <a:rPr lang="zh-CN" altLang="en-US" smtClean="0"/>
+              <a:t>21</a:t>
+            </a:fld>
+            <a:endParaRPr lang="zh-CN" altLang="en-US"/>
+          </a:p>
+        </p:txBody>
+      </p:sp>
+    </p:spTree>
+    <p:extLst>
+      <p:ext uri="{BB962C8B-B14F-4D97-AF65-F5344CB8AC3E}">
+        <p14:creationId xmlns:p14="http://schemas.microsoft.com/office/powerpoint/2010/main" val="4096323322"/>
       </p:ext>
     </p:extLst>
   </p:cSld>
@@ -3486,24 +3570,343 @@
           <a:lstStyle/>
           <a:p>
             <a:r>
-              <a:rPr lang="en-US" altLang="zh-CN" dirty="0"/>
-              <a:t>XA:</a:t>
+              <a:rPr lang="zh-CN" altLang="en-US" sz="1200" b="0" i="0" kern="1200" dirty="0">
+                <a:solidFill>
+                  <a:schemeClr val="tx1"/>
+                </a:solidFill>
+                <a:effectLst/>
+                <a:latin typeface="+mn-lt"/>
+                <a:ea typeface="+mn-ea"/>
+                <a:cs typeface="+mn-cs"/>
+              </a:rPr>
+              <a:t>事务管理器</a:t>
+            </a:r>
+            <a:r>
+              <a:rPr lang="en-US" altLang="zh-CN" sz="1200" b="0" i="0" kern="1200" dirty="0">
+                <a:solidFill>
+                  <a:schemeClr val="tx1"/>
+                </a:solidFill>
+                <a:effectLst/>
+                <a:latin typeface="+mn-lt"/>
+                <a:ea typeface="+mn-ea"/>
+                <a:cs typeface="+mn-cs"/>
+              </a:rPr>
+              <a:t>(TM</a:t>
+            </a:r>
+            <a:r>
+              <a:rPr lang="en-US" altLang="zh-CN" dirty="0"/>
+              <a:t>)-&gt;</a:t>
+            </a:r>
+            <a:r>
+              <a:rPr lang="zh-CN" altLang="en-US" dirty="0"/>
+              <a:t>交易中间件</a:t>
+            </a:r>
+            <a:r>
+              <a:rPr lang="en-US" altLang="zh-CN" dirty="0"/>
+              <a:t>,</a:t>
             </a:r>
             <a:r>
               <a:rPr lang="en-US" altLang="zh-CN" baseline="0" dirty="0"/>
               <a:t> </a:t>
             </a:r>
             <a:r>
-              <a:rPr lang="zh-CN" altLang="en-US" baseline="0" dirty="0"/>
-              <a:t>存在事务协调器</a:t>
-            </a:r>
-            <a:endParaRPr lang="en-US" altLang="zh-CN" baseline="0" dirty="0"/>
-          </a:p>
-          <a:p>
-            <a:r>
-              <a:rPr lang="zh-CN" altLang="en-US" baseline="0" dirty="0"/>
-              <a:t>补偿机制：如银行冲正</a:t>
-            </a:r>
+              <a:rPr lang="zh-CN" altLang="en-US" sz="1200" b="0" i="0" kern="1200" dirty="0">
+                <a:solidFill>
+                  <a:schemeClr val="tx1"/>
+                </a:solidFill>
+                <a:effectLst/>
+                <a:latin typeface="+mn-lt"/>
+                <a:ea typeface="+mn-ea"/>
+                <a:cs typeface="+mn-cs"/>
+              </a:rPr>
+              <a:t>控制着</a:t>
+            </a:r>
+            <a:r>
+              <a:rPr lang="en-US" altLang="zh-CN" sz="1200" b="0" i="0" kern="1200" dirty="0">
+                <a:solidFill>
+                  <a:schemeClr val="tx1"/>
+                </a:solidFill>
+                <a:effectLst/>
+                <a:latin typeface="+mn-lt"/>
+                <a:ea typeface="+mn-ea"/>
+                <a:cs typeface="+mn-cs"/>
+              </a:rPr>
+              <a:t>JTA</a:t>
+            </a:r>
+            <a:r>
+              <a:rPr lang="zh-CN" altLang="en-US" sz="1200" b="0" i="0" kern="1200" dirty="0">
+                <a:solidFill>
+                  <a:schemeClr val="tx1"/>
+                </a:solidFill>
+                <a:effectLst/>
+                <a:latin typeface="+mn-lt"/>
+                <a:ea typeface="+mn-ea"/>
+                <a:cs typeface="+mn-cs"/>
+              </a:rPr>
+              <a:t>事务，管理事务生命周期，并协调资源。</a:t>
+            </a:r>
+            <a:r>
+              <a:rPr lang="zh-CN" altLang="en-US" sz="1200" b="1" i="0" kern="1200" dirty="0">
+                <a:solidFill>
+                  <a:srgbClr val="FF0000"/>
+                </a:solidFill>
+                <a:effectLst/>
+                <a:latin typeface="+mn-lt"/>
+                <a:ea typeface="+mn-ea"/>
+                <a:cs typeface="+mn-cs"/>
+              </a:rPr>
+              <a:t>在</a:t>
+            </a:r>
+            <a:r>
+              <a:rPr lang="en-US" altLang="zh-CN" sz="1200" b="1" i="0" kern="1200" dirty="0">
+                <a:solidFill>
+                  <a:srgbClr val="FF0000"/>
+                </a:solidFill>
+                <a:effectLst/>
+                <a:latin typeface="+mn-lt"/>
+                <a:ea typeface="+mn-ea"/>
+                <a:cs typeface="+mn-cs"/>
+              </a:rPr>
+              <a:t>JTA</a:t>
+            </a:r>
+            <a:r>
+              <a:rPr lang="zh-CN" altLang="en-US" sz="1200" b="1" i="0" kern="1200" dirty="0">
+                <a:solidFill>
+                  <a:srgbClr val="FF0000"/>
+                </a:solidFill>
+                <a:effectLst/>
+                <a:latin typeface="+mn-lt"/>
+                <a:ea typeface="+mn-ea"/>
+                <a:cs typeface="+mn-cs"/>
+              </a:rPr>
+              <a:t>中，事务管理器抽象为</a:t>
+            </a:r>
+            <a:r>
+              <a:rPr lang="en-US" altLang="zh-CN" sz="1200" b="1" i="0" kern="1200" dirty="0" err="1">
+                <a:solidFill>
+                  <a:srgbClr val="FF0000"/>
+                </a:solidFill>
+                <a:effectLst/>
+                <a:latin typeface="+mn-lt"/>
+                <a:ea typeface="+mn-ea"/>
+                <a:cs typeface="+mn-cs"/>
+              </a:rPr>
+              <a:t>javax.transaction.TransactionManager</a:t>
+            </a:r>
+            <a:r>
+              <a:rPr lang="zh-CN" altLang="en-US" sz="1200" b="1" i="0" kern="1200" dirty="0">
+                <a:solidFill>
+                  <a:srgbClr val="FF0000"/>
+                </a:solidFill>
+                <a:effectLst/>
+                <a:latin typeface="+mn-lt"/>
+                <a:ea typeface="+mn-ea"/>
+                <a:cs typeface="+mn-cs"/>
+              </a:rPr>
+              <a:t>接口，并通过底层事务服务（即</a:t>
+            </a:r>
+            <a:r>
+              <a:rPr lang="en-US" altLang="zh-CN" sz="1200" b="1" i="0" kern="1200" dirty="0">
+                <a:solidFill>
+                  <a:srgbClr val="FF0000"/>
+                </a:solidFill>
+                <a:effectLst/>
+                <a:latin typeface="+mn-lt"/>
+                <a:ea typeface="+mn-ea"/>
+                <a:cs typeface="+mn-cs"/>
+              </a:rPr>
+              <a:t>JTS</a:t>
+            </a:r>
+            <a:r>
+              <a:rPr lang="zh-CN" altLang="en-US" sz="1200" b="1" i="0" kern="1200" dirty="0">
+                <a:solidFill>
+                  <a:srgbClr val="FF0000"/>
+                </a:solidFill>
+                <a:effectLst/>
+                <a:latin typeface="+mn-lt"/>
+                <a:ea typeface="+mn-ea"/>
+                <a:cs typeface="+mn-cs"/>
+              </a:rPr>
+              <a:t>）实现。</a:t>
+            </a:r>
+            <a:endParaRPr lang="en-US" altLang="zh-CN" b="1" dirty="0">
+              <a:solidFill>
+                <a:srgbClr val="FF0000"/>
+              </a:solidFill>
+            </a:endParaRPr>
+          </a:p>
+          <a:p>
+            <a:r>
+              <a:rPr lang="zh-CN" altLang="en-US" sz="1200" b="0" i="0" kern="1200" dirty="0">
+                <a:solidFill>
+                  <a:schemeClr val="tx1"/>
+                </a:solidFill>
+                <a:effectLst/>
+                <a:latin typeface="+mn-lt"/>
+                <a:ea typeface="+mn-ea"/>
+                <a:cs typeface="+mn-cs"/>
+              </a:rPr>
+              <a:t>资源管理器</a:t>
+            </a:r>
+            <a:r>
+              <a:rPr lang="en-US" altLang="zh-CN" sz="1200" b="0" i="0" kern="1200" dirty="0">
+                <a:solidFill>
+                  <a:schemeClr val="tx1"/>
+                </a:solidFill>
+                <a:effectLst/>
+                <a:latin typeface="+mn-lt"/>
+                <a:ea typeface="+mn-ea"/>
+                <a:cs typeface="+mn-cs"/>
+              </a:rPr>
+              <a:t>(</a:t>
+            </a:r>
+            <a:r>
+              <a:rPr lang="en-US" altLang="zh-CN" dirty="0"/>
+              <a:t>RM)-&gt;</a:t>
+            </a:r>
+            <a:r>
+              <a:rPr lang="zh-CN" altLang="en-US" dirty="0"/>
+              <a:t>数据库</a:t>
+            </a:r>
+            <a:r>
+              <a:rPr lang="en-US" altLang="zh-CN" dirty="0"/>
+              <a:t>.</a:t>
+            </a:r>
+            <a:r>
+              <a:rPr lang="zh-CN" altLang="en-US" sz="1200" b="0" i="0" kern="1200" dirty="0">
+                <a:solidFill>
+                  <a:schemeClr val="tx1"/>
+                </a:solidFill>
+                <a:effectLst/>
+                <a:latin typeface="+mn-lt"/>
+                <a:ea typeface="+mn-ea"/>
+                <a:cs typeface="+mn-cs"/>
+              </a:rPr>
+              <a:t> 负责控制和管理实际资源（如数据库或</a:t>
+            </a:r>
+            <a:r>
+              <a:rPr lang="en-US" altLang="zh-CN" sz="1200" b="0" i="0" kern="1200" dirty="0">
+                <a:solidFill>
+                  <a:schemeClr val="tx1"/>
+                </a:solidFill>
+                <a:effectLst/>
+                <a:latin typeface="+mn-lt"/>
+                <a:ea typeface="+mn-ea"/>
+                <a:cs typeface="+mn-cs"/>
+              </a:rPr>
+              <a:t>JMS</a:t>
+            </a:r>
+            <a:r>
+              <a:rPr lang="zh-CN" altLang="en-US" sz="1200" b="0" i="0" kern="1200" dirty="0">
+                <a:solidFill>
+                  <a:schemeClr val="tx1"/>
+                </a:solidFill>
+                <a:effectLst/>
+                <a:latin typeface="+mn-lt"/>
+                <a:ea typeface="+mn-ea"/>
+                <a:cs typeface="+mn-cs"/>
+              </a:rPr>
+              <a:t>队列）。</a:t>
+            </a:r>
+            <a:endParaRPr lang="en-US" altLang="zh-CN" dirty="0"/>
+          </a:p>
+          <a:p>
+            <a:pPr marL="0" marR="0" lvl="0" indent="0" algn="l" defTabSz="914400" rtl="0" eaLnBrk="1" fontAlgn="auto" latinLnBrk="0" hangingPunct="1">
+              <a:lnSpc>
+                <a:spcPct val="100000"/>
+              </a:lnSpc>
+              <a:spcBef>
+                <a:spcPts val="0"/>
+              </a:spcBef>
+              <a:spcAft>
+                <a:spcPts val="0"/>
+              </a:spcAft>
+              <a:buClrTx/>
+              <a:buSzTx/>
+              <a:buFontTx/>
+              <a:buNone/>
+              <a:tabLst/>
+              <a:defRPr/>
+            </a:pPr>
+            <a:r>
+              <a:rPr lang="en-US" altLang="zh-CN" dirty="0"/>
+              <a:t>CRM-&gt;</a:t>
+            </a:r>
+            <a:r>
+              <a:rPr lang="zh-CN" altLang="en-US" dirty="0"/>
+              <a:t>消息中间件</a:t>
+            </a:r>
+            <a:endParaRPr lang="en-US" altLang="zh-CN" dirty="0"/>
+          </a:p>
+          <a:p>
+            <a:r>
+              <a:rPr lang="en-US" altLang="zh-CN" dirty="0"/>
+              <a:t>XA </a:t>
+            </a:r>
+            <a:r>
+              <a:rPr lang="zh-CN" altLang="en-US" dirty="0"/>
+              <a:t>接口规范</a:t>
+            </a:r>
+            <a:endParaRPr lang="en-US" altLang="zh-CN" dirty="0"/>
+          </a:p>
+          <a:p>
+            <a:endParaRPr lang="en-US" altLang="zh-CN" dirty="0"/>
+          </a:p>
+          <a:p>
+            <a:pPr marL="0" marR="0" lvl="0" indent="0" algn="l" defTabSz="914400" rtl="0" eaLnBrk="1" fontAlgn="auto" latinLnBrk="0" hangingPunct="1">
+              <a:lnSpc>
+                <a:spcPct val="100000"/>
+              </a:lnSpc>
+              <a:spcBef>
+                <a:spcPts val="0"/>
+              </a:spcBef>
+              <a:spcAft>
+                <a:spcPts val="0"/>
+              </a:spcAft>
+              <a:buClrTx/>
+              <a:buSzTx/>
+              <a:buFontTx/>
+              <a:buNone/>
+              <a:tabLst/>
+              <a:defRPr/>
+            </a:pPr>
+            <a:r>
+              <a:rPr lang="zh-CN" altLang="en-US" dirty="0"/>
+              <a:t>参考：</a:t>
+            </a:r>
+            <a:r>
+              <a:rPr lang="en-US" altLang="zh-CN" dirty="0"/>
+              <a:t> http://www.infoq.com/cn/articles/xa-transactions-handle</a:t>
+            </a:r>
+          </a:p>
+          <a:p>
+            <a:pPr marL="0" marR="0" lvl="0" indent="0" algn="l" defTabSz="914400" rtl="0" eaLnBrk="1" fontAlgn="auto" latinLnBrk="0" hangingPunct="1">
+              <a:lnSpc>
+                <a:spcPct val="100000"/>
+              </a:lnSpc>
+              <a:spcBef>
+                <a:spcPts val="0"/>
+              </a:spcBef>
+              <a:spcAft>
+                <a:spcPts val="0"/>
+              </a:spcAft>
+              <a:buClrTx/>
+              <a:buSzTx/>
+              <a:buFontTx/>
+              <a:buNone/>
+              <a:tabLst/>
+              <a:defRPr/>
+            </a:pPr>
+            <a:r>
+              <a:rPr lang="zh-CN" altLang="en-US" dirty="0"/>
+              <a:t>参考：</a:t>
+            </a:r>
+            <a:r>
+              <a:rPr lang="en-US" altLang="zh-CN" dirty="0"/>
+              <a:t>http://www.infoq.com/cn/articles/xa-transactions-handle</a:t>
+            </a:r>
+          </a:p>
+          <a:p>
             <a:endParaRPr lang="zh-CN" altLang="en-US" dirty="0"/>
           </a:p>
         </p:txBody>
@@ -3534,7 +3937,7 @@
     </p:spTree>
     <p:extLst>
       <p:ext uri="{BB962C8B-B14F-4D97-AF65-F5344CB8AC3E}">
-        <p14:creationId xmlns:p14="http://schemas.microsoft.com/office/powerpoint/2010/main" val="2976006048"/>
+        <p14:creationId xmlns:p14="http://schemas.microsoft.com/office/powerpoint/2010/main" val="596898934"/>
       </p:ext>
     </p:extLst>
   </p:cSld>
@@ -3590,449 +3993,24 @@
           <a:p>
             <a:r>
               <a:rPr lang="en-US" altLang="zh-CN" dirty="0"/>
-              <a:t>Prepare</a:t>
-            </a:r>
-            <a:r>
-              <a:rPr lang="zh-CN" altLang="en-US" dirty="0"/>
-              <a:t>逻辑</a:t>
-            </a:r>
-            <a:endParaRPr lang="en-US" altLang="zh-CN" dirty="0"/>
-          </a:p>
-          <a:p>
-            <a:r>
-              <a:rPr lang="en-US" altLang="zh-CN" dirty="0"/>
-              <a:t>1) </a:t>
-            </a:r>
-            <a:r>
-              <a:rPr lang="zh-CN" altLang="en-US" sz="1200" b="0" i="0" kern="1200" dirty="0">
-                <a:solidFill>
-                  <a:schemeClr val="tx1"/>
-                </a:solidFill>
-                <a:effectLst/>
-                <a:latin typeface="+mn-lt"/>
-                <a:ea typeface="+mn-ea"/>
-                <a:cs typeface="+mn-cs"/>
-              </a:rPr>
-              <a:t>协调者节点向所有参与者节点询问是否可以执行提交操作</a:t>
-            </a:r>
-            <a:r>
-              <a:rPr lang="en-US" altLang="zh-CN" sz="1200" b="0" i="0" kern="1200" dirty="0">
-                <a:solidFill>
-                  <a:schemeClr val="tx1"/>
-                </a:solidFill>
-                <a:effectLst/>
-                <a:latin typeface="+mn-lt"/>
-                <a:ea typeface="+mn-ea"/>
-                <a:cs typeface="+mn-cs"/>
-              </a:rPr>
-              <a:t>(vote)</a:t>
-            </a:r>
-            <a:r>
-              <a:rPr lang="zh-CN" altLang="en-US" sz="1200" b="0" i="0" kern="1200" dirty="0">
-                <a:solidFill>
-                  <a:schemeClr val="tx1"/>
-                </a:solidFill>
-                <a:effectLst/>
-                <a:latin typeface="+mn-lt"/>
-                <a:ea typeface="+mn-ea"/>
-                <a:cs typeface="+mn-cs"/>
-              </a:rPr>
-              <a:t>，并开始等待各参与者节点的响应。</a:t>
-            </a:r>
-            <a:endParaRPr lang="en-US" altLang="zh-CN" sz="1200" b="0" i="0" kern="1200" dirty="0">
-              <a:solidFill>
-                <a:schemeClr val="tx1"/>
-              </a:solidFill>
-              <a:effectLst/>
-              <a:latin typeface="+mn-lt"/>
-              <a:ea typeface="+mn-ea"/>
-              <a:cs typeface="+mn-cs"/>
-            </a:endParaRPr>
-          </a:p>
-          <a:p>
-            <a:r>
-              <a:rPr lang="en-US" altLang="zh-CN" sz="1200" b="0" i="0" kern="1200" dirty="0">
-                <a:solidFill>
-                  <a:schemeClr val="tx1"/>
-                </a:solidFill>
-                <a:effectLst/>
-                <a:latin typeface="+mn-lt"/>
-                <a:ea typeface="+mn-ea"/>
-                <a:cs typeface="+mn-cs"/>
-              </a:rPr>
-              <a:t>2) </a:t>
-            </a:r>
-            <a:r>
-              <a:rPr lang="zh-CN" altLang="en-US" sz="1200" b="0" i="0" kern="1200" dirty="0">
-                <a:solidFill>
-                  <a:schemeClr val="tx1"/>
-                </a:solidFill>
-                <a:effectLst/>
-                <a:latin typeface="+mn-lt"/>
-                <a:ea typeface="+mn-ea"/>
-                <a:cs typeface="+mn-cs"/>
-              </a:rPr>
-              <a:t>参与者节点执行询问发起为止的所有事务操作，并将</a:t>
-            </a:r>
-            <a:r>
-              <a:rPr lang="en-US" altLang="zh-CN" sz="1200" b="0" i="0" kern="1200" dirty="0">
-                <a:solidFill>
-                  <a:schemeClr val="tx1"/>
-                </a:solidFill>
-                <a:effectLst/>
-                <a:latin typeface="+mn-lt"/>
-                <a:ea typeface="+mn-ea"/>
-                <a:cs typeface="+mn-cs"/>
-              </a:rPr>
-              <a:t>Undo</a:t>
-            </a:r>
-            <a:r>
-              <a:rPr lang="zh-CN" altLang="en-US" sz="1200" b="0" i="0" kern="1200" dirty="0">
-                <a:solidFill>
-                  <a:schemeClr val="tx1"/>
-                </a:solidFill>
-                <a:effectLst/>
-                <a:latin typeface="+mn-lt"/>
-                <a:ea typeface="+mn-ea"/>
-                <a:cs typeface="+mn-cs"/>
-              </a:rPr>
-              <a:t>信息和</a:t>
-            </a:r>
-            <a:r>
-              <a:rPr lang="en-US" altLang="zh-CN" sz="1200" b="0" i="0" kern="1200" dirty="0">
-                <a:solidFill>
-                  <a:schemeClr val="tx1"/>
-                </a:solidFill>
-                <a:effectLst/>
-                <a:latin typeface="+mn-lt"/>
-                <a:ea typeface="+mn-ea"/>
-                <a:cs typeface="+mn-cs"/>
-              </a:rPr>
-              <a:t>Redo</a:t>
-            </a:r>
-            <a:r>
-              <a:rPr lang="zh-CN" altLang="en-US" sz="1200" b="0" i="0" kern="1200" dirty="0">
-                <a:solidFill>
-                  <a:schemeClr val="tx1"/>
-                </a:solidFill>
-                <a:effectLst/>
-                <a:latin typeface="+mn-lt"/>
-                <a:ea typeface="+mn-ea"/>
-                <a:cs typeface="+mn-cs"/>
-              </a:rPr>
-              <a:t>信息写入日志。</a:t>
-            </a:r>
-            <a:endParaRPr lang="en-US" altLang="zh-CN" sz="1200" b="0" i="0" kern="1200" dirty="0">
-              <a:solidFill>
-                <a:schemeClr val="tx1"/>
-              </a:solidFill>
-              <a:effectLst/>
-              <a:latin typeface="+mn-lt"/>
-              <a:ea typeface="+mn-ea"/>
-              <a:cs typeface="+mn-cs"/>
-            </a:endParaRPr>
-          </a:p>
-          <a:p>
-            <a:r>
-              <a:rPr lang="en-US" altLang="zh-CN" sz="1200" b="0" i="0" kern="1200" dirty="0">
-                <a:solidFill>
-                  <a:schemeClr val="tx1"/>
-                </a:solidFill>
-                <a:effectLst/>
-                <a:latin typeface="+mn-lt"/>
-                <a:ea typeface="+mn-ea"/>
-                <a:cs typeface="+mn-cs"/>
-              </a:rPr>
-              <a:t>3) </a:t>
-            </a:r>
-            <a:r>
-              <a:rPr lang="zh-CN" altLang="en-US" sz="1200" b="0" i="0" kern="1200" dirty="0">
-                <a:solidFill>
-                  <a:schemeClr val="tx1"/>
-                </a:solidFill>
-                <a:effectLst/>
-                <a:latin typeface="+mn-lt"/>
-                <a:ea typeface="+mn-ea"/>
-                <a:cs typeface="+mn-cs"/>
-              </a:rPr>
-              <a:t>各参与者节点响应协调者节点发起的询问。如果参与者节点的事务操作实际执行成功，则它返回一个”同意”消息；如果参与者节点的事务操作实际执行失败，则它返回一个”中止”消息。</a:t>
-            </a:r>
-            <a:endParaRPr lang="en-US" altLang="zh-CN" sz="1200" b="0" i="0" kern="1200" dirty="0">
-              <a:solidFill>
-                <a:schemeClr val="tx1"/>
-              </a:solidFill>
-              <a:effectLst/>
-              <a:latin typeface="+mn-lt"/>
-              <a:ea typeface="+mn-ea"/>
-              <a:cs typeface="+mn-cs"/>
-            </a:endParaRPr>
-          </a:p>
-          <a:p>
-            <a:endParaRPr lang="en-US" altLang="zh-CN" dirty="0"/>
-          </a:p>
-          <a:p>
-            <a:r>
-              <a:rPr lang="en-US" altLang="zh-CN" dirty="0"/>
-              <a:t>Commit</a:t>
-            </a:r>
-            <a:r>
-              <a:rPr lang="zh-CN" altLang="en-US" dirty="0"/>
-              <a:t>逻辑</a:t>
-            </a:r>
-            <a:endParaRPr lang="en-US" altLang="zh-CN" dirty="0"/>
-          </a:p>
-          <a:p>
-            <a:r>
-              <a:rPr lang="en-US" altLang="zh-CN" dirty="0"/>
-              <a:t>1) </a:t>
-            </a:r>
-            <a:r>
-              <a:rPr lang="zh-CN" altLang="en-US" dirty="0"/>
-              <a:t>协调者节点向所有参与者节点发出”正式提交</a:t>
-            </a:r>
-            <a:r>
-              <a:rPr lang="en-US" altLang="zh-CN" dirty="0"/>
-              <a:t>(commit)”</a:t>
-            </a:r>
-            <a:r>
-              <a:rPr lang="zh-CN" altLang="en-US" dirty="0"/>
-              <a:t>的请求。</a:t>
-            </a:r>
-          </a:p>
-          <a:p>
-            <a:r>
-              <a:rPr lang="en-US" altLang="zh-CN" dirty="0"/>
-              <a:t>2) </a:t>
-            </a:r>
-            <a:r>
-              <a:rPr lang="zh-CN" altLang="en-US" dirty="0"/>
-              <a:t>参与者节点正式完成操作，并释放在整个事务期间内占用的资源。</a:t>
-            </a:r>
-          </a:p>
-          <a:p>
-            <a:r>
-              <a:rPr lang="en-US" altLang="zh-CN" dirty="0"/>
-              <a:t>3) </a:t>
-            </a:r>
-            <a:r>
-              <a:rPr lang="zh-CN" altLang="en-US" dirty="0"/>
-              <a:t>参与者节点向协调者节点发送”完成”消息。</a:t>
-            </a:r>
-          </a:p>
-          <a:p>
-            <a:r>
-              <a:rPr lang="en-US" altLang="zh-CN" dirty="0"/>
-              <a:t>4) </a:t>
-            </a:r>
-            <a:r>
-              <a:rPr lang="zh-CN" altLang="en-US" dirty="0"/>
-              <a:t>协调者节点受到所有参与者节点反馈的”完成”消息后，完成事务。</a:t>
-            </a:r>
-          </a:p>
-          <a:p>
-            <a:endParaRPr lang="en-US" altLang="zh-CN" dirty="0"/>
-          </a:p>
-          <a:p>
-            <a:pPr marL="0" marR="0" lvl="0" indent="0" algn="l" defTabSz="914400" rtl="0" eaLnBrk="1" fontAlgn="auto" latinLnBrk="0" hangingPunct="1">
-              <a:lnSpc>
-                <a:spcPct val="100000"/>
-              </a:lnSpc>
-              <a:spcBef>
-                <a:spcPts val="0"/>
-              </a:spcBef>
-              <a:spcAft>
-                <a:spcPts val="0"/>
-              </a:spcAft>
-              <a:buClrTx/>
-              <a:buSzTx/>
-              <a:buFontTx/>
-              <a:buNone/>
-              <a:tabLst/>
-              <a:defRPr/>
-            </a:pPr>
-            <a:r>
-              <a:rPr lang="en-US" altLang="zh-CN" dirty="0"/>
-              <a:t>Rollback</a:t>
-            </a:r>
-            <a:r>
-              <a:rPr lang="zh-CN" altLang="en-US" dirty="0"/>
-              <a:t>逻辑</a:t>
-            </a:r>
-            <a:endParaRPr lang="en-US" altLang="zh-CN" dirty="0"/>
-          </a:p>
-          <a:p>
-            <a:r>
-              <a:rPr lang="en-US" altLang="zh-CN" dirty="0"/>
-              <a:t>1)</a:t>
+              <a:t>XA:</a:t>
             </a:r>
             <a:r>
               <a:rPr lang="en-US" altLang="zh-CN" baseline="0" dirty="0"/>
               <a:t> </a:t>
             </a:r>
             <a:r>
-              <a:rPr lang="zh-CN" altLang="en-US" dirty="0"/>
-              <a:t>协调者节点向所有参与者节点发出”回滚操作</a:t>
-            </a:r>
-            <a:r>
-              <a:rPr lang="en-US" altLang="zh-CN" dirty="0"/>
-              <a:t>(rollback)”</a:t>
-            </a:r>
-            <a:r>
-              <a:rPr lang="zh-CN" altLang="en-US" dirty="0"/>
-              <a:t>的请求。</a:t>
-            </a:r>
-          </a:p>
-          <a:p>
-            <a:r>
-              <a:rPr lang="en-US" altLang="zh-CN" dirty="0"/>
-              <a:t>2)</a:t>
-            </a:r>
-            <a:r>
-              <a:rPr lang="en-US" altLang="zh-CN" baseline="0" dirty="0"/>
-              <a:t> </a:t>
-            </a:r>
-            <a:r>
-              <a:rPr lang="zh-CN" altLang="en-US" dirty="0"/>
-              <a:t>参与者节点利用之前写入的</a:t>
-            </a:r>
-            <a:r>
-              <a:rPr lang="en-US" altLang="zh-CN" dirty="0"/>
-              <a:t>Undo</a:t>
-            </a:r>
-            <a:r>
-              <a:rPr lang="zh-CN" altLang="en-US" dirty="0"/>
-              <a:t>信息执行回滚，并释放在整个事务期间内占用的资源。</a:t>
-            </a:r>
-          </a:p>
-          <a:p>
-            <a:r>
-              <a:rPr lang="en-US" altLang="zh-CN" dirty="0"/>
-              <a:t>3)</a:t>
-            </a:r>
-            <a:r>
-              <a:rPr lang="en-US" altLang="zh-CN" baseline="0" dirty="0"/>
-              <a:t> </a:t>
-            </a:r>
-            <a:r>
-              <a:rPr lang="zh-CN" altLang="en-US" dirty="0"/>
-              <a:t>参与者节点向协调者节点发送”回滚完成”消息。</a:t>
-            </a:r>
-            <a:endParaRPr lang="en-US" altLang="zh-CN" dirty="0"/>
-          </a:p>
-          <a:p>
-            <a:r>
-              <a:rPr lang="en-US" altLang="zh-CN" dirty="0"/>
-              <a:t>4)</a:t>
-            </a:r>
-            <a:r>
-              <a:rPr lang="en-US" altLang="zh-CN" baseline="0" dirty="0"/>
-              <a:t> </a:t>
-            </a:r>
-            <a:r>
-              <a:rPr lang="zh-CN" altLang="en-US" dirty="0"/>
-              <a:t>协调者节点受到所有参与者节点反馈的”回滚完成”消息后，取消事务。</a:t>
-            </a:r>
-            <a:endParaRPr lang="en-US" altLang="zh-CN" dirty="0"/>
-          </a:p>
-          <a:p>
-            <a:endParaRPr lang="en-US" altLang="zh-CN" dirty="0"/>
-          </a:p>
-          <a:p>
-            <a:r>
-              <a:rPr lang="zh-CN" altLang="en-US" dirty="0"/>
-              <a:t>缺陷</a:t>
-            </a:r>
-            <a:endParaRPr lang="en-US" altLang="zh-CN" dirty="0"/>
-          </a:p>
-          <a:p>
-            <a:r>
-              <a:rPr lang="en-US" altLang="zh-CN" sz="1200" dirty="0">
-                <a:latin typeface="Arial" panose="020B0604020202020204" pitchFamily="34" charset="0"/>
-                <a:cs typeface="Arial" panose="020B0604020202020204" pitchFamily="34" charset="0"/>
-              </a:rPr>
-              <a:t>1</a:t>
-            </a:r>
-            <a:r>
-              <a:rPr lang="zh-CN" altLang="en-US" sz="1200" dirty="0">
-                <a:latin typeface="Arial" panose="020B0604020202020204" pitchFamily="34" charset="0"/>
-                <a:cs typeface="Arial" panose="020B0604020202020204" pitchFamily="34" charset="0"/>
-              </a:rPr>
-              <a:t>、同步阻塞问题</a:t>
-            </a:r>
-            <a:endParaRPr lang="en-US" altLang="zh-CN" sz="1200" dirty="0">
-              <a:latin typeface="Arial" panose="020B0604020202020204" pitchFamily="34" charset="0"/>
-              <a:cs typeface="Arial" panose="020B0604020202020204" pitchFamily="34" charset="0"/>
-            </a:endParaRPr>
-          </a:p>
-          <a:p>
-            <a:r>
-              <a:rPr lang="en-US" altLang="zh-CN" sz="1200" dirty="0">
-                <a:latin typeface="Arial" panose="020B0604020202020204" pitchFamily="34" charset="0"/>
-                <a:cs typeface="Arial" panose="020B0604020202020204" pitchFamily="34" charset="0"/>
-              </a:rPr>
-              <a:t>2</a:t>
-            </a:r>
-            <a:r>
-              <a:rPr lang="zh-CN" altLang="en-US" sz="1200" dirty="0">
-                <a:latin typeface="Arial" panose="020B0604020202020204" pitchFamily="34" charset="0"/>
-                <a:cs typeface="Arial" panose="020B0604020202020204" pitchFamily="34" charset="0"/>
-              </a:rPr>
-              <a:t>、单点故障。</a:t>
-            </a:r>
-            <a:endParaRPr lang="en-US" altLang="zh-CN" sz="1200" dirty="0">
-              <a:latin typeface="Arial" panose="020B0604020202020204" pitchFamily="34" charset="0"/>
-              <a:cs typeface="Arial" panose="020B0604020202020204" pitchFamily="34" charset="0"/>
-            </a:endParaRPr>
-          </a:p>
-          <a:p>
-            <a:r>
-              <a:rPr lang="en-US" altLang="zh-CN" sz="1200" dirty="0">
-                <a:latin typeface="Arial" panose="020B0604020202020204" pitchFamily="34" charset="0"/>
-                <a:cs typeface="Arial" panose="020B0604020202020204" pitchFamily="34" charset="0"/>
-              </a:rPr>
-              <a:t>3</a:t>
-            </a:r>
-            <a:r>
-              <a:rPr lang="zh-CN" altLang="en-US" sz="1200" dirty="0">
-                <a:latin typeface="Arial" panose="020B0604020202020204" pitchFamily="34" charset="0"/>
-                <a:cs typeface="Arial" panose="020B0604020202020204" pitchFamily="34" charset="0"/>
-              </a:rPr>
-              <a:t>、数据不一致。</a:t>
-            </a:r>
-            <a:endParaRPr lang="en-US" altLang="zh-CN" sz="1200" dirty="0">
-              <a:latin typeface="Arial" panose="020B0604020202020204" pitchFamily="34" charset="0"/>
-              <a:cs typeface="Arial" panose="020B0604020202020204" pitchFamily="34" charset="0"/>
-            </a:endParaRPr>
-          </a:p>
-          <a:p>
-            <a:r>
-              <a:rPr lang="en-US" altLang="zh-CN" sz="1200" dirty="0">
-                <a:latin typeface="Arial" panose="020B0604020202020204" pitchFamily="34" charset="0"/>
-                <a:cs typeface="Arial" panose="020B0604020202020204" pitchFamily="34" charset="0"/>
-              </a:rPr>
-              <a:t>4</a:t>
-            </a:r>
-            <a:r>
-              <a:rPr lang="zh-CN" altLang="en-US" sz="1200" dirty="0">
-                <a:latin typeface="Arial" panose="020B0604020202020204" pitchFamily="34" charset="0"/>
-                <a:cs typeface="Arial" panose="020B0604020202020204" pitchFamily="34" charset="0"/>
-              </a:rPr>
-              <a:t>、二阶段无法解决的问题：协调者再发出</a:t>
-            </a:r>
-            <a:r>
-              <a:rPr lang="en-US" altLang="zh-CN" sz="1200" dirty="0">
-                <a:latin typeface="Arial" panose="020B0604020202020204" pitchFamily="34" charset="0"/>
-                <a:cs typeface="Arial" panose="020B0604020202020204" pitchFamily="34" charset="0"/>
-              </a:rPr>
-              <a:t>commit</a:t>
-            </a:r>
-            <a:r>
-              <a:rPr lang="zh-CN" altLang="en-US" sz="1200" dirty="0">
-                <a:latin typeface="Arial" panose="020B0604020202020204" pitchFamily="34" charset="0"/>
-                <a:cs typeface="Arial" panose="020B0604020202020204" pitchFamily="34" charset="0"/>
-              </a:rPr>
-              <a:t>消息之后宕机，而唯一接收到这条消息的参与者同时也宕机了。那么即使协调者通过选举协议产生了新的协调者，这条事务的状态也是不确定的，没人知道事务是否被已经提交。</a:t>
-            </a:r>
+              <a:rPr lang="zh-CN" altLang="en-US" baseline="0" dirty="0"/>
+              <a:t>存在事务协调器</a:t>
+            </a:r>
+            <a:endParaRPr lang="en-US" altLang="zh-CN" baseline="0" dirty="0"/>
+          </a:p>
+          <a:p>
+            <a:r>
+              <a:rPr lang="zh-CN" altLang="en-US" baseline="0" dirty="0"/>
+              <a:t>补偿机制：如银行冲正</a:t>
+            </a:r>
+            <a:endParaRPr lang="zh-CN" altLang="en-US" dirty="0"/>
           </a:p>
         </p:txBody>
       </p:sp>
@@ -4062,7 +4040,7 @@
     </p:spTree>
     <p:extLst>
       <p:ext uri="{BB962C8B-B14F-4D97-AF65-F5344CB8AC3E}">
-        <p14:creationId xmlns:p14="http://schemas.microsoft.com/office/powerpoint/2010/main" val="2628150881"/>
+        <p14:creationId xmlns:p14="http://schemas.microsoft.com/office/powerpoint/2010/main" val="2976006048"/>
       </p:ext>
     </p:extLst>
   </p:cSld>
@@ -4117,71 +4095,449 @@
           <a:lstStyle/>
           <a:p>
             <a:r>
-              <a:rPr lang="zh-CN" altLang="en-US" dirty="0"/>
-              <a:t>其实这个应该是基于概率来决定的，当进入第三阶段时，说明参与者在第二阶段已经收到了</a:t>
-            </a:r>
-            <a:r>
-              <a:rPr lang="en-US" altLang="zh-CN" dirty="0" err="1"/>
-              <a:t>PreCommit</a:t>
-            </a:r>
-            <a:r>
-              <a:rPr lang="zh-CN" altLang="en-US" dirty="0"/>
-              <a:t>请求，那么协调者产生</a:t>
-            </a:r>
-            <a:r>
-              <a:rPr lang="en-US" altLang="zh-CN" dirty="0" err="1"/>
-              <a:t>PreCommit</a:t>
-            </a:r>
-            <a:r>
-              <a:rPr lang="zh-CN" altLang="en-US" dirty="0"/>
-              <a:t>请求的前提条件是他在第二阶段开始之前，收到所有参与者的</a:t>
-            </a:r>
-            <a:r>
-              <a:rPr lang="en-US" altLang="zh-CN" dirty="0" err="1"/>
-              <a:t>CanCommit</a:t>
-            </a:r>
-            <a:r>
-              <a:rPr lang="zh-CN" altLang="en-US" dirty="0"/>
-              <a:t>响应都是</a:t>
-            </a:r>
-            <a:r>
-              <a:rPr lang="en-US" altLang="zh-CN" dirty="0"/>
-              <a:t>Yes</a:t>
-            </a:r>
-            <a:r>
-              <a:rPr lang="zh-CN" altLang="en-US" dirty="0"/>
-              <a:t>。</a:t>
+              <a:rPr lang="en-US" altLang="zh-CN" dirty="0"/>
+              <a:t>Prepare</a:t>
+            </a:r>
+            <a:r>
+              <a:rPr lang="zh-CN" altLang="en-US" dirty="0"/>
+              <a:t>逻辑</a:t>
             </a:r>
             <a:endParaRPr lang="en-US" altLang="zh-CN" dirty="0"/>
           </a:p>
           <a:p>
             <a:r>
-              <a:rPr lang="zh-CN" altLang="en-US" dirty="0"/>
-              <a:t>（一旦参与者收到了</a:t>
-            </a:r>
-            <a:r>
-              <a:rPr lang="en-US" altLang="zh-CN" dirty="0" err="1"/>
-              <a:t>PreCommit</a:t>
-            </a:r>
-            <a:r>
-              <a:rPr lang="zh-CN" altLang="en-US" dirty="0"/>
-              <a:t>，意味他知道大家其实都同意修改了）所以，一句话概括就是，当进入第三阶段时，由于网络超时等原因，虽然参与者没有收到</a:t>
-            </a:r>
-            <a:r>
-              <a:rPr lang="en-US" altLang="zh-CN" dirty="0"/>
+              <a:rPr lang="en-US" altLang="zh-CN" dirty="0"/>
+              <a:t>1) </a:t>
+            </a:r>
+            <a:r>
+              <a:rPr lang="zh-CN" altLang="en-US" sz="1200" b="0" i="0" kern="1200" dirty="0">
+                <a:solidFill>
+                  <a:schemeClr val="tx1"/>
+                </a:solidFill>
+                <a:effectLst/>
+                <a:latin typeface="+mn-lt"/>
+                <a:ea typeface="+mn-ea"/>
+                <a:cs typeface="+mn-cs"/>
+              </a:rPr>
+              <a:t>协调者节点向所有参与者节点询问是否可以执行提交操作</a:t>
+            </a:r>
+            <a:r>
+              <a:rPr lang="en-US" altLang="zh-CN" sz="1200" b="0" i="0" kern="1200" dirty="0">
+                <a:solidFill>
+                  <a:schemeClr val="tx1"/>
+                </a:solidFill>
+                <a:effectLst/>
+                <a:latin typeface="+mn-lt"/>
+                <a:ea typeface="+mn-ea"/>
+                <a:cs typeface="+mn-cs"/>
+              </a:rPr>
+              <a:t>(vote)</a:t>
+            </a:r>
+            <a:r>
+              <a:rPr lang="zh-CN" altLang="en-US" sz="1200" b="0" i="0" kern="1200" dirty="0">
+                <a:solidFill>
+                  <a:schemeClr val="tx1"/>
+                </a:solidFill>
+                <a:effectLst/>
+                <a:latin typeface="+mn-lt"/>
+                <a:ea typeface="+mn-ea"/>
+                <a:cs typeface="+mn-cs"/>
+              </a:rPr>
+              <a:t>，并开始等待各参与者节点的响应。</a:t>
+            </a:r>
+            <a:endParaRPr lang="en-US" altLang="zh-CN" sz="1200" b="0" i="0" kern="1200" dirty="0">
+              <a:solidFill>
+                <a:schemeClr val="tx1"/>
+              </a:solidFill>
+              <a:effectLst/>
+              <a:latin typeface="+mn-lt"/>
+              <a:ea typeface="+mn-ea"/>
+              <a:cs typeface="+mn-cs"/>
+            </a:endParaRPr>
+          </a:p>
+          <a:p>
+            <a:r>
+              <a:rPr lang="en-US" altLang="zh-CN" sz="1200" b="0" i="0" kern="1200" dirty="0">
+                <a:solidFill>
+                  <a:schemeClr val="tx1"/>
+                </a:solidFill>
+                <a:effectLst/>
+                <a:latin typeface="+mn-lt"/>
+                <a:ea typeface="+mn-ea"/>
+                <a:cs typeface="+mn-cs"/>
+              </a:rPr>
+              <a:t>2) </a:t>
+            </a:r>
+            <a:r>
+              <a:rPr lang="zh-CN" altLang="en-US" sz="1200" b="0" i="0" kern="1200" dirty="0">
+                <a:solidFill>
+                  <a:schemeClr val="tx1"/>
+                </a:solidFill>
+                <a:effectLst/>
+                <a:latin typeface="+mn-lt"/>
+                <a:ea typeface="+mn-ea"/>
+                <a:cs typeface="+mn-cs"/>
+              </a:rPr>
+              <a:t>参与者节点执行询问发起为止的所有事务操作，并将</a:t>
+            </a:r>
+            <a:r>
+              <a:rPr lang="en-US" altLang="zh-CN" sz="1200" b="0" i="0" kern="1200" dirty="0">
+                <a:solidFill>
+                  <a:schemeClr val="tx1"/>
+                </a:solidFill>
+                <a:effectLst/>
+                <a:latin typeface="+mn-lt"/>
+                <a:ea typeface="+mn-ea"/>
+                <a:cs typeface="+mn-cs"/>
+              </a:rPr>
+              <a:t>Undo</a:t>
+            </a:r>
+            <a:r>
+              <a:rPr lang="zh-CN" altLang="en-US" sz="1200" b="0" i="0" kern="1200" dirty="0">
+                <a:solidFill>
+                  <a:schemeClr val="tx1"/>
+                </a:solidFill>
+                <a:effectLst/>
+                <a:latin typeface="+mn-lt"/>
+                <a:ea typeface="+mn-ea"/>
+                <a:cs typeface="+mn-cs"/>
+              </a:rPr>
+              <a:t>信息和</a:t>
+            </a:r>
+            <a:r>
+              <a:rPr lang="en-US" altLang="zh-CN" sz="1200" b="0" i="0" kern="1200" dirty="0">
+                <a:solidFill>
+                  <a:schemeClr val="tx1"/>
+                </a:solidFill>
+                <a:effectLst/>
+                <a:latin typeface="+mn-lt"/>
+                <a:ea typeface="+mn-ea"/>
+                <a:cs typeface="+mn-cs"/>
+              </a:rPr>
+              <a:t>Redo</a:t>
+            </a:r>
+            <a:r>
+              <a:rPr lang="zh-CN" altLang="en-US" sz="1200" b="0" i="0" kern="1200" dirty="0">
+                <a:solidFill>
+                  <a:schemeClr val="tx1"/>
+                </a:solidFill>
+                <a:effectLst/>
+                <a:latin typeface="+mn-lt"/>
+                <a:ea typeface="+mn-ea"/>
+                <a:cs typeface="+mn-cs"/>
+              </a:rPr>
+              <a:t>信息写入日志。</a:t>
+            </a:r>
+            <a:endParaRPr lang="en-US" altLang="zh-CN" sz="1200" b="0" i="0" kern="1200" dirty="0">
+              <a:solidFill>
+                <a:schemeClr val="tx1"/>
+              </a:solidFill>
+              <a:effectLst/>
+              <a:latin typeface="+mn-lt"/>
+              <a:ea typeface="+mn-ea"/>
+              <a:cs typeface="+mn-cs"/>
+            </a:endParaRPr>
+          </a:p>
+          <a:p>
+            <a:r>
+              <a:rPr lang="en-US" altLang="zh-CN" sz="1200" b="0" i="0" kern="1200" dirty="0">
+                <a:solidFill>
+                  <a:schemeClr val="tx1"/>
+                </a:solidFill>
+                <a:effectLst/>
+                <a:latin typeface="+mn-lt"/>
+                <a:ea typeface="+mn-ea"/>
+                <a:cs typeface="+mn-cs"/>
+              </a:rPr>
+              <a:t>3) </a:t>
+            </a:r>
+            <a:r>
+              <a:rPr lang="zh-CN" altLang="en-US" sz="1200" b="0" i="0" kern="1200" dirty="0">
+                <a:solidFill>
+                  <a:schemeClr val="tx1"/>
+                </a:solidFill>
+                <a:effectLst/>
+                <a:latin typeface="+mn-lt"/>
+                <a:ea typeface="+mn-ea"/>
+                <a:cs typeface="+mn-cs"/>
+              </a:rPr>
+              <a:t>各参与者节点响应协调者节点发起的询问。如果参与者节点的事务操作实际执行成功，则它返回一个”同意”消息；如果参与者节点的事务操作实际执行失败，则它返回一个”中止”消息。</a:t>
+            </a:r>
+            <a:endParaRPr lang="en-US" altLang="zh-CN" sz="1200" b="0" i="0" kern="1200" dirty="0">
+              <a:solidFill>
+                <a:schemeClr val="tx1"/>
+              </a:solidFill>
+              <a:effectLst/>
+              <a:latin typeface="+mn-lt"/>
+              <a:ea typeface="+mn-ea"/>
+              <a:cs typeface="+mn-cs"/>
+            </a:endParaRPr>
+          </a:p>
+          <a:p>
+            <a:endParaRPr lang="en-US" altLang="zh-CN" dirty="0"/>
+          </a:p>
+          <a:p>
+            <a:r>
+              <a:rPr lang="en-US" altLang="zh-CN" dirty="0"/>
+              <a:t>Commit</a:t>
+            </a:r>
+            <a:r>
+              <a:rPr lang="zh-CN" altLang="en-US" dirty="0"/>
+              <a:t>逻辑</a:t>
+            </a:r>
+            <a:endParaRPr lang="en-US" altLang="zh-CN" dirty="0"/>
+          </a:p>
+          <a:p>
+            <a:r>
+              <a:rPr lang="en-US" altLang="zh-CN" dirty="0"/>
+              <a:t>1) </a:t>
+            </a:r>
+            <a:r>
+              <a:rPr lang="zh-CN" altLang="en-US" dirty="0"/>
+              <a:t>协调者节点向所有参与者节点发出”正式提交</a:t>
+            </a:r>
+            <a:r>
+              <a:rPr lang="en-US" altLang="zh-CN" dirty="0"/>
+              <a:t>(commit)”</a:t>
+            </a:r>
+            <a:r>
+              <a:rPr lang="zh-CN" altLang="en-US" dirty="0"/>
+              <a:t>的请求。</a:t>
+            </a:r>
+          </a:p>
+          <a:p>
+            <a:r>
+              <a:rPr lang="en-US" altLang="zh-CN" dirty="0"/>
+              <a:t>2) </a:t>
+            </a:r>
+            <a:r>
+              <a:rPr lang="zh-CN" altLang="en-US" dirty="0"/>
+              <a:t>参与者节点正式完成操作，并释放在整个事务期间内占用的资源。</a:t>
+            </a:r>
+          </a:p>
+          <a:p>
+            <a:r>
+              <a:rPr lang="en-US" altLang="zh-CN" dirty="0"/>
+              <a:t>3) </a:t>
+            </a:r>
+            <a:r>
+              <a:rPr lang="zh-CN" altLang="en-US" dirty="0"/>
+              <a:t>参与者节点向协调者节点发送”完成”消息。</a:t>
+            </a:r>
+          </a:p>
+          <a:p>
+            <a:r>
+              <a:rPr lang="en-US" altLang="zh-CN" dirty="0"/>
+              <a:t>4) </a:t>
+            </a:r>
+            <a:r>
+              <a:rPr lang="zh-CN" altLang="en-US" dirty="0"/>
+              <a:t>协调者节点受到所有参与者节点反馈的”完成”消息后，完成事务。</a:t>
+            </a:r>
+          </a:p>
+          <a:p>
+            <a:endParaRPr lang="en-US" altLang="zh-CN" dirty="0"/>
+          </a:p>
+          <a:p>
+            <a:pPr marL="0" marR="0" lvl="0" indent="0" algn="l" defTabSz="914400" rtl="0" eaLnBrk="1" fontAlgn="auto" latinLnBrk="0" hangingPunct="1">
+              <a:lnSpc>
+                <a:spcPct val="100000"/>
+              </a:lnSpc>
+              <a:spcBef>
+                <a:spcPts val="0"/>
+              </a:spcBef>
+              <a:spcAft>
+                <a:spcPts val="0"/>
+              </a:spcAft>
+              <a:buClrTx/>
+              <a:buSzTx/>
+              <a:buFontTx/>
+              <a:buNone/>
+              <a:tabLst/>
+              <a:defRPr/>
+            </a:pPr>
+            <a:r>
+              <a:rPr lang="en-US" altLang="zh-CN" dirty="0"/>
+              <a:t>Rollback</a:t>
+            </a:r>
+            <a:r>
+              <a:rPr lang="zh-CN" altLang="en-US" dirty="0"/>
+              <a:t>逻辑</a:t>
+            </a:r>
+            <a:endParaRPr lang="en-US" altLang="zh-CN" dirty="0"/>
+          </a:p>
+          <a:p>
+            <a:r>
+              <a:rPr lang="en-US" altLang="zh-CN" dirty="0"/>
+              <a:t>1)</a:t>
+            </a:r>
+            <a:r>
+              <a:rPr lang="en-US" altLang="zh-CN" baseline="0" dirty="0"/>
+              <a:t> </a:t>
+            </a:r>
+            <a:r>
+              <a:rPr lang="zh-CN" altLang="en-US" dirty="0"/>
+              <a:t>协调者节点向所有参与者节点发出”回滚操作</a:t>
+            </a:r>
+            <a:r>
+              <a:rPr lang="en-US" altLang="zh-CN" dirty="0"/>
+              <a:t>(rollback)”</a:t>
+            </a:r>
+            <a:r>
+              <a:rPr lang="zh-CN" altLang="en-US" dirty="0"/>
+              <a:t>的请求。</a:t>
+            </a:r>
+          </a:p>
+          <a:p>
+            <a:r>
+              <a:rPr lang="en-US" altLang="zh-CN" dirty="0"/>
+              <a:t>2)</a:t>
+            </a:r>
+            <a:r>
+              <a:rPr lang="en-US" altLang="zh-CN" baseline="0" dirty="0"/>
+              <a:t> </a:t>
+            </a:r>
+            <a:r>
+              <a:rPr lang="zh-CN" altLang="en-US" dirty="0"/>
+              <a:t>参与者节点利用之前写入的</a:t>
+            </a:r>
+            <a:r>
+              <a:rPr lang="en-US" altLang="zh-CN" dirty="0"/>
+              <a:t>Undo</a:t>
+            </a:r>
+            <a:r>
+              <a:rPr lang="zh-CN" altLang="en-US" dirty="0"/>
+              <a:t>信息执行回滚，并释放在整个事务期间内占用的资源。</a:t>
+            </a:r>
+          </a:p>
+          <a:p>
+            <a:r>
+              <a:rPr lang="en-US" altLang="zh-CN" dirty="0"/>
+              <a:t>3)</a:t>
+            </a:r>
+            <a:r>
+              <a:rPr lang="en-US" altLang="zh-CN" baseline="0" dirty="0"/>
+              <a:t> </a:t>
+            </a:r>
+            <a:r>
+              <a:rPr lang="zh-CN" altLang="en-US" dirty="0"/>
+              <a:t>参与者节点向协调者节点发送”回滚完成”消息。</a:t>
+            </a:r>
+            <a:endParaRPr lang="en-US" altLang="zh-CN" dirty="0"/>
+          </a:p>
+          <a:p>
+            <a:r>
+              <a:rPr lang="en-US" altLang="zh-CN" dirty="0"/>
+              <a:t>4)</a:t>
+            </a:r>
+            <a:r>
+              <a:rPr lang="en-US" altLang="zh-CN" baseline="0" dirty="0"/>
+              <a:t> </a:t>
+            </a:r>
+            <a:r>
+              <a:rPr lang="zh-CN" altLang="en-US" dirty="0"/>
+              <a:t>协调者节点受到所有参与者节点反馈的”回滚完成”消息后，取消事务。</a:t>
+            </a:r>
+            <a:endParaRPr lang="en-US" altLang="zh-CN" dirty="0"/>
+          </a:p>
+          <a:p>
+            <a:endParaRPr lang="en-US" altLang="zh-CN" dirty="0"/>
+          </a:p>
+          <a:p>
+            <a:r>
+              <a:rPr lang="zh-CN" altLang="en-US" dirty="0"/>
+              <a:t>缺陷</a:t>
+            </a:r>
+            <a:endParaRPr lang="en-US" altLang="zh-CN" dirty="0"/>
+          </a:p>
+          <a:p>
+            <a:r>
+              <a:rPr lang="en-US" altLang="zh-CN" sz="1200" dirty="0">
+                <a:latin typeface="Arial" panose="020B0604020202020204" pitchFamily="34" charset="0"/>
+                <a:cs typeface="Arial" panose="020B0604020202020204" pitchFamily="34" charset="0"/>
+              </a:rPr>
+              <a:t>1</a:t>
+            </a:r>
+            <a:r>
+              <a:rPr lang="zh-CN" altLang="en-US" sz="1200" dirty="0">
+                <a:latin typeface="Arial" panose="020B0604020202020204" pitchFamily="34" charset="0"/>
+                <a:cs typeface="Arial" panose="020B0604020202020204" pitchFamily="34" charset="0"/>
+              </a:rPr>
+              <a:t>、同步阻塞问题</a:t>
+            </a:r>
+            <a:endParaRPr lang="en-US" altLang="zh-CN" sz="1200" dirty="0">
+              <a:latin typeface="Arial" panose="020B0604020202020204" pitchFamily="34" charset="0"/>
+              <a:cs typeface="Arial" panose="020B0604020202020204" pitchFamily="34" charset="0"/>
+            </a:endParaRPr>
+          </a:p>
+          <a:p>
+            <a:r>
+              <a:rPr lang="en-US" altLang="zh-CN" sz="1200" dirty="0">
+                <a:latin typeface="Arial" panose="020B0604020202020204" pitchFamily="34" charset="0"/>
+                <a:cs typeface="Arial" panose="020B0604020202020204" pitchFamily="34" charset="0"/>
+              </a:rPr>
+              <a:t>2</a:t>
+            </a:r>
+            <a:r>
+              <a:rPr lang="zh-CN" altLang="en-US" sz="1200" dirty="0">
+                <a:latin typeface="Arial" panose="020B0604020202020204" pitchFamily="34" charset="0"/>
+                <a:cs typeface="Arial" panose="020B0604020202020204" pitchFamily="34" charset="0"/>
+              </a:rPr>
+              <a:t>、单点故障。</a:t>
+            </a:r>
+            <a:endParaRPr lang="en-US" altLang="zh-CN" sz="1200" dirty="0">
+              <a:latin typeface="Arial" panose="020B0604020202020204" pitchFamily="34" charset="0"/>
+              <a:cs typeface="Arial" panose="020B0604020202020204" pitchFamily="34" charset="0"/>
+            </a:endParaRPr>
+          </a:p>
+          <a:p>
+            <a:r>
+              <a:rPr lang="en-US" altLang="zh-CN" sz="1200" dirty="0">
+                <a:latin typeface="Arial" panose="020B0604020202020204" pitchFamily="34" charset="0"/>
+                <a:cs typeface="Arial" panose="020B0604020202020204" pitchFamily="34" charset="0"/>
+              </a:rPr>
+              <a:t>3</a:t>
+            </a:r>
+            <a:r>
+              <a:rPr lang="zh-CN" altLang="en-US" sz="1200" dirty="0">
+                <a:latin typeface="Arial" panose="020B0604020202020204" pitchFamily="34" charset="0"/>
+                <a:cs typeface="Arial" panose="020B0604020202020204" pitchFamily="34" charset="0"/>
+              </a:rPr>
+              <a:t>、数据不一致。</a:t>
+            </a:r>
+            <a:endParaRPr lang="en-US" altLang="zh-CN" sz="1200" dirty="0">
+              <a:latin typeface="Arial" panose="020B0604020202020204" pitchFamily="34" charset="0"/>
+              <a:cs typeface="Arial" panose="020B0604020202020204" pitchFamily="34" charset="0"/>
+            </a:endParaRPr>
+          </a:p>
+          <a:p>
+            <a:r>
+              <a:rPr lang="en-US" altLang="zh-CN" sz="1200" dirty="0">
+                <a:latin typeface="Arial" panose="020B0604020202020204" pitchFamily="34" charset="0"/>
+                <a:cs typeface="Arial" panose="020B0604020202020204" pitchFamily="34" charset="0"/>
+              </a:rPr>
+              <a:t>4</a:t>
+            </a:r>
+            <a:r>
+              <a:rPr lang="zh-CN" altLang="en-US" sz="1200" dirty="0">
+                <a:latin typeface="Arial" panose="020B0604020202020204" pitchFamily="34" charset="0"/>
+                <a:cs typeface="Arial" panose="020B0604020202020204" pitchFamily="34" charset="0"/>
+              </a:rPr>
+              <a:t>、二阶段无法解决的问题：协调者再发出</a:t>
+            </a:r>
+            <a:r>
+              <a:rPr lang="en-US" altLang="zh-CN" sz="1200" dirty="0">
+                <a:latin typeface="Arial" panose="020B0604020202020204" pitchFamily="34" charset="0"/>
+                <a:cs typeface="Arial" panose="020B0604020202020204" pitchFamily="34" charset="0"/>
+              </a:rPr>
               <a:t>commit</a:t>
             </a:r>
             <a:r>
-              <a:rPr lang="zh-CN" altLang="en-US" dirty="0"/>
-              <a:t>或者</a:t>
-            </a:r>
-            <a:r>
-              <a:rPr lang="en-US" altLang="zh-CN" dirty="0"/>
-              <a:t>abort</a:t>
-            </a:r>
-            <a:r>
-              <a:rPr lang="zh-CN" altLang="en-US" dirty="0"/>
-              <a:t>响应，但是他有理由相信：成功提交的几率很大。 ）</a:t>
+              <a:rPr lang="zh-CN" altLang="en-US" sz="1200" dirty="0">
+                <a:latin typeface="Arial" panose="020B0604020202020204" pitchFamily="34" charset="0"/>
+                <a:cs typeface="Arial" panose="020B0604020202020204" pitchFamily="34" charset="0"/>
+              </a:rPr>
+              <a:t>消息之后宕机，而唯一接收到这条消息的参与者同时也宕机了。那么即使协调者通过选举协议产生了新的协调者，这条事务的状态也是不确定的，没人知道事务是否被已经提交。</a:t>
             </a:r>
           </a:p>
         </p:txBody>
@@ -4212,7 +4568,7 @@
     </p:spTree>
     <p:extLst>
       <p:ext uri="{BB962C8B-B14F-4D97-AF65-F5344CB8AC3E}">
-        <p14:creationId xmlns:p14="http://schemas.microsoft.com/office/powerpoint/2010/main" val="3648280276"/>
+        <p14:creationId xmlns:p14="http://schemas.microsoft.com/office/powerpoint/2010/main" val="2628150881"/>
       </p:ext>
     </p:extLst>
   </p:cSld>
@@ -4266,7 +4622,73 @@
           <a:bodyPr/>
           <a:lstStyle/>
           <a:p>
-            <a:endParaRPr lang="zh-CN" altLang="en-US" dirty="0"/>
+            <a:r>
+              <a:rPr lang="zh-CN" altLang="en-US" dirty="0"/>
+              <a:t>其实这个应该是基于概率来决定的，当进入第三阶段时，说明参与者在第二阶段已经收到了</a:t>
+            </a:r>
+            <a:r>
+              <a:rPr lang="en-US" altLang="zh-CN" dirty="0" err="1"/>
+              <a:t>PreCommit</a:t>
+            </a:r>
+            <a:r>
+              <a:rPr lang="zh-CN" altLang="en-US" dirty="0"/>
+              <a:t>请求，那么协调者产生</a:t>
+            </a:r>
+            <a:r>
+              <a:rPr lang="en-US" altLang="zh-CN" dirty="0" err="1"/>
+              <a:t>PreCommit</a:t>
+            </a:r>
+            <a:r>
+              <a:rPr lang="zh-CN" altLang="en-US" dirty="0"/>
+              <a:t>请求的前提条件是他在第二阶段开始之前，收到所有参与者的</a:t>
+            </a:r>
+            <a:r>
+              <a:rPr lang="en-US" altLang="zh-CN" dirty="0" err="1"/>
+              <a:t>CanCommit</a:t>
+            </a:r>
+            <a:r>
+              <a:rPr lang="zh-CN" altLang="en-US" dirty="0"/>
+              <a:t>响应都是</a:t>
+            </a:r>
+            <a:r>
+              <a:rPr lang="en-US" altLang="zh-CN" dirty="0"/>
+              <a:t>Yes</a:t>
+            </a:r>
+            <a:r>
+              <a:rPr lang="zh-CN" altLang="en-US" dirty="0"/>
+              <a:t>。</a:t>
+            </a:r>
+            <a:endParaRPr lang="en-US" altLang="zh-CN" dirty="0"/>
+          </a:p>
+          <a:p>
+            <a:r>
+              <a:rPr lang="zh-CN" altLang="en-US" dirty="0"/>
+              <a:t>（一旦参与者收到了</a:t>
+            </a:r>
+            <a:r>
+              <a:rPr lang="en-US" altLang="zh-CN" dirty="0" err="1"/>
+              <a:t>PreCommit</a:t>
+            </a:r>
+            <a:r>
+              <a:rPr lang="zh-CN" altLang="en-US" dirty="0"/>
+              <a:t>，意味他知道大家其实都同意修改了）所以，一句话概括就是，当进入第三阶段时，由于网络超时等原因，虽然参与者没有收到</a:t>
+            </a:r>
+            <a:r>
+              <a:rPr lang="en-US" altLang="zh-CN" dirty="0"/>
+              <a:t>commit</a:t>
+            </a:r>
+            <a:r>
+              <a:rPr lang="zh-CN" altLang="en-US" dirty="0"/>
+              <a:t>或者</a:t>
+            </a:r>
+            <a:r>
+              <a:rPr lang="en-US" altLang="zh-CN" dirty="0"/>
+              <a:t>abort</a:t>
+            </a:r>
+            <a:r>
+              <a:rPr lang="zh-CN" altLang="en-US" dirty="0"/>
+              <a:t>响应，但是他有理由相信：成功提交的几率很大。 ）</a:t>
+            </a:r>
           </a:p>
         </p:txBody>
       </p:sp>
@@ -4287,7 +4709,7 @@
           <a:p>
             <a:fld id="{30936462-658F-4E41-8C6E-2EAB7E357587}" type="slidenum">
               <a:rPr lang="zh-CN" altLang="en-US" smtClean="0"/>
-              <a:t>13</a:t>
+              <a:t>12</a:t>
             </a:fld>
             <a:endParaRPr lang="zh-CN" altLang="en-US"/>
           </a:p>
@@ -4296,7 +4718,7 @@
     </p:spTree>
     <p:extLst>
       <p:ext uri="{BB962C8B-B14F-4D97-AF65-F5344CB8AC3E}">
-        <p14:creationId xmlns:p14="http://schemas.microsoft.com/office/powerpoint/2010/main" val="4096323322"/>
+        <p14:creationId xmlns:p14="http://schemas.microsoft.com/office/powerpoint/2010/main" val="3648280276"/>
       </p:ext>
     </p:extLst>
   </p:cSld>
@@ -4665,7 +5087,7 @@
           <a:p>
             <a:fld id="{CBFDCC32-9D50-46C6-9C4B-8BC2B069567B}" type="datetimeFigureOut">
               <a:rPr lang="zh-CN" altLang="en-US" smtClean="0"/>
-              <a:t>2016/11/14</a:t>
+              <a:t>2016/11/15</a:t>
             </a:fld>
             <a:endParaRPr lang="zh-CN" altLang="en-US"/>
           </a:p>
@@ -4835,7 +5257,7 @@
           <a:p>
             <a:fld id="{CBFDCC32-9D50-46C6-9C4B-8BC2B069567B}" type="datetimeFigureOut">
               <a:rPr lang="zh-CN" altLang="en-US" smtClean="0"/>
-              <a:t>2016/11/14</a:t>
+              <a:t>2016/11/15</a:t>
             </a:fld>
             <a:endParaRPr lang="zh-CN" altLang="en-US"/>
           </a:p>
@@ -5015,7 +5437,7 @@
           <a:p>
             <a:fld id="{CBFDCC32-9D50-46C6-9C4B-8BC2B069567B}" type="datetimeFigureOut">
               <a:rPr lang="zh-CN" altLang="en-US" smtClean="0"/>
-              <a:t>2016/11/14</a:t>
+              <a:t>2016/11/15</a:t>
             </a:fld>
             <a:endParaRPr lang="zh-CN" altLang="en-US"/>
           </a:p>
@@ -5185,7 +5607,7 @@
           <a:p>
             <a:fld id="{CBFDCC32-9D50-46C6-9C4B-8BC2B069567B}" type="datetimeFigureOut">
               <a:rPr lang="zh-CN" altLang="en-US" smtClean="0"/>
-              <a:t>2016/11/14</a:t>
+              <a:t>2016/11/15</a:t>
             </a:fld>
             <a:endParaRPr lang="zh-CN" altLang="en-US"/>
           </a:p>
@@ -5431,7 +5853,7 @@
           <a:p>
             <a:fld id="{CBFDCC32-9D50-46C6-9C4B-8BC2B069567B}" type="datetimeFigureOut">
               <a:rPr lang="zh-CN" altLang="en-US" smtClean="0"/>
-              <a:t>2016/11/14</a:t>
+              <a:t>2016/11/15</a:t>
             </a:fld>
             <a:endParaRPr lang="zh-CN" altLang="en-US"/>
           </a:p>
@@ -5663,7 +6085,7 @@
           <a:p>
             <a:fld id="{CBFDCC32-9D50-46C6-9C4B-8BC2B069567B}" type="datetimeFigureOut">
               <a:rPr lang="zh-CN" altLang="en-US" smtClean="0"/>
-              <a:t>2016/11/14</a:t>
+              <a:t>2016/11/15</a:t>
             </a:fld>
             <a:endParaRPr lang="zh-CN" altLang="en-US"/>
           </a:p>
@@ -6030,7 +6452,7 @@
           <a:p>
             <a:fld id="{CBFDCC32-9D50-46C6-9C4B-8BC2B069567B}" type="datetimeFigureOut">
               <a:rPr lang="zh-CN" altLang="en-US" smtClean="0"/>
-              <a:t>2016/11/14</a:t>
+              <a:t>2016/11/15</a:t>
             </a:fld>
             <a:endParaRPr lang="zh-CN" altLang="en-US"/>
           </a:p>
@@ -6148,7 +6570,7 @@
           <a:p>
             <a:fld id="{CBFDCC32-9D50-46C6-9C4B-8BC2B069567B}" type="datetimeFigureOut">
               <a:rPr lang="zh-CN" altLang="en-US" smtClean="0"/>
-              <a:t>2016/11/14</a:t>
+              <a:t>2016/11/15</a:t>
             </a:fld>
             <a:endParaRPr lang="zh-CN" altLang="en-US"/>
           </a:p>
@@ -6243,7 +6665,7 @@
           <a:p>
             <a:fld id="{CBFDCC32-9D50-46C6-9C4B-8BC2B069567B}" type="datetimeFigureOut">
               <a:rPr lang="zh-CN" altLang="en-US" smtClean="0"/>
-              <a:t>2016/11/14</a:t>
+              <a:t>2016/11/15</a:t>
             </a:fld>
             <a:endParaRPr lang="zh-CN" altLang="en-US"/>
           </a:p>
@@ -6520,7 +6942,7 @@
           <a:p>
             <a:fld id="{CBFDCC32-9D50-46C6-9C4B-8BC2B069567B}" type="datetimeFigureOut">
               <a:rPr lang="zh-CN" altLang="en-US" smtClean="0"/>
-              <a:t>2016/11/14</a:t>
+              <a:t>2016/11/15</a:t>
             </a:fld>
             <a:endParaRPr lang="zh-CN" altLang="en-US"/>
           </a:p>
@@ -6773,7 +7195,7 @@
           <a:p>
             <a:fld id="{CBFDCC32-9D50-46C6-9C4B-8BC2B069567B}" type="datetimeFigureOut">
               <a:rPr lang="zh-CN" altLang="en-US" smtClean="0"/>
-              <a:t>2016/11/14</a:t>
+              <a:t>2016/11/15</a:t>
             </a:fld>
             <a:endParaRPr lang="zh-CN" altLang="en-US"/>
           </a:p>
@@ -6986,7 +7408,7 @@
           <a:p>
             <a:fld id="{CBFDCC32-9D50-46C6-9C4B-8BC2B069567B}" type="datetimeFigureOut">
               <a:rPr lang="zh-CN" altLang="en-US" smtClean="0"/>
-              <a:t>2016/11/14</a:t>
+              <a:t>2016/11/15</a:t>
             </a:fld>
             <a:endParaRPr lang="zh-CN" altLang="en-US"/>
           </a:p>
@@ -7492,6 +7914,125 @@
           <a:p>
             <a:r>
               <a:rPr lang="en-US" altLang="zh-CN" dirty="0"/>
+              <a:t>XA</a:t>
+            </a:r>
+            <a:r>
+              <a:rPr lang="zh-CN" altLang="en-US" dirty="0"/>
+              <a:t>规范相关算法</a:t>
+            </a:r>
+          </a:p>
+        </p:txBody>
+      </p:sp>
+      <p:sp>
+        <p:nvSpPr>
+          <p:cNvPr id="3" name="Content Placeholder 2"/>
+          <p:cNvSpPr>
+            <a:spLocks noGrp="1"/>
+          </p:cNvSpPr>
+          <p:nvPr>
+            <p:ph idx="1"/>
+          </p:nvPr>
+        </p:nvSpPr>
+        <p:spPr/>
+        <p:txBody>
+          <a:bodyPr/>
+          <a:lstStyle/>
+          <a:p>
+            <a:r>
+              <a:rPr lang="en-US" altLang="zh-CN" dirty="0"/>
+              <a:t>1</a:t>
+            </a:r>
+            <a:r>
+              <a:rPr lang="zh-CN" altLang="en-US" dirty="0"/>
+              <a:t>、两段式提交</a:t>
+            </a:r>
+            <a:r>
+              <a:rPr lang="en-US" altLang="zh-CN" dirty="0"/>
+              <a:t>(Two Phase Commitment)</a:t>
+            </a:r>
+          </a:p>
+          <a:p>
+            <a:r>
+              <a:rPr lang="en-US" altLang="zh-CN" dirty="0"/>
+              <a:t>2</a:t>
+            </a:r>
+            <a:r>
+              <a:rPr lang="zh-CN" altLang="en-US" dirty="0"/>
+              <a:t>、三阶段提交</a:t>
+            </a:r>
+            <a:r>
+              <a:rPr lang="en-US" altLang="zh-CN" dirty="0"/>
+              <a:t>(Three Phase Commitment)</a:t>
+            </a:r>
+          </a:p>
+          <a:p>
+            <a:r>
+              <a:rPr lang="en-US" altLang="zh-CN" dirty="0"/>
+              <a:t>3</a:t>
+            </a:r>
+            <a:r>
+              <a:rPr lang="zh-CN" altLang="en-US" dirty="0"/>
+              <a:t>、</a:t>
+            </a:r>
+            <a:r>
+              <a:rPr lang="en-US" altLang="zh-CN" dirty="0" err="1"/>
+              <a:t>Paxos</a:t>
+            </a:r>
+            <a:r>
+              <a:rPr lang="zh-CN" altLang="en-US" dirty="0"/>
+              <a:t>算法</a:t>
+            </a:r>
+            <a:endParaRPr lang="en-US" altLang="zh-CN" dirty="0"/>
+          </a:p>
+        </p:txBody>
+      </p:sp>
+    </p:spTree>
+    <p:extLst>
+      <p:ext uri="{BB962C8B-B14F-4D97-AF65-F5344CB8AC3E}">
+        <p14:creationId xmlns:p14="http://schemas.microsoft.com/office/powerpoint/2010/main" val="319723291"/>
+      </p:ext>
+    </p:extLst>
+  </p:cSld>
+  <p:clrMapOvr>
+    <a:masterClrMapping/>
+  </p:clrMapOvr>
+</p:sld>
+</file>
+
+<file path=ppt/slides/slide11.xml><?xml version="1.0" encoding="utf-8"?>
+<p:sld xmlns:a="http://schemas.openxmlformats.org/drawingml/2006/main" xmlns:r="http://schemas.openxmlformats.org/officeDocument/2006/relationships" xmlns:p="http://schemas.openxmlformats.org/presentationml/2006/main">
+  <p:cSld>
+    <p:spTree>
+      <p:nvGrpSpPr>
+        <p:cNvPr id="1" name=""/>
+        <p:cNvGrpSpPr/>
+        <p:nvPr/>
+      </p:nvGrpSpPr>
+      <p:grpSpPr>
+        <a:xfrm>
+          <a:off x="0" y="0"/>
+          <a:ext cx="0" cy="0"/>
+          <a:chOff x="0" y="0"/>
+          <a:chExt cx="0" cy="0"/>
+        </a:xfrm>
+      </p:grpSpPr>
+      <p:sp>
+        <p:nvSpPr>
+          <p:cNvPr id="2" name="Title 1"/>
+          <p:cNvSpPr>
+            <a:spLocks noGrp="1"/>
+          </p:cNvSpPr>
+          <p:nvPr>
+            <p:ph type="title"/>
+          </p:nvPr>
+        </p:nvSpPr>
+        <p:spPr/>
+        <p:txBody>
+          <a:bodyPr/>
+          <a:lstStyle/>
+          <a:p>
+            <a:r>
+              <a:rPr lang="en-US" altLang="zh-CN" dirty="0"/>
               <a:t>2PC</a:t>
             </a:r>
             <a:endParaRPr lang="zh-CN" altLang="en-US" dirty="0"/>
@@ -7717,7 +8258,7 @@
 </p:sld>
 </file>
 
-<file path=ppt/slides/slide11.xml><?xml version="1.0" encoding="utf-8"?>
+<file path=ppt/slides/slide12.xml><?xml version="1.0" encoding="utf-8"?>
 <p:sld xmlns:a="http://schemas.openxmlformats.org/drawingml/2006/main" xmlns:r="http://schemas.openxmlformats.org/officeDocument/2006/relationships" xmlns:p="http://schemas.openxmlformats.org/presentationml/2006/main">
   <p:cSld>
     <p:spTree>
@@ -8241,272 +8782,6 @@
 </p:sld>
 </file>
 
-<file path=ppt/slides/slide12.xml><?xml version="1.0" encoding="utf-8"?>
-<p:sld xmlns:a="http://schemas.openxmlformats.org/drawingml/2006/main" xmlns:r="http://schemas.openxmlformats.org/officeDocument/2006/relationships" xmlns:p="http://schemas.openxmlformats.org/presentationml/2006/main">
-  <p:cSld>
-    <p:spTree>
-      <p:nvGrpSpPr>
-        <p:cNvPr id="1" name=""/>
-        <p:cNvGrpSpPr/>
-        <p:nvPr/>
-      </p:nvGrpSpPr>
-      <p:grpSpPr>
-        <a:xfrm>
-          <a:off x="0" y="0"/>
-          <a:ext cx="0" cy="0"/>
-          <a:chOff x="0" y="0"/>
-          <a:chExt cx="0" cy="0"/>
-        </a:xfrm>
-      </p:grpSpPr>
-      <p:sp>
-        <p:nvSpPr>
-          <p:cNvPr id="2" name="Title 1"/>
-          <p:cNvSpPr>
-            <a:spLocks noGrp="1"/>
-          </p:cNvSpPr>
-          <p:nvPr>
-            <p:ph type="title"/>
-          </p:nvPr>
-        </p:nvSpPr>
-        <p:spPr/>
-        <p:txBody>
-          <a:bodyPr/>
-          <a:lstStyle/>
-          <a:p>
-            <a:r>
-              <a:rPr lang="en-US" altLang="zh-CN" dirty="0"/>
-              <a:t>JTA</a:t>
-            </a:r>
-            <a:endParaRPr lang="zh-CN" altLang="en-US" dirty="0"/>
-          </a:p>
-        </p:txBody>
-      </p:sp>
-      <p:sp>
-        <p:nvSpPr>
-          <p:cNvPr id="3" name="Content Placeholder 2"/>
-          <p:cNvSpPr>
-            <a:spLocks noGrp="1"/>
-          </p:cNvSpPr>
-          <p:nvPr>
-            <p:ph idx="1"/>
-          </p:nvPr>
-        </p:nvSpPr>
-        <p:spPr/>
-        <p:txBody>
-          <a:bodyPr/>
-          <a:lstStyle/>
-          <a:p>
-            <a:r>
-              <a:rPr lang="zh-CN" altLang="en-US" dirty="0"/>
-              <a:t>作为</a:t>
-            </a:r>
-            <a:r>
-              <a:rPr lang="en-US" altLang="zh-CN" b="1" dirty="0">
-                <a:hlinkClick r:id="rId2" tooltip="Java EE知识库"/>
-              </a:rPr>
-              <a:t>Java</a:t>
-            </a:r>
-            <a:r>
-              <a:rPr lang="zh-CN" altLang="en-US" dirty="0"/>
-              <a:t>平台上事务规范</a:t>
-            </a:r>
-            <a:r>
-              <a:rPr lang="en-US" altLang="zh-CN" dirty="0"/>
-              <a:t>JTA</a:t>
-            </a:r>
-            <a:r>
-              <a:rPr lang="zh-CN" altLang="en-US" dirty="0"/>
-              <a:t>（</a:t>
-            </a:r>
-            <a:r>
-              <a:rPr lang="en-US" altLang="zh-CN" b="1" dirty="0">
-                <a:hlinkClick r:id="rId3" tooltip="Java 知识库"/>
-              </a:rPr>
-              <a:t>Java </a:t>
-            </a:r>
-            <a:r>
-              <a:rPr lang="en-US" altLang="zh-CN" dirty="0"/>
-              <a:t>Transaction API</a:t>
-            </a:r>
-            <a:r>
-              <a:rPr lang="zh-CN" altLang="en-US" dirty="0"/>
-              <a:t>）也定义了对</a:t>
-            </a:r>
-            <a:r>
-              <a:rPr lang="en-US" altLang="zh-CN" dirty="0"/>
-              <a:t>XA</a:t>
-            </a:r>
-            <a:r>
-              <a:rPr lang="zh-CN" altLang="en-US" dirty="0"/>
-              <a:t>事务的支持，实际上，</a:t>
-            </a:r>
-            <a:r>
-              <a:rPr lang="en-US" altLang="zh-CN" dirty="0"/>
-              <a:t>JTA</a:t>
-            </a:r>
-            <a:r>
-              <a:rPr lang="zh-CN" altLang="en-US" dirty="0"/>
-              <a:t>是基于</a:t>
-            </a:r>
-            <a:r>
-              <a:rPr lang="en-US" altLang="zh-CN" dirty="0"/>
-              <a:t>XA</a:t>
-            </a:r>
-            <a:r>
-              <a:rPr lang="zh-CN" altLang="en-US" b="1" dirty="0">
-                <a:hlinkClick r:id="rId4" tooltip="大型网站架构知识库"/>
-              </a:rPr>
-              <a:t>架构</a:t>
-            </a:r>
-            <a:r>
-              <a:rPr lang="zh-CN" altLang="en-US" dirty="0"/>
-              <a:t>上建模的，在</a:t>
-            </a:r>
-            <a:r>
-              <a:rPr lang="en-US" altLang="zh-CN" dirty="0"/>
-              <a:t>JTA </a:t>
-            </a:r>
-            <a:r>
-              <a:rPr lang="zh-CN" altLang="en-US" dirty="0"/>
-              <a:t>中，事务管理器抽象为</a:t>
-            </a:r>
-            <a:r>
-              <a:rPr lang="en-US" altLang="zh-CN" dirty="0" err="1"/>
-              <a:t>javax.transaction.TransactionManager</a:t>
-            </a:r>
-            <a:r>
-              <a:rPr lang="zh-CN" altLang="en-US" dirty="0"/>
-              <a:t>接口，并通过底层事务服务（即</a:t>
-            </a:r>
-            <a:r>
-              <a:rPr lang="en-US" altLang="zh-CN" dirty="0"/>
-              <a:t>JTS</a:t>
-            </a:r>
-            <a:r>
-              <a:rPr lang="zh-CN" altLang="en-US" dirty="0"/>
-              <a:t>）实现</a:t>
-            </a:r>
-            <a:endParaRPr lang="en-US" altLang="zh-CN" dirty="0"/>
-          </a:p>
-          <a:p>
-            <a:endParaRPr lang="en-US" altLang="zh-CN" dirty="0"/>
-          </a:p>
-          <a:p>
-            <a:r>
-              <a:rPr lang="en-US" altLang="zh-CN" dirty="0"/>
-              <a:t>1.J2EE</a:t>
-            </a:r>
-            <a:r>
-              <a:rPr lang="zh-CN" altLang="en-US" dirty="0"/>
-              <a:t>容器所提供的</a:t>
-            </a:r>
-            <a:r>
-              <a:rPr lang="en-US" altLang="zh-CN" dirty="0"/>
-              <a:t>JTA</a:t>
-            </a:r>
-            <a:r>
-              <a:rPr lang="zh-CN" altLang="en-US" dirty="0"/>
-              <a:t>实现</a:t>
-            </a:r>
-            <a:r>
-              <a:rPr lang="en-US" altLang="zh-CN" dirty="0"/>
-              <a:t>(</a:t>
-            </a:r>
-            <a:r>
-              <a:rPr lang="en-US" altLang="zh-CN" dirty="0" err="1"/>
-              <a:t>JBoss</a:t>
-            </a:r>
-            <a:r>
-              <a:rPr lang="en-US" altLang="zh-CN" dirty="0"/>
-              <a:t>)</a:t>
-            </a:r>
-            <a:br>
-              <a:rPr lang="en-US" altLang="zh-CN" dirty="0"/>
-            </a:br>
-            <a:r>
-              <a:rPr lang="en-US" altLang="zh-CN" dirty="0"/>
-              <a:t>2.</a:t>
-            </a:r>
-            <a:r>
-              <a:rPr lang="zh-CN" altLang="en-US" dirty="0"/>
-              <a:t>独立的</a:t>
-            </a:r>
-            <a:r>
-              <a:rPr lang="en-US" altLang="zh-CN" dirty="0"/>
-              <a:t>JTA</a:t>
-            </a:r>
-            <a:r>
-              <a:rPr lang="zh-CN" altLang="en-US" dirty="0"/>
-              <a:t>实现</a:t>
-            </a:r>
-            <a:r>
-              <a:rPr lang="en-US" altLang="zh-CN" dirty="0"/>
-              <a:t>:</a:t>
-            </a:r>
-            <a:r>
-              <a:rPr lang="zh-CN" altLang="en-US" dirty="0"/>
-              <a:t>如</a:t>
-            </a:r>
-            <a:r>
-              <a:rPr lang="en-US" altLang="zh-CN" dirty="0"/>
-              <a:t>JOTM</a:t>
-            </a:r>
-            <a:r>
-              <a:rPr lang="zh-CN" altLang="en-US" dirty="0"/>
-              <a:t>，</a:t>
-            </a:r>
-            <a:r>
-              <a:rPr lang="en-US" altLang="zh-CN" dirty="0" err="1"/>
-              <a:t>Atomikos</a:t>
-            </a:r>
-            <a:r>
-              <a:rPr lang="en-US" altLang="zh-CN" dirty="0"/>
-              <a:t>.</a:t>
-            </a:r>
-            <a:r>
-              <a:rPr lang="zh-CN" altLang="en-US" dirty="0"/>
-              <a:t>这些实现可以应用在那些不使用</a:t>
-            </a:r>
-            <a:r>
-              <a:rPr lang="en-US" altLang="zh-CN" dirty="0"/>
-              <a:t>J2EE</a:t>
-            </a:r>
-            <a:r>
-              <a:rPr lang="zh-CN" altLang="en-US" dirty="0"/>
-              <a:t>应用服务器的环境里用以提供分布事事务保证。如</a:t>
-            </a:r>
-            <a:r>
-              <a:rPr lang="en-US" altLang="zh-CN" dirty="0" err="1"/>
-              <a:t>Tomcat,Jetty</a:t>
-            </a:r>
-            <a:r>
-              <a:rPr lang="zh-CN" altLang="en-US" dirty="0"/>
-              <a:t>以及普通的</a:t>
-            </a:r>
-            <a:r>
-              <a:rPr lang="en-US" altLang="zh-CN" dirty="0"/>
-              <a:t>java</a:t>
-            </a:r>
-            <a:r>
-              <a:rPr lang="zh-CN" altLang="en-US" dirty="0"/>
-              <a:t>应用。</a:t>
-            </a:r>
-          </a:p>
-        </p:txBody>
-      </p:sp>
-    </p:spTree>
-    <p:extLst>
-      <p:ext uri="{BB962C8B-B14F-4D97-AF65-F5344CB8AC3E}">
-        <p14:creationId xmlns:p14="http://schemas.microsoft.com/office/powerpoint/2010/main" val="260479488"/>
-      </p:ext>
-    </p:extLst>
-  </p:cSld>
-  <p:clrMapOvr>
-    <a:masterClrMapping/>
-  </p:clrMapOvr>
-</p:sld>
-</file>
-
 <file path=ppt/slides/slide13.xml><?xml version="1.0" encoding="utf-8"?>
 <p:sld xmlns:a="http://schemas.openxmlformats.org/drawingml/2006/main" xmlns:r="http://schemas.openxmlformats.org/officeDocument/2006/relationships" xmlns:p="http://schemas.openxmlformats.org/presentationml/2006/main">
   <p:cSld>
@@ -8540,9 +8815,10 @@
           <a:lstStyle/>
           <a:p>
             <a:r>
-              <a:rPr lang="zh-CN" altLang="en-US" dirty="0"/>
-              <a:t>分布式事务不一致解决方法</a:t>
-            </a:r>
+              <a:rPr lang="en-US" altLang="zh-CN" dirty="0"/>
+              <a:t>JTA</a:t>
+            </a:r>
+            <a:endParaRPr lang="zh-CN" altLang="en-US" dirty="0"/>
           </a:p>
         </p:txBody>
       </p:sp>
@@ -8563,30 +8839,206 @@
           <a:p>
             <a:r>
               <a:rPr lang="zh-CN" altLang="en-US" dirty="0"/>
-              <a:t>解决分布式事务的最好办法就是不考虑分布式事务。</a:t>
-            </a:r>
-            <a:endParaRPr lang="zh-CN" altLang="en-US" dirty="0">
-              <a:effectLst/>
-            </a:endParaRPr>
-          </a:p>
-          <a:p>
-            <a:r>
-              <a:rPr lang="zh-CN" altLang="en-US" dirty="0"/>
-              <a:t>拆分，大的业务流程，转化成几个小的业务流程，然后考虑最终一致性</a:t>
-            </a:r>
-            <a:endParaRPr lang="zh-CN" altLang="en-US" dirty="0">
-              <a:effectLst/>
-            </a:endParaRPr>
-          </a:p>
-          <a:p>
-            <a:endParaRPr lang="zh-CN" altLang="en-US" dirty="0"/>
+              <a:t>作为</a:t>
+            </a:r>
+            <a:r>
+              <a:rPr lang="en-US" altLang="zh-CN" b="1" dirty="0">
+                <a:hlinkClick r:id="rId2" tooltip="Java EE知识库"/>
+              </a:rPr>
+              <a:t>Java</a:t>
+            </a:r>
+            <a:r>
+              <a:rPr lang="zh-CN" altLang="en-US" dirty="0"/>
+              <a:t>平台上事务规范</a:t>
+            </a:r>
+            <a:r>
+              <a:rPr lang="en-US" altLang="zh-CN" dirty="0"/>
+              <a:t>JTA</a:t>
+            </a:r>
+            <a:r>
+              <a:rPr lang="zh-CN" altLang="en-US" dirty="0"/>
+              <a:t>（</a:t>
+            </a:r>
+            <a:r>
+              <a:rPr lang="en-US" altLang="zh-CN" b="1" dirty="0">
+                <a:hlinkClick r:id="rId3" tooltip="Java 知识库"/>
+              </a:rPr>
+              <a:t>Java </a:t>
+            </a:r>
+            <a:r>
+              <a:rPr lang="en-US" altLang="zh-CN" dirty="0"/>
+              <a:t>Transaction API</a:t>
+            </a:r>
+            <a:r>
+              <a:rPr lang="zh-CN" altLang="en-US" dirty="0"/>
+              <a:t>）也定义了对</a:t>
+            </a:r>
+            <a:r>
+              <a:rPr lang="en-US" altLang="zh-CN" dirty="0"/>
+              <a:t>XA</a:t>
+            </a:r>
+            <a:r>
+              <a:rPr lang="zh-CN" altLang="en-US" dirty="0"/>
+              <a:t>事务的支持，实际上，</a:t>
+            </a:r>
+            <a:r>
+              <a:rPr lang="en-US" altLang="zh-CN" dirty="0"/>
+              <a:t>JTA</a:t>
+            </a:r>
+            <a:r>
+              <a:rPr lang="zh-CN" altLang="en-US" dirty="0"/>
+              <a:t>是基于</a:t>
+            </a:r>
+            <a:r>
+              <a:rPr lang="en-US" altLang="zh-CN" dirty="0"/>
+              <a:t>XA</a:t>
+            </a:r>
+            <a:r>
+              <a:rPr lang="zh-CN" altLang="en-US" b="1" dirty="0">
+                <a:hlinkClick r:id="rId4" tooltip="大型网站架构知识库"/>
+              </a:rPr>
+              <a:t>架构</a:t>
+            </a:r>
+            <a:r>
+              <a:rPr lang="zh-CN" altLang="en-US" dirty="0"/>
+              <a:t>上建模的，在</a:t>
+            </a:r>
+            <a:r>
+              <a:rPr lang="en-US" altLang="zh-CN" dirty="0"/>
+              <a:t>JTA </a:t>
+            </a:r>
+            <a:r>
+              <a:rPr lang="zh-CN" altLang="en-US" dirty="0"/>
+              <a:t>中，事务管理器抽象为</a:t>
+            </a:r>
+            <a:r>
+              <a:rPr lang="en-US" altLang="zh-CN" dirty="0" err="1"/>
+              <a:t>javax.transaction.TransactionManager</a:t>
+            </a:r>
+            <a:r>
+              <a:rPr lang="zh-CN" altLang="en-US" dirty="0"/>
+              <a:t>接口，并通过底层事务服务（即</a:t>
+            </a:r>
+            <a:r>
+              <a:rPr lang="en-US" altLang="zh-CN" dirty="0"/>
+              <a:t>JTS</a:t>
+            </a:r>
+            <a:r>
+              <a:rPr lang="zh-CN" altLang="en-US" dirty="0"/>
+              <a:t>）实现</a:t>
+            </a:r>
+            <a:endParaRPr lang="en-US" altLang="zh-CN" dirty="0"/>
+          </a:p>
+          <a:p>
+            <a:endParaRPr lang="en-US" altLang="zh-CN" dirty="0"/>
+          </a:p>
+          <a:p>
+            <a:r>
+              <a:rPr lang="en-US" altLang="zh-CN" dirty="0"/>
+              <a:t>1.J2EE</a:t>
+            </a:r>
+            <a:r>
+              <a:rPr lang="zh-CN" altLang="en-US" dirty="0"/>
+              <a:t>容器所提供的</a:t>
+            </a:r>
+            <a:r>
+              <a:rPr lang="en-US" altLang="zh-CN" dirty="0"/>
+              <a:t>JTA</a:t>
+            </a:r>
+            <a:r>
+              <a:rPr lang="zh-CN" altLang="en-US" dirty="0"/>
+              <a:t>实现</a:t>
+            </a:r>
+            <a:r>
+              <a:rPr lang="en-US" altLang="zh-CN" dirty="0"/>
+              <a:t>(</a:t>
+            </a:r>
+            <a:r>
+              <a:rPr lang="en-US" altLang="zh-CN" dirty="0" err="1"/>
+              <a:t>JBoss</a:t>
+            </a:r>
+            <a:r>
+              <a:rPr lang="en-US" altLang="zh-CN" dirty="0"/>
+              <a:t>)</a:t>
+            </a:r>
+            <a:br>
+              <a:rPr lang="en-US" altLang="zh-CN" dirty="0"/>
+            </a:br>
+            <a:r>
+              <a:rPr lang="en-US" altLang="zh-CN" dirty="0"/>
+              <a:t>2.</a:t>
+            </a:r>
+            <a:r>
+              <a:rPr lang="zh-CN" altLang="en-US" dirty="0"/>
+              <a:t>独立的</a:t>
+            </a:r>
+            <a:r>
+              <a:rPr lang="en-US" altLang="zh-CN" dirty="0"/>
+              <a:t>JTA</a:t>
+            </a:r>
+            <a:r>
+              <a:rPr lang="zh-CN" altLang="en-US" dirty="0"/>
+              <a:t>实现</a:t>
+            </a:r>
+            <a:r>
+              <a:rPr lang="en-US" altLang="zh-CN" dirty="0"/>
+              <a:t>:</a:t>
+            </a:r>
+            <a:r>
+              <a:rPr lang="zh-CN" altLang="en-US" dirty="0"/>
+              <a:t>如</a:t>
+            </a:r>
+            <a:r>
+              <a:rPr lang="en-US" altLang="zh-CN" dirty="0"/>
+              <a:t>JOTM</a:t>
+            </a:r>
+            <a:r>
+              <a:rPr lang="zh-CN" altLang="en-US" dirty="0"/>
+              <a:t>，</a:t>
+            </a:r>
+            <a:r>
+              <a:rPr lang="en-US" altLang="zh-CN" dirty="0" err="1"/>
+              <a:t>Atomikos</a:t>
+            </a:r>
+            <a:r>
+              <a:rPr lang="en-US" altLang="zh-CN" dirty="0"/>
+              <a:t>.</a:t>
+            </a:r>
+            <a:r>
+              <a:rPr lang="zh-CN" altLang="en-US" dirty="0"/>
+              <a:t>这些实现可以应用在那些不使用</a:t>
+            </a:r>
+            <a:r>
+              <a:rPr lang="en-US" altLang="zh-CN" dirty="0"/>
+              <a:t>J2EE</a:t>
+            </a:r>
+            <a:r>
+              <a:rPr lang="zh-CN" altLang="en-US" dirty="0"/>
+              <a:t>应用服务器的环境里用以提供分布事事务保证。如</a:t>
+            </a:r>
+            <a:r>
+              <a:rPr lang="en-US" altLang="zh-CN" dirty="0" err="1"/>
+              <a:t>Tomcat,Jetty</a:t>
+            </a:r>
+            <a:r>
+              <a:rPr lang="zh-CN" altLang="en-US" dirty="0"/>
+              <a:t>以及普通的</a:t>
+            </a:r>
+            <a:r>
+              <a:rPr lang="en-US" altLang="zh-CN" dirty="0"/>
+              <a:t>java</a:t>
+            </a:r>
+            <a:r>
+              <a:rPr lang="zh-CN" altLang="en-US" dirty="0"/>
+              <a:t>应用。</a:t>
+            </a:r>
           </a:p>
         </p:txBody>
       </p:sp>
     </p:spTree>
     <p:extLst>
       <p:ext uri="{BB962C8B-B14F-4D97-AF65-F5344CB8AC3E}">
-        <p14:creationId xmlns:p14="http://schemas.microsoft.com/office/powerpoint/2010/main" val="2961534618"/>
+        <p14:creationId xmlns:p14="http://schemas.microsoft.com/office/powerpoint/2010/main" val="260479488"/>
       </p:ext>
     </p:extLst>
   </p:cSld>
@@ -9166,9 +9618,10 @@
           <a:lstStyle/>
           <a:p>
             <a:r>
-              <a:rPr lang="zh-CN" altLang="en-US" dirty="0"/>
-              <a:t>分布式事务的组成</a:t>
-            </a:r>
+              <a:rPr lang="en-US" altLang="zh-CN" dirty="0"/>
+              <a:t>Spring + JTA</a:t>
+            </a:r>
+            <a:endParaRPr lang="zh-CN" altLang="en-US" dirty="0"/>
           </a:p>
         </p:txBody>
       </p:sp>
@@ -9189,7 +9642,7 @@
           <a:p>
             <a:r>
               <a:rPr lang="zh-CN" altLang="en-US" dirty="0"/>
-              <a:t>一个分布式事务（</a:t>
+              <a:t>分布式事务（</a:t>
             </a:r>
             <a:r>
               <a:rPr lang="en-US" altLang="zh-CN" dirty="0"/>
@@ -9197,56 +9650,103 @@
             </a:r>
             <a:r>
               <a:rPr lang="zh-CN" altLang="en-US" dirty="0"/>
-              <a:t>）包括一个事务管理器（</a:t>
-            </a:r>
-            <a:r>
-              <a:rPr lang="en-US" altLang="zh-CN" dirty="0"/>
-              <a:t>transaction manager</a:t>
-            </a:r>
-            <a:r>
-              <a:rPr lang="zh-CN" altLang="en-US" dirty="0"/>
-              <a:t>）和一个或多个资源管理器</a:t>
-            </a:r>
-            <a:r>
-              <a:rPr lang="en-US" altLang="zh-CN" dirty="0"/>
-              <a:t>(resource manager)</a:t>
-            </a:r>
-            <a:r>
-              <a:rPr lang="zh-CN" altLang="en-US" dirty="0"/>
-              <a:t>。</a:t>
-            </a:r>
-            <a:endParaRPr lang="en-US" altLang="zh-CN" dirty="0"/>
-          </a:p>
-          <a:p>
-            <a:endParaRPr lang="en-US" altLang="zh-CN" dirty="0"/>
-          </a:p>
-          <a:p>
-            <a:r>
-              <a:rPr lang="zh-CN" altLang="en-US" dirty="0"/>
-              <a:t>一个资源管理器（</a:t>
-            </a:r>
-            <a:r>
-              <a:rPr lang="en-US" altLang="zh-CN" dirty="0"/>
-              <a:t>resource manager</a:t>
-            </a:r>
-            <a:r>
-              <a:rPr lang="zh-CN" altLang="en-US" dirty="0"/>
-              <a:t>）是任意类型的持久化数据存储。</a:t>
-            </a:r>
-            <a:endParaRPr lang="en-US" altLang="zh-CN" dirty="0"/>
-          </a:p>
-          <a:p>
-            <a:r>
-              <a:rPr lang="zh-CN" altLang="en-US" dirty="0"/>
-              <a:t>事务管理器（</a:t>
-            </a:r>
-            <a:r>
-              <a:rPr lang="en-US" altLang="zh-CN" dirty="0"/>
-              <a:t>transaction manager</a:t>
-            </a:r>
-            <a:r>
-              <a:rPr lang="zh-CN" altLang="en-US" dirty="0"/>
-              <a:t>）承担着所有事务参与单元者的相互通讯的责任。</a:t>
+              <a:t>）包括事务管理器（</a:t>
+            </a:r>
+            <a:r>
+              <a:rPr lang="en-US" altLang="zh-CN" dirty="0"/>
+              <a:t>Transaction Manager</a:t>
+            </a:r>
+            <a:r>
+              <a:rPr lang="zh-CN" altLang="en-US" dirty="0"/>
+              <a:t>）和一个或多个支持 </a:t>
+            </a:r>
+            <a:r>
+              <a:rPr lang="en-US" altLang="zh-CN" dirty="0"/>
+              <a:t>XA </a:t>
+            </a:r>
+            <a:r>
+              <a:rPr lang="zh-CN" altLang="en-US" dirty="0"/>
+              <a:t>协议的资源管理器 </a:t>
+            </a:r>
+            <a:r>
+              <a:rPr lang="en-US" altLang="zh-CN" dirty="0"/>
+              <a:t>( Resource Manager )</a:t>
+            </a:r>
+            <a:r>
+              <a:rPr lang="zh-CN" altLang="en-US" dirty="0"/>
+              <a:t>。我们可以将资源管理器看做任意类型的持久化数据存储；事务管理器承担着所有事务参与单元的协调与控制。</a:t>
+            </a:r>
+            <a:r>
+              <a:rPr lang="en-US" altLang="zh-CN" dirty="0"/>
+              <a:t>JTA </a:t>
+            </a:r>
+            <a:r>
+              <a:rPr lang="zh-CN" altLang="en-US" dirty="0"/>
+              <a:t>事务有效的屏蔽了底层事务资源，使应用可以以透明的方式参入到事务处理中；但是与本地事务相比，</a:t>
+            </a:r>
+            <a:r>
+              <a:rPr lang="en-US" altLang="zh-CN" dirty="0"/>
+              <a:t>XA </a:t>
+            </a:r>
+            <a:r>
+              <a:rPr lang="zh-CN" altLang="en-US" dirty="0"/>
+              <a:t>协议的系统开销大，在系统开发过程中应慎重考虑是否确实需要分布式事务。若确实需要分布式事务以协调多个事务资源，则应实现和配置所支持 </a:t>
+            </a:r>
+            <a:r>
+              <a:rPr lang="en-US" altLang="zh-CN" dirty="0"/>
+              <a:t>XA </a:t>
+            </a:r>
+            <a:r>
+              <a:rPr lang="zh-CN" altLang="en-US" dirty="0"/>
+              <a:t>协议的事务资源，如 </a:t>
+            </a:r>
+            <a:r>
+              <a:rPr lang="en-US" altLang="zh-CN" dirty="0"/>
+              <a:t>JMS</a:t>
+            </a:r>
+            <a:r>
+              <a:rPr lang="zh-CN" altLang="en-US" dirty="0"/>
+              <a:t>、</a:t>
+            </a:r>
+            <a:r>
+              <a:rPr lang="en-US" altLang="zh-CN" dirty="0"/>
+              <a:t>JDBC </a:t>
+            </a:r>
+            <a:r>
+              <a:rPr lang="zh-CN" altLang="en-US" dirty="0"/>
+              <a:t>数据库连接池等。使用 </a:t>
+            </a:r>
+            <a:r>
+              <a:rPr lang="en-US" altLang="zh-CN" dirty="0"/>
+              <a:t>JTA </a:t>
+            </a:r>
+            <a:r>
+              <a:rPr lang="zh-CN" altLang="en-US" dirty="0"/>
+              <a:t>处理事务的示例如下（注意：</a:t>
+            </a:r>
+            <a:r>
+              <a:rPr lang="en-US" altLang="zh-CN" dirty="0" err="1"/>
+              <a:t>connA</a:t>
+            </a:r>
+            <a:r>
+              <a:rPr lang="en-US" altLang="zh-CN" dirty="0"/>
+              <a:t> </a:t>
+            </a:r>
+            <a:r>
+              <a:rPr lang="zh-CN" altLang="en-US" dirty="0"/>
+              <a:t>和 </a:t>
+            </a:r>
+            <a:r>
+              <a:rPr lang="en-US" altLang="zh-CN" dirty="0" err="1"/>
+              <a:t>connB</a:t>
+            </a:r>
+            <a:r>
+              <a:rPr lang="en-US" altLang="zh-CN" dirty="0"/>
+              <a:t> </a:t>
+            </a:r>
+            <a:r>
+              <a:rPr lang="zh-CN" altLang="en-US" dirty="0"/>
+              <a:t>是来自不同数据库的连接）</a:t>
             </a:r>
           </a:p>
         </p:txBody>
@@ -9254,7 +9754,7 @@
     </p:spTree>
     <p:extLst>
       <p:ext uri="{BB962C8B-B14F-4D97-AF65-F5344CB8AC3E}">
-        <p14:creationId xmlns:p14="http://schemas.microsoft.com/office/powerpoint/2010/main" val="395767643"/>
+        <p14:creationId xmlns:p14="http://schemas.microsoft.com/office/powerpoint/2010/main" val="1865720143"/>
       </p:ext>
     </p:extLst>
   </p:cSld>
@@ -9298,12 +9798,9 @@
           <a:p>
             <a:r>
               <a:rPr lang="en-US" altLang="zh-CN" dirty="0"/>
-              <a:t>JTA</a:t>
-            </a:r>
-            <a:r>
-              <a:rPr lang="zh-CN" altLang="en-US" dirty="0"/>
-              <a:t>的优缺点</a:t>
-            </a:r>
+              <a:t>JTA + JMS</a:t>
+            </a:r>
+            <a:endParaRPr lang="zh-CN" altLang="en-US" dirty="0"/>
           </a:p>
         </p:txBody>
       </p:sp>
@@ -9319,111 +9816,17 @@
         </p:nvSpPr>
         <p:spPr/>
         <p:txBody>
-          <a:bodyPr>
-            <a:normAutofit fontScale="92500" lnSpcReduction="10000"/>
-          </a:bodyPr>
+          <a:bodyPr/>
           <a:lstStyle/>
           <a:p>
-            <a:endParaRPr lang="zh-CN" altLang="en-US" dirty="0"/>
-          </a:p>
-          <a:p>
-            <a:r>
-              <a:rPr lang="zh-CN" altLang="en-US" dirty="0"/>
-              <a:t>优点：提供分布式事务的解决方案</a:t>
-            </a:r>
-            <a:endParaRPr lang="en-US" altLang="zh-CN" dirty="0"/>
-          </a:p>
-          <a:p>
-            <a:endParaRPr lang="en-US" altLang="zh-CN" dirty="0"/>
-          </a:p>
-          <a:p>
-            <a:r>
-              <a:rPr lang="zh-CN" altLang="en-US" dirty="0"/>
-              <a:t>缺点：</a:t>
-            </a:r>
-            <a:r>
-              <a:rPr lang="en-US" altLang="zh-CN" dirty="0"/>
-              <a:t> </a:t>
-            </a:r>
-          </a:p>
-          <a:p>
-            <a:pPr lvl="1"/>
-            <a:r>
-              <a:rPr lang="en-US" altLang="zh-CN" dirty="0"/>
-              <a:t>1</a:t>
-            </a:r>
-            <a:r>
-              <a:rPr lang="zh-CN" altLang="en-US" dirty="0"/>
-              <a:t>、 实现复杂</a:t>
-            </a:r>
-            <a:endParaRPr lang="en-US" altLang="zh-CN" dirty="0"/>
-          </a:p>
-          <a:p>
-            <a:pPr lvl="1"/>
-            <a:r>
-              <a:rPr lang="en-US" altLang="zh-CN" dirty="0"/>
-              <a:t>2</a:t>
-            </a:r>
-            <a:r>
-              <a:rPr lang="zh-CN" altLang="en-US" dirty="0"/>
-              <a:t>、只能在应用服务器环境下使用</a:t>
-            </a:r>
-            <a:endParaRPr lang="en-US" altLang="zh-CN" dirty="0"/>
-          </a:p>
-          <a:p>
-            <a:endParaRPr lang="en-US" altLang="zh-CN" dirty="0"/>
-          </a:p>
-          <a:p>
-            <a:r>
-              <a:rPr lang="zh-CN" altLang="en-US" dirty="0"/>
-              <a:t>替代方案</a:t>
-            </a:r>
-            <a:endParaRPr lang="en-US" altLang="zh-CN" dirty="0"/>
-          </a:p>
-          <a:p>
-            <a:pPr lvl="1"/>
-            <a:r>
-              <a:rPr lang="en-US" altLang="zh-CN" dirty="0"/>
-              <a:t>1</a:t>
-            </a:r>
-            <a:r>
-              <a:rPr lang="zh-CN" altLang="en-US" dirty="0"/>
-              <a:t>、异步消息确保型</a:t>
-            </a:r>
-            <a:endParaRPr lang="en-US" altLang="zh-CN" dirty="0"/>
-          </a:p>
-          <a:p>
-            <a:pPr lvl="1"/>
-            <a:r>
-              <a:rPr lang="en-US" altLang="zh-CN" dirty="0"/>
-              <a:t>2</a:t>
-            </a:r>
-            <a:r>
-              <a:rPr lang="zh-CN" altLang="en-US" dirty="0"/>
-              <a:t>、</a:t>
-            </a:r>
-            <a:r>
-              <a:rPr lang="en-US" altLang="zh-CN" dirty="0"/>
-              <a:t>TCC</a:t>
-            </a:r>
-          </a:p>
-          <a:p>
-            <a:pPr lvl="1"/>
-            <a:r>
-              <a:rPr lang="en-US" altLang="zh-CN" dirty="0"/>
-              <a:t>3</a:t>
-            </a:r>
-            <a:r>
-              <a:rPr lang="zh-CN" altLang="en-US" dirty="0"/>
-              <a:t>、最大努力通知等</a:t>
-            </a:r>
+            <a:endParaRPr lang="zh-CN" altLang="en-US"/>
           </a:p>
         </p:txBody>
       </p:sp>
     </p:spTree>
     <p:extLst>
       <p:ext uri="{BB962C8B-B14F-4D97-AF65-F5344CB8AC3E}">
-        <p14:creationId xmlns:p14="http://schemas.microsoft.com/office/powerpoint/2010/main" val="1321155832"/>
+        <p14:creationId xmlns:p14="http://schemas.microsoft.com/office/powerpoint/2010/main" val="208280720"/>
       </p:ext>
     </p:extLst>
   </p:cSld>
@@ -9467,7 +9870,7 @@
           <a:p>
             <a:r>
               <a:rPr lang="en-US" altLang="zh-CN" dirty="0"/>
-              <a:t>Spring + JTA</a:t>
+              <a:t>JTA+JDBC</a:t>
             </a:r>
             <a:endParaRPr lang="zh-CN" altLang="en-US" dirty="0"/>
           </a:p>
@@ -9488,121 +9891,14 @@
           <a:bodyPr/>
           <a:lstStyle/>
           <a:p>
-            <a:r>
-              <a:rPr lang="zh-CN" altLang="en-US" dirty="0"/>
-              <a:t>分布式事务（</a:t>
-            </a:r>
-            <a:r>
-              <a:rPr lang="en-US" altLang="zh-CN" dirty="0"/>
-              <a:t>Distributed Transaction</a:t>
-            </a:r>
-            <a:r>
-              <a:rPr lang="zh-CN" altLang="en-US" dirty="0"/>
-              <a:t>）包括事务管理器（</a:t>
-            </a:r>
-            <a:r>
-              <a:rPr lang="en-US" altLang="zh-CN" dirty="0"/>
-              <a:t>Transaction Manager</a:t>
-            </a:r>
-            <a:r>
-              <a:rPr lang="zh-CN" altLang="en-US" dirty="0"/>
-              <a:t>）和一个或多个支持 </a:t>
-            </a:r>
-            <a:r>
-              <a:rPr lang="en-US" altLang="zh-CN" dirty="0"/>
-              <a:t>XA </a:t>
-            </a:r>
-            <a:r>
-              <a:rPr lang="zh-CN" altLang="en-US" dirty="0"/>
-              <a:t>协议的资源管理器 </a:t>
-            </a:r>
-            <a:r>
-              <a:rPr lang="en-US" altLang="zh-CN" dirty="0"/>
-              <a:t>( Resource Manager )</a:t>
-            </a:r>
-            <a:r>
-              <a:rPr lang="zh-CN" altLang="en-US" dirty="0"/>
-              <a:t>。我们可以将资源管理器看做任意类型的持久化数据存储；事务管理器承担着所有事务参与单元的协调与控制。</a:t>
-            </a:r>
-            <a:r>
-              <a:rPr lang="en-US" altLang="zh-CN" dirty="0"/>
-              <a:t>JTA </a:t>
-            </a:r>
-            <a:r>
-              <a:rPr lang="zh-CN" altLang="en-US" dirty="0"/>
-              <a:t>事务有效的屏蔽了底层事务资源，使应用可以以透明的方式参入到事务处理中；但是与本地事务相比，</a:t>
-            </a:r>
-            <a:r>
-              <a:rPr lang="en-US" altLang="zh-CN" dirty="0"/>
-              <a:t>XA </a:t>
-            </a:r>
-            <a:r>
-              <a:rPr lang="zh-CN" altLang="en-US" dirty="0"/>
-              <a:t>协议的系统开销大，在系统开发过程中应慎重考虑是否确实需要分布式事务。若确实需要分布式事务以协调多个事务资源，则应实现和配置所支持 </a:t>
-            </a:r>
-            <a:r>
-              <a:rPr lang="en-US" altLang="zh-CN" dirty="0"/>
-              <a:t>XA </a:t>
-            </a:r>
-            <a:r>
-              <a:rPr lang="zh-CN" altLang="en-US" dirty="0"/>
-              <a:t>协议的事务资源，如 </a:t>
-            </a:r>
-            <a:r>
-              <a:rPr lang="en-US" altLang="zh-CN" dirty="0"/>
-              <a:t>JMS</a:t>
-            </a:r>
-            <a:r>
-              <a:rPr lang="zh-CN" altLang="en-US" dirty="0"/>
-              <a:t>、</a:t>
-            </a:r>
-            <a:r>
-              <a:rPr lang="en-US" altLang="zh-CN" dirty="0"/>
-              <a:t>JDBC </a:t>
-            </a:r>
-            <a:r>
-              <a:rPr lang="zh-CN" altLang="en-US" dirty="0"/>
-              <a:t>数据库连接池等。使用 </a:t>
-            </a:r>
-            <a:r>
-              <a:rPr lang="en-US" altLang="zh-CN" dirty="0"/>
-              <a:t>JTA </a:t>
-            </a:r>
-            <a:r>
-              <a:rPr lang="zh-CN" altLang="en-US" dirty="0"/>
-              <a:t>处理事务的示例如下（注意：</a:t>
-            </a:r>
-            <a:r>
-              <a:rPr lang="en-US" altLang="zh-CN" dirty="0" err="1"/>
-              <a:t>connA</a:t>
-            </a:r>
-            <a:r>
-              <a:rPr lang="en-US" altLang="zh-CN" dirty="0"/>
-              <a:t> </a:t>
-            </a:r>
-            <a:r>
-              <a:rPr lang="zh-CN" altLang="en-US" dirty="0"/>
-              <a:t>和 </a:t>
-            </a:r>
-            <a:r>
-              <a:rPr lang="en-US" altLang="zh-CN" dirty="0" err="1"/>
-              <a:t>connB</a:t>
-            </a:r>
-            <a:r>
-              <a:rPr lang="en-US" altLang="zh-CN" dirty="0"/>
-              <a:t> </a:t>
-            </a:r>
-            <a:r>
-              <a:rPr lang="zh-CN" altLang="en-US" dirty="0"/>
-              <a:t>是来自不同数据库的连接）</a:t>
-            </a:r>
+            <a:endParaRPr lang="zh-CN" altLang="en-US"/>
           </a:p>
         </p:txBody>
       </p:sp>
     </p:spTree>
     <p:extLst>
       <p:ext uri="{BB962C8B-B14F-4D97-AF65-F5344CB8AC3E}">
-        <p14:creationId xmlns:p14="http://schemas.microsoft.com/office/powerpoint/2010/main" val="1865720143"/>
+        <p14:creationId xmlns:p14="http://schemas.microsoft.com/office/powerpoint/2010/main" val="1035063022"/>
       </p:ext>
     </p:extLst>
   </p:cSld>
@@ -9646,35 +9942,132 @@
           <a:p>
             <a:r>
               <a:rPr lang="en-US" altLang="zh-CN" dirty="0"/>
-              <a:t>JTA + JMS</a:t>
-            </a:r>
+              <a:t>JTA</a:t>
+            </a:r>
+            <a:r>
+              <a:rPr lang="zh-CN" altLang="en-US" dirty="0"/>
+              <a:t>的优缺点</a:t>
+            </a:r>
+          </a:p>
+        </p:txBody>
+      </p:sp>
+      <p:sp>
+        <p:nvSpPr>
+          <p:cNvPr id="3" name="Content Placeholder 2"/>
+          <p:cNvSpPr>
+            <a:spLocks noGrp="1"/>
+          </p:cNvSpPr>
+          <p:nvPr>
+            <p:ph idx="1"/>
+          </p:nvPr>
+        </p:nvSpPr>
+        <p:spPr/>
+        <p:txBody>
+          <a:bodyPr>
+            <a:normAutofit fontScale="92500" lnSpcReduction="10000"/>
+          </a:bodyPr>
+          <a:lstStyle/>
+          <a:p>
             <a:endParaRPr lang="zh-CN" altLang="en-US" dirty="0"/>
           </a:p>
-        </p:txBody>
-      </p:sp>
-      <p:sp>
-        <p:nvSpPr>
-          <p:cNvPr id="3" name="Content Placeholder 2"/>
-          <p:cNvSpPr>
-            <a:spLocks noGrp="1"/>
-          </p:cNvSpPr>
-          <p:nvPr>
-            <p:ph idx="1"/>
-          </p:nvPr>
-        </p:nvSpPr>
-        <p:spPr/>
-        <p:txBody>
-          <a:bodyPr/>
-          <a:lstStyle/>
-          <a:p>
-            <a:endParaRPr lang="zh-CN" altLang="en-US"/>
+          <a:p>
+            <a:r>
+              <a:rPr lang="zh-CN" altLang="en-US" dirty="0"/>
+              <a:t>优点：提供分布式事务的解决方案</a:t>
+            </a:r>
+            <a:endParaRPr lang="en-US" altLang="zh-CN" dirty="0"/>
+          </a:p>
+          <a:p>
+            <a:endParaRPr lang="en-US" altLang="zh-CN" dirty="0"/>
+          </a:p>
+          <a:p>
+            <a:r>
+              <a:rPr lang="zh-CN" altLang="en-US" dirty="0"/>
+              <a:t>缺点：</a:t>
+            </a:r>
+            <a:r>
+              <a:rPr lang="en-US" altLang="zh-CN" dirty="0"/>
+              <a:t> </a:t>
+            </a:r>
+          </a:p>
+          <a:p>
+            <a:pPr lvl="1"/>
+            <a:r>
+              <a:rPr lang="en-US" altLang="zh-CN" dirty="0"/>
+              <a:t>1</a:t>
+            </a:r>
+            <a:r>
+              <a:rPr lang="zh-CN" altLang="en-US" dirty="0"/>
+              <a:t>、 实现复杂</a:t>
+            </a:r>
+            <a:endParaRPr lang="en-US" altLang="zh-CN" dirty="0"/>
+          </a:p>
+          <a:p>
+            <a:pPr lvl="1"/>
+            <a:r>
+              <a:rPr lang="en-US" altLang="zh-CN" dirty="0"/>
+              <a:t>2</a:t>
+            </a:r>
+            <a:r>
+              <a:rPr lang="zh-CN" altLang="en-US" dirty="0"/>
+              <a:t>、只能在应用服务器环境下使用</a:t>
+            </a:r>
+            <a:endParaRPr lang="en-US" altLang="zh-CN" dirty="0"/>
+          </a:p>
+          <a:p>
+            <a:endParaRPr lang="en-US" altLang="zh-CN" dirty="0"/>
+          </a:p>
+          <a:p>
+            <a:r>
+              <a:rPr lang="zh-CN" altLang="en-US" dirty="0"/>
+              <a:t>替代方案</a:t>
+            </a:r>
+            <a:endParaRPr lang="en-US" altLang="zh-CN" dirty="0"/>
+          </a:p>
+          <a:p>
+            <a:pPr lvl="1"/>
+            <a:r>
+              <a:rPr lang="en-US" altLang="zh-CN" dirty="0"/>
+              <a:t>1</a:t>
+            </a:r>
+            <a:r>
+              <a:rPr lang="zh-CN" altLang="en-US" dirty="0"/>
+              <a:t>、异步消息确保型</a:t>
+            </a:r>
+            <a:endParaRPr lang="en-US" altLang="zh-CN" dirty="0"/>
+          </a:p>
+          <a:p>
+            <a:pPr lvl="1"/>
+            <a:r>
+              <a:rPr lang="en-US" altLang="zh-CN" dirty="0"/>
+              <a:t>2</a:t>
+            </a:r>
+            <a:r>
+              <a:rPr lang="zh-CN" altLang="en-US" dirty="0"/>
+              <a:t>、</a:t>
+            </a:r>
+            <a:r>
+              <a:rPr lang="en-US" altLang="zh-CN" dirty="0"/>
+              <a:t>TCC</a:t>
+            </a:r>
+          </a:p>
+          <a:p>
+            <a:pPr lvl="1"/>
+            <a:r>
+              <a:rPr lang="en-US" altLang="zh-CN" dirty="0"/>
+              <a:t>3</a:t>
+            </a:r>
+            <a:r>
+              <a:rPr lang="zh-CN" altLang="en-US" dirty="0"/>
+              <a:t>、最大努力通知等</a:t>
+            </a:r>
           </a:p>
         </p:txBody>
       </p:sp>
     </p:spTree>
     <p:extLst>
       <p:ext uri="{BB962C8B-B14F-4D97-AF65-F5344CB8AC3E}">
-        <p14:creationId xmlns:p14="http://schemas.microsoft.com/office/powerpoint/2010/main" val="208280720"/>
+        <p14:creationId xmlns:p14="http://schemas.microsoft.com/office/powerpoint/2010/main" val="1321155832"/>
       </p:ext>
     </p:extLst>
   </p:cSld>
@@ -9810,37 +10203,131 @@
           <a:bodyPr/>
           <a:lstStyle/>
           <a:p>
-            <a:r>
-              <a:rPr lang="en-US" altLang="zh-CN" dirty="0"/>
-              <a:t>JTA+JDBC</a:t>
-            </a:r>
+            <a:endParaRPr lang="zh-CN" altLang="en-US"/>
+          </a:p>
+        </p:txBody>
+      </p:sp>
+      <p:sp>
+        <p:nvSpPr>
+          <p:cNvPr id="3" name="Content Placeholder 2"/>
+          <p:cNvSpPr>
+            <a:spLocks noGrp="1"/>
+          </p:cNvSpPr>
+          <p:nvPr>
+            <p:ph idx="1"/>
+          </p:nvPr>
+        </p:nvSpPr>
+        <p:spPr/>
+        <p:txBody>
+          <a:bodyPr>
+            <a:normAutofit lnSpcReduction="10000"/>
+          </a:bodyPr>
+          <a:lstStyle/>
+          <a:p>
+            <a:r>
+              <a:rPr lang="en-US" altLang="zh-CN" dirty="0"/>
+              <a:t>Java</a:t>
+            </a:r>
+            <a:r>
+              <a:rPr lang="zh-CN" altLang="en-US" dirty="0"/>
+              <a:t>事务的类型有三种：</a:t>
+            </a:r>
+            <a:r>
+              <a:rPr lang="en-US" altLang="zh-CN" dirty="0"/>
+              <a:t>JDBC</a:t>
+            </a:r>
+            <a:r>
+              <a:rPr lang="zh-CN" altLang="en-US" dirty="0"/>
+              <a:t>事务、</a:t>
+            </a:r>
+            <a:r>
+              <a:rPr lang="en-US" altLang="zh-CN" dirty="0"/>
+              <a:t>JTA(Java Transaction API)</a:t>
+            </a:r>
+            <a:r>
+              <a:rPr lang="zh-CN" altLang="en-US" dirty="0"/>
+              <a:t>事务、容器事务，其中</a:t>
+            </a:r>
+            <a:r>
+              <a:rPr lang="en-US" altLang="zh-CN" dirty="0"/>
+              <a:t>JDBC</a:t>
+            </a:r>
+            <a:r>
+              <a:rPr lang="zh-CN" altLang="en-US" dirty="0"/>
+              <a:t>的事务操作用法比较简单，适合于处理同一个数据源的操作。</a:t>
+            </a:r>
+            <a:r>
+              <a:rPr lang="en-US" altLang="zh-CN" dirty="0"/>
+              <a:t>JTA</a:t>
+            </a:r>
+            <a:r>
+              <a:rPr lang="zh-CN" altLang="en-US" dirty="0"/>
+              <a:t>事务相对复杂，可以用于处理跨多个数据库的事务，是分布式事务的一种解决方案。</a:t>
+            </a:r>
+          </a:p>
+          <a:p>
             <a:endParaRPr lang="zh-CN" altLang="en-US" dirty="0"/>
           </a:p>
-        </p:txBody>
-      </p:sp>
-      <p:sp>
-        <p:nvSpPr>
-          <p:cNvPr id="3" name="Content Placeholder 2"/>
-          <p:cNvSpPr>
-            <a:spLocks noGrp="1"/>
-          </p:cNvSpPr>
-          <p:nvPr>
-            <p:ph idx="1"/>
-          </p:nvPr>
-        </p:nvSpPr>
-        <p:spPr/>
-        <p:txBody>
-          <a:bodyPr/>
-          <a:lstStyle/>
-          <a:p>
-            <a:endParaRPr lang="zh-CN" altLang="en-US"/>
+          <a:p>
+            <a:r>
+              <a:rPr lang="zh-CN" altLang="en-US" dirty="0"/>
+              <a:t>这里还要简单说一下，虽然</a:t>
+            </a:r>
+            <a:r>
+              <a:rPr lang="en-US" altLang="zh-CN" dirty="0"/>
+              <a:t>JTA</a:t>
+            </a:r>
+            <a:r>
+              <a:rPr lang="zh-CN" altLang="en-US" dirty="0"/>
+              <a:t>事务是</a:t>
+            </a:r>
+            <a:r>
+              <a:rPr lang="en-US" altLang="zh-CN" dirty="0"/>
+              <a:t>Java</a:t>
+            </a:r>
+            <a:r>
+              <a:rPr lang="zh-CN" altLang="en-US" dirty="0"/>
+              <a:t>提供的可用于分布式事务的一套</a:t>
+            </a:r>
+            <a:r>
+              <a:rPr lang="en-US" altLang="zh-CN" dirty="0"/>
+              <a:t>API</a:t>
+            </a:r>
+            <a:r>
+              <a:rPr lang="zh-CN" altLang="en-US" dirty="0"/>
+              <a:t>，但是不同的</a:t>
+            </a:r>
+            <a:r>
+              <a:rPr lang="en-US" altLang="zh-CN" dirty="0"/>
+              <a:t>J2EE</a:t>
+            </a:r>
+            <a:r>
+              <a:rPr lang="zh-CN" altLang="en-US" dirty="0"/>
+              <a:t>平台的实现都不一样，并且都不是很方便使用，所以，一般在项目中不太使用这种较为负责的</a:t>
+            </a:r>
+            <a:r>
+              <a:rPr lang="en-US" altLang="zh-CN" dirty="0"/>
+              <a:t>API</a:t>
+            </a:r>
+            <a:r>
+              <a:rPr lang="zh-CN" altLang="en-US" dirty="0"/>
+              <a:t>。现在业内比较常用的分布式事务解决方案主要有异步消息确保型、</a:t>
+            </a:r>
+            <a:r>
+              <a:rPr lang="en-US" altLang="zh-CN" dirty="0"/>
+              <a:t>TCC</a:t>
+            </a:r>
+            <a:r>
+              <a:rPr lang="zh-CN" altLang="en-US" dirty="0"/>
+              <a:t>、最大努力通知等。关于这几种分布式事务解决方案，我会在后面的文章中介绍。欢迎关注与交流。</a:t>
+            </a:r>
           </a:p>
         </p:txBody>
       </p:sp>
     </p:spTree>
     <p:extLst>
       <p:ext uri="{BB962C8B-B14F-4D97-AF65-F5344CB8AC3E}">
-        <p14:creationId xmlns:p14="http://schemas.microsoft.com/office/powerpoint/2010/main" val="1035063022"/>
+        <p14:creationId xmlns:p14="http://schemas.microsoft.com/office/powerpoint/2010/main" val="3468678927"/>
       </p:ext>
     </p:extLst>
   </p:cSld>
@@ -9882,7 +10369,10 @@
           <a:bodyPr/>
           <a:lstStyle/>
           <a:p>
-            <a:endParaRPr lang="zh-CN" altLang="en-US"/>
+            <a:r>
+              <a:rPr lang="zh-CN" altLang="en-US" dirty="0"/>
+              <a:t>分布式事务不一致解决方法</a:t>
+            </a:r>
           </a:p>
         </p:txBody>
       </p:sp>
@@ -9898,115 +10388,35 @@
         </p:nvSpPr>
         <p:spPr/>
         <p:txBody>
-          <a:bodyPr>
-            <a:normAutofit lnSpcReduction="10000"/>
-          </a:bodyPr>
+          <a:bodyPr/>
           <a:lstStyle/>
           <a:p>
             <a:r>
-              <a:rPr lang="en-US" altLang="zh-CN" dirty="0"/>
-              <a:t>Java</a:t>
-            </a:r>
-            <a:r>
-              <a:rPr lang="zh-CN" altLang="en-US" dirty="0"/>
-              <a:t>事务的类型有三种：</a:t>
-            </a:r>
-            <a:r>
-              <a:rPr lang="en-US" altLang="zh-CN" dirty="0"/>
-              <a:t>JDBC</a:t>
-            </a:r>
-            <a:r>
-              <a:rPr lang="zh-CN" altLang="en-US" dirty="0"/>
-              <a:t>事务、</a:t>
-            </a:r>
-            <a:r>
-              <a:rPr lang="en-US" altLang="zh-CN" dirty="0"/>
-              <a:t>JTA(Java Transaction API)</a:t>
-            </a:r>
-            <a:r>
-              <a:rPr lang="zh-CN" altLang="en-US" dirty="0"/>
-              <a:t>事务、容器事务，其中</a:t>
-            </a:r>
-            <a:r>
-              <a:rPr lang="en-US" altLang="zh-CN" dirty="0"/>
-              <a:t>JDBC</a:t>
-            </a:r>
-            <a:r>
-              <a:rPr lang="zh-CN" altLang="en-US" dirty="0"/>
-              <a:t>的事务操作用法比较简单，适合于处理同一个数据源的操作。</a:t>
-            </a:r>
-            <a:r>
-              <a:rPr lang="en-US" altLang="zh-CN" dirty="0"/>
-              <a:t>JTA</a:t>
-            </a:r>
-            <a:r>
-              <a:rPr lang="zh-CN" altLang="en-US" dirty="0"/>
-              <a:t>事务相对复杂，可以用于处理跨多个数据库的事务，是分布式事务的一种解决方案。</a:t>
-            </a:r>
+              <a:rPr lang="zh-CN" altLang="en-US" dirty="0"/>
+              <a:t>解决分布式事务的最好办法就是不考虑分布式事务。</a:t>
+            </a:r>
+            <a:endParaRPr lang="zh-CN" altLang="en-US" dirty="0">
+              <a:effectLst/>
+            </a:endParaRPr>
+          </a:p>
+          <a:p>
+            <a:r>
+              <a:rPr lang="zh-CN" altLang="en-US" dirty="0"/>
+              <a:t>拆分，大的业务流程，转化成几个小的业务流程，然后考虑最终一致性</a:t>
+            </a:r>
+            <a:endParaRPr lang="zh-CN" altLang="en-US" dirty="0">
+              <a:effectLst/>
+            </a:endParaRPr>
           </a:p>
           <a:p>
             <a:endParaRPr lang="zh-CN" altLang="en-US" dirty="0"/>
-          </a:p>
-          <a:p>
-            <a:r>
-              <a:rPr lang="zh-CN" altLang="en-US" dirty="0"/>
-              <a:t>这里还要简单说一下，虽然</a:t>
-            </a:r>
-            <a:r>
-              <a:rPr lang="en-US" altLang="zh-CN" dirty="0"/>
-              <a:t>JTA</a:t>
-            </a:r>
-            <a:r>
-              <a:rPr lang="zh-CN" altLang="en-US" dirty="0"/>
-              <a:t>事务是</a:t>
-            </a:r>
-            <a:r>
-              <a:rPr lang="en-US" altLang="zh-CN" dirty="0"/>
-              <a:t>Java</a:t>
-            </a:r>
-            <a:r>
-              <a:rPr lang="zh-CN" altLang="en-US" dirty="0"/>
-              <a:t>提供的可用于分布式事务的一套</a:t>
-            </a:r>
-            <a:r>
-              <a:rPr lang="en-US" altLang="zh-CN" dirty="0"/>
-              <a:t>API</a:t>
-            </a:r>
-            <a:r>
-              <a:rPr lang="zh-CN" altLang="en-US" dirty="0"/>
-              <a:t>，但是不同的</a:t>
-            </a:r>
-            <a:r>
-              <a:rPr lang="en-US" altLang="zh-CN" dirty="0"/>
-              <a:t>J2EE</a:t>
-            </a:r>
-            <a:r>
-              <a:rPr lang="zh-CN" altLang="en-US" dirty="0"/>
-              <a:t>平台的实现都不一样，并且都不是很方便使用，所以，一般在项目中不太使用这种较为负责的</a:t>
-            </a:r>
-            <a:r>
-              <a:rPr lang="en-US" altLang="zh-CN" dirty="0"/>
-              <a:t>API</a:t>
-            </a:r>
-            <a:r>
-              <a:rPr lang="zh-CN" altLang="en-US" dirty="0"/>
-              <a:t>。现在业内比较常用的分布式事务解决方案主要有异步消息确保型、</a:t>
-            </a:r>
-            <a:r>
-              <a:rPr lang="en-US" altLang="zh-CN" dirty="0"/>
-              <a:t>TCC</a:t>
-            </a:r>
-            <a:r>
-              <a:rPr lang="zh-CN" altLang="en-US" dirty="0"/>
-              <a:t>、最大努力通知等。关于这几种分布式事务解决方案，我会在后面的文章中介绍。欢迎关注与交流。</a:t>
-            </a:r>
           </a:p>
         </p:txBody>
       </p:sp>
     </p:spTree>
     <p:extLst>
       <p:ext uri="{BB962C8B-B14F-4D97-AF65-F5344CB8AC3E}">
-        <p14:creationId xmlns:p14="http://schemas.microsoft.com/office/powerpoint/2010/main" val="3468678927"/>
+        <p14:creationId xmlns:p14="http://schemas.microsoft.com/office/powerpoint/2010/main" val="2961534618"/>
       </p:ext>
     </p:extLst>
   </p:cSld>
@@ -11453,10 +11863,6 @@
               </a:rPr>
               <a:t>数据库连接池等。</a:t>
             </a:r>
-            <a:endParaRPr lang="zh-CN" altLang="en-US" sz="1800" dirty="0">
-              <a:latin typeface="宋体" panose="02010600030101010101" pitchFamily="2" charset="-122"/>
-              <a:ea typeface="宋体" panose="02010600030101010101" pitchFamily="2" charset="-122"/>
-            </a:endParaRPr>
           </a:p>
         </p:txBody>
       </p:sp>
@@ -11506,14 +11912,9 @@
           <a:lstStyle/>
           <a:p>
             <a:r>
-              <a:rPr lang="en-US" altLang="zh-CN" b="1" dirty="0"/>
-              <a:t>XA</a:t>
-            </a:r>
-            <a:r>
-              <a:rPr lang="zh-CN" altLang="en-US" b="1" dirty="0"/>
-              <a:t>规范</a:t>
-            </a:r>
-            <a:endParaRPr lang="zh-CN" altLang="en-US" dirty="0"/>
+              <a:rPr lang="zh-CN" altLang="en-US" dirty="0"/>
+              <a:t>分布式事务的组成</a:t>
+            </a:r>
           </a:p>
         </p:txBody>
       </p:sp>
@@ -11527,77 +11928,38 @@
             <p:ph idx="1"/>
           </p:nvPr>
         </p:nvSpPr>
-        <p:spPr>
-          <a:xfrm>
-            <a:off x="620617" y="1544918"/>
-            <a:ext cx="10515600" cy="4351338"/>
-          </a:xfrm>
-        </p:spPr>
-        <p:txBody>
-          <a:bodyPr>
-            <a:normAutofit lnSpcReduction="10000"/>
-          </a:bodyPr>
+        <p:spPr/>
+        <p:txBody>
+          <a:bodyPr/>
           <a:lstStyle/>
           <a:p>
             <a:r>
               <a:rPr lang="zh-CN" altLang="en-US" dirty="0"/>
-              <a:t>应用程序（ </a:t>
-            </a:r>
-            <a:r>
-              <a:rPr lang="en-US" altLang="zh-CN" dirty="0"/>
-              <a:t>AP </a:t>
-            </a:r>
-            <a:r>
-              <a:rPr lang="zh-CN" altLang="en-US" dirty="0"/>
-              <a:t>） </a:t>
-            </a:r>
-            <a:r>
-              <a:rPr lang="en-US" altLang="zh-CN" dirty="0"/>
-              <a:t>+ </a:t>
-            </a:r>
-            <a:r>
-              <a:rPr lang="zh-CN" altLang="en-US" dirty="0"/>
-              <a:t>事务管理器（ </a:t>
-            </a:r>
-            <a:r>
-              <a:rPr lang="en-US" altLang="zh-CN" dirty="0"/>
-              <a:t>TM </a:t>
-            </a:r>
-            <a:r>
-              <a:rPr lang="zh-CN" altLang="en-US" dirty="0"/>
-              <a:t>）</a:t>
-            </a:r>
-            <a:r>
-              <a:rPr lang="en-US" altLang="zh-CN" dirty="0"/>
-              <a:t>+ </a:t>
-            </a:r>
-            <a:r>
-              <a:rPr lang="zh-CN" altLang="en-US" dirty="0"/>
-              <a:t>资源管理器（ </a:t>
-            </a:r>
-            <a:r>
-              <a:rPr lang="en-US" altLang="zh-CN" dirty="0"/>
-              <a:t>RM </a:t>
-            </a:r>
-            <a:r>
-              <a:rPr lang="zh-CN" altLang="en-US" dirty="0"/>
-              <a:t>）</a:t>
-            </a:r>
-            <a:r>
-              <a:rPr lang="en-US" altLang="zh-CN" dirty="0"/>
-              <a:t>+ </a:t>
-            </a:r>
-            <a:r>
-              <a:rPr lang="zh-CN" altLang="en-US" dirty="0"/>
-              <a:t>通信资源管理器（ </a:t>
-            </a:r>
-            <a:r>
-              <a:rPr lang="en-US" altLang="zh-CN" dirty="0"/>
-              <a:t>CRM </a:t>
-            </a:r>
-            <a:r>
-              <a:rPr lang="zh-CN" altLang="en-US" dirty="0"/>
-              <a:t>）</a:t>
+              <a:t>一个分布式事务（</a:t>
+            </a:r>
+            <a:r>
+              <a:rPr lang="en-US" altLang="zh-CN" dirty="0"/>
+              <a:t>Distributed Transaction</a:t>
+            </a:r>
+            <a:r>
+              <a:rPr lang="zh-CN" altLang="en-US" dirty="0"/>
+              <a:t>）包括一个事务管理器（</a:t>
+            </a:r>
+            <a:r>
+              <a:rPr lang="en-US" altLang="zh-CN" dirty="0"/>
+              <a:t>transaction manager</a:t>
+            </a:r>
+            <a:r>
+              <a:rPr lang="zh-CN" altLang="en-US" dirty="0"/>
+              <a:t>）和一个或多个资源管理器</a:t>
+            </a:r>
+            <a:r>
+              <a:rPr lang="en-US" altLang="zh-CN" dirty="0"/>
+              <a:t>(resource manager)</a:t>
+            </a:r>
+            <a:r>
+              <a:rPr lang="zh-CN" altLang="en-US" dirty="0"/>
+              <a:t>。</a:t>
             </a:r>
             <a:endParaRPr lang="en-US" altLang="zh-CN" dirty="0"/>
           </a:p>
@@ -11606,149 +11968,39 @@
           </a:p>
           <a:p>
             <a:r>
-              <a:rPr lang="en-US" altLang="zh-CN" dirty="0"/>
-              <a:t>TM-&gt;</a:t>
-            </a:r>
-            <a:r>
-              <a:rPr lang="zh-CN" altLang="en-US" dirty="0"/>
-              <a:t>交易中间件</a:t>
+              <a:rPr lang="zh-CN" altLang="en-US" dirty="0"/>
+              <a:t>一个资源管理器（</a:t>
+            </a:r>
+            <a:r>
+              <a:rPr lang="en-US" altLang="zh-CN" dirty="0"/>
+              <a:t>resource manager</a:t>
+            </a:r>
+            <a:r>
+              <a:rPr lang="zh-CN" altLang="en-US" dirty="0"/>
+              <a:t>）是任意类型的持久化数据存储。</a:t>
             </a:r>
             <a:endParaRPr lang="en-US" altLang="zh-CN" dirty="0"/>
           </a:p>
           <a:p>
             <a:r>
-              <a:rPr lang="en-US" altLang="zh-CN" dirty="0"/>
-              <a:t>RM-&gt;</a:t>
-            </a:r>
-            <a:r>
-              <a:rPr lang="zh-CN" altLang="en-US" dirty="0"/>
-              <a:t>数据库</a:t>
-            </a:r>
-            <a:endParaRPr lang="en-US" altLang="zh-CN" dirty="0"/>
-          </a:p>
-          <a:p>
-            <a:r>
-              <a:rPr lang="en-US" altLang="zh-CN" dirty="0"/>
-              <a:t>CRM</a:t>
-            </a:r>
-            <a:r>
-              <a:rPr lang="en-US" altLang="zh-CN" dirty="0"/>
-              <a:t>-&gt;</a:t>
-            </a:r>
-            <a:r>
-              <a:rPr lang="zh-CN" altLang="en-US" dirty="0"/>
-              <a:t>消息中间件</a:t>
-            </a:r>
-            <a:endParaRPr lang="en-US" altLang="zh-CN" dirty="0"/>
-          </a:p>
-          <a:p>
-            <a:endParaRPr lang="en-US" altLang="zh-CN" dirty="0"/>
-          </a:p>
-          <a:p>
-            <a:r>
-              <a:rPr lang="zh-CN" altLang="en-US" dirty="0"/>
-              <a:t>参考：</a:t>
-            </a:r>
-            <a:r>
-              <a:rPr lang="en-US" altLang="zh-CN" dirty="0"/>
-              <a:t> http://www.infoq.com/cn/articles/xa-transactions-handle</a:t>
-            </a:r>
-            <a:endParaRPr lang="en-US" altLang="zh-CN" dirty="0"/>
-          </a:p>
-          <a:p>
-            <a:r>
-              <a:rPr lang="zh-CN" altLang="en-US" dirty="0"/>
-              <a:t> </a:t>
-            </a:r>
-          </a:p>
-        </p:txBody>
-      </p:sp>
-      <p:pic>
-        <p:nvPicPr>
-          <p:cNvPr id="3074" name="Picture 2" descr="http://my.csdn.net/uploads/201205/29/1338274936_5727.gif"/>
-          <p:cNvPicPr>
-            <a:picLocks noChangeAspect="1" noChangeArrowheads="1"/>
-          </p:cNvPicPr>
-          <p:nvPr/>
-        </p:nvPicPr>
-        <p:blipFill>
-          <a:blip r:embed="rId2">
-            <a:extLst>
-              <a:ext uri="{28A0092B-C50C-407E-A947-70E740481C1C}">
-                <a14:useLocalDpi xmlns:a14="http://schemas.microsoft.com/office/drawing/2010/main" val="0"/>
-              </a:ext>
-            </a:extLst>
-          </a:blip>
-          <a:srcRect/>
-          <a:stretch>
-            <a:fillRect/>
-          </a:stretch>
-        </p:blipFill>
-        <p:spPr bwMode="auto">
-          <a:xfrm>
-            <a:off x="2831335" y="1878315"/>
-            <a:ext cx="5144878" cy="4430895"/>
-          </a:xfrm>
-          <a:prstGeom prst="rect">
-            <a:avLst/>
-          </a:prstGeom>
-          <a:noFill/>
-          <a:extLst>
-            <a:ext uri="{909E8E84-426E-40DD-AFC4-6F175D3DCCD1}">
-              <a14:hiddenFill xmlns:a14="http://schemas.microsoft.com/office/drawing/2010/main">
-                <a:solidFill>
-                  <a:srgbClr val="FFFFFF"/>
-                </a:solidFill>
-              </a14:hiddenFill>
-            </a:ext>
-          </a:extLst>
-        </p:spPr>
-      </p:pic>
-      <p:pic>
-        <p:nvPicPr>
-          <p:cNvPr id="4" name="Picture 2" descr="http://cdn1.infoqstatic.com/statics_s1_20161108-0613u1/resource/articles/xa-transactions-handle/zh/resources/image1.png"/>
-          <p:cNvPicPr>
-            <a:picLocks noChangeAspect="1" noChangeArrowheads="1"/>
-          </p:cNvPicPr>
-          <p:nvPr/>
-        </p:nvPicPr>
-        <p:blipFill>
-          <a:blip r:embed="rId3">
-            <a:extLst>
-              <a:ext uri="{28A0092B-C50C-407E-A947-70E740481C1C}">
-                <a14:useLocalDpi xmlns:a14="http://schemas.microsoft.com/office/drawing/2010/main" val="0"/>
-              </a:ext>
-            </a:extLst>
-          </a:blip>
-          <a:srcRect/>
-          <a:stretch>
-            <a:fillRect/>
-          </a:stretch>
-        </p:blipFill>
-        <p:spPr bwMode="auto">
-          <a:xfrm>
-            <a:off x="5619579" y="2318235"/>
-            <a:ext cx="7210425" cy="3990975"/>
-          </a:xfrm>
-          <a:prstGeom prst="rect">
-            <a:avLst/>
-          </a:prstGeom>
-          <a:noFill/>
-          <a:extLst>
-            <a:ext uri="{909E8E84-426E-40DD-AFC4-6F175D3DCCD1}">
-              <a14:hiddenFill xmlns:a14="http://schemas.microsoft.com/office/drawing/2010/main">
-                <a:solidFill>
-                  <a:srgbClr val="FFFFFF"/>
-                </a:solidFill>
-              </a14:hiddenFill>
-            </a:ext>
-          </a:extLst>
-        </p:spPr>
-      </p:pic>
+              <a:rPr lang="zh-CN" altLang="en-US" dirty="0"/>
+              <a:t>事务管理器（</a:t>
+            </a:r>
+            <a:r>
+              <a:rPr lang="en-US" altLang="zh-CN" dirty="0"/>
+              <a:t>transaction manager</a:t>
+            </a:r>
+            <a:r>
+              <a:rPr lang="zh-CN" altLang="en-US" dirty="0"/>
+              <a:t>）承担着所有事务参与单元者的相互通讯的责任。</a:t>
+            </a:r>
+          </a:p>
+        </p:txBody>
+      </p:sp>
     </p:spTree>
     <p:extLst>
       <p:ext uri="{BB962C8B-B14F-4D97-AF65-F5344CB8AC3E}">
-        <p14:creationId xmlns:p14="http://schemas.microsoft.com/office/powerpoint/2010/main" val="3422690223"/>
+        <p14:creationId xmlns:p14="http://schemas.microsoft.com/office/powerpoint/2010/main" val="395767643"/>
       </p:ext>
     </p:extLst>
   </p:cSld>
@@ -11791,13 +12043,14 @@
           <a:lstStyle/>
           <a:p>
             <a:r>
-              <a:rPr lang="en-US" altLang="zh-CN" dirty="0"/>
+              <a:rPr lang="en-US" altLang="zh-CN" b="1" dirty="0"/>
               <a:t>XA</a:t>
             </a:r>
             <a:r>
-              <a:rPr lang="zh-CN" altLang="en-US" dirty="0"/>
-              <a:t>规范相关算法</a:t>
-            </a:r>
+              <a:rPr lang="zh-CN" altLang="en-US" b="1" dirty="0"/>
+              <a:t>规范</a:t>
+            </a:r>
+            <a:endParaRPr lang="zh-CN" altLang="en-US" dirty="0"/>
           </a:p>
         </p:txBody>
       </p:sp>
@@ -11811,63 +12064,231 @@
             <p:ph idx="1"/>
           </p:nvPr>
         </p:nvSpPr>
-        <p:spPr/>
-        <p:txBody>
-          <a:bodyPr/>
+        <p:spPr>
+          <a:xfrm>
+            <a:off x="620617" y="1544918"/>
+            <a:ext cx="10515600" cy="4351338"/>
+          </a:xfrm>
+        </p:spPr>
+        <p:txBody>
+          <a:bodyPr>
+            <a:normAutofit/>
+          </a:bodyPr>
           <a:lstStyle/>
           <a:p>
-            <a:r>
-              <a:rPr lang="en-US" altLang="zh-CN" dirty="0"/>
-              <a:t>1</a:t>
-            </a:r>
-            <a:r>
-              <a:rPr lang="zh-CN" altLang="en-US" dirty="0"/>
-              <a:t>、两段式提交</a:t>
-            </a:r>
-            <a:r>
-              <a:rPr lang="en-US" altLang="zh-CN" dirty="0"/>
-              <a:t>(Two Phase Commitment)</a:t>
-            </a:r>
-          </a:p>
-          <a:p>
-            <a:r>
-              <a:rPr lang="en-US" altLang="zh-CN" dirty="0"/>
-              <a:t>2</a:t>
-            </a:r>
-            <a:r>
-              <a:rPr lang="zh-CN" altLang="en-US" dirty="0"/>
-              <a:t>、三阶段提交</a:t>
-            </a:r>
-            <a:r>
-              <a:rPr lang="en-US" altLang="zh-CN" dirty="0"/>
-              <a:t>(Three Phase Commitment)</a:t>
-            </a:r>
-          </a:p>
-          <a:p>
-            <a:r>
-              <a:rPr lang="en-US" altLang="zh-CN" dirty="0"/>
-              <a:t>3</a:t>
-            </a:r>
-            <a:r>
-              <a:rPr lang="zh-CN" altLang="en-US" dirty="0"/>
-              <a:t>、</a:t>
-            </a:r>
-            <a:r>
-              <a:rPr lang="en-US" altLang="zh-CN" dirty="0" err="1"/>
-              <a:t>Paxos</a:t>
-            </a:r>
-            <a:r>
-              <a:rPr lang="zh-CN" altLang="en-US" dirty="0"/>
-              <a:t>算法</a:t>
-            </a:r>
+            <a:pPr marL="0" indent="0">
+              <a:buNone/>
+            </a:pPr>
+            <a:r>
+              <a:rPr lang="zh-CN" altLang="en-US" sz="1800" dirty="0">
+                <a:latin typeface="宋体" panose="02010600030101010101" pitchFamily="2" charset="-122"/>
+                <a:ea typeface="宋体" panose="02010600030101010101" pitchFamily="2" charset="-122"/>
+              </a:rPr>
+              <a:t>模型：应用程序（ </a:t>
+            </a:r>
+            <a:r>
+              <a:rPr lang="en-US" altLang="zh-CN" sz="1800" dirty="0">
+                <a:latin typeface="宋体" panose="02010600030101010101" pitchFamily="2" charset="-122"/>
+                <a:ea typeface="宋体" panose="02010600030101010101" pitchFamily="2" charset="-122"/>
+              </a:rPr>
+              <a:t>AP </a:t>
+            </a:r>
+            <a:r>
+              <a:rPr lang="zh-CN" altLang="en-US" sz="1800" dirty="0">
+                <a:latin typeface="宋体" panose="02010600030101010101" pitchFamily="2" charset="-122"/>
+                <a:ea typeface="宋体" panose="02010600030101010101" pitchFamily="2" charset="-122"/>
+              </a:rPr>
+              <a:t>） </a:t>
+            </a:r>
+            <a:r>
+              <a:rPr lang="en-US" altLang="zh-CN" sz="1800" dirty="0">
+                <a:latin typeface="宋体" panose="02010600030101010101" pitchFamily="2" charset="-122"/>
+                <a:ea typeface="宋体" panose="02010600030101010101" pitchFamily="2" charset="-122"/>
+              </a:rPr>
+              <a:t>+ </a:t>
+            </a:r>
+            <a:r>
+              <a:rPr lang="zh-CN" altLang="en-US" sz="1800" dirty="0">
+                <a:latin typeface="宋体" panose="02010600030101010101" pitchFamily="2" charset="-122"/>
+                <a:ea typeface="宋体" panose="02010600030101010101" pitchFamily="2" charset="-122"/>
+              </a:rPr>
+              <a:t>事务管理器（ </a:t>
+            </a:r>
+            <a:r>
+              <a:rPr lang="en-US" altLang="zh-CN" sz="1800" dirty="0">
+                <a:latin typeface="宋体" panose="02010600030101010101" pitchFamily="2" charset="-122"/>
+                <a:ea typeface="宋体" panose="02010600030101010101" pitchFamily="2" charset="-122"/>
+              </a:rPr>
+              <a:t>TM </a:t>
+            </a:r>
+            <a:r>
+              <a:rPr lang="zh-CN" altLang="en-US" sz="1800" dirty="0">
+                <a:latin typeface="宋体" panose="02010600030101010101" pitchFamily="2" charset="-122"/>
+                <a:ea typeface="宋体" panose="02010600030101010101" pitchFamily="2" charset="-122"/>
+              </a:rPr>
+              <a:t>）</a:t>
+            </a:r>
+            <a:r>
+              <a:rPr lang="en-US" altLang="zh-CN" sz="1800" dirty="0">
+                <a:latin typeface="宋体" panose="02010600030101010101" pitchFamily="2" charset="-122"/>
+                <a:ea typeface="宋体" panose="02010600030101010101" pitchFamily="2" charset="-122"/>
+              </a:rPr>
+              <a:t>+ </a:t>
+            </a:r>
+            <a:r>
+              <a:rPr lang="zh-CN" altLang="en-US" sz="1800" dirty="0">
+                <a:latin typeface="宋体" panose="02010600030101010101" pitchFamily="2" charset="-122"/>
+                <a:ea typeface="宋体" panose="02010600030101010101" pitchFamily="2" charset="-122"/>
+              </a:rPr>
+              <a:t>资源管理器（ </a:t>
+            </a:r>
+            <a:r>
+              <a:rPr lang="en-US" altLang="zh-CN" sz="1800" dirty="0">
+                <a:latin typeface="宋体" panose="02010600030101010101" pitchFamily="2" charset="-122"/>
+                <a:ea typeface="宋体" panose="02010600030101010101" pitchFamily="2" charset="-122"/>
+              </a:rPr>
+              <a:t>RM </a:t>
+            </a:r>
+            <a:r>
+              <a:rPr lang="zh-CN" altLang="en-US" sz="1800" dirty="0">
+                <a:latin typeface="宋体" panose="02010600030101010101" pitchFamily="2" charset="-122"/>
+                <a:ea typeface="宋体" panose="02010600030101010101" pitchFamily="2" charset="-122"/>
+              </a:rPr>
+              <a:t>）</a:t>
+            </a:r>
+            <a:r>
+              <a:rPr lang="en-US" altLang="zh-CN" sz="1800" dirty="0">
+                <a:latin typeface="宋体" panose="02010600030101010101" pitchFamily="2" charset="-122"/>
+                <a:ea typeface="宋体" panose="02010600030101010101" pitchFamily="2" charset="-122"/>
+              </a:rPr>
+              <a:t>+ </a:t>
+            </a:r>
+            <a:r>
+              <a:rPr lang="zh-CN" altLang="en-US" sz="1800" dirty="0">
+                <a:latin typeface="宋体" panose="02010600030101010101" pitchFamily="2" charset="-122"/>
+                <a:ea typeface="宋体" panose="02010600030101010101" pitchFamily="2" charset="-122"/>
+              </a:rPr>
+              <a:t>通信资源管理器（ </a:t>
+            </a:r>
+            <a:r>
+              <a:rPr lang="en-US" altLang="zh-CN" sz="1800" dirty="0">
+                <a:latin typeface="宋体" panose="02010600030101010101" pitchFamily="2" charset="-122"/>
+                <a:ea typeface="宋体" panose="02010600030101010101" pitchFamily="2" charset="-122"/>
+              </a:rPr>
+              <a:t>CRM </a:t>
+            </a:r>
+            <a:r>
+              <a:rPr lang="zh-CN" altLang="en-US" sz="1800" dirty="0">
+                <a:latin typeface="宋体" panose="02010600030101010101" pitchFamily="2" charset="-122"/>
+                <a:ea typeface="宋体" panose="02010600030101010101" pitchFamily="2" charset="-122"/>
+              </a:rPr>
+              <a:t>）</a:t>
+            </a:r>
+            <a:endParaRPr lang="en-US" altLang="zh-CN" sz="1800" dirty="0">
+              <a:latin typeface="宋体" panose="02010600030101010101" pitchFamily="2" charset="-122"/>
+              <a:ea typeface="宋体" panose="02010600030101010101" pitchFamily="2" charset="-122"/>
+            </a:endParaRPr>
+          </a:p>
+          <a:p>
             <a:endParaRPr lang="en-US" altLang="zh-CN" dirty="0"/>
           </a:p>
-        </p:txBody>
-      </p:sp>
+          <a:p>
+            <a:endParaRPr lang="en-US" altLang="zh-CN" dirty="0"/>
+          </a:p>
+          <a:p>
+            <a:r>
+              <a:rPr lang="zh-CN" altLang="en-US" dirty="0"/>
+              <a:t> </a:t>
+            </a:r>
+          </a:p>
+        </p:txBody>
+      </p:sp>
+      <p:pic>
+        <p:nvPicPr>
+          <p:cNvPr id="3074" name="Picture 2" descr="http://my.csdn.net/uploads/201205/29/1338274936_5727.gif"/>
+          <p:cNvPicPr>
+            <a:picLocks noChangeAspect="1" noChangeArrowheads="1"/>
+          </p:cNvPicPr>
+          <p:nvPr/>
+        </p:nvPicPr>
+        <p:blipFill>
+          <a:blip r:embed="rId3">
+            <a:extLst>
+              <a:ext uri="{28A0092B-C50C-407E-A947-70E740481C1C}">
+                <a14:useLocalDpi xmlns:a14="http://schemas.microsoft.com/office/drawing/2010/main" val="0"/>
+              </a:ext>
+            </a:extLst>
+          </a:blip>
+          <a:srcRect/>
+          <a:stretch>
+            <a:fillRect/>
+          </a:stretch>
+        </p:blipFill>
+        <p:spPr bwMode="auto">
+          <a:xfrm>
+            <a:off x="477427" y="2096508"/>
+            <a:ext cx="5144878" cy="4430895"/>
+          </a:xfrm>
+          <a:prstGeom prst="rect">
+            <a:avLst/>
+          </a:prstGeom>
+          <a:noFill/>
+          <a:extLst>
+            <a:ext uri="{909E8E84-426E-40DD-AFC4-6F175D3DCCD1}">
+              <a14:hiddenFill xmlns:a14="http://schemas.microsoft.com/office/drawing/2010/main">
+                <a:solidFill>
+                  <a:srgbClr val="FFFFFF"/>
+                </a:solidFill>
+              </a14:hiddenFill>
+            </a:ext>
+          </a:extLst>
+        </p:spPr>
+      </p:pic>
+      <p:pic>
+        <p:nvPicPr>
+          <p:cNvPr id="4" name="Picture 2" descr="http://cdn1.infoqstatic.com/statics_s1_20161108-0613u1/resource/articles/xa-transactions-handle/zh/resources/image1.png"/>
+          <p:cNvPicPr>
+            <a:picLocks noChangeAspect="1" noChangeArrowheads="1"/>
+          </p:cNvPicPr>
+          <p:nvPr/>
+        </p:nvPicPr>
+        <p:blipFill>
+          <a:blip r:embed="rId4">
+            <a:extLst>
+              <a:ext uri="{28A0092B-C50C-407E-A947-70E740481C1C}">
+                <a14:useLocalDpi xmlns:a14="http://schemas.microsoft.com/office/drawing/2010/main" val="0"/>
+              </a:ext>
+            </a:extLst>
+          </a:blip>
+          <a:srcRect/>
+          <a:stretch>
+            <a:fillRect/>
+          </a:stretch>
+        </p:blipFill>
+        <p:spPr bwMode="auto">
+          <a:xfrm>
+            <a:off x="5622305" y="2311101"/>
+            <a:ext cx="7210425" cy="3990975"/>
+          </a:xfrm>
+          <a:prstGeom prst="rect">
+            <a:avLst/>
+          </a:prstGeom>
+          <a:noFill/>
+          <a:extLst>
+            <a:ext uri="{909E8E84-426E-40DD-AFC4-6F175D3DCCD1}">
+              <a14:hiddenFill xmlns:a14="http://schemas.microsoft.com/office/drawing/2010/main">
+                <a:solidFill>
+                  <a:srgbClr val="FFFFFF"/>
+                </a:solidFill>
+              </a14:hiddenFill>
+            </a:ext>
+          </a:extLst>
+        </p:spPr>
+      </p:pic>
     </p:spTree>
     <p:extLst>
       <p:ext uri="{BB962C8B-B14F-4D97-AF65-F5344CB8AC3E}">
-        <p14:creationId xmlns:p14="http://schemas.microsoft.com/office/powerpoint/2010/main" val="319723291"/>
+        <p14:creationId xmlns:p14="http://schemas.microsoft.com/office/powerpoint/2010/main" val="3422690223"/>
       </p:ext>
     </p:extLst>
   </p:cSld>
